--- a/Historias/tres porquinhos.pptx
+++ b/Historias/tres porquinhos.pptx
@@ -8,6 +8,7 @@
     <p:sldId id="256" r:id="rId2"/>
     <p:sldId id="257" r:id="rId3"/>
     <p:sldId id="258" r:id="rId4"/>
+    <p:sldId id="259" r:id="rId5"/>
   </p:sldIdLst>
   <p:sldSz cx="9144000" cy="6858000" type="screen4x3"/>
   <p:notesSz cx="6858000" cy="9144000"/>
@@ -290,7 +291,7 @@
           <a:p>
             <a:fld id="{D336D9EC-3F67-47E3-B629-D15E06818C71}" type="datetimeFigureOut">
               <a:rPr lang="pt-BR" smtClean="0"/>
-              <a:t>04/11/2019</a:t>
+              <a:t>11/11/2019</a:t>
             </a:fld>
             <a:endParaRPr lang="pt-BR"/>
           </a:p>
@@ -460,7 +461,7 @@
           <a:p>
             <a:fld id="{D336D9EC-3F67-47E3-B629-D15E06818C71}" type="datetimeFigureOut">
               <a:rPr lang="pt-BR" smtClean="0"/>
-              <a:t>04/11/2019</a:t>
+              <a:t>11/11/2019</a:t>
             </a:fld>
             <a:endParaRPr lang="pt-BR"/>
           </a:p>
@@ -640,7 +641,7 @@
           <a:p>
             <a:fld id="{D336D9EC-3F67-47E3-B629-D15E06818C71}" type="datetimeFigureOut">
               <a:rPr lang="pt-BR" smtClean="0"/>
-              <a:t>04/11/2019</a:t>
+              <a:t>11/11/2019</a:t>
             </a:fld>
             <a:endParaRPr lang="pt-BR"/>
           </a:p>
@@ -810,7 +811,7 @@
           <a:p>
             <a:fld id="{D336D9EC-3F67-47E3-B629-D15E06818C71}" type="datetimeFigureOut">
               <a:rPr lang="pt-BR" smtClean="0"/>
-              <a:t>04/11/2019</a:t>
+              <a:t>11/11/2019</a:t>
             </a:fld>
             <a:endParaRPr lang="pt-BR"/>
           </a:p>
@@ -1056,7 +1057,7 @@
           <a:p>
             <a:fld id="{D336D9EC-3F67-47E3-B629-D15E06818C71}" type="datetimeFigureOut">
               <a:rPr lang="pt-BR" smtClean="0"/>
-              <a:t>04/11/2019</a:t>
+              <a:t>11/11/2019</a:t>
             </a:fld>
             <a:endParaRPr lang="pt-BR"/>
           </a:p>
@@ -1344,7 +1345,7 @@
           <a:p>
             <a:fld id="{D336D9EC-3F67-47E3-B629-D15E06818C71}" type="datetimeFigureOut">
               <a:rPr lang="pt-BR" smtClean="0"/>
-              <a:t>04/11/2019</a:t>
+              <a:t>11/11/2019</a:t>
             </a:fld>
             <a:endParaRPr lang="pt-BR"/>
           </a:p>
@@ -1766,7 +1767,7 @@
           <a:p>
             <a:fld id="{D336D9EC-3F67-47E3-B629-D15E06818C71}" type="datetimeFigureOut">
               <a:rPr lang="pt-BR" smtClean="0"/>
-              <a:t>04/11/2019</a:t>
+              <a:t>11/11/2019</a:t>
             </a:fld>
             <a:endParaRPr lang="pt-BR"/>
           </a:p>
@@ -1884,7 +1885,7 @@
           <a:p>
             <a:fld id="{D336D9EC-3F67-47E3-B629-D15E06818C71}" type="datetimeFigureOut">
               <a:rPr lang="pt-BR" smtClean="0"/>
-              <a:t>04/11/2019</a:t>
+              <a:t>11/11/2019</a:t>
             </a:fld>
             <a:endParaRPr lang="pt-BR"/>
           </a:p>
@@ -1979,7 +1980,7 @@
           <a:p>
             <a:fld id="{D336D9EC-3F67-47E3-B629-D15E06818C71}" type="datetimeFigureOut">
               <a:rPr lang="pt-BR" smtClean="0"/>
-              <a:t>04/11/2019</a:t>
+              <a:t>11/11/2019</a:t>
             </a:fld>
             <a:endParaRPr lang="pt-BR"/>
           </a:p>
@@ -2256,7 +2257,7 @@
           <a:p>
             <a:fld id="{D336D9EC-3F67-47E3-B629-D15E06818C71}" type="datetimeFigureOut">
               <a:rPr lang="pt-BR" smtClean="0"/>
-              <a:t>04/11/2019</a:t>
+              <a:t>11/11/2019</a:t>
             </a:fld>
             <a:endParaRPr lang="pt-BR"/>
           </a:p>
@@ -2509,7 +2510,7 @@
           <a:p>
             <a:fld id="{D336D9EC-3F67-47E3-B629-D15E06818C71}" type="datetimeFigureOut">
               <a:rPr lang="pt-BR" smtClean="0"/>
-              <a:t>04/11/2019</a:t>
+              <a:t>11/11/2019</a:t>
             </a:fld>
             <a:endParaRPr lang="pt-BR"/>
           </a:p>
@@ -2722,7 +2723,7 @@
           <a:p>
             <a:fld id="{D336D9EC-3F67-47E3-B629-D15E06818C71}" type="datetimeFigureOut">
               <a:rPr lang="pt-BR" smtClean="0"/>
-              <a:t>04/11/2019</a:t>
+              <a:t>11/11/2019</a:t>
             </a:fld>
             <a:endParaRPr lang="pt-BR"/>
           </a:p>
@@ -6180,7 +6181,7 @@
         </p:nvGrpSpPr>
         <p:grpSpPr>
           <a:xfrm>
-            <a:off x="5618332" y="173132"/>
+            <a:off x="5685840" y="327269"/>
             <a:ext cx="1995486" cy="1832259"/>
             <a:chOff x="6374810" y="1043929"/>
             <a:chExt cx="1995486" cy="1832259"/>
@@ -10123,7 +10124,7 @@
         </p:blipFill>
         <p:spPr bwMode="auto">
           <a:xfrm>
-            <a:off x="-2300436" y="277040"/>
+            <a:off x="-1042150" y="556362"/>
             <a:ext cx="4959931" cy="5212626"/>
           </a:xfrm>
           <a:prstGeom prst="rect">
@@ -10143,42 +10144,42 @@
       </p:pic>
       <p:grpSp>
         <p:nvGrpSpPr>
-          <p:cNvPr id="5" name="Grupo 4"/>
+          <p:cNvPr id="52" name="Grupo 51"/>
           <p:cNvGrpSpPr/>
           <p:nvPr/>
         </p:nvGrpSpPr>
         <p:grpSpPr>
           <a:xfrm>
-            <a:off x="2101661" y="2300063"/>
-            <a:ext cx="1249483" cy="1792020"/>
-            <a:chOff x="2625788" y="0"/>
-            <a:chExt cx="1442626" cy="2097814"/>
+            <a:off x="4083838" y="989179"/>
+            <a:ext cx="3658370" cy="4397209"/>
+            <a:chOff x="2101661" y="1326270"/>
+            <a:chExt cx="3658370" cy="4397209"/>
           </a:xfrm>
         </p:grpSpPr>
         <p:grpSp>
           <p:nvGrpSpPr>
-            <p:cNvPr id="6" name="Grupo 5"/>
+            <p:cNvPr id="51" name="Grupo 50"/>
             <p:cNvGrpSpPr/>
             <p:nvPr/>
           </p:nvGrpSpPr>
           <p:grpSpPr>
             <a:xfrm>
-              <a:off x="2625788" y="0"/>
-              <a:ext cx="1442626" cy="2097814"/>
-              <a:chOff x="-277200" y="2876821"/>
-              <a:chExt cx="1442626" cy="2097814"/>
+              <a:off x="4629726" y="4744994"/>
+              <a:ext cx="573117" cy="963569"/>
+              <a:chOff x="4571829" y="4664133"/>
+              <a:chExt cx="573117" cy="963569"/>
             </a:xfrm>
           </p:grpSpPr>
           <p:sp>
             <p:nvSpPr>
-              <p:cNvPr id="8" name="Elipse 116"/>
+              <p:cNvPr id="44" name="Elipse 43"/>
               <p:cNvSpPr/>
               <p:nvPr/>
             </p:nvSpPr>
             <p:spPr>
               <a:xfrm>
-                <a:off x="-277200" y="2876821"/>
-                <a:ext cx="1442626" cy="2097814"/>
+                <a:off x="4571829" y="4664133"/>
+                <a:ext cx="561214" cy="960165"/>
               </a:xfrm>
               <a:custGeom>
                 <a:avLst/>
@@ -10187,79 +10188,61 @@
                 <a:cxnLst/>
                 <a:rect l="l" t="t" r="r" b="b"/>
                 <a:pathLst>
-                  <a:path w="1442626" h="2097814">
+                  <a:path w="561214" h="960165">
                     <a:moveTo>
-                      <a:pt x="483238" y="0"/>
+                      <a:pt x="57584" y="0"/>
                     </a:moveTo>
                     <a:lnTo>
-                      <a:pt x="738604" y="340306"/>
+                      <a:pt x="287916" y="0"/>
                     </a:lnTo>
                     <a:cubicBezTo>
-                      <a:pt x="756652" y="334778"/>
-                      <a:pt x="775885" y="332281"/>
-                      <a:pt x="795744" y="332281"/>
+                      <a:pt x="319719" y="0"/>
+                      <a:pt x="345500" y="25781"/>
+                      <a:pt x="345500" y="57584"/>
+                    </a:cubicBezTo>
+                    <a:lnTo>
+                      <a:pt x="345500" y="633275"/>
+                    </a:lnTo>
+                    <a:cubicBezTo>
+                      <a:pt x="469208" y="646874"/>
+                      <a:pt x="561214" y="713446"/>
+                      <a:pt x="561214" y="792995"/>
                     </a:cubicBezTo>
                     <a:cubicBezTo>
-                      <a:pt x="846128" y="332281"/>
-                      <a:pt x="892484" y="348356"/>
-                      <a:pt x="927302" y="377928"/>
+                      <a:pt x="561214" y="885320"/>
+                      <a:pt x="437281" y="960165"/>
+                      <a:pt x="284401" y="960165"/>
+                    </a:cubicBezTo>
+                    <a:cubicBezTo>
+                      <a:pt x="131521" y="960165"/>
+                      <a:pt x="7588" y="885320"/>
+                      <a:pt x="7588" y="792995"/>
                     </a:cubicBezTo>
                     <a:lnTo>
-                      <a:pt x="1312008" y="343175"/>
-                    </a:lnTo>
-                    <a:lnTo>
-                      <a:pt x="1288125" y="704241"/>
-                    </a:lnTo>
-                    <a:lnTo>
-                      <a:pt x="978002" y="634176"/>
+                      <a:pt x="11623" y="768822"/>
                     </a:lnTo>
                     <a:cubicBezTo>
-                      <a:pt x="973126" y="648210"/>
-                      <a:pt x="963800" y="659341"/>
-                      <a:pt x="953243" y="669383"/>
-                    </a:cubicBezTo>
-                    <a:cubicBezTo>
-                      <a:pt x="1182856" y="851360"/>
-                      <a:pt x="1442626" y="1284328"/>
-                      <a:pt x="1442626" y="1607349"/>
-                    </a:cubicBezTo>
-                    <a:cubicBezTo>
-                      <a:pt x="1442626" y="2025963"/>
-                      <a:pt x="1006356" y="2101404"/>
-                      <a:pt x="765918" y="2097687"/>
-                    </a:cubicBezTo>
-                    <a:cubicBezTo>
-                      <a:pt x="525480" y="2093970"/>
-                      <a:pt x="0" y="2003661"/>
-                      <a:pt x="0" y="1585047"/>
-                    </a:cubicBezTo>
-                    <a:cubicBezTo>
-                      <a:pt x="0" y="1242167"/>
-                      <a:pt x="352544" y="785380"/>
-                      <a:pt x="612423" y="633692"/>
-                    </a:cubicBezTo>
-                    <a:cubicBezTo>
-                      <a:pt x="590556" y="605665"/>
-                      <a:pt x="579720" y="570809"/>
-                      <a:pt x="579720" y="533594"/>
+                      <a:pt x="3994" y="759983"/>
+                      <a:pt x="0" y="748398"/>
+                      <a:pt x="0" y="735880"/>
                     </a:cubicBezTo>
                     <a:lnTo>
-                      <a:pt x="580294" y="528293"/>
+                      <a:pt x="0" y="57584"/>
                     </a:lnTo>
-                    <a:lnTo>
-                      <a:pt x="214726" y="283147"/>
-                    </a:lnTo>
+                    <a:cubicBezTo>
+                      <a:pt x="0" y="25781"/>
+                      <a:pt x="25781" y="0"/>
+                      <a:pt x="57584" y="0"/>
+                    </a:cubicBezTo>
                     <a:close/>
                   </a:path>
                 </a:pathLst>
               </a:custGeom>
               <a:solidFill>
-                <a:srgbClr val="E44444"/>
+                <a:srgbClr val="FCC7A6"/>
               </a:solidFill>
-              <a:ln>
-                <a:solidFill>
-                  <a:srgbClr val="C00000"/>
-                </a:solidFill>
+              <a:ln w="3175">
+                <a:noFill/>
               </a:ln>
             </p:spPr>
             <p:style>
@@ -10289,109 +10272,174 @@
           </p:sp>
           <p:sp>
             <p:nvSpPr>
-              <p:cNvPr id="9" name="Elipse 117"/>
+              <p:cNvPr id="49" name="Elipse 46"/>
               <p:cNvSpPr/>
               <p:nvPr/>
             </p:nvSpPr>
             <p:spPr>
-              <a:xfrm rot="1028214">
-                <a:off x="119052" y="3489626"/>
-                <a:ext cx="222732" cy="794009"/>
+              <a:xfrm>
+                <a:off x="4594300" y="5301630"/>
+                <a:ext cx="550646" cy="326072"/>
               </a:xfrm>
               <a:custGeom>
                 <a:avLst/>
-                <a:gdLst>
-                  <a:gd name="connsiteX0" fmla="*/ 0 w 207885"/>
-                  <a:gd name="connsiteY0" fmla="*/ 363551 h 727101"/>
-                  <a:gd name="connsiteX1" fmla="*/ 103943 w 207885"/>
-                  <a:gd name="connsiteY1" fmla="*/ 0 h 727101"/>
-                  <a:gd name="connsiteX2" fmla="*/ 207886 w 207885"/>
-                  <a:gd name="connsiteY2" fmla="*/ 363551 h 727101"/>
-                  <a:gd name="connsiteX3" fmla="*/ 103943 w 207885"/>
-                  <a:gd name="connsiteY3" fmla="*/ 727102 h 727101"/>
-                  <a:gd name="connsiteX4" fmla="*/ 0 w 207885"/>
-                  <a:gd name="connsiteY4" fmla="*/ 363551 h 727101"/>
-                  <a:gd name="connsiteX0" fmla="*/ 1 w 124236"/>
-                  <a:gd name="connsiteY0" fmla="*/ 408003 h 727638"/>
-                  <a:gd name="connsiteX1" fmla="*/ 20293 w 124236"/>
-                  <a:gd name="connsiteY1" fmla="*/ 230 h 727638"/>
-                  <a:gd name="connsiteX2" fmla="*/ 124236 w 124236"/>
-                  <a:gd name="connsiteY2" fmla="*/ 363781 h 727638"/>
-                  <a:gd name="connsiteX3" fmla="*/ 20293 w 124236"/>
-                  <a:gd name="connsiteY3" fmla="*/ 727332 h 727638"/>
-                  <a:gd name="connsiteX4" fmla="*/ 1 w 124236"/>
-                  <a:gd name="connsiteY4" fmla="*/ 408003 h 727638"/>
-                  <a:gd name="connsiteX0" fmla="*/ 98216 w 222451"/>
-                  <a:gd name="connsiteY0" fmla="*/ 408003 h 693191"/>
-                  <a:gd name="connsiteX1" fmla="*/ 118508 w 222451"/>
-                  <a:gd name="connsiteY1" fmla="*/ 230 h 693191"/>
-                  <a:gd name="connsiteX2" fmla="*/ 222451 w 222451"/>
-                  <a:gd name="connsiteY2" fmla="*/ 363781 h 693191"/>
-                  <a:gd name="connsiteX3" fmla="*/ 2888 w 222451"/>
-                  <a:gd name="connsiteY3" fmla="*/ 692968 h 693191"/>
-                  <a:gd name="connsiteX4" fmla="*/ 98216 w 222451"/>
-                  <a:gd name="connsiteY4" fmla="*/ 408003 h 693191"/>
-                  <a:gd name="connsiteX0" fmla="*/ 98497 w 222732"/>
-                  <a:gd name="connsiteY0" fmla="*/ 508799 h 794009"/>
-                  <a:gd name="connsiteX1" fmla="*/ 181038 w 222732"/>
-                  <a:gd name="connsiteY1" fmla="*/ 147 h 794009"/>
-                  <a:gd name="connsiteX2" fmla="*/ 222732 w 222732"/>
-                  <a:gd name="connsiteY2" fmla="*/ 464577 h 794009"/>
-                  <a:gd name="connsiteX3" fmla="*/ 3169 w 222732"/>
-                  <a:gd name="connsiteY3" fmla="*/ 793764 h 794009"/>
-                  <a:gd name="connsiteX4" fmla="*/ 98497 w 222732"/>
-                  <a:gd name="connsiteY4" fmla="*/ 508799 h 794009"/>
-                </a:gdLst>
+                <a:gdLst/>
                 <a:ahLst/>
-                <a:cxnLst>
-                  <a:cxn ang="0">
-                    <a:pos x="connsiteX0" y="connsiteY0"/>
-                  </a:cxn>
-                  <a:cxn ang="0">
-                    <a:pos x="connsiteX1" y="connsiteY1"/>
-                  </a:cxn>
-                  <a:cxn ang="0">
-                    <a:pos x="connsiteX2" y="connsiteY2"/>
-                  </a:cxn>
-                  <a:cxn ang="0">
-                    <a:pos x="connsiteX3" y="connsiteY3"/>
-                  </a:cxn>
-                  <a:cxn ang="0">
-                    <a:pos x="connsiteX4" y="connsiteY4"/>
-                  </a:cxn>
-                </a:cxnLst>
+                <a:cxnLst/>
                 <a:rect l="l" t="t" r="r" b="b"/>
                 <a:pathLst>
-                  <a:path w="222732" h="794009">
+                  <a:path w="550646" h="326072">
                     <a:moveTo>
-                      <a:pt x="98497" y="508799"/>
+                      <a:pt x="341646" y="0"/>
                     </a:moveTo>
                     <a:cubicBezTo>
-                      <a:pt x="128142" y="376530"/>
-                      <a:pt x="160332" y="7517"/>
-                      <a:pt x="181038" y="147"/>
+                      <a:pt x="461980" y="15225"/>
+                      <a:pt x="550646" y="80810"/>
+                      <a:pt x="550646" y="158902"/>
                     </a:cubicBezTo>
                     <a:cubicBezTo>
-                      <a:pt x="201744" y="-7223"/>
-                      <a:pt x="222732" y="263793"/>
-                      <a:pt x="222732" y="464577"/>
+                      <a:pt x="550646" y="251227"/>
+                      <a:pt x="426713" y="326072"/>
+                      <a:pt x="273833" y="326072"/>
                     </a:cubicBezTo>
                     <a:cubicBezTo>
-                      <a:pt x="222732" y="665361"/>
-                      <a:pt x="23875" y="786394"/>
-                      <a:pt x="3169" y="793764"/>
+                      <a:pt x="131078" y="326072"/>
+                      <a:pt x="13562" y="260812"/>
+                      <a:pt x="0" y="176753"/>
                     </a:cubicBezTo>
                     <a:cubicBezTo>
-                      <a:pt x="-17537" y="801134"/>
-                      <a:pt x="68852" y="641069"/>
-                      <a:pt x="98497" y="508799"/>
+                      <a:pt x="50962" y="181241"/>
+                      <a:pt x="109139" y="170116"/>
+                      <a:pt x="166850" y="145479"/>
+                    </a:cubicBezTo>
+                    <a:cubicBezTo>
+                      <a:pt x="248486" y="110629"/>
+                      <a:pt x="311241" y="56406"/>
+                      <a:pt x="341646" y="0"/>
                     </a:cubicBezTo>
                     <a:close/>
                   </a:path>
                 </a:pathLst>
               </a:custGeom>
               <a:solidFill>
-                <a:srgbClr val="CC0000"/>
+                <a:srgbClr val="8B3535"/>
+              </a:solidFill>
+              <a:ln>
+                <a:solidFill>
+                  <a:srgbClr val="8B3535"/>
+                </a:solidFill>
+              </a:ln>
+            </p:spPr>
+            <p:style>
+              <a:lnRef idx="2">
+                <a:schemeClr val="accent1">
+                  <a:shade val="50000"/>
+                </a:schemeClr>
+              </a:lnRef>
+              <a:fillRef idx="1">
+                <a:schemeClr val="accent1"/>
+              </a:fillRef>
+              <a:effectRef idx="0">
+                <a:schemeClr val="accent1"/>
+              </a:effectRef>
+              <a:fontRef idx="minor">
+                <a:schemeClr val="lt1"/>
+              </a:fontRef>
+            </p:style>
+            <p:txBody>
+              <a:bodyPr rtlCol="0" anchor="ctr"/>
+              <a:lstStyle/>
+              <a:p>
+                <a:pPr algn="ctr"/>
+                <a:endParaRPr lang="pt-BR"/>
+              </a:p>
+            </p:txBody>
+          </p:sp>
+        </p:grpSp>
+        <p:grpSp>
+          <p:nvGrpSpPr>
+            <p:cNvPr id="50" name="Grupo 49"/>
+            <p:cNvGrpSpPr/>
+            <p:nvPr/>
+          </p:nvGrpSpPr>
+          <p:grpSpPr>
+            <a:xfrm>
+              <a:off x="4068512" y="4763314"/>
+              <a:ext cx="561214" cy="960165"/>
+              <a:chOff x="3939504" y="4711061"/>
+              <a:chExt cx="561214" cy="960165"/>
+            </a:xfrm>
+          </p:grpSpPr>
+          <p:sp>
+            <p:nvSpPr>
+              <p:cNvPr id="46" name="Elipse 45"/>
+              <p:cNvSpPr/>
+              <p:nvPr/>
+            </p:nvSpPr>
+            <p:spPr>
+              <a:xfrm>
+                <a:off x="3939504" y="4711061"/>
+                <a:ext cx="561214" cy="960165"/>
+              </a:xfrm>
+              <a:custGeom>
+                <a:avLst/>
+                <a:gdLst/>
+                <a:ahLst/>
+                <a:cxnLst/>
+                <a:rect l="l" t="t" r="r" b="b"/>
+                <a:pathLst>
+                  <a:path w="561214" h="960165">
+                    <a:moveTo>
+                      <a:pt x="57584" y="0"/>
+                    </a:moveTo>
+                    <a:lnTo>
+                      <a:pt x="287916" y="0"/>
+                    </a:lnTo>
+                    <a:cubicBezTo>
+                      <a:pt x="319719" y="0"/>
+                      <a:pt x="345500" y="25781"/>
+                      <a:pt x="345500" y="57584"/>
+                    </a:cubicBezTo>
+                    <a:lnTo>
+                      <a:pt x="345500" y="633275"/>
+                    </a:lnTo>
+                    <a:cubicBezTo>
+                      <a:pt x="469208" y="646874"/>
+                      <a:pt x="561214" y="713446"/>
+                      <a:pt x="561214" y="792995"/>
+                    </a:cubicBezTo>
+                    <a:cubicBezTo>
+                      <a:pt x="561214" y="885320"/>
+                      <a:pt x="437281" y="960165"/>
+                      <a:pt x="284401" y="960165"/>
+                    </a:cubicBezTo>
+                    <a:cubicBezTo>
+                      <a:pt x="131521" y="960165"/>
+                      <a:pt x="7588" y="885320"/>
+                      <a:pt x="7588" y="792995"/>
+                    </a:cubicBezTo>
+                    <a:lnTo>
+                      <a:pt x="11623" y="768822"/>
+                    </a:lnTo>
+                    <a:cubicBezTo>
+                      <a:pt x="3994" y="759983"/>
+                      <a:pt x="0" y="748398"/>
+                      <a:pt x="0" y="735880"/>
+                    </a:cubicBezTo>
+                    <a:lnTo>
+                      <a:pt x="0" y="57584"/>
+                    </a:lnTo>
+                    <a:cubicBezTo>
+                      <a:pt x="0" y="25781"/>
+                      <a:pt x="25781" y="0"/>
+                      <a:pt x="57584" y="0"/>
+                    </a:cubicBezTo>
+                    <a:close/>
+                  </a:path>
+                </a:pathLst>
+              </a:custGeom>
+              <a:solidFill>
+                <a:srgbClr val="FCC7A6"/>
               </a:solidFill>
               <a:ln>
                 <a:noFill/>
@@ -10424,58 +10472,1690 @@
           </p:sp>
           <p:sp>
             <p:nvSpPr>
-              <p:cNvPr id="10" name="Elipse 117"/>
+              <p:cNvPr id="47" name="Elipse 46"/>
               <p:cNvSpPr/>
               <p:nvPr/>
             </p:nvSpPr>
             <p:spPr>
-              <a:xfrm rot="20571786" flipH="1">
-                <a:off x="607964" y="3490660"/>
-                <a:ext cx="163747" cy="760067"/>
+              <a:xfrm>
+                <a:off x="3939504" y="5345154"/>
+                <a:ext cx="550646" cy="326072"/>
+              </a:xfrm>
+              <a:custGeom>
+                <a:avLst/>
+                <a:gdLst/>
+                <a:ahLst/>
+                <a:cxnLst/>
+                <a:rect l="l" t="t" r="r" b="b"/>
+                <a:pathLst>
+                  <a:path w="550646" h="326072">
+                    <a:moveTo>
+                      <a:pt x="341646" y="0"/>
+                    </a:moveTo>
+                    <a:cubicBezTo>
+                      <a:pt x="461980" y="15225"/>
+                      <a:pt x="550646" y="80810"/>
+                      <a:pt x="550646" y="158902"/>
+                    </a:cubicBezTo>
+                    <a:cubicBezTo>
+                      <a:pt x="550646" y="251227"/>
+                      <a:pt x="426713" y="326072"/>
+                      <a:pt x="273833" y="326072"/>
+                    </a:cubicBezTo>
+                    <a:cubicBezTo>
+                      <a:pt x="131078" y="326072"/>
+                      <a:pt x="13562" y="260812"/>
+                      <a:pt x="0" y="176753"/>
+                    </a:cubicBezTo>
+                    <a:cubicBezTo>
+                      <a:pt x="50962" y="181241"/>
+                      <a:pt x="109139" y="170116"/>
+                      <a:pt x="166850" y="145479"/>
+                    </a:cubicBezTo>
+                    <a:cubicBezTo>
+                      <a:pt x="248486" y="110629"/>
+                      <a:pt x="311241" y="56406"/>
+                      <a:pt x="341646" y="0"/>
+                    </a:cubicBezTo>
+                    <a:close/>
+                  </a:path>
+                </a:pathLst>
+              </a:custGeom>
+              <a:solidFill>
+                <a:srgbClr val="8B3535"/>
+              </a:solidFill>
+              <a:ln w="3175">
+                <a:solidFill>
+                  <a:srgbClr val="8B3535"/>
+                </a:solidFill>
+              </a:ln>
+            </p:spPr>
+            <p:style>
+              <a:lnRef idx="2">
+                <a:schemeClr val="accent1">
+                  <a:shade val="50000"/>
+                </a:schemeClr>
+              </a:lnRef>
+              <a:fillRef idx="1">
+                <a:schemeClr val="accent1"/>
+              </a:fillRef>
+              <a:effectRef idx="0">
+                <a:schemeClr val="accent1"/>
+              </a:effectRef>
+              <a:fontRef idx="minor">
+                <a:schemeClr val="lt1"/>
+              </a:fontRef>
+            </p:style>
+            <p:txBody>
+              <a:bodyPr rtlCol="0" anchor="ctr"/>
+              <a:lstStyle/>
+              <a:p>
+                <a:pPr algn="ctr"/>
+                <a:endParaRPr lang="pt-BR"/>
+              </a:p>
+            </p:txBody>
+          </p:sp>
+        </p:grpSp>
+        <p:grpSp>
+          <p:nvGrpSpPr>
+            <p:cNvPr id="5" name="Grupo 4"/>
+            <p:cNvGrpSpPr/>
+            <p:nvPr/>
+          </p:nvGrpSpPr>
+          <p:grpSpPr>
+            <a:xfrm>
+              <a:off x="2101661" y="2300063"/>
+              <a:ext cx="1249483" cy="1792020"/>
+              <a:chOff x="2625788" y="0"/>
+              <a:chExt cx="1442626" cy="2097814"/>
+            </a:xfrm>
+          </p:grpSpPr>
+          <p:grpSp>
+            <p:nvGrpSpPr>
+              <p:cNvPr id="6" name="Grupo 5"/>
+              <p:cNvGrpSpPr/>
+              <p:nvPr/>
+            </p:nvGrpSpPr>
+            <p:grpSpPr>
+              <a:xfrm>
+                <a:off x="2625788" y="0"/>
+                <a:ext cx="1442626" cy="2097814"/>
+                <a:chOff x="-277200" y="2876821"/>
+                <a:chExt cx="1442626" cy="2097814"/>
+              </a:xfrm>
+            </p:grpSpPr>
+            <p:sp>
+              <p:nvSpPr>
+                <p:cNvPr id="8" name="Elipse 116"/>
+                <p:cNvSpPr/>
+                <p:nvPr/>
+              </p:nvSpPr>
+              <p:spPr>
+                <a:xfrm>
+                  <a:off x="-277200" y="2876821"/>
+                  <a:ext cx="1442626" cy="2097814"/>
+                </a:xfrm>
+                <a:custGeom>
+                  <a:avLst/>
+                  <a:gdLst/>
+                  <a:ahLst/>
+                  <a:cxnLst/>
+                  <a:rect l="l" t="t" r="r" b="b"/>
+                  <a:pathLst>
+                    <a:path w="1442626" h="2097814">
+                      <a:moveTo>
+                        <a:pt x="483238" y="0"/>
+                      </a:moveTo>
+                      <a:lnTo>
+                        <a:pt x="738604" y="340306"/>
+                      </a:lnTo>
+                      <a:cubicBezTo>
+                        <a:pt x="756652" y="334778"/>
+                        <a:pt x="775885" y="332281"/>
+                        <a:pt x="795744" y="332281"/>
+                      </a:cubicBezTo>
+                      <a:cubicBezTo>
+                        <a:pt x="846128" y="332281"/>
+                        <a:pt x="892484" y="348356"/>
+                        <a:pt x="927302" y="377928"/>
+                      </a:cubicBezTo>
+                      <a:lnTo>
+                        <a:pt x="1312008" y="343175"/>
+                      </a:lnTo>
+                      <a:lnTo>
+                        <a:pt x="1288125" y="704241"/>
+                      </a:lnTo>
+                      <a:lnTo>
+                        <a:pt x="978002" y="634176"/>
+                      </a:lnTo>
+                      <a:cubicBezTo>
+                        <a:pt x="973126" y="648210"/>
+                        <a:pt x="963800" y="659341"/>
+                        <a:pt x="953243" y="669383"/>
+                      </a:cubicBezTo>
+                      <a:cubicBezTo>
+                        <a:pt x="1182856" y="851360"/>
+                        <a:pt x="1442626" y="1284328"/>
+                        <a:pt x="1442626" y="1607349"/>
+                      </a:cubicBezTo>
+                      <a:cubicBezTo>
+                        <a:pt x="1442626" y="2025963"/>
+                        <a:pt x="1006356" y="2101404"/>
+                        <a:pt x="765918" y="2097687"/>
+                      </a:cubicBezTo>
+                      <a:cubicBezTo>
+                        <a:pt x="525480" y="2093970"/>
+                        <a:pt x="0" y="2003661"/>
+                        <a:pt x="0" y="1585047"/>
+                      </a:cubicBezTo>
+                      <a:cubicBezTo>
+                        <a:pt x="0" y="1242167"/>
+                        <a:pt x="352544" y="785380"/>
+                        <a:pt x="612423" y="633692"/>
+                      </a:cubicBezTo>
+                      <a:cubicBezTo>
+                        <a:pt x="590556" y="605665"/>
+                        <a:pt x="579720" y="570809"/>
+                        <a:pt x="579720" y="533594"/>
+                      </a:cubicBezTo>
+                      <a:lnTo>
+                        <a:pt x="580294" y="528293"/>
+                      </a:lnTo>
+                      <a:lnTo>
+                        <a:pt x="214726" y="283147"/>
+                      </a:lnTo>
+                      <a:close/>
+                    </a:path>
+                  </a:pathLst>
+                </a:custGeom>
+                <a:solidFill>
+                  <a:srgbClr val="E44444"/>
+                </a:solidFill>
+                <a:ln>
+                  <a:solidFill>
+                    <a:srgbClr val="C00000"/>
+                  </a:solidFill>
+                </a:ln>
+              </p:spPr>
+              <p:style>
+                <a:lnRef idx="2">
+                  <a:schemeClr val="accent1">
+                    <a:shade val="50000"/>
+                  </a:schemeClr>
+                </a:lnRef>
+                <a:fillRef idx="1">
+                  <a:schemeClr val="accent1"/>
+                </a:fillRef>
+                <a:effectRef idx="0">
+                  <a:schemeClr val="accent1"/>
+                </a:effectRef>
+                <a:fontRef idx="minor">
+                  <a:schemeClr val="lt1"/>
+                </a:fontRef>
+              </p:style>
+              <p:txBody>
+                <a:bodyPr rtlCol="0" anchor="ctr"/>
+                <a:lstStyle/>
+                <a:p>
+                  <a:pPr algn="ctr"/>
+                  <a:endParaRPr lang="pt-BR"/>
+                </a:p>
+              </p:txBody>
+            </p:sp>
+            <p:sp>
+              <p:nvSpPr>
+                <p:cNvPr id="9" name="Elipse 117"/>
+                <p:cNvSpPr/>
+                <p:nvPr/>
+              </p:nvSpPr>
+              <p:spPr>
+                <a:xfrm rot="1028214">
+                  <a:off x="119052" y="3489626"/>
+                  <a:ext cx="222732" cy="794009"/>
+                </a:xfrm>
+                <a:custGeom>
+                  <a:avLst/>
+                  <a:gdLst>
+                    <a:gd name="connsiteX0" fmla="*/ 0 w 207885"/>
+                    <a:gd name="connsiteY0" fmla="*/ 363551 h 727101"/>
+                    <a:gd name="connsiteX1" fmla="*/ 103943 w 207885"/>
+                    <a:gd name="connsiteY1" fmla="*/ 0 h 727101"/>
+                    <a:gd name="connsiteX2" fmla="*/ 207886 w 207885"/>
+                    <a:gd name="connsiteY2" fmla="*/ 363551 h 727101"/>
+                    <a:gd name="connsiteX3" fmla="*/ 103943 w 207885"/>
+                    <a:gd name="connsiteY3" fmla="*/ 727102 h 727101"/>
+                    <a:gd name="connsiteX4" fmla="*/ 0 w 207885"/>
+                    <a:gd name="connsiteY4" fmla="*/ 363551 h 727101"/>
+                    <a:gd name="connsiteX0" fmla="*/ 1 w 124236"/>
+                    <a:gd name="connsiteY0" fmla="*/ 408003 h 727638"/>
+                    <a:gd name="connsiteX1" fmla="*/ 20293 w 124236"/>
+                    <a:gd name="connsiteY1" fmla="*/ 230 h 727638"/>
+                    <a:gd name="connsiteX2" fmla="*/ 124236 w 124236"/>
+                    <a:gd name="connsiteY2" fmla="*/ 363781 h 727638"/>
+                    <a:gd name="connsiteX3" fmla="*/ 20293 w 124236"/>
+                    <a:gd name="connsiteY3" fmla="*/ 727332 h 727638"/>
+                    <a:gd name="connsiteX4" fmla="*/ 1 w 124236"/>
+                    <a:gd name="connsiteY4" fmla="*/ 408003 h 727638"/>
+                    <a:gd name="connsiteX0" fmla="*/ 98216 w 222451"/>
+                    <a:gd name="connsiteY0" fmla="*/ 408003 h 693191"/>
+                    <a:gd name="connsiteX1" fmla="*/ 118508 w 222451"/>
+                    <a:gd name="connsiteY1" fmla="*/ 230 h 693191"/>
+                    <a:gd name="connsiteX2" fmla="*/ 222451 w 222451"/>
+                    <a:gd name="connsiteY2" fmla="*/ 363781 h 693191"/>
+                    <a:gd name="connsiteX3" fmla="*/ 2888 w 222451"/>
+                    <a:gd name="connsiteY3" fmla="*/ 692968 h 693191"/>
+                    <a:gd name="connsiteX4" fmla="*/ 98216 w 222451"/>
+                    <a:gd name="connsiteY4" fmla="*/ 408003 h 693191"/>
+                    <a:gd name="connsiteX0" fmla="*/ 98497 w 222732"/>
+                    <a:gd name="connsiteY0" fmla="*/ 508799 h 794009"/>
+                    <a:gd name="connsiteX1" fmla="*/ 181038 w 222732"/>
+                    <a:gd name="connsiteY1" fmla="*/ 147 h 794009"/>
+                    <a:gd name="connsiteX2" fmla="*/ 222732 w 222732"/>
+                    <a:gd name="connsiteY2" fmla="*/ 464577 h 794009"/>
+                    <a:gd name="connsiteX3" fmla="*/ 3169 w 222732"/>
+                    <a:gd name="connsiteY3" fmla="*/ 793764 h 794009"/>
+                    <a:gd name="connsiteX4" fmla="*/ 98497 w 222732"/>
+                    <a:gd name="connsiteY4" fmla="*/ 508799 h 794009"/>
+                  </a:gdLst>
+                  <a:ahLst/>
+                  <a:cxnLst>
+                    <a:cxn ang="0">
+                      <a:pos x="connsiteX0" y="connsiteY0"/>
+                    </a:cxn>
+                    <a:cxn ang="0">
+                      <a:pos x="connsiteX1" y="connsiteY1"/>
+                    </a:cxn>
+                    <a:cxn ang="0">
+                      <a:pos x="connsiteX2" y="connsiteY2"/>
+                    </a:cxn>
+                    <a:cxn ang="0">
+                      <a:pos x="connsiteX3" y="connsiteY3"/>
+                    </a:cxn>
+                    <a:cxn ang="0">
+                      <a:pos x="connsiteX4" y="connsiteY4"/>
+                    </a:cxn>
+                  </a:cxnLst>
+                  <a:rect l="l" t="t" r="r" b="b"/>
+                  <a:pathLst>
+                    <a:path w="222732" h="794009">
+                      <a:moveTo>
+                        <a:pt x="98497" y="508799"/>
+                      </a:moveTo>
+                      <a:cubicBezTo>
+                        <a:pt x="128142" y="376530"/>
+                        <a:pt x="160332" y="7517"/>
+                        <a:pt x="181038" y="147"/>
+                      </a:cubicBezTo>
+                      <a:cubicBezTo>
+                        <a:pt x="201744" y="-7223"/>
+                        <a:pt x="222732" y="263793"/>
+                        <a:pt x="222732" y="464577"/>
+                      </a:cubicBezTo>
+                      <a:cubicBezTo>
+                        <a:pt x="222732" y="665361"/>
+                        <a:pt x="23875" y="786394"/>
+                        <a:pt x="3169" y="793764"/>
+                      </a:cubicBezTo>
+                      <a:cubicBezTo>
+                        <a:pt x="-17537" y="801134"/>
+                        <a:pt x="68852" y="641069"/>
+                        <a:pt x="98497" y="508799"/>
+                      </a:cubicBezTo>
+                      <a:close/>
+                    </a:path>
+                  </a:pathLst>
+                </a:custGeom>
+                <a:solidFill>
+                  <a:srgbClr val="CC0000"/>
+                </a:solidFill>
+                <a:ln>
+                  <a:noFill/>
+                </a:ln>
+              </p:spPr>
+              <p:style>
+                <a:lnRef idx="2">
+                  <a:schemeClr val="accent1">
+                    <a:shade val="50000"/>
+                  </a:schemeClr>
+                </a:lnRef>
+                <a:fillRef idx="1">
+                  <a:schemeClr val="accent1"/>
+                </a:fillRef>
+                <a:effectRef idx="0">
+                  <a:schemeClr val="accent1"/>
+                </a:effectRef>
+                <a:fontRef idx="minor">
+                  <a:schemeClr val="lt1"/>
+                </a:fontRef>
+              </p:style>
+              <p:txBody>
+                <a:bodyPr rtlCol="0" anchor="ctr"/>
+                <a:lstStyle/>
+                <a:p>
+                  <a:pPr algn="ctr"/>
+                  <a:endParaRPr lang="pt-BR"/>
+                </a:p>
+              </p:txBody>
+            </p:sp>
+            <p:sp>
+              <p:nvSpPr>
+                <p:cNvPr id="10" name="Elipse 117"/>
+                <p:cNvSpPr/>
+                <p:nvPr/>
+              </p:nvSpPr>
+              <p:spPr>
+                <a:xfrm rot="20571786" flipH="1">
+                  <a:off x="607964" y="3490660"/>
+                  <a:ext cx="163747" cy="760067"/>
+                </a:xfrm>
+                <a:custGeom>
+                  <a:avLst/>
+                  <a:gdLst>
+                    <a:gd name="connsiteX0" fmla="*/ 0 w 207885"/>
+                    <a:gd name="connsiteY0" fmla="*/ 363551 h 727101"/>
+                    <a:gd name="connsiteX1" fmla="*/ 103943 w 207885"/>
+                    <a:gd name="connsiteY1" fmla="*/ 0 h 727101"/>
+                    <a:gd name="connsiteX2" fmla="*/ 207886 w 207885"/>
+                    <a:gd name="connsiteY2" fmla="*/ 363551 h 727101"/>
+                    <a:gd name="connsiteX3" fmla="*/ 103943 w 207885"/>
+                    <a:gd name="connsiteY3" fmla="*/ 727102 h 727101"/>
+                    <a:gd name="connsiteX4" fmla="*/ 0 w 207885"/>
+                    <a:gd name="connsiteY4" fmla="*/ 363551 h 727101"/>
+                    <a:gd name="connsiteX0" fmla="*/ 1 w 124236"/>
+                    <a:gd name="connsiteY0" fmla="*/ 408003 h 727638"/>
+                    <a:gd name="connsiteX1" fmla="*/ 20293 w 124236"/>
+                    <a:gd name="connsiteY1" fmla="*/ 230 h 727638"/>
+                    <a:gd name="connsiteX2" fmla="*/ 124236 w 124236"/>
+                    <a:gd name="connsiteY2" fmla="*/ 363781 h 727638"/>
+                    <a:gd name="connsiteX3" fmla="*/ 20293 w 124236"/>
+                    <a:gd name="connsiteY3" fmla="*/ 727332 h 727638"/>
+                    <a:gd name="connsiteX4" fmla="*/ 1 w 124236"/>
+                    <a:gd name="connsiteY4" fmla="*/ 408003 h 727638"/>
+                    <a:gd name="connsiteX0" fmla="*/ 98216 w 222451"/>
+                    <a:gd name="connsiteY0" fmla="*/ 408003 h 693191"/>
+                    <a:gd name="connsiteX1" fmla="*/ 118508 w 222451"/>
+                    <a:gd name="connsiteY1" fmla="*/ 230 h 693191"/>
+                    <a:gd name="connsiteX2" fmla="*/ 222451 w 222451"/>
+                    <a:gd name="connsiteY2" fmla="*/ 363781 h 693191"/>
+                    <a:gd name="connsiteX3" fmla="*/ 2888 w 222451"/>
+                    <a:gd name="connsiteY3" fmla="*/ 692968 h 693191"/>
+                    <a:gd name="connsiteX4" fmla="*/ 98216 w 222451"/>
+                    <a:gd name="connsiteY4" fmla="*/ 408003 h 693191"/>
+                    <a:gd name="connsiteX0" fmla="*/ 98497 w 222732"/>
+                    <a:gd name="connsiteY0" fmla="*/ 508799 h 794009"/>
+                    <a:gd name="connsiteX1" fmla="*/ 181038 w 222732"/>
+                    <a:gd name="connsiteY1" fmla="*/ 147 h 794009"/>
+                    <a:gd name="connsiteX2" fmla="*/ 222732 w 222732"/>
+                    <a:gd name="connsiteY2" fmla="*/ 464577 h 794009"/>
+                    <a:gd name="connsiteX3" fmla="*/ 3169 w 222732"/>
+                    <a:gd name="connsiteY3" fmla="*/ 793764 h 794009"/>
+                    <a:gd name="connsiteX4" fmla="*/ 98497 w 222732"/>
+                    <a:gd name="connsiteY4" fmla="*/ 508799 h 794009"/>
+                  </a:gdLst>
+                  <a:ahLst/>
+                  <a:cxnLst>
+                    <a:cxn ang="0">
+                      <a:pos x="connsiteX0" y="connsiteY0"/>
+                    </a:cxn>
+                    <a:cxn ang="0">
+                      <a:pos x="connsiteX1" y="connsiteY1"/>
+                    </a:cxn>
+                    <a:cxn ang="0">
+                      <a:pos x="connsiteX2" y="connsiteY2"/>
+                    </a:cxn>
+                    <a:cxn ang="0">
+                      <a:pos x="connsiteX3" y="connsiteY3"/>
+                    </a:cxn>
+                    <a:cxn ang="0">
+                      <a:pos x="connsiteX4" y="connsiteY4"/>
+                    </a:cxn>
+                  </a:cxnLst>
+                  <a:rect l="l" t="t" r="r" b="b"/>
+                  <a:pathLst>
+                    <a:path w="222732" h="794009">
+                      <a:moveTo>
+                        <a:pt x="98497" y="508799"/>
+                      </a:moveTo>
+                      <a:cubicBezTo>
+                        <a:pt x="128142" y="376530"/>
+                        <a:pt x="160332" y="7517"/>
+                        <a:pt x="181038" y="147"/>
+                      </a:cubicBezTo>
+                      <a:cubicBezTo>
+                        <a:pt x="201744" y="-7223"/>
+                        <a:pt x="222732" y="263793"/>
+                        <a:pt x="222732" y="464577"/>
+                      </a:cubicBezTo>
+                      <a:cubicBezTo>
+                        <a:pt x="222732" y="665361"/>
+                        <a:pt x="23875" y="786394"/>
+                        <a:pt x="3169" y="793764"/>
+                      </a:cubicBezTo>
+                      <a:cubicBezTo>
+                        <a:pt x="-17537" y="801134"/>
+                        <a:pt x="68852" y="641069"/>
+                        <a:pt x="98497" y="508799"/>
+                      </a:cubicBezTo>
+                      <a:close/>
+                    </a:path>
+                  </a:pathLst>
+                </a:custGeom>
+                <a:solidFill>
+                  <a:srgbClr val="CC0000"/>
+                </a:solidFill>
+                <a:ln>
+                  <a:noFill/>
+                </a:ln>
+              </p:spPr>
+              <p:style>
+                <a:lnRef idx="2">
+                  <a:schemeClr val="accent1">
+                    <a:shade val="50000"/>
+                  </a:schemeClr>
+                </a:lnRef>
+                <a:fillRef idx="1">
+                  <a:schemeClr val="accent1"/>
+                </a:fillRef>
+                <a:effectRef idx="0">
+                  <a:schemeClr val="accent1"/>
+                </a:effectRef>
+                <a:fontRef idx="minor">
+                  <a:schemeClr val="lt1"/>
+                </a:fontRef>
+              </p:style>
+              <p:txBody>
+                <a:bodyPr rtlCol="0" anchor="ctr"/>
+                <a:lstStyle/>
+                <a:p>
+                  <a:pPr algn="ctr"/>
+                  <a:endParaRPr lang="pt-BR"/>
+                </a:p>
+              </p:txBody>
+            </p:sp>
+          </p:grpSp>
+          <p:sp>
+            <p:nvSpPr>
+              <p:cNvPr id="7" name="Elipse 133"/>
+              <p:cNvSpPr/>
+              <p:nvPr/>
+            </p:nvSpPr>
+            <p:spPr>
+              <a:xfrm>
+                <a:off x="3227825" y="346288"/>
+                <a:ext cx="388978" cy="336536"/>
+              </a:xfrm>
+              <a:custGeom>
+                <a:avLst/>
+                <a:gdLst/>
+                <a:ahLst/>
+                <a:cxnLst/>
+                <a:rect l="l" t="t" r="r" b="b"/>
+                <a:pathLst>
+                  <a:path w="388978" h="336536">
+                    <a:moveTo>
+                      <a:pt x="194495" y="336535"/>
+                    </a:moveTo>
+                    <a:cubicBezTo>
+                      <a:pt x="194493" y="336536"/>
+                      <a:pt x="194491" y="336536"/>
+                      <a:pt x="194489" y="336536"/>
+                    </a:cubicBezTo>
+                    <a:lnTo>
+                      <a:pt x="194489" y="336536"/>
+                    </a:lnTo>
+                    <a:close/>
+                    <a:moveTo>
+                      <a:pt x="194489" y="0"/>
+                    </a:moveTo>
+                    <a:cubicBezTo>
+                      <a:pt x="301902" y="0"/>
+                      <a:pt x="388978" y="75336"/>
+                      <a:pt x="388978" y="168268"/>
+                    </a:cubicBezTo>
+                    <a:cubicBezTo>
+                      <a:pt x="388978" y="192592"/>
+                      <a:pt x="383013" y="215710"/>
+                      <a:pt x="371719" y="236300"/>
+                    </a:cubicBezTo>
+                    <a:cubicBezTo>
+                      <a:pt x="376745" y="225043"/>
+                      <a:pt x="379041" y="212902"/>
+                      <a:pt x="379041" y="200365"/>
+                    </a:cubicBezTo>
+                    <a:cubicBezTo>
+                      <a:pt x="379041" y="125160"/>
+                      <a:pt x="296414" y="64194"/>
+                      <a:pt x="194488" y="64194"/>
+                    </a:cubicBezTo>
+                    <a:cubicBezTo>
+                      <a:pt x="92562" y="64194"/>
+                      <a:pt x="9935" y="125160"/>
+                      <a:pt x="9935" y="200365"/>
+                    </a:cubicBezTo>
+                    <a:cubicBezTo>
+                      <a:pt x="9935" y="212900"/>
+                      <a:pt x="12230" y="225039"/>
+                      <a:pt x="17255" y="236295"/>
+                    </a:cubicBezTo>
+                    <a:cubicBezTo>
+                      <a:pt x="5964" y="215706"/>
+                      <a:pt x="0" y="192590"/>
+                      <a:pt x="0" y="168268"/>
+                    </a:cubicBezTo>
+                    <a:cubicBezTo>
+                      <a:pt x="0" y="75336"/>
+                      <a:pt x="87076" y="0"/>
+                      <a:pt x="194489" y="0"/>
+                    </a:cubicBezTo>
+                    <a:close/>
+                  </a:path>
+                </a:pathLst>
+              </a:custGeom>
+              <a:solidFill>
+                <a:srgbClr val="C00000"/>
+              </a:solidFill>
+              <a:ln>
+                <a:noFill/>
+              </a:ln>
+            </p:spPr>
+            <p:style>
+              <a:lnRef idx="2">
+                <a:schemeClr val="accent1">
+                  <a:shade val="50000"/>
+                </a:schemeClr>
+              </a:lnRef>
+              <a:fillRef idx="1">
+                <a:schemeClr val="accent1"/>
+              </a:fillRef>
+              <a:effectRef idx="0">
+                <a:schemeClr val="accent1"/>
+              </a:effectRef>
+              <a:fontRef idx="minor">
+                <a:schemeClr val="lt1"/>
+              </a:fontRef>
+            </p:style>
+            <p:txBody>
+              <a:bodyPr rtlCol="0" anchor="ctr"/>
+              <a:lstStyle/>
+              <a:p>
+                <a:pPr algn="r"/>
+                <a:endParaRPr lang="pt-BR" dirty="0"/>
+              </a:p>
+            </p:txBody>
+          </p:sp>
+        </p:grpSp>
+        <p:sp>
+          <p:nvSpPr>
+            <p:cNvPr id="11" name="Elipse 84"/>
+            <p:cNvSpPr/>
+            <p:nvPr/>
+          </p:nvSpPr>
+          <p:spPr>
+            <a:xfrm>
+              <a:off x="3435406" y="2769809"/>
+              <a:ext cx="2198305" cy="2460374"/>
+            </a:xfrm>
+            <a:custGeom>
+              <a:avLst/>
+              <a:gdLst>
+                <a:gd name="connsiteX0" fmla="*/ 0 w 2689149"/>
+                <a:gd name="connsiteY0" fmla="*/ 1538926 h 3077851"/>
+                <a:gd name="connsiteX1" fmla="*/ 1344575 w 2689149"/>
+                <a:gd name="connsiteY1" fmla="*/ 0 h 3077851"/>
+                <a:gd name="connsiteX2" fmla="*/ 2689150 w 2689149"/>
+                <a:gd name="connsiteY2" fmla="*/ 1538926 h 3077851"/>
+                <a:gd name="connsiteX3" fmla="*/ 1344575 w 2689149"/>
+                <a:gd name="connsiteY3" fmla="*/ 3077852 h 3077851"/>
+                <a:gd name="connsiteX4" fmla="*/ 0 w 2689149"/>
+                <a:gd name="connsiteY4" fmla="*/ 1538926 h 3077851"/>
+                <a:gd name="connsiteX0" fmla="*/ 49980 w 2739130"/>
+                <a:gd name="connsiteY0" fmla="*/ 1569798 h 3108724"/>
+                <a:gd name="connsiteX1" fmla="*/ 393260 w 2739130"/>
+                <a:gd name="connsiteY1" fmla="*/ 619171 h 3108724"/>
+                <a:gd name="connsiteX2" fmla="*/ 1394555 w 2739130"/>
+                <a:gd name="connsiteY2" fmla="*/ 30872 h 3108724"/>
+                <a:gd name="connsiteX3" fmla="*/ 2739130 w 2739130"/>
+                <a:gd name="connsiteY3" fmla="*/ 1569798 h 3108724"/>
+                <a:gd name="connsiteX4" fmla="*/ 1394555 w 2739130"/>
+                <a:gd name="connsiteY4" fmla="*/ 3108724 h 3108724"/>
+                <a:gd name="connsiteX5" fmla="*/ 49980 w 2739130"/>
+                <a:gd name="connsiteY5" fmla="*/ 1569798 h 3108724"/>
+                <a:gd name="connsiteX0" fmla="*/ 57099 w 2690493"/>
+                <a:gd name="connsiteY0" fmla="*/ 2350384 h 3130666"/>
+                <a:gd name="connsiteX1" fmla="*/ 344623 w 2690493"/>
+                <a:gd name="connsiteY1" fmla="*/ 619171 h 3130666"/>
+                <a:gd name="connsiteX2" fmla="*/ 1345918 w 2690493"/>
+                <a:gd name="connsiteY2" fmla="*/ 30872 h 3130666"/>
+                <a:gd name="connsiteX3" fmla="*/ 2690493 w 2690493"/>
+                <a:gd name="connsiteY3" fmla="*/ 1569798 h 3130666"/>
+                <a:gd name="connsiteX4" fmla="*/ 1345918 w 2690493"/>
+                <a:gd name="connsiteY4" fmla="*/ 3108724 h 3130666"/>
+                <a:gd name="connsiteX5" fmla="*/ 57099 w 2690493"/>
+                <a:gd name="connsiteY5" fmla="*/ 2350384 h 3130666"/>
+                <a:gd name="connsiteX0" fmla="*/ 57099 w 2779702"/>
+                <a:gd name="connsiteY0" fmla="*/ 2376508 h 3139183"/>
+                <a:gd name="connsiteX1" fmla="*/ 344623 w 2779702"/>
+                <a:gd name="connsiteY1" fmla="*/ 645295 h 3139183"/>
+                <a:gd name="connsiteX2" fmla="*/ 1345918 w 2779702"/>
+                <a:gd name="connsiteY2" fmla="*/ 56996 h 3139183"/>
+                <a:gd name="connsiteX3" fmla="*/ 2779702 w 2779702"/>
+                <a:gd name="connsiteY3" fmla="*/ 2075424 h 3139183"/>
+                <a:gd name="connsiteX4" fmla="*/ 1345918 w 2779702"/>
+                <a:gd name="connsiteY4" fmla="*/ 3134848 h 3139183"/>
+                <a:gd name="connsiteX5" fmla="*/ 57099 w 2779702"/>
+                <a:gd name="connsiteY5" fmla="*/ 2376508 h 3139183"/>
+                <a:gd name="connsiteX0" fmla="*/ 57099 w 2799553"/>
+                <a:gd name="connsiteY0" fmla="*/ 2322903 h 3085578"/>
+                <a:gd name="connsiteX1" fmla="*/ 344623 w 2799553"/>
+                <a:gd name="connsiteY1" fmla="*/ 591690 h 3085578"/>
+                <a:gd name="connsiteX2" fmla="*/ 1345918 w 2799553"/>
+                <a:gd name="connsiteY2" fmla="*/ 3391 h 3085578"/>
+                <a:gd name="connsiteX3" fmla="*/ 2139968 w 2799553"/>
+                <a:gd name="connsiteY3" fmla="*/ 435573 h 3085578"/>
+                <a:gd name="connsiteX4" fmla="*/ 2779702 w 2799553"/>
+                <a:gd name="connsiteY4" fmla="*/ 2021819 h 3085578"/>
+                <a:gd name="connsiteX5" fmla="*/ 1345918 w 2799553"/>
+                <a:gd name="connsiteY5" fmla="*/ 3081243 h 3085578"/>
+                <a:gd name="connsiteX6" fmla="*/ 57099 w 2799553"/>
+                <a:gd name="connsiteY6" fmla="*/ 2322903 h 3085578"/>
+                <a:gd name="connsiteX0" fmla="*/ 57099 w 2780175"/>
+                <a:gd name="connsiteY0" fmla="*/ 2322903 h 3100236"/>
+                <a:gd name="connsiteX1" fmla="*/ 344623 w 2780175"/>
+                <a:gd name="connsiteY1" fmla="*/ 591690 h 3100236"/>
+                <a:gd name="connsiteX2" fmla="*/ 1345918 w 2780175"/>
+                <a:gd name="connsiteY2" fmla="*/ 3391 h 3100236"/>
+                <a:gd name="connsiteX3" fmla="*/ 2139968 w 2780175"/>
+                <a:gd name="connsiteY3" fmla="*/ 435573 h 3100236"/>
+                <a:gd name="connsiteX4" fmla="*/ 2779702 w 2780175"/>
+                <a:gd name="connsiteY4" fmla="*/ 2021819 h 3100236"/>
+                <a:gd name="connsiteX5" fmla="*/ 2296085 w 2780175"/>
+                <a:gd name="connsiteY5" fmla="*/ 2799630 h 3100236"/>
+                <a:gd name="connsiteX6" fmla="*/ 1345918 w 2780175"/>
+                <a:gd name="connsiteY6" fmla="*/ 3081243 h 3100236"/>
+                <a:gd name="connsiteX7" fmla="*/ 57099 w 2780175"/>
+                <a:gd name="connsiteY7" fmla="*/ 2322903 h 3100236"/>
+                <a:gd name="connsiteX0" fmla="*/ 1754 w 2724830"/>
+                <a:gd name="connsiteY0" fmla="*/ 2322903 h 3082097"/>
+                <a:gd name="connsiteX1" fmla="*/ 289278 w 2724830"/>
+                <a:gd name="connsiteY1" fmla="*/ 591690 h 3082097"/>
+                <a:gd name="connsiteX2" fmla="*/ 1290573 w 2724830"/>
+                <a:gd name="connsiteY2" fmla="*/ 3391 h 3082097"/>
+                <a:gd name="connsiteX3" fmla="*/ 2084623 w 2724830"/>
+                <a:gd name="connsiteY3" fmla="*/ 435573 h 3082097"/>
+                <a:gd name="connsiteX4" fmla="*/ 2724357 w 2724830"/>
+                <a:gd name="connsiteY4" fmla="*/ 2021819 h 3082097"/>
+                <a:gd name="connsiteX5" fmla="*/ 2240740 w 2724830"/>
+                <a:gd name="connsiteY5" fmla="*/ 2799630 h 3082097"/>
+                <a:gd name="connsiteX6" fmla="*/ 1290573 w 2724830"/>
+                <a:gd name="connsiteY6" fmla="*/ 3081243 h 3082097"/>
+                <a:gd name="connsiteX7" fmla="*/ 378486 w 2724830"/>
+                <a:gd name="connsiteY7" fmla="*/ 2866537 h 3082097"/>
+                <a:gd name="connsiteX8" fmla="*/ 1754 w 2724830"/>
+                <a:gd name="connsiteY8" fmla="*/ 2322903 h 3082097"/>
+                <a:gd name="connsiteX0" fmla="*/ 80523 w 2803599"/>
+                <a:gd name="connsiteY0" fmla="*/ 2322903 h 3082097"/>
+                <a:gd name="connsiteX1" fmla="*/ 22356 w 2803599"/>
+                <a:gd name="connsiteY1" fmla="*/ 1372275 h 3082097"/>
+                <a:gd name="connsiteX2" fmla="*/ 368047 w 2803599"/>
+                <a:gd name="connsiteY2" fmla="*/ 591690 h 3082097"/>
+                <a:gd name="connsiteX3" fmla="*/ 1369342 w 2803599"/>
+                <a:gd name="connsiteY3" fmla="*/ 3391 h 3082097"/>
+                <a:gd name="connsiteX4" fmla="*/ 2163392 w 2803599"/>
+                <a:gd name="connsiteY4" fmla="*/ 435573 h 3082097"/>
+                <a:gd name="connsiteX5" fmla="*/ 2803126 w 2803599"/>
+                <a:gd name="connsiteY5" fmla="*/ 2021819 h 3082097"/>
+                <a:gd name="connsiteX6" fmla="*/ 2319509 w 2803599"/>
+                <a:gd name="connsiteY6" fmla="*/ 2799630 h 3082097"/>
+                <a:gd name="connsiteX7" fmla="*/ 1369342 w 2803599"/>
+                <a:gd name="connsiteY7" fmla="*/ 3081243 h 3082097"/>
+                <a:gd name="connsiteX8" fmla="*/ 457255 w 2803599"/>
+                <a:gd name="connsiteY8" fmla="*/ 2866537 h 3082097"/>
+                <a:gd name="connsiteX9" fmla="*/ 80523 w 2803599"/>
+                <a:gd name="connsiteY9" fmla="*/ 2322903 h 3082097"/>
+                <a:gd name="connsiteX0" fmla="*/ 80523 w 2819076"/>
+                <a:gd name="connsiteY0" fmla="*/ 2321335 h 3080529"/>
+                <a:gd name="connsiteX1" fmla="*/ 22356 w 2819076"/>
+                <a:gd name="connsiteY1" fmla="*/ 1370707 h 3080529"/>
+                <a:gd name="connsiteX2" fmla="*/ 368047 w 2819076"/>
+                <a:gd name="connsiteY2" fmla="*/ 590122 h 3080529"/>
+                <a:gd name="connsiteX3" fmla="*/ 1369342 w 2819076"/>
+                <a:gd name="connsiteY3" fmla="*/ 1823 h 3080529"/>
+                <a:gd name="connsiteX4" fmla="*/ 2163392 w 2819076"/>
+                <a:gd name="connsiteY4" fmla="*/ 434005 h 3080529"/>
+                <a:gd name="connsiteX5" fmla="*/ 2698650 w 2819076"/>
+                <a:gd name="connsiteY5" fmla="*/ 1181136 h 3080529"/>
+                <a:gd name="connsiteX6" fmla="*/ 2803126 w 2819076"/>
+                <a:gd name="connsiteY6" fmla="*/ 2020251 h 3080529"/>
+                <a:gd name="connsiteX7" fmla="*/ 2319509 w 2819076"/>
+                <a:gd name="connsiteY7" fmla="*/ 2798062 h 3080529"/>
+                <a:gd name="connsiteX8" fmla="*/ 1369342 w 2819076"/>
+                <a:gd name="connsiteY8" fmla="*/ 3079675 h 3080529"/>
+                <a:gd name="connsiteX9" fmla="*/ 457255 w 2819076"/>
+                <a:gd name="connsiteY9" fmla="*/ 2864969 h 3080529"/>
+                <a:gd name="connsiteX10" fmla="*/ 80523 w 2819076"/>
+                <a:gd name="connsiteY10" fmla="*/ 2321335 h 3080529"/>
+                <a:gd name="connsiteX0" fmla="*/ 80523 w 2819076"/>
+                <a:gd name="connsiteY0" fmla="*/ 2323298 h 3082492"/>
+                <a:gd name="connsiteX1" fmla="*/ 22356 w 2819076"/>
+                <a:gd name="connsiteY1" fmla="*/ 1372670 h 3082492"/>
+                <a:gd name="connsiteX2" fmla="*/ 602223 w 2819076"/>
+                <a:gd name="connsiteY2" fmla="*/ 670144 h 3082492"/>
+                <a:gd name="connsiteX3" fmla="*/ 1369342 w 2819076"/>
+                <a:gd name="connsiteY3" fmla="*/ 3786 h 3082492"/>
+                <a:gd name="connsiteX4" fmla="*/ 2163392 w 2819076"/>
+                <a:gd name="connsiteY4" fmla="*/ 435968 h 3082492"/>
+                <a:gd name="connsiteX5" fmla="*/ 2698650 w 2819076"/>
+                <a:gd name="connsiteY5" fmla="*/ 1183099 h 3082492"/>
+                <a:gd name="connsiteX6" fmla="*/ 2803126 w 2819076"/>
+                <a:gd name="connsiteY6" fmla="*/ 2022214 h 3082492"/>
+                <a:gd name="connsiteX7" fmla="*/ 2319509 w 2819076"/>
+                <a:gd name="connsiteY7" fmla="*/ 2800025 h 3082492"/>
+                <a:gd name="connsiteX8" fmla="*/ 1369342 w 2819076"/>
+                <a:gd name="connsiteY8" fmla="*/ 3081638 h 3082492"/>
+                <a:gd name="connsiteX9" fmla="*/ 457255 w 2819076"/>
+                <a:gd name="connsiteY9" fmla="*/ 2866932 h 3082492"/>
+                <a:gd name="connsiteX10" fmla="*/ 80523 w 2819076"/>
+                <a:gd name="connsiteY10" fmla="*/ 2323298 h 3082492"/>
+                <a:gd name="connsiteX0" fmla="*/ 80523 w 2819076"/>
+                <a:gd name="connsiteY0" fmla="*/ 2323298 h 3082492"/>
+                <a:gd name="connsiteX1" fmla="*/ 22356 w 2819076"/>
+                <a:gd name="connsiteY1" fmla="*/ 1372670 h 3082492"/>
+                <a:gd name="connsiteX2" fmla="*/ 234230 w 2819076"/>
+                <a:gd name="connsiteY2" fmla="*/ 1205402 h 3082492"/>
+                <a:gd name="connsiteX3" fmla="*/ 602223 w 2819076"/>
+                <a:gd name="connsiteY3" fmla="*/ 670144 h 3082492"/>
+                <a:gd name="connsiteX4" fmla="*/ 1369342 w 2819076"/>
+                <a:gd name="connsiteY4" fmla="*/ 3786 h 3082492"/>
+                <a:gd name="connsiteX5" fmla="*/ 2163392 w 2819076"/>
+                <a:gd name="connsiteY5" fmla="*/ 435968 h 3082492"/>
+                <a:gd name="connsiteX6" fmla="*/ 2698650 w 2819076"/>
+                <a:gd name="connsiteY6" fmla="*/ 1183099 h 3082492"/>
+                <a:gd name="connsiteX7" fmla="*/ 2803126 w 2819076"/>
+                <a:gd name="connsiteY7" fmla="*/ 2022214 h 3082492"/>
+                <a:gd name="connsiteX8" fmla="*/ 2319509 w 2819076"/>
+                <a:gd name="connsiteY8" fmla="*/ 2800025 h 3082492"/>
+                <a:gd name="connsiteX9" fmla="*/ 1369342 w 2819076"/>
+                <a:gd name="connsiteY9" fmla="*/ 3081638 h 3082492"/>
+                <a:gd name="connsiteX10" fmla="*/ 457255 w 2819076"/>
+                <a:gd name="connsiteY10" fmla="*/ 2866932 h 3082492"/>
+                <a:gd name="connsiteX11" fmla="*/ 80523 w 2819076"/>
+                <a:gd name="connsiteY11" fmla="*/ 2323298 h 3082492"/>
+                <a:gd name="connsiteX0" fmla="*/ 42964 w 2781517"/>
+                <a:gd name="connsiteY0" fmla="*/ 2323298 h 3082492"/>
+                <a:gd name="connsiteX1" fmla="*/ 40553 w 2781517"/>
+                <a:gd name="connsiteY1" fmla="*/ 1584543 h 3082492"/>
+                <a:gd name="connsiteX2" fmla="*/ 196671 w 2781517"/>
+                <a:gd name="connsiteY2" fmla="*/ 1205402 h 3082492"/>
+                <a:gd name="connsiteX3" fmla="*/ 564664 w 2781517"/>
+                <a:gd name="connsiteY3" fmla="*/ 670144 h 3082492"/>
+                <a:gd name="connsiteX4" fmla="*/ 1331783 w 2781517"/>
+                <a:gd name="connsiteY4" fmla="*/ 3786 h 3082492"/>
+                <a:gd name="connsiteX5" fmla="*/ 2125833 w 2781517"/>
+                <a:gd name="connsiteY5" fmla="*/ 435968 h 3082492"/>
+                <a:gd name="connsiteX6" fmla="*/ 2661091 w 2781517"/>
+                <a:gd name="connsiteY6" fmla="*/ 1183099 h 3082492"/>
+                <a:gd name="connsiteX7" fmla="*/ 2765567 w 2781517"/>
+                <a:gd name="connsiteY7" fmla="*/ 2022214 h 3082492"/>
+                <a:gd name="connsiteX8" fmla="*/ 2281950 w 2781517"/>
+                <a:gd name="connsiteY8" fmla="*/ 2800025 h 3082492"/>
+                <a:gd name="connsiteX9" fmla="*/ 1331783 w 2781517"/>
+                <a:gd name="connsiteY9" fmla="*/ 3081638 h 3082492"/>
+                <a:gd name="connsiteX10" fmla="*/ 419696 w 2781517"/>
+                <a:gd name="connsiteY10" fmla="*/ 2866932 h 3082492"/>
+                <a:gd name="connsiteX11" fmla="*/ 42964 w 2781517"/>
+                <a:gd name="connsiteY11" fmla="*/ 2323298 h 3082492"/>
+                <a:gd name="connsiteX0" fmla="*/ 42964 w 2781517"/>
+                <a:gd name="connsiteY0" fmla="*/ 2323298 h 3082492"/>
+                <a:gd name="connsiteX1" fmla="*/ 40553 w 2781517"/>
+                <a:gd name="connsiteY1" fmla="*/ 1584543 h 3082492"/>
+                <a:gd name="connsiteX2" fmla="*/ 196671 w 2781517"/>
+                <a:gd name="connsiteY2" fmla="*/ 1205402 h 3082492"/>
+                <a:gd name="connsiteX3" fmla="*/ 564664 w 2781517"/>
+                <a:gd name="connsiteY3" fmla="*/ 670144 h 3082492"/>
+                <a:gd name="connsiteX4" fmla="*/ 1331783 w 2781517"/>
+                <a:gd name="connsiteY4" fmla="*/ 3786 h 3082492"/>
+                <a:gd name="connsiteX5" fmla="*/ 2125833 w 2781517"/>
+                <a:gd name="connsiteY5" fmla="*/ 435968 h 3082492"/>
+                <a:gd name="connsiteX6" fmla="*/ 2661091 w 2781517"/>
+                <a:gd name="connsiteY6" fmla="*/ 1183099 h 3082492"/>
+                <a:gd name="connsiteX7" fmla="*/ 2765567 w 2781517"/>
+                <a:gd name="connsiteY7" fmla="*/ 2022214 h 3082492"/>
+                <a:gd name="connsiteX8" fmla="*/ 2281950 w 2781517"/>
+                <a:gd name="connsiteY8" fmla="*/ 2800025 h 3082492"/>
+                <a:gd name="connsiteX9" fmla="*/ 1331783 w 2781517"/>
+                <a:gd name="connsiteY9" fmla="*/ 3081638 h 3082492"/>
+                <a:gd name="connsiteX10" fmla="*/ 419696 w 2781517"/>
+                <a:gd name="connsiteY10" fmla="*/ 2866932 h 3082492"/>
+                <a:gd name="connsiteX11" fmla="*/ 42964 w 2781517"/>
+                <a:gd name="connsiteY11" fmla="*/ 2323298 h 3082492"/>
+                <a:gd name="connsiteX0" fmla="*/ 42964 w 2781517"/>
+                <a:gd name="connsiteY0" fmla="*/ 2323298 h 3082492"/>
+                <a:gd name="connsiteX1" fmla="*/ 40553 w 2781517"/>
+                <a:gd name="connsiteY1" fmla="*/ 1584543 h 3082492"/>
+                <a:gd name="connsiteX2" fmla="*/ 196671 w 2781517"/>
+                <a:gd name="connsiteY2" fmla="*/ 1205402 h 3082492"/>
+                <a:gd name="connsiteX3" fmla="*/ 564664 w 2781517"/>
+                <a:gd name="connsiteY3" fmla="*/ 670144 h 3082492"/>
+                <a:gd name="connsiteX4" fmla="*/ 1331783 w 2781517"/>
+                <a:gd name="connsiteY4" fmla="*/ 3786 h 3082492"/>
+                <a:gd name="connsiteX5" fmla="*/ 2125833 w 2781517"/>
+                <a:gd name="connsiteY5" fmla="*/ 435968 h 3082492"/>
+                <a:gd name="connsiteX6" fmla="*/ 2661091 w 2781517"/>
+                <a:gd name="connsiteY6" fmla="*/ 1183099 h 3082492"/>
+                <a:gd name="connsiteX7" fmla="*/ 2765567 w 2781517"/>
+                <a:gd name="connsiteY7" fmla="*/ 2022214 h 3082492"/>
+                <a:gd name="connsiteX8" fmla="*/ 2281950 w 2781517"/>
+                <a:gd name="connsiteY8" fmla="*/ 2800025 h 3082492"/>
+                <a:gd name="connsiteX9" fmla="*/ 1331783 w 2781517"/>
+                <a:gd name="connsiteY9" fmla="*/ 3081638 h 3082492"/>
+                <a:gd name="connsiteX10" fmla="*/ 419696 w 2781517"/>
+                <a:gd name="connsiteY10" fmla="*/ 2866932 h 3082492"/>
+                <a:gd name="connsiteX11" fmla="*/ 42964 w 2781517"/>
+                <a:gd name="connsiteY11" fmla="*/ 2323298 h 3082492"/>
+                <a:gd name="connsiteX0" fmla="*/ 42964 w 2781517"/>
+                <a:gd name="connsiteY0" fmla="*/ 2323298 h 3082492"/>
+                <a:gd name="connsiteX1" fmla="*/ 40553 w 2781517"/>
+                <a:gd name="connsiteY1" fmla="*/ 1584543 h 3082492"/>
+                <a:gd name="connsiteX2" fmla="*/ 196671 w 2781517"/>
+                <a:gd name="connsiteY2" fmla="*/ 1205402 h 3082492"/>
+                <a:gd name="connsiteX3" fmla="*/ 419695 w 2781517"/>
+                <a:gd name="connsiteY3" fmla="*/ 848563 h 3082492"/>
+                <a:gd name="connsiteX4" fmla="*/ 564664 w 2781517"/>
+                <a:gd name="connsiteY4" fmla="*/ 670144 h 3082492"/>
+                <a:gd name="connsiteX5" fmla="*/ 1331783 w 2781517"/>
+                <a:gd name="connsiteY5" fmla="*/ 3786 h 3082492"/>
+                <a:gd name="connsiteX6" fmla="*/ 2125833 w 2781517"/>
+                <a:gd name="connsiteY6" fmla="*/ 435968 h 3082492"/>
+                <a:gd name="connsiteX7" fmla="*/ 2661091 w 2781517"/>
+                <a:gd name="connsiteY7" fmla="*/ 1183099 h 3082492"/>
+                <a:gd name="connsiteX8" fmla="*/ 2765567 w 2781517"/>
+                <a:gd name="connsiteY8" fmla="*/ 2022214 h 3082492"/>
+                <a:gd name="connsiteX9" fmla="*/ 2281950 w 2781517"/>
+                <a:gd name="connsiteY9" fmla="*/ 2800025 h 3082492"/>
+                <a:gd name="connsiteX10" fmla="*/ 1331783 w 2781517"/>
+                <a:gd name="connsiteY10" fmla="*/ 3081638 h 3082492"/>
+                <a:gd name="connsiteX11" fmla="*/ 419696 w 2781517"/>
+                <a:gd name="connsiteY11" fmla="*/ 2866932 h 3082492"/>
+                <a:gd name="connsiteX12" fmla="*/ 42964 w 2781517"/>
+                <a:gd name="connsiteY12" fmla="*/ 2323298 h 3082492"/>
+                <a:gd name="connsiteX0" fmla="*/ 42964 w 2781517"/>
+                <a:gd name="connsiteY0" fmla="*/ 2320716 h 3079910"/>
+                <a:gd name="connsiteX1" fmla="*/ 40553 w 2781517"/>
+                <a:gd name="connsiteY1" fmla="*/ 1581961 h 3079910"/>
+                <a:gd name="connsiteX2" fmla="*/ 196671 w 2781517"/>
+                <a:gd name="connsiteY2" fmla="*/ 1202820 h 3079910"/>
+                <a:gd name="connsiteX3" fmla="*/ 419695 w 2781517"/>
+                <a:gd name="connsiteY3" fmla="*/ 845981 h 3079910"/>
+                <a:gd name="connsiteX4" fmla="*/ 564664 w 2781517"/>
+                <a:gd name="connsiteY4" fmla="*/ 667562 h 3079910"/>
+                <a:gd name="connsiteX5" fmla="*/ 1331783 w 2781517"/>
+                <a:gd name="connsiteY5" fmla="*/ 1204 h 3079910"/>
+                <a:gd name="connsiteX6" fmla="*/ 2136984 w 2781517"/>
+                <a:gd name="connsiteY6" fmla="*/ 522596 h 3079910"/>
+                <a:gd name="connsiteX7" fmla="*/ 2661091 w 2781517"/>
+                <a:gd name="connsiteY7" fmla="*/ 1180517 h 3079910"/>
+                <a:gd name="connsiteX8" fmla="*/ 2765567 w 2781517"/>
+                <a:gd name="connsiteY8" fmla="*/ 2019632 h 3079910"/>
+                <a:gd name="connsiteX9" fmla="*/ 2281950 w 2781517"/>
+                <a:gd name="connsiteY9" fmla="*/ 2797443 h 3079910"/>
+                <a:gd name="connsiteX10" fmla="*/ 1331783 w 2781517"/>
+                <a:gd name="connsiteY10" fmla="*/ 3079056 h 3079910"/>
+                <a:gd name="connsiteX11" fmla="*/ 419696 w 2781517"/>
+                <a:gd name="connsiteY11" fmla="*/ 2864350 h 3079910"/>
+                <a:gd name="connsiteX12" fmla="*/ 42964 w 2781517"/>
+                <a:gd name="connsiteY12" fmla="*/ 2320716 h 3079910"/>
+                <a:gd name="connsiteX0" fmla="*/ 42964 w 2781517"/>
+                <a:gd name="connsiteY0" fmla="*/ 2320716 h 3084175"/>
+                <a:gd name="connsiteX1" fmla="*/ 40553 w 2781517"/>
+                <a:gd name="connsiteY1" fmla="*/ 1581961 h 3084175"/>
+                <a:gd name="connsiteX2" fmla="*/ 196671 w 2781517"/>
+                <a:gd name="connsiteY2" fmla="*/ 1202820 h 3084175"/>
+                <a:gd name="connsiteX3" fmla="*/ 419695 w 2781517"/>
+                <a:gd name="connsiteY3" fmla="*/ 845981 h 3084175"/>
+                <a:gd name="connsiteX4" fmla="*/ 564664 w 2781517"/>
+                <a:gd name="connsiteY4" fmla="*/ 667562 h 3084175"/>
+                <a:gd name="connsiteX5" fmla="*/ 1331783 w 2781517"/>
+                <a:gd name="connsiteY5" fmla="*/ 1204 h 3084175"/>
+                <a:gd name="connsiteX6" fmla="*/ 2136984 w 2781517"/>
+                <a:gd name="connsiteY6" fmla="*/ 522596 h 3084175"/>
+                <a:gd name="connsiteX7" fmla="*/ 2661091 w 2781517"/>
+                <a:gd name="connsiteY7" fmla="*/ 1180517 h 3084175"/>
+                <a:gd name="connsiteX8" fmla="*/ 2765567 w 2781517"/>
+                <a:gd name="connsiteY8" fmla="*/ 2019632 h 3084175"/>
+                <a:gd name="connsiteX9" fmla="*/ 2159287 w 2781517"/>
+                <a:gd name="connsiteY9" fmla="*/ 2674779 h 3084175"/>
+                <a:gd name="connsiteX10" fmla="*/ 1331783 w 2781517"/>
+                <a:gd name="connsiteY10" fmla="*/ 3079056 h 3084175"/>
+                <a:gd name="connsiteX11" fmla="*/ 419696 w 2781517"/>
+                <a:gd name="connsiteY11" fmla="*/ 2864350 h 3084175"/>
+                <a:gd name="connsiteX12" fmla="*/ 42964 w 2781517"/>
+                <a:gd name="connsiteY12" fmla="*/ 2320716 h 3084175"/>
+                <a:gd name="connsiteX0" fmla="*/ 42964 w 2781517"/>
+                <a:gd name="connsiteY0" fmla="*/ 2320716 h 3082783"/>
+                <a:gd name="connsiteX1" fmla="*/ 40553 w 2781517"/>
+                <a:gd name="connsiteY1" fmla="*/ 1581961 h 3082783"/>
+                <a:gd name="connsiteX2" fmla="*/ 196671 w 2781517"/>
+                <a:gd name="connsiteY2" fmla="*/ 1202820 h 3082783"/>
+                <a:gd name="connsiteX3" fmla="*/ 419695 w 2781517"/>
+                <a:gd name="connsiteY3" fmla="*/ 845981 h 3082783"/>
+                <a:gd name="connsiteX4" fmla="*/ 564664 w 2781517"/>
+                <a:gd name="connsiteY4" fmla="*/ 667562 h 3082783"/>
+                <a:gd name="connsiteX5" fmla="*/ 1331783 w 2781517"/>
+                <a:gd name="connsiteY5" fmla="*/ 1204 h 3082783"/>
+                <a:gd name="connsiteX6" fmla="*/ 2136984 w 2781517"/>
+                <a:gd name="connsiteY6" fmla="*/ 522596 h 3082783"/>
+                <a:gd name="connsiteX7" fmla="*/ 2661091 w 2781517"/>
+                <a:gd name="connsiteY7" fmla="*/ 1180517 h 3082783"/>
+                <a:gd name="connsiteX8" fmla="*/ 2765567 w 2781517"/>
+                <a:gd name="connsiteY8" fmla="*/ 2019632 h 3082783"/>
+                <a:gd name="connsiteX9" fmla="*/ 2203892 w 2781517"/>
+                <a:gd name="connsiteY9" fmla="*/ 2708233 h 3082783"/>
+                <a:gd name="connsiteX10" fmla="*/ 1331783 w 2781517"/>
+                <a:gd name="connsiteY10" fmla="*/ 3079056 h 3082783"/>
+                <a:gd name="connsiteX11" fmla="*/ 419696 w 2781517"/>
+                <a:gd name="connsiteY11" fmla="*/ 2864350 h 3082783"/>
+                <a:gd name="connsiteX12" fmla="*/ 42964 w 2781517"/>
+                <a:gd name="connsiteY12" fmla="*/ 2320716 h 3082783"/>
+                <a:gd name="connsiteX0" fmla="*/ 42964 w 2735247"/>
+                <a:gd name="connsiteY0" fmla="*/ 2320716 h 3082783"/>
+                <a:gd name="connsiteX1" fmla="*/ 40553 w 2735247"/>
+                <a:gd name="connsiteY1" fmla="*/ 1581961 h 3082783"/>
+                <a:gd name="connsiteX2" fmla="*/ 196671 w 2735247"/>
+                <a:gd name="connsiteY2" fmla="*/ 1202820 h 3082783"/>
+                <a:gd name="connsiteX3" fmla="*/ 419695 w 2735247"/>
+                <a:gd name="connsiteY3" fmla="*/ 845981 h 3082783"/>
+                <a:gd name="connsiteX4" fmla="*/ 564664 w 2735247"/>
+                <a:gd name="connsiteY4" fmla="*/ 667562 h 3082783"/>
+                <a:gd name="connsiteX5" fmla="*/ 1331783 w 2735247"/>
+                <a:gd name="connsiteY5" fmla="*/ 1204 h 3082783"/>
+                <a:gd name="connsiteX6" fmla="*/ 2136984 w 2735247"/>
+                <a:gd name="connsiteY6" fmla="*/ 522596 h 3082783"/>
+                <a:gd name="connsiteX7" fmla="*/ 2661091 w 2735247"/>
+                <a:gd name="connsiteY7" fmla="*/ 1180517 h 3082783"/>
+                <a:gd name="connsiteX8" fmla="*/ 2698659 w 2735247"/>
+                <a:gd name="connsiteY8" fmla="*/ 1952725 h 3082783"/>
+                <a:gd name="connsiteX9" fmla="*/ 2203892 w 2735247"/>
+                <a:gd name="connsiteY9" fmla="*/ 2708233 h 3082783"/>
+                <a:gd name="connsiteX10" fmla="*/ 1331783 w 2735247"/>
+                <a:gd name="connsiteY10" fmla="*/ 3079056 h 3082783"/>
+                <a:gd name="connsiteX11" fmla="*/ 419696 w 2735247"/>
+                <a:gd name="connsiteY11" fmla="*/ 2864350 h 3082783"/>
+                <a:gd name="connsiteX12" fmla="*/ 42964 w 2735247"/>
+                <a:gd name="connsiteY12" fmla="*/ 2320716 h 3082783"/>
+                <a:gd name="connsiteX0" fmla="*/ 42964 w 2706463"/>
+                <a:gd name="connsiteY0" fmla="*/ 2320716 h 3082783"/>
+                <a:gd name="connsiteX1" fmla="*/ 40553 w 2706463"/>
+                <a:gd name="connsiteY1" fmla="*/ 1581961 h 3082783"/>
+                <a:gd name="connsiteX2" fmla="*/ 196671 w 2706463"/>
+                <a:gd name="connsiteY2" fmla="*/ 1202820 h 3082783"/>
+                <a:gd name="connsiteX3" fmla="*/ 419695 w 2706463"/>
+                <a:gd name="connsiteY3" fmla="*/ 845981 h 3082783"/>
+                <a:gd name="connsiteX4" fmla="*/ 564664 w 2706463"/>
+                <a:gd name="connsiteY4" fmla="*/ 667562 h 3082783"/>
+                <a:gd name="connsiteX5" fmla="*/ 1331783 w 2706463"/>
+                <a:gd name="connsiteY5" fmla="*/ 1204 h 3082783"/>
+                <a:gd name="connsiteX6" fmla="*/ 2136984 w 2706463"/>
+                <a:gd name="connsiteY6" fmla="*/ 522596 h 3082783"/>
+                <a:gd name="connsiteX7" fmla="*/ 2504974 w 2706463"/>
+                <a:gd name="connsiteY7" fmla="*/ 1202819 h 3082783"/>
+                <a:gd name="connsiteX8" fmla="*/ 2698659 w 2706463"/>
+                <a:gd name="connsiteY8" fmla="*/ 1952725 h 3082783"/>
+                <a:gd name="connsiteX9" fmla="*/ 2203892 w 2706463"/>
+                <a:gd name="connsiteY9" fmla="*/ 2708233 h 3082783"/>
+                <a:gd name="connsiteX10" fmla="*/ 1331783 w 2706463"/>
+                <a:gd name="connsiteY10" fmla="*/ 3079056 h 3082783"/>
+                <a:gd name="connsiteX11" fmla="*/ 419696 w 2706463"/>
+                <a:gd name="connsiteY11" fmla="*/ 2864350 h 3082783"/>
+                <a:gd name="connsiteX12" fmla="*/ 42964 w 2706463"/>
+                <a:gd name="connsiteY12" fmla="*/ 2320716 h 3082783"/>
+                <a:gd name="connsiteX0" fmla="*/ 42964 w 2710262"/>
+                <a:gd name="connsiteY0" fmla="*/ 2320716 h 3082783"/>
+                <a:gd name="connsiteX1" fmla="*/ 40553 w 2710262"/>
+                <a:gd name="connsiteY1" fmla="*/ 1581961 h 3082783"/>
+                <a:gd name="connsiteX2" fmla="*/ 196671 w 2710262"/>
+                <a:gd name="connsiteY2" fmla="*/ 1202820 h 3082783"/>
+                <a:gd name="connsiteX3" fmla="*/ 419695 w 2710262"/>
+                <a:gd name="connsiteY3" fmla="*/ 845981 h 3082783"/>
+                <a:gd name="connsiteX4" fmla="*/ 564664 w 2710262"/>
+                <a:gd name="connsiteY4" fmla="*/ 667562 h 3082783"/>
+                <a:gd name="connsiteX5" fmla="*/ 1331783 w 2710262"/>
+                <a:gd name="connsiteY5" fmla="*/ 1204 h 3082783"/>
+                <a:gd name="connsiteX6" fmla="*/ 2136984 w 2710262"/>
+                <a:gd name="connsiteY6" fmla="*/ 522596 h 3082783"/>
+                <a:gd name="connsiteX7" fmla="*/ 2560730 w 2710262"/>
+                <a:gd name="connsiteY7" fmla="*/ 1202819 h 3082783"/>
+                <a:gd name="connsiteX8" fmla="*/ 2698659 w 2710262"/>
+                <a:gd name="connsiteY8" fmla="*/ 1952725 h 3082783"/>
+                <a:gd name="connsiteX9" fmla="*/ 2203892 w 2710262"/>
+                <a:gd name="connsiteY9" fmla="*/ 2708233 h 3082783"/>
+                <a:gd name="connsiteX10" fmla="*/ 1331783 w 2710262"/>
+                <a:gd name="connsiteY10" fmla="*/ 3079056 h 3082783"/>
+                <a:gd name="connsiteX11" fmla="*/ 419696 w 2710262"/>
+                <a:gd name="connsiteY11" fmla="*/ 2864350 h 3082783"/>
+                <a:gd name="connsiteX12" fmla="*/ 42964 w 2710262"/>
+                <a:gd name="connsiteY12" fmla="*/ 2320716 h 3082783"/>
+              </a:gdLst>
+              <a:ahLst/>
+              <a:cxnLst>
+                <a:cxn ang="0">
+                  <a:pos x="connsiteX0" y="connsiteY0"/>
+                </a:cxn>
+                <a:cxn ang="0">
+                  <a:pos x="connsiteX1" y="connsiteY1"/>
+                </a:cxn>
+                <a:cxn ang="0">
+                  <a:pos x="connsiteX2" y="connsiteY2"/>
+                </a:cxn>
+                <a:cxn ang="0">
+                  <a:pos x="connsiteX3" y="connsiteY3"/>
+                </a:cxn>
+                <a:cxn ang="0">
+                  <a:pos x="connsiteX4" y="connsiteY4"/>
+                </a:cxn>
+                <a:cxn ang="0">
+                  <a:pos x="connsiteX5" y="connsiteY5"/>
+                </a:cxn>
+                <a:cxn ang="0">
+                  <a:pos x="connsiteX6" y="connsiteY6"/>
+                </a:cxn>
+                <a:cxn ang="0">
+                  <a:pos x="connsiteX7" y="connsiteY7"/>
+                </a:cxn>
+                <a:cxn ang="0">
+                  <a:pos x="connsiteX8" y="connsiteY8"/>
+                </a:cxn>
+                <a:cxn ang="0">
+                  <a:pos x="connsiteX9" y="connsiteY9"/>
+                </a:cxn>
+                <a:cxn ang="0">
+                  <a:pos x="connsiteX10" y="connsiteY10"/>
+                </a:cxn>
+                <a:cxn ang="0">
+                  <a:pos x="connsiteX11" y="connsiteY11"/>
+                </a:cxn>
+                <a:cxn ang="0">
+                  <a:pos x="connsiteX12" y="connsiteY12"/>
+                </a:cxn>
+              </a:cxnLst>
+              <a:rect l="l" t="t" r="r" b="b"/>
+              <a:pathLst>
+                <a:path w="2710262" h="3082783">
+                  <a:moveTo>
+                    <a:pt x="42964" y="2320716"/>
+                  </a:moveTo>
+                  <a:cubicBezTo>
+                    <a:pt x="-20226" y="2106985"/>
+                    <a:pt x="-7368" y="1870496"/>
+                    <a:pt x="40553" y="1581961"/>
+                  </a:cubicBezTo>
+                  <a:cubicBezTo>
+                    <a:pt x="86614" y="1375201"/>
+                    <a:pt x="100027" y="1319908"/>
+                    <a:pt x="196671" y="1202820"/>
+                  </a:cubicBezTo>
+                  <a:cubicBezTo>
+                    <a:pt x="252427" y="1080157"/>
+                    <a:pt x="358363" y="935191"/>
+                    <a:pt x="419695" y="845981"/>
+                  </a:cubicBezTo>
+                  <a:cubicBezTo>
+                    <a:pt x="481027" y="756771"/>
+                    <a:pt x="405215" y="808358"/>
+                    <a:pt x="564664" y="667562"/>
+                  </a:cubicBezTo>
+                  <a:cubicBezTo>
+                    <a:pt x="724113" y="526766"/>
+                    <a:pt x="1069730" y="25365"/>
+                    <a:pt x="1331783" y="1204"/>
+                  </a:cubicBezTo>
+                  <a:cubicBezTo>
+                    <a:pt x="1593836" y="-22957"/>
+                    <a:pt x="1937735" y="322327"/>
+                    <a:pt x="2136984" y="522596"/>
+                  </a:cubicBezTo>
+                  <a:cubicBezTo>
+                    <a:pt x="2336233" y="722865"/>
+                    <a:pt x="2454108" y="938445"/>
+                    <a:pt x="2560730" y="1202819"/>
+                  </a:cubicBezTo>
+                  <a:cubicBezTo>
+                    <a:pt x="2667352" y="1467193"/>
+                    <a:pt x="2739547" y="1686955"/>
+                    <a:pt x="2698659" y="1952725"/>
+                  </a:cubicBezTo>
+                  <a:cubicBezTo>
+                    <a:pt x="2657771" y="2218495"/>
+                    <a:pt x="2442856" y="2531662"/>
+                    <a:pt x="2203892" y="2708233"/>
+                  </a:cubicBezTo>
+                  <a:cubicBezTo>
+                    <a:pt x="1964928" y="2884804"/>
+                    <a:pt x="1629149" y="3053037"/>
+                    <a:pt x="1331783" y="3079056"/>
+                  </a:cubicBezTo>
+                  <a:cubicBezTo>
+                    <a:pt x="1034417" y="3105076"/>
+                    <a:pt x="634499" y="2990740"/>
+                    <a:pt x="419696" y="2864350"/>
+                  </a:cubicBezTo>
+                  <a:cubicBezTo>
+                    <a:pt x="204893" y="2737960"/>
+                    <a:pt x="106154" y="2534447"/>
+                    <a:pt x="42964" y="2320716"/>
+                  </a:cubicBezTo>
+                  <a:close/>
+                </a:path>
+              </a:pathLst>
+            </a:custGeom>
+            <a:solidFill>
+              <a:srgbClr val="F5A5CD"/>
+            </a:solidFill>
+            <a:ln>
+              <a:noFill/>
+            </a:ln>
+          </p:spPr>
+          <p:style>
+            <a:lnRef idx="2">
+              <a:schemeClr val="accent1">
+                <a:shade val="50000"/>
+              </a:schemeClr>
+            </a:lnRef>
+            <a:fillRef idx="1">
+              <a:schemeClr val="accent1"/>
+            </a:fillRef>
+            <a:effectRef idx="0">
+              <a:schemeClr val="accent1"/>
+            </a:effectRef>
+            <a:fontRef idx="minor">
+              <a:schemeClr val="lt1"/>
+            </a:fontRef>
+          </p:style>
+          <p:txBody>
+            <a:bodyPr rtlCol="0" anchor="ctr"/>
+            <a:lstStyle/>
+            <a:p>
+              <a:pPr algn="ctr"/>
+              <a:endParaRPr lang="pt-BR"/>
+            </a:p>
+          </p:txBody>
+        </p:sp>
+        <p:sp>
+          <p:nvSpPr>
+            <p:cNvPr id="12" name="Elipse 84"/>
+            <p:cNvSpPr/>
+            <p:nvPr/>
+          </p:nvSpPr>
+          <p:spPr>
+            <a:xfrm>
+              <a:off x="3424986" y="3137015"/>
+              <a:ext cx="2237104" cy="2104680"/>
+            </a:xfrm>
+            <a:custGeom>
+              <a:avLst/>
+              <a:gdLst/>
+              <a:ahLst/>
+              <a:cxnLst/>
+              <a:rect l="l" t="t" r="r" b="b"/>
+              <a:pathLst>
+                <a:path w="2198305" h="2104680">
+                  <a:moveTo>
+                    <a:pt x="1023644" y="0"/>
+                  </a:moveTo>
+                  <a:lnTo>
+                    <a:pt x="1218521" y="271616"/>
+                  </a:lnTo>
+                  <a:cubicBezTo>
+                    <a:pt x="1360449" y="397199"/>
+                    <a:pt x="1506370" y="449119"/>
+                    <a:pt x="1613378" y="395328"/>
+                  </a:cubicBezTo>
+                  <a:cubicBezTo>
+                    <a:pt x="1705229" y="349157"/>
+                    <a:pt x="1751677" y="233514"/>
+                    <a:pt x="1751936" y="82193"/>
+                  </a:cubicBezTo>
+                  <a:cubicBezTo>
+                    <a:pt x="1902789" y="235465"/>
+                    <a:pt x="1994100" y="401972"/>
+                    <a:pt x="2077019" y="604278"/>
+                  </a:cubicBezTo>
+                  <a:cubicBezTo>
+                    <a:pt x="2163501" y="815275"/>
+                    <a:pt x="2222058" y="990668"/>
+                    <a:pt x="2188894" y="1202779"/>
+                  </a:cubicBezTo>
+                  <a:cubicBezTo>
+                    <a:pt x="2155729" y="1414891"/>
+                    <a:pt x="1981411" y="1664830"/>
+                    <a:pt x="1787586" y="1805751"/>
+                  </a:cubicBezTo>
+                  <a:cubicBezTo>
+                    <a:pt x="1593762" y="1946673"/>
+                    <a:pt x="1321410" y="2080940"/>
+                    <a:pt x="1080215" y="2101706"/>
+                  </a:cubicBezTo>
+                  <a:cubicBezTo>
+                    <a:pt x="839020" y="2122472"/>
+                    <a:pt x="514645" y="2031221"/>
+                    <a:pt x="340417" y="1930348"/>
+                  </a:cubicBezTo>
+                  <a:cubicBezTo>
+                    <a:pt x="166190" y="1829476"/>
+                    <a:pt x="86102" y="1667052"/>
+                    <a:pt x="34849" y="1496473"/>
+                  </a:cubicBezTo>
+                  <a:cubicBezTo>
+                    <a:pt x="-16406" y="1325894"/>
+                    <a:pt x="-5976" y="1137152"/>
+                    <a:pt x="32893" y="906872"/>
+                  </a:cubicBezTo>
+                  <a:cubicBezTo>
+                    <a:pt x="70253" y="741856"/>
+                    <a:pt x="81133" y="697727"/>
+                    <a:pt x="159521" y="604279"/>
+                  </a:cubicBezTo>
+                  <a:cubicBezTo>
+                    <a:pt x="186016" y="546924"/>
+                    <a:pt x="226481" y="483460"/>
+                    <a:pt x="265676" y="426564"/>
+                  </a:cubicBezTo>
+                  <a:cubicBezTo>
+                    <a:pt x="310116" y="844328"/>
+                    <a:pt x="490492" y="1156468"/>
+                    <a:pt x="706127" y="1156468"/>
+                  </a:cubicBezTo>
+                  <a:cubicBezTo>
+                    <a:pt x="949080" y="1156468"/>
+                    <a:pt x="1147274" y="760231"/>
+                    <a:pt x="1156220" y="263209"/>
+                  </a:cubicBezTo>
+                  <a:lnTo>
+                    <a:pt x="986497" y="26652"/>
+                  </a:lnTo>
+                  <a:close/>
+                </a:path>
+              </a:pathLst>
+            </a:custGeom>
+            <a:solidFill>
+              <a:srgbClr val="00B050"/>
+            </a:solidFill>
+            <a:ln w="3175">
+              <a:solidFill>
+                <a:schemeClr val="tx1"/>
+              </a:solidFill>
+            </a:ln>
+          </p:spPr>
+          <p:style>
+            <a:lnRef idx="2">
+              <a:schemeClr val="accent1">
+                <a:shade val="50000"/>
+              </a:schemeClr>
+            </a:lnRef>
+            <a:fillRef idx="1">
+              <a:schemeClr val="accent1"/>
+            </a:fillRef>
+            <a:effectRef idx="0">
+              <a:schemeClr val="accent1"/>
+            </a:effectRef>
+            <a:fontRef idx="minor">
+              <a:schemeClr val="lt1"/>
+            </a:fontRef>
+          </p:style>
+          <p:txBody>
+            <a:bodyPr rtlCol="0" anchor="ctr"/>
+            <a:lstStyle/>
+            <a:p>
+              <a:pPr algn="ctr"/>
+              <a:endParaRPr lang="pt-BR"/>
+            </a:p>
+          </p:txBody>
+        </p:sp>
+        <p:sp>
+          <p:nvSpPr>
+            <p:cNvPr id="14" name="Retângulo 88"/>
+            <p:cNvSpPr/>
+            <p:nvPr/>
+          </p:nvSpPr>
+          <p:spPr>
+            <a:xfrm rot="1498162">
+              <a:off x="3958967" y="3034741"/>
+              <a:ext cx="635947" cy="305740"/>
+            </a:xfrm>
+            <a:custGeom>
+              <a:avLst/>
+              <a:gdLst>
+                <a:gd name="connsiteX0" fmla="*/ 0 w 1008983"/>
+                <a:gd name="connsiteY0" fmla="*/ 0 h 278046"/>
+                <a:gd name="connsiteX1" fmla="*/ 1008983 w 1008983"/>
+                <a:gd name="connsiteY1" fmla="*/ 0 h 278046"/>
+                <a:gd name="connsiteX2" fmla="*/ 1008983 w 1008983"/>
+                <a:gd name="connsiteY2" fmla="*/ 278046 h 278046"/>
+                <a:gd name="connsiteX3" fmla="*/ 0 w 1008983"/>
+                <a:gd name="connsiteY3" fmla="*/ 278046 h 278046"/>
+                <a:gd name="connsiteX4" fmla="*/ 0 w 1008983"/>
+                <a:gd name="connsiteY4" fmla="*/ 0 h 278046"/>
+                <a:gd name="connsiteX0" fmla="*/ 0 w 1008983"/>
+                <a:gd name="connsiteY0" fmla="*/ 19289 h 297335"/>
+                <a:gd name="connsiteX1" fmla="*/ 930918 w 1008983"/>
+                <a:gd name="connsiteY1" fmla="*/ 0 h 297335"/>
+                <a:gd name="connsiteX2" fmla="*/ 1008983 w 1008983"/>
+                <a:gd name="connsiteY2" fmla="*/ 297335 h 297335"/>
+                <a:gd name="connsiteX3" fmla="*/ 0 w 1008983"/>
+                <a:gd name="connsiteY3" fmla="*/ 297335 h 297335"/>
+                <a:gd name="connsiteX4" fmla="*/ 0 w 1008983"/>
+                <a:gd name="connsiteY4" fmla="*/ 19289 h 297335"/>
+                <a:gd name="connsiteX0" fmla="*/ 0 w 952748"/>
+                <a:gd name="connsiteY0" fmla="*/ 19289 h 305740"/>
+                <a:gd name="connsiteX1" fmla="*/ 930918 w 952748"/>
+                <a:gd name="connsiteY1" fmla="*/ 0 h 305740"/>
+                <a:gd name="connsiteX2" fmla="*/ 952748 w 952748"/>
+                <a:gd name="connsiteY2" fmla="*/ 305740 h 305740"/>
+                <a:gd name="connsiteX3" fmla="*/ 0 w 952748"/>
+                <a:gd name="connsiteY3" fmla="*/ 297335 h 305740"/>
+                <a:gd name="connsiteX4" fmla="*/ 0 w 952748"/>
+                <a:gd name="connsiteY4" fmla="*/ 19289 h 305740"/>
+              </a:gdLst>
+              <a:ahLst/>
+              <a:cxnLst>
+                <a:cxn ang="0">
+                  <a:pos x="connsiteX0" y="connsiteY0"/>
+                </a:cxn>
+                <a:cxn ang="0">
+                  <a:pos x="connsiteX1" y="connsiteY1"/>
+                </a:cxn>
+                <a:cxn ang="0">
+                  <a:pos x="connsiteX2" y="connsiteY2"/>
+                </a:cxn>
+                <a:cxn ang="0">
+                  <a:pos x="connsiteX3" y="connsiteY3"/>
+                </a:cxn>
+                <a:cxn ang="0">
+                  <a:pos x="connsiteX4" y="connsiteY4"/>
+                </a:cxn>
+              </a:cxnLst>
+              <a:rect l="l" t="t" r="r" b="b"/>
+              <a:pathLst>
+                <a:path w="952748" h="305740">
+                  <a:moveTo>
+                    <a:pt x="0" y="19289"/>
+                  </a:moveTo>
+                  <a:lnTo>
+                    <a:pt x="930918" y="0"/>
+                  </a:lnTo>
+                  <a:lnTo>
+                    <a:pt x="952748" y="305740"/>
+                  </a:lnTo>
+                  <a:lnTo>
+                    <a:pt x="0" y="297335"/>
+                  </a:lnTo>
+                  <a:lnTo>
+                    <a:pt x="0" y="19289"/>
+                  </a:lnTo>
+                  <a:close/>
+                </a:path>
+              </a:pathLst>
+            </a:custGeom>
+            <a:solidFill>
+              <a:srgbClr val="F5A5CD"/>
+            </a:solidFill>
+            <a:ln>
+              <a:solidFill>
+                <a:srgbClr val="F9CBE2"/>
+              </a:solidFill>
+            </a:ln>
+          </p:spPr>
+          <p:style>
+            <a:lnRef idx="2">
+              <a:schemeClr val="accent1">
+                <a:shade val="50000"/>
+              </a:schemeClr>
+            </a:lnRef>
+            <a:fillRef idx="1">
+              <a:schemeClr val="accent1"/>
+            </a:fillRef>
+            <a:effectRef idx="0">
+              <a:schemeClr val="accent1"/>
+            </a:effectRef>
+            <a:fontRef idx="minor">
+              <a:schemeClr val="lt1"/>
+            </a:fontRef>
+          </p:style>
+          <p:txBody>
+            <a:bodyPr rtlCol="0" anchor="ctr"/>
+            <a:lstStyle/>
+            <a:p>
+              <a:pPr algn="ctr"/>
+              <a:endParaRPr lang="pt-BR"/>
+            </a:p>
+          </p:txBody>
+        </p:sp>
+        <p:sp>
+          <p:nvSpPr>
+            <p:cNvPr id="15" name="Retângulo 88"/>
+            <p:cNvSpPr/>
+            <p:nvPr/>
+          </p:nvSpPr>
+          <p:spPr>
+            <a:xfrm rot="20101838" flipH="1">
+              <a:off x="4596940" y="3007851"/>
+              <a:ext cx="510992" cy="316778"/>
+            </a:xfrm>
+            <a:custGeom>
+              <a:avLst/>
+              <a:gdLst>
+                <a:gd name="connsiteX0" fmla="*/ 0 w 1008983"/>
+                <a:gd name="connsiteY0" fmla="*/ 0 h 278046"/>
+                <a:gd name="connsiteX1" fmla="*/ 1008983 w 1008983"/>
+                <a:gd name="connsiteY1" fmla="*/ 0 h 278046"/>
+                <a:gd name="connsiteX2" fmla="*/ 1008983 w 1008983"/>
+                <a:gd name="connsiteY2" fmla="*/ 278046 h 278046"/>
+                <a:gd name="connsiteX3" fmla="*/ 0 w 1008983"/>
+                <a:gd name="connsiteY3" fmla="*/ 278046 h 278046"/>
+                <a:gd name="connsiteX4" fmla="*/ 0 w 1008983"/>
+                <a:gd name="connsiteY4" fmla="*/ 0 h 278046"/>
+                <a:gd name="connsiteX0" fmla="*/ 0 w 1008983"/>
+                <a:gd name="connsiteY0" fmla="*/ 19289 h 297335"/>
+                <a:gd name="connsiteX1" fmla="*/ 930918 w 1008983"/>
+                <a:gd name="connsiteY1" fmla="*/ 0 h 297335"/>
+                <a:gd name="connsiteX2" fmla="*/ 1008983 w 1008983"/>
+                <a:gd name="connsiteY2" fmla="*/ 297335 h 297335"/>
+                <a:gd name="connsiteX3" fmla="*/ 0 w 1008983"/>
+                <a:gd name="connsiteY3" fmla="*/ 297335 h 297335"/>
+                <a:gd name="connsiteX4" fmla="*/ 0 w 1008983"/>
+                <a:gd name="connsiteY4" fmla="*/ 19289 h 297335"/>
+                <a:gd name="connsiteX0" fmla="*/ 0 w 952748"/>
+                <a:gd name="connsiteY0" fmla="*/ 19289 h 305740"/>
+                <a:gd name="connsiteX1" fmla="*/ 930918 w 952748"/>
+                <a:gd name="connsiteY1" fmla="*/ 0 h 305740"/>
+                <a:gd name="connsiteX2" fmla="*/ 952748 w 952748"/>
+                <a:gd name="connsiteY2" fmla="*/ 305740 h 305740"/>
+                <a:gd name="connsiteX3" fmla="*/ 0 w 952748"/>
+                <a:gd name="connsiteY3" fmla="*/ 297335 h 305740"/>
+                <a:gd name="connsiteX4" fmla="*/ 0 w 952748"/>
+                <a:gd name="connsiteY4" fmla="*/ 19289 h 305740"/>
+                <a:gd name="connsiteX0" fmla="*/ -1 w 973720"/>
+                <a:gd name="connsiteY0" fmla="*/ 0 h 316778"/>
+                <a:gd name="connsiteX1" fmla="*/ 951890 w 973720"/>
+                <a:gd name="connsiteY1" fmla="*/ 11038 h 316778"/>
+                <a:gd name="connsiteX2" fmla="*/ 973720 w 973720"/>
+                <a:gd name="connsiteY2" fmla="*/ 316778 h 316778"/>
+                <a:gd name="connsiteX3" fmla="*/ 20972 w 973720"/>
+                <a:gd name="connsiteY3" fmla="*/ 308373 h 316778"/>
+                <a:gd name="connsiteX4" fmla="*/ -1 w 973720"/>
+                <a:gd name="connsiteY4" fmla="*/ 0 h 316778"/>
+                <a:gd name="connsiteX0" fmla="*/ 0 w 973721"/>
+                <a:gd name="connsiteY0" fmla="*/ 0 h 316778"/>
+                <a:gd name="connsiteX1" fmla="*/ 951891 w 973721"/>
+                <a:gd name="connsiteY1" fmla="*/ 11038 h 316778"/>
+                <a:gd name="connsiteX2" fmla="*/ 973721 w 973721"/>
+                <a:gd name="connsiteY2" fmla="*/ 316778 h 316778"/>
+                <a:gd name="connsiteX3" fmla="*/ 8023 w 973721"/>
+                <a:gd name="connsiteY3" fmla="*/ 263230 h 316778"/>
+                <a:gd name="connsiteX4" fmla="*/ 0 w 973721"/>
+                <a:gd name="connsiteY4" fmla="*/ 0 h 316778"/>
+              </a:gdLst>
+              <a:ahLst/>
+              <a:cxnLst>
+                <a:cxn ang="0">
+                  <a:pos x="connsiteX0" y="connsiteY0"/>
+                </a:cxn>
+                <a:cxn ang="0">
+                  <a:pos x="connsiteX1" y="connsiteY1"/>
+                </a:cxn>
+                <a:cxn ang="0">
+                  <a:pos x="connsiteX2" y="connsiteY2"/>
+                </a:cxn>
+                <a:cxn ang="0">
+                  <a:pos x="connsiteX3" y="connsiteY3"/>
+                </a:cxn>
+                <a:cxn ang="0">
+                  <a:pos x="connsiteX4" y="connsiteY4"/>
+                </a:cxn>
+              </a:cxnLst>
+              <a:rect l="l" t="t" r="r" b="b"/>
+              <a:pathLst>
+                <a:path w="973721" h="316778">
+                  <a:moveTo>
+                    <a:pt x="0" y="0"/>
+                  </a:moveTo>
+                  <a:lnTo>
+                    <a:pt x="951891" y="11038"/>
+                  </a:lnTo>
+                  <a:lnTo>
+                    <a:pt x="973721" y="316778"/>
+                  </a:lnTo>
+                  <a:lnTo>
+                    <a:pt x="8023" y="263230"/>
+                  </a:lnTo>
+                  <a:lnTo>
+                    <a:pt x="0" y="0"/>
+                  </a:lnTo>
+                  <a:close/>
+                </a:path>
+              </a:pathLst>
+            </a:custGeom>
+            <a:solidFill>
+              <a:srgbClr val="F5A5CD"/>
+            </a:solidFill>
+            <a:ln>
+              <a:solidFill>
+                <a:srgbClr val="F9CBE2"/>
+              </a:solidFill>
+            </a:ln>
+          </p:spPr>
+          <p:style>
+            <a:lnRef idx="2">
+              <a:schemeClr val="accent1">
+                <a:shade val="50000"/>
+              </a:schemeClr>
+            </a:lnRef>
+            <a:fillRef idx="1">
+              <a:schemeClr val="accent1"/>
+            </a:fillRef>
+            <a:effectRef idx="0">
+              <a:schemeClr val="accent1"/>
+            </a:effectRef>
+            <a:fontRef idx="minor">
+              <a:schemeClr val="lt1"/>
+            </a:fontRef>
+          </p:style>
+          <p:txBody>
+            <a:bodyPr rtlCol="0" anchor="ctr"/>
+            <a:lstStyle/>
+            <a:p>
+              <a:pPr algn="ctr"/>
+              <a:endParaRPr lang="pt-BR"/>
+            </a:p>
+          </p:txBody>
+        </p:sp>
+        <p:grpSp>
+          <p:nvGrpSpPr>
+            <p:cNvPr id="16" name="Grupo 15"/>
+            <p:cNvGrpSpPr/>
+            <p:nvPr/>
+          </p:nvGrpSpPr>
+          <p:grpSpPr>
+            <a:xfrm>
+              <a:off x="3728554" y="1326270"/>
+              <a:ext cx="2031477" cy="1832259"/>
+              <a:chOff x="3972876" y="1884804"/>
+              <a:chExt cx="2031477" cy="1832259"/>
+            </a:xfrm>
+          </p:grpSpPr>
+          <p:sp>
+            <p:nvSpPr>
+              <p:cNvPr id="17" name="Fluxograma: Mesclar 6"/>
+              <p:cNvSpPr/>
+              <p:nvPr/>
+            </p:nvSpPr>
+            <p:spPr>
+              <a:xfrm rot="8853205">
+                <a:off x="3972876" y="1884804"/>
+                <a:ext cx="552294" cy="880025"/>
               </a:xfrm>
               <a:custGeom>
                 <a:avLst/>
                 <a:gdLst>
-                  <a:gd name="connsiteX0" fmla="*/ 0 w 207885"/>
-                  <a:gd name="connsiteY0" fmla="*/ 363551 h 727101"/>
-                  <a:gd name="connsiteX1" fmla="*/ 103943 w 207885"/>
-                  <a:gd name="connsiteY1" fmla="*/ 0 h 727101"/>
-                  <a:gd name="connsiteX2" fmla="*/ 207886 w 207885"/>
-                  <a:gd name="connsiteY2" fmla="*/ 363551 h 727101"/>
-                  <a:gd name="connsiteX3" fmla="*/ 103943 w 207885"/>
-                  <a:gd name="connsiteY3" fmla="*/ 727102 h 727101"/>
-                  <a:gd name="connsiteX4" fmla="*/ 0 w 207885"/>
-                  <a:gd name="connsiteY4" fmla="*/ 363551 h 727101"/>
-                  <a:gd name="connsiteX0" fmla="*/ 1 w 124236"/>
-                  <a:gd name="connsiteY0" fmla="*/ 408003 h 727638"/>
-                  <a:gd name="connsiteX1" fmla="*/ 20293 w 124236"/>
-                  <a:gd name="connsiteY1" fmla="*/ 230 h 727638"/>
-                  <a:gd name="connsiteX2" fmla="*/ 124236 w 124236"/>
-                  <a:gd name="connsiteY2" fmla="*/ 363781 h 727638"/>
-                  <a:gd name="connsiteX3" fmla="*/ 20293 w 124236"/>
-                  <a:gd name="connsiteY3" fmla="*/ 727332 h 727638"/>
-                  <a:gd name="connsiteX4" fmla="*/ 1 w 124236"/>
-                  <a:gd name="connsiteY4" fmla="*/ 408003 h 727638"/>
-                  <a:gd name="connsiteX0" fmla="*/ 98216 w 222451"/>
-                  <a:gd name="connsiteY0" fmla="*/ 408003 h 693191"/>
-                  <a:gd name="connsiteX1" fmla="*/ 118508 w 222451"/>
-                  <a:gd name="connsiteY1" fmla="*/ 230 h 693191"/>
-                  <a:gd name="connsiteX2" fmla="*/ 222451 w 222451"/>
-                  <a:gd name="connsiteY2" fmla="*/ 363781 h 693191"/>
-                  <a:gd name="connsiteX3" fmla="*/ 2888 w 222451"/>
-                  <a:gd name="connsiteY3" fmla="*/ 692968 h 693191"/>
-                  <a:gd name="connsiteX4" fmla="*/ 98216 w 222451"/>
-                  <a:gd name="connsiteY4" fmla="*/ 408003 h 693191"/>
-                  <a:gd name="connsiteX0" fmla="*/ 98497 w 222732"/>
-                  <a:gd name="connsiteY0" fmla="*/ 508799 h 794009"/>
-                  <a:gd name="connsiteX1" fmla="*/ 181038 w 222732"/>
-                  <a:gd name="connsiteY1" fmla="*/ 147 h 794009"/>
-                  <a:gd name="connsiteX2" fmla="*/ 222732 w 222732"/>
-                  <a:gd name="connsiteY2" fmla="*/ 464577 h 794009"/>
-                  <a:gd name="connsiteX3" fmla="*/ 3169 w 222732"/>
-                  <a:gd name="connsiteY3" fmla="*/ 793764 h 794009"/>
-                  <a:gd name="connsiteX4" fmla="*/ 98497 w 222732"/>
-                  <a:gd name="connsiteY4" fmla="*/ 508799 h 794009"/>
+                  <a:gd name="connsiteX0" fmla="*/ 0 w 10000"/>
+                  <a:gd name="connsiteY0" fmla="*/ 0 h 10000"/>
+                  <a:gd name="connsiteX1" fmla="*/ 10000 w 10000"/>
+                  <a:gd name="connsiteY1" fmla="*/ 0 h 10000"/>
+                  <a:gd name="connsiteX2" fmla="*/ 5000 w 10000"/>
+                  <a:gd name="connsiteY2" fmla="*/ 10000 h 10000"/>
+                  <a:gd name="connsiteX3" fmla="*/ 0 w 10000"/>
+                  <a:gd name="connsiteY3" fmla="*/ 0 h 10000"/>
+                  <a:gd name="connsiteX0" fmla="*/ 0 w 10333"/>
+                  <a:gd name="connsiteY0" fmla="*/ 0 h 10000"/>
+                  <a:gd name="connsiteX1" fmla="*/ 10000 w 10333"/>
+                  <a:gd name="connsiteY1" fmla="*/ 0 h 10000"/>
+                  <a:gd name="connsiteX2" fmla="*/ 10226 w 10333"/>
+                  <a:gd name="connsiteY2" fmla="*/ 4230 h 10000"/>
+                  <a:gd name="connsiteX3" fmla="*/ 5000 w 10333"/>
+                  <a:gd name="connsiteY3" fmla="*/ 10000 h 10000"/>
+                  <a:gd name="connsiteX4" fmla="*/ 0 w 10333"/>
+                  <a:gd name="connsiteY4" fmla="*/ 0 h 10000"/>
+                  <a:gd name="connsiteX0" fmla="*/ 0 w 11339"/>
+                  <a:gd name="connsiteY0" fmla="*/ 0 h 10000"/>
+                  <a:gd name="connsiteX1" fmla="*/ 10000 w 11339"/>
+                  <a:gd name="connsiteY1" fmla="*/ 0 h 10000"/>
+                  <a:gd name="connsiteX2" fmla="*/ 11311 w 11339"/>
+                  <a:gd name="connsiteY2" fmla="*/ 1212 h 10000"/>
+                  <a:gd name="connsiteX3" fmla="*/ 10226 w 11339"/>
+                  <a:gd name="connsiteY3" fmla="*/ 4230 h 10000"/>
+                  <a:gd name="connsiteX4" fmla="*/ 5000 w 11339"/>
+                  <a:gd name="connsiteY4" fmla="*/ 10000 h 10000"/>
+                  <a:gd name="connsiteX5" fmla="*/ 0 w 11339"/>
+                  <a:gd name="connsiteY5" fmla="*/ 0 h 10000"/>
+                  <a:gd name="connsiteX0" fmla="*/ 799 w 12138"/>
+                  <a:gd name="connsiteY0" fmla="*/ 0 h 10000"/>
+                  <a:gd name="connsiteX1" fmla="*/ 10799 w 12138"/>
+                  <a:gd name="connsiteY1" fmla="*/ 0 h 10000"/>
+                  <a:gd name="connsiteX2" fmla="*/ 12110 w 12138"/>
+                  <a:gd name="connsiteY2" fmla="*/ 1212 h 10000"/>
+                  <a:gd name="connsiteX3" fmla="*/ 11025 w 12138"/>
+                  <a:gd name="connsiteY3" fmla="*/ 4230 h 10000"/>
+                  <a:gd name="connsiteX4" fmla="*/ 5799 w 12138"/>
+                  <a:gd name="connsiteY4" fmla="*/ 10000 h 10000"/>
+                  <a:gd name="connsiteX5" fmla="*/ 0 w 12138"/>
+                  <a:gd name="connsiteY5" fmla="*/ 3484 h 10000"/>
+                  <a:gd name="connsiteX6" fmla="*/ 799 w 12138"/>
+                  <a:gd name="connsiteY6" fmla="*/ 0 h 10000"/>
+                  <a:gd name="connsiteX0" fmla="*/ 1151 w 12490"/>
+                  <a:gd name="connsiteY0" fmla="*/ 0 h 10000"/>
+                  <a:gd name="connsiteX1" fmla="*/ 11151 w 12490"/>
+                  <a:gd name="connsiteY1" fmla="*/ 0 h 10000"/>
+                  <a:gd name="connsiteX2" fmla="*/ 12462 w 12490"/>
+                  <a:gd name="connsiteY2" fmla="*/ 1212 h 10000"/>
+                  <a:gd name="connsiteX3" fmla="*/ 11377 w 12490"/>
+                  <a:gd name="connsiteY3" fmla="*/ 4230 h 10000"/>
+                  <a:gd name="connsiteX4" fmla="*/ 6151 w 12490"/>
+                  <a:gd name="connsiteY4" fmla="*/ 10000 h 10000"/>
+                  <a:gd name="connsiteX5" fmla="*/ 352 w 12490"/>
+                  <a:gd name="connsiteY5" fmla="*/ 3484 h 10000"/>
+                  <a:gd name="connsiteX6" fmla="*/ 29 w 12490"/>
+                  <a:gd name="connsiteY6" fmla="*/ 1317 h 10000"/>
+                  <a:gd name="connsiteX7" fmla="*/ 1151 w 12490"/>
+                  <a:gd name="connsiteY7" fmla="*/ 0 h 10000"/>
                 </a:gdLst>
                 <a:ahLst/>
                 <a:cxnLst>
@@ -10494,39 +12174,1381 @@
                   <a:cxn ang="0">
                     <a:pos x="connsiteX4" y="connsiteY4"/>
                   </a:cxn>
+                  <a:cxn ang="0">
+                    <a:pos x="connsiteX5" y="connsiteY5"/>
+                  </a:cxn>
+                  <a:cxn ang="0">
+                    <a:pos x="connsiteX6" y="connsiteY6"/>
+                  </a:cxn>
+                  <a:cxn ang="0">
+                    <a:pos x="connsiteX7" y="connsiteY7"/>
+                  </a:cxn>
                 </a:cxnLst>
                 <a:rect l="l" t="t" r="r" b="b"/>
                 <a:pathLst>
-                  <a:path w="222732" h="794009">
+                  <a:path w="12490" h="10000">
                     <a:moveTo>
-                      <a:pt x="98497" y="508799"/>
+                      <a:pt x="1151" y="0"/>
+                    </a:moveTo>
+                    <a:lnTo>
+                      <a:pt x="11151" y="0"/>
+                    </a:lnTo>
+                    <a:cubicBezTo>
+                      <a:pt x="12885" y="239"/>
+                      <a:pt x="12424" y="507"/>
+                      <a:pt x="12462" y="1212"/>
+                    </a:cubicBezTo>
+                    <a:cubicBezTo>
+                      <a:pt x="12500" y="1917"/>
+                      <a:pt x="12278" y="2802"/>
+                      <a:pt x="11377" y="4230"/>
+                    </a:cubicBezTo>
+                    <a:lnTo>
+                      <a:pt x="6151" y="10000"/>
+                    </a:lnTo>
+                    <a:cubicBezTo>
+                      <a:pt x="5043" y="7832"/>
+                      <a:pt x="1460" y="5652"/>
+                      <a:pt x="352" y="3484"/>
+                    </a:cubicBezTo>
+                    <a:cubicBezTo>
+                      <a:pt x="526" y="2745"/>
+                      <a:pt x="-145" y="2056"/>
+                      <a:pt x="29" y="1317"/>
+                    </a:cubicBezTo>
+                    <a:lnTo>
+                      <a:pt x="1151" y="0"/>
+                    </a:lnTo>
+                    <a:close/>
+                  </a:path>
+                </a:pathLst>
+              </a:custGeom>
+              <a:solidFill>
+                <a:srgbClr val="FCC7A6"/>
+              </a:solidFill>
+              <a:ln>
+                <a:noFill/>
+              </a:ln>
+            </p:spPr>
+            <p:style>
+              <a:lnRef idx="2">
+                <a:schemeClr val="accent1">
+                  <a:shade val="50000"/>
+                </a:schemeClr>
+              </a:lnRef>
+              <a:fillRef idx="1">
+                <a:schemeClr val="accent1"/>
+              </a:fillRef>
+              <a:effectRef idx="0">
+                <a:schemeClr val="accent1"/>
+              </a:effectRef>
+              <a:fontRef idx="minor">
+                <a:schemeClr val="lt1"/>
+              </a:fontRef>
+            </p:style>
+            <p:txBody>
+              <a:bodyPr rtlCol="0" anchor="ctr"/>
+              <a:lstStyle/>
+              <a:p>
+                <a:pPr algn="ctr"/>
+                <a:endParaRPr lang="pt-BR" dirty="0"/>
+              </a:p>
+            </p:txBody>
+          </p:sp>
+          <p:sp>
+            <p:nvSpPr>
+              <p:cNvPr id="18" name="Elipse 4"/>
+              <p:cNvSpPr/>
+              <p:nvPr/>
+            </p:nvSpPr>
+            <p:spPr>
+              <a:xfrm>
+                <a:off x="4055101" y="2348880"/>
+                <a:ext cx="1465518" cy="1368183"/>
+              </a:xfrm>
+              <a:custGeom>
+                <a:avLst/>
+                <a:gdLst>
+                  <a:gd name="connsiteX0" fmla="*/ 0 w 1440160"/>
+                  <a:gd name="connsiteY0" fmla="*/ 684076 h 1368152"/>
+                  <a:gd name="connsiteX1" fmla="*/ 720080 w 1440160"/>
+                  <a:gd name="connsiteY1" fmla="*/ 0 h 1368152"/>
+                  <a:gd name="connsiteX2" fmla="*/ 1440160 w 1440160"/>
+                  <a:gd name="connsiteY2" fmla="*/ 684076 h 1368152"/>
+                  <a:gd name="connsiteX3" fmla="*/ 720080 w 1440160"/>
+                  <a:gd name="connsiteY3" fmla="*/ 1368152 h 1368152"/>
+                  <a:gd name="connsiteX4" fmla="*/ 0 w 1440160"/>
+                  <a:gd name="connsiteY4" fmla="*/ 684076 h 1368152"/>
+                  <a:gd name="connsiteX0" fmla="*/ 12843 w 1453003"/>
+                  <a:gd name="connsiteY0" fmla="*/ 684076 h 1390469"/>
+                  <a:gd name="connsiteX1" fmla="*/ 732923 w 1453003"/>
+                  <a:gd name="connsiteY1" fmla="*/ 0 h 1390469"/>
+                  <a:gd name="connsiteX2" fmla="*/ 1453003 w 1453003"/>
+                  <a:gd name="connsiteY2" fmla="*/ 684076 h 1390469"/>
+                  <a:gd name="connsiteX3" fmla="*/ 732923 w 1453003"/>
+                  <a:gd name="connsiteY3" fmla="*/ 1368152 h 1390469"/>
+                  <a:gd name="connsiteX4" fmla="*/ 305026 w 1453003"/>
+                  <a:gd name="connsiteY4" fmla="*/ 1174905 h 1390469"/>
+                  <a:gd name="connsiteX5" fmla="*/ 12843 w 1453003"/>
+                  <a:gd name="connsiteY5" fmla="*/ 684076 h 1390469"/>
+                  <a:gd name="connsiteX0" fmla="*/ 12843 w 1465518"/>
+                  <a:gd name="connsiteY0" fmla="*/ 684076 h 1368183"/>
+                  <a:gd name="connsiteX1" fmla="*/ 732923 w 1465518"/>
+                  <a:gd name="connsiteY1" fmla="*/ 0 h 1368183"/>
+                  <a:gd name="connsiteX2" fmla="*/ 1453003 w 1465518"/>
+                  <a:gd name="connsiteY2" fmla="*/ 684076 h 1368183"/>
+                  <a:gd name="connsiteX3" fmla="*/ 1174822 w 1465518"/>
+                  <a:gd name="connsiteY3" fmla="*/ 1163754 h 1368183"/>
+                  <a:gd name="connsiteX4" fmla="*/ 732923 w 1465518"/>
+                  <a:gd name="connsiteY4" fmla="*/ 1368152 h 1368183"/>
+                  <a:gd name="connsiteX5" fmla="*/ 305026 w 1465518"/>
+                  <a:gd name="connsiteY5" fmla="*/ 1174905 h 1368183"/>
+                  <a:gd name="connsiteX6" fmla="*/ 12843 w 1465518"/>
+                  <a:gd name="connsiteY6" fmla="*/ 684076 h 1368183"/>
+                </a:gdLst>
+                <a:ahLst/>
+                <a:cxnLst>
+                  <a:cxn ang="0">
+                    <a:pos x="connsiteX0" y="connsiteY0"/>
+                  </a:cxn>
+                  <a:cxn ang="0">
+                    <a:pos x="connsiteX1" y="connsiteY1"/>
+                  </a:cxn>
+                  <a:cxn ang="0">
+                    <a:pos x="connsiteX2" y="connsiteY2"/>
+                  </a:cxn>
+                  <a:cxn ang="0">
+                    <a:pos x="connsiteX3" y="connsiteY3"/>
+                  </a:cxn>
+                  <a:cxn ang="0">
+                    <a:pos x="connsiteX4" y="connsiteY4"/>
+                  </a:cxn>
+                  <a:cxn ang="0">
+                    <a:pos x="connsiteX5" y="connsiteY5"/>
+                  </a:cxn>
+                  <a:cxn ang="0">
+                    <a:pos x="connsiteX6" y="connsiteY6"/>
+                  </a:cxn>
+                </a:cxnLst>
+                <a:rect l="l" t="t" r="r" b="b"/>
+                <a:pathLst>
+                  <a:path w="1465518" h="1368183">
+                    <a:moveTo>
+                      <a:pt x="12843" y="684076"/>
                     </a:moveTo>
                     <a:cubicBezTo>
-                      <a:pt x="128142" y="376530"/>
-                      <a:pt x="160332" y="7517"/>
-                      <a:pt x="181038" y="147"/>
+                      <a:pt x="84159" y="488259"/>
+                      <a:pt x="335234" y="0"/>
+                      <a:pt x="732923" y="0"/>
                     </a:cubicBezTo>
                     <a:cubicBezTo>
-                      <a:pt x="201744" y="-7223"/>
-                      <a:pt x="222732" y="263793"/>
-                      <a:pt x="222732" y="464577"/>
+                      <a:pt x="1130612" y="0"/>
+                      <a:pt x="1384929" y="493834"/>
+                      <a:pt x="1453003" y="684076"/>
                     </a:cubicBezTo>
                     <a:cubicBezTo>
-                      <a:pt x="222732" y="665361"/>
-                      <a:pt x="23875" y="786394"/>
-                      <a:pt x="3169" y="793764"/>
+                      <a:pt x="1521077" y="874318"/>
+                      <a:pt x="1294835" y="1049741"/>
+                      <a:pt x="1174822" y="1163754"/>
                     </a:cubicBezTo>
                     <a:cubicBezTo>
-                      <a:pt x="-17537" y="801134"/>
-                      <a:pt x="68852" y="641069"/>
-                      <a:pt x="98497" y="508799"/>
+                      <a:pt x="1054809" y="1277767"/>
+                      <a:pt x="877889" y="1366294"/>
+                      <a:pt x="732923" y="1368152"/>
+                    </a:cubicBezTo>
+                    <a:cubicBezTo>
+                      <a:pt x="587957" y="1370010"/>
+                      <a:pt x="425039" y="1288918"/>
+                      <a:pt x="305026" y="1174905"/>
+                    </a:cubicBezTo>
+                    <a:cubicBezTo>
+                      <a:pt x="185013" y="1060892"/>
+                      <a:pt x="-58473" y="879893"/>
+                      <a:pt x="12843" y="684076"/>
                     </a:cubicBezTo>
                     <a:close/>
                   </a:path>
                 </a:pathLst>
               </a:custGeom>
               <a:solidFill>
-                <a:srgbClr val="CC0000"/>
+                <a:srgbClr val="FCC7A6"/>
+              </a:solidFill>
+              <a:ln>
+                <a:noFill/>
+              </a:ln>
+            </p:spPr>
+            <p:style>
+              <a:lnRef idx="2">
+                <a:schemeClr val="accent1">
+                  <a:shade val="50000"/>
+                </a:schemeClr>
+              </a:lnRef>
+              <a:fillRef idx="1">
+                <a:schemeClr val="accent1"/>
+              </a:fillRef>
+              <a:effectRef idx="0">
+                <a:schemeClr val="accent1"/>
+              </a:effectRef>
+              <a:fontRef idx="minor">
+                <a:schemeClr val="lt1"/>
+              </a:fontRef>
+            </p:style>
+            <p:txBody>
+              <a:bodyPr rtlCol="0" anchor="ctr"/>
+              <a:lstStyle/>
+              <a:p>
+                <a:pPr algn="ctr"/>
+                <a:endParaRPr lang="pt-BR"/>
+              </a:p>
+            </p:txBody>
+          </p:sp>
+          <p:sp>
+            <p:nvSpPr>
+              <p:cNvPr id="19" name="Fluxograma: Mesclar 6"/>
+              <p:cNvSpPr/>
+              <p:nvPr/>
+            </p:nvSpPr>
+            <p:spPr>
+              <a:xfrm rot="15421268">
+                <a:off x="5290728" y="2196900"/>
+                <a:ext cx="547226" cy="880025"/>
+              </a:xfrm>
+              <a:custGeom>
+                <a:avLst/>
+                <a:gdLst>
+                  <a:gd name="connsiteX0" fmla="*/ 0 w 10000"/>
+                  <a:gd name="connsiteY0" fmla="*/ 0 h 10000"/>
+                  <a:gd name="connsiteX1" fmla="*/ 10000 w 10000"/>
+                  <a:gd name="connsiteY1" fmla="*/ 0 h 10000"/>
+                  <a:gd name="connsiteX2" fmla="*/ 5000 w 10000"/>
+                  <a:gd name="connsiteY2" fmla="*/ 10000 h 10000"/>
+                  <a:gd name="connsiteX3" fmla="*/ 0 w 10000"/>
+                  <a:gd name="connsiteY3" fmla="*/ 0 h 10000"/>
+                  <a:gd name="connsiteX0" fmla="*/ 0 w 10333"/>
+                  <a:gd name="connsiteY0" fmla="*/ 0 h 10000"/>
+                  <a:gd name="connsiteX1" fmla="*/ 10000 w 10333"/>
+                  <a:gd name="connsiteY1" fmla="*/ 0 h 10000"/>
+                  <a:gd name="connsiteX2" fmla="*/ 10226 w 10333"/>
+                  <a:gd name="connsiteY2" fmla="*/ 4230 h 10000"/>
+                  <a:gd name="connsiteX3" fmla="*/ 5000 w 10333"/>
+                  <a:gd name="connsiteY3" fmla="*/ 10000 h 10000"/>
+                  <a:gd name="connsiteX4" fmla="*/ 0 w 10333"/>
+                  <a:gd name="connsiteY4" fmla="*/ 0 h 10000"/>
+                  <a:gd name="connsiteX0" fmla="*/ 0 w 11339"/>
+                  <a:gd name="connsiteY0" fmla="*/ 0 h 10000"/>
+                  <a:gd name="connsiteX1" fmla="*/ 10000 w 11339"/>
+                  <a:gd name="connsiteY1" fmla="*/ 0 h 10000"/>
+                  <a:gd name="connsiteX2" fmla="*/ 11311 w 11339"/>
+                  <a:gd name="connsiteY2" fmla="*/ 1212 h 10000"/>
+                  <a:gd name="connsiteX3" fmla="*/ 10226 w 11339"/>
+                  <a:gd name="connsiteY3" fmla="*/ 4230 h 10000"/>
+                  <a:gd name="connsiteX4" fmla="*/ 5000 w 11339"/>
+                  <a:gd name="connsiteY4" fmla="*/ 10000 h 10000"/>
+                  <a:gd name="connsiteX5" fmla="*/ 0 w 11339"/>
+                  <a:gd name="connsiteY5" fmla="*/ 0 h 10000"/>
+                  <a:gd name="connsiteX0" fmla="*/ 799 w 12138"/>
+                  <a:gd name="connsiteY0" fmla="*/ 0 h 10000"/>
+                  <a:gd name="connsiteX1" fmla="*/ 10799 w 12138"/>
+                  <a:gd name="connsiteY1" fmla="*/ 0 h 10000"/>
+                  <a:gd name="connsiteX2" fmla="*/ 12110 w 12138"/>
+                  <a:gd name="connsiteY2" fmla="*/ 1212 h 10000"/>
+                  <a:gd name="connsiteX3" fmla="*/ 11025 w 12138"/>
+                  <a:gd name="connsiteY3" fmla="*/ 4230 h 10000"/>
+                  <a:gd name="connsiteX4" fmla="*/ 5799 w 12138"/>
+                  <a:gd name="connsiteY4" fmla="*/ 10000 h 10000"/>
+                  <a:gd name="connsiteX5" fmla="*/ 0 w 12138"/>
+                  <a:gd name="connsiteY5" fmla="*/ 3484 h 10000"/>
+                  <a:gd name="connsiteX6" fmla="*/ 799 w 12138"/>
+                  <a:gd name="connsiteY6" fmla="*/ 0 h 10000"/>
+                  <a:gd name="connsiteX0" fmla="*/ 1151 w 12490"/>
+                  <a:gd name="connsiteY0" fmla="*/ 0 h 10000"/>
+                  <a:gd name="connsiteX1" fmla="*/ 11151 w 12490"/>
+                  <a:gd name="connsiteY1" fmla="*/ 0 h 10000"/>
+                  <a:gd name="connsiteX2" fmla="*/ 12462 w 12490"/>
+                  <a:gd name="connsiteY2" fmla="*/ 1212 h 10000"/>
+                  <a:gd name="connsiteX3" fmla="*/ 11377 w 12490"/>
+                  <a:gd name="connsiteY3" fmla="*/ 4230 h 10000"/>
+                  <a:gd name="connsiteX4" fmla="*/ 6151 w 12490"/>
+                  <a:gd name="connsiteY4" fmla="*/ 10000 h 10000"/>
+                  <a:gd name="connsiteX5" fmla="*/ 352 w 12490"/>
+                  <a:gd name="connsiteY5" fmla="*/ 3484 h 10000"/>
+                  <a:gd name="connsiteX6" fmla="*/ 29 w 12490"/>
+                  <a:gd name="connsiteY6" fmla="*/ 1317 h 10000"/>
+                  <a:gd name="connsiteX7" fmla="*/ 1151 w 12490"/>
+                  <a:gd name="connsiteY7" fmla="*/ 0 h 10000"/>
+                </a:gdLst>
+                <a:ahLst/>
+                <a:cxnLst>
+                  <a:cxn ang="0">
+                    <a:pos x="connsiteX0" y="connsiteY0"/>
+                  </a:cxn>
+                  <a:cxn ang="0">
+                    <a:pos x="connsiteX1" y="connsiteY1"/>
+                  </a:cxn>
+                  <a:cxn ang="0">
+                    <a:pos x="connsiteX2" y="connsiteY2"/>
+                  </a:cxn>
+                  <a:cxn ang="0">
+                    <a:pos x="connsiteX3" y="connsiteY3"/>
+                  </a:cxn>
+                  <a:cxn ang="0">
+                    <a:pos x="connsiteX4" y="connsiteY4"/>
+                  </a:cxn>
+                  <a:cxn ang="0">
+                    <a:pos x="connsiteX5" y="connsiteY5"/>
+                  </a:cxn>
+                  <a:cxn ang="0">
+                    <a:pos x="connsiteX6" y="connsiteY6"/>
+                  </a:cxn>
+                  <a:cxn ang="0">
+                    <a:pos x="connsiteX7" y="connsiteY7"/>
+                  </a:cxn>
+                </a:cxnLst>
+                <a:rect l="l" t="t" r="r" b="b"/>
+                <a:pathLst>
+                  <a:path w="12490" h="10000">
+                    <a:moveTo>
+                      <a:pt x="1151" y="0"/>
+                    </a:moveTo>
+                    <a:lnTo>
+                      <a:pt x="11151" y="0"/>
+                    </a:lnTo>
+                    <a:cubicBezTo>
+                      <a:pt x="12885" y="239"/>
+                      <a:pt x="12424" y="507"/>
+                      <a:pt x="12462" y="1212"/>
+                    </a:cubicBezTo>
+                    <a:cubicBezTo>
+                      <a:pt x="12500" y="1917"/>
+                      <a:pt x="12278" y="2802"/>
+                      <a:pt x="11377" y="4230"/>
+                    </a:cubicBezTo>
+                    <a:lnTo>
+                      <a:pt x="6151" y="10000"/>
+                    </a:lnTo>
+                    <a:cubicBezTo>
+                      <a:pt x="5043" y="7832"/>
+                      <a:pt x="1460" y="5652"/>
+                      <a:pt x="352" y="3484"/>
+                    </a:cubicBezTo>
+                    <a:cubicBezTo>
+                      <a:pt x="526" y="2745"/>
+                      <a:pt x="-145" y="2056"/>
+                      <a:pt x="29" y="1317"/>
+                    </a:cubicBezTo>
+                    <a:lnTo>
+                      <a:pt x="1151" y="0"/>
+                    </a:lnTo>
+                    <a:close/>
+                  </a:path>
+                </a:pathLst>
+              </a:custGeom>
+              <a:solidFill>
+                <a:srgbClr val="FCC7A6"/>
+              </a:solidFill>
+              <a:ln>
+                <a:noFill/>
+              </a:ln>
+            </p:spPr>
+            <p:style>
+              <a:lnRef idx="2">
+                <a:schemeClr val="accent1">
+                  <a:shade val="50000"/>
+                </a:schemeClr>
+              </a:lnRef>
+              <a:fillRef idx="1">
+                <a:schemeClr val="accent1"/>
+              </a:fillRef>
+              <a:effectRef idx="0">
+                <a:schemeClr val="accent1"/>
+              </a:effectRef>
+              <a:fontRef idx="minor">
+                <a:schemeClr val="lt1"/>
+              </a:fontRef>
+            </p:style>
+            <p:txBody>
+              <a:bodyPr rtlCol="0" anchor="ctr"/>
+              <a:lstStyle/>
+              <a:p>
+                <a:pPr algn="ctr"/>
+                <a:endParaRPr lang="pt-BR" dirty="0"/>
+              </a:p>
+            </p:txBody>
+          </p:sp>
+          <p:sp>
+            <p:nvSpPr>
+              <p:cNvPr id="20" name="Elipse 12"/>
+              <p:cNvSpPr/>
+              <p:nvPr/>
+            </p:nvSpPr>
+            <p:spPr>
+              <a:xfrm>
+                <a:off x="4417892" y="2667524"/>
+                <a:ext cx="290150" cy="365447"/>
+              </a:xfrm>
+              <a:custGeom>
+                <a:avLst/>
+                <a:gdLst/>
+                <a:ahLst/>
+                <a:cxnLst/>
+                <a:rect l="l" t="t" r="r" b="b"/>
+                <a:pathLst>
+                  <a:path w="290150" h="319400">
+                    <a:moveTo>
+                      <a:pt x="145075" y="0"/>
+                    </a:moveTo>
+                    <a:cubicBezTo>
+                      <a:pt x="225198" y="0"/>
+                      <a:pt x="290150" y="88661"/>
+                      <a:pt x="290150" y="198030"/>
+                    </a:cubicBezTo>
+                    <a:cubicBezTo>
+                      <a:pt x="290150" y="244327"/>
+                      <a:pt x="278511" y="286913"/>
+                      <a:pt x="256875" y="319400"/>
+                    </a:cubicBezTo>
+                    <a:cubicBezTo>
+                      <a:pt x="225372" y="307806"/>
+                      <a:pt x="183584" y="301220"/>
+                      <a:pt x="137801" y="301220"/>
+                    </a:cubicBezTo>
+                    <a:cubicBezTo>
+                      <a:pt x="97917" y="301220"/>
+                      <a:pt x="61063" y="306218"/>
+                      <a:pt x="31622" y="316051"/>
+                    </a:cubicBezTo>
+                    <a:cubicBezTo>
+                      <a:pt x="10901" y="284166"/>
+                      <a:pt x="0" y="242836"/>
+                      <a:pt x="0" y="198030"/>
+                    </a:cubicBezTo>
+                    <a:cubicBezTo>
+                      <a:pt x="0" y="88661"/>
+                      <a:pt x="64952" y="0"/>
+                      <a:pt x="145075" y="0"/>
+                    </a:cubicBezTo>
+                    <a:close/>
+                  </a:path>
+                </a:pathLst>
+              </a:custGeom>
+              <a:solidFill>
+                <a:schemeClr val="bg1"/>
+              </a:solidFill>
+              <a:ln w="9525">
+                <a:solidFill>
+                  <a:schemeClr val="tx1"/>
+                </a:solidFill>
+              </a:ln>
+            </p:spPr>
+            <p:style>
+              <a:lnRef idx="2">
+                <a:schemeClr val="accent1">
+                  <a:shade val="50000"/>
+                </a:schemeClr>
+              </a:lnRef>
+              <a:fillRef idx="1">
+                <a:schemeClr val="accent1"/>
+              </a:fillRef>
+              <a:effectRef idx="0">
+                <a:schemeClr val="accent1"/>
+              </a:effectRef>
+              <a:fontRef idx="minor">
+                <a:schemeClr val="lt1"/>
+              </a:fontRef>
+            </p:style>
+            <p:txBody>
+              <a:bodyPr rtlCol="0" anchor="ctr"/>
+              <a:lstStyle/>
+              <a:p>
+                <a:pPr algn="ctr"/>
+                <a:endParaRPr lang="pt-BR"/>
+              </a:p>
+            </p:txBody>
+          </p:sp>
+          <p:sp>
+            <p:nvSpPr>
+              <p:cNvPr id="21" name="Elipse 12"/>
+              <p:cNvSpPr/>
+              <p:nvPr/>
+            </p:nvSpPr>
+            <p:spPr>
+              <a:xfrm>
+                <a:off x="4893052" y="2667524"/>
+                <a:ext cx="290150" cy="365447"/>
+              </a:xfrm>
+              <a:custGeom>
+                <a:avLst/>
+                <a:gdLst/>
+                <a:ahLst/>
+                <a:cxnLst/>
+                <a:rect l="l" t="t" r="r" b="b"/>
+                <a:pathLst>
+                  <a:path w="290150" h="319400">
+                    <a:moveTo>
+                      <a:pt x="145075" y="0"/>
+                    </a:moveTo>
+                    <a:cubicBezTo>
+                      <a:pt x="225198" y="0"/>
+                      <a:pt x="290150" y="88661"/>
+                      <a:pt x="290150" y="198030"/>
+                    </a:cubicBezTo>
+                    <a:cubicBezTo>
+                      <a:pt x="290150" y="244327"/>
+                      <a:pt x="278511" y="286913"/>
+                      <a:pt x="256875" y="319400"/>
+                    </a:cubicBezTo>
+                    <a:cubicBezTo>
+                      <a:pt x="225372" y="307806"/>
+                      <a:pt x="183584" y="301220"/>
+                      <a:pt x="137801" y="301220"/>
+                    </a:cubicBezTo>
+                    <a:cubicBezTo>
+                      <a:pt x="97917" y="301220"/>
+                      <a:pt x="61063" y="306218"/>
+                      <a:pt x="31622" y="316051"/>
+                    </a:cubicBezTo>
+                    <a:cubicBezTo>
+                      <a:pt x="10901" y="284166"/>
+                      <a:pt x="0" y="242836"/>
+                      <a:pt x="0" y="198030"/>
+                    </a:cubicBezTo>
+                    <a:cubicBezTo>
+                      <a:pt x="0" y="88661"/>
+                      <a:pt x="64952" y="0"/>
+                      <a:pt x="145075" y="0"/>
+                    </a:cubicBezTo>
+                    <a:close/>
+                  </a:path>
+                </a:pathLst>
+              </a:custGeom>
+              <a:solidFill>
+                <a:schemeClr val="bg1"/>
+              </a:solidFill>
+              <a:ln w="9525">
+                <a:solidFill>
+                  <a:schemeClr val="tx1"/>
+                </a:solidFill>
+              </a:ln>
+            </p:spPr>
+            <p:style>
+              <a:lnRef idx="2">
+                <a:schemeClr val="accent1">
+                  <a:shade val="50000"/>
+                </a:schemeClr>
+              </a:lnRef>
+              <a:fillRef idx="1">
+                <a:schemeClr val="accent1"/>
+              </a:fillRef>
+              <a:effectRef idx="0">
+                <a:schemeClr val="accent1"/>
+              </a:effectRef>
+              <a:fontRef idx="minor">
+                <a:schemeClr val="lt1"/>
+              </a:fontRef>
+            </p:style>
+            <p:txBody>
+              <a:bodyPr rtlCol="0" anchor="ctr"/>
+              <a:lstStyle/>
+              <a:p>
+                <a:pPr algn="ctr"/>
+                <a:endParaRPr lang="pt-BR"/>
+              </a:p>
+            </p:txBody>
+          </p:sp>
+          <p:sp>
+            <p:nvSpPr>
+              <p:cNvPr id="22" name="Elipse 21"/>
+              <p:cNvSpPr/>
+              <p:nvPr/>
+            </p:nvSpPr>
+            <p:spPr>
+              <a:xfrm>
+                <a:off x="4417892" y="2844297"/>
+                <a:ext cx="145075" cy="158062"/>
+              </a:xfrm>
+              <a:prstGeom prst="ellipse">
+                <a:avLst/>
+              </a:prstGeom>
+              <a:solidFill>
+                <a:schemeClr val="tx1"/>
+              </a:solidFill>
+              <a:ln>
+                <a:noFill/>
+              </a:ln>
+            </p:spPr>
+            <p:style>
+              <a:lnRef idx="2">
+                <a:schemeClr val="accent1">
+                  <a:shade val="50000"/>
+                </a:schemeClr>
+              </a:lnRef>
+              <a:fillRef idx="1">
+                <a:schemeClr val="accent1"/>
+              </a:fillRef>
+              <a:effectRef idx="0">
+                <a:schemeClr val="accent1"/>
+              </a:effectRef>
+              <a:fontRef idx="minor">
+                <a:schemeClr val="lt1"/>
+              </a:fontRef>
+            </p:style>
+            <p:txBody>
+              <a:bodyPr rtlCol="0" anchor="ctr"/>
+              <a:lstStyle/>
+              <a:p>
+                <a:pPr algn="ctr"/>
+                <a:endParaRPr lang="pt-BR"/>
+              </a:p>
+            </p:txBody>
+          </p:sp>
+          <p:sp>
+            <p:nvSpPr>
+              <p:cNvPr id="23" name="Elipse 22"/>
+              <p:cNvSpPr/>
+              <p:nvPr/>
+            </p:nvSpPr>
+            <p:spPr>
+              <a:xfrm>
+                <a:off x="4893052" y="2838635"/>
+                <a:ext cx="145075" cy="158062"/>
+              </a:xfrm>
+              <a:prstGeom prst="ellipse">
+                <a:avLst/>
+              </a:prstGeom>
+              <a:solidFill>
+                <a:schemeClr val="tx1"/>
+              </a:solidFill>
+              <a:ln>
+                <a:noFill/>
+              </a:ln>
+            </p:spPr>
+            <p:style>
+              <a:lnRef idx="2">
+                <a:schemeClr val="accent1">
+                  <a:shade val="50000"/>
+                </a:schemeClr>
+              </a:lnRef>
+              <a:fillRef idx="1">
+                <a:schemeClr val="accent1"/>
+              </a:fillRef>
+              <a:effectRef idx="0">
+                <a:schemeClr val="accent1"/>
+              </a:effectRef>
+              <a:fontRef idx="minor">
+                <a:schemeClr val="lt1"/>
+              </a:fontRef>
+            </p:style>
+            <p:txBody>
+              <a:bodyPr rtlCol="0" anchor="ctr"/>
+              <a:lstStyle/>
+              <a:p>
+                <a:pPr algn="ctr"/>
+                <a:endParaRPr lang="pt-BR"/>
+              </a:p>
+            </p:txBody>
+          </p:sp>
+          <p:sp>
+            <p:nvSpPr>
+              <p:cNvPr id="24" name="Arco 23"/>
+              <p:cNvSpPr/>
+              <p:nvPr/>
+            </p:nvSpPr>
+            <p:spPr>
+              <a:xfrm rot="17066183">
+                <a:off x="4281915" y="2589645"/>
+                <a:ext cx="369968" cy="318644"/>
+              </a:xfrm>
+              <a:prstGeom prst="arc">
+                <a:avLst>
+                  <a:gd name="adj1" fmla="val 16200000"/>
+                  <a:gd name="adj2" fmla="val 20549042"/>
+                </a:avLst>
+              </a:prstGeom>
+            </p:spPr>
+            <p:style>
+              <a:lnRef idx="1">
+                <a:schemeClr val="dk1"/>
+              </a:lnRef>
+              <a:fillRef idx="0">
+                <a:schemeClr val="dk1"/>
+              </a:fillRef>
+              <a:effectRef idx="0">
+                <a:schemeClr val="dk1"/>
+              </a:effectRef>
+              <a:fontRef idx="minor">
+                <a:schemeClr val="tx1"/>
+              </a:fontRef>
+            </p:style>
+            <p:txBody>
+              <a:bodyPr rtlCol="0" anchor="ctr"/>
+              <a:lstStyle/>
+              <a:p>
+                <a:pPr algn="ctr"/>
+                <a:endParaRPr lang="pt-BR"/>
+              </a:p>
+            </p:txBody>
+          </p:sp>
+          <p:sp>
+            <p:nvSpPr>
+              <p:cNvPr id="25" name="Arco 24"/>
+              <p:cNvSpPr/>
+              <p:nvPr/>
+            </p:nvSpPr>
+            <p:spPr>
+              <a:xfrm>
+                <a:off x="4893052" y="2576997"/>
+                <a:ext cx="369968" cy="318644"/>
+              </a:xfrm>
+              <a:prstGeom prst="arc">
+                <a:avLst>
+                  <a:gd name="adj1" fmla="val 16200000"/>
+                  <a:gd name="adj2" fmla="val 20549042"/>
+                </a:avLst>
+              </a:prstGeom>
+            </p:spPr>
+            <p:style>
+              <a:lnRef idx="1">
+                <a:schemeClr val="dk1"/>
+              </a:lnRef>
+              <a:fillRef idx="0">
+                <a:schemeClr val="dk1"/>
+              </a:fillRef>
+              <a:effectRef idx="0">
+                <a:schemeClr val="dk1"/>
+              </a:effectRef>
+              <a:fontRef idx="minor">
+                <a:schemeClr val="tx1"/>
+              </a:fontRef>
+            </p:style>
+            <p:txBody>
+              <a:bodyPr rtlCol="0" anchor="ctr"/>
+              <a:lstStyle/>
+              <a:p>
+                <a:pPr algn="ctr"/>
+                <a:endParaRPr lang="pt-BR"/>
+              </a:p>
+            </p:txBody>
+          </p:sp>
+          <p:sp>
+            <p:nvSpPr>
+              <p:cNvPr id="26" name="Elipse 19"/>
+              <p:cNvSpPr/>
+              <p:nvPr/>
+            </p:nvSpPr>
+            <p:spPr>
+              <a:xfrm>
+                <a:off x="4384110" y="3003595"/>
+                <a:ext cx="357713" cy="252013"/>
+              </a:xfrm>
+              <a:custGeom>
+                <a:avLst/>
+                <a:gdLst>
+                  <a:gd name="connsiteX0" fmla="*/ 0 w 716303"/>
+                  <a:gd name="connsiteY0" fmla="*/ 360040 h 720080"/>
+                  <a:gd name="connsiteX1" fmla="*/ 358152 w 716303"/>
+                  <a:gd name="connsiteY1" fmla="*/ 0 h 720080"/>
+                  <a:gd name="connsiteX2" fmla="*/ 716304 w 716303"/>
+                  <a:gd name="connsiteY2" fmla="*/ 360040 h 720080"/>
+                  <a:gd name="connsiteX3" fmla="*/ 358152 w 716303"/>
+                  <a:gd name="connsiteY3" fmla="*/ 720080 h 720080"/>
+                  <a:gd name="connsiteX4" fmla="*/ 0 w 716303"/>
+                  <a:gd name="connsiteY4" fmla="*/ 360040 h 720080"/>
+                  <a:gd name="connsiteX0" fmla="*/ 0 w 827817"/>
+                  <a:gd name="connsiteY0" fmla="*/ 366194 h 771691"/>
+                  <a:gd name="connsiteX1" fmla="*/ 358152 w 827817"/>
+                  <a:gd name="connsiteY1" fmla="*/ 6154 h 771691"/>
+                  <a:gd name="connsiteX2" fmla="*/ 827817 w 827817"/>
+                  <a:gd name="connsiteY2" fmla="*/ 633823 h 771691"/>
+                  <a:gd name="connsiteX3" fmla="*/ 358152 w 827817"/>
+                  <a:gd name="connsiteY3" fmla="*/ 726234 h 771691"/>
+                  <a:gd name="connsiteX4" fmla="*/ 0 w 827817"/>
+                  <a:gd name="connsiteY4" fmla="*/ 366194 h 771691"/>
+                  <a:gd name="connsiteX0" fmla="*/ 204224 w 1032041"/>
+                  <a:gd name="connsiteY0" fmla="*/ 364649 h 749956"/>
+                  <a:gd name="connsiteX1" fmla="*/ 562376 w 1032041"/>
+                  <a:gd name="connsiteY1" fmla="*/ 4609 h 749956"/>
+                  <a:gd name="connsiteX2" fmla="*/ 1032041 w 1032041"/>
+                  <a:gd name="connsiteY2" fmla="*/ 632278 h 749956"/>
+                  <a:gd name="connsiteX3" fmla="*/ 562376 w 1032041"/>
+                  <a:gd name="connsiteY3" fmla="*/ 724689 h 749956"/>
+                  <a:gd name="connsiteX4" fmla="*/ 13047 w 1032041"/>
+                  <a:gd name="connsiteY4" fmla="*/ 685764 h 749956"/>
+                  <a:gd name="connsiteX5" fmla="*/ 204224 w 1032041"/>
+                  <a:gd name="connsiteY5" fmla="*/ 364649 h 749956"/>
+                  <a:gd name="connsiteX0" fmla="*/ 183452 w 1033572"/>
+                  <a:gd name="connsiteY0" fmla="*/ 280968 h 755485"/>
+                  <a:gd name="connsiteX1" fmla="*/ 563907 w 1033572"/>
+                  <a:gd name="connsiteY1" fmla="*/ 10138 h 755485"/>
+                  <a:gd name="connsiteX2" fmla="*/ 1033572 w 1033572"/>
+                  <a:gd name="connsiteY2" fmla="*/ 637807 h 755485"/>
+                  <a:gd name="connsiteX3" fmla="*/ 563907 w 1033572"/>
+                  <a:gd name="connsiteY3" fmla="*/ 730218 h 755485"/>
+                  <a:gd name="connsiteX4" fmla="*/ 14578 w 1033572"/>
+                  <a:gd name="connsiteY4" fmla="*/ 691293 h 755485"/>
+                  <a:gd name="connsiteX5" fmla="*/ 183452 w 1033572"/>
+                  <a:gd name="connsiteY5" fmla="*/ 280968 h 755485"/>
+                  <a:gd name="connsiteX0" fmla="*/ 183861 w 1033981"/>
+                  <a:gd name="connsiteY0" fmla="*/ 238011 h 712528"/>
+                  <a:gd name="connsiteX1" fmla="*/ 597770 w 1033981"/>
+                  <a:gd name="connsiteY1" fmla="*/ 11786 h 712528"/>
+                  <a:gd name="connsiteX2" fmla="*/ 1033981 w 1033981"/>
+                  <a:gd name="connsiteY2" fmla="*/ 594850 h 712528"/>
+                  <a:gd name="connsiteX3" fmla="*/ 564316 w 1033981"/>
+                  <a:gd name="connsiteY3" fmla="*/ 687261 h 712528"/>
+                  <a:gd name="connsiteX4" fmla="*/ 14987 w 1033981"/>
+                  <a:gd name="connsiteY4" fmla="*/ 648336 h 712528"/>
+                  <a:gd name="connsiteX5" fmla="*/ 183861 w 1033981"/>
+                  <a:gd name="connsiteY5" fmla="*/ 238011 h 712528"/>
+                  <a:gd name="connsiteX0" fmla="*/ 183861 w 1033981"/>
+                  <a:gd name="connsiteY0" fmla="*/ 238011 h 688138"/>
+                  <a:gd name="connsiteX1" fmla="*/ 597770 w 1033981"/>
+                  <a:gd name="connsiteY1" fmla="*/ 11786 h 688138"/>
+                  <a:gd name="connsiteX2" fmla="*/ 1033981 w 1033981"/>
+                  <a:gd name="connsiteY2" fmla="*/ 594850 h 688138"/>
+                  <a:gd name="connsiteX3" fmla="*/ 519711 w 1033981"/>
+                  <a:gd name="connsiteY3" fmla="*/ 620353 h 688138"/>
+                  <a:gd name="connsiteX4" fmla="*/ 14987 w 1033981"/>
+                  <a:gd name="connsiteY4" fmla="*/ 648336 h 688138"/>
+                  <a:gd name="connsiteX5" fmla="*/ 183861 w 1033981"/>
+                  <a:gd name="connsiteY5" fmla="*/ 238011 h 688138"/>
+                </a:gdLst>
+                <a:ahLst/>
+                <a:cxnLst>
+                  <a:cxn ang="0">
+                    <a:pos x="connsiteX0" y="connsiteY0"/>
+                  </a:cxn>
+                  <a:cxn ang="0">
+                    <a:pos x="connsiteX1" y="connsiteY1"/>
+                  </a:cxn>
+                  <a:cxn ang="0">
+                    <a:pos x="connsiteX2" y="connsiteY2"/>
+                  </a:cxn>
+                  <a:cxn ang="0">
+                    <a:pos x="connsiteX3" y="connsiteY3"/>
+                  </a:cxn>
+                  <a:cxn ang="0">
+                    <a:pos x="connsiteX4" y="connsiteY4"/>
+                  </a:cxn>
+                  <a:cxn ang="0">
+                    <a:pos x="connsiteX5" y="connsiteY5"/>
+                  </a:cxn>
+                </a:cxnLst>
+                <a:rect l="l" t="t" r="r" b="b"/>
+                <a:pathLst>
+                  <a:path w="1033981" h="688138">
+                    <a:moveTo>
+                      <a:pt x="183861" y="238011"/>
+                    </a:moveTo>
+                    <a:cubicBezTo>
+                      <a:pt x="280991" y="131919"/>
+                      <a:pt x="456083" y="-47687"/>
+                      <a:pt x="597770" y="11786"/>
+                    </a:cubicBezTo>
+                    <a:cubicBezTo>
+                      <a:pt x="739457" y="71259"/>
+                      <a:pt x="1033981" y="396005"/>
+                      <a:pt x="1033981" y="594850"/>
+                    </a:cubicBezTo>
+                    <a:cubicBezTo>
+                      <a:pt x="1033981" y="793695"/>
+                      <a:pt x="689543" y="611439"/>
+                      <a:pt x="519711" y="620353"/>
+                    </a:cubicBezTo>
+                    <a:cubicBezTo>
+                      <a:pt x="349879" y="629267"/>
+                      <a:pt x="74679" y="708343"/>
+                      <a:pt x="14987" y="648336"/>
+                    </a:cubicBezTo>
+                    <a:cubicBezTo>
+                      <a:pt x="-44705" y="588329"/>
+                      <a:pt x="86731" y="344103"/>
+                      <a:pt x="183861" y="238011"/>
+                    </a:cubicBezTo>
+                    <a:close/>
+                  </a:path>
+                </a:pathLst>
+              </a:custGeom>
+              <a:solidFill>
+                <a:srgbClr val="F68B32"/>
+              </a:solidFill>
+              <a:ln w="3175">
+                <a:noFill/>
+              </a:ln>
+            </p:spPr>
+            <p:style>
+              <a:lnRef idx="2">
+                <a:schemeClr val="accent1">
+                  <a:shade val="50000"/>
+                </a:schemeClr>
+              </a:lnRef>
+              <a:fillRef idx="1">
+                <a:schemeClr val="accent1"/>
+              </a:fillRef>
+              <a:effectRef idx="0">
+                <a:schemeClr val="accent1"/>
+              </a:effectRef>
+              <a:fontRef idx="minor">
+                <a:schemeClr val="lt1"/>
+              </a:fontRef>
+            </p:style>
+            <p:txBody>
+              <a:bodyPr rtlCol="0" anchor="ctr"/>
+              <a:lstStyle/>
+              <a:p>
+                <a:pPr algn="ctr"/>
+                <a:endParaRPr lang="pt-BR"/>
+              </a:p>
+            </p:txBody>
+          </p:sp>
+          <p:sp>
+            <p:nvSpPr>
+              <p:cNvPr id="27" name="Elipse 26"/>
+              <p:cNvSpPr/>
+              <p:nvPr/>
+            </p:nvSpPr>
+            <p:spPr>
+              <a:xfrm>
+                <a:off x="4466899" y="3129601"/>
+                <a:ext cx="45719" cy="45719"/>
+              </a:xfrm>
+              <a:prstGeom prst="ellipse">
+                <a:avLst/>
+              </a:prstGeom>
+              <a:solidFill>
+                <a:schemeClr val="tx1"/>
+              </a:solidFill>
+              <a:ln>
+                <a:noFill/>
+              </a:ln>
+            </p:spPr>
+            <p:style>
+              <a:lnRef idx="2">
+                <a:schemeClr val="accent1">
+                  <a:shade val="50000"/>
+                </a:schemeClr>
+              </a:lnRef>
+              <a:fillRef idx="1">
+                <a:schemeClr val="accent1"/>
+              </a:fillRef>
+              <a:effectRef idx="0">
+                <a:schemeClr val="accent1"/>
+              </a:effectRef>
+              <a:fontRef idx="minor">
+                <a:schemeClr val="lt1"/>
+              </a:fontRef>
+            </p:style>
+            <p:txBody>
+              <a:bodyPr rtlCol="0" anchor="ctr"/>
+              <a:lstStyle/>
+              <a:p>
+                <a:pPr algn="ctr"/>
+                <a:endParaRPr lang="pt-BR"/>
+              </a:p>
+            </p:txBody>
+          </p:sp>
+          <p:sp>
+            <p:nvSpPr>
+              <p:cNvPr id="28" name="Elipse 27"/>
+              <p:cNvSpPr/>
+              <p:nvPr/>
+            </p:nvSpPr>
+            <p:spPr>
+              <a:xfrm>
+                <a:off x="4619299" y="3140968"/>
+                <a:ext cx="45719" cy="45719"/>
+              </a:xfrm>
+              <a:prstGeom prst="ellipse">
+                <a:avLst/>
+              </a:prstGeom>
+              <a:solidFill>
+                <a:schemeClr val="tx1"/>
+              </a:solidFill>
+              <a:ln>
+                <a:noFill/>
+              </a:ln>
+            </p:spPr>
+            <p:style>
+              <a:lnRef idx="2">
+                <a:schemeClr val="accent1">
+                  <a:shade val="50000"/>
+                </a:schemeClr>
+              </a:lnRef>
+              <a:fillRef idx="1">
+                <a:schemeClr val="accent1"/>
+              </a:fillRef>
+              <a:effectRef idx="0">
+                <a:schemeClr val="accent1"/>
+              </a:effectRef>
+              <a:fontRef idx="minor">
+                <a:schemeClr val="lt1"/>
+              </a:fontRef>
+            </p:style>
+            <p:txBody>
+              <a:bodyPr rtlCol="0" anchor="ctr"/>
+              <a:lstStyle/>
+              <a:p>
+                <a:pPr algn="ctr"/>
+                <a:endParaRPr lang="pt-BR"/>
+              </a:p>
+            </p:txBody>
+          </p:sp>
+          <p:sp>
+            <p:nvSpPr>
+              <p:cNvPr id="29" name="Arco 28"/>
+              <p:cNvSpPr/>
+              <p:nvPr/>
+            </p:nvSpPr>
+            <p:spPr>
+              <a:xfrm rot="10800000">
+                <a:off x="4994538" y="2989584"/>
+                <a:ext cx="369968" cy="318644"/>
+              </a:xfrm>
+              <a:prstGeom prst="arc">
+                <a:avLst>
+                  <a:gd name="adj1" fmla="val 16200000"/>
+                  <a:gd name="adj2" fmla="val 20549042"/>
+                </a:avLst>
+              </a:prstGeom>
+            </p:spPr>
+            <p:style>
+              <a:lnRef idx="1">
+                <a:schemeClr val="dk1"/>
+              </a:lnRef>
+              <a:fillRef idx="0">
+                <a:schemeClr val="dk1"/>
+              </a:fillRef>
+              <a:effectRef idx="0">
+                <a:schemeClr val="dk1"/>
+              </a:effectRef>
+              <a:fontRef idx="minor">
+                <a:schemeClr val="tx1"/>
+              </a:fontRef>
+            </p:style>
+            <p:txBody>
+              <a:bodyPr rtlCol="0" anchor="ctr"/>
+              <a:lstStyle/>
+              <a:p>
+                <a:pPr algn="ctr"/>
+                <a:endParaRPr lang="pt-BR"/>
+              </a:p>
+            </p:txBody>
+          </p:sp>
+          <p:grpSp>
+            <p:nvGrpSpPr>
+              <p:cNvPr id="30" name="Grupo 29"/>
+              <p:cNvGrpSpPr/>
+              <p:nvPr/>
+            </p:nvGrpSpPr>
+            <p:grpSpPr>
+              <a:xfrm rot="21085961">
+                <a:off x="4494689" y="3225206"/>
+                <a:ext cx="540711" cy="314753"/>
+                <a:chOff x="4494690" y="3256042"/>
+                <a:chExt cx="540711" cy="314753"/>
+              </a:xfrm>
+            </p:grpSpPr>
+            <p:sp>
+              <p:nvSpPr>
+                <p:cNvPr id="33" name="Corda 22"/>
+                <p:cNvSpPr/>
+                <p:nvPr/>
+              </p:nvSpPr>
+              <p:spPr>
+                <a:xfrm rot="17248760">
+                  <a:off x="4607669" y="3143063"/>
+                  <a:ext cx="314753" cy="540711"/>
+                </a:xfrm>
+                <a:custGeom>
+                  <a:avLst/>
+                  <a:gdLst>
+                    <a:gd name="connsiteX0" fmla="*/ 500059 w 720080"/>
+                    <a:gd name="connsiteY0" fmla="*/ 760720 h 791889"/>
+                    <a:gd name="connsiteX1" fmla="*/ 108395 w 720080"/>
+                    <a:gd name="connsiteY1" fmla="*/ 679118 h 791889"/>
+                    <a:gd name="connsiteX2" fmla="*/ 9235 w 720080"/>
+                    <a:gd name="connsiteY2" fmla="*/ 306841 h 791889"/>
+                    <a:gd name="connsiteX3" fmla="*/ 270624 w 720080"/>
+                    <a:gd name="connsiteY3" fmla="*/ 12404 h 791889"/>
+                    <a:gd name="connsiteX4" fmla="*/ 500059 w 720080"/>
+                    <a:gd name="connsiteY4" fmla="*/ 760720 h 791889"/>
+                    <a:gd name="connsiteX0" fmla="*/ 559767 w 559767"/>
+                    <a:gd name="connsiteY0" fmla="*/ 748316 h 772842"/>
+                    <a:gd name="connsiteX1" fmla="*/ 168103 w 559767"/>
+                    <a:gd name="connsiteY1" fmla="*/ 666714 h 772842"/>
+                    <a:gd name="connsiteX2" fmla="*/ 4912 w 559767"/>
+                    <a:gd name="connsiteY2" fmla="*/ 283128 h 772842"/>
+                    <a:gd name="connsiteX3" fmla="*/ 330332 w 559767"/>
+                    <a:gd name="connsiteY3" fmla="*/ 0 h 772842"/>
+                    <a:gd name="connsiteX4" fmla="*/ 559767 w 559767"/>
+                    <a:gd name="connsiteY4" fmla="*/ 748316 h 772842"/>
+                    <a:gd name="connsiteX0" fmla="*/ 557456 w 557456"/>
+                    <a:gd name="connsiteY0" fmla="*/ 748316 h 765462"/>
+                    <a:gd name="connsiteX1" fmla="*/ 276361 w 557456"/>
+                    <a:gd name="connsiteY1" fmla="*/ 612447 h 765462"/>
+                    <a:gd name="connsiteX2" fmla="*/ 2601 w 557456"/>
+                    <a:gd name="connsiteY2" fmla="*/ 283128 h 765462"/>
+                    <a:gd name="connsiteX3" fmla="*/ 328021 w 557456"/>
+                    <a:gd name="connsiteY3" fmla="*/ 0 h 765462"/>
+                    <a:gd name="connsiteX4" fmla="*/ 557456 w 557456"/>
+                    <a:gd name="connsiteY4" fmla="*/ 748316 h 765462"/>
+                    <a:gd name="connsiteX0" fmla="*/ 558456 w 558456"/>
+                    <a:gd name="connsiteY0" fmla="*/ 748316 h 771841"/>
+                    <a:gd name="connsiteX1" fmla="*/ 212434 w 558456"/>
+                    <a:gd name="connsiteY1" fmla="*/ 661182 h 771841"/>
+                    <a:gd name="connsiteX2" fmla="*/ 3601 w 558456"/>
+                    <a:gd name="connsiteY2" fmla="*/ 283128 h 771841"/>
+                    <a:gd name="connsiteX3" fmla="*/ 329021 w 558456"/>
+                    <a:gd name="connsiteY3" fmla="*/ 0 h 771841"/>
+                    <a:gd name="connsiteX4" fmla="*/ 558456 w 558456"/>
+                    <a:gd name="connsiteY4" fmla="*/ 748316 h 771841"/>
+                    <a:gd name="connsiteX0" fmla="*/ 558456 w 558456"/>
+                    <a:gd name="connsiteY0" fmla="*/ 748316 h 771841"/>
+                    <a:gd name="connsiteX1" fmla="*/ 212434 w 558456"/>
+                    <a:gd name="connsiteY1" fmla="*/ 661182 h 771841"/>
+                    <a:gd name="connsiteX2" fmla="*/ 3601 w 558456"/>
+                    <a:gd name="connsiteY2" fmla="*/ 283128 h 771841"/>
+                    <a:gd name="connsiteX3" fmla="*/ 329021 w 558456"/>
+                    <a:gd name="connsiteY3" fmla="*/ 0 h 771841"/>
+                    <a:gd name="connsiteX4" fmla="*/ 374523 w 558456"/>
+                    <a:gd name="connsiteY4" fmla="*/ 366939 h 771841"/>
+                    <a:gd name="connsiteX5" fmla="*/ 558456 w 558456"/>
+                    <a:gd name="connsiteY5" fmla="*/ 748316 h 771841"/>
+                  </a:gdLst>
+                  <a:ahLst/>
+                  <a:cxnLst>
+                    <a:cxn ang="0">
+                      <a:pos x="connsiteX0" y="connsiteY0"/>
+                    </a:cxn>
+                    <a:cxn ang="0">
+                      <a:pos x="connsiteX1" y="connsiteY1"/>
+                    </a:cxn>
+                    <a:cxn ang="0">
+                      <a:pos x="connsiteX2" y="connsiteY2"/>
+                    </a:cxn>
+                    <a:cxn ang="0">
+                      <a:pos x="connsiteX3" y="connsiteY3"/>
+                    </a:cxn>
+                    <a:cxn ang="0">
+                      <a:pos x="connsiteX4" y="connsiteY4"/>
+                    </a:cxn>
+                    <a:cxn ang="0">
+                      <a:pos x="connsiteX5" y="connsiteY5"/>
+                    </a:cxn>
+                  </a:cxnLst>
+                  <a:rect l="l" t="t" r="r" b="b"/>
+                  <a:pathLst>
+                    <a:path w="558456" h="771841">
+                      <a:moveTo>
+                        <a:pt x="558456" y="748316"/>
+                      </a:moveTo>
+                      <a:cubicBezTo>
+                        <a:pt x="424871" y="810330"/>
+                        <a:pt x="304910" y="738713"/>
+                        <a:pt x="212434" y="661182"/>
+                      </a:cubicBezTo>
+                      <a:cubicBezTo>
+                        <a:pt x="119958" y="583651"/>
+                        <a:pt x="-24672" y="417747"/>
+                        <a:pt x="3601" y="283128"/>
+                      </a:cubicBezTo>
+                      <a:cubicBezTo>
+                        <a:pt x="33873" y="138989"/>
+                        <a:pt x="198717" y="36739"/>
+                        <a:pt x="329021" y="0"/>
+                      </a:cubicBezTo>
+                      <a:cubicBezTo>
+                        <a:pt x="366345" y="117811"/>
+                        <a:pt x="337199" y="249128"/>
+                        <a:pt x="374523" y="366939"/>
+                      </a:cubicBezTo>
+                      <a:lnTo>
+                        <a:pt x="558456" y="748316"/>
+                      </a:lnTo>
+                      <a:close/>
+                    </a:path>
+                  </a:pathLst>
+                </a:custGeom>
+                <a:solidFill>
+                  <a:schemeClr val="bg1"/>
+                </a:solidFill>
+                <a:ln w="3175">
+                  <a:solidFill>
+                    <a:schemeClr val="tx1"/>
+                  </a:solidFill>
+                </a:ln>
+              </p:spPr>
+              <p:style>
+                <a:lnRef idx="2">
+                  <a:schemeClr val="accent1">
+                    <a:shade val="50000"/>
+                  </a:schemeClr>
+                </a:lnRef>
+                <a:fillRef idx="1">
+                  <a:schemeClr val="accent1"/>
+                </a:fillRef>
+                <a:effectRef idx="0">
+                  <a:schemeClr val="accent1"/>
+                </a:effectRef>
+                <a:fontRef idx="minor">
+                  <a:schemeClr val="lt1"/>
+                </a:fontRef>
+              </p:style>
+              <p:txBody>
+                <a:bodyPr rtlCol="0" anchor="ctr"/>
+                <a:lstStyle/>
+                <a:p>
+                  <a:pPr algn="ctr"/>
+                  <a:endParaRPr lang="pt-BR"/>
+                </a:p>
+              </p:txBody>
+            </p:sp>
+            <p:sp>
+              <p:nvSpPr>
+                <p:cNvPr id="34" name="Elipse 24"/>
+                <p:cNvSpPr/>
+                <p:nvPr/>
+              </p:nvSpPr>
+              <p:spPr>
+                <a:xfrm>
+                  <a:off x="4575975" y="3444013"/>
+                  <a:ext cx="345478" cy="123760"/>
+                </a:xfrm>
+                <a:custGeom>
+                  <a:avLst/>
+                  <a:gdLst/>
+                  <a:ahLst/>
+                  <a:cxnLst/>
+                  <a:rect l="l" t="t" r="r" b="b"/>
+                  <a:pathLst>
+                    <a:path w="345478" h="123760">
+                      <a:moveTo>
+                        <a:pt x="149373" y="0"/>
+                      </a:moveTo>
+                      <a:cubicBezTo>
+                        <a:pt x="223387" y="0"/>
+                        <a:pt x="291604" y="22521"/>
+                        <a:pt x="345478" y="61406"/>
+                      </a:cubicBezTo>
+                      <a:cubicBezTo>
+                        <a:pt x="271411" y="103662"/>
+                        <a:pt x="146967" y="149386"/>
+                        <a:pt x="69721" y="106644"/>
+                      </a:cubicBezTo>
+                      <a:cubicBezTo>
+                        <a:pt x="39980" y="90187"/>
+                        <a:pt x="16264" y="65229"/>
+                        <a:pt x="0" y="34560"/>
+                      </a:cubicBezTo>
+                      <a:cubicBezTo>
+                        <a:pt x="44252" y="12037"/>
+                        <a:pt x="95264" y="0"/>
+                        <a:pt x="149373" y="0"/>
+                      </a:cubicBezTo>
+                      <a:close/>
+                    </a:path>
+                  </a:pathLst>
+                </a:custGeom>
+                <a:solidFill>
+                  <a:srgbClr val="FF0000">
+                    <a:alpha val="47059"/>
+                  </a:srgbClr>
+                </a:solidFill>
+                <a:ln>
+                  <a:noFill/>
+                </a:ln>
+              </p:spPr>
+              <p:style>
+                <a:lnRef idx="2">
+                  <a:schemeClr val="accent1">
+                    <a:shade val="50000"/>
+                  </a:schemeClr>
+                </a:lnRef>
+                <a:fillRef idx="1">
+                  <a:schemeClr val="accent1"/>
+                </a:fillRef>
+                <a:effectRef idx="0">
+                  <a:schemeClr val="accent1"/>
+                </a:effectRef>
+                <a:fontRef idx="minor">
+                  <a:schemeClr val="lt1"/>
+                </a:fontRef>
+              </p:style>
+              <p:txBody>
+                <a:bodyPr rtlCol="0" anchor="ctr"/>
+                <a:lstStyle/>
+                <a:p>
+                  <a:pPr algn="ctr"/>
+                  <a:endParaRPr lang="pt-BR"/>
+                </a:p>
+              </p:txBody>
+            </p:sp>
+          </p:grpSp>
+          <p:sp>
+            <p:nvSpPr>
+              <p:cNvPr id="31" name="Elipse 30"/>
+              <p:cNvSpPr/>
+              <p:nvPr/>
+            </p:nvSpPr>
+            <p:spPr>
+              <a:xfrm rot="21249917">
+                <a:off x="5368186" y="2576997"/>
+                <a:ext cx="355942" cy="90527"/>
+              </a:xfrm>
+              <a:prstGeom prst="ellipse">
+                <a:avLst/>
+              </a:prstGeom>
+              <a:solidFill>
+                <a:srgbClr val="FF0000">
+                  <a:alpha val="5882"/>
+                </a:srgbClr>
+              </a:solidFill>
+              <a:ln>
+                <a:noFill/>
+              </a:ln>
+            </p:spPr>
+            <p:style>
+              <a:lnRef idx="2">
+                <a:schemeClr val="accent1">
+                  <a:shade val="50000"/>
+                </a:schemeClr>
+              </a:lnRef>
+              <a:fillRef idx="1">
+                <a:schemeClr val="accent1"/>
+              </a:fillRef>
+              <a:effectRef idx="0">
+                <a:schemeClr val="accent1"/>
+              </a:effectRef>
+              <a:fontRef idx="minor">
+                <a:schemeClr val="lt1"/>
+              </a:fontRef>
+            </p:style>
+            <p:txBody>
+              <a:bodyPr rtlCol="0" anchor="ctr"/>
+              <a:lstStyle/>
+              <a:p>
+                <a:pPr algn="ctr"/>
+                <a:endParaRPr lang="pt-BR"/>
+              </a:p>
+            </p:txBody>
+          </p:sp>
+          <p:sp>
+            <p:nvSpPr>
+              <p:cNvPr id="32" name="Elipse 31"/>
+              <p:cNvSpPr/>
+              <p:nvPr/>
+            </p:nvSpPr>
+            <p:spPr>
+              <a:xfrm rot="3218186">
+                <a:off x="4088519" y="2279553"/>
+                <a:ext cx="355942" cy="90527"/>
+              </a:xfrm>
+              <a:prstGeom prst="ellipse">
+                <a:avLst/>
+              </a:prstGeom>
+              <a:solidFill>
+                <a:srgbClr val="FF0000">
+                  <a:alpha val="5882"/>
+                </a:srgbClr>
               </a:solidFill>
               <a:ln>
                 <a:noFill/>
@@ -10560,14 +13582,14 @@
         </p:grpSp>
         <p:sp>
           <p:nvSpPr>
-            <p:cNvPr id="7" name="Elipse 133"/>
+            <p:cNvPr id="35" name="Retângulo de cantos arredondados 96"/>
             <p:cNvSpPr/>
             <p:nvPr/>
           </p:nvSpPr>
           <p:spPr>
             <a:xfrm>
-              <a:off x="3227825" y="346288"/>
-              <a:ext cx="388978" cy="336536"/>
+              <a:off x="3439773" y="4386464"/>
+              <a:ext cx="347980" cy="508191"/>
             </a:xfrm>
             <a:custGeom>
               <a:avLst/>
@@ -10576,68 +13598,226 @@
               <a:cxnLst/>
               <a:rect l="l" t="t" r="r" b="b"/>
               <a:pathLst>
-                <a:path w="388978" h="336536">
+                <a:path w="347980" h="508191">
                   <a:moveTo>
-                    <a:pt x="194495" y="336535"/>
+                    <a:pt x="54360" y="0"/>
                   </a:moveTo>
-                  <a:cubicBezTo>
-                    <a:pt x="194493" y="336536"/>
-                    <a:pt x="194491" y="336536"/>
-                    <a:pt x="194489" y="336536"/>
-                  </a:cubicBezTo>
                   <a:lnTo>
-                    <a:pt x="194489" y="336536"/>
+                    <a:pt x="289254" y="0"/>
                   </a:lnTo>
-                  <a:close/>
-                  <a:moveTo>
-                    <a:pt x="194489" y="0"/>
-                  </a:moveTo>
-                  <a:cubicBezTo>
-                    <a:pt x="301902" y="0"/>
-                    <a:pt x="388978" y="75336"/>
-                    <a:pt x="388978" y="168268"/>
-                  </a:cubicBezTo>
-                  <a:cubicBezTo>
-                    <a:pt x="388978" y="192592"/>
-                    <a:pt x="383013" y="215710"/>
-                    <a:pt x="371719" y="236300"/>
-                  </a:cubicBezTo>
-                  <a:cubicBezTo>
-                    <a:pt x="376745" y="225043"/>
-                    <a:pt x="379041" y="212902"/>
-                    <a:pt x="379041" y="200365"/>
-                  </a:cubicBezTo>
-                  <a:cubicBezTo>
-                    <a:pt x="379041" y="125160"/>
-                    <a:pt x="296414" y="64194"/>
-                    <a:pt x="194488" y="64194"/>
-                  </a:cubicBezTo>
-                  <a:cubicBezTo>
-                    <a:pt x="92562" y="64194"/>
-                    <a:pt x="9935" y="125160"/>
-                    <a:pt x="9935" y="200365"/>
-                  </a:cubicBezTo>
-                  <a:cubicBezTo>
-                    <a:pt x="9935" y="212900"/>
-                    <a:pt x="12230" y="225039"/>
-                    <a:pt x="17255" y="236295"/>
-                  </a:cubicBezTo>
-                  <a:cubicBezTo>
-                    <a:pt x="5964" y="215706"/>
-                    <a:pt x="0" y="192590"/>
-                    <a:pt x="0" y="168268"/>
-                  </a:cubicBezTo>
-                  <a:cubicBezTo>
-                    <a:pt x="0" y="75336"/>
-                    <a:pt x="87076" y="0"/>
-                    <a:pt x="194489" y="0"/>
+                  <a:cubicBezTo>
+                    <a:pt x="321687" y="0"/>
+                    <a:pt x="347980" y="26293"/>
+                    <a:pt x="347980" y="58726"/>
+                  </a:cubicBezTo>
+                  <a:lnTo>
+                    <a:pt x="347980" y="449465"/>
+                  </a:lnTo>
+                  <a:cubicBezTo>
+                    <a:pt x="347980" y="481898"/>
+                    <a:pt x="321687" y="508191"/>
+                    <a:pt x="289254" y="508191"/>
+                  </a:cubicBezTo>
+                  <a:lnTo>
+                    <a:pt x="156923" y="508191"/>
+                  </a:lnTo>
+                  <a:cubicBezTo>
+                    <a:pt x="97925" y="429745"/>
+                    <a:pt x="60538" y="338729"/>
+                    <a:pt x="31959" y="245265"/>
+                  </a:cubicBezTo>
+                  <a:cubicBezTo>
+                    <a:pt x="11728" y="179101"/>
+                    <a:pt x="940" y="110203"/>
+                    <a:pt x="0" y="37101"/>
+                  </a:cubicBezTo>
+                  <a:cubicBezTo>
+                    <a:pt x="8413" y="15328"/>
+                    <a:pt x="29597" y="0"/>
+                    <a:pt x="54360" y="0"/>
                   </a:cubicBezTo>
                   <a:close/>
                 </a:path>
               </a:pathLst>
             </a:custGeom>
             <a:solidFill>
-              <a:srgbClr val="C00000"/>
+              <a:srgbClr val="00B050"/>
+            </a:solidFill>
+            <a:ln>
+              <a:noFill/>
+            </a:ln>
+            <a:effectLst>
+              <a:outerShdw blurRad="50800" dist="38100" dir="2700000" algn="tl" rotWithShape="0">
+                <a:prstClr val="black">
+                  <a:alpha val="40000"/>
+                </a:prstClr>
+              </a:outerShdw>
+            </a:effectLst>
+          </p:spPr>
+          <p:style>
+            <a:lnRef idx="2">
+              <a:schemeClr val="accent1">
+                <a:shade val="50000"/>
+              </a:schemeClr>
+            </a:lnRef>
+            <a:fillRef idx="1">
+              <a:schemeClr val="accent1"/>
+            </a:fillRef>
+            <a:effectRef idx="0">
+              <a:schemeClr val="accent1"/>
+            </a:effectRef>
+            <a:fontRef idx="minor">
+              <a:schemeClr val="lt1"/>
+            </a:fontRef>
+          </p:style>
+          <p:txBody>
+            <a:bodyPr rtlCol="0" anchor="ctr"/>
+            <a:lstStyle/>
+            <a:p>
+              <a:pPr algn="ctr"/>
+              <a:endParaRPr lang="pt-BR"/>
+            </a:p>
+          </p:txBody>
+        </p:sp>
+        <p:sp>
+          <p:nvSpPr>
+            <p:cNvPr id="36" name="Retângulo 35"/>
+            <p:cNvSpPr/>
+            <p:nvPr/>
+          </p:nvSpPr>
+          <p:spPr>
+            <a:xfrm>
+              <a:off x="3435406" y="4386464"/>
+              <a:ext cx="352347" cy="76143"/>
+            </a:xfrm>
+            <a:prstGeom prst="rect">
+              <a:avLst/>
+            </a:prstGeom>
+            <a:noFill/>
+            <a:ln w="3175">
+              <a:solidFill>
+                <a:schemeClr val="accent3">
+                  <a:lumMod val="50000"/>
+                </a:schemeClr>
+              </a:solidFill>
+            </a:ln>
+          </p:spPr>
+          <p:style>
+            <a:lnRef idx="2">
+              <a:schemeClr val="accent1">
+                <a:shade val="50000"/>
+              </a:schemeClr>
+            </a:lnRef>
+            <a:fillRef idx="1">
+              <a:schemeClr val="accent1"/>
+            </a:fillRef>
+            <a:effectRef idx="0">
+              <a:schemeClr val="accent1"/>
+            </a:effectRef>
+            <a:fontRef idx="minor">
+              <a:schemeClr val="lt1"/>
+            </a:fontRef>
+          </p:style>
+          <p:txBody>
+            <a:bodyPr rtlCol="0" anchor="ctr"/>
+            <a:lstStyle/>
+            <a:p>
+              <a:pPr algn="ctr"/>
+              <a:endParaRPr lang="pt-BR"/>
+            </a:p>
+          </p:txBody>
+        </p:sp>
+        <p:sp>
+          <p:nvSpPr>
+            <p:cNvPr id="38" name="Elipse 108"/>
+            <p:cNvSpPr/>
+            <p:nvPr/>
+          </p:nvSpPr>
+          <p:spPr>
+            <a:xfrm>
+              <a:off x="3949810" y="3598511"/>
+              <a:ext cx="503152" cy="468249"/>
+            </a:xfrm>
+            <a:custGeom>
+              <a:avLst/>
+              <a:gdLst/>
+              <a:ahLst/>
+              <a:cxnLst/>
+              <a:rect l="l" t="t" r="r" b="b"/>
+              <a:pathLst>
+                <a:path w="503152" h="468249">
+                  <a:moveTo>
+                    <a:pt x="463098" y="0"/>
+                  </a:moveTo>
+                  <a:cubicBezTo>
+                    <a:pt x="488963" y="45486"/>
+                    <a:pt x="503152" y="99058"/>
+                    <a:pt x="503152" y="156221"/>
+                  </a:cubicBezTo>
+                  <a:cubicBezTo>
+                    <a:pt x="503152" y="328549"/>
+                    <a:pt x="374196" y="468249"/>
+                    <a:pt x="215120" y="468249"/>
+                  </a:cubicBezTo>
+                  <a:cubicBezTo>
+                    <a:pt x="129078" y="468249"/>
+                    <a:pt x="51848" y="427379"/>
+                    <a:pt x="0" y="361823"/>
+                  </a:cubicBezTo>
+                  <a:close/>
+                </a:path>
+              </a:pathLst>
+            </a:custGeom>
+            <a:solidFill>
+              <a:srgbClr val="F397C5"/>
+            </a:solidFill>
+            <a:ln>
+              <a:solidFill>
+                <a:srgbClr val="F9CBE2"/>
+              </a:solidFill>
+            </a:ln>
+          </p:spPr>
+          <p:style>
+            <a:lnRef idx="2">
+              <a:schemeClr val="accent1">
+                <a:shade val="50000"/>
+              </a:schemeClr>
+            </a:lnRef>
+            <a:fillRef idx="1">
+              <a:schemeClr val="accent1"/>
+            </a:fillRef>
+            <a:effectRef idx="0">
+              <a:schemeClr val="accent1"/>
+            </a:effectRef>
+            <a:fontRef idx="minor">
+              <a:schemeClr val="lt1"/>
+            </a:fontRef>
+          </p:style>
+          <p:txBody>
+            <a:bodyPr rtlCol="0" anchor="ctr"/>
+            <a:lstStyle/>
+            <a:p>
+              <a:pPr algn="ctr"/>
+              <a:endParaRPr lang="pt-BR"/>
+            </a:p>
+          </p:txBody>
+        </p:sp>
+        <p:sp>
+          <p:nvSpPr>
+            <p:cNvPr id="39" name="Retângulo 38"/>
+            <p:cNvSpPr/>
+            <p:nvPr/>
+          </p:nvSpPr>
+          <p:spPr>
+            <a:xfrm rot="705304">
+              <a:off x="2545089" y="3105644"/>
+              <a:ext cx="2877886" cy="62743"/>
+            </a:xfrm>
+            <a:prstGeom prst="rect">
+              <a:avLst/>
+            </a:prstGeom>
+            <a:solidFill>
+              <a:srgbClr val="8B3535"/>
             </a:solidFill>
             <a:ln>
               <a:noFill/>
@@ -10663,22 +13843,410 @@
             <a:bodyPr rtlCol="0" anchor="ctr"/>
             <a:lstStyle/>
             <a:p>
-              <a:pPr algn="r"/>
+              <a:pPr algn="ctr"/>
+              <a:endParaRPr lang="pt-BR"/>
+            </a:p>
+          </p:txBody>
+        </p:sp>
+        <p:sp>
+          <p:nvSpPr>
+            <p:cNvPr id="40" name="Retângulo de cantos arredondados 110"/>
+            <p:cNvSpPr/>
+            <p:nvPr/>
+          </p:nvSpPr>
+          <p:spPr>
+            <a:xfrm rot="19722312">
+              <a:off x="4010962" y="3418791"/>
+              <a:ext cx="1346327" cy="420342"/>
+            </a:xfrm>
+            <a:custGeom>
+              <a:avLst/>
+              <a:gdLst/>
+              <a:ahLst/>
+              <a:cxnLst/>
+              <a:rect l="l" t="t" r="r" b="b"/>
+              <a:pathLst>
+                <a:path w="1346327" h="420342">
+                  <a:moveTo>
+                    <a:pt x="1298508" y="12539"/>
+                  </a:moveTo>
+                  <a:cubicBezTo>
+                    <a:pt x="1363372" y="51969"/>
+                    <a:pt x="1362086" y="172547"/>
+                    <a:pt x="1295636" y="281860"/>
+                  </a:cubicBezTo>
+                  <a:cubicBezTo>
+                    <a:pt x="1234983" y="381637"/>
+                    <a:pt x="1141004" y="437540"/>
+                    <a:pt x="1076045" y="415608"/>
+                  </a:cubicBezTo>
+                  <a:cubicBezTo>
+                    <a:pt x="945875" y="402870"/>
+                    <a:pt x="815843" y="388593"/>
+                    <a:pt x="684454" y="389724"/>
+                  </a:cubicBezTo>
+                  <a:lnTo>
+                    <a:pt x="186548" y="407828"/>
+                  </a:lnTo>
+                  <a:cubicBezTo>
+                    <a:pt x="147873" y="407828"/>
+                    <a:pt x="44137" y="297355"/>
+                    <a:pt x="44137" y="261319"/>
+                  </a:cubicBezTo>
+                  <a:lnTo>
+                    <a:pt x="0" y="132722"/>
+                  </a:lnTo>
+                  <a:cubicBezTo>
+                    <a:pt x="0" y="96687"/>
+                    <a:pt x="130498" y="44945"/>
+                    <a:pt x="169171" y="44945"/>
+                  </a:cubicBezTo>
+                  <a:cubicBezTo>
+                    <a:pt x="504563" y="44945"/>
+                    <a:pt x="749831" y="129138"/>
+                    <a:pt x="1051144" y="160175"/>
+                  </a:cubicBezTo>
+                  <a:cubicBezTo>
+                    <a:pt x="1052874" y="152463"/>
+                    <a:pt x="1056688" y="145747"/>
+                    <a:pt x="1060745" y="139073"/>
+                  </a:cubicBezTo>
+                  <a:cubicBezTo>
+                    <a:pt x="1127194" y="29760"/>
+                    <a:pt x="1233644" y="-26891"/>
+                    <a:pt x="1298508" y="12539"/>
+                  </a:cubicBezTo>
+                  <a:close/>
+                </a:path>
+              </a:pathLst>
+            </a:custGeom>
+            <a:solidFill>
+              <a:srgbClr val="FCC7A6"/>
+            </a:solidFill>
+            <a:ln>
+              <a:noFill/>
+            </a:ln>
+          </p:spPr>
+          <p:style>
+            <a:lnRef idx="2">
+              <a:schemeClr val="accent1">
+                <a:shade val="50000"/>
+              </a:schemeClr>
+            </a:lnRef>
+            <a:fillRef idx="1">
+              <a:schemeClr val="accent1"/>
+            </a:fillRef>
+            <a:effectRef idx="0">
+              <a:schemeClr val="accent1"/>
+            </a:effectRef>
+            <a:fontRef idx="minor">
+              <a:schemeClr val="lt1"/>
+            </a:fontRef>
+          </p:style>
+          <p:txBody>
+            <a:bodyPr rtlCol="0" anchor="ctr"/>
+            <a:lstStyle/>
+            <a:p>
+              <a:pPr algn="ctr"/>
               <a:endParaRPr lang="pt-BR" dirty="0"/>
             </a:p>
           </p:txBody>
         </p:sp>
+        <p:sp>
+          <p:nvSpPr>
+            <p:cNvPr id="41" name="Fluxograma: Atraso 40"/>
+            <p:cNvSpPr/>
+            <p:nvPr/>
+          </p:nvSpPr>
+          <p:spPr>
+            <a:xfrm rot="13919949">
+              <a:off x="3629413" y="3213532"/>
+              <a:ext cx="678555" cy="617311"/>
+            </a:xfrm>
+            <a:prstGeom prst="flowChartDelay">
+              <a:avLst/>
+            </a:prstGeom>
+            <a:solidFill>
+              <a:srgbClr val="F5A5CD"/>
+            </a:solidFill>
+            <a:ln>
+              <a:solidFill>
+                <a:srgbClr val="F9CBE2"/>
+              </a:solidFill>
+            </a:ln>
+          </p:spPr>
+          <p:style>
+            <a:lnRef idx="2">
+              <a:schemeClr val="accent1">
+                <a:shade val="50000"/>
+              </a:schemeClr>
+            </a:lnRef>
+            <a:fillRef idx="1">
+              <a:schemeClr val="accent1"/>
+            </a:fillRef>
+            <a:effectRef idx="0">
+              <a:schemeClr val="accent1"/>
+            </a:effectRef>
+            <a:fontRef idx="minor">
+              <a:schemeClr val="lt1"/>
+            </a:fontRef>
+          </p:style>
+          <p:txBody>
+            <a:bodyPr rtlCol="0" anchor="ctr"/>
+            <a:lstStyle/>
+            <a:p>
+              <a:pPr algn="ctr"/>
+              <a:endParaRPr lang="pt-BR"/>
+            </a:p>
+          </p:txBody>
+        </p:sp>
+        <p:sp>
+          <p:nvSpPr>
+            <p:cNvPr id="42" name="Fluxograma: Atraso 105"/>
+            <p:cNvSpPr/>
+            <p:nvPr/>
+          </p:nvSpPr>
+          <p:spPr>
+            <a:xfrm rot="13919949">
+              <a:off x="3597196" y="3309194"/>
+              <a:ext cx="683591" cy="496437"/>
+            </a:xfrm>
+            <a:custGeom>
+              <a:avLst/>
+              <a:gdLst/>
+              <a:ahLst/>
+              <a:cxnLst/>
+              <a:rect l="l" t="t" r="r" b="b"/>
+              <a:pathLst>
+                <a:path w="678556" h="524739">
+                  <a:moveTo>
+                    <a:pt x="620613" y="481228"/>
+                  </a:moveTo>
+                  <a:cubicBezTo>
+                    <a:pt x="608990" y="496879"/>
+                    <a:pt x="595831" y="511508"/>
+                    <a:pt x="581151" y="524739"/>
+                  </a:cubicBezTo>
+                  <a:cubicBezTo>
+                    <a:pt x="591639" y="497543"/>
+                    <a:pt x="596448" y="468235"/>
+                    <a:pt x="596448" y="437905"/>
+                  </a:cubicBezTo>
+                  <a:cubicBezTo>
+                    <a:pt x="596448" y="267439"/>
+                    <a:pt x="444548" y="129249"/>
+                    <a:pt x="257170" y="129249"/>
+                  </a:cubicBezTo>
+                  <a:lnTo>
+                    <a:pt x="0" y="129249"/>
+                  </a:lnTo>
+                  <a:lnTo>
+                    <a:pt x="0" y="0"/>
+                  </a:lnTo>
+                  <a:lnTo>
+                    <a:pt x="339278" y="0"/>
+                  </a:lnTo>
+                  <a:cubicBezTo>
+                    <a:pt x="526656" y="0"/>
+                    <a:pt x="678556" y="138190"/>
+                    <a:pt x="678556" y="308656"/>
+                  </a:cubicBezTo>
+                  <a:cubicBezTo>
+                    <a:pt x="678556" y="372581"/>
+                    <a:pt x="657195" y="431966"/>
+                    <a:pt x="620613" y="481228"/>
+                  </a:cubicBezTo>
+                  <a:close/>
+                </a:path>
+              </a:pathLst>
+            </a:custGeom>
+            <a:solidFill>
+              <a:srgbClr val="F074B2">
+                <a:alpha val="50196"/>
+              </a:srgbClr>
+            </a:solidFill>
+            <a:ln>
+              <a:noFill/>
+            </a:ln>
+            <a:effectLst>
+              <a:softEdge rad="12700"/>
+            </a:effectLst>
+          </p:spPr>
+          <p:style>
+            <a:lnRef idx="2">
+              <a:schemeClr val="accent1">
+                <a:shade val="50000"/>
+              </a:schemeClr>
+            </a:lnRef>
+            <a:fillRef idx="1">
+              <a:schemeClr val="accent1"/>
+            </a:fillRef>
+            <a:effectRef idx="0">
+              <a:schemeClr val="accent1"/>
+            </a:effectRef>
+            <a:fontRef idx="minor">
+              <a:schemeClr val="lt1"/>
+            </a:fontRef>
+          </p:style>
+          <p:txBody>
+            <a:bodyPr rtlCol="0" anchor="ctr"/>
+            <a:lstStyle/>
+            <a:p>
+              <a:pPr algn="ctr"/>
+              <a:endParaRPr lang="pt-BR"/>
+            </a:p>
+          </p:txBody>
+        </p:sp>
+        <p:sp>
+          <p:nvSpPr>
+            <p:cNvPr id="37" name="Retângulo 103"/>
+            <p:cNvSpPr/>
+            <p:nvPr/>
+          </p:nvSpPr>
+          <p:spPr>
+            <a:xfrm>
+              <a:off x="4141112" y="4274925"/>
+              <a:ext cx="45719" cy="955258"/>
+            </a:xfrm>
+            <a:custGeom>
+              <a:avLst/>
+              <a:gdLst/>
+              <a:ahLst/>
+              <a:cxnLst/>
+              <a:rect l="l" t="t" r="r" b="b"/>
+              <a:pathLst>
+                <a:path w="45719" h="907583">
+                  <a:moveTo>
+                    <a:pt x="0" y="0"/>
+                  </a:moveTo>
+                  <a:lnTo>
+                    <a:pt x="45719" y="0"/>
+                  </a:lnTo>
+                  <a:lnTo>
+                    <a:pt x="45719" y="907583"/>
+                  </a:lnTo>
+                  <a:lnTo>
+                    <a:pt x="0" y="897977"/>
+                  </a:lnTo>
+                  <a:close/>
+                </a:path>
+              </a:pathLst>
+            </a:custGeom>
+            <a:solidFill>
+              <a:srgbClr val="4F6228"/>
+            </a:solidFill>
+            <a:ln>
+              <a:noFill/>
+            </a:ln>
+            <a:effectLst>
+              <a:softEdge rad="12700"/>
+            </a:effectLst>
+          </p:spPr>
+          <p:style>
+            <a:lnRef idx="2">
+              <a:schemeClr val="accent1">
+                <a:shade val="50000"/>
+              </a:schemeClr>
+            </a:lnRef>
+            <a:fillRef idx="1">
+              <a:schemeClr val="accent1"/>
+            </a:fillRef>
+            <a:effectRef idx="0">
+              <a:schemeClr val="accent1"/>
+            </a:effectRef>
+            <a:fontRef idx="minor">
+              <a:schemeClr val="lt1"/>
+            </a:fontRef>
+          </p:style>
+          <p:txBody>
+            <a:bodyPr rtlCol="0" anchor="ctr"/>
+            <a:lstStyle/>
+            <a:p>
+              <a:pPr algn="ctr"/>
+              <a:endParaRPr lang="pt-BR"/>
+            </a:p>
+          </p:txBody>
+        </p:sp>
       </p:grpSp>
+    </p:spTree>
+    <p:extLst>
+      <p:ext uri="{BB962C8B-B14F-4D97-AF65-F5344CB8AC3E}">
+        <p14:creationId xmlns:p14="http://schemas.microsoft.com/office/powerpoint/2010/main" val="321788243"/>
+      </p:ext>
+    </p:extLst>
+  </p:cSld>
+  <p:clrMapOvr>
+    <a:masterClrMapping/>
+  </p:clrMapOvr>
+</p:sld>
+</file>
+
+<file path=ppt/slides/slide4.xml><?xml version="1.0" encoding="utf-8"?>
+<p:sld xmlns:a="http://schemas.openxmlformats.org/drawingml/2006/main" xmlns:r="http://schemas.openxmlformats.org/officeDocument/2006/relationships" xmlns:p="http://schemas.openxmlformats.org/presentationml/2006/main">
+  <p:cSld>
+    <p:spTree>
+      <p:nvGrpSpPr>
+        <p:cNvPr id="1" name=""/>
+        <p:cNvGrpSpPr/>
+        <p:nvPr/>
+      </p:nvGrpSpPr>
+      <p:grpSpPr>
+        <a:xfrm>
+          <a:off x="0" y="0"/>
+          <a:ext cx="0" cy="0"/>
+          <a:chOff x="0" y="0"/>
+          <a:chExt cx="0" cy="0"/>
+        </a:xfrm>
+      </p:grpSpPr>
+      <p:pic>
+        <p:nvPicPr>
+          <p:cNvPr id="29" name="Picture 2" descr="Resultado de imagem para três porquinhos mãe png"/>
+          <p:cNvPicPr>
+            <a:picLocks noChangeAspect="1" noChangeArrowheads="1"/>
+          </p:cNvPicPr>
+          <p:nvPr/>
+        </p:nvPicPr>
+        <p:blipFill rotWithShape="1">
+          <a:blip r:embed="rId2">
+            <a:extLst>
+              <a:ext uri="{28A0092B-C50C-407E-A947-70E740481C1C}">
+                <a14:useLocalDpi xmlns:a14="http://schemas.microsoft.com/office/drawing/2010/main" val="0"/>
+              </a:ext>
+            </a:extLst>
+          </a:blip>
+          <a:srcRect l="71949" t="48355" b="11993"/>
+          <a:stretch/>
+        </p:blipFill>
+        <p:spPr bwMode="auto">
+          <a:xfrm>
+            <a:off x="323528" y="2062909"/>
+            <a:ext cx="2031617" cy="2252547"/>
+          </a:xfrm>
+          <a:prstGeom prst="rect">
+            <a:avLst/>
+          </a:prstGeom>
+          <a:noFill/>
+          <a:extLst>
+            <a:ext uri="{909E8E84-426E-40DD-AFC4-6F175D3DCCD1}">
+              <a14:hiddenFill xmlns:a14="http://schemas.microsoft.com/office/drawing/2010/main">
+                <a:solidFill>
+                  <a:srgbClr val="FFFFFF"/>
+                </a:solidFill>
+              </a14:hiddenFill>
+            </a:ext>
+          </a:extLst>
+        </p:spPr>
+      </p:pic>
       <p:sp>
         <p:nvSpPr>
-          <p:cNvPr id="11" name="Elipse 84"/>
+          <p:cNvPr id="36" name="Elipse 84"/>
           <p:cNvSpPr/>
           <p:nvPr/>
         </p:nvSpPr>
         <p:spPr>
           <a:xfrm>
-            <a:off x="3435406" y="2769809"/>
-            <a:ext cx="2198305" cy="2460374"/>
+            <a:off x="4189321" y="1722606"/>
+            <a:ext cx="2125311" cy="2460374"/>
           </a:xfrm>
           <a:custGeom>
             <a:avLst/>
@@ -11233,140 +14801,10 @@
             </a:pathLst>
           </a:custGeom>
           <a:solidFill>
-            <a:srgbClr val="F5A5CD"/>
-          </a:solidFill>
-        </p:spPr>
-        <p:style>
-          <a:lnRef idx="2">
-            <a:schemeClr val="accent1">
-              <a:shade val="50000"/>
-            </a:schemeClr>
-          </a:lnRef>
-          <a:fillRef idx="1">
-            <a:schemeClr val="accent1"/>
-          </a:fillRef>
-          <a:effectRef idx="0">
-            <a:schemeClr val="accent1"/>
-          </a:effectRef>
-          <a:fontRef idx="minor">
-            <a:schemeClr val="lt1"/>
-          </a:fontRef>
-        </p:style>
-        <p:txBody>
-          <a:bodyPr rtlCol="0" anchor="ctr"/>
-          <a:lstStyle/>
-          <a:p>
-            <a:pPr algn="ctr"/>
-            <a:endParaRPr lang="pt-BR"/>
-          </a:p>
-        </p:txBody>
-      </p:sp>
-      <p:sp>
-        <p:nvSpPr>
-          <p:cNvPr id="12" name="Elipse 84"/>
-          <p:cNvSpPr/>
-          <p:nvPr/>
-        </p:nvSpPr>
-        <p:spPr>
-          <a:xfrm>
-            <a:off x="3435407" y="3135256"/>
-            <a:ext cx="2237104" cy="2104680"/>
-          </a:xfrm>
-          <a:custGeom>
-            <a:avLst/>
-            <a:gdLst/>
-            <a:ahLst/>
-            <a:cxnLst/>
-            <a:rect l="l" t="t" r="r" b="b"/>
-            <a:pathLst>
-              <a:path w="2198305" h="2104680">
-                <a:moveTo>
-                  <a:pt x="1023644" y="0"/>
-                </a:moveTo>
-                <a:lnTo>
-                  <a:pt x="1218521" y="271616"/>
-                </a:lnTo>
-                <a:cubicBezTo>
-                  <a:pt x="1360449" y="397199"/>
-                  <a:pt x="1506370" y="449119"/>
-                  <a:pt x="1613378" y="395328"/>
-                </a:cubicBezTo>
-                <a:cubicBezTo>
-                  <a:pt x="1705229" y="349157"/>
-                  <a:pt x="1751677" y="233514"/>
-                  <a:pt x="1751936" y="82193"/>
-                </a:cubicBezTo>
-                <a:cubicBezTo>
-                  <a:pt x="1902789" y="235465"/>
-                  <a:pt x="1994100" y="401972"/>
-                  <a:pt x="2077019" y="604278"/>
-                </a:cubicBezTo>
-                <a:cubicBezTo>
-                  <a:pt x="2163501" y="815275"/>
-                  <a:pt x="2222058" y="990668"/>
-                  <a:pt x="2188894" y="1202779"/>
-                </a:cubicBezTo>
-                <a:cubicBezTo>
-                  <a:pt x="2155729" y="1414891"/>
-                  <a:pt x="1981411" y="1664830"/>
-                  <a:pt x="1787586" y="1805751"/>
-                </a:cubicBezTo>
-                <a:cubicBezTo>
-                  <a:pt x="1593762" y="1946673"/>
-                  <a:pt x="1321410" y="2080940"/>
-                  <a:pt x="1080215" y="2101706"/>
-                </a:cubicBezTo>
-                <a:cubicBezTo>
-                  <a:pt x="839020" y="2122472"/>
-                  <a:pt x="514645" y="2031221"/>
-                  <a:pt x="340417" y="1930348"/>
-                </a:cubicBezTo>
-                <a:cubicBezTo>
-                  <a:pt x="166190" y="1829476"/>
-                  <a:pt x="86102" y="1667052"/>
-                  <a:pt x="34849" y="1496473"/>
-                </a:cubicBezTo>
-                <a:cubicBezTo>
-                  <a:pt x="-16406" y="1325894"/>
-                  <a:pt x="-5976" y="1137152"/>
-                  <a:pt x="32893" y="906872"/>
-                </a:cubicBezTo>
-                <a:cubicBezTo>
-                  <a:pt x="70253" y="741856"/>
-                  <a:pt x="81133" y="697727"/>
-                  <a:pt x="159521" y="604279"/>
-                </a:cubicBezTo>
-                <a:cubicBezTo>
-                  <a:pt x="186016" y="546924"/>
-                  <a:pt x="226481" y="483460"/>
-                  <a:pt x="265676" y="426564"/>
-                </a:cubicBezTo>
-                <a:cubicBezTo>
-                  <a:pt x="310116" y="844328"/>
-                  <a:pt x="490492" y="1156468"/>
-                  <a:pt x="706127" y="1156468"/>
-                </a:cubicBezTo>
-                <a:cubicBezTo>
-                  <a:pt x="949080" y="1156468"/>
-                  <a:pt x="1147274" y="760231"/>
-                  <a:pt x="1156220" y="263209"/>
-                </a:cubicBezTo>
-                <a:lnTo>
-                  <a:pt x="986497" y="26652"/>
-                </a:lnTo>
-                <a:close/>
-              </a:path>
-            </a:pathLst>
-          </a:custGeom>
-          <a:solidFill>
-            <a:srgbClr val="00B050"/>
+            <a:srgbClr val="F8DA00"/>
           </a:solidFill>
           <a:ln>
-            <a:solidFill>
-              <a:schemeClr val="accent3">
-                <a:lumMod val="50000"/>
-              </a:schemeClr>
-            </a:solidFill>
+            <a:noFill/>
           </a:ln>
         </p:spPr>
         <p:style>
@@ -11396,97 +14834,29 @@
       </p:sp>
       <p:sp>
         <p:nvSpPr>
-          <p:cNvPr id="14" name="Retângulo 88"/>
+          <p:cNvPr id="38" name="Elipse 37"/>
           <p:cNvSpPr/>
           <p:nvPr/>
         </p:nvSpPr>
         <p:spPr>
-          <a:xfrm rot="1498162">
-            <a:off x="3958967" y="3034741"/>
-            <a:ext cx="635947" cy="305740"/>
+          <a:xfrm rot="21249917">
+            <a:off x="3599628" y="1546713"/>
+            <a:ext cx="219842" cy="207608"/>
           </a:xfrm>
-          <a:custGeom>
+          <a:prstGeom prst="ellipse">
             <a:avLst/>
-            <a:gdLst>
-              <a:gd name="connsiteX0" fmla="*/ 0 w 1008983"/>
-              <a:gd name="connsiteY0" fmla="*/ 0 h 278046"/>
-              <a:gd name="connsiteX1" fmla="*/ 1008983 w 1008983"/>
-              <a:gd name="connsiteY1" fmla="*/ 0 h 278046"/>
-              <a:gd name="connsiteX2" fmla="*/ 1008983 w 1008983"/>
-              <a:gd name="connsiteY2" fmla="*/ 278046 h 278046"/>
-              <a:gd name="connsiteX3" fmla="*/ 0 w 1008983"/>
-              <a:gd name="connsiteY3" fmla="*/ 278046 h 278046"/>
-              <a:gd name="connsiteX4" fmla="*/ 0 w 1008983"/>
-              <a:gd name="connsiteY4" fmla="*/ 0 h 278046"/>
-              <a:gd name="connsiteX0" fmla="*/ 0 w 1008983"/>
-              <a:gd name="connsiteY0" fmla="*/ 19289 h 297335"/>
-              <a:gd name="connsiteX1" fmla="*/ 930918 w 1008983"/>
-              <a:gd name="connsiteY1" fmla="*/ 0 h 297335"/>
-              <a:gd name="connsiteX2" fmla="*/ 1008983 w 1008983"/>
-              <a:gd name="connsiteY2" fmla="*/ 297335 h 297335"/>
-              <a:gd name="connsiteX3" fmla="*/ 0 w 1008983"/>
-              <a:gd name="connsiteY3" fmla="*/ 297335 h 297335"/>
-              <a:gd name="connsiteX4" fmla="*/ 0 w 1008983"/>
-              <a:gd name="connsiteY4" fmla="*/ 19289 h 297335"/>
-              <a:gd name="connsiteX0" fmla="*/ 0 w 952748"/>
-              <a:gd name="connsiteY0" fmla="*/ 19289 h 305740"/>
-              <a:gd name="connsiteX1" fmla="*/ 930918 w 952748"/>
-              <a:gd name="connsiteY1" fmla="*/ 0 h 305740"/>
-              <a:gd name="connsiteX2" fmla="*/ 952748 w 952748"/>
-              <a:gd name="connsiteY2" fmla="*/ 305740 h 305740"/>
-              <a:gd name="connsiteX3" fmla="*/ 0 w 952748"/>
-              <a:gd name="connsiteY3" fmla="*/ 297335 h 305740"/>
-              <a:gd name="connsiteX4" fmla="*/ 0 w 952748"/>
-              <a:gd name="connsiteY4" fmla="*/ 19289 h 305740"/>
-            </a:gdLst>
-            <a:ahLst/>
-            <a:cxnLst>
-              <a:cxn ang="0">
-                <a:pos x="connsiteX0" y="connsiteY0"/>
-              </a:cxn>
-              <a:cxn ang="0">
-                <a:pos x="connsiteX1" y="connsiteY1"/>
-              </a:cxn>
-              <a:cxn ang="0">
-                <a:pos x="connsiteX2" y="connsiteY2"/>
-              </a:cxn>
-              <a:cxn ang="0">
-                <a:pos x="connsiteX3" y="connsiteY3"/>
-              </a:cxn>
-              <a:cxn ang="0">
-                <a:pos x="connsiteX4" y="connsiteY4"/>
-              </a:cxn>
-            </a:cxnLst>
-            <a:rect l="l" t="t" r="r" b="b"/>
-            <a:pathLst>
-              <a:path w="952748" h="305740">
-                <a:moveTo>
-                  <a:pt x="0" y="19289"/>
-                </a:moveTo>
-                <a:lnTo>
-                  <a:pt x="930918" y="0"/>
-                </a:lnTo>
-                <a:lnTo>
-                  <a:pt x="952748" y="305740"/>
-                </a:lnTo>
-                <a:lnTo>
-                  <a:pt x="0" y="297335"/>
-                </a:lnTo>
-                <a:lnTo>
-                  <a:pt x="0" y="19289"/>
-                </a:lnTo>
-                <a:close/>
-              </a:path>
-            </a:pathLst>
-          </a:custGeom>
+          </a:prstGeom>
           <a:solidFill>
-            <a:srgbClr val="F5A5CD"/>
+            <a:srgbClr val="F68B32">
+              <a:alpha val="5882"/>
+            </a:srgbClr>
           </a:solidFill>
           <a:ln>
-            <a:solidFill>
-              <a:srgbClr val="F9CBE2"/>
-            </a:solidFill>
+            <a:noFill/>
           </a:ln>
+          <a:effectLst>
+            <a:softEdge rad="12700"/>
+          </a:effectLst>
         </p:spPr>
         <p:style>
           <a:lnRef idx="2">
@@ -11515,115 +14885,117 @@
       </p:sp>
       <p:sp>
         <p:nvSpPr>
-          <p:cNvPr id="15" name="Retângulo 88"/>
+          <p:cNvPr id="60" name="Retângulo 59"/>
           <p:cNvSpPr/>
           <p:nvPr/>
         </p:nvSpPr>
         <p:spPr>
-          <a:xfrm rot="20101838" flipH="1">
-            <a:off x="4596940" y="3007851"/>
-            <a:ext cx="510992" cy="316778"/>
+          <a:xfrm rot="19439266" flipH="1">
+            <a:off x="4056384" y="2001135"/>
+            <a:ext cx="2282823" cy="2156290"/>
           </a:xfrm>
           <a:custGeom>
             <a:avLst/>
-            <a:gdLst>
-              <a:gd name="connsiteX0" fmla="*/ 0 w 1008983"/>
-              <a:gd name="connsiteY0" fmla="*/ 0 h 278046"/>
-              <a:gd name="connsiteX1" fmla="*/ 1008983 w 1008983"/>
-              <a:gd name="connsiteY1" fmla="*/ 0 h 278046"/>
-              <a:gd name="connsiteX2" fmla="*/ 1008983 w 1008983"/>
-              <a:gd name="connsiteY2" fmla="*/ 278046 h 278046"/>
-              <a:gd name="connsiteX3" fmla="*/ 0 w 1008983"/>
-              <a:gd name="connsiteY3" fmla="*/ 278046 h 278046"/>
-              <a:gd name="connsiteX4" fmla="*/ 0 w 1008983"/>
-              <a:gd name="connsiteY4" fmla="*/ 0 h 278046"/>
-              <a:gd name="connsiteX0" fmla="*/ 0 w 1008983"/>
-              <a:gd name="connsiteY0" fmla="*/ 19289 h 297335"/>
-              <a:gd name="connsiteX1" fmla="*/ 930918 w 1008983"/>
-              <a:gd name="connsiteY1" fmla="*/ 0 h 297335"/>
-              <a:gd name="connsiteX2" fmla="*/ 1008983 w 1008983"/>
-              <a:gd name="connsiteY2" fmla="*/ 297335 h 297335"/>
-              <a:gd name="connsiteX3" fmla="*/ 0 w 1008983"/>
-              <a:gd name="connsiteY3" fmla="*/ 297335 h 297335"/>
-              <a:gd name="connsiteX4" fmla="*/ 0 w 1008983"/>
-              <a:gd name="connsiteY4" fmla="*/ 19289 h 297335"/>
-              <a:gd name="connsiteX0" fmla="*/ 0 w 952748"/>
-              <a:gd name="connsiteY0" fmla="*/ 19289 h 305740"/>
-              <a:gd name="connsiteX1" fmla="*/ 930918 w 952748"/>
-              <a:gd name="connsiteY1" fmla="*/ 0 h 305740"/>
-              <a:gd name="connsiteX2" fmla="*/ 952748 w 952748"/>
-              <a:gd name="connsiteY2" fmla="*/ 305740 h 305740"/>
-              <a:gd name="connsiteX3" fmla="*/ 0 w 952748"/>
-              <a:gd name="connsiteY3" fmla="*/ 297335 h 305740"/>
-              <a:gd name="connsiteX4" fmla="*/ 0 w 952748"/>
-              <a:gd name="connsiteY4" fmla="*/ 19289 h 305740"/>
-              <a:gd name="connsiteX0" fmla="*/ -1 w 973720"/>
-              <a:gd name="connsiteY0" fmla="*/ 0 h 316778"/>
-              <a:gd name="connsiteX1" fmla="*/ 951890 w 973720"/>
-              <a:gd name="connsiteY1" fmla="*/ 11038 h 316778"/>
-              <a:gd name="connsiteX2" fmla="*/ 973720 w 973720"/>
-              <a:gd name="connsiteY2" fmla="*/ 316778 h 316778"/>
-              <a:gd name="connsiteX3" fmla="*/ 20972 w 973720"/>
-              <a:gd name="connsiteY3" fmla="*/ 308373 h 316778"/>
-              <a:gd name="connsiteX4" fmla="*/ -1 w 973720"/>
-              <a:gd name="connsiteY4" fmla="*/ 0 h 316778"/>
-              <a:gd name="connsiteX0" fmla="*/ 0 w 973721"/>
-              <a:gd name="connsiteY0" fmla="*/ 0 h 316778"/>
-              <a:gd name="connsiteX1" fmla="*/ 951891 w 973721"/>
-              <a:gd name="connsiteY1" fmla="*/ 11038 h 316778"/>
-              <a:gd name="connsiteX2" fmla="*/ 973721 w 973721"/>
-              <a:gd name="connsiteY2" fmla="*/ 316778 h 316778"/>
-              <a:gd name="connsiteX3" fmla="*/ 8023 w 973721"/>
-              <a:gd name="connsiteY3" fmla="*/ 263230 h 316778"/>
-              <a:gd name="connsiteX4" fmla="*/ 0 w 973721"/>
-              <a:gd name="connsiteY4" fmla="*/ 0 h 316778"/>
-            </a:gdLst>
+            <a:gdLst/>
             <a:ahLst/>
-            <a:cxnLst>
-              <a:cxn ang="0">
-                <a:pos x="connsiteX0" y="connsiteY0"/>
-              </a:cxn>
-              <a:cxn ang="0">
-                <a:pos x="connsiteX1" y="connsiteY1"/>
-              </a:cxn>
-              <a:cxn ang="0">
-                <a:pos x="connsiteX2" y="connsiteY2"/>
-              </a:cxn>
-              <a:cxn ang="0">
-                <a:pos x="connsiteX3" y="connsiteY3"/>
-              </a:cxn>
-              <a:cxn ang="0">
-                <a:pos x="connsiteX4" y="connsiteY4"/>
-              </a:cxn>
-            </a:cxnLst>
+            <a:cxnLst/>
             <a:rect l="l" t="t" r="r" b="b"/>
             <a:pathLst>
-              <a:path w="973721" h="316778">
+              <a:path w="2282823" h="2156290">
                 <a:moveTo>
-                  <a:pt x="0" y="0"/>
+                  <a:pt x="645966" y="0"/>
                 </a:moveTo>
+                <a:cubicBezTo>
+                  <a:pt x="567574" y="162018"/>
+                  <a:pt x="549336" y="365776"/>
+                  <a:pt x="607504" y="568703"/>
+                </a:cubicBezTo>
                 <a:lnTo>
-                  <a:pt x="951891" y="11038"/>
+                  <a:pt x="32064" y="986973"/>
                 </a:lnTo>
                 <a:lnTo>
-                  <a:pt x="973721" y="316778"/>
+                  <a:pt x="20479" y="938722"/>
                 </a:lnTo>
                 <a:lnTo>
-                  <a:pt x="8023" y="263230"/>
+                  <a:pt x="16504" y="941611"/>
                 </a:lnTo>
                 <a:lnTo>
-                  <a:pt x="0" y="0"/>
+                  <a:pt x="16504" y="754673"/>
                 </a:lnTo>
+                <a:cubicBezTo>
+                  <a:pt x="-18543" y="974818"/>
+                  <a:pt x="5368" y="1167740"/>
+                  <a:pt x="58685" y="1386042"/>
+                </a:cubicBezTo>
+                <a:lnTo>
+                  <a:pt x="96595" y="1527443"/>
+                </a:lnTo>
+                <a:cubicBezTo>
+                  <a:pt x="140908" y="1671337"/>
+                  <a:pt x="200426" y="1794284"/>
+                  <a:pt x="310257" y="1904504"/>
+                </a:cubicBezTo>
+                <a:cubicBezTo>
+                  <a:pt x="461797" y="2056580"/>
+                  <a:pt x="749755" y="2156263"/>
+                  <a:pt x="989394" y="2156290"/>
+                </a:cubicBezTo>
+                <a:cubicBezTo>
+                  <a:pt x="1229033" y="2156321"/>
+                  <a:pt x="1528280" y="2104797"/>
+                  <a:pt x="1735590" y="1979782"/>
+                </a:cubicBezTo>
+                <a:cubicBezTo>
+                  <a:pt x="1942900" y="1854766"/>
+                  <a:pt x="2151632" y="1590235"/>
+                  <a:pt x="2233255" y="1406201"/>
+                </a:cubicBezTo>
+                <a:cubicBezTo>
+                  <a:pt x="2310485" y="1232072"/>
+                  <a:pt x="2287141" y="1062920"/>
+                  <a:pt x="2233424" y="903185"/>
+                </a:cubicBezTo>
+                <a:cubicBezTo>
+                  <a:pt x="2185450" y="767501"/>
+                  <a:pt x="2097665" y="645825"/>
+                  <a:pt x="1976603" y="518439"/>
+                </a:cubicBezTo>
+                <a:cubicBezTo>
+                  <a:pt x="1935286" y="612776"/>
+                  <a:pt x="1868839" y="694936"/>
+                  <a:pt x="1781562" y="758374"/>
+                </a:cubicBezTo>
+                <a:cubicBezTo>
+                  <a:pt x="1476341" y="980230"/>
+                  <a:pt x="1031951" y="889109"/>
+                  <a:pt x="788987" y="554849"/>
+                </a:cubicBezTo>
+                <a:lnTo>
+                  <a:pt x="747072" y="488713"/>
+                </a:lnTo>
+                <a:cubicBezTo>
+                  <a:pt x="724095" y="322400"/>
+                  <a:pt x="750663" y="161426"/>
+                  <a:pt x="818760" y="30225"/>
+                </a:cubicBezTo>
+                <a:cubicBezTo>
+                  <a:pt x="762378" y="18347"/>
+                  <a:pt x="703680" y="7195"/>
+                  <a:pt x="645966" y="0"/>
+                </a:cubicBezTo>
                 <a:close/>
               </a:path>
             </a:pathLst>
           </a:custGeom>
           <a:solidFill>
-            <a:srgbClr val="F5A5CD"/>
+            <a:schemeClr val="tx2">
+              <a:lumMod val="60000"/>
+              <a:lumOff val="40000"/>
+            </a:schemeClr>
           </a:solidFill>
-          <a:ln>
+          <a:ln w="3175">
             <a:solidFill>
-              <a:srgbClr val="F9CBE2"/>
+              <a:srgbClr val="0070C0"/>
             </a:solidFill>
           </a:ln>
         </p:spPr>
@@ -11654,27 +15026,27 @@
       </p:sp>
       <p:grpSp>
         <p:nvGrpSpPr>
-          <p:cNvPr id="16" name="Grupo 15"/>
+          <p:cNvPr id="4" name="Grupo 3"/>
           <p:cNvGrpSpPr/>
           <p:nvPr/>
         </p:nvGrpSpPr>
         <p:grpSpPr>
           <a:xfrm>
-            <a:off x="3728554" y="1326270"/>
-            <a:ext cx="2031477" cy="1832259"/>
-            <a:chOff x="3972876" y="1884804"/>
-            <a:chExt cx="2031477" cy="1832259"/>
+            <a:off x="4607706" y="274159"/>
+            <a:ext cx="1975428" cy="1832259"/>
+            <a:chOff x="4838870" y="2889266"/>
+            <a:chExt cx="1975428" cy="1832259"/>
           </a:xfrm>
         </p:grpSpPr>
         <p:sp>
           <p:nvSpPr>
-            <p:cNvPr id="17" name="Fluxograma: Mesclar 6"/>
+            <p:cNvPr id="5" name="Fluxograma: Mesclar 6"/>
             <p:cNvSpPr/>
             <p:nvPr/>
           </p:nvSpPr>
           <p:spPr>
             <a:xfrm rot="8853205">
-              <a:off x="3972876" y="1884804"/>
+              <a:off x="4838870" y="2889266"/>
               <a:ext cx="552294" cy="880025"/>
             </a:xfrm>
             <a:custGeom>
@@ -11841,13 +15213,13 @@
         </p:sp>
         <p:sp>
           <p:nvSpPr>
-            <p:cNvPr id="18" name="Elipse 4"/>
+            <p:cNvPr id="6" name="Elipse 4"/>
             <p:cNvSpPr/>
             <p:nvPr/>
           </p:nvSpPr>
           <p:spPr>
             <a:xfrm>
-              <a:off x="4055101" y="2348880"/>
+              <a:off x="4921095" y="3353342"/>
               <a:ext cx="1465518" cy="1368183"/>
             </a:xfrm>
             <a:custGeom>
@@ -11988,13 +15360,13 @@
         </p:sp>
         <p:sp>
           <p:nvSpPr>
-            <p:cNvPr id="19" name="Fluxograma: Mesclar 6"/>
+            <p:cNvPr id="7" name="Fluxograma: Mesclar 6"/>
             <p:cNvSpPr/>
             <p:nvPr/>
           </p:nvSpPr>
           <p:spPr>
-            <a:xfrm rot="15421268">
-              <a:off x="5290728" y="2196900"/>
+            <a:xfrm rot="14231539">
+              <a:off x="6100673" y="3028278"/>
               <a:ext cx="547226" cy="880025"/>
             </a:xfrm>
             <a:custGeom>
@@ -12161,13 +15533,13 @@
         </p:sp>
         <p:sp>
           <p:nvSpPr>
-            <p:cNvPr id="20" name="Elipse 12"/>
+            <p:cNvPr id="8" name="Elipse 12"/>
             <p:cNvSpPr/>
             <p:nvPr/>
           </p:nvSpPr>
           <p:spPr>
             <a:xfrm>
-              <a:off x="4417892" y="2667524"/>
+              <a:off x="5283886" y="3671986"/>
               <a:ext cx="290150" cy="365447"/>
             </a:xfrm>
             <a:custGeom>
@@ -12251,13 +15623,13 @@
         </p:sp>
         <p:sp>
           <p:nvSpPr>
-            <p:cNvPr id="21" name="Elipse 12"/>
+            <p:cNvPr id="9" name="Elipse 12"/>
             <p:cNvSpPr/>
             <p:nvPr/>
           </p:nvSpPr>
           <p:spPr>
             <a:xfrm>
-              <a:off x="4893052" y="2667524"/>
+              <a:off x="5759046" y="3671986"/>
               <a:ext cx="290150" cy="365447"/>
             </a:xfrm>
             <a:custGeom>
@@ -12341,13 +15713,13 @@
         </p:sp>
         <p:sp>
           <p:nvSpPr>
-            <p:cNvPr id="22" name="Elipse 21"/>
+            <p:cNvPr id="10" name="Elipse 9"/>
             <p:cNvSpPr/>
             <p:nvPr/>
           </p:nvSpPr>
           <p:spPr>
             <a:xfrm>
-              <a:off x="4417892" y="2844297"/>
+              <a:off x="5363029" y="3840273"/>
               <a:ext cx="145075" cy="158062"/>
             </a:xfrm>
             <a:prstGeom prst="ellipse">
@@ -12387,59 +15759,13 @@
         </p:sp>
         <p:sp>
           <p:nvSpPr>
-            <p:cNvPr id="23" name="Elipse 22"/>
-            <p:cNvSpPr/>
-            <p:nvPr/>
-          </p:nvSpPr>
-          <p:spPr>
-            <a:xfrm>
-              <a:off x="4893052" y="2838635"/>
-              <a:ext cx="145075" cy="158062"/>
-            </a:xfrm>
-            <a:prstGeom prst="ellipse">
-              <a:avLst/>
-            </a:prstGeom>
-            <a:solidFill>
-              <a:schemeClr val="tx1"/>
-            </a:solidFill>
-            <a:ln>
-              <a:noFill/>
-            </a:ln>
-          </p:spPr>
-          <p:style>
-            <a:lnRef idx="2">
-              <a:schemeClr val="accent1">
-                <a:shade val="50000"/>
-              </a:schemeClr>
-            </a:lnRef>
-            <a:fillRef idx="1">
-              <a:schemeClr val="accent1"/>
-            </a:fillRef>
-            <a:effectRef idx="0">
-              <a:schemeClr val="accent1"/>
-            </a:effectRef>
-            <a:fontRef idx="minor">
-              <a:schemeClr val="lt1"/>
-            </a:fontRef>
-          </p:style>
-          <p:txBody>
-            <a:bodyPr rtlCol="0" anchor="ctr"/>
-            <a:lstStyle/>
-            <a:p>
-              <a:pPr algn="ctr"/>
-              <a:endParaRPr lang="pt-BR"/>
-            </a:p>
-          </p:txBody>
-        </p:sp>
-        <p:sp>
-          <p:nvSpPr>
-            <p:cNvPr id="24" name="Arco 23"/>
+            <p:cNvPr id="11" name="Arco 10"/>
             <p:cNvSpPr/>
             <p:nvPr/>
           </p:nvSpPr>
           <p:spPr>
             <a:xfrm rot="17066183">
-              <a:off x="4281915" y="2589645"/>
+              <a:off x="5147909" y="3594107"/>
               <a:ext cx="369968" cy="318644"/>
             </a:xfrm>
             <a:prstGeom prst="arc">
@@ -12474,317 +15800,13 @@
         </p:sp>
         <p:sp>
           <p:nvSpPr>
-            <p:cNvPr id="25" name="Arco 24"/>
+            <p:cNvPr id="12" name="Arco 11"/>
             <p:cNvSpPr/>
             <p:nvPr/>
           </p:nvSpPr>
           <p:spPr>
             <a:xfrm>
-              <a:off x="4893052" y="2576997"/>
-              <a:ext cx="369968" cy="318644"/>
-            </a:xfrm>
-            <a:prstGeom prst="arc">
-              <a:avLst>
-                <a:gd name="adj1" fmla="val 16200000"/>
-                <a:gd name="adj2" fmla="val 20549042"/>
-              </a:avLst>
-            </a:prstGeom>
-          </p:spPr>
-          <p:style>
-            <a:lnRef idx="1">
-              <a:schemeClr val="dk1"/>
-            </a:lnRef>
-            <a:fillRef idx="0">
-              <a:schemeClr val="dk1"/>
-            </a:fillRef>
-            <a:effectRef idx="0">
-              <a:schemeClr val="dk1"/>
-            </a:effectRef>
-            <a:fontRef idx="minor">
-              <a:schemeClr val="tx1"/>
-            </a:fontRef>
-          </p:style>
-          <p:txBody>
-            <a:bodyPr rtlCol="0" anchor="ctr"/>
-            <a:lstStyle/>
-            <a:p>
-              <a:pPr algn="ctr"/>
-              <a:endParaRPr lang="pt-BR"/>
-            </a:p>
-          </p:txBody>
-        </p:sp>
-        <p:sp>
-          <p:nvSpPr>
-            <p:cNvPr id="26" name="Elipse 19"/>
-            <p:cNvSpPr/>
-            <p:nvPr/>
-          </p:nvSpPr>
-          <p:spPr>
-            <a:xfrm>
-              <a:off x="4384110" y="3003595"/>
-              <a:ext cx="357713" cy="252013"/>
-            </a:xfrm>
-            <a:custGeom>
-              <a:avLst/>
-              <a:gdLst>
-                <a:gd name="connsiteX0" fmla="*/ 0 w 716303"/>
-                <a:gd name="connsiteY0" fmla="*/ 360040 h 720080"/>
-                <a:gd name="connsiteX1" fmla="*/ 358152 w 716303"/>
-                <a:gd name="connsiteY1" fmla="*/ 0 h 720080"/>
-                <a:gd name="connsiteX2" fmla="*/ 716304 w 716303"/>
-                <a:gd name="connsiteY2" fmla="*/ 360040 h 720080"/>
-                <a:gd name="connsiteX3" fmla="*/ 358152 w 716303"/>
-                <a:gd name="connsiteY3" fmla="*/ 720080 h 720080"/>
-                <a:gd name="connsiteX4" fmla="*/ 0 w 716303"/>
-                <a:gd name="connsiteY4" fmla="*/ 360040 h 720080"/>
-                <a:gd name="connsiteX0" fmla="*/ 0 w 827817"/>
-                <a:gd name="connsiteY0" fmla="*/ 366194 h 771691"/>
-                <a:gd name="connsiteX1" fmla="*/ 358152 w 827817"/>
-                <a:gd name="connsiteY1" fmla="*/ 6154 h 771691"/>
-                <a:gd name="connsiteX2" fmla="*/ 827817 w 827817"/>
-                <a:gd name="connsiteY2" fmla="*/ 633823 h 771691"/>
-                <a:gd name="connsiteX3" fmla="*/ 358152 w 827817"/>
-                <a:gd name="connsiteY3" fmla="*/ 726234 h 771691"/>
-                <a:gd name="connsiteX4" fmla="*/ 0 w 827817"/>
-                <a:gd name="connsiteY4" fmla="*/ 366194 h 771691"/>
-                <a:gd name="connsiteX0" fmla="*/ 204224 w 1032041"/>
-                <a:gd name="connsiteY0" fmla="*/ 364649 h 749956"/>
-                <a:gd name="connsiteX1" fmla="*/ 562376 w 1032041"/>
-                <a:gd name="connsiteY1" fmla="*/ 4609 h 749956"/>
-                <a:gd name="connsiteX2" fmla="*/ 1032041 w 1032041"/>
-                <a:gd name="connsiteY2" fmla="*/ 632278 h 749956"/>
-                <a:gd name="connsiteX3" fmla="*/ 562376 w 1032041"/>
-                <a:gd name="connsiteY3" fmla="*/ 724689 h 749956"/>
-                <a:gd name="connsiteX4" fmla="*/ 13047 w 1032041"/>
-                <a:gd name="connsiteY4" fmla="*/ 685764 h 749956"/>
-                <a:gd name="connsiteX5" fmla="*/ 204224 w 1032041"/>
-                <a:gd name="connsiteY5" fmla="*/ 364649 h 749956"/>
-                <a:gd name="connsiteX0" fmla="*/ 183452 w 1033572"/>
-                <a:gd name="connsiteY0" fmla="*/ 280968 h 755485"/>
-                <a:gd name="connsiteX1" fmla="*/ 563907 w 1033572"/>
-                <a:gd name="connsiteY1" fmla="*/ 10138 h 755485"/>
-                <a:gd name="connsiteX2" fmla="*/ 1033572 w 1033572"/>
-                <a:gd name="connsiteY2" fmla="*/ 637807 h 755485"/>
-                <a:gd name="connsiteX3" fmla="*/ 563907 w 1033572"/>
-                <a:gd name="connsiteY3" fmla="*/ 730218 h 755485"/>
-                <a:gd name="connsiteX4" fmla="*/ 14578 w 1033572"/>
-                <a:gd name="connsiteY4" fmla="*/ 691293 h 755485"/>
-                <a:gd name="connsiteX5" fmla="*/ 183452 w 1033572"/>
-                <a:gd name="connsiteY5" fmla="*/ 280968 h 755485"/>
-                <a:gd name="connsiteX0" fmla="*/ 183861 w 1033981"/>
-                <a:gd name="connsiteY0" fmla="*/ 238011 h 712528"/>
-                <a:gd name="connsiteX1" fmla="*/ 597770 w 1033981"/>
-                <a:gd name="connsiteY1" fmla="*/ 11786 h 712528"/>
-                <a:gd name="connsiteX2" fmla="*/ 1033981 w 1033981"/>
-                <a:gd name="connsiteY2" fmla="*/ 594850 h 712528"/>
-                <a:gd name="connsiteX3" fmla="*/ 564316 w 1033981"/>
-                <a:gd name="connsiteY3" fmla="*/ 687261 h 712528"/>
-                <a:gd name="connsiteX4" fmla="*/ 14987 w 1033981"/>
-                <a:gd name="connsiteY4" fmla="*/ 648336 h 712528"/>
-                <a:gd name="connsiteX5" fmla="*/ 183861 w 1033981"/>
-                <a:gd name="connsiteY5" fmla="*/ 238011 h 712528"/>
-                <a:gd name="connsiteX0" fmla="*/ 183861 w 1033981"/>
-                <a:gd name="connsiteY0" fmla="*/ 238011 h 688138"/>
-                <a:gd name="connsiteX1" fmla="*/ 597770 w 1033981"/>
-                <a:gd name="connsiteY1" fmla="*/ 11786 h 688138"/>
-                <a:gd name="connsiteX2" fmla="*/ 1033981 w 1033981"/>
-                <a:gd name="connsiteY2" fmla="*/ 594850 h 688138"/>
-                <a:gd name="connsiteX3" fmla="*/ 519711 w 1033981"/>
-                <a:gd name="connsiteY3" fmla="*/ 620353 h 688138"/>
-                <a:gd name="connsiteX4" fmla="*/ 14987 w 1033981"/>
-                <a:gd name="connsiteY4" fmla="*/ 648336 h 688138"/>
-                <a:gd name="connsiteX5" fmla="*/ 183861 w 1033981"/>
-                <a:gd name="connsiteY5" fmla="*/ 238011 h 688138"/>
-              </a:gdLst>
-              <a:ahLst/>
-              <a:cxnLst>
-                <a:cxn ang="0">
-                  <a:pos x="connsiteX0" y="connsiteY0"/>
-                </a:cxn>
-                <a:cxn ang="0">
-                  <a:pos x="connsiteX1" y="connsiteY1"/>
-                </a:cxn>
-                <a:cxn ang="0">
-                  <a:pos x="connsiteX2" y="connsiteY2"/>
-                </a:cxn>
-                <a:cxn ang="0">
-                  <a:pos x="connsiteX3" y="connsiteY3"/>
-                </a:cxn>
-                <a:cxn ang="0">
-                  <a:pos x="connsiteX4" y="connsiteY4"/>
-                </a:cxn>
-                <a:cxn ang="0">
-                  <a:pos x="connsiteX5" y="connsiteY5"/>
-                </a:cxn>
-              </a:cxnLst>
-              <a:rect l="l" t="t" r="r" b="b"/>
-              <a:pathLst>
-                <a:path w="1033981" h="688138">
-                  <a:moveTo>
-                    <a:pt x="183861" y="238011"/>
-                  </a:moveTo>
-                  <a:cubicBezTo>
-                    <a:pt x="280991" y="131919"/>
-                    <a:pt x="456083" y="-47687"/>
-                    <a:pt x="597770" y="11786"/>
-                  </a:cubicBezTo>
-                  <a:cubicBezTo>
-                    <a:pt x="739457" y="71259"/>
-                    <a:pt x="1033981" y="396005"/>
-                    <a:pt x="1033981" y="594850"/>
-                  </a:cubicBezTo>
-                  <a:cubicBezTo>
-                    <a:pt x="1033981" y="793695"/>
-                    <a:pt x="689543" y="611439"/>
-                    <a:pt x="519711" y="620353"/>
-                  </a:cubicBezTo>
-                  <a:cubicBezTo>
-                    <a:pt x="349879" y="629267"/>
-                    <a:pt x="74679" y="708343"/>
-                    <a:pt x="14987" y="648336"/>
-                  </a:cubicBezTo>
-                  <a:cubicBezTo>
-                    <a:pt x="-44705" y="588329"/>
-                    <a:pt x="86731" y="344103"/>
-                    <a:pt x="183861" y="238011"/>
-                  </a:cubicBezTo>
-                  <a:close/>
-                </a:path>
-              </a:pathLst>
-            </a:custGeom>
-            <a:solidFill>
-              <a:srgbClr val="F68B32"/>
-            </a:solidFill>
-            <a:ln w="3175">
-              <a:noFill/>
-            </a:ln>
-          </p:spPr>
-          <p:style>
-            <a:lnRef idx="2">
-              <a:schemeClr val="accent1">
-                <a:shade val="50000"/>
-              </a:schemeClr>
-            </a:lnRef>
-            <a:fillRef idx="1">
-              <a:schemeClr val="accent1"/>
-            </a:fillRef>
-            <a:effectRef idx="0">
-              <a:schemeClr val="accent1"/>
-            </a:effectRef>
-            <a:fontRef idx="minor">
-              <a:schemeClr val="lt1"/>
-            </a:fontRef>
-          </p:style>
-          <p:txBody>
-            <a:bodyPr rtlCol="0" anchor="ctr"/>
-            <a:lstStyle/>
-            <a:p>
-              <a:pPr algn="ctr"/>
-              <a:endParaRPr lang="pt-BR"/>
-            </a:p>
-          </p:txBody>
-        </p:sp>
-        <p:sp>
-          <p:nvSpPr>
-            <p:cNvPr id="27" name="Elipse 26"/>
-            <p:cNvSpPr/>
-            <p:nvPr/>
-          </p:nvSpPr>
-          <p:spPr>
-            <a:xfrm>
-              <a:off x="4466899" y="3129601"/>
-              <a:ext cx="45719" cy="45719"/>
-            </a:xfrm>
-            <a:prstGeom prst="ellipse">
-              <a:avLst/>
-            </a:prstGeom>
-            <a:solidFill>
-              <a:schemeClr val="tx1"/>
-            </a:solidFill>
-            <a:ln>
-              <a:noFill/>
-            </a:ln>
-          </p:spPr>
-          <p:style>
-            <a:lnRef idx="2">
-              <a:schemeClr val="accent1">
-                <a:shade val="50000"/>
-              </a:schemeClr>
-            </a:lnRef>
-            <a:fillRef idx="1">
-              <a:schemeClr val="accent1"/>
-            </a:fillRef>
-            <a:effectRef idx="0">
-              <a:schemeClr val="accent1"/>
-            </a:effectRef>
-            <a:fontRef idx="minor">
-              <a:schemeClr val="lt1"/>
-            </a:fontRef>
-          </p:style>
-          <p:txBody>
-            <a:bodyPr rtlCol="0" anchor="ctr"/>
-            <a:lstStyle/>
-            <a:p>
-              <a:pPr algn="ctr"/>
-              <a:endParaRPr lang="pt-BR"/>
-            </a:p>
-          </p:txBody>
-        </p:sp>
-        <p:sp>
-          <p:nvSpPr>
-            <p:cNvPr id="28" name="Elipse 27"/>
-            <p:cNvSpPr/>
-            <p:nvPr/>
-          </p:nvSpPr>
-          <p:spPr>
-            <a:xfrm>
-              <a:off x="4619299" y="3140968"/>
-              <a:ext cx="45719" cy="45719"/>
-            </a:xfrm>
-            <a:prstGeom prst="ellipse">
-              <a:avLst/>
-            </a:prstGeom>
-            <a:solidFill>
-              <a:schemeClr val="tx1"/>
-            </a:solidFill>
-            <a:ln>
-              <a:noFill/>
-            </a:ln>
-          </p:spPr>
-          <p:style>
-            <a:lnRef idx="2">
-              <a:schemeClr val="accent1">
-                <a:shade val="50000"/>
-              </a:schemeClr>
-            </a:lnRef>
-            <a:fillRef idx="1">
-              <a:schemeClr val="accent1"/>
-            </a:fillRef>
-            <a:effectRef idx="0">
-              <a:schemeClr val="accent1"/>
-            </a:effectRef>
-            <a:fontRef idx="minor">
-              <a:schemeClr val="lt1"/>
-            </a:fontRef>
-          </p:style>
-          <p:txBody>
-            <a:bodyPr rtlCol="0" anchor="ctr"/>
-            <a:lstStyle/>
-            <a:p>
-              <a:pPr algn="ctr"/>
-              <a:endParaRPr lang="pt-BR"/>
-            </a:p>
-          </p:txBody>
-        </p:sp>
-        <p:sp>
-          <p:nvSpPr>
-            <p:cNvPr id="29" name="Arco 28"/>
-            <p:cNvSpPr/>
-            <p:nvPr/>
-          </p:nvSpPr>
-          <p:spPr>
-            <a:xfrm rot="10800000">
-              <a:off x="4994538" y="2989584"/>
+              <a:off x="5759046" y="3581459"/>
               <a:ext cx="369968" cy="318644"/>
             </a:xfrm>
             <a:prstGeom prst="arc">
@@ -12819,84 +15841,100 @@
         </p:sp>
         <p:grpSp>
           <p:nvGrpSpPr>
-            <p:cNvPr id="30" name="Grupo 29"/>
+            <p:cNvPr id="13" name="Grupo 12"/>
             <p:cNvGrpSpPr/>
             <p:nvPr/>
           </p:nvGrpSpPr>
           <p:grpSpPr>
-            <a:xfrm rot="21085961">
-              <a:off x="4494689" y="3225206"/>
-              <a:ext cx="540711" cy="314753"/>
-              <a:chOff x="4494690" y="3256042"/>
-              <a:chExt cx="540711" cy="314753"/>
+            <a:xfrm>
+              <a:off x="5450982" y="3990951"/>
+              <a:ext cx="357713" cy="252013"/>
+              <a:chOff x="5250104" y="4008057"/>
+              <a:chExt cx="357713" cy="252013"/>
             </a:xfrm>
           </p:grpSpPr>
           <p:sp>
             <p:nvSpPr>
-              <p:cNvPr id="33" name="Corda 22"/>
+              <p:cNvPr id="26" name="Elipse 19"/>
               <p:cNvSpPr/>
               <p:nvPr/>
             </p:nvSpPr>
             <p:spPr>
-              <a:xfrm rot="17248760">
-                <a:off x="4607669" y="3143063"/>
-                <a:ext cx="314753" cy="540711"/>
+              <a:xfrm>
+                <a:off x="5250104" y="4008057"/>
+                <a:ext cx="357713" cy="252013"/>
               </a:xfrm>
               <a:custGeom>
                 <a:avLst/>
                 <a:gdLst>
-                  <a:gd name="connsiteX0" fmla="*/ 500059 w 720080"/>
-                  <a:gd name="connsiteY0" fmla="*/ 760720 h 791889"/>
-                  <a:gd name="connsiteX1" fmla="*/ 108395 w 720080"/>
-                  <a:gd name="connsiteY1" fmla="*/ 679118 h 791889"/>
-                  <a:gd name="connsiteX2" fmla="*/ 9235 w 720080"/>
-                  <a:gd name="connsiteY2" fmla="*/ 306841 h 791889"/>
-                  <a:gd name="connsiteX3" fmla="*/ 270624 w 720080"/>
-                  <a:gd name="connsiteY3" fmla="*/ 12404 h 791889"/>
-                  <a:gd name="connsiteX4" fmla="*/ 500059 w 720080"/>
-                  <a:gd name="connsiteY4" fmla="*/ 760720 h 791889"/>
-                  <a:gd name="connsiteX0" fmla="*/ 559767 w 559767"/>
-                  <a:gd name="connsiteY0" fmla="*/ 748316 h 772842"/>
-                  <a:gd name="connsiteX1" fmla="*/ 168103 w 559767"/>
-                  <a:gd name="connsiteY1" fmla="*/ 666714 h 772842"/>
-                  <a:gd name="connsiteX2" fmla="*/ 4912 w 559767"/>
-                  <a:gd name="connsiteY2" fmla="*/ 283128 h 772842"/>
-                  <a:gd name="connsiteX3" fmla="*/ 330332 w 559767"/>
-                  <a:gd name="connsiteY3" fmla="*/ 0 h 772842"/>
-                  <a:gd name="connsiteX4" fmla="*/ 559767 w 559767"/>
-                  <a:gd name="connsiteY4" fmla="*/ 748316 h 772842"/>
-                  <a:gd name="connsiteX0" fmla="*/ 557456 w 557456"/>
-                  <a:gd name="connsiteY0" fmla="*/ 748316 h 765462"/>
-                  <a:gd name="connsiteX1" fmla="*/ 276361 w 557456"/>
-                  <a:gd name="connsiteY1" fmla="*/ 612447 h 765462"/>
-                  <a:gd name="connsiteX2" fmla="*/ 2601 w 557456"/>
-                  <a:gd name="connsiteY2" fmla="*/ 283128 h 765462"/>
-                  <a:gd name="connsiteX3" fmla="*/ 328021 w 557456"/>
-                  <a:gd name="connsiteY3" fmla="*/ 0 h 765462"/>
-                  <a:gd name="connsiteX4" fmla="*/ 557456 w 557456"/>
-                  <a:gd name="connsiteY4" fmla="*/ 748316 h 765462"/>
-                  <a:gd name="connsiteX0" fmla="*/ 558456 w 558456"/>
-                  <a:gd name="connsiteY0" fmla="*/ 748316 h 771841"/>
-                  <a:gd name="connsiteX1" fmla="*/ 212434 w 558456"/>
-                  <a:gd name="connsiteY1" fmla="*/ 661182 h 771841"/>
-                  <a:gd name="connsiteX2" fmla="*/ 3601 w 558456"/>
-                  <a:gd name="connsiteY2" fmla="*/ 283128 h 771841"/>
-                  <a:gd name="connsiteX3" fmla="*/ 329021 w 558456"/>
-                  <a:gd name="connsiteY3" fmla="*/ 0 h 771841"/>
-                  <a:gd name="connsiteX4" fmla="*/ 558456 w 558456"/>
-                  <a:gd name="connsiteY4" fmla="*/ 748316 h 771841"/>
-                  <a:gd name="connsiteX0" fmla="*/ 558456 w 558456"/>
-                  <a:gd name="connsiteY0" fmla="*/ 748316 h 771841"/>
-                  <a:gd name="connsiteX1" fmla="*/ 212434 w 558456"/>
-                  <a:gd name="connsiteY1" fmla="*/ 661182 h 771841"/>
-                  <a:gd name="connsiteX2" fmla="*/ 3601 w 558456"/>
-                  <a:gd name="connsiteY2" fmla="*/ 283128 h 771841"/>
-                  <a:gd name="connsiteX3" fmla="*/ 329021 w 558456"/>
-                  <a:gd name="connsiteY3" fmla="*/ 0 h 771841"/>
-                  <a:gd name="connsiteX4" fmla="*/ 374523 w 558456"/>
-                  <a:gd name="connsiteY4" fmla="*/ 366939 h 771841"/>
-                  <a:gd name="connsiteX5" fmla="*/ 558456 w 558456"/>
-                  <a:gd name="connsiteY5" fmla="*/ 748316 h 771841"/>
+                  <a:gd name="connsiteX0" fmla="*/ 0 w 716303"/>
+                  <a:gd name="connsiteY0" fmla="*/ 360040 h 720080"/>
+                  <a:gd name="connsiteX1" fmla="*/ 358152 w 716303"/>
+                  <a:gd name="connsiteY1" fmla="*/ 0 h 720080"/>
+                  <a:gd name="connsiteX2" fmla="*/ 716304 w 716303"/>
+                  <a:gd name="connsiteY2" fmla="*/ 360040 h 720080"/>
+                  <a:gd name="connsiteX3" fmla="*/ 358152 w 716303"/>
+                  <a:gd name="connsiteY3" fmla="*/ 720080 h 720080"/>
+                  <a:gd name="connsiteX4" fmla="*/ 0 w 716303"/>
+                  <a:gd name="connsiteY4" fmla="*/ 360040 h 720080"/>
+                  <a:gd name="connsiteX0" fmla="*/ 0 w 827817"/>
+                  <a:gd name="connsiteY0" fmla="*/ 366194 h 771691"/>
+                  <a:gd name="connsiteX1" fmla="*/ 358152 w 827817"/>
+                  <a:gd name="connsiteY1" fmla="*/ 6154 h 771691"/>
+                  <a:gd name="connsiteX2" fmla="*/ 827817 w 827817"/>
+                  <a:gd name="connsiteY2" fmla="*/ 633823 h 771691"/>
+                  <a:gd name="connsiteX3" fmla="*/ 358152 w 827817"/>
+                  <a:gd name="connsiteY3" fmla="*/ 726234 h 771691"/>
+                  <a:gd name="connsiteX4" fmla="*/ 0 w 827817"/>
+                  <a:gd name="connsiteY4" fmla="*/ 366194 h 771691"/>
+                  <a:gd name="connsiteX0" fmla="*/ 204224 w 1032041"/>
+                  <a:gd name="connsiteY0" fmla="*/ 364649 h 749956"/>
+                  <a:gd name="connsiteX1" fmla="*/ 562376 w 1032041"/>
+                  <a:gd name="connsiteY1" fmla="*/ 4609 h 749956"/>
+                  <a:gd name="connsiteX2" fmla="*/ 1032041 w 1032041"/>
+                  <a:gd name="connsiteY2" fmla="*/ 632278 h 749956"/>
+                  <a:gd name="connsiteX3" fmla="*/ 562376 w 1032041"/>
+                  <a:gd name="connsiteY3" fmla="*/ 724689 h 749956"/>
+                  <a:gd name="connsiteX4" fmla="*/ 13047 w 1032041"/>
+                  <a:gd name="connsiteY4" fmla="*/ 685764 h 749956"/>
+                  <a:gd name="connsiteX5" fmla="*/ 204224 w 1032041"/>
+                  <a:gd name="connsiteY5" fmla="*/ 364649 h 749956"/>
+                  <a:gd name="connsiteX0" fmla="*/ 183452 w 1033572"/>
+                  <a:gd name="connsiteY0" fmla="*/ 280968 h 755485"/>
+                  <a:gd name="connsiteX1" fmla="*/ 563907 w 1033572"/>
+                  <a:gd name="connsiteY1" fmla="*/ 10138 h 755485"/>
+                  <a:gd name="connsiteX2" fmla="*/ 1033572 w 1033572"/>
+                  <a:gd name="connsiteY2" fmla="*/ 637807 h 755485"/>
+                  <a:gd name="connsiteX3" fmla="*/ 563907 w 1033572"/>
+                  <a:gd name="connsiteY3" fmla="*/ 730218 h 755485"/>
+                  <a:gd name="connsiteX4" fmla="*/ 14578 w 1033572"/>
+                  <a:gd name="connsiteY4" fmla="*/ 691293 h 755485"/>
+                  <a:gd name="connsiteX5" fmla="*/ 183452 w 1033572"/>
+                  <a:gd name="connsiteY5" fmla="*/ 280968 h 755485"/>
+                  <a:gd name="connsiteX0" fmla="*/ 183861 w 1033981"/>
+                  <a:gd name="connsiteY0" fmla="*/ 238011 h 712528"/>
+                  <a:gd name="connsiteX1" fmla="*/ 597770 w 1033981"/>
+                  <a:gd name="connsiteY1" fmla="*/ 11786 h 712528"/>
+                  <a:gd name="connsiteX2" fmla="*/ 1033981 w 1033981"/>
+                  <a:gd name="connsiteY2" fmla="*/ 594850 h 712528"/>
+                  <a:gd name="connsiteX3" fmla="*/ 564316 w 1033981"/>
+                  <a:gd name="connsiteY3" fmla="*/ 687261 h 712528"/>
+                  <a:gd name="connsiteX4" fmla="*/ 14987 w 1033981"/>
+                  <a:gd name="connsiteY4" fmla="*/ 648336 h 712528"/>
+                  <a:gd name="connsiteX5" fmla="*/ 183861 w 1033981"/>
+                  <a:gd name="connsiteY5" fmla="*/ 238011 h 712528"/>
+                  <a:gd name="connsiteX0" fmla="*/ 183861 w 1033981"/>
+                  <a:gd name="connsiteY0" fmla="*/ 238011 h 688138"/>
+                  <a:gd name="connsiteX1" fmla="*/ 597770 w 1033981"/>
+                  <a:gd name="connsiteY1" fmla="*/ 11786 h 688138"/>
+                  <a:gd name="connsiteX2" fmla="*/ 1033981 w 1033981"/>
+                  <a:gd name="connsiteY2" fmla="*/ 594850 h 688138"/>
+                  <a:gd name="connsiteX3" fmla="*/ 519711 w 1033981"/>
+                  <a:gd name="connsiteY3" fmla="*/ 620353 h 688138"/>
+                  <a:gd name="connsiteX4" fmla="*/ 14987 w 1033981"/>
+                  <a:gd name="connsiteY4" fmla="*/ 648336 h 688138"/>
+                  <a:gd name="connsiteX5" fmla="*/ 183861 w 1033981"/>
+                  <a:gd name="connsiteY5" fmla="*/ 238011 h 688138"/>
                 </a:gdLst>
                 <a:ahLst/>
                 <a:cxnLst>
@@ -12921,44 +15959,44 @@
                 </a:cxnLst>
                 <a:rect l="l" t="t" r="r" b="b"/>
                 <a:pathLst>
-                  <a:path w="558456" h="771841">
+                  <a:path w="1033981" h="688138">
                     <a:moveTo>
-                      <a:pt x="558456" y="748316"/>
+                      <a:pt x="183861" y="238011"/>
                     </a:moveTo>
                     <a:cubicBezTo>
-                      <a:pt x="424871" y="810330"/>
-                      <a:pt x="304910" y="738713"/>
-                      <a:pt x="212434" y="661182"/>
+                      <a:pt x="280991" y="131919"/>
+                      <a:pt x="456083" y="-47687"/>
+                      <a:pt x="597770" y="11786"/>
                     </a:cubicBezTo>
                     <a:cubicBezTo>
-                      <a:pt x="119958" y="583651"/>
-                      <a:pt x="-24672" y="417747"/>
-                      <a:pt x="3601" y="283128"/>
+                      <a:pt x="739457" y="71259"/>
+                      <a:pt x="1033981" y="396005"/>
+                      <a:pt x="1033981" y="594850"/>
                     </a:cubicBezTo>
                     <a:cubicBezTo>
-                      <a:pt x="33873" y="138989"/>
-                      <a:pt x="198717" y="36739"/>
-                      <a:pt x="329021" y="0"/>
+                      <a:pt x="1033981" y="793695"/>
+                      <a:pt x="689543" y="611439"/>
+                      <a:pt x="519711" y="620353"/>
                     </a:cubicBezTo>
                     <a:cubicBezTo>
-                      <a:pt x="366345" y="117811"/>
-                      <a:pt x="337199" y="249128"/>
-                      <a:pt x="374523" y="366939"/>
+                      <a:pt x="349879" y="629267"/>
+                      <a:pt x="74679" y="708343"/>
+                      <a:pt x="14987" y="648336"/>
                     </a:cubicBezTo>
-                    <a:lnTo>
-                      <a:pt x="558456" y="748316"/>
-                    </a:lnTo>
+                    <a:cubicBezTo>
+                      <a:pt x="-44705" y="588329"/>
+                      <a:pt x="86731" y="344103"/>
+                      <a:pt x="183861" y="238011"/>
+                    </a:cubicBezTo>
                     <a:close/>
                   </a:path>
                 </a:pathLst>
               </a:custGeom>
               <a:solidFill>
-                <a:schemeClr val="bg1"/>
+                <a:srgbClr val="F68B32"/>
               </a:solidFill>
               <a:ln w="3175">
-                <a:solidFill>
-                  <a:schemeClr val="tx1"/>
-                </a:solidFill>
+                <a:noFill/>
               </a:ln>
             </p:spPr>
             <p:style>
@@ -12988,54 +16026,66 @@
           </p:sp>
           <p:sp>
             <p:nvSpPr>
-              <p:cNvPr id="34" name="Elipse 24"/>
+              <p:cNvPr id="27" name="Elipse 26"/>
               <p:cNvSpPr/>
               <p:nvPr/>
             </p:nvSpPr>
             <p:spPr>
               <a:xfrm>
-                <a:off x="4575975" y="3444013"/>
-                <a:ext cx="345478" cy="123760"/>
+                <a:off x="5332893" y="4134063"/>
+                <a:ext cx="45719" cy="45719"/>
               </a:xfrm>
-              <a:custGeom>
+              <a:prstGeom prst="ellipse">
                 <a:avLst/>
-                <a:gdLst/>
-                <a:ahLst/>
-                <a:cxnLst/>
-                <a:rect l="l" t="t" r="r" b="b"/>
-                <a:pathLst>
-                  <a:path w="345478" h="123760">
-                    <a:moveTo>
-                      <a:pt x="149373" y="0"/>
-                    </a:moveTo>
-                    <a:cubicBezTo>
-                      <a:pt x="223387" y="0"/>
-                      <a:pt x="291604" y="22521"/>
-                      <a:pt x="345478" y="61406"/>
-                    </a:cubicBezTo>
-                    <a:cubicBezTo>
-                      <a:pt x="271411" y="103662"/>
-                      <a:pt x="146967" y="149386"/>
-                      <a:pt x="69721" y="106644"/>
-                    </a:cubicBezTo>
-                    <a:cubicBezTo>
-                      <a:pt x="39980" y="90187"/>
-                      <a:pt x="16264" y="65229"/>
-                      <a:pt x="0" y="34560"/>
-                    </a:cubicBezTo>
-                    <a:cubicBezTo>
-                      <a:pt x="44252" y="12037"/>
-                      <a:pt x="95264" y="0"/>
-                      <a:pt x="149373" y="0"/>
-                    </a:cubicBezTo>
-                    <a:close/>
-                  </a:path>
-                </a:pathLst>
-              </a:custGeom>
+              </a:prstGeom>
               <a:solidFill>
-                <a:srgbClr val="FF0000">
-                  <a:alpha val="47059"/>
-                </a:srgbClr>
+                <a:schemeClr val="tx1"/>
+              </a:solidFill>
+              <a:ln>
+                <a:noFill/>
+              </a:ln>
+            </p:spPr>
+            <p:style>
+              <a:lnRef idx="2">
+                <a:schemeClr val="accent1">
+                  <a:shade val="50000"/>
+                </a:schemeClr>
+              </a:lnRef>
+              <a:fillRef idx="1">
+                <a:schemeClr val="accent1"/>
+              </a:fillRef>
+              <a:effectRef idx="0">
+                <a:schemeClr val="accent1"/>
+              </a:effectRef>
+              <a:fontRef idx="minor">
+                <a:schemeClr val="lt1"/>
+              </a:fontRef>
+            </p:style>
+            <p:txBody>
+              <a:bodyPr rtlCol="0" anchor="ctr"/>
+              <a:lstStyle/>
+              <a:p>
+                <a:pPr algn="ctr"/>
+                <a:endParaRPr lang="pt-BR"/>
+              </a:p>
+            </p:txBody>
+          </p:sp>
+          <p:sp>
+            <p:nvSpPr>
+              <p:cNvPr id="28" name="Elipse 27"/>
+              <p:cNvSpPr/>
+              <p:nvPr/>
+            </p:nvSpPr>
+            <p:spPr>
+              <a:xfrm>
+                <a:off x="5485293" y="4145430"/>
+                <a:ext cx="45719" cy="45719"/>
+              </a:xfrm>
+              <a:prstGeom prst="ellipse">
+                <a:avLst/>
+              </a:prstGeom>
+              <a:solidFill>
+                <a:schemeClr val="tx1"/>
               </a:solidFill>
               <a:ln>
                 <a:noFill/>
@@ -13069,13 +16119,13 @@
         </p:grpSp>
         <p:sp>
           <p:nvSpPr>
-            <p:cNvPr id="31" name="Elipse 30"/>
+            <p:cNvPr id="14" name="Elipse 13"/>
             <p:cNvSpPr/>
             <p:nvPr/>
           </p:nvSpPr>
           <p:spPr>
-            <a:xfrm rot="21249917">
-              <a:off x="5368186" y="2576997"/>
+            <a:xfrm rot="19487469">
+              <a:off x="6196315" y="3409671"/>
               <a:ext cx="355942" cy="90527"/>
             </a:xfrm>
             <a:prstGeom prst="ellipse">
@@ -13117,13 +16167,13 @@
         </p:sp>
         <p:sp>
           <p:nvSpPr>
-            <p:cNvPr id="32" name="Elipse 31"/>
+            <p:cNvPr id="15" name="Elipse 14"/>
             <p:cNvSpPr/>
             <p:nvPr/>
           </p:nvSpPr>
           <p:spPr>
             <a:xfrm rot="3218186">
-              <a:off x="4088519" y="2279553"/>
+              <a:off x="4954513" y="3284015"/>
               <a:ext cx="355942" cy="90527"/>
             </a:xfrm>
             <a:prstGeom prst="ellipse">
@@ -13163,75 +16213,540 @@
             </a:p>
           </p:txBody>
         </p:sp>
+        <p:sp>
+          <p:nvSpPr>
+            <p:cNvPr id="16" name="Elipse 15"/>
+            <p:cNvSpPr/>
+            <p:nvPr/>
+          </p:nvSpPr>
+          <p:spPr>
+            <a:xfrm>
+              <a:off x="5818222" y="3840273"/>
+              <a:ext cx="145075" cy="158062"/>
+            </a:xfrm>
+            <a:prstGeom prst="ellipse">
+              <a:avLst/>
+            </a:prstGeom>
+            <a:solidFill>
+              <a:schemeClr val="tx1"/>
+            </a:solidFill>
+            <a:ln>
+              <a:noFill/>
+            </a:ln>
+          </p:spPr>
+          <p:style>
+            <a:lnRef idx="2">
+              <a:schemeClr val="accent1">
+                <a:shade val="50000"/>
+              </a:schemeClr>
+            </a:lnRef>
+            <a:fillRef idx="1">
+              <a:schemeClr val="accent1"/>
+            </a:fillRef>
+            <a:effectRef idx="0">
+              <a:schemeClr val="accent1"/>
+            </a:effectRef>
+            <a:fontRef idx="minor">
+              <a:schemeClr val="lt1"/>
+            </a:fontRef>
+          </p:style>
+          <p:txBody>
+            <a:bodyPr rtlCol="0" anchor="ctr"/>
+            <a:lstStyle/>
+            <a:p>
+              <a:pPr algn="ctr"/>
+              <a:endParaRPr lang="pt-BR"/>
+            </a:p>
+          </p:txBody>
+        </p:sp>
+        <p:sp>
+          <p:nvSpPr>
+            <p:cNvPr id="17" name="Elipse 16"/>
+            <p:cNvSpPr/>
+            <p:nvPr/>
+          </p:nvSpPr>
+          <p:spPr>
+            <a:xfrm rot="21249917">
+              <a:off x="5899189" y="4137833"/>
+              <a:ext cx="219842" cy="207608"/>
+            </a:xfrm>
+            <a:prstGeom prst="ellipse">
+              <a:avLst/>
+            </a:prstGeom>
+            <a:solidFill>
+              <a:srgbClr val="F68B32">
+                <a:alpha val="5882"/>
+              </a:srgbClr>
+            </a:solidFill>
+            <a:ln>
+              <a:noFill/>
+            </a:ln>
+            <a:effectLst>
+              <a:softEdge rad="12700"/>
+            </a:effectLst>
+          </p:spPr>
+          <p:style>
+            <a:lnRef idx="2">
+              <a:schemeClr val="accent1">
+                <a:shade val="50000"/>
+              </a:schemeClr>
+            </a:lnRef>
+            <a:fillRef idx="1">
+              <a:schemeClr val="accent1"/>
+            </a:fillRef>
+            <a:effectRef idx="0">
+              <a:schemeClr val="accent1"/>
+            </a:effectRef>
+            <a:fontRef idx="minor">
+              <a:schemeClr val="lt1"/>
+            </a:fontRef>
+          </p:style>
+          <p:txBody>
+            <a:bodyPr rtlCol="0" anchor="ctr"/>
+            <a:lstStyle/>
+            <a:p>
+              <a:pPr algn="ctr"/>
+              <a:endParaRPr lang="pt-BR"/>
+            </a:p>
+          </p:txBody>
+        </p:sp>
+        <p:grpSp>
+          <p:nvGrpSpPr>
+            <p:cNvPr id="18" name="Grupo 17"/>
+            <p:cNvGrpSpPr/>
+            <p:nvPr/>
+          </p:nvGrpSpPr>
+          <p:grpSpPr>
+            <a:xfrm>
+              <a:off x="5159682" y="3945306"/>
+              <a:ext cx="1052978" cy="592661"/>
+              <a:chOff x="5177522" y="3965056"/>
+              <a:chExt cx="1052978" cy="592661"/>
+            </a:xfrm>
+          </p:grpSpPr>
+          <p:sp>
+            <p:nvSpPr>
+              <p:cNvPr id="19" name="Arco 18"/>
+              <p:cNvSpPr/>
+              <p:nvPr/>
+            </p:nvSpPr>
+            <p:spPr>
+              <a:xfrm rot="7975701">
+                <a:off x="5151860" y="3990718"/>
+                <a:ext cx="369968" cy="318644"/>
+              </a:xfrm>
+              <a:prstGeom prst="arc">
+                <a:avLst>
+                  <a:gd name="adj1" fmla="val 16200000"/>
+                  <a:gd name="adj2" fmla="val 20549042"/>
+                </a:avLst>
+              </a:prstGeom>
+            </p:spPr>
+            <p:style>
+              <a:lnRef idx="1">
+                <a:schemeClr val="dk1"/>
+              </a:lnRef>
+              <a:fillRef idx="0">
+                <a:schemeClr val="dk1"/>
+              </a:fillRef>
+              <a:effectRef idx="0">
+                <a:schemeClr val="dk1"/>
+              </a:effectRef>
+              <a:fontRef idx="minor">
+                <a:schemeClr val="tx1"/>
+              </a:fontRef>
+            </p:style>
+            <p:txBody>
+              <a:bodyPr rtlCol="0" anchor="ctr"/>
+              <a:lstStyle/>
+              <a:p>
+                <a:pPr algn="ctr"/>
+                <a:endParaRPr lang="pt-BR"/>
+              </a:p>
+            </p:txBody>
+          </p:sp>
+          <p:grpSp>
+            <p:nvGrpSpPr>
+              <p:cNvPr id="20" name="Grupo 19"/>
+              <p:cNvGrpSpPr/>
+              <p:nvPr/>
+            </p:nvGrpSpPr>
+            <p:grpSpPr>
+              <a:xfrm>
+                <a:off x="5199136" y="4037433"/>
+                <a:ext cx="1031364" cy="520284"/>
+                <a:chOff x="5199136" y="4037433"/>
+                <a:chExt cx="1031364" cy="520284"/>
+              </a:xfrm>
+            </p:grpSpPr>
+            <p:sp>
+              <p:nvSpPr>
+                <p:cNvPr id="21" name="Arco 20"/>
+                <p:cNvSpPr/>
+                <p:nvPr/>
+              </p:nvSpPr>
+              <p:spPr>
+                <a:xfrm rot="10800000">
+                  <a:off x="5860532" y="4037433"/>
+                  <a:ext cx="369968" cy="318644"/>
+                </a:xfrm>
+                <a:prstGeom prst="arc">
+                  <a:avLst>
+                    <a:gd name="adj1" fmla="val 16200000"/>
+                    <a:gd name="adj2" fmla="val 20549042"/>
+                  </a:avLst>
+                </a:prstGeom>
+              </p:spPr>
+              <p:style>
+                <a:lnRef idx="1">
+                  <a:schemeClr val="dk1"/>
+                </a:lnRef>
+                <a:fillRef idx="0">
+                  <a:schemeClr val="dk1"/>
+                </a:fillRef>
+                <a:effectRef idx="0">
+                  <a:schemeClr val="dk1"/>
+                </a:effectRef>
+                <a:fontRef idx="minor">
+                  <a:schemeClr val="tx1"/>
+                </a:fontRef>
+              </p:style>
+              <p:txBody>
+                <a:bodyPr rtlCol="0" anchor="ctr"/>
+                <a:lstStyle/>
+                <a:p>
+                  <a:pPr algn="ctr"/>
+                  <a:endParaRPr lang="pt-BR"/>
+                </a:p>
+              </p:txBody>
+            </p:sp>
+            <p:grpSp>
+              <p:nvGrpSpPr>
+                <p:cNvPr id="22" name="Grupo 21"/>
+                <p:cNvGrpSpPr/>
+                <p:nvPr/>
+              </p:nvGrpSpPr>
+              <p:grpSpPr>
+                <a:xfrm>
+                  <a:off x="5383498" y="4242964"/>
+                  <a:ext cx="540711" cy="314753"/>
+                  <a:chOff x="4494690" y="3256042"/>
+                  <a:chExt cx="540711" cy="314753"/>
+                </a:xfrm>
+              </p:grpSpPr>
+              <p:sp>
+                <p:nvSpPr>
+                  <p:cNvPr id="24" name="Corda 22"/>
+                  <p:cNvSpPr/>
+                  <p:nvPr/>
+                </p:nvSpPr>
+                <p:spPr>
+                  <a:xfrm rot="17248760">
+                    <a:off x="4607669" y="3143063"/>
+                    <a:ext cx="314753" cy="540711"/>
+                  </a:xfrm>
+                  <a:custGeom>
+                    <a:avLst/>
+                    <a:gdLst>
+                      <a:gd name="connsiteX0" fmla="*/ 500059 w 720080"/>
+                      <a:gd name="connsiteY0" fmla="*/ 760720 h 791889"/>
+                      <a:gd name="connsiteX1" fmla="*/ 108395 w 720080"/>
+                      <a:gd name="connsiteY1" fmla="*/ 679118 h 791889"/>
+                      <a:gd name="connsiteX2" fmla="*/ 9235 w 720080"/>
+                      <a:gd name="connsiteY2" fmla="*/ 306841 h 791889"/>
+                      <a:gd name="connsiteX3" fmla="*/ 270624 w 720080"/>
+                      <a:gd name="connsiteY3" fmla="*/ 12404 h 791889"/>
+                      <a:gd name="connsiteX4" fmla="*/ 500059 w 720080"/>
+                      <a:gd name="connsiteY4" fmla="*/ 760720 h 791889"/>
+                      <a:gd name="connsiteX0" fmla="*/ 559767 w 559767"/>
+                      <a:gd name="connsiteY0" fmla="*/ 748316 h 772842"/>
+                      <a:gd name="connsiteX1" fmla="*/ 168103 w 559767"/>
+                      <a:gd name="connsiteY1" fmla="*/ 666714 h 772842"/>
+                      <a:gd name="connsiteX2" fmla="*/ 4912 w 559767"/>
+                      <a:gd name="connsiteY2" fmla="*/ 283128 h 772842"/>
+                      <a:gd name="connsiteX3" fmla="*/ 330332 w 559767"/>
+                      <a:gd name="connsiteY3" fmla="*/ 0 h 772842"/>
+                      <a:gd name="connsiteX4" fmla="*/ 559767 w 559767"/>
+                      <a:gd name="connsiteY4" fmla="*/ 748316 h 772842"/>
+                      <a:gd name="connsiteX0" fmla="*/ 557456 w 557456"/>
+                      <a:gd name="connsiteY0" fmla="*/ 748316 h 765462"/>
+                      <a:gd name="connsiteX1" fmla="*/ 276361 w 557456"/>
+                      <a:gd name="connsiteY1" fmla="*/ 612447 h 765462"/>
+                      <a:gd name="connsiteX2" fmla="*/ 2601 w 557456"/>
+                      <a:gd name="connsiteY2" fmla="*/ 283128 h 765462"/>
+                      <a:gd name="connsiteX3" fmla="*/ 328021 w 557456"/>
+                      <a:gd name="connsiteY3" fmla="*/ 0 h 765462"/>
+                      <a:gd name="connsiteX4" fmla="*/ 557456 w 557456"/>
+                      <a:gd name="connsiteY4" fmla="*/ 748316 h 765462"/>
+                      <a:gd name="connsiteX0" fmla="*/ 558456 w 558456"/>
+                      <a:gd name="connsiteY0" fmla="*/ 748316 h 771841"/>
+                      <a:gd name="connsiteX1" fmla="*/ 212434 w 558456"/>
+                      <a:gd name="connsiteY1" fmla="*/ 661182 h 771841"/>
+                      <a:gd name="connsiteX2" fmla="*/ 3601 w 558456"/>
+                      <a:gd name="connsiteY2" fmla="*/ 283128 h 771841"/>
+                      <a:gd name="connsiteX3" fmla="*/ 329021 w 558456"/>
+                      <a:gd name="connsiteY3" fmla="*/ 0 h 771841"/>
+                      <a:gd name="connsiteX4" fmla="*/ 558456 w 558456"/>
+                      <a:gd name="connsiteY4" fmla="*/ 748316 h 771841"/>
+                      <a:gd name="connsiteX0" fmla="*/ 558456 w 558456"/>
+                      <a:gd name="connsiteY0" fmla="*/ 748316 h 771841"/>
+                      <a:gd name="connsiteX1" fmla="*/ 212434 w 558456"/>
+                      <a:gd name="connsiteY1" fmla="*/ 661182 h 771841"/>
+                      <a:gd name="connsiteX2" fmla="*/ 3601 w 558456"/>
+                      <a:gd name="connsiteY2" fmla="*/ 283128 h 771841"/>
+                      <a:gd name="connsiteX3" fmla="*/ 329021 w 558456"/>
+                      <a:gd name="connsiteY3" fmla="*/ 0 h 771841"/>
+                      <a:gd name="connsiteX4" fmla="*/ 374523 w 558456"/>
+                      <a:gd name="connsiteY4" fmla="*/ 366939 h 771841"/>
+                      <a:gd name="connsiteX5" fmla="*/ 558456 w 558456"/>
+                      <a:gd name="connsiteY5" fmla="*/ 748316 h 771841"/>
+                    </a:gdLst>
+                    <a:ahLst/>
+                    <a:cxnLst>
+                      <a:cxn ang="0">
+                        <a:pos x="connsiteX0" y="connsiteY0"/>
+                      </a:cxn>
+                      <a:cxn ang="0">
+                        <a:pos x="connsiteX1" y="connsiteY1"/>
+                      </a:cxn>
+                      <a:cxn ang="0">
+                        <a:pos x="connsiteX2" y="connsiteY2"/>
+                      </a:cxn>
+                      <a:cxn ang="0">
+                        <a:pos x="connsiteX3" y="connsiteY3"/>
+                      </a:cxn>
+                      <a:cxn ang="0">
+                        <a:pos x="connsiteX4" y="connsiteY4"/>
+                      </a:cxn>
+                      <a:cxn ang="0">
+                        <a:pos x="connsiteX5" y="connsiteY5"/>
+                      </a:cxn>
+                    </a:cxnLst>
+                    <a:rect l="l" t="t" r="r" b="b"/>
+                    <a:pathLst>
+                      <a:path w="558456" h="771841">
+                        <a:moveTo>
+                          <a:pt x="558456" y="748316"/>
+                        </a:moveTo>
+                        <a:cubicBezTo>
+                          <a:pt x="424871" y="810330"/>
+                          <a:pt x="304910" y="738713"/>
+                          <a:pt x="212434" y="661182"/>
+                        </a:cubicBezTo>
+                        <a:cubicBezTo>
+                          <a:pt x="119958" y="583651"/>
+                          <a:pt x="-24672" y="417747"/>
+                          <a:pt x="3601" y="283128"/>
+                        </a:cubicBezTo>
+                        <a:cubicBezTo>
+                          <a:pt x="33873" y="138989"/>
+                          <a:pt x="198717" y="36739"/>
+                          <a:pt x="329021" y="0"/>
+                        </a:cubicBezTo>
+                        <a:cubicBezTo>
+                          <a:pt x="366345" y="117811"/>
+                          <a:pt x="337199" y="249128"/>
+                          <a:pt x="374523" y="366939"/>
+                        </a:cubicBezTo>
+                        <a:lnTo>
+                          <a:pt x="558456" y="748316"/>
+                        </a:lnTo>
+                        <a:close/>
+                      </a:path>
+                    </a:pathLst>
+                  </a:custGeom>
+                  <a:solidFill>
+                    <a:schemeClr val="bg1"/>
+                  </a:solidFill>
+                  <a:ln w="3175">
+                    <a:solidFill>
+                      <a:schemeClr val="tx1"/>
+                    </a:solidFill>
+                  </a:ln>
+                </p:spPr>
+                <p:style>
+                  <a:lnRef idx="2">
+                    <a:schemeClr val="accent1">
+                      <a:shade val="50000"/>
+                    </a:schemeClr>
+                  </a:lnRef>
+                  <a:fillRef idx="1">
+                    <a:schemeClr val="accent1"/>
+                  </a:fillRef>
+                  <a:effectRef idx="0">
+                    <a:schemeClr val="accent1"/>
+                  </a:effectRef>
+                  <a:fontRef idx="minor">
+                    <a:schemeClr val="lt1"/>
+                  </a:fontRef>
+                </p:style>
+                <p:txBody>
+                  <a:bodyPr rtlCol="0" anchor="ctr"/>
+                  <a:lstStyle/>
+                  <a:p>
+                    <a:pPr algn="ctr"/>
+                    <a:endParaRPr lang="pt-BR"/>
+                  </a:p>
+                </p:txBody>
+              </p:sp>
+              <p:sp>
+                <p:nvSpPr>
+                  <p:cNvPr id="25" name="Elipse 24"/>
+                  <p:cNvSpPr/>
+                  <p:nvPr/>
+                </p:nvSpPr>
+                <p:spPr>
+                  <a:xfrm>
+                    <a:off x="4575975" y="3444013"/>
+                    <a:ext cx="345478" cy="123760"/>
+                  </a:xfrm>
+                  <a:custGeom>
+                    <a:avLst/>
+                    <a:gdLst/>
+                    <a:ahLst/>
+                    <a:cxnLst/>
+                    <a:rect l="l" t="t" r="r" b="b"/>
+                    <a:pathLst>
+                      <a:path w="345478" h="123760">
+                        <a:moveTo>
+                          <a:pt x="149373" y="0"/>
+                        </a:moveTo>
+                        <a:cubicBezTo>
+                          <a:pt x="223387" y="0"/>
+                          <a:pt x="291604" y="22521"/>
+                          <a:pt x="345478" y="61406"/>
+                        </a:cubicBezTo>
+                        <a:cubicBezTo>
+                          <a:pt x="271411" y="103662"/>
+                          <a:pt x="146967" y="149386"/>
+                          <a:pt x="69721" y="106644"/>
+                        </a:cubicBezTo>
+                        <a:cubicBezTo>
+                          <a:pt x="39980" y="90187"/>
+                          <a:pt x="16264" y="65229"/>
+                          <a:pt x="0" y="34560"/>
+                        </a:cubicBezTo>
+                        <a:cubicBezTo>
+                          <a:pt x="44252" y="12037"/>
+                          <a:pt x="95264" y="0"/>
+                          <a:pt x="149373" y="0"/>
+                        </a:cubicBezTo>
+                        <a:close/>
+                      </a:path>
+                    </a:pathLst>
+                  </a:custGeom>
+                  <a:solidFill>
+                    <a:srgbClr val="FF0000">
+                      <a:alpha val="47059"/>
+                    </a:srgbClr>
+                  </a:solidFill>
+                  <a:ln>
+                    <a:noFill/>
+                  </a:ln>
+                </p:spPr>
+                <p:style>
+                  <a:lnRef idx="2">
+                    <a:schemeClr val="accent1">
+                      <a:shade val="50000"/>
+                    </a:schemeClr>
+                  </a:lnRef>
+                  <a:fillRef idx="1">
+                    <a:schemeClr val="accent1"/>
+                  </a:fillRef>
+                  <a:effectRef idx="0">
+                    <a:schemeClr val="accent1"/>
+                  </a:effectRef>
+                  <a:fontRef idx="minor">
+                    <a:schemeClr val="lt1"/>
+                  </a:fontRef>
+                </p:style>
+                <p:txBody>
+                  <a:bodyPr rtlCol="0" anchor="ctr"/>
+                  <a:lstStyle/>
+                  <a:p>
+                    <a:pPr algn="ctr"/>
+                    <a:endParaRPr lang="pt-BR"/>
+                  </a:p>
+                </p:txBody>
+              </p:sp>
+            </p:grpSp>
+            <p:sp>
+              <p:nvSpPr>
+                <p:cNvPr id="23" name="Elipse 22"/>
+                <p:cNvSpPr/>
+                <p:nvPr/>
+              </p:nvSpPr>
+              <p:spPr>
+                <a:xfrm rot="21249917">
+                  <a:off x="5199136" y="4127593"/>
+                  <a:ext cx="219842" cy="207608"/>
+                </a:xfrm>
+                <a:prstGeom prst="ellipse">
+                  <a:avLst/>
+                </a:prstGeom>
+                <a:solidFill>
+                  <a:srgbClr val="F68B32">
+                    <a:alpha val="5882"/>
+                  </a:srgbClr>
+                </a:solidFill>
+                <a:ln>
+                  <a:noFill/>
+                </a:ln>
+                <a:effectLst>
+                  <a:softEdge rad="12700"/>
+                </a:effectLst>
+              </p:spPr>
+              <p:style>
+                <a:lnRef idx="2">
+                  <a:schemeClr val="accent1">
+                    <a:shade val="50000"/>
+                  </a:schemeClr>
+                </a:lnRef>
+                <a:fillRef idx="1">
+                  <a:schemeClr val="accent1"/>
+                </a:fillRef>
+                <a:effectRef idx="0">
+                  <a:schemeClr val="accent1"/>
+                </a:effectRef>
+                <a:fontRef idx="minor">
+                  <a:schemeClr val="lt1"/>
+                </a:fontRef>
+              </p:style>
+              <p:txBody>
+                <a:bodyPr rtlCol="0" anchor="ctr"/>
+                <a:lstStyle/>
+                <a:p>
+                  <a:pPr algn="ctr"/>
+                  <a:endParaRPr lang="pt-BR"/>
+                </a:p>
+              </p:txBody>
+            </p:sp>
+          </p:grpSp>
+        </p:grpSp>
       </p:grpSp>
       <p:sp>
         <p:nvSpPr>
-          <p:cNvPr id="35" name="Retângulo de cantos arredondados 96"/>
+          <p:cNvPr id="64" name="Retângulo de cantos arredondados 63"/>
           <p:cNvSpPr/>
           <p:nvPr/>
         </p:nvSpPr>
         <p:spPr>
           <a:xfrm>
-            <a:off x="3439773" y="4386464"/>
-            <a:ext cx="347980" cy="508191"/>
+            <a:off x="5352964" y="2636912"/>
+            <a:ext cx="790158" cy="442368"/>
           </a:xfrm>
-          <a:custGeom>
+          <a:prstGeom prst="roundRect">
             <a:avLst/>
-            <a:gdLst/>
-            <a:ahLst/>
-            <a:cxnLst/>
-            <a:rect l="l" t="t" r="r" b="b"/>
-            <a:pathLst>
-              <a:path w="347980" h="508191">
-                <a:moveTo>
-                  <a:pt x="54360" y="0"/>
-                </a:moveTo>
-                <a:lnTo>
-                  <a:pt x="289254" y="0"/>
-                </a:lnTo>
-                <a:cubicBezTo>
-                  <a:pt x="321687" y="0"/>
-                  <a:pt x="347980" y="26293"/>
-                  <a:pt x="347980" y="58726"/>
-                </a:cubicBezTo>
-                <a:lnTo>
-                  <a:pt x="347980" y="449465"/>
-                </a:lnTo>
-                <a:cubicBezTo>
-                  <a:pt x="347980" y="481898"/>
-                  <a:pt x="321687" y="508191"/>
-                  <a:pt x="289254" y="508191"/>
-                </a:cubicBezTo>
-                <a:lnTo>
-                  <a:pt x="156923" y="508191"/>
-                </a:lnTo>
-                <a:cubicBezTo>
-                  <a:pt x="97925" y="429745"/>
-                  <a:pt x="60538" y="338729"/>
-                  <a:pt x="31959" y="245265"/>
-                </a:cubicBezTo>
-                <a:cubicBezTo>
-                  <a:pt x="11728" y="179101"/>
-                  <a:pt x="940" y="110203"/>
-                  <a:pt x="0" y="37101"/>
-                </a:cubicBezTo>
-                <a:cubicBezTo>
-                  <a:pt x="8413" y="15328"/>
-                  <a:pt x="29597" y="0"/>
-                  <a:pt x="54360" y="0"/>
-                </a:cubicBezTo>
-                <a:close/>
-              </a:path>
-            </a:pathLst>
-          </a:custGeom>
+          </a:prstGeom>
           <a:solidFill>
-            <a:srgbClr val="00B050"/>
+            <a:schemeClr val="tx2">
+              <a:lumMod val="60000"/>
+              <a:lumOff val="40000"/>
+            </a:schemeClr>
           </a:solidFill>
-          <a:ln>
-            <a:noFill/>
-          </a:ln>
+          <a:ln w="3175"/>
           <a:effectLst>
-            <a:outerShdw blurRad="50800" dist="38100" dir="2700000" algn="tl" rotWithShape="0">
+            <a:outerShdw blurRad="50800" dist="38100" dir="8100000" sx="96000" sy="96000" algn="tr" rotWithShape="0">
               <a:prstClr val="black">
                 <a:alpha val="40000"/>
               </a:prstClr>
@@ -13263,498 +16778,10 @@
           </a:p>
         </p:txBody>
       </p:sp>
-      <p:sp>
-        <p:nvSpPr>
-          <p:cNvPr id="36" name="Retângulo 35"/>
-          <p:cNvSpPr/>
-          <p:nvPr/>
-        </p:nvSpPr>
-        <p:spPr>
-          <a:xfrm>
-            <a:off x="3435406" y="4386464"/>
-            <a:ext cx="352347" cy="76143"/>
-          </a:xfrm>
-          <a:prstGeom prst="rect">
-            <a:avLst/>
-          </a:prstGeom>
-          <a:noFill/>
-          <a:ln w="3175">
-            <a:solidFill>
-              <a:schemeClr val="accent3">
-                <a:lumMod val="50000"/>
-              </a:schemeClr>
-            </a:solidFill>
-          </a:ln>
-        </p:spPr>
-        <p:style>
-          <a:lnRef idx="2">
-            <a:schemeClr val="accent1">
-              <a:shade val="50000"/>
-            </a:schemeClr>
-          </a:lnRef>
-          <a:fillRef idx="1">
-            <a:schemeClr val="accent1"/>
-          </a:fillRef>
-          <a:effectRef idx="0">
-            <a:schemeClr val="accent1"/>
-          </a:effectRef>
-          <a:fontRef idx="minor">
-            <a:schemeClr val="lt1"/>
-          </a:fontRef>
-        </p:style>
-        <p:txBody>
-          <a:bodyPr rtlCol="0" anchor="ctr"/>
-          <a:lstStyle/>
-          <a:p>
-            <a:pPr algn="ctr"/>
-            <a:endParaRPr lang="pt-BR"/>
-          </a:p>
-        </p:txBody>
-      </p:sp>
-      <p:sp>
-        <p:nvSpPr>
-          <p:cNvPr id="37" name="Retângulo 103"/>
-          <p:cNvSpPr/>
-          <p:nvPr/>
-        </p:nvSpPr>
-        <p:spPr>
-          <a:xfrm>
-            <a:off x="4141112" y="4274925"/>
-            <a:ext cx="45719" cy="955258"/>
-          </a:xfrm>
-          <a:custGeom>
-            <a:avLst/>
-            <a:gdLst/>
-            <a:ahLst/>
-            <a:cxnLst/>
-            <a:rect l="l" t="t" r="r" b="b"/>
-            <a:pathLst>
-              <a:path w="45719" h="907583">
-                <a:moveTo>
-                  <a:pt x="0" y="0"/>
-                </a:moveTo>
-                <a:lnTo>
-                  <a:pt x="45719" y="0"/>
-                </a:lnTo>
-                <a:lnTo>
-                  <a:pt x="45719" y="907583"/>
-                </a:lnTo>
-                <a:lnTo>
-                  <a:pt x="0" y="897977"/>
-                </a:lnTo>
-                <a:close/>
-              </a:path>
-            </a:pathLst>
-          </a:custGeom>
-          <a:solidFill>
-            <a:srgbClr val="4F6228"/>
-          </a:solidFill>
-          <a:ln>
-            <a:noFill/>
-          </a:ln>
-          <a:effectLst>
-            <a:softEdge rad="12700"/>
-          </a:effectLst>
-        </p:spPr>
-        <p:style>
-          <a:lnRef idx="2">
-            <a:schemeClr val="accent1">
-              <a:shade val="50000"/>
-            </a:schemeClr>
-          </a:lnRef>
-          <a:fillRef idx="1">
-            <a:schemeClr val="accent1"/>
-          </a:fillRef>
-          <a:effectRef idx="0">
-            <a:schemeClr val="accent1"/>
-          </a:effectRef>
-          <a:fontRef idx="minor">
-            <a:schemeClr val="lt1"/>
-          </a:fontRef>
-        </p:style>
-        <p:txBody>
-          <a:bodyPr rtlCol="0" anchor="ctr"/>
-          <a:lstStyle/>
-          <a:p>
-            <a:pPr algn="ctr"/>
-            <a:endParaRPr lang="pt-BR"/>
-          </a:p>
-        </p:txBody>
-      </p:sp>
-      <p:sp>
-        <p:nvSpPr>
-          <p:cNvPr id="38" name="Elipse 108"/>
-          <p:cNvSpPr/>
-          <p:nvPr/>
-        </p:nvSpPr>
-        <p:spPr>
-          <a:xfrm>
-            <a:off x="3949810" y="3598511"/>
-            <a:ext cx="503152" cy="468249"/>
-          </a:xfrm>
-          <a:custGeom>
-            <a:avLst/>
-            <a:gdLst/>
-            <a:ahLst/>
-            <a:cxnLst/>
-            <a:rect l="l" t="t" r="r" b="b"/>
-            <a:pathLst>
-              <a:path w="503152" h="468249">
-                <a:moveTo>
-                  <a:pt x="463098" y="0"/>
-                </a:moveTo>
-                <a:cubicBezTo>
-                  <a:pt x="488963" y="45486"/>
-                  <a:pt x="503152" y="99058"/>
-                  <a:pt x="503152" y="156221"/>
-                </a:cubicBezTo>
-                <a:cubicBezTo>
-                  <a:pt x="503152" y="328549"/>
-                  <a:pt x="374196" y="468249"/>
-                  <a:pt x="215120" y="468249"/>
-                </a:cubicBezTo>
-                <a:cubicBezTo>
-                  <a:pt x="129078" y="468249"/>
-                  <a:pt x="51848" y="427379"/>
-                  <a:pt x="0" y="361823"/>
-                </a:cubicBezTo>
-                <a:close/>
-              </a:path>
-            </a:pathLst>
-          </a:custGeom>
-          <a:solidFill>
-            <a:srgbClr val="F397C5"/>
-          </a:solidFill>
-          <a:ln>
-            <a:solidFill>
-              <a:srgbClr val="F9CBE2"/>
-            </a:solidFill>
-          </a:ln>
-        </p:spPr>
-        <p:style>
-          <a:lnRef idx="2">
-            <a:schemeClr val="accent1">
-              <a:shade val="50000"/>
-            </a:schemeClr>
-          </a:lnRef>
-          <a:fillRef idx="1">
-            <a:schemeClr val="accent1"/>
-          </a:fillRef>
-          <a:effectRef idx="0">
-            <a:schemeClr val="accent1"/>
-          </a:effectRef>
-          <a:fontRef idx="minor">
-            <a:schemeClr val="lt1"/>
-          </a:fontRef>
-        </p:style>
-        <p:txBody>
-          <a:bodyPr rtlCol="0" anchor="ctr"/>
-          <a:lstStyle/>
-          <a:p>
-            <a:pPr algn="ctr"/>
-            <a:endParaRPr lang="pt-BR"/>
-          </a:p>
-        </p:txBody>
-      </p:sp>
-      <p:sp>
-        <p:nvSpPr>
-          <p:cNvPr id="39" name="Retângulo 38"/>
-          <p:cNvSpPr/>
-          <p:nvPr/>
-        </p:nvSpPr>
-        <p:spPr>
-          <a:xfrm rot="705304">
-            <a:off x="2545089" y="3105644"/>
-            <a:ext cx="2877886" cy="62743"/>
-          </a:xfrm>
-          <a:prstGeom prst="rect">
-            <a:avLst/>
-          </a:prstGeom>
-          <a:solidFill>
-            <a:srgbClr val="8B3535"/>
-          </a:solidFill>
-          <a:ln>
-            <a:noFill/>
-          </a:ln>
-        </p:spPr>
-        <p:style>
-          <a:lnRef idx="2">
-            <a:schemeClr val="accent1">
-              <a:shade val="50000"/>
-            </a:schemeClr>
-          </a:lnRef>
-          <a:fillRef idx="1">
-            <a:schemeClr val="accent1"/>
-          </a:fillRef>
-          <a:effectRef idx="0">
-            <a:schemeClr val="accent1"/>
-          </a:effectRef>
-          <a:fontRef idx="minor">
-            <a:schemeClr val="lt1"/>
-          </a:fontRef>
-        </p:style>
-        <p:txBody>
-          <a:bodyPr rtlCol="0" anchor="ctr"/>
-          <a:lstStyle/>
-          <a:p>
-            <a:pPr algn="ctr"/>
-            <a:endParaRPr lang="pt-BR"/>
-          </a:p>
-        </p:txBody>
-      </p:sp>
-      <p:sp>
-        <p:nvSpPr>
-          <p:cNvPr id="40" name="Retângulo de cantos arredondados 110"/>
-          <p:cNvSpPr/>
-          <p:nvPr/>
-        </p:nvSpPr>
-        <p:spPr>
-          <a:xfrm rot="19722312">
-            <a:off x="4010962" y="3418791"/>
-            <a:ext cx="1346327" cy="420342"/>
-          </a:xfrm>
-          <a:custGeom>
-            <a:avLst/>
-            <a:gdLst/>
-            <a:ahLst/>
-            <a:cxnLst/>
-            <a:rect l="l" t="t" r="r" b="b"/>
-            <a:pathLst>
-              <a:path w="1346327" h="420342">
-                <a:moveTo>
-                  <a:pt x="1298508" y="12539"/>
-                </a:moveTo>
-                <a:cubicBezTo>
-                  <a:pt x="1363372" y="51969"/>
-                  <a:pt x="1362086" y="172547"/>
-                  <a:pt x="1295636" y="281860"/>
-                </a:cubicBezTo>
-                <a:cubicBezTo>
-                  <a:pt x="1234983" y="381637"/>
-                  <a:pt x="1141004" y="437540"/>
-                  <a:pt x="1076045" y="415608"/>
-                </a:cubicBezTo>
-                <a:cubicBezTo>
-                  <a:pt x="945875" y="402870"/>
-                  <a:pt x="815843" y="388593"/>
-                  <a:pt x="684454" y="389724"/>
-                </a:cubicBezTo>
-                <a:lnTo>
-                  <a:pt x="186548" y="407828"/>
-                </a:lnTo>
-                <a:cubicBezTo>
-                  <a:pt x="147873" y="407828"/>
-                  <a:pt x="44137" y="297355"/>
-                  <a:pt x="44137" y="261319"/>
-                </a:cubicBezTo>
-                <a:lnTo>
-                  <a:pt x="0" y="132722"/>
-                </a:lnTo>
-                <a:cubicBezTo>
-                  <a:pt x="0" y="96687"/>
-                  <a:pt x="130498" y="44945"/>
-                  <a:pt x="169171" y="44945"/>
-                </a:cubicBezTo>
-                <a:cubicBezTo>
-                  <a:pt x="504563" y="44945"/>
-                  <a:pt x="749831" y="129138"/>
-                  <a:pt x="1051144" y="160175"/>
-                </a:cubicBezTo>
-                <a:cubicBezTo>
-                  <a:pt x="1052874" y="152463"/>
-                  <a:pt x="1056688" y="145747"/>
-                  <a:pt x="1060745" y="139073"/>
-                </a:cubicBezTo>
-                <a:cubicBezTo>
-                  <a:pt x="1127194" y="29760"/>
-                  <a:pt x="1233644" y="-26891"/>
-                  <a:pt x="1298508" y="12539"/>
-                </a:cubicBezTo>
-                <a:close/>
-              </a:path>
-            </a:pathLst>
-          </a:custGeom>
-          <a:solidFill>
-            <a:srgbClr val="FCC7A6"/>
-          </a:solidFill>
-          <a:ln>
-            <a:noFill/>
-          </a:ln>
-        </p:spPr>
-        <p:style>
-          <a:lnRef idx="2">
-            <a:schemeClr val="accent1">
-              <a:shade val="50000"/>
-            </a:schemeClr>
-          </a:lnRef>
-          <a:fillRef idx="1">
-            <a:schemeClr val="accent1"/>
-          </a:fillRef>
-          <a:effectRef idx="0">
-            <a:schemeClr val="accent1"/>
-          </a:effectRef>
-          <a:fontRef idx="minor">
-            <a:schemeClr val="lt1"/>
-          </a:fontRef>
-        </p:style>
-        <p:txBody>
-          <a:bodyPr rtlCol="0" anchor="ctr"/>
-          <a:lstStyle/>
-          <a:p>
-            <a:pPr algn="ctr"/>
-            <a:endParaRPr lang="pt-BR" dirty="0"/>
-          </a:p>
-        </p:txBody>
-      </p:sp>
-      <p:sp>
-        <p:nvSpPr>
-          <p:cNvPr id="41" name="Fluxograma: Atraso 40"/>
-          <p:cNvSpPr/>
-          <p:nvPr/>
-        </p:nvSpPr>
-        <p:spPr>
-          <a:xfrm rot="13919949">
-            <a:off x="3629413" y="3213532"/>
-            <a:ext cx="678555" cy="617311"/>
-          </a:xfrm>
-          <a:prstGeom prst="flowChartDelay">
-            <a:avLst/>
-          </a:prstGeom>
-          <a:solidFill>
-            <a:srgbClr val="F5A5CD"/>
-          </a:solidFill>
-          <a:ln>
-            <a:solidFill>
-              <a:srgbClr val="F9CBE2"/>
-            </a:solidFill>
-          </a:ln>
-        </p:spPr>
-        <p:style>
-          <a:lnRef idx="2">
-            <a:schemeClr val="accent1">
-              <a:shade val="50000"/>
-            </a:schemeClr>
-          </a:lnRef>
-          <a:fillRef idx="1">
-            <a:schemeClr val="accent1"/>
-          </a:fillRef>
-          <a:effectRef idx="0">
-            <a:schemeClr val="accent1"/>
-          </a:effectRef>
-          <a:fontRef idx="minor">
-            <a:schemeClr val="lt1"/>
-          </a:fontRef>
-        </p:style>
-        <p:txBody>
-          <a:bodyPr rtlCol="0" anchor="ctr"/>
-          <a:lstStyle/>
-          <a:p>
-            <a:pPr algn="ctr"/>
-            <a:endParaRPr lang="pt-BR"/>
-          </a:p>
-        </p:txBody>
-      </p:sp>
-      <p:sp>
-        <p:nvSpPr>
-          <p:cNvPr id="42" name="Fluxograma: Atraso 105"/>
-          <p:cNvSpPr/>
-          <p:nvPr/>
-        </p:nvSpPr>
-        <p:spPr>
-          <a:xfrm rot="13919949">
-            <a:off x="3597196" y="3309194"/>
-            <a:ext cx="683591" cy="496437"/>
-          </a:xfrm>
-          <a:custGeom>
-            <a:avLst/>
-            <a:gdLst/>
-            <a:ahLst/>
-            <a:cxnLst/>
-            <a:rect l="l" t="t" r="r" b="b"/>
-            <a:pathLst>
-              <a:path w="678556" h="524739">
-                <a:moveTo>
-                  <a:pt x="620613" y="481228"/>
-                </a:moveTo>
-                <a:cubicBezTo>
-                  <a:pt x="608990" y="496879"/>
-                  <a:pt x="595831" y="511508"/>
-                  <a:pt x="581151" y="524739"/>
-                </a:cubicBezTo>
-                <a:cubicBezTo>
-                  <a:pt x="591639" y="497543"/>
-                  <a:pt x="596448" y="468235"/>
-                  <a:pt x="596448" y="437905"/>
-                </a:cubicBezTo>
-                <a:cubicBezTo>
-                  <a:pt x="596448" y="267439"/>
-                  <a:pt x="444548" y="129249"/>
-                  <a:pt x="257170" y="129249"/>
-                </a:cubicBezTo>
-                <a:lnTo>
-                  <a:pt x="0" y="129249"/>
-                </a:lnTo>
-                <a:lnTo>
-                  <a:pt x="0" y="0"/>
-                </a:lnTo>
-                <a:lnTo>
-                  <a:pt x="339278" y="0"/>
-                </a:lnTo>
-                <a:cubicBezTo>
-                  <a:pt x="526656" y="0"/>
-                  <a:pt x="678556" y="138190"/>
-                  <a:pt x="678556" y="308656"/>
-                </a:cubicBezTo>
-                <a:cubicBezTo>
-                  <a:pt x="678556" y="372581"/>
-                  <a:pt x="657195" y="431966"/>
-                  <a:pt x="620613" y="481228"/>
-                </a:cubicBezTo>
-                <a:close/>
-              </a:path>
-            </a:pathLst>
-          </a:custGeom>
-          <a:solidFill>
-            <a:srgbClr val="F074B2">
-              <a:alpha val="50196"/>
-            </a:srgbClr>
-          </a:solidFill>
-          <a:ln>
-            <a:noFill/>
-          </a:ln>
-          <a:effectLst>
-            <a:softEdge rad="12700"/>
-          </a:effectLst>
-        </p:spPr>
-        <p:style>
-          <a:lnRef idx="2">
-            <a:schemeClr val="accent1">
-              <a:shade val="50000"/>
-            </a:schemeClr>
-          </a:lnRef>
-          <a:fillRef idx="1">
-            <a:schemeClr val="accent1"/>
-          </a:fillRef>
-          <a:effectRef idx="0">
-            <a:schemeClr val="accent1"/>
-          </a:effectRef>
-          <a:fontRef idx="minor">
-            <a:schemeClr val="lt1"/>
-          </a:fontRef>
-        </p:style>
-        <p:txBody>
-          <a:bodyPr rtlCol="0" anchor="ctr"/>
-          <a:lstStyle/>
-          <a:p>
-            <a:pPr algn="ctr"/>
-            <a:endParaRPr lang="pt-BR"/>
-          </a:p>
-        </p:txBody>
-      </p:sp>
     </p:spTree>
     <p:extLst>
       <p:ext uri="{BB962C8B-B14F-4D97-AF65-F5344CB8AC3E}">
-        <p14:creationId xmlns:p14="http://schemas.microsoft.com/office/powerpoint/2010/main" val="321788243"/>
+        <p14:creationId xmlns:p14="http://schemas.microsoft.com/office/powerpoint/2010/main" val="4259441485"/>
       </p:ext>
     </p:extLst>
   </p:cSld>

--- a/Historias/tres porquinhos.pptx
+++ b/Historias/tres porquinhos.pptx
@@ -9,6 +9,7 @@
     <p:sldId id="257" r:id="rId3"/>
     <p:sldId id="258" r:id="rId4"/>
     <p:sldId id="259" r:id="rId5"/>
+    <p:sldId id="260" r:id="rId6"/>
   </p:sldIdLst>
   <p:sldSz cx="9144000" cy="6858000" type="screen4x3"/>
   <p:notesSz cx="6858000" cy="9144000"/>
@@ -107,6 +108,22 @@
       </a:defRPr>
     </a:lvl9pPr>
   </p:defaultTextStyle>
+  <p:extLst>
+    <p:ext uri="{EFAFB233-063F-42B5-8137-9DF3F51BA10A}">
+      <p15:sldGuideLst xmlns:p15="http://schemas.microsoft.com/office/powerpoint/2012/main">
+        <p15:guide id="1" orient="horz" pos="2160">
+          <p15:clr>
+            <a:srgbClr val="A4A3A4"/>
+          </p15:clr>
+        </p15:guide>
+        <p15:guide id="2" pos="2880">
+          <p15:clr>
+            <a:srgbClr val="A4A3A4"/>
+          </p15:clr>
+        </p15:guide>
+      </p15:sldGuideLst>
+    </p:ext>
+  </p:extLst>
 </p:presentation>
 </file>
 
@@ -148,10 +165,9 @@
           <a:lstStyle/>
           <a:p>
             <a:r>
-              <a:rPr lang="pt-BR" smtClean="0"/>
+              <a:rPr lang="pt-BR"/>
               <a:t>Clique para editar o título mestre</a:t>
             </a:r>
-            <a:endParaRPr lang="pt-BR"/>
           </a:p>
         </p:txBody>
       </p:sp>
@@ -267,10 +283,9 @@
           </a:lstStyle>
           <a:p>
             <a:r>
-              <a:rPr lang="pt-BR" smtClean="0"/>
+              <a:rPr lang="pt-BR"/>
               <a:t>Clique para editar o estilo do subtítulo mestre</a:t>
             </a:r>
-            <a:endParaRPr lang="pt-BR"/>
           </a:p>
         </p:txBody>
       </p:sp>
@@ -385,10 +400,9 @@
           <a:lstStyle/>
           <a:p>
             <a:r>
-              <a:rPr lang="pt-BR" smtClean="0"/>
+              <a:rPr lang="pt-BR"/>
               <a:t>Clique para editar o título mestre</a:t>
             </a:r>
-            <a:endParaRPr lang="pt-BR"/>
           </a:p>
         </p:txBody>
       </p:sp>
@@ -409,38 +423,37 @@
           <a:p>
             <a:pPr lvl="0"/>
             <a:r>
-              <a:rPr lang="pt-BR" smtClean="0"/>
+              <a:rPr lang="pt-BR"/>
               <a:t>Clique para editar o texto mestre</a:t>
             </a:r>
           </a:p>
           <a:p>
             <a:pPr lvl="1"/>
             <a:r>
-              <a:rPr lang="pt-BR" smtClean="0"/>
+              <a:rPr lang="pt-BR"/>
               <a:t>Segundo nível</a:t>
             </a:r>
           </a:p>
           <a:p>
             <a:pPr lvl="2"/>
             <a:r>
-              <a:rPr lang="pt-BR" smtClean="0"/>
+              <a:rPr lang="pt-BR"/>
               <a:t>Terceiro nível</a:t>
             </a:r>
           </a:p>
           <a:p>
             <a:pPr lvl="3"/>
             <a:r>
-              <a:rPr lang="pt-BR" smtClean="0"/>
+              <a:rPr lang="pt-BR"/>
               <a:t>Quarto nível</a:t>
             </a:r>
           </a:p>
           <a:p>
             <a:pPr lvl="4"/>
             <a:r>
-              <a:rPr lang="pt-BR" smtClean="0"/>
+              <a:rPr lang="pt-BR"/>
               <a:t>Quinto nível</a:t>
             </a:r>
-            <a:endParaRPr lang="pt-BR"/>
           </a:p>
         </p:txBody>
       </p:sp>
@@ -560,10 +573,9 @@
           <a:lstStyle/>
           <a:p>
             <a:r>
-              <a:rPr lang="pt-BR" smtClean="0"/>
+              <a:rPr lang="pt-BR"/>
               <a:t>Clique para editar o título mestre</a:t>
             </a:r>
-            <a:endParaRPr lang="pt-BR"/>
           </a:p>
         </p:txBody>
       </p:sp>
@@ -589,38 +601,37 @@
           <a:p>
             <a:pPr lvl="0"/>
             <a:r>
-              <a:rPr lang="pt-BR" smtClean="0"/>
+              <a:rPr lang="pt-BR"/>
               <a:t>Clique para editar o texto mestre</a:t>
             </a:r>
           </a:p>
           <a:p>
             <a:pPr lvl="1"/>
             <a:r>
-              <a:rPr lang="pt-BR" smtClean="0"/>
+              <a:rPr lang="pt-BR"/>
               <a:t>Segundo nível</a:t>
             </a:r>
           </a:p>
           <a:p>
             <a:pPr lvl="2"/>
             <a:r>
-              <a:rPr lang="pt-BR" smtClean="0"/>
+              <a:rPr lang="pt-BR"/>
               <a:t>Terceiro nível</a:t>
             </a:r>
           </a:p>
           <a:p>
             <a:pPr lvl="3"/>
             <a:r>
-              <a:rPr lang="pt-BR" smtClean="0"/>
+              <a:rPr lang="pt-BR"/>
               <a:t>Quarto nível</a:t>
             </a:r>
           </a:p>
           <a:p>
             <a:pPr lvl="4"/>
             <a:r>
-              <a:rPr lang="pt-BR" smtClean="0"/>
+              <a:rPr lang="pt-BR"/>
               <a:t>Quinto nível</a:t>
             </a:r>
-            <a:endParaRPr lang="pt-BR"/>
           </a:p>
         </p:txBody>
       </p:sp>
@@ -735,10 +746,9 @@
           <a:lstStyle/>
           <a:p>
             <a:r>
-              <a:rPr lang="pt-BR" smtClean="0"/>
+              <a:rPr lang="pt-BR"/>
               <a:t>Clique para editar o título mestre</a:t>
             </a:r>
-            <a:endParaRPr lang="pt-BR"/>
           </a:p>
         </p:txBody>
       </p:sp>
@@ -759,38 +769,37 @@
           <a:p>
             <a:pPr lvl="0"/>
             <a:r>
-              <a:rPr lang="pt-BR" smtClean="0"/>
+              <a:rPr lang="pt-BR"/>
               <a:t>Clique para editar o texto mestre</a:t>
             </a:r>
           </a:p>
           <a:p>
             <a:pPr lvl="1"/>
             <a:r>
-              <a:rPr lang="pt-BR" smtClean="0"/>
+              <a:rPr lang="pt-BR"/>
               <a:t>Segundo nível</a:t>
             </a:r>
           </a:p>
           <a:p>
             <a:pPr lvl="2"/>
             <a:r>
-              <a:rPr lang="pt-BR" smtClean="0"/>
+              <a:rPr lang="pt-BR"/>
               <a:t>Terceiro nível</a:t>
             </a:r>
           </a:p>
           <a:p>
             <a:pPr lvl="3"/>
             <a:r>
-              <a:rPr lang="pt-BR" smtClean="0"/>
+              <a:rPr lang="pt-BR"/>
               <a:t>Quarto nível</a:t>
             </a:r>
           </a:p>
           <a:p>
             <a:pPr lvl="4"/>
             <a:r>
-              <a:rPr lang="pt-BR" smtClean="0"/>
+              <a:rPr lang="pt-BR"/>
               <a:t>Quinto nível</a:t>
             </a:r>
-            <a:endParaRPr lang="pt-BR"/>
           </a:p>
         </p:txBody>
       </p:sp>
@@ -914,10 +923,9 @@
           </a:lstStyle>
           <a:p>
             <a:r>
-              <a:rPr lang="pt-BR" smtClean="0"/>
+              <a:rPr lang="pt-BR"/>
               <a:t>Clique para editar o título mestre</a:t>
             </a:r>
-            <a:endParaRPr lang="pt-BR"/>
           </a:p>
         </p:txBody>
       </p:sp>
@@ -1034,7 +1042,7 @@
           <a:p>
             <a:pPr lvl="0"/>
             <a:r>
-              <a:rPr lang="pt-BR" smtClean="0"/>
+              <a:rPr lang="pt-BR"/>
               <a:t>Clique para editar o texto mestre</a:t>
             </a:r>
           </a:p>
@@ -1151,10 +1159,9 @@
           <a:lstStyle/>
           <a:p>
             <a:r>
-              <a:rPr lang="pt-BR" smtClean="0"/>
+              <a:rPr lang="pt-BR"/>
               <a:t>Clique para editar o título mestre</a:t>
             </a:r>
-            <a:endParaRPr lang="pt-BR"/>
           </a:p>
         </p:txBody>
       </p:sp>
@@ -1208,38 +1215,37 @@
           <a:p>
             <a:pPr lvl="0"/>
             <a:r>
-              <a:rPr lang="pt-BR" smtClean="0"/>
+              <a:rPr lang="pt-BR"/>
               <a:t>Clique para editar o texto mestre</a:t>
             </a:r>
           </a:p>
           <a:p>
             <a:pPr lvl="1"/>
             <a:r>
-              <a:rPr lang="pt-BR" smtClean="0"/>
+              <a:rPr lang="pt-BR"/>
               <a:t>Segundo nível</a:t>
             </a:r>
           </a:p>
           <a:p>
             <a:pPr lvl="2"/>
             <a:r>
-              <a:rPr lang="pt-BR" smtClean="0"/>
+              <a:rPr lang="pt-BR"/>
               <a:t>Terceiro nível</a:t>
             </a:r>
           </a:p>
           <a:p>
             <a:pPr lvl="3"/>
             <a:r>
-              <a:rPr lang="pt-BR" smtClean="0"/>
+              <a:rPr lang="pt-BR"/>
               <a:t>Quarto nível</a:t>
             </a:r>
           </a:p>
           <a:p>
             <a:pPr lvl="4"/>
             <a:r>
-              <a:rPr lang="pt-BR" smtClean="0"/>
+              <a:rPr lang="pt-BR"/>
               <a:t>Quinto nível</a:t>
             </a:r>
-            <a:endParaRPr lang="pt-BR"/>
           </a:p>
         </p:txBody>
       </p:sp>
@@ -1293,38 +1299,37 @@
           <a:p>
             <a:pPr lvl="0"/>
             <a:r>
-              <a:rPr lang="pt-BR" smtClean="0"/>
+              <a:rPr lang="pt-BR"/>
               <a:t>Clique para editar o texto mestre</a:t>
             </a:r>
           </a:p>
           <a:p>
             <a:pPr lvl="1"/>
             <a:r>
-              <a:rPr lang="pt-BR" smtClean="0"/>
+              <a:rPr lang="pt-BR"/>
               <a:t>Segundo nível</a:t>
             </a:r>
           </a:p>
           <a:p>
             <a:pPr lvl="2"/>
             <a:r>
-              <a:rPr lang="pt-BR" smtClean="0"/>
+              <a:rPr lang="pt-BR"/>
               <a:t>Terceiro nível</a:t>
             </a:r>
           </a:p>
           <a:p>
             <a:pPr lvl="3"/>
             <a:r>
-              <a:rPr lang="pt-BR" smtClean="0"/>
+              <a:rPr lang="pt-BR"/>
               <a:t>Quarto nível</a:t>
             </a:r>
           </a:p>
           <a:p>
             <a:pPr lvl="4"/>
             <a:r>
-              <a:rPr lang="pt-BR" smtClean="0"/>
+              <a:rPr lang="pt-BR"/>
               <a:t>Quinto nível</a:t>
             </a:r>
-            <a:endParaRPr lang="pt-BR"/>
           </a:p>
         </p:txBody>
       </p:sp>
@@ -1443,10 +1448,9 @@
           </a:lstStyle>
           <a:p>
             <a:r>
-              <a:rPr lang="pt-BR" smtClean="0"/>
+              <a:rPr lang="pt-BR"/>
               <a:t>Clique para editar o título mestre</a:t>
             </a:r>
-            <a:endParaRPr lang="pt-BR"/>
           </a:p>
         </p:txBody>
       </p:sp>
@@ -1509,7 +1513,7 @@
           <a:p>
             <a:pPr lvl="0"/>
             <a:r>
-              <a:rPr lang="pt-BR" smtClean="0"/>
+              <a:rPr lang="pt-BR"/>
               <a:t>Clique para editar o texto mestre</a:t>
             </a:r>
           </a:p>
@@ -1565,38 +1569,37 @@
           <a:p>
             <a:pPr lvl="0"/>
             <a:r>
-              <a:rPr lang="pt-BR" smtClean="0"/>
+              <a:rPr lang="pt-BR"/>
               <a:t>Clique para editar o texto mestre</a:t>
             </a:r>
           </a:p>
           <a:p>
             <a:pPr lvl="1"/>
             <a:r>
-              <a:rPr lang="pt-BR" smtClean="0"/>
+              <a:rPr lang="pt-BR"/>
               <a:t>Segundo nível</a:t>
             </a:r>
           </a:p>
           <a:p>
             <a:pPr lvl="2"/>
             <a:r>
-              <a:rPr lang="pt-BR" smtClean="0"/>
+              <a:rPr lang="pt-BR"/>
               <a:t>Terceiro nível</a:t>
             </a:r>
           </a:p>
           <a:p>
             <a:pPr lvl="3"/>
             <a:r>
-              <a:rPr lang="pt-BR" smtClean="0"/>
+              <a:rPr lang="pt-BR"/>
               <a:t>Quarto nível</a:t>
             </a:r>
           </a:p>
           <a:p>
             <a:pPr lvl="4"/>
             <a:r>
-              <a:rPr lang="pt-BR" smtClean="0"/>
+              <a:rPr lang="pt-BR"/>
               <a:t>Quinto nível</a:t>
             </a:r>
-            <a:endParaRPr lang="pt-BR"/>
           </a:p>
         </p:txBody>
       </p:sp>
@@ -1659,7 +1662,7 @@
           <a:p>
             <a:pPr lvl="0"/>
             <a:r>
-              <a:rPr lang="pt-BR" smtClean="0"/>
+              <a:rPr lang="pt-BR"/>
               <a:t>Clique para editar o texto mestre</a:t>
             </a:r>
           </a:p>
@@ -1715,38 +1718,37 @@
           <a:p>
             <a:pPr lvl="0"/>
             <a:r>
-              <a:rPr lang="pt-BR" smtClean="0"/>
+              <a:rPr lang="pt-BR"/>
               <a:t>Clique para editar o texto mestre</a:t>
             </a:r>
           </a:p>
           <a:p>
             <a:pPr lvl="1"/>
             <a:r>
-              <a:rPr lang="pt-BR" smtClean="0"/>
+              <a:rPr lang="pt-BR"/>
               <a:t>Segundo nível</a:t>
             </a:r>
           </a:p>
           <a:p>
             <a:pPr lvl="2"/>
             <a:r>
-              <a:rPr lang="pt-BR" smtClean="0"/>
+              <a:rPr lang="pt-BR"/>
               <a:t>Terceiro nível</a:t>
             </a:r>
           </a:p>
           <a:p>
             <a:pPr lvl="3"/>
             <a:r>
-              <a:rPr lang="pt-BR" smtClean="0"/>
+              <a:rPr lang="pt-BR"/>
               <a:t>Quarto nível</a:t>
             </a:r>
           </a:p>
           <a:p>
             <a:pPr lvl="4"/>
             <a:r>
-              <a:rPr lang="pt-BR" smtClean="0"/>
+              <a:rPr lang="pt-BR"/>
               <a:t>Quinto nível</a:t>
             </a:r>
-            <a:endParaRPr lang="pt-BR"/>
           </a:p>
         </p:txBody>
       </p:sp>
@@ -1861,10 +1863,9 @@
           <a:lstStyle/>
           <a:p>
             <a:r>
-              <a:rPr lang="pt-BR" smtClean="0"/>
+              <a:rPr lang="pt-BR"/>
               <a:t>Clique para editar o título mestre</a:t>
             </a:r>
-            <a:endParaRPr lang="pt-BR"/>
           </a:p>
         </p:txBody>
       </p:sp>
@@ -2083,10 +2084,9 @@
           </a:lstStyle>
           <a:p>
             <a:r>
-              <a:rPr lang="pt-BR" smtClean="0"/>
+              <a:rPr lang="pt-BR"/>
               <a:t>Clique para editar o título mestre</a:t>
             </a:r>
-            <a:endParaRPr lang="pt-BR"/>
           </a:p>
         </p:txBody>
       </p:sp>
@@ -2140,38 +2140,37 @@
           <a:p>
             <a:pPr lvl="0"/>
             <a:r>
-              <a:rPr lang="pt-BR" smtClean="0"/>
+              <a:rPr lang="pt-BR"/>
               <a:t>Clique para editar o texto mestre</a:t>
             </a:r>
           </a:p>
           <a:p>
             <a:pPr lvl="1"/>
             <a:r>
-              <a:rPr lang="pt-BR" smtClean="0"/>
+              <a:rPr lang="pt-BR"/>
               <a:t>Segundo nível</a:t>
             </a:r>
           </a:p>
           <a:p>
             <a:pPr lvl="2"/>
             <a:r>
-              <a:rPr lang="pt-BR" smtClean="0"/>
+              <a:rPr lang="pt-BR"/>
               <a:t>Terceiro nível</a:t>
             </a:r>
           </a:p>
           <a:p>
             <a:pPr lvl="3"/>
             <a:r>
-              <a:rPr lang="pt-BR" smtClean="0"/>
+              <a:rPr lang="pt-BR"/>
               <a:t>Quarto nível</a:t>
             </a:r>
           </a:p>
           <a:p>
             <a:pPr lvl="4"/>
             <a:r>
-              <a:rPr lang="pt-BR" smtClean="0"/>
+              <a:rPr lang="pt-BR"/>
               <a:t>Quinto nível</a:t>
             </a:r>
-            <a:endParaRPr lang="pt-BR"/>
           </a:p>
         </p:txBody>
       </p:sp>
@@ -2234,7 +2233,7 @@
           <a:p>
             <a:pPr lvl="0"/>
             <a:r>
-              <a:rPr lang="pt-BR" smtClean="0"/>
+              <a:rPr lang="pt-BR"/>
               <a:t>Clique para editar o texto mestre</a:t>
             </a:r>
           </a:p>
@@ -2360,10 +2359,9 @@
           </a:lstStyle>
           <a:p>
             <a:r>
-              <a:rPr lang="pt-BR" smtClean="0"/>
+              <a:rPr lang="pt-BR"/>
               <a:t>Clique para editar o título mestre</a:t>
             </a:r>
-            <a:endParaRPr lang="pt-BR"/>
           </a:p>
         </p:txBody>
       </p:sp>
@@ -2487,7 +2485,7 @@
           <a:p>
             <a:pPr lvl="0"/>
             <a:r>
-              <a:rPr lang="pt-BR" smtClean="0"/>
+              <a:rPr lang="pt-BR"/>
               <a:t>Clique para editar o texto mestre</a:t>
             </a:r>
           </a:p>
@@ -2619,10 +2617,9 @@
           <a:lstStyle/>
           <a:p>
             <a:r>
-              <a:rPr lang="pt-BR" smtClean="0"/>
+              <a:rPr lang="pt-BR"/>
               <a:t>Clique para editar o título mestre</a:t>
             </a:r>
-            <a:endParaRPr lang="pt-BR"/>
           </a:p>
         </p:txBody>
       </p:sp>
@@ -2653,38 +2650,37 @@
           <a:p>
             <a:pPr lvl="0"/>
             <a:r>
-              <a:rPr lang="pt-BR" smtClean="0"/>
+              <a:rPr lang="pt-BR"/>
               <a:t>Clique para editar o texto mestre</a:t>
             </a:r>
           </a:p>
           <a:p>
             <a:pPr lvl="1"/>
             <a:r>
-              <a:rPr lang="pt-BR" smtClean="0"/>
+              <a:rPr lang="pt-BR"/>
               <a:t>Segundo nível</a:t>
             </a:r>
           </a:p>
           <a:p>
             <a:pPr lvl="2"/>
             <a:r>
-              <a:rPr lang="pt-BR" smtClean="0"/>
+              <a:rPr lang="pt-BR"/>
               <a:t>Terceiro nível</a:t>
             </a:r>
           </a:p>
           <a:p>
             <a:pPr lvl="3"/>
             <a:r>
-              <a:rPr lang="pt-BR" smtClean="0"/>
+              <a:rPr lang="pt-BR"/>
               <a:t>Quarto nível</a:t>
             </a:r>
           </a:p>
           <a:p>
             <a:pPr lvl="4"/>
             <a:r>
-              <a:rPr lang="pt-BR" smtClean="0"/>
+              <a:rPr lang="pt-BR"/>
               <a:t>Quinto nível</a:t>
             </a:r>
-            <a:endParaRPr lang="pt-BR"/>
           </a:p>
         </p:txBody>
       </p:sp>
@@ -3581,7 +3577,7 @@
               <a:lstStyle/>
               <a:p>
                 <a:pPr algn="ctr"/>
-                <a:endParaRPr lang="pt-BR"/>
+                <a:endParaRPr lang="pt-BR" dirty="0"/>
               </a:p>
             </p:txBody>
           </p:sp>
@@ -10150,7 +10146,7 @@
         </p:nvGrpSpPr>
         <p:grpSpPr>
           <a:xfrm>
-            <a:off x="4083838" y="989179"/>
+            <a:off x="4067944" y="980728"/>
             <a:ext cx="3658370" cy="4397209"/>
             <a:chOff x="2101661" y="1326270"/>
             <a:chExt cx="3658370" cy="4397209"/>
@@ -10266,7 +10262,7 @@
               <a:lstStyle/>
               <a:p>
                 <a:pPr algn="ctr"/>
-                <a:endParaRPr lang="pt-BR"/>
+                <a:endParaRPr lang="pt-BR" dirty="0"/>
               </a:p>
             </p:txBody>
           </p:sp>
@@ -10351,7 +10347,7 @@
               <a:lstStyle/>
               <a:p>
                 <a:pPr algn="ctr"/>
-                <a:endParaRPr lang="pt-BR"/>
+                <a:endParaRPr lang="pt-BR" dirty="0"/>
               </a:p>
             </p:txBody>
           </p:sp>
@@ -10466,7 +10462,7 @@
               <a:lstStyle/>
               <a:p>
                 <a:pPr algn="ctr"/>
-                <a:endParaRPr lang="pt-BR"/>
+                <a:endParaRPr lang="pt-BR" dirty="0"/>
               </a:p>
             </p:txBody>
           </p:sp>
@@ -10698,7 +10694,7 @@
                 <a:lstStyle/>
                 <a:p>
                   <a:pPr algn="ctr"/>
-                  <a:endParaRPr lang="pt-BR"/>
+                  <a:endParaRPr lang="pt-BR" dirty="0"/>
                 </a:p>
               </p:txBody>
             </p:sp>
@@ -13588,8 +13584,8 @@
           </p:nvSpPr>
           <p:spPr>
             <a:xfrm>
-              <a:off x="3439773" y="4386464"/>
-              <a:ext cx="347980" cy="508191"/>
+              <a:off x="3439773" y="4428324"/>
+              <a:ext cx="347980" cy="466331"/>
             </a:xfrm>
             <a:custGeom>
               <a:avLst/>
@@ -13675,7 +13671,7 @@
             <a:lstStyle/>
             <a:p>
               <a:pPr algn="ctr"/>
-              <a:endParaRPr lang="pt-BR"/>
+              <a:endParaRPr lang="pt-BR" dirty="0"/>
             </a:p>
           </p:txBody>
         </p:sp>
@@ -14237,816 +14233,4121 @@
           </a:extLst>
         </p:spPr>
       </p:pic>
-      <p:sp>
-        <p:nvSpPr>
-          <p:cNvPr id="36" name="Elipse 84"/>
-          <p:cNvSpPr/>
-          <p:nvPr/>
-        </p:nvSpPr>
-        <p:spPr>
-          <a:xfrm>
-            <a:off x="4189321" y="1722606"/>
-            <a:ext cx="2125311" cy="2460374"/>
-          </a:xfrm>
-          <a:custGeom>
-            <a:avLst/>
-            <a:gdLst>
-              <a:gd name="connsiteX0" fmla="*/ 0 w 2689149"/>
-              <a:gd name="connsiteY0" fmla="*/ 1538926 h 3077851"/>
-              <a:gd name="connsiteX1" fmla="*/ 1344575 w 2689149"/>
-              <a:gd name="connsiteY1" fmla="*/ 0 h 3077851"/>
-              <a:gd name="connsiteX2" fmla="*/ 2689150 w 2689149"/>
-              <a:gd name="connsiteY2" fmla="*/ 1538926 h 3077851"/>
-              <a:gd name="connsiteX3" fmla="*/ 1344575 w 2689149"/>
-              <a:gd name="connsiteY3" fmla="*/ 3077852 h 3077851"/>
-              <a:gd name="connsiteX4" fmla="*/ 0 w 2689149"/>
-              <a:gd name="connsiteY4" fmla="*/ 1538926 h 3077851"/>
-              <a:gd name="connsiteX0" fmla="*/ 49980 w 2739130"/>
-              <a:gd name="connsiteY0" fmla="*/ 1569798 h 3108724"/>
-              <a:gd name="connsiteX1" fmla="*/ 393260 w 2739130"/>
-              <a:gd name="connsiteY1" fmla="*/ 619171 h 3108724"/>
-              <a:gd name="connsiteX2" fmla="*/ 1394555 w 2739130"/>
-              <a:gd name="connsiteY2" fmla="*/ 30872 h 3108724"/>
-              <a:gd name="connsiteX3" fmla="*/ 2739130 w 2739130"/>
-              <a:gd name="connsiteY3" fmla="*/ 1569798 h 3108724"/>
-              <a:gd name="connsiteX4" fmla="*/ 1394555 w 2739130"/>
-              <a:gd name="connsiteY4" fmla="*/ 3108724 h 3108724"/>
-              <a:gd name="connsiteX5" fmla="*/ 49980 w 2739130"/>
-              <a:gd name="connsiteY5" fmla="*/ 1569798 h 3108724"/>
-              <a:gd name="connsiteX0" fmla="*/ 57099 w 2690493"/>
-              <a:gd name="connsiteY0" fmla="*/ 2350384 h 3130666"/>
-              <a:gd name="connsiteX1" fmla="*/ 344623 w 2690493"/>
-              <a:gd name="connsiteY1" fmla="*/ 619171 h 3130666"/>
-              <a:gd name="connsiteX2" fmla="*/ 1345918 w 2690493"/>
-              <a:gd name="connsiteY2" fmla="*/ 30872 h 3130666"/>
-              <a:gd name="connsiteX3" fmla="*/ 2690493 w 2690493"/>
-              <a:gd name="connsiteY3" fmla="*/ 1569798 h 3130666"/>
-              <a:gd name="connsiteX4" fmla="*/ 1345918 w 2690493"/>
-              <a:gd name="connsiteY4" fmla="*/ 3108724 h 3130666"/>
-              <a:gd name="connsiteX5" fmla="*/ 57099 w 2690493"/>
-              <a:gd name="connsiteY5" fmla="*/ 2350384 h 3130666"/>
-              <a:gd name="connsiteX0" fmla="*/ 57099 w 2779702"/>
-              <a:gd name="connsiteY0" fmla="*/ 2376508 h 3139183"/>
-              <a:gd name="connsiteX1" fmla="*/ 344623 w 2779702"/>
-              <a:gd name="connsiteY1" fmla="*/ 645295 h 3139183"/>
-              <a:gd name="connsiteX2" fmla="*/ 1345918 w 2779702"/>
-              <a:gd name="connsiteY2" fmla="*/ 56996 h 3139183"/>
-              <a:gd name="connsiteX3" fmla="*/ 2779702 w 2779702"/>
-              <a:gd name="connsiteY3" fmla="*/ 2075424 h 3139183"/>
-              <a:gd name="connsiteX4" fmla="*/ 1345918 w 2779702"/>
-              <a:gd name="connsiteY4" fmla="*/ 3134848 h 3139183"/>
-              <a:gd name="connsiteX5" fmla="*/ 57099 w 2779702"/>
-              <a:gd name="connsiteY5" fmla="*/ 2376508 h 3139183"/>
-              <a:gd name="connsiteX0" fmla="*/ 57099 w 2799553"/>
-              <a:gd name="connsiteY0" fmla="*/ 2322903 h 3085578"/>
-              <a:gd name="connsiteX1" fmla="*/ 344623 w 2799553"/>
-              <a:gd name="connsiteY1" fmla="*/ 591690 h 3085578"/>
-              <a:gd name="connsiteX2" fmla="*/ 1345918 w 2799553"/>
-              <a:gd name="connsiteY2" fmla="*/ 3391 h 3085578"/>
-              <a:gd name="connsiteX3" fmla="*/ 2139968 w 2799553"/>
-              <a:gd name="connsiteY3" fmla="*/ 435573 h 3085578"/>
-              <a:gd name="connsiteX4" fmla="*/ 2779702 w 2799553"/>
-              <a:gd name="connsiteY4" fmla="*/ 2021819 h 3085578"/>
-              <a:gd name="connsiteX5" fmla="*/ 1345918 w 2799553"/>
-              <a:gd name="connsiteY5" fmla="*/ 3081243 h 3085578"/>
-              <a:gd name="connsiteX6" fmla="*/ 57099 w 2799553"/>
-              <a:gd name="connsiteY6" fmla="*/ 2322903 h 3085578"/>
-              <a:gd name="connsiteX0" fmla="*/ 57099 w 2780175"/>
-              <a:gd name="connsiteY0" fmla="*/ 2322903 h 3100236"/>
-              <a:gd name="connsiteX1" fmla="*/ 344623 w 2780175"/>
-              <a:gd name="connsiteY1" fmla="*/ 591690 h 3100236"/>
-              <a:gd name="connsiteX2" fmla="*/ 1345918 w 2780175"/>
-              <a:gd name="connsiteY2" fmla="*/ 3391 h 3100236"/>
-              <a:gd name="connsiteX3" fmla="*/ 2139968 w 2780175"/>
-              <a:gd name="connsiteY3" fmla="*/ 435573 h 3100236"/>
-              <a:gd name="connsiteX4" fmla="*/ 2779702 w 2780175"/>
-              <a:gd name="connsiteY4" fmla="*/ 2021819 h 3100236"/>
-              <a:gd name="connsiteX5" fmla="*/ 2296085 w 2780175"/>
-              <a:gd name="connsiteY5" fmla="*/ 2799630 h 3100236"/>
-              <a:gd name="connsiteX6" fmla="*/ 1345918 w 2780175"/>
-              <a:gd name="connsiteY6" fmla="*/ 3081243 h 3100236"/>
-              <a:gd name="connsiteX7" fmla="*/ 57099 w 2780175"/>
-              <a:gd name="connsiteY7" fmla="*/ 2322903 h 3100236"/>
-              <a:gd name="connsiteX0" fmla="*/ 1754 w 2724830"/>
-              <a:gd name="connsiteY0" fmla="*/ 2322903 h 3082097"/>
-              <a:gd name="connsiteX1" fmla="*/ 289278 w 2724830"/>
-              <a:gd name="connsiteY1" fmla="*/ 591690 h 3082097"/>
-              <a:gd name="connsiteX2" fmla="*/ 1290573 w 2724830"/>
-              <a:gd name="connsiteY2" fmla="*/ 3391 h 3082097"/>
-              <a:gd name="connsiteX3" fmla="*/ 2084623 w 2724830"/>
-              <a:gd name="connsiteY3" fmla="*/ 435573 h 3082097"/>
-              <a:gd name="connsiteX4" fmla="*/ 2724357 w 2724830"/>
-              <a:gd name="connsiteY4" fmla="*/ 2021819 h 3082097"/>
-              <a:gd name="connsiteX5" fmla="*/ 2240740 w 2724830"/>
-              <a:gd name="connsiteY5" fmla="*/ 2799630 h 3082097"/>
-              <a:gd name="connsiteX6" fmla="*/ 1290573 w 2724830"/>
-              <a:gd name="connsiteY6" fmla="*/ 3081243 h 3082097"/>
-              <a:gd name="connsiteX7" fmla="*/ 378486 w 2724830"/>
-              <a:gd name="connsiteY7" fmla="*/ 2866537 h 3082097"/>
-              <a:gd name="connsiteX8" fmla="*/ 1754 w 2724830"/>
-              <a:gd name="connsiteY8" fmla="*/ 2322903 h 3082097"/>
-              <a:gd name="connsiteX0" fmla="*/ 80523 w 2803599"/>
-              <a:gd name="connsiteY0" fmla="*/ 2322903 h 3082097"/>
-              <a:gd name="connsiteX1" fmla="*/ 22356 w 2803599"/>
-              <a:gd name="connsiteY1" fmla="*/ 1372275 h 3082097"/>
-              <a:gd name="connsiteX2" fmla="*/ 368047 w 2803599"/>
-              <a:gd name="connsiteY2" fmla="*/ 591690 h 3082097"/>
-              <a:gd name="connsiteX3" fmla="*/ 1369342 w 2803599"/>
-              <a:gd name="connsiteY3" fmla="*/ 3391 h 3082097"/>
-              <a:gd name="connsiteX4" fmla="*/ 2163392 w 2803599"/>
-              <a:gd name="connsiteY4" fmla="*/ 435573 h 3082097"/>
-              <a:gd name="connsiteX5" fmla="*/ 2803126 w 2803599"/>
-              <a:gd name="connsiteY5" fmla="*/ 2021819 h 3082097"/>
-              <a:gd name="connsiteX6" fmla="*/ 2319509 w 2803599"/>
-              <a:gd name="connsiteY6" fmla="*/ 2799630 h 3082097"/>
-              <a:gd name="connsiteX7" fmla="*/ 1369342 w 2803599"/>
-              <a:gd name="connsiteY7" fmla="*/ 3081243 h 3082097"/>
-              <a:gd name="connsiteX8" fmla="*/ 457255 w 2803599"/>
-              <a:gd name="connsiteY8" fmla="*/ 2866537 h 3082097"/>
-              <a:gd name="connsiteX9" fmla="*/ 80523 w 2803599"/>
-              <a:gd name="connsiteY9" fmla="*/ 2322903 h 3082097"/>
-              <a:gd name="connsiteX0" fmla="*/ 80523 w 2819076"/>
-              <a:gd name="connsiteY0" fmla="*/ 2321335 h 3080529"/>
-              <a:gd name="connsiteX1" fmla="*/ 22356 w 2819076"/>
-              <a:gd name="connsiteY1" fmla="*/ 1370707 h 3080529"/>
-              <a:gd name="connsiteX2" fmla="*/ 368047 w 2819076"/>
-              <a:gd name="connsiteY2" fmla="*/ 590122 h 3080529"/>
-              <a:gd name="connsiteX3" fmla="*/ 1369342 w 2819076"/>
-              <a:gd name="connsiteY3" fmla="*/ 1823 h 3080529"/>
-              <a:gd name="connsiteX4" fmla="*/ 2163392 w 2819076"/>
-              <a:gd name="connsiteY4" fmla="*/ 434005 h 3080529"/>
-              <a:gd name="connsiteX5" fmla="*/ 2698650 w 2819076"/>
-              <a:gd name="connsiteY5" fmla="*/ 1181136 h 3080529"/>
-              <a:gd name="connsiteX6" fmla="*/ 2803126 w 2819076"/>
-              <a:gd name="connsiteY6" fmla="*/ 2020251 h 3080529"/>
-              <a:gd name="connsiteX7" fmla="*/ 2319509 w 2819076"/>
-              <a:gd name="connsiteY7" fmla="*/ 2798062 h 3080529"/>
-              <a:gd name="connsiteX8" fmla="*/ 1369342 w 2819076"/>
-              <a:gd name="connsiteY8" fmla="*/ 3079675 h 3080529"/>
-              <a:gd name="connsiteX9" fmla="*/ 457255 w 2819076"/>
-              <a:gd name="connsiteY9" fmla="*/ 2864969 h 3080529"/>
-              <a:gd name="connsiteX10" fmla="*/ 80523 w 2819076"/>
-              <a:gd name="connsiteY10" fmla="*/ 2321335 h 3080529"/>
-              <a:gd name="connsiteX0" fmla="*/ 80523 w 2819076"/>
-              <a:gd name="connsiteY0" fmla="*/ 2323298 h 3082492"/>
-              <a:gd name="connsiteX1" fmla="*/ 22356 w 2819076"/>
-              <a:gd name="connsiteY1" fmla="*/ 1372670 h 3082492"/>
-              <a:gd name="connsiteX2" fmla="*/ 602223 w 2819076"/>
-              <a:gd name="connsiteY2" fmla="*/ 670144 h 3082492"/>
-              <a:gd name="connsiteX3" fmla="*/ 1369342 w 2819076"/>
-              <a:gd name="connsiteY3" fmla="*/ 3786 h 3082492"/>
-              <a:gd name="connsiteX4" fmla="*/ 2163392 w 2819076"/>
-              <a:gd name="connsiteY4" fmla="*/ 435968 h 3082492"/>
-              <a:gd name="connsiteX5" fmla="*/ 2698650 w 2819076"/>
-              <a:gd name="connsiteY5" fmla="*/ 1183099 h 3082492"/>
-              <a:gd name="connsiteX6" fmla="*/ 2803126 w 2819076"/>
-              <a:gd name="connsiteY6" fmla="*/ 2022214 h 3082492"/>
-              <a:gd name="connsiteX7" fmla="*/ 2319509 w 2819076"/>
-              <a:gd name="connsiteY7" fmla="*/ 2800025 h 3082492"/>
-              <a:gd name="connsiteX8" fmla="*/ 1369342 w 2819076"/>
-              <a:gd name="connsiteY8" fmla="*/ 3081638 h 3082492"/>
-              <a:gd name="connsiteX9" fmla="*/ 457255 w 2819076"/>
-              <a:gd name="connsiteY9" fmla="*/ 2866932 h 3082492"/>
-              <a:gd name="connsiteX10" fmla="*/ 80523 w 2819076"/>
-              <a:gd name="connsiteY10" fmla="*/ 2323298 h 3082492"/>
-              <a:gd name="connsiteX0" fmla="*/ 80523 w 2819076"/>
-              <a:gd name="connsiteY0" fmla="*/ 2323298 h 3082492"/>
-              <a:gd name="connsiteX1" fmla="*/ 22356 w 2819076"/>
-              <a:gd name="connsiteY1" fmla="*/ 1372670 h 3082492"/>
-              <a:gd name="connsiteX2" fmla="*/ 234230 w 2819076"/>
-              <a:gd name="connsiteY2" fmla="*/ 1205402 h 3082492"/>
-              <a:gd name="connsiteX3" fmla="*/ 602223 w 2819076"/>
-              <a:gd name="connsiteY3" fmla="*/ 670144 h 3082492"/>
-              <a:gd name="connsiteX4" fmla="*/ 1369342 w 2819076"/>
-              <a:gd name="connsiteY4" fmla="*/ 3786 h 3082492"/>
-              <a:gd name="connsiteX5" fmla="*/ 2163392 w 2819076"/>
-              <a:gd name="connsiteY5" fmla="*/ 435968 h 3082492"/>
-              <a:gd name="connsiteX6" fmla="*/ 2698650 w 2819076"/>
-              <a:gd name="connsiteY6" fmla="*/ 1183099 h 3082492"/>
-              <a:gd name="connsiteX7" fmla="*/ 2803126 w 2819076"/>
-              <a:gd name="connsiteY7" fmla="*/ 2022214 h 3082492"/>
-              <a:gd name="connsiteX8" fmla="*/ 2319509 w 2819076"/>
-              <a:gd name="connsiteY8" fmla="*/ 2800025 h 3082492"/>
-              <a:gd name="connsiteX9" fmla="*/ 1369342 w 2819076"/>
-              <a:gd name="connsiteY9" fmla="*/ 3081638 h 3082492"/>
-              <a:gd name="connsiteX10" fmla="*/ 457255 w 2819076"/>
-              <a:gd name="connsiteY10" fmla="*/ 2866932 h 3082492"/>
-              <a:gd name="connsiteX11" fmla="*/ 80523 w 2819076"/>
-              <a:gd name="connsiteY11" fmla="*/ 2323298 h 3082492"/>
-              <a:gd name="connsiteX0" fmla="*/ 42964 w 2781517"/>
-              <a:gd name="connsiteY0" fmla="*/ 2323298 h 3082492"/>
-              <a:gd name="connsiteX1" fmla="*/ 40553 w 2781517"/>
-              <a:gd name="connsiteY1" fmla="*/ 1584543 h 3082492"/>
-              <a:gd name="connsiteX2" fmla="*/ 196671 w 2781517"/>
-              <a:gd name="connsiteY2" fmla="*/ 1205402 h 3082492"/>
-              <a:gd name="connsiteX3" fmla="*/ 564664 w 2781517"/>
-              <a:gd name="connsiteY3" fmla="*/ 670144 h 3082492"/>
-              <a:gd name="connsiteX4" fmla="*/ 1331783 w 2781517"/>
-              <a:gd name="connsiteY4" fmla="*/ 3786 h 3082492"/>
-              <a:gd name="connsiteX5" fmla="*/ 2125833 w 2781517"/>
-              <a:gd name="connsiteY5" fmla="*/ 435968 h 3082492"/>
-              <a:gd name="connsiteX6" fmla="*/ 2661091 w 2781517"/>
-              <a:gd name="connsiteY6" fmla="*/ 1183099 h 3082492"/>
-              <a:gd name="connsiteX7" fmla="*/ 2765567 w 2781517"/>
-              <a:gd name="connsiteY7" fmla="*/ 2022214 h 3082492"/>
-              <a:gd name="connsiteX8" fmla="*/ 2281950 w 2781517"/>
-              <a:gd name="connsiteY8" fmla="*/ 2800025 h 3082492"/>
-              <a:gd name="connsiteX9" fmla="*/ 1331783 w 2781517"/>
-              <a:gd name="connsiteY9" fmla="*/ 3081638 h 3082492"/>
-              <a:gd name="connsiteX10" fmla="*/ 419696 w 2781517"/>
-              <a:gd name="connsiteY10" fmla="*/ 2866932 h 3082492"/>
-              <a:gd name="connsiteX11" fmla="*/ 42964 w 2781517"/>
-              <a:gd name="connsiteY11" fmla="*/ 2323298 h 3082492"/>
-              <a:gd name="connsiteX0" fmla="*/ 42964 w 2781517"/>
-              <a:gd name="connsiteY0" fmla="*/ 2323298 h 3082492"/>
-              <a:gd name="connsiteX1" fmla="*/ 40553 w 2781517"/>
-              <a:gd name="connsiteY1" fmla="*/ 1584543 h 3082492"/>
-              <a:gd name="connsiteX2" fmla="*/ 196671 w 2781517"/>
-              <a:gd name="connsiteY2" fmla="*/ 1205402 h 3082492"/>
-              <a:gd name="connsiteX3" fmla="*/ 564664 w 2781517"/>
-              <a:gd name="connsiteY3" fmla="*/ 670144 h 3082492"/>
-              <a:gd name="connsiteX4" fmla="*/ 1331783 w 2781517"/>
-              <a:gd name="connsiteY4" fmla="*/ 3786 h 3082492"/>
-              <a:gd name="connsiteX5" fmla="*/ 2125833 w 2781517"/>
-              <a:gd name="connsiteY5" fmla="*/ 435968 h 3082492"/>
-              <a:gd name="connsiteX6" fmla="*/ 2661091 w 2781517"/>
-              <a:gd name="connsiteY6" fmla="*/ 1183099 h 3082492"/>
-              <a:gd name="connsiteX7" fmla="*/ 2765567 w 2781517"/>
-              <a:gd name="connsiteY7" fmla="*/ 2022214 h 3082492"/>
-              <a:gd name="connsiteX8" fmla="*/ 2281950 w 2781517"/>
-              <a:gd name="connsiteY8" fmla="*/ 2800025 h 3082492"/>
-              <a:gd name="connsiteX9" fmla="*/ 1331783 w 2781517"/>
-              <a:gd name="connsiteY9" fmla="*/ 3081638 h 3082492"/>
-              <a:gd name="connsiteX10" fmla="*/ 419696 w 2781517"/>
-              <a:gd name="connsiteY10" fmla="*/ 2866932 h 3082492"/>
-              <a:gd name="connsiteX11" fmla="*/ 42964 w 2781517"/>
-              <a:gd name="connsiteY11" fmla="*/ 2323298 h 3082492"/>
-              <a:gd name="connsiteX0" fmla="*/ 42964 w 2781517"/>
-              <a:gd name="connsiteY0" fmla="*/ 2323298 h 3082492"/>
-              <a:gd name="connsiteX1" fmla="*/ 40553 w 2781517"/>
-              <a:gd name="connsiteY1" fmla="*/ 1584543 h 3082492"/>
-              <a:gd name="connsiteX2" fmla="*/ 196671 w 2781517"/>
-              <a:gd name="connsiteY2" fmla="*/ 1205402 h 3082492"/>
-              <a:gd name="connsiteX3" fmla="*/ 564664 w 2781517"/>
-              <a:gd name="connsiteY3" fmla="*/ 670144 h 3082492"/>
-              <a:gd name="connsiteX4" fmla="*/ 1331783 w 2781517"/>
-              <a:gd name="connsiteY4" fmla="*/ 3786 h 3082492"/>
-              <a:gd name="connsiteX5" fmla="*/ 2125833 w 2781517"/>
-              <a:gd name="connsiteY5" fmla="*/ 435968 h 3082492"/>
-              <a:gd name="connsiteX6" fmla="*/ 2661091 w 2781517"/>
-              <a:gd name="connsiteY6" fmla="*/ 1183099 h 3082492"/>
-              <a:gd name="connsiteX7" fmla="*/ 2765567 w 2781517"/>
-              <a:gd name="connsiteY7" fmla="*/ 2022214 h 3082492"/>
-              <a:gd name="connsiteX8" fmla="*/ 2281950 w 2781517"/>
-              <a:gd name="connsiteY8" fmla="*/ 2800025 h 3082492"/>
-              <a:gd name="connsiteX9" fmla="*/ 1331783 w 2781517"/>
-              <a:gd name="connsiteY9" fmla="*/ 3081638 h 3082492"/>
-              <a:gd name="connsiteX10" fmla="*/ 419696 w 2781517"/>
-              <a:gd name="connsiteY10" fmla="*/ 2866932 h 3082492"/>
-              <a:gd name="connsiteX11" fmla="*/ 42964 w 2781517"/>
-              <a:gd name="connsiteY11" fmla="*/ 2323298 h 3082492"/>
-              <a:gd name="connsiteX0" fmla="*/ 42964 w 2781517"/>
-              <a:gd name="connsiteY0" fmla="*/ 2323298 h 3082492"/>
-              <a:gd name="connsiteX1" fmla="*/ 40553 w 2781517"/>
-              <a:gd name="connsiteY1" fmla="*/ 1584543 h 3082492"/>
-              <a:gd name="connsiteX2" fmla="*/ 196671 w 2781517"/>
-              <a:gd name="connsiteY2" fmla="*/ 1205402 h 3082492"/>
-              <a:gd name="connsiteX3" fmla="*/ 419695 w 2781517"/>
-              <a:gd name="connsiteY3" fmla="*/ 848563 h 3082492"/>
-              <a:gd name="connsiteX4" fmla="*/ 564664 w 2781517"/>
-              <a:gd name="connsiteY4" fmla="*/ 670144 h 3082492"/>
-              <a:gd name="connsiteX5" fmla="*/ 1331783 w 2781517"/>
-              <a:gd name="connsiteY5" fmla="*/ 3786 h 3082492"/>
-              <a:gd name="connsiteX6" fmla="*/ 2125833 w 2781517"/>
-              <a:gd name="connsiteY6" fmla="*/ 435968 h 3082492"/>
-              <a:gd name="connsiteX7" fmla="*/ 2661091 w 2781517"/>
-              <a:gd name="connsiteY7" fmla="*/ 1183099 h 3082492"/>
-              <a:gd name="connsiteX8" fmla="*/ 2765567 w 2781517"/>
-              <a:gd name="connsiteY8" fmla="*/ 2022214 h 3082492"/>
-              <a:gd name="connsiteX9" fmla="*/ 2281950 w 2781517"/>
-              <a:gd name="connsiteY9" fmla="*/ 2800025 h 3082492"/>
-              <a:gd name="connsiteX10" fmla="*/ 1331783 w 2781517"/>
-              <a:gd name="connsiteY10" fmla="*/ 3081638 h 3082492"/>
-              <a:gd name="connsiteX11" fmla="*/ 419696 w 2781517"/>
-              <a:gd name="connsiteY11" fmla="*/ 2866932 h 3082492"/>
-              <a:gd name="connsiteX12" fmla="*/ 42964 w 2781517"/>
-              <a:gd name="connsiteY12" fmla="*/ 2323298 h 3082492"/>
-              <a:gd name="connsiteX0" fmla="*/ 42964 w 2781517"/>
-              <a:gd name="connsiteY0" fmla="*/ 2320716 h 3079910"/>
-              <a:gd name="connsiteX1" fmla="*/ 40553 w 2781517"/>
-              <a:gd name="connsiteY1" fmla="*/ 1581961 h 3079910"/>
-              <a:gd name="connsiteX2" fmla="*/ 196671 w 2781517"/>
-              <a:gd name="connsiteY2" fmla="*/ 1202820 h 3079910"/>
-              <a:gd name="connsiteX3" fmla="*/ 419695 w 2781517"/>
-              <a:gd name="connsiteY3" fmla="*/ 845981 h 3079910"/>
-              <a:gd name="connsiteX4" fmla="*/ 564664 w 2781517"/>
-              <a:gd name="connsiteY4" fmla="*/ 667562 h 3079910"/>
-              <a:gd name="connsiteX5" fmla="*/ 1331783 w 2781517"/>
-              <a:gd name="connsiteY5" fmla="*/ 1204 h 3079910"/>
-              <a:gd name="connsiteX6" fmla="*/ 2136984 w 2781517"/>
-              <a:gd name="connsiteY6" fmla="*/ 522596 h 3079910"/>
-              <a:gd name="connsiteX7" fmla="*/ 2661091 w 2781517"/>
-              <a:gd name="connsiteY7" fmla="*/ 1180517 h 3079910"/>
-              <a:gd name="connsiteX8" fmla="*/ 2765567 w 2781517"/>
-              <a:gd name="connsiteY8" fmla="*/ 2019632 h 3079910"/>
-              <a:gd name="connsiteX9" fmla="*/ 2281950 w 2781517"/>
-              <a:gd name="connsiteY9" fmla="*/ 2797443 h 3079910"/>
-              <a:gd name="connsiteX10" fmla="*/ 1331783 w 2781517"/>
-              <a:gd name="connsiteY10" fmla="*/ 3079056 h 3079910"/>
-              <a:gd name="connsiteX11" fmla="*/ 419696 w 2781517"/>
-              <a:gd name="connsiteY11" fmla="*/ 2864350 h 3079910"/>
-              <a:gd name="connsiteX12" fmla="*/ 42964 w 2781517"/>
-              <a:gd name="connsiteY12" fmla="*/ 2320716 h 3079910"/>
-              <a:gd name="connsiteX0" fmla="*/ 42964 w 2781517"/>
-              <a:gd name="connsiteY0" fmla="*/ 2320716 h 3084175"/>
-              <a:gd name="connsiteX1" fmla="*/ 40553 w 2781517"/>
-              <a:gd name="connsiteY1" fmla="*/ 1581961 h 3084175"/>
-              <a:gd name="connsiteX2" fmla="*/ 196671 w 2781517"/>
-              <a:gd name="connsiteY2" fmla="*/ 1202820 h 3084175"/>
-              <a:gd name="connsiteX3" fmla="*/ 419695 w 2781517"/>
-              <a:gd name="connsiteY3" fmla="*/ 845981 h 3084175"/>
-              <a:gd name="connsiteX4" fmla="*/ 564664 w 2781517"/>
-              <a:gd name="connsiteY4" fmla="*/ 667562 h 3084175"/>
-              <a:gd name="connsiteX5" fmla="*/ 1331783 w 2781517"/>
-              <a:gd name="connsiteY5" fmla="*/ 1204 h 3084175"/>
-              <a:gd name="connsiteX6" fmla="*/ 2136984 w 2781517"/>
-              <a:gd name="connsiteY6" fmla="*/ 522596 h 3084175"/>
-              <a:gd name="connsiteX7" fmla="*/ 2661091 w 2781517"/>
-              <a:gd name="connsiteY7" fmla="*/ 1180517 h 3084175"/>
-              <a:gd name="connsiteX8" fmla="*/ 2765567 w 2781517"/>
-              <a:gd name="connsiteY8" fmla="*/ 2019632 h 3084175"/>
-              <a:gd name="connsiteX9" fmla="*/ 2159287 w 2781517"/>
-              <a:gd name="connsiteY9" fmla="*/ 2674779 h 3084175"/>
-              <a:gd name="connsiteX10" fmla="*/ 1331783 w 2781517"/>
-              <a:gd name="connsiteY10" fmla="*/ 3079056 h 3084175"/>
-              <a:gd name="connsiteX11" fmla="*/ 419696 w 2781517"/>
-              <a:gd name="connsiteY11" fmla="*/ 2864350 h 3084175"/>
-              <a:gd name="connsiteX12" fmla="*/ 42964 w 2781517"/>
-              <a:gd name="connsiteY12" fmla="*/ 2320716 h 3084175"/>
-              <a:gd name="connsiteX0" fmla="*/ 42964 w 2781517"/>
-              <a:gd name="connsiteY0" fmla="*/ 2320716 h 3082783"/>
-              <a:gd name="connsiteX1" fmla="*/ 40553 w 2781517"/>
-              <a:gd name="connsiteY1" fmla="*/ 1581961 h 3082783"/>
-              <a:gd name="connsiteX2" fmla="*/ 196671 w 2781517"/>
-              <a:gd name="connsiteY2" fmla="*/ 1202820 h 3082783"/>
-              <a:gd name="connsiteX3" fmla="*/ 419695 w 2781517"/>
-              <a:gd name="connsiteY3" fmla="*/ 845981 h 3082783"/>
-              <a:gd name="connsiteX4" fmla="*/ 564664 w 2781517"/>
-              <a:gd name="connsiteY4" fmla="*/ 667562 h 3082783"/>
-              <a:gd name="connsiteX5" fmla="*/ 1331783 w 2781517"/>
-              <a:gd name="connsiteY5" fmla="*/ 1204 h 3082783"/>
-              <a:gd name="connsiteX6" fmla="*/ 2136984 w 2781517"/>
-              <a:gd name="connsiteY6" fmla="*/ 522596 h 3082783"/>
-              <a:gd name="connsiteX7" fmla="*/ 2661091 w 2781517"/>
-              <a:gd name="connsiteY7" fmla="*/ 1180517 h 3082783"/>
-              <a:gd name="connsiteX8" fmla="*/ 2765567 w 2781517"/>
-              <a:gd name="connsiteY8" fmla="*/ 2019632 h 3082783"/>
-              <a:gd name="connsiteX9" fmla="*/ 2203892 w 2781517"/>
-              <a:gd name="connsiteY9" fmla="*/ 2708233 h 3082783"/>
-              <a:gd name="connsiteX10" fmla="*/ 1331783 w 2781517"/>
-              <a:gd name="connsiteY10" fmla="*/ 3079056 h 3082783"/>
-              <a:gd name="connsiteX11" fmla="*/ 419696 w 2781517"/>
-              <a:gd name="connsiteY11" fmla="*/ 2864350 h 3082783"/>
-              <a:gd name="connsiteX12" fmla="*/ 42964 w 2781517"/>
-              <a:gd name="connsiteY12" fmla="*/ 2320716 h 3082783"/>
-              <a:gd name="connsiteX0" fmla="*/ 42964 w 2735247"/>
-              <a:gd name="connsiteY0" fmla="*/ 2320716 h 3082783"/>
-              <a:gd name="connsiteX1" fmla="*/ 40553 w 2735247"/>
-              <a:gd name="connsiteY1" fmla="*/ 1581961 h 3082783"/>
-              <a:gd name="connsiteX2" fmla="*/ 196671 w 2735247"/>
-              <a:gd name="connsiteY2" fmla="*/ 1202820 h 3082783"/>
-              <a:gd name="connsiteX3" fmla="*/ 419695 w 2735247"/>
-              <a:gd name="connsiteY3" fmla="*/ 845981 h 3082783"/>
-              <a:gd name="connsiteX4" fmla="*/ 564664 w 2735247"/>
-              <a:gd name="connsiteY4" fmla="*/ 667562 h 3082783"/>
-              <a:gd name="connsiteX5" fmla="*/ 1331783 w 2735247"/>
-              <a:gd name="connsiteY5" fmla="*/ 1204 h 3082783"/>
-              <a:gd name="connsiteX6" fmla="*/ 2136984 w 2735247"/>
-              <a:gd name="connsiteY6" fmla="*/ 522596 h 3082783"/>
-              <a:gd name="connsiteX7" fmla="*/ 2661091 w 2735247"/>
-              <a:gd name="connsiteY7" fmla="*/ 1180517 h 3082783"/>
-              <a:gd name="connsiteX8" fmla="*/ 2698659 w 2735247"/>
-              <a:gd name="connsiteY8" fmla="*/ 1952725 h 3082783"/>
-              <a:gd name="connsiteX9" fmla="*/ 2203892 w 2735247"/>
-              <a:gd name="connsiteY9" fmla="*/ 2708233 h 3082783"/>
-              <a:gd name="connsiteX10" fmla="*/ 1331783 w 2735247"/>
-              <a:gd name="connsiteY10" fmla="*/ 3079056 h 3082783"/>
-              <a:gd name="connsiteX11" fmla="*/ 419696 w 2735247"/>
-              <a:gd name="connsiteY11" fmla="*/ 2864350 h 3082783"/>
-              <a:gd name="connsiteX12" fmla="*/ 42964 w 2735247"/>
-              <a:gd name="connsiteY12" fmla="*/ 2320716 h 3082783"/>
-              <a:gd name="connsiteX0" fmla="*/ 42964 w 2706463"/>
-              <a:gd name="connsiteY0" fmla="*/ 2320716 h 3082783"/>
-              <a:gd name="connsiteX1" fmla="*/ 40553 w 2706463"/>
-              <a:gd name="connsiteY1" fmla="*/ 1581961 h 3082783"/>
-              <a:gd name="connsiteX2" fmla="*/ 196671 w 2706463"/>
-              <a:gd name="connsiteY2" fmla="*/ 1202820 h 3082783"/>
-              <a:gd name="connsiteX3" fmla="*/ 419695 w 2706463"/>
-              <a:gd name="connsiteY3" fmla="*/ 845981 h 3082783"/>
-              <a:gd name="connsiteX4" fmla="*/ 564664 w 2706463"/>
-              <a:gd name="connsiteY4" fmla="*/ 667562 h 3082783"/>
-              <a:gd name="connsiteX5" fmla="*/ 1331783 w 2706463"/>
-              <a:gd name="connsiteY5" fmla="*/ 1204 h 3082783"/>
-              <a:gd name="connsiteX6" fmla="*/ 2136984 w 2706463"/>
-              <a:gd name="connsiteY6" fmla="*/ 522596 h 3082783"/>
-              <a:gd name="connsiteX7" fmla="*/ 2504974 w 2706463"/>
-              <a:gd name="connsiteY7" fmla="*/ 1202819 h 3082783"/>
-              <a:gd name="connsiteX8" fmla="*/ 2698659 w 2706463"/>
-              <a:gd name="connsiteY8" fmla="*/ 1952725 h 3082783"/>
-              <a:gd name="connsiteX9" fmla="*/ 2203892 w 2706463"/>
-              <a:gd name="connsiteY9" fmla="*/ 2708233 h 3082783"/>
-              <a:gd name="connsiteX10" fmla="*/ 1331783 w 2706463"/>
-              <a:gd name="connsiteY10" fmla="*/ 3079056 h 3082783"/>
-              <a:gd name="connsiteX11" fmla="*/ 419696 w 2706463"/>
-              <a:gd name="connsiteY11" fmla="*/ 2864350 h 3082783"/>
-              <a:gd name="connsiteX12" fmla="*/ 42964 w 2706463"/>
-              <a:gd name="connsiteY12" fmla="*/ 2320716 h 3082783"/>
-              <a:gd name="connsiteX0" fmla="*/ 42964 w 2710262"/>
-              <a:gd name="connsiteY0" fmla="*/ 2320716 h 3082783"/>
-              <a:gd name="connsiteX1" fmla="*/ 40553 w 2710262"/>
-              <a:gd name="connsiteY1" fmla="*/ 1581961 h 3082783"/>
-              <a:gd name="connsiteX2" fmla="*/ 196671 w 2710262"/>
-              <a:gd name="connsiteY2" fmla="*/ 1202820 h 3082783"/>
-              <a:gd name="connsiteX3" fmla="*/ 419695 w 2710262"/>
-              <a:gd name="connsiteY3" fmla="*/ 845981 h 3082783"/>
-              <a:gd name="connsiteX4" fmla="*/ 564664 w 2710262"/>
-              <a:gd name="connsiteY4" fmla="*/ 667562 h 3082783"/>
-              <a:gd name="connsiteX5" fmla="*/ 1331783 w 2710262"/>
-              <a:gd name="connsiteY5" fmla="*/ 1204 h 3082783"/>
-              <a:gd name="connsiteX6" fmla="*/ 2136984 w 2710262"/>
-              <a:gd name="connsiteY6" fmla="*/ 522596 h 3082783"/>
-              <a:gd name="connsiteX7" fmla="*/ 2560730 w 2710262"/>
-              <a:gd name="connsiteY7" fmla="*/ 1202819 h 3082783"/>
-              <a:gd name="connsiteX8" fmla="*/ 2698659 w 2710262"/>
-              <a:gd name="connsiteY8" fmla="*/ 1952725 h 3082783"/>
-              <a:gd name="connsiteX9" fmla="*/ 2203892 w 2710262"/>
-              <a:gd name="connsiteY9" fmla="*/ 2708233 h 3082783"/>
-              <a:gd name="connsiteX10" fmla="*/ 1331783 w 2710262"/>
-              <a:gd name="connsiteY10" fmla="*/ 3079056 h 3082783"/>
-              <a:gd name="connsiteX11" fmla="*/ 419696 w 2710262"/>
-              <a:gd name="connsiteY11" fmla="*/ 2864350 h 3082783"/>
-              <a:gd name="connsiteX12" fmla="*/ 42964 w 2710262"/>
-              <a:gd name="connsiteY12" fmla="*/ 2320716 h 3082783"/>
-            </a:gdLst>
-            <a:ahLst/>
-            <a:cxnLst>
-              <a:cxn ang="0">
-                <a:pos x="connsiteX0" y="connsiteY0"/>
-              </a:cxn>
-              <a:cxn ang="0">
-                <a:pos x="connsiteX1" y="connsiteY1"/>
-              </a:cxn>
-              <a:cxn ang="0">
-                <a:pos x="connsiteX2" y="connsiteY2"/>
-              </a:cxn>
-              <a:cxn ang="0">
-                <a:pos x="connsiteX3" y="connsiteY3"/>
-              </a:cxn>
-              <a:cxn ang="0">
-                <a:pos x="connsiteX4" y="connsiteY4"/>
-              </a:cxn>
-              <a:cxn ang="0">
-                <a:pos x="connsiteX5" y="connsiteY5"/>
-              </a:cxn>
-              <a:cxn ang="0">
-                <a:pos x="connsiteX6" y="connsiteY6"/>
-              </a:cxn>
-              <a:cxn ang="0">
-                <a:pos x="connsiteX7" y="connsiteY7"/>
-              </a:cxn>
-              <a:cxn ang="0">
-                <a:pos x="connsiteX8" y="connsiteY8"/>
-              </a:cxn>
-              <a:cxn ang="0">
-                <a:pos x="connsiteX9" y="connsiteY9"/>
-              </a:cxn>
-              <a:cxn ang="0">
-                <a:pos x="connsiteX10" y="connsiteY10"/>
-              </a:cxn>
-              <a:cxn ang="0">
-                <a:pos x="connsiteX11" y="connsiteY11"/>
-              </a:cxn>
-              <a:cxn ang="0">
-                <a:pos x="connsiteX12" y="connsiteY12"/>
-              </a:cxn>
-            </a:cxnLst>
-            <a:rect l="l" t="t" r="r" b="b"/>
-            <a:pathLst>
-              <a:path w="2710262" h="3082783">
-                <a:moveTo>
-                  <a:pt x="42964" y="2320716"/>
-                </a:moveTo>
-                <a:cubicBezTo>
-                  <a:pt x="-20226" y="2106985"/>
-                  <a:pt x="-7368" y="1870496"/>
-                  <a:pt x="40553" y="1581961"/>
-                </a:cubicBezTo>
-                <a:cubicBezTo>
-                  <a:pt x="86614" y="1375201"/>
-                  <a:pt x="100027" y="1319908"/>
-                  <a:pt x="196671" y="1202820"/>
-                </a:cubicBezTo>
-                <a:cubicBezTo>
-                  <a:pt x="252427" y="1080157"/>
-                  <a:pt x="358363" y="935191"/>
-                  <a:pt x="419695" y="845981"/>
-                </a:cubicBezTo>
-                <a:cubicBezTo>
-                  <a:pt x="481027" y="756771"/>
-                  <a:pt x="405215" y="808358"/>
-                  <a:pt x="564664" y="667562"/>
-                </a:cubicBezTo>
-                <a:cubicBezTo>
-                  <a:pt x="724113" y="526766"/>
-                  <a:pt x="1069730" y="25365"/>
-                  <a:pt x="1331783" y="1204"/>
-                </a:cubicBezTo>
-                <a:cubicBezTo>
-                  <a:pt x="1593836" y="-22957"/>
-                  <a:pt x="1937735" y="322327"/>
-                  <a:pt x="2136984" y="522596"/>
-                </a:cubicBezTo>
-                <a:cubicBezTo>
-                  <a:pt x="2336233" y="722865"/>
-                  <a:pt x="2454108" y="938445"/>
-                  <a:pt x="2560730" y="1202819"/>
-                </a:cubicBezTo>
-                <a:cubicBezTo>
-                  <a:pt x="2667352" y="1467193"/>
-                  <a:pt x="2739547" y="1686955"/>
-                  <a:pt x="2698659" y="1952725"/>
-                </a:cubicBezTo>
-                <a:cubicBezTo>
-                  <a:pt x="2657771" y="2218495"/>
-                  <a:pt x="2442856" y="2531662"/>
-                  <a:pt x="2203892" y="2708233"/>
-                </a:cubicBezTo>
-                <a:cubicBezTo>
-                  <a:pt x="1964928" y="2884804"/>
-                  <a:pt x="1629149" y="3053037"/>
-                  <a:pt x="1331783" y="3079056"/>
-                </a:cubicBezTo>
-                <a:cubicBezTo>
-                  <a:pt x="1034417" y="3105076"/>
-                  <a:pt x="634499" y="2990740"/>
-                  <a:pt x="419696" y="2864350"/>
-                </a:cubicBezTo>
-                <a:cubicBezTo>
-                  <a:pt x="204893" y="2737960"/>
-                  <a:pt x="106154" y="2534447"/>
-                  <a:pt x="42964" y="2320716"/>
-                </a:cubicBezTo>
-                <a:close/>
-              </a:path>
-            </a:pathLst>
-          </a:custGeom>
-          <a:solidFill>
-            <a:srgbClr val="F8DA00"/>
-          </a:solidFill>
-          <a:ln>
-            <a:noFill/>
-          </a:ln>
-        </p:spPr>
-        <p:style>
-          <a:lnRef idx="2">
-            <a:schemeClr val="accent1">
-              <a:shade val="50000"/>
-            </a:schemeClr>
-          </a:lnRef>
-          <a:fillRef idx="1">
-            <a:schemeClr val="accent1"/>
-          </a:fillRef>
-          <a:effectRef idx="0">
-            <a:schemeClr val="accent1"/>
-          </a:effectRef>
-          <a:fontRef idx="minor">
-            <a:schemeClr val="lt1"/>
-          </a:fontRef>
-        </p:style>
-        <p:txBody>
-          <a:bodyPr rtlCol="0" anchor="ctr"/>
-          <a:lstStyle/>
-          <a:p>
-            <a:pPr algn="ctr"/>
-            <a:endParaRPr lang="pt-BR"/>
-          </a:p>
-        </p:txBody>
-      </p:sp>
-      <p:sp>
-        <p:nvSpPr>
-          <p:cNvPr id="38" name="Elipse 37"/>
-          <p:cNvSpPr/>
-          <p:nvPr/>
-        </p:nvSpPr>
-        <p:spPr>
-          <a:xfrm rot="21249917">
-            <a:off x="3599628" y="1546713"/>
-            <a:ext cx="219842" cy="207608"/>
-          </a:xfrm>
-          <a:prstGeom prst="ellipse">
-            <a:avLst/>
-          </a:prstGeom>
-          <a:solidFill>
-            <a:srgbClr val="F68B32">
-              <a:alpha val="5882"/>
-            </a:srgbClr>
-          </a:solidFill>
-          <a:ln>
-            <a:noFill/>
-          </a:ln>
-          <a:effectLst>
-            <a:softEdge rad="12700"/>
-          </a:effectLst>
-        </p:spPr>
-        <p:style>
-          <a:lnRef idx="2">
-            <a:schemeClr val="accent1">
-              <a:shade val="50000"/>
-            </a:schemeClr>
-          </a:lnRef>
-          <a:fillRef idx="1">
-            <a:schemeClr val="accent1"/>
-          </a:fillRef>
-          <a:effectRef idx="0">
-            <a:schemeClr val="accent1"/>
-          </a:effectRef>
-          <a:fontRef idx="minor">
-            <a:schemeClr val="lt1"/>
-          </a:fontRef>
-        </p:style>
-        <p:txBody>
-          <a:bodyPr rtlCol="0" anchor="ctr"/>
-          <a:lstStyle/>
-          <a:p>
-            <a:pPr algn="ctr"/>
-            <a:endParaRPr lang="pt-BR"/>
-          </a:p>
-        </p:txBody>
-      </p:sp>
-      <p:sp>
-        <p:nvSpPr>
-          <p:cNvPr id="60" name="Retângulo 59"/>
-          <p:cNvSpPr/>
-          <p:nvPr/>
-        </p:nvSpPr>
-        <p:spPr>
-          <a:xfrm rot="19439266" flipH="1">
-            <a:off x="4056384" y="2001135"/>
-            <a:ext cx="2282823" cy="2156290"/>
-          </a:xfrm>
-          <a:custGeom>
-            <a:avLst/>
-            <a:gdLst/>
-            <a:ahLst/>
-            <a:cxnLst/>
-            <a:rect l="l" t="t" r="r" b="b"/>
-            <a:pathLst>
-              <a:path w="2282823" h="2156290">
-                <a:moveTo>
-                  <a:pt x="645966" y="0"/>
-                </a:moveTo>
-                <a:cubicBezTo>
-                  <a:pt x="567574" y="162018"/>
-                  <a:pt x="549336" y="365776"/>
-                  <a:pt x="607504" y="568703"/>
-                </a:cubicBezTo>
-                <a:lnTo>
-                  <a:pt x="32064" y="986973"/>
-                </a:lnTo>
-                <a:lnTo>
-                  <a:pt x="20479" y="938722"/>
-                </a:lnTo>
-                <a:lnTo>
-                  <a:pt x="16504" y="941611"/>
-                </a:lnTo>
-                <a:lnTo>
-                  <a:pt x="16504" y="754673"/>
-                </a:lnTo>
-                <a:cubicBezTo>
-                  <a:pt x="-18543" y="974818"/>
-                  <a:pt x="5368" y="1167740"/>
-                  <a:pt x="58685" y="1386042"/>
-                </a:cubicBezTo>
-                <a:lnTo>
-                  <a:pt x="96595" y="1527443"/>
-                </a:lnTo>
-                <a:cubicBezTo>
-                  <a:pt x="140908" y="1671337"/>
-                  <a:pt x="200426" y="1794284"/>
-                  <a:pt x="310257" y="1904504"/>
-                </a:cubicBezTo>
-                <a:cubicBezTo>
-                  <a:pt x="461797" y="2056580"/>
-                  <a:pt x="749755" y="2156263"/>
-                  <a:pt x="989394" y="2156290"/>
-                </a:cubicBezTo>
-                <a:cubicBezTo>
-                  <a:pt x="1229033" y="2156321"/>
-                  <a:pt x="1528280" y="2104797"/>
-                  <a:pt x="1735590" y="1979782"/>
-                </a:cubicBezTo>
-                <a:cubicBezTo>
-                  <a:pt x="1942900" y="1854766"/>
-                  <a:pt x="2151632" y="1590235"/>
-                  <a:pt x="2233255" y="1406201"/>
-                </a:cubicBezTo>
-                <a:cubicBezTo>
-                  <a:pt x="2310485" y="1232072"/>
-                  <a:pt x="2287141" y="1062920"/>
-                  <a:pt x="2233424" y="903185"/>
-                </a:cubicBezTo>
-                <a:cubicBezTo>
-                  <a:pt x="2185450" y="767501"/>
-                  <a:pt x="2097665" y="645825"/>
-                  <a:pt x="1976603" y="518439"/>
-                </a:cubicBezTo>
-                <a:cubicBezTo>
-                  <a:pt x="1935286" y="612776"/>
-                  <a:pt x="1868839" y="694936"/>
-                  <a:pt x="1781562" y="758374"/>
-                </a:cubicBezTo>
-                <a:cubicBezTo>
-                  <a:pt x="1476341" y="980230"/>
-                  <a:pt x="1031951" y="889109"/>
-                  <a:pt x="788987" y="554849"/>
-                </a:cubicBezTo>
-                <a:lnTo>
-                  <a:pt x="747072" y="488713"/>
-                </a:lnTo>
-                <a:cubicBezTo>
-                  <a:pt x="724095" y="322400"/>
-                  <a:pt x="750663" y="161426"/>
-                  <a:pt x="818760" y="30225"/>
-                </a:cubicBezTo>
-                <a:cubicBezTo>
-                  <a:pt x="762378" y="18347"/>
-                  <a:pt x="703680" y="7195"/>
-                  <a:pt x="645966" y="0"/>
-                </a:cubicBezTo>
-                <a:close/>
-              </a:path>
-            </a:pathLst>
-          </a:custGeom>
-          <a:solidFill>
-            <a:schemeClr val="tx2">
-              <a:lumMod val="60000"/>
-              <a:lumOff val="40000"/>
-            </a:schemeClr>
-          </a:solidFill>
-          <a:ln w="3175">
-            <a:solidFill>
-              <a:srgbClr val="0070C0"/>
-            </a:solidFill>
-          </a:ln>
-        </p:spPr>
-        <p:style>
-          <a:lnRef idx="2">
-            <a:schemeClr val="accent1">
-              <a:shade val="50000"/>
-            </a:schemeClr>
-          </a:lnRef>
-          <a:fillRef idx="1">
-            <a:schemeClr val="accent1"/>
-          </a:fillRef>
-          <a:effectRef idx="0">
-            <a:schemeClr val="accent1"/>
-          </a:effectRef>
-          <a:fontRef idx="minor">
-            <a:schemeClr val="lt1"/>
-          </a:fontRef>
-        </p:style>
-        <p:txBody>
-          <a:bodyPr rtlCol="0" anchor="ctr"/>
-          <a:lstStyle/>
-          <a:p>
-            <a:pPr algn="ctr"/>
-            <a:endParaRPr lang="pt-BR"/>
-          </a:p>
-        </p:txBody>
-      </p:sp>
       <p:grpSp>
         <p:nvGrpSpPr>
-          <p:cNvPr id="4" name="Grupo 3"/>
+          <p:cNvPr id="62" name="Agrupar 61">
+            <a:extLst>
+              <a:ext uri="{FF2B5EF4-FFF2-40B4-BE49-F238E27FC236}">
+                <a16:creationId xmlns:a16="http://schemas.microsoft.com/office/drawing/2014/main" id="{5D984498-FC7D-4899-BC7E-51CBF2E93738}"/>
+              </a:ext>
+            </a:extLst>
+          </p:cNvPr>
           <p:cNvGrpSpPr/>
           <p:nvPr/>
         </p:nvGrpSpPr>
         <p:grpSpPr>
           <a:xfrm>
-            <a:off x="4607706" y="274159"/>
-            <a:ext cx="1975428" cy="1832259"/>
-            <a:chOff x="4838870" y="2889266"/>
-            <a:chExt cx="1975428" cy="1832259"/>
+            <a:off x="4071871" y="421054"/>
+            <a:ext cx="3262791" cy="4210747"/>
+            <a:chOff x="4071871" y="421054"/>
+            <a:chExt cx="3262791" cy="4210747"/>
+          </a:xfrm>
+        </p:grpSpPr>
+        <p:grpSp>
+          <p:nvGrpSpPr>
+            <p:cNvPr id="51" name="Agrupar 50">
+              <a:extLst>
+                <a:ext uri="{FF2B5EF4-FFF2-40B4-BE49-F238E27FC236}">
+                  <a16:creationId xmlns:a16="http://schemas.microsoft.com/office/drawing/2014/main" id="{824E9E39-0B47-4280-86A6-1ED98930824C}"/>
+                </a:ext>
+              </a:extLst>
+            </p:cNvPr>
+            <p:cNvGrpSpPr/>
+            <p:nvPr/>
+          </p:nvGrpSpPr>
+          <p:grpSpPr>
+            <a:xfrm>
+              <a:off x="6085179" y="2632021"/>
+              <a:ext cx="1249483" cy="1792020"/>
+              <a:chOff x="7423610" y="4327061"/>
+              <a:chExt cx="1249483" cy="1792020"/>
+            </a:xfrm>
+          </p:grpSpPr>
+          <p:sp>
+            <p:nvSpPr>
+              <p:cNvPr id="53" name="Elipse 116">
+                <a:extLst>
+                  <a:ext uri="{FF2B5EF4-FFF2-40B4-BE49-F238E27FC236}">
+                    <a16:creationId xmlns:a16="http://schemas.microsoft.com/office/drawing/2014/main" id="{7BDF9AD9-EAE3-46C8-8943-D0E9040DDC23}"/>
+                  </a:ext>
+                </a:extLst>
+              </p:cNvPr>
+              <p:cNvSpPr/>
+              <p:nvPr/>
+            </p:nvSpPr>
+            <p:spPr>
+              <a:xfrm>
+                <a:off x="7423610" y="4327061"/>
+                <a:ext cx="1249483" cy="1792020"/>
+              </a:xfrm>
+              <a:custGeom>
+                <a:avLst/>
+                <a:gdLst/>
+                <a:ahLst/>
+                <a:cxnLst/>
+                <a:rect l="l" t="t" r="r" b="b"/>
+                <a:pathLst>
+                  <a:path w="1442626" h="2097814">
+                    <a:moveTo>
+                      <a:pt x="483238" y="0"/>
+                    </a:moveTo>
+                    <a:lnTo>
+                      <a:pt x="738604" y="340306"/>
+                    </a:lnTo>
+                    <a:cubicBezTo>
+                      <a:pt x="756652" y="334778"/>
+                      <a:pt x="775885" y="332281"/>
+                      <a:pt x="795744" y="332281"/>
+                    </a:cubicBezTo>
+                    <a:cubicBezTo>
+                      <a:pt x="846128" y="332281"/>
+                      <a:pt x="892484" y="348356"/>
+                      <a:pt x="927302" y="377928"/>
+                    </a:cubicBezTo>
+                    <a:lnTo>
+                      <a:pt x="1312008" y="343175"/>
+                    </a:lnTo>
+                    <a:lnTo>
+                      <a:pt x="1288125" y="704241"/>
+                    </a:lnTo>
+                    <a:lnTo>
+                      <a:pt x="978002" y="634176"/>
+                    </a:lnTo>
+                    <a:cubicBezTo>
+                      <a:pt x="973126" y="648210"/>
+                      <a:pt x="963800" y="659341"/>
+                      <a:pt x="953243" y="669383"/>
+                    </a:cubicBezTo>
+                    <a:cubicBezTo>
+                      <a:pt x="1182856" y="851360"/>
+                      <a:pt x="1442626" y="1284328"/>
+                      <a:pt x="1442626" y="1607349"/>
+                    </a:cubicBezTo>
+                    <a:cubicBezTo>
+                      <a:pt x="1442626" y="2025963"/>
+                      <a:pt x="1006356" y="2101404"/>
+                      <a:pt x="765918" y="2097687"/>
+                    </a:cubicBezTo>
+                    <a:cubicBezTo>
+                      <a:pt x="525480" y="2093970"/>
+                      <a:pt x="0" y="2003661"/>
+                      <a:pt x="0" y="1585047"/>
+                    </a:cubicBezTo>
+                    <a:cubicBezTo>
+                      <a:pt x="0" y="1242167"/>
+                      <a:pt x="352544" y="785380"/>
+                      <a:pt x="612423" y="633692"/>
+                    </a:cubicBezTo>
+                    <a:cubicBezTo>
+                      <a:pt x="590556" y="605665"/>
+                      <a:pt x="579720" y="570809"/>
+                      <a:pt x="579720" y="533594"/>
+                    </a:cubicBezTo>
+                    <a:lnTo>
+                      <a:pt x="580294" y="528293"/>
+                    </a:lnTo>
+                    <a:lnTo>
+                      <a:pt x="214726" y="283147"/>
+                    </a:lnTo>
+                    <a:close/>
+                  </a:path>
+                </a:pathLst>
+              </a:custGeom>
+              <a:solidFill>
+                <a:srgbClr val="7030A0"/>
+              </a:solidFill>
+              <a:ln>
+                <a:solidFill>
+                  <a:srgbClr val="512373"/>
+                </a:solidFill>
+              </a:ln>
+            </p:spPr>
+            <p:style>
+              <a:lnRef idx="2">
+                <a:schemeClr val="accent1">
+                  <a:shade val="50000"/>
+                </a:schemeClr>
+              </a:lnRef>
+              <a:fillRef idx="1">
+                <a:schemeClr val="accent1"/>
+              </a:fillRef>
+              <a:effectRef idx="0">
+                <a:schemeClr val="accent1"/>
+              </a:effectRef>
+              <a:fontRef idx="minor">
+                <a:schemeClr val="lt1"/>
+              </a:fontRef>
+            </p:style>
+            <p:txBody>
+              <a:bodyPr rtlCol="0" anchor="ctr"/>
+              <a:lstStyle/>
+              <a:p>
+                <a:pPr algn="ctr"/>
+                <a:endParaRPr lang="pt-BR" dirty="0"/>
+              </a:p>
+            </p:txBody>
+          </p:sp>
+          <p:sp>
+            <p:nvSpPr>
+              <p:cNvPr id="54" name="Elipse 117">
+                <a:extLst>
+                  <a:ext uri="{FF2B5EF4-FFF2-40B4-BE49-F238E27FC236}">
+                    <a16:creationId xmlns:a16="http://schemas.microsoft.com/office/drawing/2014/main" id="{32C5DEB8-FBDC-4AEA-92F8-BF891ADE9FFD}"/>
+                  </a:ext>
+                </a:extLst>
+              </p:cNvPr>
+              <p:cNvSpPr/>
+              <p:nvPr/>
+            </p:nvSpPr>
+            <p:spPr>
+              <a:xfrm rot="1028214">
+                <a:off x="7777068" y="4841207"/>
+                <a:ext cx="192912" cy="678268"/>
+              </a:xfrm>
+              <a:custGeom>
+                <a:avLst/>
+                <a:gdLst>
+                  <a:gd name="connsiteX0" fmla="*/ 0 w 207885"/>
+                  <a:gd name="connsiteY0" fmla="*/ 363551 h 727101"/>
+                  <a:gd name="connsiteX1" fmla="*/ 103943 w 207885"/>
+                  <a:gd name="connsiteY1" fmla="*/ 0 h 727101"/>
+                  <a:gd name="connsiteX2" fmla="*/ 207886 w 207885"/>
+                  <a:gd name="connsiteY2" fmla="*/ 363551 h 727101"/>
+                  <a:gd name="connsiteX3" fmla="*/ 103943 w 207885"/>
+                  <a:gd name="connsiteY3" fmla="*/ 727102 h 727101"/>
+                  <a:gd name="connsiteX4" fmla="*/ 0 w 207885"/>
+                  <a:gd name="connsiteY4" fmla="*/ 363551 h 727101"/>
+                  <a:gd name="connsiteX0" fmla="*/ 1 w 124236"/>
+                  <a:gd name="connsiteY0" fmla="*/ 408003 h 727638"/>
+                  <a:gd name="connsiteX1" fmla="*/ 20293 w 124236"/>
+                  <a:gd name="connsiteY1" fmla="*/ 230 h 727638"/>
+                  <a:gd name="connsiteX2" fmla="*/ 124236 w 124236"/>
+                  <a:gd name="connsiteY2" fmla="*/ 363781 h 727638"/>
+                  <a:gd name="connsiteX3" fmla="*/ 20293 w 124236"/>
+                  <a:gd name="connsiteY3" fmla="*/ 727332 h 727638"/>
+                  <a:gd name="connsiteX4" fmla="*/ 1 w 124236"/>
+                  <a:gd name="connsiteY4" fmla="*/ 408003 h 727638"/>
+                  <a:gd name="connsiteX0" fmla="*/ 98216 w 222451"/>
+                  <a:gd name="connsiteY0" fmla="*/ 408003 h 693191"/>
+                  <a:gd name="connsiteX1" fmla="*/ 118508 w 222451"/>
+                  <a:gd name="connsiteY1" fmla="*/ 230 h 693191"/>
+                  <a:gd name="connsiteX2" fmla="*/ 222451 w 222451"/>
+                  <a:gd name="connsiteY2" fmla="*/ 363781 h 693191"/>
+                  <a:gd name="connsiteX3" fmla="*/ 2888 w 222451"/>
+                  <a:gd name="connsiteY3" fmla="*/ 692968 h 693191"/>
+                  <a:gd name="connsiteX4" fmla="*/ 98216 w 222451"/>
+                  <a:gd name="connsiteY4" fmla="*/ 408003 h 693191"/>
+                  <a:gd name="connsiteX0" fmla="*/ 98497 w 222732"/>
+                  <a:gd name="connsiteY0" fmla="*/ 508799 h 794009"/>
+                  <a:gd name="connsiteX1" fmla="*/ 181038 w 222732"/>
+                  <a:gd name="connsiteY1" fmla="*/ 147 h 794009"/>
+                  <a:gd name="connsiteX2" fmla="*/ 222732 w 222732"/>
+                  <a:gd name="connsiteY2" fmla="*/ 464577 h 794009"/>
+                  <a:gd name="connsiteX3" fmla="*/ 3169 w 222732"/>
+                  <a:gd name="connsiteY3" fmla="*/ 793764 h 794009"/>
+                  <a:gd name="connsiteX4" fmla="*/ 98497 w 222732"/>
+                  <a:gd name="connsiteY4" fmla="*/ 508799 h 794009"/>
+                </a:gdLst>
+                <a:ahLst/>
+                <a:cxnLst>
+                  <a:cxn ang="0">
+                    <a:pos x="connsiteX0" y="connsiteY0"/>
+                  </a:cxn>
+                  <a:cxn ang="0">
+                    <a:pos x="connsiteX1" y="connsiteY1"/>
+                  </a:cxn>
+                  <a:cxn ang="0">
+                    <a:pos x="connsiteX2" y="connsiteY2"/>
+                  </a:cxn>
+                  <a:cxn ang="0">
+                    <a:pos x="connsiteX3" y="connsiteY3"/>
+                  </a:cxn>
+                  <a:cxn ang="0">
+                    <a:pos x="connsiteX4" y="connsiteY4"/>
+                  </a:cxn>
+                </a:cxnLst>
+                <a:rect l="l" t="t" r="r" b="b"/>
+                <a:pathLst>
+                  <a:path w="222732" h="794009">
+                    <a:moveTo>
+                      <a:pt x="98497" y="508799"/>
+                    </a:moveTo>
+                    <a:cubicBezTo>
+                      <a:pt x="128142" y="376530"/>
+                      <a:pt x="160332" y="7517"/>
+                      <a:pt x="181038" y="147"/>
+                    </a:cubicBezTo>
+                    <a:cubicBezTo>
+                      <a:pt x="201744" y="-7223"/>
+                      <a:pt x="222732" y="263793"/>
+                      <a:pt x="222732" y="464577"/>
+                    </a:cubicBezTo>
+                    <a:cubicBezTo>
+                      <a:pt x="222732" y="665361"/>
+                      <a:pt x="23875" y="786394"/>
+                      <a:pt x="3169" y="793764"/>
+                    </a:cubicBezTo>
+                    <a:cubicBezTo>
+                      <a:pt x="-17537" y="801134"/>
+                      <a:pt x="68852" y="641069"/>
+                      <a:pt x="98497" y="508799"/>
+                    </a:cubicBezTo>
+                    <a:close/>
+                  </a:path>
+                </a:pathLst>
+              </a:custGeom>
+              <a:solidFill>
+                <a:srgbClr val="512373"/>
+              </a:solidFill>
+              <a:ln>
+                <a:noFill/>
+              </a:ln>
+            </p:spPr>
+            <p:style>
+              <a:lnRef idx="2">
+                <a:schemeClr val="accent1">
+                  <a:shade val="50000"/>
+                </a:schemeClr>
+              </a:lnRef>
+              <a:fillRef idx="1">
+                <a:schemeClr val="accent1"/>
+              </a:fillRef>
+              <a:effectRef idx="0">
+                <a:schemeClr val="accent1"/>
+              </a:effectRef>
+              <a:fontRef idx="minor">
+                <a:schemeClr val="lt1"/>
+              </a:fontRef>
+            </p:style>
+            <p:txBody>
+              <a:bodyPr rtlCol="0" anchor="ctr"/>
+              <a:lstStyle/>
+              <a:p>
+                <a:pPr algn="ctr"/>
+                <a:endParaRPr lang="pt-BR"/>
+              </a:p>
+            </p:txBody>
+          </p:sp>
+          <p:sp>
+            <p:nvSpPr>
+              <p:cNvPr id="55" name="Elipse 117">
+                <a:extLst>
+                  <a:ext uri="{FF2B5EF4-FFF2-40B4-BE49-F238E27FC236}">
+                    <a16:creationId xmlns:a16="http://schemas.microsoft.com/office/drawing/2014/main" id="{3D89E07B-FDD2-4AA1-8254-4495A4E5F84E}"/>
+                  </a:ext>
+                </a:extLst>
+              </p:cNvPr>
+              <p:cNvSpPr/>
+              <p:nvPr/>
+            </p:nvSpPr>
+            <p:spPr>
+              <a:xfrm rot="20571786" flipH="1">
+                <a:off x="8200523" y="4842090"/>
+                <a:ext cx="141824" cy="649274"/>
+              </a:xfrm>
+              <a:custGeom>
+                <a:avLst/>
+                <a:gdLst>
+                  <a:gd name="connsiteX0" fmla="*/ 0 w 207885"/>
+                  <a:gd name="connsiteY0" fmla="*/ 363551 h 727101"/>
+                  <a:gd name="connsiteX1" fmla="*/ 103943 w 207885"/>
+                  <a:gd name="connsiteY1" fmla="*/ 0 h 727101"/>
+                  <a:gd name="connsiteX2" fmla="*/ 207886 w 207885"/>
+                  <a:gd name="connsiteY2" fmla="*/ 363551 h 727101"/>
+                  <a:gd name="connsiteX3" fmla="*/ 103943 w 207885"/>
+                  <a:gd name="connsiteY3" fmla="*/ 727102 h 727101"/>
+                  <a:gd name="connsiteX4" fmla="*/ 0 w 207885"/>
+                  <a:gd name="connsiteY4" fmla="*/ 363551 h 727101"/>
+                  <a:gd name="connsiteX0" fmla="*/ 1 w 124236"/>
+                  <a:gd name="connsiteY0" fmla="*/ 408003 h 727638"/>
+                  <a:gd name="connsiteX1" fmla="*/ 20293 w 124236"/>
+                  <a:gd name="connsiteY1" fmla="*/ 230 h 727638"/>
+                  <a:gd name="connsiteX2" fmla="*/ 124236 w 124236"/>
+                  <a:gd name="connsiteY2" fmla="*/ 363781 h 727638"/>
+                  <a:gd name="connsiteX3" fmla="*/ 20293 w 124236"/>
+                  <a:gd name="connsiteY3" fmla="*/ 727332 h 727638"/>
+                  <a:gd name="connsiteX4" fmla="*/ 1 w 124236"/>
+                  <a:gd name="connsiteY4" fmla="*/ 408003 h 727638"/>
+                  <a:gd name="connsiteX0" fmla="*/ 98216 w 222451"/>
+                  <a:gd name="connsiteY0" fmla="*/ 408003 h 693191"/>
+                  <a:gd name="connsiteX1" fmla="*/ 118508 w 222451"/>
+                  <a:gd name="connsiteY1" fmla="*/ 230 h 693191"/>
+                  <a:gd name="connsiteX2" fmla="*/ 222451 w 222451"/>
+                  <a:gd name="connsiteY2" fmla="*/ 363781 h 693191"/>
+                  <a:gd name="connsiteX3" fmla="*/ 2888 w 222451"/>
+                  <a:gd name="connsiteY3" fmla="*/ 692968 h 693191"/>
+                  <a:gd name="connsiteX4" fmla="*/ 98216 w 222451"/>
+                  <a:gd name="connsiteY4" fmla="*/ 408003 h 693191"/>
+                  <a:gd name="connsiteX0" fmla="*/ 98497 w 222732"/>
+                  <a:gd name="connsiteY0" fmla="*/ 508799 h 794009"/>
+                  <a:gd name="connsiteX1" fmla="*/ 181038 w 222732"/>
+                  <a:gd name="connsiteY1" fmla="*/ 147 h 794009"/>
+                  <a:gd name="connsiteX2" fmla="*/ 222732 w 222732"/>
+                  <a:gd name="connsiteY2" fmla="*/ 464577 h 794009"/>
+                  <a:gd name="connsiteX3" fmla="*/ 3169 w 222732"/>
+                  <a:gd name="connsiteY3" fmla="*/ 793764 h 794009"/>
+                  <a:gd name="connsiteX4" fmla="*/ 98497 w 222732"/>
+                  <a:gd name="connsiteY4" fmla="*/ 508799 h 794009"/>
+                </a:gdLst>
+                <a:ahLst/>
+                <a:cxnLst>
+                  <a:cxn ang="0">
+                    <a:pos x="connsiteX0" y="connsiteY0"/>
+                  </a:cxn>
+                  <a:cxn ang="0">
+                    <a:pos x="connsiteX1" y="connsiteY1"/>
+                  </a:cxn>
+                  <a:cxn ang="0">
+                    <a:pos x="connsiteX2" y="connsiteY2"/>
+                  </a:cxn>
+                  <a:cxn ang="0">
+                    <a:pos x="connsiteX3" y="connsiteY3"/>
+                  </a:cxn>
+                  <a:cxn ang="0">
+                    <a:pos x="connsiteX4" y="connsiteY4"/>
+                  </a:cxn>
+                </a:cxnLst>
+                <a:rect l="l" t="t" r="r" b="b"/>
+                <a:pathLst>
+                  <a:path w="222732" h="794009">
+                    <a:moveTo>
+                      <a:pt x="98497" y="508799"/>
+                    </a:moveTo>
+                    <a:cubicBezTo>
+                      <a:pt x="128142" y="376530"/>
+                      <a:pt x="160332" y="7517"/>
+                      <a:pt x="181038" y="147"/>
+                    </a:cubicBezTo>
+                    <a:cubicBezTo>
+                      <a:pt x="201744" y="-7223"/>
+                      <a:pt x="222732" y="263793"/>
+                      <a:pt x="222732" y="464577"/>
+                    </a:cubicBezTo>
+                    <a:cubicBezTo>
+                      <a:pt x="222732" y="665361"/>
+                      <a:pt x="23875" y="786394"/>
+                      <a:pt x="3169" y="793764"/>
+                    </a:cubicBezTo>
+                    <a:cubicBezTo>
+                      <a:pt x="-17537" y="801134"/>
+                      <a:pt x="68852" y="641069"/>
+                      <a:pt x="98497" y="508799"/>
+                    </a:cubicBezTo>
+                    <a:close/>
+                  </a:path>
+                </a:pathLst>
+              </a:custGeom>
+              <a:solidFill>
+                <a:srgbClr val="512373"/>
+              </a:solidFill>
+              <a:ln>
+                <a:noFill/>
+              </a:ln>
+            </p:spPr>
+            <p:style>
+              <a:lnRef idx="2">
+                <a:schemeClr val="accent1">
+                  <a:shade val="50000"/>
+                </a:schemeClr>
+              </a:lnRef>
+              <a:fillRef idx="1">
+                <a:schemeClr val="accent1"/>
+              </a:fillRef>
+              <a:effectRef idx="0">
+                <a:schemeClr val="accent1"/>
+              </a:effectRef>
+              <a:fontRef idx="minor">
+                <a:schemeClr val="lt1"/>
+              </a:fontRef>
+            </p:style>
+            <p:txBody>
+              <a:bodyPr rtlCol="0" anchor="ctr"/>
+              <a:lstStyle/>
+              <a:p>
+                <a:pPr algn="ctr"/>
+                <a:endParaRPr lang="pt-BR" dirty="0"/>
+              </a:p>
+            </p:txBody>
+          </p:sp>
+          <p:sp>
+            <p:nvSpPr>
+              <p:cNvPr id="56" name="Elipse 133">
+                <a:extLst>
+                  <a:ext uri="{FF2B5EF4-FFF2-40B4-BE49-F238E27FC236}">
+                    <a16:creationId xmlns:a16="http://schemas.microsoft.com/office/drawing/2014/main" id="{EEB69653-16DA-40E1-9C01-28ED6759440A}"/>
+                  </a:ext>
+                </a:extLst>
+              </p:cNvPr>
+              <p:cNvSpPr/>
+              <p:nvPr/>
+            </p:nvSpPr>
+            <p:spPr>
+              <a:xfrm>
+                <a:off x="7939565" y="4609481"/>
+                <a:ext cx="336900" cy="287480"/>
+              </a:xfrm>
+              <a:custGeom>
+                <a:avLst/>
+                <a:gdLst/>
+                <a:ahLst/>
+                <a:cxnLst/>
+                <a:rect l="l" t="t" r="r" b="b"/>
+                <a:pathLst>
+                  <a:path w="388978" h="336536">
+                    <a:moveTo>
+                      <a:pt x="194495" y="336535"/>
+                    </a:moveTo>
+                    <a:cubicBezTo>
+                      <a:pt x="194493" y="336536"/>
+                      <a:pt x="194491" y="336536"/>
+                      <a:pt x="194489" y="336536"/>
+                    </a:cubicBezTo>
+                    <a:lnTo>
+                      <a:pt x="194489" y="336536"/>
+                    </a:lnTo>
+                    <a:close/>
+                    <a:moveTo>
+                      <a:pt x="194489" y="0"/>
+                    </a:moveTo>
+                    <a:cubicBezTo>
+                      <a:pt x="301902" y="0"/>
+                      <a:pt x="388978" y="75336"/>
+                      <a:pt x="388978" y="168268"/>
+                    </a:cubicBezTo>
+                    <a:cubicBezTo>
+                      <a:pt x="388978" y="192592"/>
+                      <a:pt x="383013" y="215710"/>
+                      <a:pt x="371719" y="236300"/>
+                    </a:cubicBezTo>
+                    <a:cubicBezTo>
+                      <a:pt x="376745" y="225043"/>
+                      <a:pt x="379041" y="212902"/>
+                      <a:pt x="379041" y="200365"/>
+                    </a:cubicBezTo>
+                    <a:cubicBezTo>
+                      <a:pt x="379041" y="125160"/>
+                      <a:pt x="296414" y="64194"/>
+                      <a:pt x="194488" y="64194"/>
+                    </a:cubicBezTo>
+                    <a:cubicBezTo>
+                      <a:pt x="92562" y="64194"/>
+                      <a:pt x="9935" y="125160"/>
+                      <a:pt x="9935" y="200365"/>
+                    </a:cubicBezTo>
+                    <a:cubicBezTo>
+                      <a:pt x="9935" y="212900"/>
+                      <a:pt x="12230" y="225039"/>
+                      <a:pt x="17255" y="236295"/>
+                    </a:cubicBezTo>
+                    <a:cubicBezTo>
+                      <a:pt x="5964" y="215706"/>
+                      <a:pt x="0" y="192590"/>
+                      <a:pt x="0" y="168268"/>
+                    </a:cubicBezTo>
+                    <a:cubicBezTo>
+                      <a:pt x="0" y="75336"/>
+                      <a:pt x="87076" y="0"/>
+                      <a:pt x="194489" y="0"/>
+                    </a:cubicBezTo>
+                    <a:close/>
+                  </a:path>
+                </a:pathLst>
+              </a:custGeom>
+              <a:solidFill>
+                <a:srgbClr val="512373"/>
+              </a:solidFill>
+              <a:ln>
+                <a:noFill/>
+              </a:ln>
+            </p:spPr>
+            <p:style>
+              <a:lnRef idx="2">
+                <a:schemeClr val="accent1">
+                  <a:shade val="50000"/>
+                </a:schemeClr>
+              </a:lnRef>
+              <a:fillRef idx="1">
+                <a:schemeClr val="accent1"/>
+              </a:fillRef>
+              <a:effectRef idx="0">
+                <a:schemeClr val="accent1"/>
+              </a:effectRef>
+              <a:fontRef idx="minor">
+                <a:schemeClr val="lt1"/>
+              </a:fontRef>
+            </p:style>
+            <p:txBody>
+              <a:bodyPr rtlCol="0" anchor="ctr"/>
+              <a:lstStyle/>
+              <a:p>
+                <a:pPr algn="r"/>
+                <a:endParaRPr lang="pt-BR" dirty="0"/>
+              </a:p>
+            </p:txBody>
+          </p:sp>
+        </p:grpSp>
+        <p:sp>
+          <p:nvSpPr>
+            <p:cNvPr id="59" name="Forma Livre: Forma 58">
+              <a:extLst>
+                <a:ext uri="{FF2B5EF4-FFF2-40B4-BE49-F238E27FC236}">
+                  <a16:creationId xmlns:a16="http://schemas.microsoft.com/office/drawing/2014/main" id="{0946D8FC-2700-4A9E-8AA7-BF319667256B}"/>
+                </a:ext>
+              </a:extLst>
+            </p:cNvPr>
+            <p:cNvSpPr/>
+            <p:nvPr/>
+          </p:nvSpPr>
+          <p:spPr>
+            <a:xfrm rot="19647779">
+              <a:off x="6136025" y="2362740"/>
+              <a:ext cx="663737" cy="1142114"/>
+            </a:xfrm>
+            <a:custGeom>
+              <a:avLst/>
+              <a:gdLst>
+                <a:gd name="connsiteX0" fmla="*/ 192989 w 663737"/>
+                <a:gd name="connsiteY0" fmla="*/ 13733 h 1142114"/>
+                <a:gd name="connsiteX1" fmla="*/ 321306 w 663737"/>
+                <a:gd name="connsiteY1" fmla="*/ 432048 h 1142114"/>
+                <a:gd name="connsiteX2" fmla="*/ 368389 w 663737"/>
+                <a:gd name="connsiteY2" fmla="*/ 737288 h 1142114"/>
+                <a:gd name="connsiteX3" fmla="*/ 367359 w 663737"/>
+                <a:gd name="connsiteY3" fmla="*/ 764338 h 1142114"/>
+                <a:gd name="connsiteX4" fmla="*/ 436171 w 663737"/>
+                <a:gd name="connsiteY4" fmla="*/ 775079 h 1142114"/>
+                <a:gd name="connsiteX5" fmla="*/ 524240 w 663737"/>
+                <a:gd name="connsiteY5" fmla="*/ 816260 h 1142114"/>
+                <a:gd name="connsiteX6" fmla="*/ 646439 w 663737"/>
+                <a:gd name="connsiteY6" fmla="*/ 1085160 h 1142114"/>
+                <a:gd name="connsiteX7" fmla="*/ 351086 w 663737"/>
+                <a:gd name="connsiteY7" fmla="*/ 1087670 h 1142114"/>
+                <a:gd name="connsiteX8" fmla="*/ 276625 w 663737"/>
+                <a:gd name="connsiteY8" fmla="*/ 1025160 h 1142114"/>
+                <a:gd name="connsiteX9" fmla="*/ 252644 w 663737"/>
+                <a:gd name="connsiteY9" fmla="*/ 989335 h 1142114"/>
+                <a:gd name="connsiteX10" fmla="*/ 241518 w 663737"/>
+                <a:gd name="connsiteY10" fmla="*/ 974930 h 1142114"/>
+                <a:gd name="connsiteX11" fmla="*/ 2314 w 663737"/>
+                <a:gd name="connsiteY11" fmla="*/ 432048 h 1142114"/>
+                <a:gd name="connsiteX12" fmla="*/ 161810 w 663737"/>
+                <a:gd name="connsiteY12" fmla="*/ 0 h 1142114"/>
+                <a:gd name="connsiteX13" fmla="*/ 192989 w 663737"/>
+                <a:gd name="connsiteY13" fmla="*/ 13733 h 1142114"/>
+              </a:gdLst>
+              <a:ahLst/>
+              <a:cxnLst>
+                <a:cxn ang="0">
+                  <a:pos x="connsiteX0" y="connsiteY0"/>
+                </a:cxn>
+                <a:cxn ang="0">
+                  <a:pos x="connsiteX1" y="connsiteY1"/>
+                </a:cxn>
+                <a:cxn ang="0">
+                  <a:pos x="connsiteX2" y="connsiteY2"/>
+                </a:cxn>
+                <a:cxn ang="0">
+                  <a:pos x="connsiteX3" y="connsiteY3"/>
+                </a:cxn>
+                <a:cxn ang="0">
+                  <a:pos x="connsiteX4" y="connsiteY4"/>
+                </a:cxn>
+                <a:cxn ang="0">
+                  <a:pos x="connsiteX5" y="connsiteY5"/>
+                </a:cxn>
+                <a:cxn ang="0">
+                  <a:pos x="connsiteX6" y="connsiteY6"/>
+                </a:cxn>
+                <a:cxn ang="0">
+                  <a:pos x="connsiteX7" y="connsiteY7"/>
+                </a:cxn>
+                <a:cxn ang="0">
+                  <a:pos x="connsiteX8" y="connsiteY8"/>
+                </a:cxn>
+                <a:cxn ang="0">
+                  <a:pos x="connsiteX9" y="connsiteY9"/>
+                </a:cxn>
+                <a:cxn ang="0">
+                  <a:pos x="connsiteX10" y="connsiteY10"/>
+                </a:cxn>
+                <a:cxn ang="0">
+                  <a:pos x="connsiteX11" y="connsiteY11"/>
+                </a:cxn>
+                <a:cxn ang="0">
+                  <a:pos x="connsiteX12" y="connsiteY12"/>
+                </a:cxn>
+                <a:cxn ang="0">
+                  <a:pos x="connsiteX13" y="connsiteY13"/>
+                </a:cxn>
+              </a:cxnLst>
+              <a:rect l="l" t="t" r="r" b="b"/>
+              <a:pathLst>
+                <a:path w="663737" h="1142114">
+                  <a:moveTo>
+                    <a:pt x="192989" y="13733"/>
+                  </a:moveTo>
+                  <a:cubicBezTo>
+                    <a:pt x="261490" y="75495"/>
+                    <a:pt x="300730" y="328983"/>
+                    <a:pt x="321306" y="432048"/>
+                  </a:cubicBezTo>
+                  <a:cubicBezTo>
+                    <a:pt x="338942" y="520390"/>
+                    <a:pt x="366784" y="648417"/>
+                    <a:pt x="368389" y="737288"/>
+                  </a:cubicBezTo>
+                  <a:lnTo>
+                    <a:pt x="367359" y="764338"/>
+                  </a:lnTo>
+                  <a:lnTo>
+                    <a:pt x="436171" y="775079"/>
+                  </a:lnTo>
+                  <a:cubicBezTo>
+                    <a:pt x="465530" y="784147"/>
+                    <a:pt x="495414" y="797870"/>
+                    <a:pt x="524240" y="816260"/>
+                  </a:cubicBezTo>
+                  <a:cubicBezTo>
+                    <a:pt x="639544" y="889822"/>
+                    <a:pt x="694254" y="1010212"/>
+                    <a:pt x="646439" y="1085160"/>
+                  </a:cubicBezTo>
+                  <a:cubicBezTo>
+                    <a:pt x="598624" y="1160107"/>
+                    <a:pt x="466390" y="1161232"/>
+                    <a:pt x="351086" y="1087670"/>
+                  </a:cubicBezTo>
+                  <a:cubicBezTo>
+                    <a:pt x="322260" y="1069279"/>
+                    <a:pt x="297221" y="1047962"/>
+                    <a:pt x="276625" y="1025160"/>
+                  </a:cubicBezTo>
+                  <a:lnTo>
+                    <a:pt x="252644" y="989335"/>
+                  </a:lnTo>
+                  <a:lnTo>
+                    <a:pt x="241518" y="974930"/>
+                  </a:lnTo>
+                  <a:cubicBezTo>
+                    <a:pt x="165070" y="863907"/>
+                    <a:pt x="17999" y="579484"/>
+                    <a:pt x="2314" y="432048"/>
+                  </a:cubicBezTo>
+                  <a:cubicBezTo>
+                    <a:pt x="-15612" y="263550"/>
+                    <a:pt x="73723" y="0"/>
+                    <a:pt x="161810" y="0"/>
+                  </a:cubicBezTo>
+                  <a:cubicBezTo>
+                    <a:pt x="172821" y="0"/>
+                    <a:pt x="183204" y="4910"/>
+                    <a:pt x="192989" y="13733"/>
+                  </a:cubicBezTo>
+                  <a:close/>
+                </a:path>
+              </a:pathLst>
+            </a:custGeom>
+            <a:solidFill>
+              <a:srgbClr val="FCC7A6"/>
+            </a:solidFill>
+            <a:ln>
+              <a:noFill/>
+            </a:ln>
+          </p:spPr>
+          <p:style>
+            <a:lnRef idx="2">
+              <a:schemeClr val="accent1">
+                <a:shade val="50000"/>
+              </a:schemeClr>
+            </a:lnRef>
+            <a:fillRef idx="1">
+              <a:schemeClr val="accent1"/>
+            </a:fillRef>
+            <a:effectRef idx="0">
+              <a:schemeClr val="accent1"/>
+            </a:effectRef>
+            <a:fontRef idx="minor">
+              <a:schemeClr val="lt1"/>
+            </a:fontRef>
+          </p:style>
+          <p:txBody>
+            <a:bodyPr rtlCol="0" anchor="ctr"/>
+            <a:lstStyle/>
+            <a:p>
+              <a:pPr algn="ctr"/>
+              <a:endParaRPr lang="pt-BR"/>
+            </a:p>
+          </p:txBody>
+        </p:sp>
+        <p:grpSp>
+          <p:nvGrpSpPr>
+            <p:cNvPr id="39" name="Agrupar 38">
+              <a:extLst>
+                <a:ext uri="{FF2B5EF4-FFF2-40B4-BE49-F238E27FC236}">
+                  <a16:creationId xmlns:a16="http://schemas.microsoft.com/office/drawing/2014/main" id="{E68C5C5E-A38A-47FD-86CC-61055B611B61}"/>
+                </a:ext>
+              </a:extLst>
+            </p:cNvPr>
+            <p:cNvGrpSpPr/>
+            <p:nvPr/>
+          </p:nvGrpSpPr>
+          <p:grpSpPr>
+            <a:xfrm>
+              <a:off x="4771735" y="3668232"/>
+              <a:ext cx="573117" cy="963569"/>
+              <a:chOff x="6596009" y="4399452"/>
+              <a:chExt cx="573117" cy="963569"/>
+            </a:xfrm>
+          </p:grpSpPr>
+          <p:sp>
+            <p:nvSpPr>
+              <p:cNvPr id="40" name="Elipse 43">
+                <a:extLst>
+                  <a:ext uri="{FF2B5EF4-FFF2-40B4-BE49-F238E27FC236}">
+                    <a16:creationId xmlns:a16="http://schemas.microsoft.com/office/drawing/2014/main" id="{457E14C2-BF01-40B9-ABD6-2579EB19006F}"/>
+                  </a:ext>
+                </a:extLst>
+              </p:cNvPr>
+              <p:cNvSpPr/>
+              <p:nvPr/>
+            </p:nvSpPr>
+            <p:spPr>
+              <a:xfrm>
+                <a:off x="6596009" y="4399452"/>
+                <a:ext cx="561214" cy="960165"/>
+              </a:xfrm>
+              <a:custGeom>
+                <a:avLst/>
+                <a:gdLst/>
+                <a:ahLst/>
+                <a:cxnLst/>
+                <a:rect l="l" t="t" r="r" b="b"/>
+                <a:pathLst>
+                  <a:path w="561214" h="960165">
+                    <a:moveTo>
+                      <a:pt x="57584" y="0"/>
+                    </a:moveTo>
+                    <a:lnTo>
+                      <a:pt x="287916" y="0"/>
+                    </a:lnTo>
+                    <a:cubicBezTo>
+                      <a:pt x="319719" y="0"/>
+                      <a:pt x="345500" y="25781"/>
+                      <a:pt x="345500" y="57584"/>
+                    </a:cubicBezTo>
+                    <a:lnTo>
+                      <a:pt x="345500" y="633275"/>
+                    </a:lnTo>
+                    <a:cubicBezTo>
+                      <a:pt x="469208" y="646874"/>
+                      <a:pt x="561214" y="713446"/>
+                      <a:pt x="561214" y="792995"/>
+                    </a:cubicBezTo>
+                    <a:cubicBezTo>
+                      <a:pt x="561214" y="885320"/>
+                      <a:pt x="437281" y="960165"/>
+                      <a:pt x="284401" y="960165"/>
+                    </a:cubicBezTo>
+                    <a:cubicBezTo>
+                      <a:pt x="131521" y="960165"/>
+                      <a:pt x="7588" y="885320"/>
+                      <a:pt x="7588" y="792995"/>
+                    </a:cubicBezTo>
+                    <a:lnTo>
+                      <a:pt x="11623" y="768822"/>
+                    </a:lnTo>
+                    <a:cubicBezTo>
+                      <a:pt x="3994" y="759983"/>
+                      <a:pt x="0" y="748398"/>
+                      <a:pt x="0" y="735880"/>
+                    </a:cubicBezTo>
+                    <a:lnTo>
+                      <a:pt x="0" y="57584"/>
+                    </a:lnTo>
+                    <a:cubicBezTo>
+                      <a:pt x="0" y="25781"/>
+                      <a:pt x="25781" y="0"/>
+                      <a:pt x="57584" y="0"/>
+                    </a:cubicBezTo>
+                    <a:close/>
+                  </a:path>
+                </a:pathLst>
+              </a:custGeom>
+              <a:solidFill>
+                <a:srgbClr val="FCC7A6"/>
+              </a:solidFill>
+              <a:ln w="3175">
+                <a:noFill/>
+              </a:ln>
+            </p:spPr>
+            <p:style>
+              <a:lnRef idx="2">
+                <a:schemeClr val="accent1">
+                  <a:shade val="50000"/>
+                </a:schemeClr>
+              </a:lnRef>
+              <a:fillRef idx="1">
+                <a:schemeClr val="accent1"/>
+              </a:fillRef>
+              <a:effectRef idx="0">
+                <a:schemeClr val="accent1"/>
+              </a:effectRef>
+              <a:fontRef idx="minor">
+                <a:schemeClr val="lt1"/>
+              </a:fontRef>
+            </p:style>
+            <p:txBody>
+              <a:bodyPr rtlCol="0" anchor="ctr"/>
+              <a:lstStyle/>
+              <a:p>
+                <a:pPr algn="ctr"/>
+                <a:endParaRPr lang="pt-BR" dirty="0"/>
+              </a:p>
+            </p:txBody>
+          </p:sp>
+          <p:sp>
+            <p:nvSpPr>
+              <p:cNvPr id="41" name="Elipse 46">
+                <a:extLst>
+                  <a:ext uri="{FF2B5EF4-FFF2-40B4-BE49-F238E27FC236}">
+                    <a16:creationId xmlns:a16="http://schemas.microsoft.com/office/drawing/2014/main" id="{3C9E2C56-1EDD-4EFB-809F-90DC34FAD1D4}"/>
+                  </a:ext>
+                </a:extLst>
+              </p:cNvPr>
+              <p:cNvSpPr/>
+              <p:nvPr/>
+            </p:nvSpPr>
+            <p:spPr>
+              <a:xfrm>
+                <a:off x="6618480" y="5036949"/>
+                <a:ext cx="550646" cy="326072"/>
+              </a:xfrm>
+              <a:custGeom>
+                <a:avLst/>
+                <a:gdLst/>
+                <a:ahLst/>
+                <a:cxnLst/>
+                <a:rect l="l" t="t" r="r" b="b"/>
+                <a:pathLst>
+                  <a:path w="550646" h="326072">
+                    <a:moveTo>
+                      <a:pt x="341646" y="0"/>
+                    </a:moveTo>
+                    <a:cubicBezTo>
+                      <a:pt x="461980" y="15225"/>
+                      <a:pt x="550646" y="80810"/>
+                      <a:pt x="550646" y="158902"/>
+                    </a:cubicBezTo>
+                    <a:cubicBezTo>
+                      <a:pt x="550646" y="251227"/>
+                      <a:pt x="426713" y="326072"/>
+                      <a:pt x="273833" y="326072"/>
+                    </a:cubicBezTo>
+                    <a:cubicBezTo>
+                      <a:pt x="131078" y="326072"/>
+                      <a:pt x="13562" y="260812"/>
+                      <a:pt x="0" y="176753"/>
+                    </a:cubicBezTo>
+                    <a:cubicBezTo>
+                      <a:pt x="50962" y="181241"/>
+                      <a:pt x="109139" y="170116"/>
+                      <a:pt x="166850" y="145479"/>
+                    </a:cubicBezTo>
+                    <a:cubicBezTo>
+                      <a:pt x="248486" y="110629"/>
+                      <a:pt x="311241" y="56406"/>
+                      <a:pt x="341646" y="0"/>
+                    </a:cubicBezTo>
+                    <a:close/>
+                  </a:path>
+                </a:pathLst>
+              </a:custGeom>
+              <a:solidFill>
+                <a:srgbClr val="8B3535"/>
+              </a:solidFill>
+              <a:ln>
+                <a:solidFill>
+                  <a:srgbClr val="8B3535"/>
+                </a:solidFill>
+              </a:ln>
+            </p:spPr>
+            <p:style>
+              <a:lnRef idx="2">
+                <a:schemeClr val="accent1">
+                  <a:shade val="50000"/>
+                </a:schemeClr>
+              </a:lnRef>
+              <a:fillRef idx="1">
+                <a:schemeClr val="accent1"/>
+              </a:fillRef>
+              <a:effectRef idx="0">
+                <a:schemeClr val="accent1"/>
+              </a:effectRef>
+              <a:fontRef idx="minor">
+                <a:schemeClr val="lt1"/>
+              </a:fontRef>
+            </p:style>
+            <p:txBody>
+              <a:bodyPr rtlCol="0" anchor="ctr"/>
+              <a:lstStyle/>
+              <a:p>
+                <a:pPr algn="ctr"/>
+                <a:endParaRPr lang="pt-BR" dirty="0"/>
+              </a:p>
+            </p:txBody>
+          </p:sp>
+        </p:grpSp>
+        <p:grpSp>
+          <p:nvGrpSpPr>
+            <p:cNvPr id="2" name="Agrupar 1">
+              <a:extLst>
+                <a:ext uri="{FF2B5EF4-FFF2-40B4-BE49-F238E27FC236}">
+                  <a16:creationId xmlns:a16="http://schemas.microsoft.com/office/drawing/2014/main" id="{99B4D8CC-BFC8-4103-B2F0-B5F2388DEF27}"/>
+                </a:ext>
+              </a:extLst>
+            </p:cNvPr>
+            <p:cNvGrpSpPr/>
+            <p:nvPr/>
+          </p:nvGrpSpPr>
+          <p:grpSpPr>
+            <a:xfrm>
+              <a:off x="5379174" y="3668232"/>
+              <a:ext cx="573117" cy="963569"/>
+              <a:chOff x="6596009" y="4399452"/>
+              <a:chExt cx="573117" cy="963569"/>
+            </a:xfrm>
+          </p:grpSpPr>
+          <p:sp>
+            <p:nvSpPr>
+              <p:cNvPr id="35" name="Elipse 43">
+                <a:extLst>
+                  <a:ext uri="{FF2B5EF4-FFF2-40B4-BE49-F238E27FC236}">
+                    <a16:creationId xmlns:a16="http://schemas.microsoft.com/office/drawing/2014/main" id="{E5C3F526-7D57-485C-85FA-7587DE098649}"/>
+                  </a:ext>
+                </a:extLst>
+              </p:cNvPr>
+              <p:cNvSpPr/>
+              <p:nvPr/>
+            </p:nvSpPr>
+            <p:spPr>
+              <a:xfrm>
+                <a:off x="6596009" y="4399452"/>
+                <a:ext cx="561214" cy="960165"/>
+              </a:xfrm>
+              <a:custGeom>
+                <a:avLst/>
+                <a:gdLst/>
+                <a:ahLst/>
+                <a:cxnLst/>
+                <a:rect l="l" t="t" r="r" b="b"/>
+                <a:pathLst>
+                  <a:path w="561214" h="960165">
+                    <a:moveTo>
+                      <a:pt x="57584" y="0"/>
+                    </a:moveTo>
+                    <a:lnTo>
+                      <a:pt x="287916" y="0"/>
+                    </a:lnTo>
+                    <a:cubicBezTo>
+                      <a:pt x="319719" y="0"/>
+                      <a:pt x="345500" y="25781"/>
+                      <a:pt x="345500" y="57584"/>
+                    </a:cubicBezTo>
+                    <a:lnTo>
+                      <a:pt x="345500" y="633275"/>
+                    </a:lnTo>
+                    <a:cubicBezTo>
+                      <a:pt x="469208" y="646874"/>
+                      <a:pt x="561214" y="713446"/>
+                      <a:pt x="561214" y="792995"/>
+                    </a:cubicBezTo>
+                    <a:cubicBezTo>
+                      <a:pt x="561214" y="885320"/>
+                      <a:pt x="437281" y="960165"/>
+                      <a:pt x="284401" y="960165"/>
+                    </a:cubicBezTo>
+                    <a:cubicBezTo>
+                      <a:pt x="131521" y="960165"/>
+                      <a:pt x="7588" y="885320"/>
+                      <a:pt x="7588" y="792995"/>
+                    </a:cubicBezTo>
+                    <a:lnTo>
+                      <a:pt x="11623" y="768822"/>
+                    </a:lnTo>
+                    <a:cubicBezTo>
+                      <a:pt x="3994" y="759983"/>
+                      <a:pt x="0" y="748398"/>
+                      <a:pt x="0" y="735880"/>
+                    </a:cubicBezTo>
+                    <a:lnTo>
+                      <a:pt x="0" y="57584"/>
+                    </a:lnTo>
+                    <a:cubicBezTo>
+                      <a:pt x="0" y="25781"/>
+                      <a:pt x="25781" y="0"/>
+                      <a:pt x="57584" y="0"/>
+                    </a:cubicBezTo>
+                    <a:close/>
+                  </a:path>
+                </a:pathLst>
+              </a:custGeom>
+              <a:solidFill>
+                <a:srgbClr val="FCC7A6"/>
+              </a:solidFill>
+              <a:ln w="3175">
+                <a:noFill/>
+              </a:ln>
+            </p:spPr>
+            <p:style>
+              <a:lnRef idx="2">
+                <a:schemeClr val="accent1">
+                  <a:shade val="50000"/>
+                </a:schemeClr>
+              </a:lnRef>
+              <a:fillRef idx="1">
+                <a:schemeClr val="accent1"/>
+              </a:fillRef>
+              <a:effectRef idx="0">
+                <a:schemeClr val="accent1"/>
+              </a:effectRef>
+              <a:fontRef idx="minor">
+                <a:schemeClr val="lt1"/>
+              </a:fontRef>
+            </p:style>
+            <p:txBody>
+              <a:bodyPr rtlCol="0" anchor="ctr"/>
+              <a:lstStyle/>
+              <a:p>
+                <a:pPr algn="ctr"/>
+                <a:endParaRPr lang="pt-BR" dirty="0"/>
+              </a:p>
+            </p:txBody>
+          </p:sp>
+          <p:sp>
+            <p:nvSpPr>
+              <p:cNvPr id="37" name="Elipse 46">
+                <a:extLst>
+                  <a:ext uri="{FF2B5EF4-FFF2-40B4-BE49-F238E27FC236}">
+                    <a16:creationId xmlns:a16="http://schemas.microsoft.com/office/drawing/2014/main" id="{DA7C420B-9997-45E9-B404-6ADAF98B426F}"/>
+                  </a:ext>
+                </a:extLst>
+              </p:cNvPr>
+              <p:cNvSpPr/>
+              <p:nvPr/>
+            </p:nvSpPr>
+            <p:spPr>
+              <a:xfrm>
+                <a:off x="6618480" y="5036949"/>
+                <a:ext cx="550646" cy="326072"/>
+              </a:xfrm>
+              <a:custGeom>
+                <a:avLst/>
+                <a:gdLst/>
+                <a:ahLst/>
+                <a:cxnLst/>
+                <a:rect l="l" t="t" r="r" b="b"/>
+                <a:pathLst>
+                  <a:path w="550646" h="326072">
+                    <a:moveTo>
+                      <a:pt x="341646" y="0"/>
+                    </a:moveTo>
+                    <a:cubicBezTo>
+                      <a:pt x="461980" y="15225"/>
+                      <a:pt x="550646" y="80810"/>
+                      <a:pt x="550646" y="158902"/>
+                    </a:cubicBezTo>
+                    <a:cubicBezTo>
+                      <a:pt x="550646" y="251227"/>
+                      <a:pt x="426713" y="326072"/>
+                      <a:pt x="273833" y="326072"/>
+                    </a:cubicBezTo>
+                    <a:cubicBezTo>
+                      <a:pt x="131078" y="326072"/>
+                      <a:pt x="13562" y="260812"/>
+                      <a:pt x="0" y="176753"/>
+                    </a:cubicBezTo>
+                    <a:cubicBezTo>
+                      <a:pt x="50962" y="181241"/>
+                      <a:pt x="109139" y="170116"/>
+                      <a:pt x="166850" y="145479"/>
+                    </a:cubicBezTo>
+                    <a:cubicBezTo>
+                      <a:pt x="248486" y="110629"/>
+                      <a:pt x="311241" y="56406"/>
+                      <a:pt x="341646" y="0"/>
+                    </a:cubicBezTo>
+                    <a:close/>
+                  </a:path>
+                </a:pathLst>
+              </a:custGeom>
+              <a:solidFill>
+                <a:srgbClr val="8B3535"/>
+              </a:solidFill>
+              <a:ln>
+                <a:solidFill>
+                  <a:srgbClr val="8B3535"/>
+                </a:solidFill>
+              </a:ln>
+            </p:spPr>
+            <p:style>
+              <a:lnRef idx="2">
+                <a:schemeClr val="accent1">
+                  <a:shade val="50000"/>
+                </a:schemeClr>
+              </a:lnRef>
+              <a:fillRef idx="1">
+                <a:schemeClr val="accent1"/>
+              </a:fillRef>
+              <a:effectRef idx="0">
+                <a:schemeClr val="accent1"/>
+              </a:effectRef>
+              <a:fontRef idx="minor">
+                <a:schemeClr val="lt1"/>
+              </a:fontRef>
+            </p:style>
+            <p:txBody>
+              <a:bodyPr rtlCol="0" anchor="ctr"/>
+              <a:lstStyle/>
+              <a:p>
+                <a:pPr algn="ctr"/>
+                <a:endParaRPr lang="pt-BR" dirty="0"/>
+              </a:p>
+            </p:txBody>
+          </p:sp>
+        </p:grpSp>
+        <p:sp>
+          <p:nvSpPr>
+            <p:cNvPr id="36" name="Elipse 84"/>
+            <p:cNvSpPr/>
+            <p:nvPr/>
+          </p:nvSpPr>
+          <p:spPr>
+            <a:xfrm>
+              <a:off x="4189321" y="1722606"/>
+              <a:ext cx="2182879" cy="2460374"/>
+            </a:xfrm>
+            <a:custGeom>
+              <a:avLst/>
+              <a:gdLst>
+                <a:gd name="connsiteX0" fmla="*/ 0 w 2689149"/>
+                <a:gd name="connsiteY0" fmla="*/ 1538926 h 3077851"/>
+                <a:gd name="connsiteX1" fmla="*/ 1344575 w 2689149"/>
+                <a:gd name="connsiteY1" fmla="*/ 0 h 3077851"/>
+                <a:gd name="connsiteX2" fmla="*/ 2689150 w 2689149"/>
+                <a:gd name="connsiteY2" fmla="*/ 1538926 h 3077851"/>
+                <a:gd name="connsiteX3" fmla="*/ 1344575 w 2689149"/>
+                <a:gd name="connsiteY3" fmla="*/ 3077852 h 3077851"/>
+                <a:gd name="connsiteX4" fmla="*/ 0 w 2689149"/>
+                <a:gd name="connsiteY4" fmla="*/ 1538926 h 3077851"/>
+                <a:gd name="connsiteX0" fmla="*/ 49980 w 2739130"/>
+                <a:gd name="connsiteY0" fmla="*/ 1569798 h 3108724"/>
+                <a:gd name="connsiteX1" fmla="*/ 393260 w 2739130"/>
+                <a:gd name="connsiteY1" fmla="*/ 619171 h 3108724"/>
+                <a:gd name="connsiteX2" fmla="*/ 1394555 w 2739130"/>
+                <a:gd name="connsiteY2" fmla="*/ 30872 h 3108724"/>
+                <a:gd name="connsiteX3" fmla="*/ 2739130 w 2739130"/>
+                <a:gd name="connsiteY3" fmla="*/ 1569798 h 3108724"/>
+                <a:gd name="connsiteX4" fmla="*/ 1394555 w 2739130"/>
+                <a:gd name="connsiteY4" fmla="*/ 3108724 h 3108724"/>
+                <a:gd name="connsiteX5" fmla="*/ 49980 w 2739130"/>
+                <a:gd name="connsiteY5" fmla="*/ 1569798 h 3108724"/>
+                <a:gd name="connsiteX0" fmla="*/ 57099 w 2690493"/>
+                <a:gd name="connsiteY0" fmla="*/ 2350384 h 3130666"/>
+                <a:gd name="connsiteX1" fmla="*/ 344623 w 2690493"/>
+                <a:gd name="connsiteY1" fmla="*/ 619171 h 3130666"/>
+                <a:gd name="connsiteX2" fmla="*/ 1345918 w 2690493"/>
+                <a:gd name="connsiteY2" fmla="*/ 30872 h 3130666"/>
+                <a:gd name="connsiteX3" fmla="*/ 2690493 w 2690493"/>
+                <a:gd name="connsiteY3" fmla="*/ 1569798 h 3130666"/>
+                <a:gd name="connsiteX4" fmla="*/ 1345918 w 2690493"/>
+                <a:gd name="connsiteY4" fmla="*/ 3108724 h 3130666"/>
+                <a:gd name="connsiteX5" fmla="*/ 57099 w 2690493"/>
+                <a:gd name="connsiteY5" fmla="*/ 2350384 h 3130666"/>
+                <a:gd name="connsiteX0" fmla="*/ 57099 w 2779702"/>
+                <a:gd name="connsiteY0" fmla="*/ 2376508 h 3139183"/>
+                <a:gd name="connsiteX1" fmla="*/ 344623 w 2779702"/>
+                <a:gd name="connsiteY1" fmla="*/ 645295 h 3139183"/>
+                <a:gd name="connsiteX2" fmla="*/ 1345918 w 2779702"/>
+                <a:gd name="connsiteY2" fmla="*/ 56996 h 3139183"/>
+                <a:gd name="connsiteX3" fmla="*/ 2779702 w 2779702"/>
+                <a:gd name="connsiteY3" fmla="*/ 2075424 h 3139183"/>
+                <a:gd name="connsiteX4" fmla="*/ 1345918 w 2779702"/>
+                <a:gd name="connsiteY4" fmla="*/ 3134848 h 3139183"/>
+                <a:gd name="connsiteX5" fmla="*/ 57099 w 2779702"/>
+                <a:gd name="connsiteY5" fmla="*/ 2376508 h 3139183"/>
+                <a:gd name="connsiteX0" fmla="*/ 57099 w 2799553"/>
+                <a:gd name="connsiteY0" fmla="*/ 2322903 h 3085578"/>
+                <a:gd name="connsiteX1" fmla="*/ 344623 w 2799553"/>
+                <a:gd name="connsiteY1" fmla="*/ 591690 h 3085578"/>
+                <a:gd name="connsiteX2" fmla="*/ 1345918 w 2799553"/>
+                <a:gd name="connsiteY2" fmla="*/ 3391 h 3085578"/>
+                <a:gd name="connsiteX3" fmla="*/ 2139968 w 2799553"/>
+                <a:gd name="connsiteY3" fmla="*/ 435573 h 3085578"/>
+                <a:gd name="connsiteX4" fmla="*/ 2779702 w 2799553"/>
+                <a:gd name="connsiteY4" fmla="*/ 2021819 h 3085578"/>
+                <a:gd name="connsiteX5" fmla="*/ 1345918 w 2799553"/>
+                <a:gd name="connsiteY5" fmla="*/ 3081243 h 3085578"/>
+                <a:gd name="connsiteX6" fmla="*/ 57099 w 2799553"/>
+                <a:gd name="connsiteY6" fmla="*/ 2322903 h 3085578"/>
+                <a:gd name="connsiteX0" fmla="*/ 57099 w 2780175"/>
+                <a:gd name="connsiteY0" fmla="*/ 2322903 h 3100236"/>
+                <a:gd name="connsiteX1" fmla="*/ 344623 w 2780175"/>
+                <a:gd name="connsiteY1" fmla="*/ 591690 h 3100236"/>
+                <a:gd name="connsiteX2" fmla="*/ 1345918 w 2780175"/>
+                <a:gd name="connsiteY2" fmla="*/ 3391 h 3100236"/>
+                <a:gd name="connsiteX3" fmla="*/ 2139968 w 2780175"/>
+                <a:gd name="connsiteY3" fmla="*/ 435573 h 3100236"/>
+                <a:gd name="connsiteX4" fmla="*/ 2779702 w 2780175"/>
+                <a:gd name="connsiteY4" fmla="*/ 2021819 h 3100236"/>
+                <a:gd name="connsiteX5" fmla="*/ 2296085 w 2780175"/>
+                <a:gd name="connsiteY5" fmla="*/ 2799630 h 3100236"/>
+                <a:gd name="connsiteX6" fmla="*/ 1345918 w 2780175"/>
+                <a:gd name="connsiteY6" fmla="*/ 3081243 h 3100236"/>
+                <a:gd name="connsiteX7" fmla="*/ 57099 w 2780175"/>
+                <a:gd name="connsiteY7" fmla="*/ 2322903 h 3100236"/>
+                <a:gd name="connsiteX0" fmla="*/ 1754 w 2724830"/>
+                <a:gd name="connsiteY0" fmla="*/ 2322903 h 3082097"/>
+                <a:gd name="connsiteX1" fmla="*/ 289278 w 2724830"/>
+                <a:gd name="connsiteY1" fmla="*/ 591690 h 3082097"/>
+                <a:gd name="connsiteX2" fmla="*/ 1290573 w 2724830"/>
+                <a:gd name="connsiteY2" fmla="*/ 3391 h 3082097"/>
+                <a:gd name="connsiteX3" fmla="*/ 2084623 w 2724830"/>
+                <a:gd name="connsiteY3" fmla="*/ 435573 h 3082097"/>
+                <a:gd name="connsiteX4" fmla="*/ 2724357 w 2724830"/>
+                <a:gd name="connsiteY4" fmla="*/ 2021819 h 3082097"/>
+                <a:gd name="connsiteX5" fmla="*/ 2240740 w 2724830"/>
+                <a:gd name="connsiteY5" fmla="*/ 2799630 h 3082097"/>
+                <a:gd name="connsiteX6" fmla="*/ 1290573 w 2724830"/>
+                <a:gd name="connsiteY6" fmla="*/ 3081243 h 3082097"/>
+                <a:gd name="connsiteX7" fmla="*/ 378486 w 2724830"/>
+                <a:gd name="connsiteY7" fmla="*/ 2866537 h 3082097"/>
+                <a:gd name="connsiteX8" fmla="*/ 1754 w 2724830"/>
+                <a:gd name="connsiteY8" fmla="*/ 2322903 h 3082097"/>
+                <a:gd name="connsiteX0" fmla="*/ 80523 w 2803599"/>
+                <a:gd name="connsiteY0" fmla="*/ 2322903 h 3082097"/>
+                <a:gd name="connsiteX1" fmla="*/ 22356 w 2803599"/>
+                <a:gd name="connsiteY1" fmla="*/ 1372275 h 3082097"/>
+                <a:gd name="connsiteX2" fmla="*/ 368047 w 2803599"/>
+                <a:gd name="connsiteY2" fmla="*/ 591690 h 3082097"/>
+                <a:gd name="connsiteX3" fmla="*/ 1369342 w 2803599"/>
+                <a:gd name="connsiteY3" fmla="*/ 3391 h 3082097"/>
+                <a:gd name="connsiteX4" fmla="*/ 2163392 w 2803599"/>
+                <a:gd name="connsiteY4" fmla="*/ 435573 h 3082097"/>
+                <a:gd name="connsiteX5" fmla="*/ 2803126 w 2803599"/>
+                <a:gd name="connsiteY5" fmla="*/ 2021819 h 3082097"/>
+                <a:gd name="connsiteX6" fmla="*/ 2319509 w 2803599"/>
+                <a:gd name="connsiteY6" fmla="*/ 2799630 h 3082097"/>
+                <a:gd name="connsiteX7" fmla="*/ 1369342 w 2803599"/>
+                <a:gd name="connsiteY7" fmla="*/ 3081243 h 3082097"/>
+                <a:gd name="connsiteX8" fmla="*/ 457255 w 2803599"/>
+                <a:gd name="connsiteY8" fmla="*/ 2866537 h 3082097"/>
+                <a:gd name="connsiteX9" fmla="*/ 80523 w 2803599"/>
+                <a:gd name="connsiteY9" fmla="*/ 2322903 h 3082097"/>
+                <a:gd name="connsiteX0" fmla="*/ 80523 w 2819076"/>
+                <a:gd name="connsiteY0" fmla="*/ 2321335 h 3080529"/>
+                <a:gd name="connsiteX1" fmla="*/ 22356 w 2819076"/>
+                <a:gd name="connsiteY1" fmla="*/ 1370707 h 3080529"/>
+                <a:gd name="connsiteX2" fmla="*/ 368047 w 2819076"/>
+                <a:gd name="connsiteY2" fmla="*/ 590122 h 3080529"/>
+                <a:gd name="connsiteX3" fmla="*/ 1369342 w 2819076"/>
+                <a:gd name="connsiteY3" fmla="*/ 1823 h 3080529"/>
+                <a:gd name="connsiteX4" fmla="*/ 2163392 w 2819076"/>
+                <a:gd name="connsiteY4" fmla="*/ 434005 h 3080529"/>
+                <a:gd name="connsiteX5" fmla="*/ 2698650 w 2819076"/>
+                <a:gd name="connsiteY5" fmla="*/ 1181136 h 3080529"/>
+                <a:gd name="connsiteX6" fmla="*/ 2803126 w 2819076"/>
+                <a:gd name="connsiteY6" fmla="*/ 2020251 h 3080529"/>
+                <a:gd name="connsiteX7" fmla="*/ 2319509 w 2819076"/>
+                <a:gd name="connsiteY7" fmla="*/ 2798062 h 3080529"/>
+                <a:gd name="connsiteX8" fmla="*/ 1369342 w 2819076"/>
+                <a:gd name="connsiteY8" fmla="*/ 3079675 h 3080529"/>
+                <a:gd name="connsiteX9" fmla="*/ 457255 w 2819076"/>
+                <a:gd name="connsiteY9" fmla="*/ 2864969 h 3080529"/>
+                <a:gd name="connsiteX10" fmla="*/ 80523 w 2819076"/>
+                <a:gd name="connsiteY10" fmla="*/ 2321335 h 3080529"/>
+                <a:gd name="connsiteX0" fmla="*/ 80523 w 2819076"/>
+                <a:gd name="connsiteY0" fmla="*/ 2323298 h 3082492"/>
+                <a:gd name="connsiteX1" fmla="*/ 22356 w 2819076"/>
+                <a:gd name="connsiteY1" fmla="*/ 1372670 h 3082492"/>
+                <a:gd name="connsiteX2" fmla="*/ 602223 w 2819076"/>
+                <a:gd name="connsiteY2" fmla="*/ 670144 h 3082492"/>
+                <a:gd name="connsiteX3" fmla="*/ 1369342 w 2819076"/>
+                <a:gd name="connsiteY3" fmla="*/ 3786 h 3082492"/>
+                <a:gd name="connsiteX4" fmla="*/ 2163392 w 2819076"/>
+                <a:gd name="connsiteY4" fmla="*/ 435968 h 3082492"/>
+                <a:gd name="connsiteX5" fmla="*/ 2698650 w 2819076"/>
+                <a:gd name="connsiteY5" fmla="*/ 1183099 h 3082492"/>
+                <a:gd name="connsiteX6" fmla="*/ 2803126 w 2819076"/>
+                <a:gd name="connsiteY6" fmla="*/ 2022214 h 3082492"/>
+                <a:gd name="connsiteX7" fmla="*/ 2319509 w 2819076"/>
+                <a:gd name="connsiteY7" fmla="*/ 2800025 h 3082492"/>
+                <a:gd name="connsiteX8" fmla="*/ 1369342 w 2819076"/>
+                <a:gd name="connsiteY8" fmla="*/ 3081638 h 3082492"/>
+                <a:gd name="connsiteX9" fmla="*/ 457255 w 2819076"/>
+                <a:gd name="connsiteY9" fmla="*/ 2866932 h 3082492"/>
+                <a:gd name="connsiteX10" fmla="*/ 80523 w 2819076"/>
+                <a:gd name="connsiteY10" fmla="*/ 2323298 h 3082492"/>
+                <a:gd name="connsiteX0" fmla="*/ 80523 w 2819076"/>
+                <a:gd name="connsiteY0" fmla="*/ 2323298 h 3082492"/>
+                <a:gd name="connsiteX1" fmla="*/ 22356 w 2819076"/>
+                <a:gd name="connsiteY1" fmla="*/ 1372670 h 3082492"/>
+                <a:gd name="connsiteX2" fmla="*/ 234230 w 2819076"/>
+                <a:gd name="connsiteY2" fmla="*/ 1205402 h 3082492"/>
+                <a:gd name="connsiteX3" fmla="*/ 602223 w 2819076"/>
+                <a:gd name="connsiteY3" fmla="*/ 670144 h 3082492"/>
+                <a:gd name="connsiteX4" fmla="*/ 1369342 w 2819076"/>
+                <a:gd name="connsiteY4" fmla="*/ 3786 h 3082492"/>
+                <a:gd name="connsiteX5" fmla="*/ 2163392 w 2819076"/>
+                <a:gd name="connsiteY5" fmla="*/ 435968 h 3082492"/>
+                <a:gd name="connsiteX6" fmla="*/ 2698650 w 2819076"/>
+                <a:gd name="connsiteY6" fmla="*/ 1183099 h 3082492"/>
+                <a:gd name="connsiteX7" fmla="*/ 2803126 w 2819076"/>
+                <a:gd name="connsiteY7" fmla="*/ 2022214 h 3082492"/>
+                <a:gd name="connsiteX8" fmla="*/ 2319509 w 2819076"/>
+                <a:gd name="connsiteY8" fmla="*/ 2800025 h 3082492"/>
+                <a:gd name="connsiteX9" fmla="*/ 1369342 w 2819076"/>
+                <a:gd name="connsiteY9" fmla="*/ 3081638 h 3082492"/>
+                <a:gd name="connsiteX10" fmla="*/ 457255 w 2819076"/>
+                <a:gd name="connsiteY10" fmla="*/ 2866932 h 3082492"/>
+                <a:gd name="connsiteX11" fmla="*/ 80523 w 2819076"/>
+                <a:gd name="connsiteY11" fmla="*/ 2323298 h 3082492"/>
+                <a:gd name="connsiteX0" fmla="*/ 42964 w 2781517"/>
+                <a:gd name="connsiteY0" fmla="*/ 2323298 h 3082492"/>
+                <a:gd name="connsiteX1" fmla="*/ 40553 w 2781517"/>
+                <a:gd name="connsiteY1" fmla="*/ 1584543 h 3082492"/>
+                <a:gd name="connsiteX2" fmla="*/ 196671 w 2781517"/>
+                <a:gd name="connsiteY2" fmla="*/ 1205402 h 3082492"/>
+                <a:gd name="connsiteX3" fmla="*/ 564664 w 2781517"/>
+                <a:gd name="connsiteY3" fmla="*/ 670144 h 3082492"/>
+                <a:gd name="connsiteX4" fmla="*/ 1331783 w 2781517"/>
+                <a:gd name="connsiteY4" fmla="*/ 3786 h 3082492"/>
+                <a:gd name="connsiteX5" fmla="*/ 2125833 w 2781517"/>
+                <a:gd name="connsiteY5" fmla="*/ 435968 h 3082492"/>
+                <a:gd name="connsiteX6" fmla="*/ 2661091 w 2781517"/>
+                <a:gd name="connsiteY6" fmla="*/ 1183099 h 3082492"/>
+                <a:gd name="connsiteX7" fmla="*/ 2765567 w 2781517"/>
+                <a:gd name="connsiteY7" fmla="*/ 2022214 h 3082492"/>
+                <a:gd name="connsiteX8" fmla="*/ 2281950 w 2781517"/>
+                <a:gd name="connsiteY8" fmla="*/ 2800025 h 3082492"/>
+                <a:gd name="connsiteX9" fmla="*/ 1331783 w 2781517"/>
+                <a:gd name="connsiteY9" fmla="*/ 3081638 h 3082492"/>
+                <a:gd name="connsiteX10" fmla="*/ 419696 w 2781517"/>
+                <a:gd name="connsiteY10" fmla="*/ 2866932 h 3082492"/>
+                <a:gd name="connsiteX11" fmla="*/ 42964 w 2781517"/>
+                <a:gd name="connsiteY11" fmla="*/ 2323298 h 3082492"/>
+                <a:gd name="connsiteX0" fmla="*/ 42964 w 2781517"/>
+                <a:gd name="connsiteY0" fmla="*/ 2323298 h 3082492"/>
+                <a:gd name="connsiteX1" fmla="*/ 40553 w 2781517"/>
+                <a:gd name="connsiteY1" fmla="*/ 1584543 h 3082492"/>
+                <a:gd name="connsiteX2" fmla="*/ 196671 w 2781517"/>
+                <a:gd name="connsiteY2" fmla="*/ 1205402 h 3082492"/>
+                <a:gd name="connsiteX3" fmla="*/ 564664 w 2781517"/>
+                <a:gd name="connsiteY3" fmla="*/ 670144 h 3082492"/>
+                <a:gd name="connsiteX4" fmla="*/ 1331783 w 2781517"/>
+                <a:gd name="connsiteY4" fmla="*/ 3786 h 3082492"/>
+                <a:gd name="connsiteX5" fmla="*/ 2125833 w 2781517"/>
+                <a:gd name="connsiteY5" fmla="*/ 435968 h 3082492"/>
+                <a:gd name="connsiteX6" fmla="*/ 2661091 w 2781517"/>
+                <a:gd name="connsiteY6" fmla="*/ 1183099 h 3082492"/>
+                <a:gd name="connsiteX7" fmla="*/ 2765567 w 2781517"/>
+                <a:gd name="connsiteY7" fmla="*/ 2022214 h 3082492"/>
+                <a:gd name="connsiteX8" fmla="*/ 2281950 w 2781517"/>
+                <a:gd name="connsiteY8" fmla="*/ 2800025 h 3082492"/>
+                <a:gd name="connsiteX9" fmla="*/ 1331783 w 2781517"/>
+                <a:gd name="connsiteY9" fmla="*/ 3081638 h 3082492"/>
+                <a:gd name="connsiteX10" fmla="*/ 419696 w 2781517"/>
+                <a:gd name="connsiteY10" fmla="*/ 2866932 h 3082492"/>
+                <a:gd name="connsiteX11" fmla="*/ 42964 w 2781517"/>
+                <a:gd name="connsiteY11" fmla="*/ 2323298 h 3082492"/>
+                <a:gd name="connsiteX0" fmla="*/ 42964 w 2781517"/>
+                <a:gd name="connsiteY0" fmla="*/ 2323298 h 3082492"/>
+                <a:gd name="connsiteX1" fmla="*/ 40553 w 2781517"/>
+                <a:gd name="connsiteY1" fmla="*/ 1584543 h 3082492"/>
+                <a:gd name="connsiteX2" fmla="*/ 196671 w 2781517"/>
+                <a:gd name="connsiteY2" fmla="*/ 1205402 h 3082492"/>
+                <a:gd name="connsiteX3" fmla="*/ 564664 w 2781517"/>
+                <a:gd name="connsiteY3" fmla="*/ 670144 h 3082492"/>
+                <a:gd name="connsiteX4" fmla="*/ 1331783 w 2781517"/>
+                <a:gd name="connsiteY4" fmla="*/ 3786 h 3082492"/>
+                <a:gd name="connsiteX5" fmla="*/ 2125833 w 2781517"/>
+                <a:gd name="connsiteY5" fmla="*/ 435968 h 3082492"/>
+                <a:gd name="connsiteX6" fmla="*/ 2661091 w 2781517"/>
+                <a:gd name="connsiteY6" fmla="*/ 1183099 h 3082492"/>
+                <a:gd name="connsiteX7" fmla="*/ 2765567 w 2781517"/>
+                <a:gd name="connsiteY7" fmla="*/ 2022214 h 3082492"/>
+                <a:gd name="connsiteX8" fmla="*/ 2281950 w 2781517"/>
+                <a:gd name="connsiteY8" fmla="*/ 2800025 h 3082492"/>
+                <a:gd name="connsiteX9" fmla="*/ 1331783 w 2781517"/>
+                <a:gd name="connsiteY9" fmla="*/ 3081638 h 3082492"/>
+                <a:gd name="connsiteX10" fmla="*/ 419696 w 2781517"/>
+                <a:gd name="connsiteY10" fmla="*/ 2866932 h 3082492"/>
+                <a:gd name="connsiteX11" fmla="*/ 42964 w 2781517"/>
+                <a:gd name="connsiteY11" fmla="*/ 2323298 h 3082492"/>
+                <a:gd name="connsiteX0" fmla="*/ 42964 w 2781517"/>
+                <a:gd name="connsiteY0" fmla="*/ 2323298 h 3082492"/>
+                <a:gd name="connsiteX1" fmla="*/ 40553 w 2781517"/>
+                <a:gd name="connsiteY1" fmla="*/ 1584543 h 3082492"/>
+                <a:gd name="connsiteX2" fmla="*/ 196671 w 2781517"/>
+                <a:gd name="connsiteY2" fmla="*/ 1205402 h 3082492"/>
+                <a:gd name="connsiteX3" fmla="*/ 419695 w 2781517"/>
+                <a:gd name="connsiteY3" fmla="*/ 848563 h 3082492"/>
+                <a:gd name="connsiteX4" fmla="*/ 564664 w 2781517"/>
+                <a:gd name="connsiteY4" fmla="*/ 670144 h 3082492"/>
+                <a:gd name="connsiteX5" fmla="*/ 1331783 w 2781517"/>
+                <a:gd name="connsiteY5" fmla="*/ 3786 h 3082492"/>
+                <a:gd name="connsiteX6" fmla="*/ 2125833 w 2781517"/>
+                <a:gd name="connsiteY6" fmla="*/ 435968 h 3082492"/>
+                <a:gd name="connsiteX7" fmla="*/ 2661091 w 2781517"/>
+                <a:gd name="connsiteY7" fmla="*/ 1183099 h 3082492"/>
+                <a:gd name="connsiteX8" fmla="*/ 2765567 w 2781517"/>
+                <a:gd name="connsiteY8" fmla="*/ 2022214 h 3082492"/>
+                <a:gd name="connsiteX9" fmla="*/ 2281950 w 2781517"/>
+                <a:gd name="connsiteY9" fmla="*/ 2800025 h 3082492"/>
+                <a:gd name="connsiteX10" fmla="*/ 1331783 w 2781517"/>
+                <a:gd name="connsiteY10" fmla="*/ 3081638 h 3082492"/>
+                <a:gd name="connsiteX11" fmla="*/ 419696 w 2781517"/>
+                <a:gd name="connsiteY11" fmla="*/ 2866932 h 3082492"/>
+                <a:gd name="connsiteX12" fmla="*/ 42964 w 2781517"/>
+                <a:gd name="connsiteY12" fmla="*/ 2323298 h 3082492"/>
+                <a:gd name="connsiteX0" fmla="*/ 42964 w 2781517"/>
+                <a:gd name="connsiteY0" fmla="*/ 2320716 h 3079910"/>
+                <a:gd name="connsiteX1" fmla="*/ 40553 w 2781517"/>
+                <a:gd name="connsiteY1" fmla="*/ 1581961 h 3079910"/>
+                <a:gd name="connsiteX2" fmla="*/ 196671 w 2781517"/>
+                <a:gd name="connsiteY2" fmla="*/ 1202820 h 3079910"/>
+                <a:gd name="connsiteX3" fmla="*/ 419695 w 2781517"/>
+                <a:gd name="connsiteY3" fmla="*/ 845981 h 3079910"/>
+                <a:gd name="connsiteX4" fmla="*/ 564664 w 2781517"/>
+                <a:gd name="connsiteY4" fmla="*/ 667562 h 3079910"/>
+                <a:gd name="connsiteX5" fmla="*/ 1331783 w 2781517"/>
+                <a:gd name="connsiteY5" fmla="*/ 1204 h 3079910"/>
+                <a:gd name="connsiteX6" fmla="*/ 2136984 w 2781517"/>
+                <a:gd name="connsiteY6" fmla="*/ 522596 h 3079910"/>
+                <a:gd name="connsiteX7" fmla="*/ 2661091 w 2781517"/>
+                <a:gd name="connsiteY7" fmla="*/ 1180517 h 3079910"/>
+                <a:gd name="connsiteX8" fmla="*/ 2765567 w 2781517"/>
+                <a:gd name="connsiteY8" fmla="*/ 2019632 h 3079910"/>
+                <a:gd name="connsiteX9" fmla="*/ 2281950 w 2781517"/>
+                <a:gd name="connsiteY9" fmla="*/ 2797443 h 3079910"/>
+                <a:gd name="connsiteX10" fmla="*/ 1331783 w 2781517"/>
+                <a:gd name="connsiteY10" fmla="*/ 3079056 h 3079910"/>
+                <a:gd name="connsiteX11" fmla="*/ 419696 w 2781517"/>
+                <a:gd name="connsiteY11" fmla="*/ 2864350 h 3079910"/>
+                <a:gd name="connsiteX12" fmla="*/ 42964 w 2781517"/>
+                <a:gd name="connsiteY12" fmla="*/ 2320716 h 3079910"/>
+                <a:gd name="connsiteX0" fmla="*/ 42964 w 2781517"/>
+                <a:gd name="connsiteY0" fmla="*/ 2320716 h 3084175"/>
+                <a:gd name="connsiteX1" fmla="*/ 40553 w 2781517"/>
+                <a:gd name="connsiteY1" fmla="*/ 1581961 h 3084175"/>
+                <a:gd name="connsiteX2" fmla="*/ 196671 w 2781517"/>
+                <a:gd name="connsiteY2" fmla="*/ 1202820 h 3084175"/>
+                <a:gd name="connsiteX3" fmla="*/ 419695 w 2781517"/>
+                <a:gd name="connsiteY3" fmla="*/ 845981 h 3084175"/>
+                <a:gd name="connsiteX4" fmla="*/ 564664 w 2781517"/>
+                <a:gd name="connsiteY4" fmla="*/ 667562 h 3084175"/>
+                <a:gd name="connsiteX5" fmla="*/ 1331783 w 2781517"/>
+                <a:gd name="connsiteY5" fmla="*/ 1204 h 3084175"/>
+                <a:gd name="connsiteX6" fmla="*/ 2136984 w 2781517"/>
+                <a:gd name="connsiteY6" fmla="*/ 522596 h 3084175"/>
+                <a:gd name="connsiteX7" fmla="*/ 2661091 w 2781517"/>
+                <a:gd name="connsiteY7" fmla="*/ 1180517 h 3084175"/>
+                <a:gd name="connsiteX8" fmla="*/ 2765567 w 2781517"/>
+                <a:gd name="connsiteY8" fmla="*/ 2019632 h 3084175"/>
+                <a:gd name="connsiteX9" fmla="*/ 2159287 w 2781517"/>
+                <a:gd name="connsiteY9" fmla="*/ 2674779 h 3084175"/>
+                <a:gd name="connsiteX10" fmla="*/ 1331783 w 2781517"/>
+                <a:gd name="connsiteY10" fmla="*/ 3079056 h 3084175"/>
+                <a:gd name="connsiteX11" fmla="*/ 419696 w 2781517"/>
+                <a:gd name="connsiteY11" fmla="*/ 2864350 h 3084175"/>
+                <a:gd name="connsiteX12" fmla="*/ 42964 w 2781517"/>
+                <a:gd name="connsiteY12" fmla="*/ 2320716 h 3084175"/>
+                <a:gd name="connsiteX0" fmla="*/ 42964 w 2781517"/>
+                <a:gd name="connsiteY0" fmla="*/ 2320716 h 3082783"/>
+                <a:gd name="connsiteX1" fmla="*/ 40553 w 2781517"/>
+                <a:gd name="connsiteY1" fmla="*/ 1581961 h 3082783"/>
+                <a:gd name="connsiteX2" fmla="*/ 196671 w 2781517"/>
+                <a:gd name="connsiteY2" fmla="*/ 1202820 h 3082783"/>
+                <a:gd name="connsiteX3" fmla="*/ 419695 w 2781517"/>
+                <a:gd name="connsiteY3" fmla="*/ 845981 h 3082783"/>
+                <a:gd name="connsiteX4" fmla="*/ 564664 w 2781517"/>
+                <a:gd name="connsiteY4" fmla="*/ 667562 h 3082783"/>
+                <a:gd name="connsiteX5" fmla="*/ 1331783 w 2781517"/>
+                <a:gd name="connsiteY5" fmla="*/ 1204 h 3082783"/>
+                <a:gd name="connsiteX6" fmla="*/ 2136984 w 2781517"/>
+                <a:gd name="connsiteY6" fmla="*/ 522596 h 3082783"/>
+                <a:gd name="connsiteX7" fmla="*/ 2661091 w 2781517"/>
+                <a:gd name="connsiteY7" fmla="*/ 1180517 h 3082783"/>
+                <a:gd name="connsiteX8" fmla="*/ 2765567 w 2781517"/>
+                <a:gd name="connsiteY8" fmla="*/ 2019632 h 3082783"/>
+                <a:gd name="connsiteX9" fmla="*/ 2203892 w 2781517"/>
+                <a:gd name="connsiteY9" fmla="*/ 2708233 h 3082783"/>
+                <a:gd name="connsiteX10" fmla="*/ 1331783 w 2781517"/>
+                <a:gd name="connsiteY10" fmla="*/ 3079056 h 3082783"/>
+                <a:gd name="connsiteX11" fmla="*/ 419696 w 2781517"/>
+                <a:gd name="connsiteY11" fmla="*/ 2864350 h 3082783"/>
+                <a:gd name="connsiteX12" fmla="*/ 42964 w 2781517"/>
+                <a:gd name="connsiteY12" fmla="*/ 2320716 h 3082783"/>
+                <a:gd name="connsiteX0" fmla="*/ 42964 w 2735247"/>
+                <a:gd name="connsiteY0" fmla="*/ 2320716 h 3082783"/>
+                <a:gd name="connsiteX1" fmla="*/ 40553 w 2735247"/>
+                <a:gd name="connsiteY1" fmla="*/ 1581961 h 3082783"/>
+                <a:gd name="connsiteX2" fmla="*/ 196671 w 2735247"/>
+                <a:gd name="connsiteY2" fmla="*/ 1202820 h 3082783"/>
+                <a:gd name="connsiteX3" fmla="*/ 419695 w 2735247"/>
+                <a:gd name="connsiteY3" fmla="*/ 845981 h 3082783"/>
+                <a:gd name="connsiteX4" fmla="*/ 564664 w 2735247"/>
+                <a:gd name="connsiteY4" fmla="*/ 667562 h 3082783"/>
+                <a:gd name="connsiteX5" fmla="*/ 1331783 w 2735247"/>
+                <a:gd name="connsiteY5" fmla="*/ 1204 h 3082783"/>
+                <a:gd name="connsiteX6" fmla="*/ 2136984 w 2735247"/>
+                <a:gd name="connsiteY6" fmla="*/ 522596 h 3082783"/>
+                <a:gd name="connsiteX7" fmla="*/ 2661091 w 2735247"/>
+                <a:gd name="connsiteY7" fmla="*/ 1180517 h 3082783"/>
+                <a:gd name="connsiteX8" fmla="*/ 2698659 w 2735247"/>
+                <a:gd name="connsiteY8" fmla="*/ 1952725 h 3082783"/>
+                <a:gd name="connsiteX9" fmla="*/ 2203892 w 2735247"/>
+                <a:gd name="connsiteY9" fmla="*/ 2708233 h 3082783"/>
+                <a:gd name="connsiteX10" fmla="*/ 1331783 w 2735247"/>
+                <a:gd name="connsiteY10" fmla="*/ 3079056 h 3082783"/>
+                <a:gd name="connsiteX11" fmla="*/ 419696 w 2735247"/>
+                <a:gd name="connsiteY11" fmla="*/ 2864350 h 3082783"/>
+                <a:gd name="connsiteX12" fmla="*/ 42964 w 2735247"/>
+                <a:gd name="connsiteY12" fmla="*/ 2320716 h 3082783"/>
+                <a:gd name="connsiteX0" fmla="*/ 42964 w 2706463"/>
+                <a:gd name="connsiteY0" fmla="*/ 2320716 h 3082783"/>
+                <a:gd name="connsiteX1" fmla="*/ 40553 w 2706463"/>
+                <a:gd name="connsiteY1" fmla="*/ 1581961 h 3082783"/>
+                <a:gd name="connsiteX2" fmla="*/ 196671 w 2706463"/>
+                <a:gd name="connsiteY2" fmla="*/ 1202820 h 3082783"/>
+                <a:gd name="connsiteX3" fmla="*/ 419695 w 2706463"/>
+                <a:gd name="connsiteY3" fmla="*/ 845981 h 3082783"/>
+                <a:gd name="connsiteX4" fmla="*/ 564664 w 2706463"/>
+                <a:gd name="connsiteY4" fmla="*/ 667562 h 3082783"/>
+                <a:gd name="connsiteX5" fmla="*/ 1331783 w 2706463"/>
+                <a:gd name="connsiteY5" fmla="*/ 1204 h 3082783"/>
+                <a:gd name="connsiteX6" fmla="*/ 2136984 w 2706463"/>
+                <a:gd name="connsiteY6" fmla="*/ 522596 h 3082783"/>
+                <a:gd name="connsiteX7" fmla="*/ 2504974 w 2706463"/>
+                <a:gd name="connsiteY7" fmla="*/ 1202819 h 3082783"/>
+                <a:gd name="connsiteX8" fmla="*/ 2698659 w 2706463"/>
+                <a:gd name="connsiteY8" fmla="*/ 1952725 h 3082783"/>
+                <a:gd name="connsiteX9" fmla="*/ 2203892 w 2706463"/>
+                <a:gd name="connsiteY9" fmla="*/ 2708233 h 3082783"/>
+                <a:gd name="connsiteX10" fmla="*/ 1331783 w 2706463"/>
+                <a:gd name="connsiteY10" fmla="*/ 3079056 h 3082783"/>
+                <a:gd name="connsiteX11" fmla="*/ 419696 w 2706463"/>
+                <a:gd name="connsiteY11" fmla="*/ 2864350 h 3082783"/>
+                <a:gd name="connsiteX12" fmla="*/ 42964 w 2706463"/>
+                <a:gd name="connsiteY12" fmla="*/ 2320716 h 3082783"/>
+                <a:gd name="connsiteX0" fmla="*/ 42964 w 2710262"/>
+                <a:gd name="connsiteY0" fmla="*/ 2320716 h 3082783"/>
+                <a:gd name="connsiteX1" fmla="*/ 40553 w 2710262"/>
+                <a:gd name="connsiteY1" fmla="*/ 1581961 h 3082783"/>
+                <a:gd name="connsiteX2" fmla="*/ 196671 w 2710262"/>
+                <a:gd name="connsiteY2" fmla="*/ 1202820 h 3082783"/>
+                <a:gd name="connsiteX3" fmla="*/ 419695 w 2710262"/>
+                <a:gd name="connsiteY3" fmla="*/ 845981 h 3082783"/>
+                <a:gd name="connsiteX4" fmla="*/ 564664 w 2710262"/>
+                <a:gd name="connsiteY4" fmla="*/ 667562 h 3082783"/>
+                <a:gd name="connsiteX5" fmla="*/ 1331783 w 2710262"/>
+                <a:gd name="connsiteY5" fmla="*/ 1204 h 3082783"/>
+                <a:gd name="connsiteX6" fmla="*/ 2136984 w 2710262"/>
+                <a:gd name="connsiteY6" fmla="*/ 522596 h 3082783"/>
+                <a:gd name="connsiteX7" fmla="*/ 2560730 w 2710262"/>
+                <a:gd name="connsiteY7" fmla="*/ 1202819 h 3082783"/>
+                <a:gd name="connsiteX8" fmla="*/ 2698659 w 2710262"/>
+                <a:gd name="connsiteY8" fmla="*/ 1952725 h 3082783"/>
+                <a:gd name="connsiteX9" fmla="*/ 2203892 w 2710262"/>
+                <a:gd name="connsiteY9" fmla="*/ 2708233 h 3082783"/>
+                <a:gd name="connsiteX10" fmla="*/ 1331783 w 2710262"/>
+                <a:gd name="connsiteY10" fmla="*/ 3079056 h 3082783"/>
+                <a:gd name="connsiteX11" fmla="*/ 419696 w 2710262"/>
+                <a:gd name="connsiteY11" fmla="*/ 2864350 h 3082783"/>
+                <a:gd name="connsiteX12" fmla="*/ 42964 w 2710262"/>
+                <a:gd name="connsiteY12" fmla="*/ 2320716 h 3082783"/>
+              </a:gdLst>
+              <a:ahLst/>
+              <a:cxnLst>
+                <a:cxn ang="0">
+                  <a:pos x="connsiteX0" y="connsiteY0"/>
+                </a:cxn>
+                <a:cxn ang="0">
+                  <a:pos x="connsiteX1" y="connsiteY1"/>
+                </a:cxn>
+                <a:cxn ang="0">
+                  <a:pos x="connsiteX2" y="connsiteY2"/>
+                </a:cxn>
+                <a:cxn ang="0">
+                  <a:pos x="connsiteX3" y="connsiteY3"/>
+                </a:cxn>
+                <a:cxn ang="0">
+                  <a:pos x="connsiteX4" y="connsiteY4"/>
+                </a:cxn>
+                <a:cxn ang="0">
+                  <a:pos x="connsiteX5" y="connsiteY5"/>
+                </a:cxn>
+                <a:cxn ang="0">
+                  <a:pos x="connsiteX6" y="connsiteY6"/>
+                </a:cxn>
+                <a:cxn ang="0">
+                  <a:pos x="connsiteX7" y="connsiteY7"/>
+                </a:cxn>
+                <a:cxn ang="0">
+                  <a:pos x="connsiteX8" y="connsiteY8"/>
+                </a:cxn>
+                <a:cxn ang="0">
+                  <a:pos x="connsiteX9" y="connsiteY9"/>
+                </a:cxn>
+                <a:cxn ang="0">
+                  <a:pos x="connsiteX10" y="connsiteY10"/>
+                </a:cxn>
+                <a:cxn ang="0">
+                  <a:pos x="connsiteX11" y="connsiteY11"/>
+                </a:cxn>
+                <a:cxn ang="0">
+                  <a:pos x="connsiteX12" y="connsiteY12"/>
+                </a:cxn>
+              </a:cxnLst>
+              <a:rect l="l" t="t" r="r" b="b"/>
+              <a:pathLst>
+                <a:path w="2710262" h="3082783">
+                  <a:moveTo>
+                    <a:pt x="42964" y="2320716"/>
+                  </a:moveTo>
+                  <a:cubicBezTo>
+                    <a:pt x="-20226" y="2106985"/>
+                    <a:pt x="-7368" y="1870496"/>
+                    <a:pt x="40553" y="1581961"/>
+                  </a:cubicBezTo>
+                  <a:cubicBezTo>
+                    <a:pt x="86614" y="1375201"/>
+                    <a:pt x="100027" y="1319908"/>
+                    <a:pt x="196671" y="1202820"/>
+                  </a:cubicBezTo>
+                  <a:cubicBezTo>
+                    <a:pt x="252427" y="1080157"/>
+                    <a:pt x="358363" y="935191"/>
+                    <a:pt x="419695" y="845981"/>
+                  </a:cubicBezTo>
+                  <a:cubicBezTo>
+                    <a:pt x="481027" y="756771"/>
+                    <a:pt x="405215" y="808358"/>
+                    <a:pt x="564664" y="667562"/>
+                  </a:cubicBezTo>
+                  <a:cubicBezTo>
+                    <a:pt x="724113" y="526766"/>
+                    <a:pt x="1069730" y="25365"/>
+                    <a:pt x="1331783" y="1204"/>
+                  </a:cubicBezTo>
+                  <a:cubicBezTo>
+                    <a:pt x="1593836" y="-22957"/>
+                    <a:pt x="1937735" y="322327"/>
+                    <a:pt x="2136984" y="522596"/>
+                  </a:cubicBezTo>
+                  <a:cubicBezTo>
+                    <a:pt x="2336233" y="722865"/>
+                    <a:pt x="2454108" y="938445"/>
+                    <a:pt x="2560730" y="1202819"/>
+                  </a:cubicBezTo>
+                  <a:cubicBezTo>
+                    <a:pt x="2667352" y="1467193"/>
+                    <a:pt x="2739547" y="1686955"/>
+                    <a:pt x="2698659" y="1952725"/>
+                  </a:cubicBezTo>
+                  <a:cubicBezTo>
+                    <a:pt x="2657771" y="2218495"/>
+                    <a:pt x="2442856" y="2531662"/>
+                    <a:pt x="2203892" y="2708233"/>
+                  </a:cubicBezTo>
+                  <a:cubicBezTo>
+                    <a:pt x="1964928" y="2884804"/>
+                    <a:pt x="1629149" y="3053037"/>
+                    <a:pt x="1331783" y="3079056"/>
+                  </a:cubicBezTo>
+                  <a:cubicBezTo>
+                    <a:pt x="1034417" y="3105076"/>
+                    <a:pt x="634499" y="2990740"/>
+                    <a:pt x="419696" y="2864350"/>
+                  </a:cubicBezTo>
+                  <a:cubicBezTo>
+                    <a:pt x="204893" y="2737960"/>
+                    <a:pt x="106154" y="2534447"/>
+                    <a:pt x="42964" y="2320716"/>
+                  </a:cubicBezTo>
+                  <a:close/>
+                </a:path>
+              </a:pathLst>
+            </a:custGeom>
+            <a:solidFill>
+              <a:srgbClr val="F8DA00"/>
+            </a:solidFill>
+            <a:ln>
+              <a:noFill/>
+            </a:ln>
+          </p:spPr>
+          <p:style>
+            <a:lnRef idx="2">
+              <a:schemeClr val="accent1">
+                <a:shade val="50000"/>
+              </a:schemeClr>
+            </a:lnRef>
+            <a:fillRef idx="1">
+              <a:schemeClr val="accent1"/>
+            </a:fillRef>
+            <a:effectRef idx="0">
+              <a:schemeClr val="accent1"/>
+            </a:effectRef>
+            <a:fontRef idx="minor">
+              <a:schemeClr val="lt1"/>
+            </a:fontRef>
+          </p:style>
+          <p:txBody>
+            <a:bodyPr rtlCol="0" anchor="ctr"/>
+            <a:lstStyle/>
+            <a:p>
+              <a:pPr algn="ctr"/>
+              <a:endParaRPr lang="pt-BR"/>
+            </a:p>
+          </p:txBody>
+        </p:sp>
+        <p:sp>
+          <p:nvSpPr>
+            <p:cNvPr id="60" name="Retângulo 59"/>
+            <p:cNvSpPr/>
+            <p:nvPr/>
+          </p:nvSpPr>
+          <p:spPr>
+            <a:xfrm rot="19439266" flipH="1">
+              <a:off x="4071871" y="1996101"/>
+              <a:ext cx="2282823" cy="2208974"/>
+            </a:xfrm>
+            <a:custGeom>
+              <a:avLst/>
+              <a:gdLst/>
+              <a:ahLst/>
+              <a:cxnLst/>
+              <a:rect l="l" t="t" r="r" b="b"/>
+              <a:pathLst>
+                <a:path w="2282823" h="2156290">
+                  <a:moveTo>
+                    <a:pt x="645966" y="0"/>
+                  </a:moveTo>
+                  <a:cubicBezTo>
+                    <a:pt x="567574" y="162018"/>
+                    <a:pt x="549336" y="365776"/>
+                    <a:pt x="607504" y="568703"/>
+                  </a:cubicBezTo>
+                  <a:lnTo>
+                    <a:pt x="32064" y="986973"/>
+                  </a:lnTo>
+                  <a:lnTo>
+                    <a:pt x="20479" y="938722"/>
+                  </a:lnTo>
+                  <a:lnTo>
+                    <a:pt x="16504" y="941611"/>
+                  </a:lnTo>
+                  <a:lnTo>
+                    <a:pt x="16504" y="754673"/>
+                  </a:lnTo>
+                  <a:cubicBezTo>
+                    <a:pt x="-18543" y="974818"/>
+                    <a:pt x="5368" y="1167740"/>
+                    <a:pt x="58685" y="1386042"/>
+                  </a:cubicBezTo>
+                  <a:lnTo>
+                    <a:pt x="96595" y="1527443"/>
+                  </a:lnTo>
+                  <a:cubicBezTo>
+                    <a:pt x="140908" y="1671337"/>
+                    <a:pt x="200426" y="1794284"/>
+                    <a:pt x="310257" y="1904504"/>
+                  </a:cubicBezTo>
+                  <a:cubicBezTo>
+                    <a:pt x="461797" y="2056580"/>
+                    <a:pt x="749755" y="2156263"/>
+                    <a:pt x="989394" y="2156290"/>
+                  </a:cubicBezTo>
+                  <a:cubicBezTo>
+                    <a:pt x="1229033" y="2156321"/>
+                    <a:pt x="1528280" y="2104797"/>
+                    <a:pt x="1735590" y="1979782"/>
+                  </a:cubicBezTo>
+                  <a:cubicBezTo>
+                    <a:pt x="1942900" y="1854766"/>
+                    <a:pt x="2151632" y="1590235"/>
+                    <a:pt x="2233255" y="1406201"/>
+                  </a:cubicBezTo>
+                  <a:cubicBezTo>
+                    <a:pt x="2310485" y="1232072"/>
+                    <a:pt x="2287141" y="1062920"/>
+                    <a:pt x="2233424" y="903185"/>
+                  </a:cubicBezTo>
+                  <a:cubicBezTo>
+                    <a:pt x="2185450" y="767501"/>
+                    <a:pt x="2097665" y="645825"/>
+                    <a:pt x="1976603" y="518439"/>
+                  </a:cubicBezTo>
+                  <a:cubicBezTo>
+                    <a:pt x="1935286" y="612776"/>
+                    <a:pt x="1868839" y="694936"/>
+                    <a:pt x="1781562" y="758374"/>
+                  </a:cubicBezTo>
+                  <a:cubicBezTo>
+                    <a:pt x="1476341" y="980230"/>
+                    <a:pt x="1031951" y="889109"/>
+                    <a:pt x="788987" y="554849"/>
+                  </a:cubicBezTo>
+                  <a:lnTo>
+                    <a:pt x="747072" y="488713"/>
+                  </a:lnTo>
+                  <a:cubicBezTo>
+                    <a:pt x="724095" y="322400"/>
+                    <a:pt x="750663" y="161426"/>
+                    <a:pt x="818760" y="30225"/>
+                  </a:cubicBezTo>
+                  <a:cubicBezTo>
+                    <a:pt x="762378" y="18347"/>
+                    <a:pt x="703680" y="7195"/>
+                    <a:pt x="645966" y="0"/>
+                  </a:cubicBezTo>
+                  <a:close/>
+                </a:path>
+              </a:pathLst>
+            </a:custGeom>
+            <a:solidFill>
+              <a:schemeClr val="tx2">
+                <a:lumMod val="60000"/>
+                <a:lumOff val="40000"/>
+              </a:schemeClr>
+            </a:solidFill>
+            <a:ln w="3175">
+              <a:solidFill>
+                <a:srgbClr val="0070C0"/>
+              </a:solidFill>
+            </a:ln>
+          </p:spPr>
+          <p:style>
+            <a:lnRef idx="2">
+              <a:schemeClr val="accent1">
+                <a:shade val="50000"/>
+              </a:schemeClr>
+            </a:lnRef>
+            <a:fillRef idx="1">
+              <a:schemeClr val="accent1"/>
+            </a:fillRef>
+            <a:effectRef idx="0">
+              <a:schemeClr val="accent1"/>
+            </a:effectRef>
+            <a:fontRef idx="minor">
+              <a:schemeClr val="lt1"/>
+            </a:fontRef>
+          </p:style>
+          <p:txBody>
+            <a:bodyPr rtlCol="0" anchor="ctr"/>
+            <a:lstStyle/>
+            <a:p>
+              <a:pPr algn="ctr"/>
+              <a:endParaRPr lang="pt-BR"/>
+            </a:p>
+          </p:txBody>
+        </p:sp>
+        <p:grpSp>
+          <p:nvGrpSpPr>
+            <p:cNvPr id="4" name="Grupo 3"/>
+            <p:cNvGrpSpPr/>
+            <p:nvPr/>
+          </p:nvGrpSpPr>
+          <p:grpSpPr>
+            <a:xfrm>
+              <a:off x="4644008" y="421054"/>
+              <a:ext cx="1975428" cy="1832259"/>
+              <a:chOff x="4838870" y="2889266"/>
+              <a:chExt cx="1975428" cy="1832259"/>
+            </a:xfrm>
+          </p:grpSpPr>
+          <p:sp>
+            <p:nvSpPr>
+              <p:cNvPr id="5" name="Fluxograma: Mesclar 6"/>
+              <p:cNvSpPr/>
+              <p:nvPr/>
+            </p:nvSpPr>
+            <p:spPr>
+              <a:xfrm rot="8853205">
+                <a:off x="4838870" y="2889266"/>
+                <a:ext cx="552294" cy="880025"/>
+              </a:xfrm>
+              <a:custGeom>
+                <a:avLst/>
+                <a:gdLst>
+                  <a:gd name="connsiteX0" fmla="*/ 0 w 10000"/>
+                  <a:gd name="connsiteY0" fmla="*/ 0 h 10000"/>
+                  <a:gd name="connsiteX1" fmla="*/ 10000 w 10000"/>
+                  <a:gd name="connsiteY1" fmla="*/ 0 h 10000"/>
+                  <a:gd name="connsiteX2" fmla="*/ 5000 w 10000"/>
+                  <a:gd name="connsiteY2" fmla="*/ 10000 h 10000"/>
+                  <a:gd name="connsiteX3" fmla="*/ 0 w 10000"/>
+                  <a:gd name="connsiteY3" fmla="*/ 0 h 10000"/>
+                  <a:gd name="connsiteX0" fmla="*/ 0 w 10333"/>
+                  <a:gd name="connsiteY0" fmla="*/ 0 h 10000"/>
+                  <a:gd name="connsiteX1" fmla="*/ 10000 w 10333"/>
+                  <a:gd name="connsiteY1" fmla="*/ 0 h 10000"/>
+                  <a:gd name="connsiteX2" fmla="*/ 10226 w 10333"/>
+                  <a:gd name="connsiteY2" fmla="*/ 4230 h 10000"/>
+                  <a:gd name="connsiteX3" fmla="*/ 5000 w 10333"/>
+                  <a:gd name="connsiteY3" fmla="*/ 10000 h 10000"/>
+                  <a:gd name="connsiteX4" fmla="*/ 0 w 10333"/>
+                  <a:gd name="connsiteY4" fmla="*/ 0 h 10000"/>
+                  <a:gd name="connsiteX0" fmla="*/ 0 w 11339"/>
+                  <a:gd name="connsiteY0" fmla="*/ 0 h 10000"/>
+                  <a:gd name="connsiteX1" fmla="*/ 10000 w 11339"/>
+                  <a:gd name="connsiteY1" fmla="*/ 0 h 10000"/>
+                  <a:gd name="connsiteX2" fmla="*/ 11311 w 11339"/>
+                  <a:gd name="connsiteY2" fmla="*/ 1212 h 10000"/>
+                  <a:gd name="connsiteX3" fmla="*/ 10226 w 11339"/>
+                  <a:gd name="connsiteY3" fmla="*/ 4230 h 10000"/>
+                  <a:gd name="connsiteX4" fmla="*/ 5000 w 11339"/>
+                  <a:gd name="connsiteY4" fmla="*/ 10000 h 10000"/>
+                  <a:gd name="connsiteX5" fmla="*/ 0 w 11339"/>
+                  <a:gd name="connsiteY5" fmla="*/ 0 h 10000"/>
+                  <a:gd name="connsiteX0" fmla="*/ 799 w 12138"/>
+                  <a:gd name="connsiteY0" fmla="*/ 0 h 10000"/>
+                  <a:gd name="connsiteX1" fmla="*/ 10799 w 12138"/>
+                  <a:gd name="connsiteY1" fmla="*/ 0 h 10000"/>
+                  <a:gd name="connsiteX2" fmla="*/ 12110 w 12138"/>
+                  <a:gd name="connsiteY2" fmla="*/ 1212 h 10000"/>
+                  <a:gd name="connsiteX3" fmla="*/ 11025 w 12138"/>
+                  <a:gd name="connsiteY3" fmla="*/ 4230 h 10000"/>
+                  <a:gd name="connsiteX4" fmla="*/ 5799 w 12138"/>
+                  <a:gd name="connsiteY4" fmla="*/ 10000 h 10000"/>
+                  <a:gd name="connsiteX5" fmla="*/ 0 w 12138"/>
+                  <a:gd name="connsiteY5" fmla="*/ 3484 h 10000"/>
+                  <a:gd name="connsiteX6" fmla="*/ 799 w 12138"/>
+                  <a:gd name="connsiteY6" fmla="*/ 0 h 10000"/>
+                  <a:gd name="connsiteX0" fmla="*/ 1151 w 12490"/>
+                  <a:gd name="connsiteY0" fmla="*/ 0 h 10000"/>
+                  <a:gd name="connsiteX1" fmla="*/ 11151 w 12490"/>
+                  <a:gd name="connsiteY1" fmla="*/ 0 h 10000"/>
+                  <a:gd name="connsiteX2" fmla="*/ 12462 w 12490"/>
+                  <a:gd name="connsiteY2" fmla="*/ 1212 h 10000"/>
+                  <a:gd name="connsiteX3" fmla="*/ 11377 w 12490"/>
+                  <a:gd name="connsiteY3" fmla="*/ 4230 h 10000"/>
+                  <a:gd name="connsiteX4" fmla="*/ 6151 w 12490"/>
+                  <a:gd name="connsiteY4" fmla="*/ 10000 h 10000"/>
+                  <a:gd name="connsiteX5" fmla="*/ 352 w 12490"/>
+                  <a:gd name="connsiteY5" fmla="*/ 3484 h 10000"/>
+                  <a:gd name="connsiteX6" fmla="*/ 29 w 12490"/>
+                  <a:gd name="connsiteY6" fmla="*/ 1317 h 10000"/>
+                  <a:gd name="connsiteX7" fmla="*/ 1151 w 12490"/>
+                  <a:gd name="connsiteY7" fmla="*/ 0 h 10000"/>
+                </a:gdLst>
+                <a:ahLst/>
+                <a:cxnLst>
+                  <a:cxn ang="0">
+                    <a:pos x="connsiteX0" y="connsiteY0"/>
+                  </a:cxn>
+                  <a:cxn ang="0">
+                    <a:pos x="connsiteX1" y="connsiteY1"/>
+                  </a:cxn>
+                  <a:cxn ang="0">
+                    <a:pos x="connsiteX2" y="connsiteY2"/>
+                  </a:cxn>
+                  <a:cxn ang="0">
+                    <a:pos x="connsiteX3" y="connsiteY3"/>
+                  </a:cxn>
+                  <a:cxn ang="0">
+                    <a:pos x="connsiteX4" y="connsiteY4"/>
+                  </a:cxn>
+                  <a:cxn ang="0">
+                    <a:pos x="connsiteX5" y="connsiteY5"/>
+                  </a:cxn>
+                  <a:cxn ang="0">
+                    <a:pos x="connsiteX6" y="connsiteY6"/>
+                  </a:cxn>
+                  <a:cxn ang="0">
+                    <a:pos x="connsiteX7" y="connsiteY7"/>
+                  </a:cxn>
+                </a:cxnLst>
+                <a:rect l="l" t="t" r="r" b="b"/>
+                <a:pathLst>
+                  <a:path w="12490" h="10000">
+                    <a:moveTo>
+                      <a:pt x="1151" y="0"/>
+                    </a:moveTo>
+                    <a:lnTo>
+                      <a:pt x="11151" y="0"/>
+                    </a:lnTo>
+                    <a:cubicBezTo>
+                      <a:pt x="12885" y="239"/>
+                      <a:pt x="12424" y="507"/>
+                      <a:pt x="12462" y="1212"/>
+                    </a:cubicBezTo>
+                    <a:cubicBezTo>
+                      <a:pt x="12500" y="1917"/>
+                      <a:pt x="12278" y="2802"/>
+                      <a:pt x="11377" y="4230"/>
+                    </a:cubicBezTo>
+                    <a:lnTo>
+                      <a:pt x="6151" y="10000"/>
+                    </a:lnTo>
+                    <a:cubicBezTo>
+                      <a:pt x="5043" y="7832"/>
+                      <a:pt x="1460" y="5652"/>
+                      <a:pt x="352" y="3484"/>
+                    </a:cubicBezTo>
+                    <a:cubicBezTo>
+                      <a:pt x="526" y="2745"/>
+                      <a:pt x="-145" y="2056"/>
+                      <a:pt x="29" y="1317"/>
+                    </a:cubicBezTo>
+                    <a:lnTo>
+                      <a:pt x="1151" y="0"/>
+                    </a:lnTo>
+                    <a:close/>
+                  </a:path>
+                </a:pathLst>
+              </a:custGeom>
+              <a:solidFill>
+                <a:srgbClr val="FCC7A6"/>
+              </a:solidFill>
+              <a:ln>
+                <a:noFill/>
+              </a:ln>
+            </p:spPr>
+            <p:style>
+              <a:lnRef idx="2">
+                <a:schemeClr val="accent1">
+                  <a:shade val="50000"/>
+                </a:schemeClr>
+              </a:lnRef>
+              <a:fillRef idx="1">
+                <a:schemeClr val="accent1"/>
+              </a:fillRef>
+              <a:effectRef idx="0">
+                <a:schemeClr val="accent1"/>
+              </a:effectRef>
+              <a:fontRef idx="minor">
+                <a:schemeClr val="lt1"/>
+              </a:fontRef>
+            </p:style>
+            <p:txBody>
+              <a:bodyPr rtlCol="0" anchor="ctr"/>
+              <a:lstStyle/>
+              <a:p>
+                <a:pPr algn="ctr"/>
+                <a:endParaRPr lang="pt-BR" dirty="0"/>
+              </a:p>
+            </p:txBody>
+          </p:sp>
+          <p:sp>
+            <p:nvSpPr>
+              <p:cNvPr id="6" name="Elipse 4"/>
+              <p:cNvSpPr/>
+              <p:nvPr/>
+            </p:nvSpPr>
+            <p:spPr>
+              <a:xfrm>
+                <a:off x="4921095" y="3353342"/>
+                <a:ext cx="1465518" cy="1368183"/>
+              </a:xfrm>
+              <a:custGeom>
+                <a:avLst/>
+                <a:gdLst>
+                  <a:gd name="connsiteX0" fmla="*/ 0 w 1440160"/>
+                  <a:gd name="connsiteY0" fmla="*/ 684076 h 1368152"/>
+                  <a:gd name="connsiteX1" fmla="*/ 720080 w 1440160"/>
+                  <a:gd name="connsiteY1" fmla="*/ 0 h 1368152"/>
+                  <a:gd name="connsiteX2" fmla="*/ 1440160 w 1440160"/>
+                  <a:gd name="connsiteY2" fmla="*/ 684076 h 1368152"/>
+                  <a:gd name="connsiteX3" fmla="*/ 720080 w 1440160"/>
+                  <a:gd name="connsiteY3" fmla="*/ 1368152 h 1368152"/>
+                  <a:gd name="connsiteX4" fmla="*/ 0 w 1440160"/>
+                  <a:gd name="connsiteY4" fmla="*/ 684076 h 1368152"/>
+                  <a:gd name="connsiteX0" fmla="*/ 12843 w 1453003"/>
+                  <a:gd name="connsiteY0" fmla="*/ 684076 h 1390469"/>
+                  <a:gd name="connsiteX1" fmla="*/ 732923 w 1453003"/>
+                  <a:gd name="connsiteY1" fmla="*/ 0 h 1390469"/>
+                  <a:gd name="connsiteX2" fmla="*/ 1453003 w 1453003"/>
+                  <a:gd name="connsiteY2" fmla="*/ 684076 h 1390469"/>
+                  <a:gd name="connsiteX3" fmla="*/ 732923 w 1453003"/>
+                  <a:gd name="connsiteY3" fmla="*/ 1368152 h 1390469"/>
+                  <a:gd name="connsiteX4" fmla="*/ 305026 w 1453003"/>
+                  <a:gd name="connsiteY4" fmla="*/ 1174905 h 1390469"/>
+                  <a:gd name="connsiteX5" fmla="*/ 12843 w 1453003"/>
+                  <a:gd name="connsiteY5" fmla="*/ 684076 h 1390469"/>
+                  <a:gd name="connsiteX0" fmla="*/ 12843 w 1465518"/>
+                  <a:gd name="connsiteY0" fmla="*/ 684076 h 1368183"/>
+                  <a:gd name="connsiteX1" fmla="*/ 732923 w 1465518"/>
+                  <a:gd name="connsiteY1" fmla="*/ 0 h 1368183"/>
+                  <a:gd name="connsiteX2" fmla="*/ 1453003 w 1465518"/>
+                  <a:gd name="connsiteY2" fmla="*/ 684076 h 1368183"/>
+                  <a:gd name="connsiteX3" fmla="*/ 1174822 w 1465518"/>
+                  <a:gd name="connsiteY3" fmla="*/ 1163754 h 1368183"/>
+                  <a:gd name="connsiteX4" fmla="*/ 732923 w 1465518"/>
+                  <a:gd name="connsiteY4" fmla="*/ 1368152 h 1368183"/>
+                  <a:gd name="connsiteX5" fmla="*/ 305026 w 1465518"/>
+                  <a:gd name="connsiteY5" fmla="*/ 1174905 h 1368183"/>
+                  <a:gd name="connsiteX6" fmla="*/ 12843 w 1465518"/>
+                  <a:gd name="connsiteY6" fmla="*/ 684076 h 1368183"/>
+                </a:gdLst>
+                <a:ahLst/>
+                <a:cxnLst>
+                  <a:cxn ang="0">
+                    <a:pos x="connsiteX0" y="connsiteY0"/>
+                  </a:cxn>
+                  <a:cxn ang="0">
+                    <a:pos x="connsiteX1" y="connsiteY1"/>
+                  </a:cxn>
+                  <a:cxn ang="0">
+                    <a:pos x="connsiteX2" y="connsiteY2"/>
+                  </a:cxn>
+                  <a:cxn ang="0">
+                    <a:pos x="connsiteX3" y="connsiteY3"/>
+                  </a:cxn>
+                  <a:cxn ang="0">
+                    <a:pos x="connsiteX4" y="connsiteY4"/>
+                  </a:cxn>
+                  <a:cxn ang="0">
+                    <a:pos x="connsiteX5" y="connsiteY5"/>
+                  </a:cxn>
+                  <a:cxn ang="0">
+                    <a:pos x="connsiteX6" y="connsiteY6"/>
+                  </a:cxn>
+                </a:cxnLst>
+                <a:rect l="l" t="t" r="r" b="b"/>
+                <a:pathLst>
+                  <a:path w="1465518" h="1368183">
+                    <a:moveTo>
+                      <a:pt x="12843" y="684076"/>
+                    </a:moveTo>
+                    <a:cubicBezTo>
+                      <a:pt x="84159" y="488259"/>
+                      <a:pt x="335234" y="0"/>
+                      <a:pt x="732923" y="0"/>
+                    </a:cubicBezTo>
+                    <a:cubicBezTo>
+                      <a:pt x="1130612" y="0"/>
+                      <a:pt x="1384929" y="493834"/>
+                      <a:pt x="1453003" y="684076"/>
+                    </a:cubicBezTo>
+                    <a:cubicBezTo>
+                      <a:pt x="1521077" y="874318"/>
+                      <a:pt x="1294835" y="1049741"/>
+                      <a:pt x="1174822" y="1163754"/>
+                    </a:cubicBezTo>
+                    <a:cubicBezTo>
+                      <a:pt x="1054809" y="1277767"/>
+                      <a:pt x="877889" y="1366294"/>
+                      <a:pt x="732923" y="1368152"/>
+                    </a:cubicBezTo>
+                    <a:cubicBezTo>
+                      <a:pt x="587957" y="1370010"/>
+                      <a:pt x="425039" y="1288918"/>
+                      <a:pt x="305026" y="1174905"/>
+                    </a:cubicBezTo>
+                    <a:cubicBezTo>
+                      <a:pt x="185013" y="1060892"/>
+                      <a:pt x="-58473" y="879893"/>
+                      <a:pt x="12843" y="684076"/>
+                    </a:cubicBezTo>
+                    <a:close/>
+                  </a:path>
+                </a:pathLst>
+              </a:custGeom>
+              <a:solidFill>
+                <a:srgbClr val="FCC7A6"/>
+              </a:solidFill>
+              <a:ln>
+                <a:noFill/>
+              </a:ln>
+            </p:spPr>
+            <p:style>
+              <a:lnRef idx="2">
+                <a:schemeClr val="accent1">
+                  <a:shade val="50000"/>
+                </a:schemeClr>
+              </a:lnRef>
+              <a:fillRef idx="1">
+                <a:schemeClr val="accent1"/>
+              </a:fillRef>
+              <a:effectRef idx="0">
+                <a:schemeClr val="accent1"/>
+              </a:effectRef>
+              <a:fontRef idx="minor">
+                <a:schemeClr val="lt1"/>
+              </a:fontRef>
+            </p:style>
+            <p:txBody>
+              <a:bodyPr rtlCol="0" anchor="ctr"/>
+              <a:lstStyle/>
+              <a:p>
+                <a:pPr algn="ctr"/>
+                <a:endParaRPr lang="pt-BR"/>
+              </a:p>
+            </p:txBody>
+          </p:sp>
+          <p:sp>
+            <p:nvSpPr>
+              <p:cNvPr id="7" name="Fluxograma: Mesclar 6"/>
+              <p:cNvSpPr/>
+              <p:nvPr/>
+            </p:nvSpPr>
+            <p:spPr>
+              <a:xfrm rot="14231539">
+                <a:off x="6100673" y="3028278"/>
+                <a:ext cx="547226" cy="880025"/>
+              </a:xfrm>
+              <a:custGeom>
+                <a:avLst/>
+                <a:gdLst>
+                  <a:gd name="connsiteX0" fmla="*/ 0 w 10000"/>
+                  <a:gd name="connsiteY0" fmla="*/ 0 h 10000"/>
+                  <a:gd name="connsiteX1" fmla="*/ 10000 w 10000"/>
+                  <a:gd name="connsiteY1" fmla="*/ 0 h 10000"/>
+                  <a:gd name="connsiteX2" fmla="*/ 5000 w 10000"/>
+                  <a:gd name="connsiteY2" fmla="*/ 10000 h 10000"/>
+                  <a:gd name="connsiteX3" fmla="*/ 0 w 10000"/>
+                  <a:gd name="connsiteY3" fmla="*/ 0 h 10000"/>
+                  <a:gd name="connsiteX0" fmla="*/ 0 w 10333"/>
+                  <a:gd name="connsiteY0" fmla="*/ 0 h 10000"/>
+                  <a:gd name="connsiteX1" fmla="*/ 10000 w 10333"/>
+                  <a:gd name="connsiteY1" fmla="*/ 0 h 10000"/>
+                  <a:gd name="connsiteX2" fmla="*/ 10226 w 10333"/>
+                  <a:gd name="connsiteY2" fmla="*/ 4230 h 10000"/>
+                  <a:gd name="connsiteX3" fmla="*/ 5000 w 10333"/>
+                  <a:gd name="connsiteY3" fmla="*/ 10000 h 10000"/>
+                  <a:gd name="connsiteX4" fmla="*/ 0 w 10333"/>
+                  <a:gd name="connsiteY4" fmla="*/ 0 h 10000"/>
+                  <a:gd name="connsiteX0" fmla="*/ 0 w 11339"/>
+                  <a:gd name="connsiteY0" fmla="*/ 0 h 10000"/>
+                  <a:gd name="connsiteX1" fmla="*/ 10000 w 11339"/>
+                  <a:gd name="connsiteY1" fmla="*/ 0 h 10000"/>
+                  <a:gd name="connsiteX2" fmla="*/ 11311 w 11339"/>
+                  <a:gd name="connsiteY2" fmla="*/ 1212 h 10000"/>
+                  <a:gd name="connsiteX3" fmla="*/ 10226 w 11339"/>
+                  <a:gd name="connsiteY3" fmla="*/ 4230 h 10000"/>
+                  <a:gd name="connsiteX4" fmla="*/ 5000 w 11339"/>
+                  <a:gd name="connsiteY4" fmla="*/ 10000 h 10000"/>
+                  <a:gd name="connsiteX5" fmla="*/ 0 w 11339"/>
+                  <a:gd name="connsiteY5" fmla="*/ 0 h 10000"/>
+                  <a:gd name="connsiteX0" fmla="*/ 799 w 12138"/>
+                  <a:gd name="connsiteY0" fmla="*/ 0 h 10000"/>
+                  <a:gd name="connsiteX1" fmla="*/ 10799 w 12138"/>
+                  <a:gd name="connsiteY1" fmla="*/ 0 h 10000"/>
+                  <a:gd name="connsiteX2" fmla="*/ 12110 w 12138"/>
+                  <a:gd name="connsiteY2" fmla="*/ 1212 h 10000"/>
+                  <a:gd name="connsiteX3" fmla="*/ 11025 w 12138"/>
+                  <a:gd name="connsiteY3" fmla="*/ 4230 h 10000"/>
+                  <a:gd name="connsiteX4" fmla="*/ 5799 w 12138"/>
+                  <a:gd name="connsiteY4" fmla="*/ 10000 h 10000"/>
+                  <a:gd name="connsiteX5" fmla="*/ 0 w 12138"/>
+                  <a:gd name="connsiteY5" fmla="*/ 3484 h 10000"/>
+                  <a:gd name="connsiteX6" fmla="*/ 799 w 12138"/>
+                  <a:gd name="connsiteY6" fmla="*/ 0 h 10000"/>
+                  <a:gd name="connsiteX0" fmla="*/ 1151 w 12490"/>
+                  <a:gd name="connsiteY0" fmla="*/ 0 h 10000"/>
+                  <a:gd name="connsiteX1" fmla="*/ 11151 w 12490"/>
+                  <a:gd name="connsiteY1" fmla="*/ 0 h 10000"/>
+                  <a:gd name="connsiteX2" fmla="*/ 12462 w 12490"/>
+                  <a:gd name="connsiteY2" fmla="*/ 1212 h 10000"/>
+                  <a:gd name="connsiteX3" fmla="*/ 11377 w 12490"/>
+                  <a:gd name="connsiteY3" fmla="*/ 4230 h 10000"/>
+                  <a:gd name="connsiteX4" fmla="*/ 6151 w 12490"/>
+                  <a:gd name="connsiteY4" fmla="*/ 10000 h 10000"/>
+                  <a:gd name="connsiteX5" fmla="*/ 352 w 12490"/>
+                  <a:gd name="connsiteY5" fmla="*/ 3484 h 10000"/>
+                  <a:gd name="connsiteX6" fmla="*/ 29 w 12490"/>
+                  <a:gd name="connsiteY6" fmla="*/ 1317 h 10000"/>
+                  <a:gd name="connsiteX7" fmla="*/ 1151 w 12490"/>
+                  <a:gd name="connsiteY7" fmla="*/ 0 h 10000"/>
+                </a:gdLst>
+                <a:ahLst/>
+                <a:cxnLst>
+                  <a:cxn ang="0">
+                    <a:pos x="connsiteX0" y="connsiteY0"/>
+                  </a:cxn>
+                  <a:cxn ang="0">
+                    <a:pos x="connsiteX1" y="connsiteY1"/>
+                  </a:cxn>
+                  <a:cxn ang="0">
+                    <a:pos x="connsiteX2" y="connsiteY2"/>
+                  </a:cxn>
+                  <a:cxn ang="0">
+                    <a:pos x="connsiteX3" y="connsiteY3"/>
+                  </a:cxn>
+                  <a:cxn ang="0">
+                    <a:pos x="connsiteX4" y="connsiteY4"/>
+                  </a:cxn>
+                  <a:cxn ang="0">
+                    <a:pos x="connsiteX5" y="connsiteY5"/>
+                  </a:cxn>
+                  <a:cxn ang="0">
+                    <a:pos x="connsiteX6" y="connsiteY6"/>
+                  </a:cxn>
+                  <a:cxn ang="0">
+                    <a:pos x="connsiteX7" y="connsiteY7"/>
+                  </a:cxn>
+                </a:cxnLst>
+                <a:rect l="l" t="t" r="r" b="b"/>
+                <a:pathLst>
+                  <a:path w="12490" h="10000">
+                    <a:moveTo>
+                      <a:pt x="1151" y="0"/>
+                    </a:moveTo>
+                    <a:lnTo>
+                      <a:pt x="11151" y="0"/>
+                    </a:lnTo>
+                    <a:cubicBezTo>
+                      <a:pt x="12885" y="239"/>
+                      <a:pt x="12424" y="507"/>
+                      <a:pt x="12462" y="1212"/>
+                    </a:cubicBezTo>
+                    <a:cubicBezTo>
+                      <a:pt x="12500" y="1917"/>
+                      <a:pt x="12278" y="2802"/>
+                      <a:pt x="11377" y="4230"/>
+                    </a:cubicBezTo>
+                    <a:lnTo>
+                      <a:pt x="6151" y="10000"/>
+                    </a:lnTo>
+                    <a:cubicBezTo>
+                      <a:pt x="5043" y="7832"/>
+                      <a:pt x="1460" y="5652"/>
+                      <a:pt x="352" y="3484"/>
+                    </a:cubicBezTo>
+                    <a:cubicBezTo>
+                      <a:pt x="526" y="2745"/>
+                      <a:pt x="-145" y="2056"/>
+                      <a:pt x="29" y="1317"/>
+                    </a:cubicBezTo>
+                    <a:lnTo>
+                      <a:pt x="1151" y="0"/>
+                    </a:lnTo>
+                    <a:close/>
+                  </a:path>
+                </a:pathLst>
+              </a:custGeom>
+              <a:solidFill>
+                <a:srgbClr val="FCC7A6"/>
+              </a:solidFill>
+              <a:ln>
+                <a:noFill/>
+              </a:ln>
+            </p:spPr>
+            <p:style>
+              <a:lnRef idx="2">
+                <a:schemeClr val="accent1">
+                  <a:shade val="50000"/>
+                </a:schemeClr>
+              </a:lnRef>
+              <a:fillRef idx="1">
+                <a:schemeClr val="accent1"/>
+              </a:fillRef>
+              <a:effectRef idx="0">
+                <a:schemeClr val="accent1"/>
+              </a:effectRef>
+              <a:fontRef idx="minor">
+                <a:schemeClr val="lt1"/>
+              </a:fontRef>
+            </p:style>
+            <p:txBody>
+              <a:bodyPr rtlCol="0" anchor="ctr"/>
+              <a:lstStyle/>
+              <a:p>
+                <a:pPr algn="ctr"/>
+                <a:endParaRPr lang="pt-BR" dirty="0"/>
+              </a:p>
+            </p:txBody>
+          </p:sp>
+          <p:sp>
+            <p:nvSpPr>
+              <p:cNvPr id="8" name="Elipse 12"/>
+              <p:cNvSpPr/>
+              <p:nvPr/>
+            </p:nvSpPr>
+            <p:spPr>
+              <a:xfrm>
+                <a:off x="5283886" y="3671986"/>
+                <a:ext cx="290150" cy="365447"/>
+              </a:xfrm>
+              <a:custGeom>
+                <a:avLst/>
+                <a:gdLst/>
+                <a:ahLst/>
+                <a:cxnLst/>
+                <a:rect l="l" t="t" r="r" b="b"/>
+                <a:pathLst>
+                  <a:path w="290150" h="319400">
+                    <a:moveTo>
+                      <a:pt x="145075" y="0"/>
+                    </a:moveTo>
+                    <a:cubicBezTo>
+                      <a:pt x="225198" y="0"/>
+                      <a:pt x="290150" y="88661"/>
+                      <a:pt x="290150" y="198030"/>
+                    </a:cubicBezTo>
+                    <a:cubicBezTo>
+                      <a:pt x="290150" y="244327"/>
+                      <a:pt x="278511" y="286913"/>
+                      <a:pt x="256875" y="319400"/>
+                    </a:cubicBezTo>
+                    <a:cubicBezTo>
+                      <a:pt x="225372" y="307806"/>
+                      <a:pt x="183584" y="301220"/>
+                      <a:pt x="137801" y="301220"/>
+                    </a:cubicBezTo>
+                    <a:cubicBezTo>
+                      <a:pt x="97917" y="301220"/>
+                      <a:pt x="61063" y="306218"/>
+                      <a:pt x="31622" y="316051"/>
+                    </a:cubicBezTo>
+                    <a:cubicBezTo>
+                      <a:pt x="10901" y="284166"/>
+                      <a:pt x="0" y="242836"/>
+                      <a:pt x="0" y="198030"/>
+                    </a:cubicBezTo>
+                    <a:cubicBezTo>
+                      <a:pt x="0" y="88661"/>
+                      <a:pt x="64952" y="0"/>
+                      <a:pt x="145075" y="0"/>
+                    </a:cubicBezTo>
+                    <a:close/>
+                  </a:path>
+                </a:pathLst>
+              </a:custGeom>
+              <a:solidFill>
+                <a:schemeClr val="bg1"/>
+              </a:solidFill>
+              <a:ln w="9525">
+                <a:solidFill>
+                  <a:schemeClr val="tx1"/>
+                </a:solidFill>
+              </a:ln>
+            </p:spPr>
+            <p:style>
+              <a:lnRef idx="2">
+                <a:schemeClr val="accent1">
+                  <a:shade val="50000"/>
+                </a:schemeClr>
+              </a:lnRef>
+              <a:fillRef idx="1">
+                <a:schemeClr val="accent1"/>
+              </a:fillRef>
+              <a:effectRef idx="0">
+                <a:schemeClr val="accent1"/>
+              </a:effectRef>
+              <a:fontRef idx="minor">
+                <a:schemeClr val="lt1"/>
+              </a:fontRef>
+            </p:style>
+            <p:txBody>
+              <a:bodyPr rtlCol="0" anchor="ctr"/>
+              <a:lstStyle/>
+              <a:p>
+                <a:pPr algn="ctr"/>
+                <a:endParaRPr lang="pt-BR"/>
+              </a:p>
+            </p:txBody>
+          </p:sp>
+          <p:sp>
+            <p:nvSpPr>
+              <p:cNvPr id="9" name="Elipse 12"/>
+              <p:cNvSpPr/>
+              <p:nvPr/>
+            </p:nvSpPr>
+            <p:spPr>
+              <a:xfrm>
+                <a:off x="5759046" y="3671986"/>
+                <a:ext cx="290150" cy="365447"/>
+              </a:xfrm>
+              <a:custGeom>
+                <a:avLst/>
+                <a:gdLst/>
+                <a:ahLst/>
+                <a:cxnLst/>
+                <a:rect l="l" t="t" r="r" b="b"/>
+                <a:pathLst>
+                  <a:path w="290150" h="319400">
+                    <a:moveTo>
+                      <a:pt x="145075" y="0"/>
+                    </a:moveTo>
+                    <a:cubicBezTo>
+                      <a:pt x="225198" y="0"/>
+                      <a:pt x="290150" y="88661"/>
+                      <a:pt x="290150" y="198030"/>
+                    </a:cubicBezTo>
+                    <a:cubicBezTo>
+                      <a:pt x="290150" y="244327"/>
+                      <a:pt x="278511" y="286913"/>
+                      <a:pt x="256875" y="319400"/>
+                    </a:cubicBezTo>
+                    <a:cubicBezTo>
+                      <a:pt x="225372" y="307806"/>
+                      <a:pt x="183584" y="301220"/>
+                      <a:pt x="137801" y="301220"/>
+                    </a:cubicBezTo>
+                    <a:cubicBezTo>
+                      <a:pt x="97917" y="301220"/>
+                      <a:pt x="61063" y="306218"/>
+                      <a:pt x="31622" y="316051"/>
+                    </a:cubicBezTo>
+                    <a:cubicBezTo>
+                      <a:pt x="10901" y="284166"/>
+                      <a:pt x="0" y="242836"/>
+                      <a:pt x="0" y="198030"/>
+                    </a:cubicBezTo>
+                    <a:cubicBezTo>
+                      <a:pt x="0" y="88661"/>
+                      <a:pt x="64952" y="0"/>
+                      <a:pt x="145075" y="0"/>
+                    </a:cubicBezTo>
+                    <a:close/>
+                  </a:path>
+                </a:pathLst>
+              </a:custGeom>
+              <a:solidFill>
+                <a:schemeClr val="bg1"/>
+              </a:solidFill>
+              <a:ln w="9525">
+                <a:solidFill>
+                  <a:schemeClr val="tx1"/>
+                </a:solidFill>
+              </a:ln>
+            </p:spPr>
+            <p:style>
+              <a:lnRef idx="2">
+                <a:schemeClr val="accent1">
+                  <a:shade val="50000"/>
+                </a:schemeClr>
+              </a:lnRef>
+              <a:fillRef idx="1">
+                <a:schemeClr val="accent1"/>
+              </a:fillRef>
+              <a:effectRef idx="0">
+                <a:schemeClr val="accent1"/>
+              </a:effectRef>
+              <a:fontRef idx="minor">
+                <a:schemeClr val="lt1"/>
+              </a:fontRef>
+            </p:style>
+            <p:txBody>
+              <a:bodyPr rtlCol="0" anchor="ctr"/>
+              <a:lstStyle/>
+              <a:p>
+                <a:pPr algn="ctr"/>
+                <a:endParaRPr lang="pt-BR"/>
+              </a:p>
+            </p:txBody>
+          </p:sp>
+          <p:sp>
+            <p:nvSpPr>
+              <p:cNvPr id="10" name="Elipse 9"/>
+              <p:cNvSpPr/>
+              <p:nvPr/>
+            </p:nvSpPr>
+            <p:spPr>
+              <a:xfrm>
+                <a:off x="5363029" y="3840273"/>
+                <a:ext cx="145075" cy="158062"/>
+              </a:xfrm>
+              <a:prstGeom prst="ellipse">
+                <a:avLst/>
+              </a:prstGeom>
+              <a:solidFill>
+                <a:schemeClr val="tx1"/>
+              </a:solidFill>
+              <a:ln>
+                <a:noFill/>
+              </a:ln>
+            </p:spPr>
+            <p:style>
+              <a:lnRef idx="2">
+                <a:schemeClr val="accent1">
+                  <a:shade val="50000"/>
+                </a:schemeClr>
+              </a:lnRef>
+              <a:fillRef idx="1">
+                <a:schemeClr val="accent1"/>
+              </a:fillRef>
+              <a:effectRef idx="0">
+                <a:schemeClr val="accent1"/>
+              </a:effectRef>
+              <a:fontRef idx="minor">
+                <a:schemeClr val="lt1"/>
+              </a:fontRef>
+            </p:style>
+            <p:txBody>
+              <a:bodyPr rtlCol="0" anchor="ctr"/>
+              <a:lstStyle/>
+              <a:p>
+                <a:pPr algn="ctr"/>
+                <a:endParaRPr lang="pt-BR"/>
+              </a:p>
+            </p:txBody>
+          </p:sp>
+          <p:sp>
+            <p:nvSpPr>
+              <p:cNvPr id="11" name="Arco 10"/>
+              <p:cNvSpPr/>
+              <p:nvPr/>
+            </p:nvSpPr>
+            <p:spPr>
+              <a:xfrm rot="17066183">
+                <a:off x="5147909" y="3594107"/>
+                <a:ext cx="369968" cy="318644"/>
+              </a:xfrm>
+              <a:prstGeom prst="arc">
+                <a:avLst>
+                  <a:gd name="adj1" fmla="val 16200000"/>
+                  <a:gd name="adj2" fmla="val 20549042"/>
+                </a:avLst>
+              </a:prstGeom>
+            </p:spPr>
+            <p:style>
+              <a:lnRef idx="1">
+                <a:schemeClr val="dk1"/>
+              </a:lnRef>
+              <a:fillRef idx="0">
+                <a:schemeClr val="dk1"/>
+              </a:fillRef>
+              <a:effectRef idx="0">
+                <a:schemeClr val="dk1"/>
+              </a:effectRef>
+              <a:fontRef idx="minor">
+                <a:schemeClr val="tx1"/>
+              </a:fontRef>
+            </p:style>
+            <p:txBody>
+              <a:bodyPr rtlCol="0" anchor="ctr"/>
+              <a:lstStyle/>
+              <a:p>
+                <a:pPr algn="ctr"/>
+                <a:endParaRPr lang="pt-BR"/>
+              </a:p>
+            </p:txBody>
+          </p:sp>
+          <p:sp>
+            <p:nvSpPr>
+              <p:cNvPr id="12" name="Arco 11"/>
+              <p:cNvSpPr/>
+              <p:nvPr/>
+            </p:nvSpPr>
+            <p:spPr>
+              <a:xfrm>
+                <a:off x="5759046" y="3581459"/>
+                <a:ext cx="369968" cy="318644"/>
+              </a:xfrm>
+              <a:prstGeom prst="arc">
+                <a:avLst>
+                  <a:gd name="adj1" fmla="val 16200000"/>
+                  <a:gd name="adj2" fmla="val 20549042"/>
+                </a:avLst>
+              </a:prstGeom>
+            </p:spPr>
+            <p:style>
+              <a:lnRef idx="1">
+                <a:schemeClr val="dk1"/>
+              </a:lnRef>
+              <a:fillRef idx="0">
+                <a:schemeClr val="dk1"/>
+              </a:fillRef>
+              <a:effectRef idx="0">
+                <a:schemeClr val="dk1"/>
+              </a:effectRef>
+              <a:fontRef idx="minor">
+                <a:schemeClr val="tx1"/>
+              </a:fontRef>
+            </p:style>
+            <p:txBody>
+              <a:bodyPr rtlCol="0" anchor="ctr"/>
+              <a:lstStyle/>
+              <a:p>
+                <a:pPr algn="ctr"/>
+                <a:endParaRPr lang="pt-BR"/>
+              </a:p>
+            </p:txBody>
+          </p:sp>
+          <p:grpSp>
+            <p:nvGrpSpPr>
+              <p:cNvPr id="13" name="Grupo 12"/>
+              <p:cNvGrpSpPr/>
+              <p:nvPr/>
+            </p:nvGrpSpPr>
+            <p:grpSpPr>
+              <a:xfrm>
+                <a:off x="5450982" y="3990951"/>
+                <a:ext cx="357713" cy="252013"/>
+                <a:chOff x="5250104" y="4008057"/>
+                <a:chExt cx="357713" cy="252013"/>
+              </a:xfrm>
+            </p:grpSpPr>
+            <p:sp>
+              <p:nvSpPr>
+                <p:cNvPr id="26" name="Elipse 19"/>
+                <p:cNvSpPr/>
+                <p:nvPr/>
+              </p:nvSpPr>
+              <p:spPr>
+                <a:xfrm>
+                  <a:off x="5250104" y="4008057"/>
+                  <a:ext cx="357713" cy="252013"/>
+                </a:xfrm>
+                <a:custGeom>
+                  <a:avLst/>
+                  <a:gdLst>
+                    <a:gd name="connsiteX0" fmla="*/ 0 w 716303"/>
+                    <a:gd name="connsiteY0" fmla="*/ 360040 h 720080"/>
+                    <a:gd name="connsiteX1" fmla="*/ 358152 w 716303"/>
+                    <a:gd name="connsiteY1" fmla="*/ 0 h 720080"/>
+                    <a:gd name="connsiteX2" fmla="*/ 716304 w 716303"/>
+                    <a:gd name="connsiteY2" fmla="*/ 360040 h 720080"/>
+                    <a:gd name="connsiteX3" fmla="*/ 358152 w 716303"/>
+                    <a:gd name="connsiteY3" fmla="*/ 720080 h 720080"/>
+                    <a:gd name="connsiteX4" fmla="*/ 0 w 716303"/>
+                    <a:gd name="connsiteY4" fmla="*/ 360040 h 720080"/>
+                    <a:gd name="connsiteX0" fmla="*/ 0 w 827817"/>
+                    <a:gd name="connsiteY0" fmla="*/ 366194 h 771691"/>
+                    <a:gd name="connsiteX1" fmla="*/ 358152 w 827817"/>
+                    <a:gd name="connsiteY1" fmla="*/ 6154 h 771691"/>
+                    <a:gd name="connsiteX2" fmla="*/ 827817 w 827817"/>
+                    <a:gd name="connsiteY2" fmla="*/ 633823 h 771691"/>
+                    <a:gd name="connsiteX3" fmla="*/ 358152 w 827817"/>
+                    <a:gd name="connsiteY3" fmla="*/ 726234 h 771691"/>
+                    <a:gd name="connsiteX4" fmla="*/ 0 w 827817"/>
+                    <a:gd name="connsiteY4" fmla="*/ 366194 h 771691"/>
+                    <a:gd name="connsiteX0" fmla="*/ 204224 w 1032041"/>
+                    <a:gd name="connsiteY0" fmla="*/ 364649 h 749956"/>
+                    <a:gd name="connsiteX1" fmla="*/ 562376 w 1032041"/>
+                    <a:gd name="connsiteY1" fmla="*/ 4609 h 749956"/>
+                    <a:gd name="connsiteX2" fmla="*/ 1032041 w 1032041"/>
+                    <a:gd name="connsiteY2" fmla="*/ 632278 h 749956"/>
+                    <a:gd name="connsiteX3" fmla="*/ 562376 w 1032041"/>
+                    <a:gd name="connsiteY3" fmla="*/ 724689 h 749956"/>
+                    <a:gd name="connsiteX4" fmla="*/ 13047 w 1032041"/>
+                    <a:gd name="connsiteY4" fmla="*/ 685764 h 749956"/>
+                    <a:gd name="connsiteX5" fmla="*/ 204224 w 1032041"/>
+                    <a:gd name="connsiteY5" fmla="*/ 364649 h 749956"/>
+                    <a:gd name="connsiteX0" fmla="*/ 183452 w 1033572"/>
+                    <a:gd name="connsiteY0" fmla="*/ 280968 h 755485"/>
+                    <a:gd name="connsiteX1" fmla="*/ 563907 w 1033572"/>
+                    <a:gd name="connsiteY1" fmla="*/ 10138 h 755485"/>
+                    <a:gd name="connsiteX2" fmla="*/ 1033572 w 1033572"/>
+                    <a:gd name="connsiteY2" fmla="*/ 637807 h 755485"/>
+                    <a:gd name="connsiteX3" fmla="*/ 563907 w 1033572"/>
+                    <a:gd name="connsiteY3" fmla="*/ 730218 h 755485"/>
+                    <a:gd name="connsiteX4" fmla="*/ 14578 w 1033572"/>
+                    <a:gd name="connsiteY4" fmla="*/ 691293 h 755485"/>
+                    <a:gd name="connsiteX5" fmla="*/ 183452 w 1033572"/>
+                    <a:gd name="connsiteY5" fmla="*/ 280968 h 755485"/>
+                    <a:gd name="connsiteX0" fmla="*/ 183861 w 1033981"/>
+                    <a:gd name="connsiteY0" fmla="*/ 238011 h 712528"/>
+                    <a:gd name="connsiteX1" fmla="*/ 597770 w 1033981"/>
+                    <a:gd name="connsiteY1" fmla="*/ 11786 h 712528"/>
+                    <a:gd name="connsiteX2" fmla="*/ 1033981 w 1033981"/>
+                    <a:gd name="connsiteY2" fmla="*/ 594850 h 712528"/>
+                    <a:gd name="connsiteX3" fmla="*/ 564316 w 1033981"/>
+                    <a:gd name="connsiteY3" fmla="*/ 687261 h 712528"/>
+                    <a:gd name="connsiteX4" fmla="*/ 14987 w 1033981"/>
+                    <a:gd name="connsiteY4" fmla="*/ 648336 h 712528"/>
+                    <a:gd name="connsiteX5" fmla="*/ 183861 w 1033981"/>
+                    <a:gd name="connsiteY5" fmla="*/ 238011 h 712528"/>
+                    <a:gd name="connsiteX0" fmla="*/ 183861 w 1033981"/>
+                    <a:gd name="connsiteY0" fmla="*/ 238011 h 688138"/>
+                    <a:gd name="connsiteX1" fmla="*/ 597770 w 1033981"/>
+                    <a:gd name="connsiteY1" fmla="*/ 11786 h 688138"/>
+                    <a:gd name="connsiteX2" fmla="*/ 1033981 w 1033981"/>
+                    <a:gd name="connsiteY2" fmla="*/ 594850 h 688138"/>
+                    <a:gd name="connsiteX3" fmla="*/ 519711 w 1033981"/>
+                    <a:gd name="connsiteY3" fmla="*/ 620353 h 688138"/>
+                    <a:gd name="connsiteX4" fmla="*/ 14987 w 1033981"/>
+                    <a:gd name="connsiteY4" fmla="*/ 648336 h 688138"/>
+                    <a:gd name="connsiteX5" fmla="*/ 183861 w 1033981"/>
+                    <a:gd name="connsiteY5" fmla="*/ 238011 h 688138"/>
+                  </a:gdLst>
+                  <a:ahLst/>
+                  <a:cxnLst>
+                    <a:cxn ang="0">
+                      <a:pos x="connsiteX0" y="connsiteY0"/>
+                    </a:cxn>
+                    <a:cxn ang="0">
+                      <a:pos x="connsiteX1" y="connsiteY1"/>
+                    </a:cxn>
+                    <a:cxn ang="0">
+                      <a:pos x="connsiteX2" y="connsiteY2"/>
+                    </a:cxn>
+                    <a:cxn ang="0">
+                      <a:pos x="connsiteX3" y="connsiteY3"/>
+                    </a:cxn>
+                    <a:cxn ang="0">
+                      <a:pos x="connsiteX4" y="connsiteY4"/>
+                    </a:cxn>
+                    <a:cxn ang="0">
+                      <a:pos x="connsiteX5" y="connsiteY5"/>
+                    </a:cxn>
+                  </a:cxnLst>
+                  <a:rect l="l" t="t" r="r" b="b"/>
+                  <a:pathLst>
+                    <a:path w="1033981" h="688138">
+                      <a:moveTo>
+                        <a:pt x="183861" y="238011"/>
+                      </a:moveTo>
+                      <a:cubicBezTo>
+                        <a:pt x="280991" y="131919"/>
+                        <a:pt x="456083" y="-47687"/>
+                        <a:pt x="597770" y="11786"/>
+                      </a:cubicBezTo>
+                      <a:cubicBezTo>
+                        <a:pt x="739457" y="71259"/>
+                        <a:pt x="1033981" y="396005"/>
+                        <a:pt x="1033981" y="594850"/>
+                      </a:cubicBezTo>
+                      <a:cubicBezTo>
+                        <a:pt x="1033981" y="793695"/>
+                        <a:pt x="689543" y="611439"/>
+                        <a:pt x="519711" y="620353"/>
+                      </a:cubicBezTo>
+                      <a:cubicBezTo>
+                        <a:pt x="349879" y="629267"/>
+                        <a:pt x="74679" y="708343"/>
+                        <a:pt x="14987" y="648336"/>
+                      </a:cubicBezTo>
+                      <a:cubicBezTo>
+                        <a:pt x="-44705" y="588329"/>
+                        <a:pt x="86731" y="344103"/>
+                        <a:pt x="183861" y="238011"/>
+                      </a:cubicBezTo>
+                      <a:close/>
+                    </a:path>
+                  </a:pathLst>
+                </a:custGeom>
+                <a:solidFill>
+                  <a:srgbClr val="F68B32"/>
+                </a:solidFill>
+                <a:ln w="3175">
+                  <a:noFill/>
+                </a:ln>
+              </p:spPr>
+              <p:style>
+                <a:lnRef idx="2">
+                  <a:schemeClr val="accent1">
+                    <a:shade val="50000"/>
+                  </a:schemeClr>
+                </a:lnRef>
+                <a:fillRef idx="1">
+                  <a:schemeClr val="accent1"/>
+                </a:fillRef>
+                <a:effectRef idx="0">
+                  <a:schemeClr val="accent1"/>
+                </a:effectRef>
+                <a:fontRef idx="minor">
+                  <a:schemeClr val="lt1"/>
+                </a:fontRef>
+              </p:style>
+              <p:txBody>
+                <a:bodyPr rtlCol="0" anchor="ctr"/>
+                <a:lstStyle/>
+                <a:p>
+                  <a:pPr algn="ctr"/>
+                  <a:endParaRPr lang="pt-BR"/>
+                </a:p>
+              </p:txBody>
+            </p:sp>
+            <p:sp>
+              <p:nvSpPr>
+                <p:cNvPr id="27" name="Elipse 26"/>
+                <p:cNvSpPr/>
+                <p:nvPr/>
+              </p:nvSpPr>
+              <p:spPr>
+                <a:xfrm>
+                  <a:off x="5332893" y="4134063"/>
+                  <a:ext cx="45719" cy="45719"/>
+                </a:xfrm>
+                <a:prstGeom prst="ellipse">
+                  <a:avLst/>
+                </a:prstGeom>
+                <a:solidFill>
+                  <a:schemeClr val="tx1"/>
+                </a:solidFill>
+                <a:ln>
+                  <a:noFill/>
+                </a:ln>
+              </p:spPr>
+              <p:style>
+                <a:lnRef idx="2">
+                  <a:schemeClr val="accent1">
+                    <a:shade val="50000"/>
+                  </a:schemeClr>
+                </a:lnRef>
+                <a:fillRef idx="1">
+                  <a:schemeClr val="accent1"/>
+                </a:fillRef>
+                <a:effectRef idx="0">
+                  <a:schemeClr val="accent1"/>
+                </a:effectRef>
+                <a:fontRef idx="minor">
+                  <a:schemeClr val="lt1"/>
+                </a:fontRef>
+              </p:style>
+              <p:txBody>
+                <a:bodyPr rtlCol="0" anchor="ctr"/>
+                <a:lstStyle/>
+                <a:p>
+                  <a:pPr algn="ctr"/>
+                  <a:endParaRPr lang="pt-BR"/>
+                </a:p>
+              </p:txBody>
+            </p:sp>
+            <p:sp>
+              <p:nvSpPr>
+                <p:cNvPr id="28" name="Elipse 27"/>
+                <p:cNvSpPr/>
+                <p:nvPr/>
+              </p:nvSpPr>
+              <p:spPr>
+                <a:xfrm>
+                  <a:off x="5485293" y="4145430"/>
+                  <a:ext cx="45719" cy="45719"/>
+                </a:xfrm>
+                <a:prstGeom prst="ellipse">
+                  <a:avLst/>
+                </a:prstGeom>
+                <a:solidFill>
+                  <a:schemeClr val="tx1"/>
+                </a:solidFill>
+                <a:ln>
+                  <a:noFill/>
+                </a:ln>
+              </p:spPr>
+              <p:style>
+                <a:lnRef idx="2">
+                  <a:schemeClr val="accent1">
+                    <a:shade val="50000"/>
+                  </a:schemeClr>
+                </a:lnRef>
+                <a:fillRef idx="1">
+                  <a:schemeClr val="accent1"/>
+                </a:fillRef>
+                <a:effectRef idx="0">
+                  <a:schemeClr val="accent1"/>
+                </a:effectRef>
+                <a:fontRef idx="minor">
+                  <a:schemeClr val="lt1"/>
+                </a:fontRef>
+              </p:style>
+              <p:txBody>
+                <a:bodyPr rtlCol="0" anchor="ctr"/>
+                <a:lstStyle/>
+                <a:p>
+                  <a:pPr algn="ctr"/>
+                  <a:endParaRPr lang="pt-BR"/>
+                </a:p>
+              </p:txBody>
+            </p:sp>
+          </p:grpSp>
+          <p:sp>
+            <p:nvSpPr>
+              <p:cNvPr id="14" name="Elipse 13"/>
+              <p:cNvSpPr/>
+              <p:nvPr/>
+            </p:nvSpPr>
+            <p:spPr>
+              <a:xfrm rot="19487469">
+                <a:off x="6196315" y="3409671"/>
+                <a:ext cx="355942" cy="90527"/>
+              </a:xfrm>
+              <a:prstGeom prst="ellipse">
+                <a:avLst/>
+              </a:prstGeom>
+              <a:solidFill>
+                <a:srgbClr val="FF0000">
+                  <a:alpha val="5882"/>
+                </a:srgbClr>
+              </a:solidFill>
+              <a:ln>
+                <a:noFill/>
+              </a:ln>
+            </p:spPr>
+            <p:style>
+              <a:lnRef idx="2">
+                <a:schemeClr val="accent1">
+                  <a:shade val="50000"/>
+                </a:schemeClr>
+              </a:lnRef>
+              <a:fillRef idx="1">
+                <a:schemeClr val="accent1"/>
+              </a:fillRef>
+              <a:effectRef idx="0">
+                <a:schemeClr val="accent1"/>
+              </a:effectRef>
+              <a:fontRef idx="minor">
+                <a:schemeClr val="lt1"/>
+              </a:fontRef>
+            </p:style>
+            <p:txBody>
+              <a:bodyPr rtlCol="0" anchor="ctr"/>
+              <a:lstStyle/>
+              <a:p>
+                <a:pPr algn="ctr"/>
+                <a:endParaRPr lang="pt-BR"/>
+              </a:p>
+            </p:txBody>
+          </p:sp>
+          <p:sp>
+            <p:nvSpPr>
+              <p:cNvPr id="15" name="Elipse 14"/>
+              <p:cNvSpPr/>
+              <p:nvPr/>
+            </p:nvSpPr>
+            <p:spPr>
+              <a:xfrm rot="3218186">
+                <a:off x="4954513" y="3284015"/>
+                <a:ext cx="355942" cy="90527"/>
+              </a:xfrm>
+              <a:prstGeom prst="ellipse">
+                <a:avLst/>
+              </a:prstGeom>
+              <a:solidFill>
+                <a:srgbClr val="FF0000">
+                  <a:alpha val="5882"/>
+                </a:srgbClr>
+              </a:solidFill>
+              <a:ln>
+                <a:noFill/>
+              </a:ln>
+            </p:spPr>
+            <p:style>
+              <a:lnRef idx="2">
+                <a:schemeClr val="accent1">
+                  <a:shade val="50000"/>
+                </a:schemeClr>
+              </a:lnRef>
+              <a:fillRef idx="1">
+                <a:schemeClr val="accent1"/>
+              </a:fillRef>
+              <a:effectRef idx="0">
+                <a:schemeClr val="accent1"/>
+              </a:effectRef>
+              <a:fontRef idx="minor">
+                <a:schemeClr val="lt1"/>
+              </a:fontRef>
+            </p:style>
+            <p:txBody>
+              <a:bodyPr rtlCol="0" anchor="ctr"/>
+              <a:lstStyle/>
+              <a:p>
+                <a:pPr algn="ctr"/>
+                <a:endParaRPr lang="pt-BR"/>
+              </a:p>
+            </p:txBody>
+          </p:sp>
+          <p:sp>
+            <p:nvSpPr>
+              <p:cNvPr id="16" name="Elipse 15"/>
+              <p:cNvSpPr/>
+              <p:nvPr/>
+            </p:nvSpPr>
+            <p:spPr>
+              <a:xfrm>
+                <a:off x="5818222" y="3840273"/>
+                <a:ext cx="145075" cy="158062"/>
+              </a:xfrm>
+              <a:prstGeom prst="ellipse">
+                <a:avLst/>
+              </a:prstGeom>
+              <a:solidFill>
+                <a:schemeClr val="tx1"/>
+              </a:solidFill>
+              <a:ln>
+                <a:noFill/>
+              </a:ln>
+            </p:spPr>
+            <p:style>
+              <a:lnRef idx="2">
+                <a:schemeClr val="accent1">
+                  <a:shade val="50000"/>
+                </a:schemeClr>
+              </a:lnRef>
+              <a:fillRef idx="1">
+                <a:schemeClr val="accent1"/>
+              </a:fillRef>
+              <a:effectRef idx="0">
+                <a:schemeClr val="accent1"/>
+              </a:effectRef>
+              <a:fontRef idx="minor">
+                <a:schemeClr val="lt1"/>
+              </a:fontRef>
+            </p:style>
+            <p:txBody>
+              <a:bodyPr rtlCol="0" anchor="ctr"/>
+              <a:lstStyle/>
+              <a:p>
+                <a:pPr algn="ctr"/>
+                <a:endParaRPr lang="pt-BR"/>
+              </a:p>
+            </p:txBody>
+          </p:sp>
+          <p:sp>
+            <p:nvSpPr>
+              <p:cNvPr id="17" name="Elipse 16"/>
+              <p:cNvSpPr/>
+              <p:nvPr/>
+            </p:nvSpPr>
+            <p:spPr>
+              <a:xfrm rot="21249917">
+                <a:off x="5899189" y="4137833"/>
+                <a:ext cx="219842" cy="207608"/>
+              </a:xfrm>
+              <a:prstGeom prst="ellipse">
+                <a:avLst/>
+              </a:prstGeom>
+              <a:solidFill>
+                <a:srgbClr val="F68B32">
+                  <a:alpha val="5882"/>
+                </a:srgbClr>
+              </a:solidFill>
+              <a:ln>
+                <a:noFill/>
+              </a:ln>
+              <a:effectLst>
+                <a:softEdge rad="12700"/>
+              </a:effectLst>
+            </p:spPr>
+            <p:style>
+              <a:lnRef idx="2">
+                <a:schemeClr val="accent1">
+                  <a:shade val="50000"/>
+                </a:schemeClr>
+              </a:lnRef>
+              <a:fillRef idx="1">
+                <a:schemeClr val="accent1"/>
+              </a:fillRef>
+              <a:effectRef idx="0">
+                <a:schemeClr val="accent1"/>
+              </a:effectRef>
+              <a:fontRef idx="minor">
+                <a:schemeClr val="lt1"/>
+              </a:fontRef>
+            </p:style>
+            <p:txBody>
+              <a:bodyPr rtlCol="0" anchor="ctr"/>
+              <a:lstStyle/>
+              <a:p>
+                <a:pPr algn="ctr"/>
+                <a:endParaRPr lang="pt-BR"/>
+              </a:p>
+            </p:txBody>
+          </p:sp>
+          <p:grpSp>
+            <p:nvGrpSpPr>
+              <p:cNvPr id="18" name="Grupo 17"/>
+              <p:cNvGrpSpPr/>
+              <p:nvPr/>
+            </p:nvGrpSpPr>
+            <p:grpSpPr>
+              <a:xfrm>
+                <a:off x="5159682" y="3945306"/>
+                <a:ext cx="1052978" cy="592661"/>
+                <a:chOff x="5177522" y="3965056"/>
+                <a:chExt cx="1052978" cy="592661"/>
+              </a:xfrm>
+            </p:grpSpPr>
+            <p:sp>
+              <p:nvSpPr>
+                <p:cNvPr id="19" name="Arco 18"/>
+                <p:cNvSpPr/>
+                <p:nvPr/>
+              </p:nvSpPr>
+              <p:spPr>
+                <a:xfrm rot="7975701">
+                  <a:off x="5151860" y="3990718"/>
+                  <a:ext cx="369968" cy="318644"/>
+                </a:xfrm>
+                <a:prstGeom prst="arc">
+                  <a:avLst>
+                    <a:gd name="adj1" fmla="val 16200000"/>
+                    <a:gd name="adj2" fmla="val 20549042"/>
+                  </a:avLst>
+                </a:prstGeom>
+              </p:spPr>
+              <p:style>
+                <a:lnRef idx="1">
+                  <a:schemeClr val="dk1"/>
+                </a:lnRef>
+                <a:fillRef idx="0">
+                  <a:schemeClr val="dk1"/>
+                </a:fillRef>
+                <a:effectRef idx="0">
+                  <a:schemeClr val="dk1"/>
+                </a:effectRef>
+                <a:fontRef idx="minor">
+                  <a:schemeClr val="tx1"/>
+                </a:fontRef>
+              </p:style>
+              <p:txBody>
+                <a:bodyPr rtlCol="0" anchor="ctr"/>
+                <a:lstStyle/>
+                <a:p>
+                  <a:pPr algn="ctr"/>
+                  <a:endParaRPr lang="pt-BR"/>
+                </a:p>
+              </p:txBody>
+            </p:sp>
+            <p:grpSp>
+              <p:nvGrpSpPr>
+                <p:cNvPr id="20" name="Grupo 19"/>
+                <p:cNvGrpSpPr/>
+                <p:nvPr/>
+              </p:nvGrpSpPr>
+              <p:grpSpPr>
+                <a:xfrm>
+                  <a:off x="5199136" y="4037433"/>
+                  <a:ext cx="1031364" cy="520284"/>
+                  <a:chOff x="5199136" y="4037433"/>
+                  <a:chExt cx="1031364" cy="520284"/>
+                </a:xfrm>
+              </p:grpSpPr>
+              <p:sp>
+                <p:nvSpPr>
+                  <p:cNvPr id="21" name="Arco 20"/>
+                  <p:cNvSpPr/>
+                  <p:nvPr/>
+                </p:nvSpPr>
+                <p:spPr>
+                  <a:xfrm rot="10800000">
+                    <a:off x="5860532" y="4037433"/>
+                    <a:ext cx="369968" cy="318644"/>
+                  </a:xfrm>
+                  <a:prstGeom prst="arc">
+                    <a:avLst>
+                      <a:gd name="adj1" fmla="val 16200000"/>
+                      <a:gd name="adj2" fmla="val 20549042"/>
+                    </a:avLst>
+                  </a:prstGeom>
+                </p:spPr>
+                <p:style>
+                  <a:lnRef idx="1">
+                    <a:schemeClr val="dk1"/>
+                  </a:lnRef>
+                  <a:fillRef idx="0">
+                    <a:schemeClr val="dk1"/>
+                  </a:fillRef>
+                  <a:effectRef idx="0">
+                    <a:schemeClr val="dk1"/>
+                  </a:effectRef>
+                  <a:fontRef idx="minor">
+                    <a:schemeClr val="tx1"/>
+                  </a:fontRef>
+                </p:style>
+                <p:txBody>
+                  <a:bodyPr rtlCol="0" anchor="ctr"/>
+                  <a:lstStyle/>
+                  <a:p>
+                    <a:pPr algn="ctr"/>
+                    <a:endParaRPr lang="pt-BR"/>
+                  </a:p>
+                </p:txBody>
+              </p:sp>
+              <p:grpSp>
+                <p:nvGrpSpPr>
+                  <p:cNvPr id="22" name="Grupo 21"/>
+                  <p:cNvGrpSpPr/>
+                  <p:nvPr/>
+                </p:nvGrpSpPr>
+                <p:grpSpPr>
+                  <a:xfrm>
+                    <a:off x="5383498" y="4242964"/>
+                    <a:ext cx="540711" cy="314753"/>
+                    <a:chOff x="4494690" y="3256042"/>
+                    <a:chExt cx="540711" cy="314753"/>
+                  </a:xfrm>
+                </p:grpSpPr>
+                <p:sp>
+                  <p:nvSpPr>
+                    <p:cNvPr id="24" name="Corda 22"/>
+                    <p:cNvSpPr/>
+                    <p:nvPr/>
+                  </p:nvSpPr>
+                  <p:spPr>
+                    <a:xfrm rot="17248760">
+                      <a:off x="4607669" y="3143063"/>
+                      <a:ext cx="314753" cy="540711"/>
+                    </a:xfrm>
+                    <a:custGeom>
+                      <a:avLst/>
+                      <a:gdLst>
+                        <a:gd name="connsiteX0" fmla="*/ 500059 w 720080"/>
+                        <a:gd name="connsiteY0" fmla="*/ 760720 h 791889"/>
+                        <a:gd name="connsiteX1" fmla="*/ 108395 w 720080"/>
+                        <a:gd name="connsiteY1" fmla="*/ 679118 h 791889"/>
+                        <a:gd name="connsiteX2" fmla="*/ 9235 w 720080"/>
+                        <a:gd name="connsiteY2" fmla="*/ 306841 h 791889"/>
+                        <a:gd name="connsiteX3" fmla="*/ 270624 w 720080"/>
+                        <a:gd name="connsiteY3" fmla="*/ 12404 h 791889"/>
+                        <a:gd name="connsiteX4" fmla="*/ 500059 w 720080"/>
+                        <a:gd name="connsiteY4" fmla="*/ 760720 h 791889"/>
+                        <a:gd name="connsiteX0" fmla="*/ 559767 w 559767"/>
+                        <a:gd name="connsiteY0" fmla="*/ 748316 h 772842"/>
+                        <a:gd name="connsiteX1" fmla="*/ 168103 w 559767"/>
+                        <a:gd name="connsiteY1" fmla="*/ 666714 h 772842"/>
+                        <a:gd name="connsiteX2" fmla="*/ 4912 w 559767"/>
+                        <a:gd name="connsiteY2" fmla="*/ 283128 h 772842"/>
+                        <a:gd name="connsiteX3" fmla="*/ 330332 w 559767"/>
+                        <a:gd name="connsiteY3" fmla="*/ 0 h 772842"/>
+                        <a:gd name="connsiteX4" fmla="*/ 559767 w 559767"/>
+                        <a:gd name="connsiteY4" fmla="*/ 748316 h 772842"/>
+                        <a:gd name="connsiteX0" fmla="*/ 557456 w 557456"/>
+                        <a:gd name="connsiteY0" fmla="*/ 748316 h 765462"/>
+                        <a:gd name="connsiteX1" fmla="*/ 276361 w 557456"/>
+                        <a:gd name="connsiteY1" fmla="*/ 612447 h 765462"/>
+                        <a:gd name="connsiteX2" fmla="*/ 2601 w 557456"/>
+                        <a:gd name="connsiteY2" fmla="*/ 283128 h 765462"/>
+                        <a:gd name="connsiteX3" fmla="*/ 328021 w 557456"/>
+                        <a:gd name="connsiteY3" fmla="*/ 0 h 765462"/>
+                        <a:gd name="connsiteX4" fmla="*/ 557456 w 557456"/>
+                        <a:gd name="connsiteY4" fmla="*/ 748316 h 765462"/>
+                        <a:gd name="connsiteX0" fmla="*/ 558456 w 558456"/>
+                        <a:gd name="connsiteY0" fmla="*/ 748316 h 771841"/>
+                        <a:gd name="connsiteX1" fmla="*/ 212434 w 558456"/>
+                        <a:gd name="connsiteY1" fmla="*/ 661182 h 771841"/>
+                        <a:gd name="connsiteX2" fmla="*/ 3601 w 558456"/>
+                        <a:gd name="connsiteY2" fmla="*/ 283128 h 771841"/>
+                        <a:gd name="connsiteX3" fmla="*/ 329021 w 558456"/>
+                        <a:gd name="connsiteY3" fmla="*/ 0 h 771841"/>
+                        <a:gd name="connsiteX4" fmla="*/ 558456 w 558456"/>
+                        <a:gd name="connsiteY4" fmla="*/ 748316 h 771841"/>
+                        <a:gd name="connsiteX0" fmla="*/ 558456 w 558456"/>
+                        <a:gd name="connsiteY0" fmla="*/ 748316 h 771841"/>
+                        <a:gd name="connsiteX1" fmla="*/ 212434 w 558456"/>
+                        <a:gd name="connsiteY1" fmla="*/ 661182 h 771841"/>
+                        <a:gd name="connsiteX2" fmla="*/ 3601 w 558456"/>
+                        <a:gd name="connsiteY2" fmla="*/ 283128 h 771841"/>
+                        <a:gd name="connsiteX3" fmla="*/ 329021 w 558456"/>
+                        <a:gd name="connsiteY3" fmla="*/ 0 h 771841"/>
+                        <a:gd name="connsiteX4" fmla="*/ 374523 w 558456"/>
+                        <a:gd name="connsiteY4" fmla="*/ 366939 h 771841"/>
+                        <a:gd name="connsiteX5" fmla="*/ 558456 w 558456"/>
+                        <a:gd name="connsiteY5" fmla="*/ 748316 h 771841"/>
+                      </a:gdLst>
+                      <a:ahLst/>
+                      <a:cxnLst>
+                        <a:cxn ang="0">
+                          <a:pos x="connsiteX0" y="connsiteY0"/>
+                        </a:cxn>
+                        <a:cxn ang="0">
+                          <a:pos x="connsiteX1" y="connsiteY1"/>
+                        </a:cxn>
+                        <a:cxn ang="0">
+                          <a:pos x="connsiteX2" y="connsiteY2"/>
+                        </a:cxn>
+                        <a:cxn ang="0">
+                          <a:pos x="connsiteX3" y="connsiteY3"/>
+                        </a:cxn>
+                        <a:cxn ang="0">
+                          <a:pos x="connsiteX4" y="connsiteY4"/>
+                        </a:cxn>
+                        <a:cxn ang="0">
+                          <a:pos x="connsiteX5" y="connsiteY5"/>
+                        </a:cxn>
+                      </a:cxnLst>
+                      <a:rect l="l" t="t" r="r" b="b"/>
+                      <a:pathLst>
+                        <a:path w="558456" h="771841">
+                          <a:moveTo>
+                            <a:pt x="558456" y="748316"/>
+                          </a:moveTo>
+                          <a:cubicBezTo>
+                            <a:pt x="424871" y="810330"/>
+                            <a:pt x="304910" y="738713"/>
+                            <a:pt x="212434" y="661182"/>
+                          </a:cubicBezTo>
+                          <a:cubicBezTo>
+                            <a:pt x="119958" y="583651"/>
+                            <a:pt x="-24672" y="417747"/>
+                            <a:pt x="3601" y="283128"/>
+                          </a:cubicBezTo>
+                          <a:cubicBezTo>
+                            <a:pt x="33873" y="138989"/>
+                            <a:pt x="198717" y="36739"/>
+                            <a:pt x="329021" y="0"/>
+                          </a:cubicBezTo>
+                          <a:cubicBezTo>
+                            <a:pt x="366345" y="117811"/>
+                            <a:pt x="337199" y="249128"/>
+                            <a:pt x="374523" y="366939"/>
+                          </a:cubicBezTo>
+                          <a:lnTo>
+                            <a:pt x="558456" y="748316"/>
+                          </a:lnTo>
+                          <a:close/>
+                        </a:path>
+                      </a:pathLst>
+                    </a:custGeom>
+                    <a:solidFill>
+                      <a:schemeClr val="bg1"/>
+                    </a:solidFill>
+                    <a:ln w="3175">
+                      <a:solidFill>
+                        <a:schemeClr val="tx1"/>
+                      </a:solidFill>
+                    </a:ln>
+                  </p:spPr>
+                  <p:style>
+                    <a:lnRef idx="2">
+                      <a:schemeClr val="accent1">
+                        <a:shade val="50000"/>
+                      </a:schemeClr>
+                    </a:lnRef>
+                    <a:fillRef idx="1">
+                      <a:schemeClr val="accent1"/>
+                    </a:fillRef>
+                    <a:effectRef idx="0">
+                      <a:schemeClr val="accent1"/>
+                    </a:effectRef>
+                    <a:fontRef idx="minor">
+                      <a:schemeClr val="lt1"/>
+                    </a:fontRef>
+                  </p:style>
+                  <p:txBody>
+                    <a:bodyPr rtlCol="0" anchor="ctr"/>
+                    <a:lstStyle/>
+                    <a:p>
+                      <a:pPr algn="ctr"/>
+                      <a:endParaRPr lang="pt-BR"/>
+                    </a:p>
+                  </p:txBody>
+                </p:sp>
+                <p:sp>
+                  <p:nvSpPr>
+                    <p:cNvPr id="25" name="Elipse 24"/>
+                    <p:cNvSpPr/>
+                    <p:nvPr/>
+                  </p:nvSpPr>
+                  <p:spPr>
+                    <a:xfrm>
+                      <a:off x="4575975" y="3444013"/>
+                      <a:ext cx="345478" cy="123760"/>
+                    </a:xfrm>
+                    <a:custGeom>
+                      <a:avLst/>
+                      <a:gdLst/>
+                      <a:ahLst/>
+                      <a:cxnLst/>
+                      <a:rect l="l" t="t" r="r" b="b"/>
+                      <a:pathLst>
+                        <a:path w="345478" h="123760">
+                          <a:moveTo>
+                            <a:pt x="149373" y="0"/>
+                          </a:moveTo>
+                          <a:cubicBezTo>
+                            <a:pt x="223387" y="0"/>
+                            <a:pt x="291604" y="22521"/>
+                            <a:pt x="345478" y="61406"/>
+                          </a:cubicBezTo>
+                          <a:cubicBezTo>
+                            <a:pt x="271411" y="103662"/>
+                            <a:pt x="146967" y="149386"/>
+                            <a:pt x="69721" y="106644"/>
+                          </a:cubicBezTo>
+                          <a:cubicBezTo>
+                            <a:pt x="39980" y="90187"/>
+                            <a:pt x="16264" y="65229"/>
+                            <a:pt x="0" y="34560"/>
+                          </a:cubicBezTo>
+                          <a:cubicBezTo>
+                            <a:pt x="44252" y="12037"/>
+                            <a:pt x="95264" y="0"/>
+                            <a:pt x="149373" y="0"/>
+                          </a:cubicBezTo>
+                          <a:close/>
+                        </a:path>
+                      </a:pathLst>
+                    </a:custGeom>
+                    <a:solidFill>
+                      <a:srgbClr val="FF0000">
+                        <a:alpha val="47059"/>
+                      </a:srgbClr>
+                    </a:solidFill>
+                    <a:ln>
+                      <a:noFill/>
+                    </a:ln>
+                  </p:spPr>
+                  <p:style>
+                    <a:lnRef idx="2">
+                      <a:schemeClr val="accent1">
+                        <a:shade val="50000"/>
+                      </a:schemeClr>
+                    </a:lnRef>
+                    <a:fillRef idx="1">
+                      <a:schemeClr val="accent1"/>
+                    </a:fillRef>
+                    <a:effectRef idx="0">
+                      <a:schemeClr val="accent1"/>
+                    </a:effectRef>
+                    <a:fontRef idx="minor">
+                      <a:schemeClr val="lt1"/>
+                    </a:fontRef>
+                  </p:style>
+                  <p:txBody>
+                    <a:bodyPr rtlCol="0" anchor="ctr"/>
+                    <a:lstStyle/>
+                    <a:p>
+                      <a:pPr algn="ctr"/>
+                      <a:endParaRPr lang="pt-BR"/>
+                    </a:p>
+                  </p:txBody>
+                </p:sp>
+              </p:grpSp>
+              <p:sp>
+                <p:nvSpPr>
+                  <p:cNvPr id="23" name="Elipse 22"/>
+                  <p:cNvSpPr/>
+                  <p:nvPr/>
+                </p:nvSpPr>
+                <p:spPr>
+                  <a:xfrm rot="21249917">
+                    <a:off x="5199136" y="4127593"/>
+                    <a:ext cx="219842" cy="207608"/>
+                  </a:xfrm>
+                  <a:prstGeom prst="ellipse">
+                    <a:avLst/>
+                  </a:prstGeom>
+                  <a:solidFill>
+                    <a:srgbClr val="F68B32">
+                      <a:alpha val="5882"/>
+                    </a:srgbClr>
+                  </a:solidFill>
+                  <a:ln>
+                    <a:noFill/>
+                  </a:ln>
+                  <a:effectLst>
+                    <a:softEdge rad="12700"/>
+                  </a:effectLst>
+                </p:spPr>
+                <p:style>
+                  <a:lnRef idx="2">
+                    <a:schemeClr val="accent1">
+                      <a:shade val="50000"/>
+                    </a:schemeClr>
+                  </a:lnRef>
+                  <a:fillRef idx="1">
+                    <a:schemeClr val="accent1"/>
+                  </a:fillRef>
+                  <a:effectRef idx="0">
+                    <a:schemeClr val="accent1"/>
+                  </a:effectRef>
+                  <a:fontRef idx="minor">
+                    <a:schemeClr val="lt1"/>
+                  </a:fontRef>
+                </p:style>
+                <p:txBody>
+                  <a:bodyPr rtlCol="0" anchor="ctr"/>
+                  <a:lstStyle/>
+                  <a:p>
+                    <a:pPr algn="ctr"/>
+                    <a:endParaRPr lang="pt-BR"/>
+                  </a:p>
+                </p:txBody>
+              </p:sp>
+            </p:grpSp>
+          </p:grpSp>
+        </p:grpSp>
+        <p:sp>
+          <p:nvSpPr>
+            <p:cNvPr id="64" name="Retângulo de cantos arredondados 63"/>
+            <p:cNvSpPr/>
+            <p:nvPr/>
+          </p:nvSpPr>
+          <p:spPr>
+            <a:xfrm>
+              <a:off x="5352964" y="2636912"/>
+              <a:ext cx="790158" cy="442368"/>
+            </a:xfrm>
+            <a:prstGeom prst="roundRect">
+              <a:avLst/>
+            </a:prstGeom>
+            <a:solidFill>
+              <a:schemeClr val="tx2">
+                <a:lumMod val="60000"/>
+                <a:lumOff val="40000"/>
+              </a:schemeClr>
+            </a:solidFill>
+            <a:ln w="3175"/>
+            <a:effectLst>
+              <a:outerShdw blurRad="50800" dist="38100" dir="8100000" sx="96000" sy="96000" algn="tr" rotWithShape="0">
+                <a:prstClr val="black">
+                  <a:alpha val="40000"/>
+                </a:prstClr>
+              </a:outerShdw>
+            </a:effectLst>
+          </p:spPr>
+          <p:style>
+            <a:lnRef idx="2">
+              <a:schemeClr val="accent1">
+                <a:shade val="50000"/>
+              </a:schemeClr>
+            </a:lnRef>
+            <a:fillRef idx="1">
+              <a:schemeClr val="accent1"/>
+            </a:fillRef>
+            <a:effectRef idx="0">
+              <a:schemeClr val="accent1"/>
+            </a:effectRef>
+            <a:fontRef idx="minor">
+              <a:schemeClr val="lt1"/>
+            </a:fontRef>
+          </p:style>
+          <p:txBody>
+            <a:bodyPr rtlCol="0" anchor="ctr"/>
+            <a:lstStyle/>
+            <a:p>
+              <a:pPr algn="ctr"/>
+              <a:endParaRPr lang="pt-BR"/>
+            </a:p>
+          </p:txBody>
+        </p:sp>
+        <p:sp>
+          <p:nvSpPr>
+            <p:cNvPr id="32" name="Retângulo 31">
+              <a:extLst>
+                <a:ext uri="{FF2B5EF4-FFF2-40B4-BE49-F238E27FC236}">
+                  <a16:creationId xmlns:a16="http://schemas.microsoft.com/office/drawing/2014/main" id="{03140D65-DBC3-4637-8157-EFA39B98D863}"/>
+                </a:ext>
+              </a:extLst>
+            </p:cNvPr>
+            <p:cNvSpPr/>
+            <p:nvPr/>
+          </p:nvSpPr>
+          <p:spPr>
+            <a:xfrm>
+              <a:off x="5366375" y="2649962"/>
+              <a:ext cx="763336" cy="45719"/>
+            </a:xfrm>
+            <a:prstGeom prst="rect">
+              <a:avLst/>
+            </a:prstGeom>
+            <a:noFill/>
+            <a:ln w="3175">
+              <a:solidFill>
+                <a:srgbClr val="0070C0"/>
+              </a:solidFill>
+            </a:ln>
+          </p:spPr>
+          <p:style>
+            <a:lnRef idx="2">
+              <a:schemeClr val="accent1">
+                <a:shade val="50000"/>
+              </a:schemeClr>
+            </a:lnRef>
+            <a:fillRef idx="1">
+              <a:schemeClr val="accent1"/>
+            </a:fillRef>
+            <a:effectRef idx="0">
+              <a:schemeClr val="accent1"/>
+            </a:effectRef>
+            <a:fontRef idx="minor">
+              <a:schemeClr val="lt1"/>
+            </a:fontRef>
+          </p:style>
+          <p:txBody>
+            <a:bodyPr rtlCol="0" anchor="ctr"/>
+            <a:lstStyle/>
+            <a:p>
+              <a:pPr algn="ctr"/>
+              <a:endParaRPr lang="pt-BR"/>
+            </a:p>
+          </p:txBody>
+        </p:sp>
+        <p:sp>
+          <p:nvSpPr>
+            <p:cNvPr id="61" name="Forma Livre: Forma 60">
+              <a:extLst>
+                <a:ext uri="{FF2B5EF4-FFF2-40B4-BE49-F238E27FC236}">
+                  <a16:creationId xmlns:a16="http://schemas.microsoft.com/office/drawing/2014/main" id="{EB78032F-3609-4DBD-9C69-3B24C3A3934B}"/>
+                </a:ext>
+              </a:extLst>
+            </p:cNvPr>
+            <p:cNvSpPr/>
+            <p:nvPr/>
+          </p:nvSpPr>
+          <p:spPr>
+            <a:xfrm rot="1220148">
+              <a:off x="4351321" y="2535204"/>
+              <a:ext cx="769740" cy="802079"/>
+            </a:xfrm>
+            <a:custGeom>
+              <a:avLst/>
+              <a:gdLst>
+                <a:gd name="connsiteX0" fmla="*/ 24930 w 769740"/>
+                <a:gd name="connsiteY0" fmla="*/ 0 h 802079"/>
+                <a:gd name="connsiteX1" fmla="*/ 321444 w 769740"/>
+                <a:gd name="connsiteY1" fmla="*/ 21336 h 802079"/>
+                <a:gd name="connsiteX2" fmla="*/ 329678 w 769740"/>
+                <a:gd name="connsiteY2" fmla="*/ 76039 h 802079"/>
+                <a:gd name="connsiteX3" fmla="*/ 304529 w 769740"/>
+                <a:gd name="connsiteY3" fmla="*/ 321124 h 802079"/>
+                <a:gd name="connsiteX4" fmla="*/ 300551 w 769740"/>
+                <a:gd name="connsiteY4" fmla="*/ 524987 h 802079"/>
+                <a:gd name="connsiteX5" fmla="*/ 459138 w 769740"/>
+                <a:gd name="connsiteY5" fmla="*/ 549234 h 802079"/>
+                <a:gd name="connsiteX6" fmla="*/ 471338 w 769740"/>
+                <a:gd name="connsiteY6" fmla="*/ 549392 h 802079"/>
+                <a:gd name="connsiteX7" fmla="*/ 485210 w 769740"/>
+                <a:gd name="connsiteY7" fmla="*/ 533176 h 802079"/>
+                <a:gd name="connsiteX8" fmla="*/ 545710 w 769740"/>
+                <a:gd name="connsiteY8" fmla="*/ 498521 h 802079"/>
+                <a:gd name="connsiteX9" fmla="*/ 762103 w 769740"/>
+                <a:gd name="connsiteY9" fmla="*/ 573986 h 802079"/>
+                <a:gd name="connsiteX10" fmla="*/ 647160 w 769740"/>
+                <a:gd name="connsiteY10" fmla="*/ 772250 h 802079"/>
+                <a:gd name="connsiteX11" fmla="*/ 515158 w 769740"/>
+                <a:gd name="connsiteY11" fmla="*/ 775580 h 802079"/>
+                <a:gd name="connsiteX12" fmla="*/ 506289 w 769740"/>
+                <a:gd name="connsiteY12" fmla="*/ 770368 h 802079"/>
+                <a:gd name="connsiteX13" fmla="*/ 478780 w 769740"/>
+                <a:gd name="connsiteY13" fmla="*/ 780470 h 802079"/>
+                <a:gd name="connsiteX14" fmla="*/ 266171 w 769740"/>
+                <a:gd name="connsiteY14" fmla="*/ 797571 h 802079"/>
+                <a:gd name="connsiteX15" fmla="*/ 256485 w 769740"/>
+                <a:gd name="connsiteY15" fmla="*/ 795045 h 802079"/>
+                <a:gd name="connsiteX16" fmla="*/ 235611 w 769740"/>
+                <a:gd name="connsiteY16" fmla="*/ 794921 h 802079"/>
+                <a:gd name="connsiteX17" fmla="*/ 110636 w 769740"/>
+                <a:gd name="connsiteY17" fmla="*/ 741378 h 802079"/>
+                <a:gd name="connsiteX18" fmla="*/ 100449 w 769740"/>
+                <a:gd name="connsiteY18" fmla="*/ 726862 h 802079"/>
+                <a:gd name="connsiteX19" fmla="*/ 88157 w 769740"/>
+                <a:gd name="connsiteY19" fmla="*/ 715291 h 802079"/>
+                <a:gd name="connsiteX20" fmla="*/ 0 w 769740"/>
+                <a:gd name="connsiteY20" fmla="*/ 316860 h 802079"/>
+                <a:gd name="connsiteX21" fmla="*/ 13484 w 769740"/>
+                <a:gd name="connsiteY21" fmla="*/ 76039 h 802079"/>
+              </a:gdLst>
+              <a:ahLst/>
+              <a:cxnLst>
+                <a:cxn ang="0">
+                  <a:pos x="connsiteX0" y="connsiteY0"/>
+                </a:cxn>
+                <a:cxn ang="0">
+                  <a:pos x="connsiteX1" y="connsiteY1"/>
+                </a:cxn>
+                <a:cxn ang="0">
+                  <a:pos x="connsiteX2" y="connsiteY2"/>
+                </a:cxn>
+                <a:cxn ang="0">
+                  <a:pos x="connsiteX3" y="connsiteY3"/>
+                </a:cxn>
+                <a:cxn ang="0">
+                  <a:pos x="connsiteX4" y="connsiteY4"/>
+                </a:cxn>
+                <a:cxn ang="0">
+                  <a:pos x="connsiteX5" y="connsiteY5"/>
+                </a:cxn>
+                <a:cxn ang="0">
+                  <a:pos x="connsiteX6" y="connsiteY6"/>
+                </a:cxn>
+                <a:cxn ang="0">
+                  <a:pos x="connsiteX7" y="connsiteY7"/>
+                </a:cxn>
+                <a:cxn ang="0">
+                  <a:pos x="connsiteX8" y="connsiteY8"/>
+                </a:cxn>
+                <a:cxn ang="0">
+                  <a:pos x="connsiteX9" y="connsiteY9"/>
+                </a:cxn>
+                <a:cxn ang="0">
+                  <a:pos x="connsiteX10" y="connsiteY10"/>
+                </a:cxn>
+                <a:cxn ang="0">
+                  <a:pos x="connsiteX11" y="connsiteY11"/>
+                </a:cxn>
+                <a:cxn ang="0">
+                  <a:pos x="connsiteX12" y="connsiteY12"/>
+                </a:cxn>
+                <a:cxn ang="0">
+                  <a:pos x="connsiteX13" y="connsiteY13"/>
+                </a:cxn>
+                <a:cxn ang="0">
+                  <a:pos x="connsiteX14" y="connsiteY14"/>
+                </a:cxn>
+                <a:cxn ang="0">
+                  <a:pos x="connsiteX15" y="connsiteY15"/>
+                </a:cxn>
+                <a:cxn ang="0">
+                  <a:pos x="connsiteX16" y="connsiteY16"/>
+                </a:cxn>
+                <a:cxn ang="0">
+                  <a:pos x="connsiteX17" y="connsiteY17"/>
+                </a:cxn>
+                <a:cxn ang="0">
+                  <a:pos x="connsiteX18" y="connsiteY18"/>
+                </a:cxn>
+                <a:cxn ang="0">
+                  <a:pos x="connsiteX19" y="connsiteY19"/>
+                </a:cxn>
+                <a:cxn ang="0">
+                  <a:pos x="connsiteX20" y="connsiteY20"/>
+                </a:cxn>
+                <a:cxn ang="0">
+                  <a:pos x="connsiteX21" y="connsiteY21"/>
+                </a:cxn>
+              </a:cxnLst>
+              <a:rect l="l" t="t" r="r" b="b"/>
+              <a:pathLst>
+                <a:path w="769740" h="802079">
+                  <a:moveTo>
+                    <a:pt x="24930" y="0"/>
+                  </a:moveTo>
+                  <a:lnTo>
+                    <a:pt x="321444" y="21336"/>
+                  </a:lnTo>
+                  <a:lnTo>
+                    <a:pt x="329678" y="76039"/>
+                  </a:lnTo>
+                  <a:cubicBezTo>
+                    <a:pt x="338361" y="150057"/>
+                    <a:pt x="309384" y="246299"/>
+                    <a:pt x="304529" y="321124"/>
+                  </a:cubicBezTo>
+                  <a:cubicBezTo>
+                    <a:pt x="299675" y="395949"/>
+                    <a:pt x="256740" y="484035"/>
+                    <a:pt x="300551" y="524987"/>
+                  </a:cubicBezTo>
+                  <a:cubicBezTo>
+                    <a:pt x="322457" y="545463"/>
+                    <a:pt x="391772" y="548258"/>
+                    <a:pt x="459138" y="549234"/>
+                  </a:cubicBezTo>
+                  <a:lnTo>
+                    <a:pt x="471338" y="549392"/>
+                  </a:lnTo>
+                  <a:lnTo>
+                    <a:pt x="485210" y="533176"/>
+                  </a:lnTo>
+                  <a:cubicBezTo>
+                    <a:pt x="502464" y="518905"/>
+                    <a:pt x="522836" y="506999"/>
+                    <a:pt x="545710" y="498521"/>
+                  </a:cubicBezTo>
+                  <a:cubicBezTo>
+                    <a:pt x="637206" y="464611"/>
+                    <a:pt x="734088" y="498397"/>
+                    <a:pt x="762103" y="573986"/>
+                  </a:cubicBezTo>
+                  <a:cubicBezTo>
+                    <a:pt x="790117" y="649574"/>
+                    <a:pt x="738656" y="738340"/>
+                    <a:pt x="647160" y="772250"/>
+                  </a:cubicBezTo>
+                  <a:cubicBezTo>
+                    <a:pt x="601412" y="789206"/>
+                    <a:pt x="554317" y="789237"/>
+                    <a:pt x="515158" y="775580"/>
+                  </a:cubicBezTo>
+                  <a:lnTo>
+                    <a:pt x="506289" y="770368"/>
+                  </a:lnTo>
+                  <a:lnTo>
+                    <a:pt x="478780" y="780470"/>
+                  </a:lnTo>
+                  <a:cubicBezTo>
+                    <a:pt x="418641" y="797592"/>
+                    <a:pt x="333800" y="808778"/>
+                    <a:pt x="266171" y="797571"/>
+                  </a:cubicBezTo>
+                  <a:lnTo>
+                    <a:pt x="256485" y="795045"/>
+                  </a:lnTo>
+                  <a:lnTo>
+                    <a:pt x="235611" y="794921"/>
+                  </a:lnTo>
+                  <a:cubicBezTo>
+                    <a:pt x="181263" y="788022"/>
+                    <a:pt x="136247" y="768736"/>
+                    <a:pt x="110636" y="741378"/>
+                  </a:cubicBezTo>
+                  <a:lnTo>
+                    <a:pt x="100449" y="726862"/>
+                  </a:lnTo>
+                  <a:lnTo>
+                    <a:pt x="88157" y="715291"/>
+                  </a:lnTo>
+                  <a:cubicBezTo>
+                    <a:pt x="37155" y="653220"/>
+                    <a:pt x="0" y="530418"/>
+                    <a:pt x="0" y="316860"/>
+                  </a:cubicBezTo>
+                  <a:cubicBezTo>
+                    <a:pt x="0" y="231437"/>
+                    <a:pt x="4801" y="150058"/>
+                    <a:pt x="13484" y="76039"/>
+                  </a:cubicBezTo>
+                  <a:close/>
+                </a:path>
+              </a:pathLst>
+            </a:custGeom>
+            <a:solidFill>
+              <a:srgbClr val="FCC7A6"/>
+            </a:solidFill>
+            <a:ln>
+              <a:noFill/>
+            </a:ln>
+          </p:spPr>
+          <p:style>
+            <a:lnRef idx="2">
+              <a:schemeClr val="accent1">
+                <a:shade val="50000"/>
+              </a:schemeClr>
+            </a:lnRef>
+            <a:fillRef idx="1">
+              <a:schemeClr val="accent1"/>
+            </a:fillRef>
+            <a:effectRef idx="0">
+              <a:schemeClr val="accent1"/>
+            </a:effectRef>
+            <a:fontRef idx="minor">
+              <a:schemeClr val="lt1"/>
+            </a:fontRef>
+          </p:style>
+          <p:txBody>
+            <a:bodyPr rtlCol="0" anchor="ctr"/>
+            <a:lstStyle/>
+            <a:p>
+              <a:pPr algn="ctr"/>
+              <a:endParaRPr lang="pt-BR"/>
+            </a:p>
+          </p:txBody>
+        </p:sp>
+        <p:sp>
+          <p:nvSpPr>
+            <p:cNvPr id="30" name="Fluxograma: Atraso 29">
+              <a:extLst>
+                <a:ext uri="{FF2B5EF4-FFF2-40B4-BE49-F238E27FC236}">
+                  <a16:creationId xmlns:a16="http://schemas.microsoft.com/office/drawing/2014/main" id="{854F30C1-4A0A-41E5-BF36-79F849A87774}"/>
+                </a:ext>
+              </a:extLst>
+            </p:cNvPr>
+            <p:cNvSpPr/>
+            <p:nvPr/>
+          </p:nvSpPr>
+          <p:spPr>
+            <a:xfrm rot="17751845">
+              <a:off x="4377383" y="2220735"/>
+              <a:ext cx="620474" cy="498804"/>
+            </a:xfrm>
+            <a:prstGeom prst="flowChartDelay">
+              <a:avLst/>
+            </a:prstGeom>
+            <a:solidFill>
+              <a:srgbClr val="F8DA00"/>
+            </a:solidFill>
+            <a:ln>
+              <a:solidFill>
+                <a:srgbClr val="FFFF00"/>
+              </a:solidFill>
+            </a:ln>
+          </p:spPr>
+          <p:style>
+            <a:lnRef idx="2">
+              <a:schemeClr val="accent1">
+                <a:shade val="50000"/>
+              </a:schemeClr>
+            </a:lnRef>
+            <a:fillRef idx="1">
+              <a:schemeClr val="accent1"/>
+            </a:fillRef>
+            <a:effectRef idx="0">
+              <a:schemeClr val="accent1"/>
+            </a:effectRef>
+            <a:fontRef idx="minor">
+              <a:schemeClr val="lt1"/>
+            </a:fontRef>
+          </p:style>
+          <p:txBody>
+            <a:bodyPr rtlCol="0" anchor="ctr"/>
+            <a:lstStyle/>
+            <a:p>
+              <a:pPr algn="ctr"/>
+              <a:endParaRPr lang="pt-BR"/>
+            </a:p>
+          </p:txBody>
+        </p:sp>
+      </p:grpSp>
+    </p:spTree>
+    <p:extLst>
+      <p:ext uri="{BB962C8B-B14F-4D97-AF65-F5344CB8AC3E}">
+        <p14:creationId xmlns:p14="http://schemas.microsoft.com/office/powerpoint/2010/main" val="4259441485"/>
+      </p:ext>
+    </p:extLst>
+  </p:cSld>
+  <p:clrMapOvr>
+    <a:masterClrMapping/>
+  </p:clrMapOvr>
+</p:sld>
+</file>
+
+<file path=ppt/slides/slide5.xml><?xml version="1.0" encoding="utf-8"?>
+<p:sld xmlns:a="http://schemas.openxmlformats.org/drawingml/2006/main" xmlns:r="http://schemas.openxmlformats.org/officeDocument/2006/relationships" xmlns:p="http://schemas.openxmlformats.org/presentationml/2006/main">
+  <p:cSld>
+    <p:spTree>
+      <p:nvGrpSpPr>
+        <p:cNvPr id="1" name=""/>
+        <p:cNvGrpSpPr/>
+        <p:nvPr/>
+      </p:nvGrpSpPr>
+      <p:grpSpPr>
+        <a:xfrm>
+          <a:off x="0" y="0"/>
+          <a:ext cx="0" cy="0"/>
+          <a:chOff x="0" y="0"/>
+          <a:chExt cx="0" cy="0"/>
+        </a:xfrm>
+      </p:grpSpPr>
+      <p:grpSp>
+        <p:nvGrpSpPr>
+          <p:cNvPr id="4" name="Grupo 82">
+            <a:extLst>
+              <a:ext uri="{FF2B5EF4-FFF2-40B4-BE49-F238E27FC236}">
+                <a16:creationId xmlns:a16="http://schemas.microsoft.com/office/drawing/2014/main" id="{0BDD41EA-A715-4844-96E3-BA65CBD327C7}"/>
+              </a:ext>
+            </a:extLst>
+          </p:cNvPr>
+          <p:cNvGrpSpPr/>
+          <p:nvPr/>
+        </p:nvGrpSpPr>
+        <p:grpSpPr>
+          <a:xfrm>
+            <a:off x="5004048" y="1412776"/>
+            <a:ext cx="1995486" cy="1832259"/>
+            <a:chOff x="6374810" y="1043929"/>
+            <a:chExt cx="1995486" cy="1832259"/>
           </a:xfrm>
         </p:grpSpPr>
         <p:sp>
           <p:nvSpPr>
-            <p:cNvPr id="5" name="Fluxograma: Mesclar 6"/>
+            <p:cNvPr id="5" name="Fluxograma: Mesclar 6">
+              <a:extLst>
+                <a:ext uri="{FF2B5EF4-FFF2-40B4-BE49-F238E27FC236}">
+                  <a16:creationId xmlns:a16="http://schemas.microsoft.com/office/drawing/2014/main" id="{A206EF05-244C-48C2-B985-C816ABB62ADF}"/>
+                </a:ext>
+              </a:extLst>
+            </p:cNvPr>
             <p:cNvSpPr/>
             <p:nvPr/>
           </p:nvSpPr>
           <p:spPr>
             <a:xfrm rot="8853205">
-              <a:off x="4838870" y="2889266"/>
+              <a:off x="6374810" y="1043929"/>
               <a:ext cx="552294" cy="880025"/>
             </a:xfrm>
             <a:custGeom>
@@ -15213,13 +18514,19 @@
         </p:sp>
         <p:sp>
           <p:nvSpPr>
-            <p:cNvPr id="6" name="Elipse 4"/>
+            <p:cNvPr id="6" name="Elipse 4">
+              <a:extLst>
+                <a:ext uri="{FF2B5EF4-FFF2-40B4-BE49-F238E27FC236}">
+                  <a16:creationId xmlns:a16="http://schemas.microsoft.com/office/drawing/2014/main" id="{2887A61B-7CC2-49D1-9578-CCD6B8C4EEC9}"/>
+                </a:ext>
+              </a:extLst>
+            </p:cNvPr>
             <p:cNvSpPr/>
             <p:nvPr/>
           </p:nvSpPr>
           <p:spPr>
             <a:xfrm>
-              <a:off x="4921095" y="3353342"/>
+              <a:off x="6457035" y="1508005"/>
               <a:ext cx="1465518" cy="1368183"/>
             </a:xfrm>
             <a:custGeom>
@@ -15360,13 +18667,19 @@
         </p:sp>
         <p:sp>
           <p:nvSpPr>
-            <p:cNvPr id="7" name="Fluxograma: Mesclar 6"/>
+            <p:cNvPr id="7" name="Fluxograma: Mesclar 6">
+              <a:extLst>
+                <a:ext uri="{FF2B5EF4-FFF2-40B4-BE49-F238E27FC236}">
+                  <a16:creationId xmlns:a16="http://schemas.microsoft.com/office/drawing/2014/main" id="{37ECF033-55C1-4059-9D91-4866B0EBECF0}"/>
+                </a:ext>
+              </a:extLst>
+            </p:cNvPr>
             <p:cNvSpPr/>
             <p:nvPr/>
           </p:nvSpPr>
           <p:spPr>
-            <a:xfrm rot="14231539">
-              <a:off x="6100673" y="3028278"/>
+            <a:xfrm rot="14804630">
+              <a:off x="7656671" y="1301334"/>
               <a:ext cx="547226" cy="880025"/>
             </a:xfrm>
             <a:custGeom>
@@ -15533,13 +18846,19 @@
         </p:sp>
         <p:sp>
           <p:nvSpPr>
-            <p:cNvPr id="8" name="Elipse 12"/>
+            <p:cNvPr id="8" name="Elipse 12">
+              <a:extLst>
+                <a:ext uri="{FF2B5EF4-FFF2-40B4-BE49-F238E27FC236}">
+                  <a16:creationId xmlns:a16="http://schemas.microsoft.com/office/drawing/2014/main" id="{C956D3EC-EA9D-415F-BB8F-765E449F82FE}"/>
+                </a:ext>
+              </a:extLst>
+            </p:cNvPr>
             <p:cNvSpPr/>
             <p:nvPr/>
           </p:nvSpPr>
           <p:spPr>
             <a:xfrm>
-              <a:off x="5283886" y="3671986"/>
+              <a:off x="6819826" y="1826649"/>
               <a:ext cx="290150" cy="365447"/>
             </a:xfrm>
             <a:custGeom>
@@ -15623,13 +18942,19 @@
         </p:sp>
         <p:sp>
           <p:nvSpPr>
-            <p:cNvPr id="9" name="Elipse 12"/>
+            <p:cNvPr id="9" name="Elipse 12">
+              <a:extLst>
+                <a:ext uri="{FF2B5EF4-FFF2-40B4-BE49-F238E27FC236}">
+                  <a16:creationId xmlns:a16="http://schemas.microsoft.com/office/drawing/2014/main" id="{23F9F329-50E5-4A73-B3C5-A1C5A31961A6}"/>
+                </a:ext>
+              </a:extLst>
+            </p:cNvPr>
             <p:cNvSpPr/>
             <p:nvPr/>
           </p:nvSpPr>
           <p:spPr>
             <a:xfrm>
-              <a:off x="5759046" y="3671986"/>
+              <a:off x="7294986" y="1826649"/>
               <a:ext cx="290150" cy="365447"/>
             </a:xfrm>
             <a:custGeom>
@@ -15713,13 +19038,19 @@
         </p:sp>
         <p:sp>
           <p:nvSpPr>
-            <p:cNvPr id="10" name="Elipse 9"/>
+            <p:cNvPr id="10" name="Elipse 9">
+              <a:extLst>
+                <a:ext uri="{FF2B5EF4-FFF2-40B4-BE49-F238E27FC236}">
+                  <a16:creationId xmlns:a16="http://schemas.microsoft.com/office/drawing/2014/main" id="{6A285E23-5F7B-4CD5-9E96-73B144B0DF59}"/>
+                </a:ext>
+              </a:extLst>
+            </p:cNvPr>
             <p:cNvSpPr/>
             <p:nvPr/>
           </p:nvSpPr>
           <p:spPr>
             <a:xfrm>
-              <a:off x="5363029" y="3840273"/>
+              <a:off x="6819826" y="2003422"/>
               <a:ext cx="145075" cy="158062"/>
             </a:xfrm>
             <a:prstGeom prst="ellipse">
@@ -15759,13 +19090,71 @@
         </p:sp>
         <p:sp>
           <p:nvSpPr>
-            <p:cNvPr id="11" name="Arco 10"/>
+            <p:cNvPr id="11" name="Elipse 10">
+              <a:extLst>
+                <a:ext uri="{FF2B5EF4-FFF2-40B4-BE49-F238E27FC236}">
+                  <a16:creationId xmlns:a16="http://schemas.microsoft.com/office/drawing/2014/main" id="{AB377D01-7C10-44FB-99F0-EA74C56C3148}"/>
+                </a:ext>
+              </a:extLst>
+            </p:cNvPr>
+            <p:cNvSpPr/>
+            <p:nvPr/>
+          </p:nvSpPr>
+          <p:spPr>
+            <a:xfrm>
+              <a:off x="7294986" y="1997760"/>
+              <a:ext cx="145075" cy="158062"/>
+            </a:xfrm>
+            <a:prstGeom prst="ellipse">
+              <a:avLst/>
+            </a:prstGeom>
+            <a:solidFill>
+              <a:schemeClr val="tx1"/>
+            </a:solidFill>
+            <a:ln>
+              <a:noFill/>
+            </a:ln>
+          </p:spPr>
+          <p:style>
+            <a:lnRef idx="2">
+              <a:schemeClr val="accent1">
+                <a:shade val="50000"/>
+              </a:schemeClr>
+            </a:lnRef>
+            <a:fillRef idx="1">
+              <a:schemeClr val="accent1"/>
+            </a:fillRef>
+            <a:effectRef idx="0">
+              <a:schemeClr val="accent1"/>
+            </a:effectRef>
+            <a:fontRef idx="minor">
+              <a:schemeClr val="lt1"/>
+            </a:fontRef>
+          </p:style>
+          <p:txBody>
+            <a:bodyPr rtlCol="0" anchor="ctr"/>
+            <a:lstStyle/>
+            <a:p>
+              <a:pPr algn="ctr"/>
+              <a:endParaRPr lang="pt-BR"/>
+            </a:p>
+          </p:txBody>
+        </p:sp>
+        <p:sp>
+          <p:nvSpPr>
+            <p:cNvPr id="12" name="Arco 11">
+              <a:extLst>
+                <a:ext uri="{FF2B5EF4-FFF2-40B4-BE49-F238E27FC236}">
+                  <a16:creationId xmlns:a16="http://schemas.microsoft.com/office/drawing/2014/main" id="{86DCCEA9-D8D8-4A2F-A605-FD2FF081616E}"/>
+                </a:ext>
+              </a:extLst>
+            </p:cNvPr>
             <p:cNvSpPr/>
             <p:nvPr/>
           </p:nvSpPr>
           <p:spPr>
             <a:xfrm rot="17066183">
-              <a:off x="5147909" y="3594107"/>
+              <a:off x="6683849" y="1748770"/>
               <a:ext cx="369968" cy="318644"/>
             </a:xfrm>
             <a:prstGeom prst="arc">
@@ -15800,13 +19189,19 @@
         </p:sp>
         <p:sp>
           <p:nvSpPr>
-            <p:cNvPr id="12" name="Arco 11"/>
+            <p:cNvPr id="13" name="Arco 12">
+              <a:extLst>
+                <a:ext uri="{FF2B5EF4-FFF2-40B4-BE49-F238E27FC236}">
+                  <a16:creationId xmlns:a16="http://schemas.microsoft.com/office/drawing/2014/main" id="{7A143C64-2C75-4CB3-8CBA-6319BDD66FB4}"/>
+                </a:ext>
+              </a:extLst>
+            </p:cNvPr>
             <p:cNvSpPr/>
             <p:nvPr/>
           </p:nvSpPr>
           <p:spPr>
             <a:xfrm>
-              <a:off x="5759046" y="3581459"/>
+              <a:off x="7294986" y="1736122"/>
               <a:ext cx="369968" cy="318644"/>
             </a:xfrm>
             <a:prstGeom prst="arc">
@@ -15839,293 +19234,349 @@
             </a:p>
           </p:txBody>
         </p:sp>
-        <p:grpSp>
-          <p:nvGrpSpPr>
-            <p:cNvPr id="13" name="Grupo 12"/>
-            <p:cNvGrpSpPr/>
-            <p:nvPr/>
-          </p:nvGrpSpPr>
-          <p:grpSpPr>
-            <a:xfrm>
-              <a:off x="5450982" y="3990951"/>
-              <a:ext cx="357713" cy="252013"/>
-              <a:chOff x="5250104" y="4008057"/>
-              <a:chExt cx="357713" cy="252013"/>
-            </a:xfrm>
-          </p:grpSpPr>
-          <p:sp>
-            <p:nvSpPr>
-              <p:cNvPr id="26" name="Elipse 19"/>
-              <p:cNvSpPr/>
-              <p:nvPr/>
-            </p:nvSpPr>
-            <p:spPr>
-              <a:xfrm>
-                <a:off x="5250104" y="4008057"/>
-                <a:ext cx="357713" cy="252013"/>
-              </a:xfrm>
-              <a:custGeom>
-                <a:avLst/>
-                <a:gdLst>
-                  <a:gd name="connsiteX0" fmla="*/ 0 w 716303"/>
-                  <a:gd name="connsiteY0" fmla="*/ 360040 h 720080"/>
-                  <a:gd name="connsiteX1" fmla="*/ 358152 w 716303"/>
-                  <a:gd name="connsiteY1" fmla="*/ 0 h 720080"/>
-                  <a:gd name="connsiteX2" fmla="*/ 716304 w 716303"/>
-                  <a:gd name="connsiteY2" fmla="*/ 360040 h 720080"/>
-                  <a:gd name="connsiteX3" fmla="*/ 358152 w 716303"/>
-                  <a:gd name="connsiteY3" fmla="*/ 720080 h 720080"/>
-                  <a:gd name="connsiteX4" fmla="*/ 0 w 716303"/>
-                  <a:gd name="connsiteY4" fmla="*/ 360040 h 720080"/>
-                  <a:gd name="connsiteX0" fmla="*/ 0 w 827817"/>
-                  <a:gd name="connsiteY0" fmla="*/ 366194 h 771691"/>
-                  <a:gd name="connsiteX1" fmla="*/ 358152 w 827817"/>
-                  <a:gd name="connsiteY1" fmla="*/ 6154 h 771691"/>
-                  <a:gd name="connsiteX2" fmla="*/ 827817 w 827817"/>
-                  <a:gd name="connsiteY2" fmla="*/ 633823 h 771691"/>
-                  <a:gd name="connsiteX3" fmla="*/ 358152 w 827817"/>
-                  <a:gd name="connsiteY3" fmla="*/ 726234 h 771691"/>
-                  <a:gd name="connsiteX4" fmla="*/ 0 w 827817"/>
-                  <a:gd name="connsiteY4" fmla="*/ 366194 h 771691"/>
-                  <a:gd name="connsiteX0" fmla="*/ 204224 w 1032041"/>
-                  <a:gd name="connsiteY0" fmla="*/ 364649 h 749956"/>
-                  <a:gd name="connsiteX1" fmla="*/ 562376 w 1032041"/>
-                  <a:gd name="connsiteY1" fmla="*/ 4609 h 749956"/>
-                  <a:gd name="connsiteX2" fmla="*/ 1032041 w 1032041"/>
-                  <a:gd name="connsiteY2" fmla="*/ 632278 h 749956"/>
-                  <a:gd name="connsiteX3" fmla="*/ 562376 w 1032041"/>
-                  <a:gd name="connsiteY3" fmla="*/ 724689 h 749956"/>
-                  <a:gd name="connsiteX4" fmla="*/ 13047 w 1032041"/>
-                  <a:gd name="connsiteY4" fmla="*/ 685764 h 749956"/>
-                  <a:gd name="connsiteX5" fmla="*/ 204224 w 1032041"/>
-                  <a:gd name="connsiteY5" fmla="*/ 364649 h 749956"/>
-                  <a:gd name="connsiteX0" fmla="*/ 183452 w 1033572"/>
-                  <a:gd name="connsiteY0" fmla="*/ 280968 h 755485"/>
-                  <a:gd name="connsiteX1" fmla="*/ 563907 w 1033572"/>
-                  <a:gd name="connsiteY1" fmla="*/ 10138 h 755485"/>
-                  <a:gd name="connsiteX2" fmla="*/ 1033572 w 1033572"/>
-                  <a:gd name="connsiteY2" fmla="*/ 637807 h 755485"/>
-                  <a:gd name="connsiteX3" fmla="*/ 563907 w 1033572"/>
-                  <a:gd name="connsiteY3" fmla="*/ 730218 h 755485"/>
-                  <a:gd name="connsiteX4" fmla="*/ 14578 w 1033572"/>
-                  <a:gd name="connsiteY4" fmla="*/ 691293 h 755485"/>
-                  <a:gd name="connsiteX5" fmla="*/ 183452 w 1033572"/>
-                  <a:gd name="connsiteY5" fmla="*/ 280968 h 755485"/>
-                  <a:gd name="connsiteX0" fmla="*/ 183861 w 1033981"/>
-                  <a:gd name="connsiteY0" fmla="*/ 238011 h 712528"/>
-                  <a:gd name="connsiteX1" fmla="*/ 597770 w 1033981"/>
-                  <a:gd name="connsiteY1" fmla="*/ 11786 h 712528"/>
-                  <a:gd name="connsiteX2" fmla="*/ 1033981 w 1033981"/>
-                  <a:gd name="connsiteY2" fmla="*/ 594850 h 712528"/>
-                  <a:gd name="connsiteX3" fmla="*/ 564316 w 1033981"/>
-                  <a:gd name="connsiteY3" fmla="*/ 687261 h 712528"/>
-                  <a:gd name="connsiteX4" fmla="*/ 14987 w 1033981"/>
-                  <a:gd name="connsiteY4" fmla="*/ 648336 h 712528"/>
-                  <a:gd name="connsiteX5" fmla="*/ 183861 w 1033981"/>
-                  <a:gd name="connsiteY5" fmla="*/ 238011 h 712528"/>
-                  <a:gd name="connsiteX0" fmla="*/ 183861 w 1033981"/>
-                  <a:gd name="connsiteY0" fmla="*/ 238011 h 688138"/>
-                  <a:gd name="connsiteX1" fmla="*/ 597770 w 1033981"/>
-                  <a:gd name="connsiteY1" fmla="*/ 11786 h 688138"/>
-                  <a:gd name="connsiteX2" fmla="*/ 1033981 w 1033981"/>
-                  <a:gd name="connsiteY2" fmla="*/ 594850 h 688138"/>
-                  <a:gd name="connsiteX3" fmla="*/ 519711 w 1033981"/>
-                  <a:gd name="connsiteY3" fmla="*/ 620353 h 688138"/>
-                  <a:gd name="connsiteX4" fmla="*/ 14987 w 1033981"/>
-                  <a:gd name="connsiteY4" fmla="*/ 648336 h 688138"/>
-                  <a:gd name="connsiteX5" fmla="*/ 183861 w 1033981"/>
-                  <a:gd name="connsiteY5" fmla="*/ 238011 h 688138"/>
-                </a:gdLst>
-                <a:ahLst/>
-                <a:cxnLst>
-                  <a:cxn ang="0">
-                    <a:pos x="connsiteX0" y="connsiteY0"/>
-                  </a:cxn>
-                  <a:cxn ang="0">
-                    <a:pos x="connsiteX1" y="connsiteY1"/>
-                  </a:cxn>
-                  <a:cxn ang="0">
-                    <a:pos x="connsiteX2" y="connsiteY2"/>
-                  </a:cxn>
-                  <a:cxn ang="0">
-                    <a:pos x="connsiteX3" y="connsiteY3"/>
-                  </a:cxn>
-                  <a:cxn ang="0">
-                    <a:pos x="connsiteX4" y="connsiteY4"/>
-                  </a:cxn>
-                  <a:cxn ang="0">
-                    <a:pos x="connsiteX5" y="connsiteY5"/>
-                  </a:cxn>
-                </a:cxnLst>
-                <a:rect l="l" t="t" r="r" b="b"/>
-                <a:pathLst>
-                  <a:path w="1033981" h="688138">
-                    <a:moveTo>
-                      <a:pt x="183861" y="238011"/>
-                    </a:moveTo>
-                    <a:cubicBezTo>
-                      <a:pt x="280991" y="131919"/>
-                      <a:pt x="456083" y="-47687"/>
-                      <a:pt x="597770" y="11786"/>
-                    </a:cubicBezTo>
-                    <a:cubicBezTo>
-                      <a:pt x="739457" y="71259"/>
-                      <a:pt x="1033981" y="396005"/>
-                      <a:pt x="1033981" y="594850"/>
-                    </a:cubicBezTo>
-                    <a:cubicBezTo>
-                      <a:pt x="1033981" y="793695"/>
-                      <a:pt x="689543" y="611439"/>
-                      <a:pt x="519711" y="620353"/>
-                    </a:cubicBezTo>
-                    <a:cubicBezTo>
-                      <a:pt x="349879" y="629267"/>
-                      <a:pt x="74679" y="708343"/>
-                      <a:pt x="14987" y="648336"/>
-                    </a:cubicBezTo>
-                    <a:cubicBezTo>
-                      <a:pt x="-44705" y="588329"/>
-                      <a:pt x="86731" y="344103"/>
-                      <a:pt x="183861" y="238011"/>
-                    </a:cubicBezTo>
-                    <a:close/>
-                  </a:path>
-                </a:pathLst>
-              </a:custGeom>
-              <a:solidFill>
-                <a:srgbClr val="F68B32"/>
-              </a:solidFill>
-              <a:ln w="3175">
-                <a:noFill/>
-              </a:ln>
-            </p:spPr>
-            <p:style>
-              <a:lnRef idx="2">
-                <a:schemeClr val="accent1">
-                  <a:shade val="50000"/>
-                </a:schemeClr>
-              </a:lnRef>
-              <a:fillRef idx="1">
-                <a:schemeClr val="accent1"/>
-              </a:fillRef>
-              <a:effectRef idx="0">
-                <a:schemeClr val="accent1"/>
-              </a:effectRef>
-              <a:fontRef idx="minor">
-                <a:schemeClr val="lt1"/>
-              </a:fontRef>
-            </p:style>
-            <p:txBody>
-              <a:bodyPr rtlCol="0" anchor="ctr"/>
-              <a:lstStyle/>
-              <a:p>
-                <a:pPr algn="ctr"/>
-                <a:endParaRPr lang="pt-BR"/>
-              </a:p>
-            </p:txBody>
-          </p:sp>
-          <p:sp>
-            <p:nvSpPr>
-              <p:cNvPr id="27" name="Elipse 26"/>
-              <p:cNvSpPr/>
-              <p:nvPr/>
-            </p:nvSpPr>
-            <p:spPr>
-              <a:xfrm>
-                <a:off x="5332893" y="4134063"/>
-                <a:ext cx="45719" cy="45719"/>
-              </a:xfrm>
-              <a:prstGeom prst="ellipse">
-                <a:avLst/>
-              </a:prstGeom>
-              <a:solidFill>
-                <a:schemeClr val="tx1"/>
-              </a:solidFill>
-              <a:ln>
-                <a:noFill/>
-              </a:ln>
-            </p:spPr>
-            <p:style>
-              <a:lnRef idx="2">
-                <a:schemeClr val="accent1">
-                  <a:shade val="50000"/>
-                </a:schemeClr>
-              </a:lnRef>
-              <a:fillRef idx="1">
-                <a:schemeClr val="accent1"/>
-              </a:fillRef>
-              <a:effectRef idx="0">
-                <a:schemeClr val="accent1"/>
-              </a:effectRef>
-              <a:fontRef idx="minor">
-                <a:schemeClr val="lt1"/>
-              </a:fontRef>
-            </p:style>
-            <p:txBody>
-              <a:bodyPr rtlCol="0" anchor="ctr"/>
-              <a:lstStyle/>
-              <a:p>
-                <a:pPr algn="ctr"/>
-                <a:endParaRPr lang="pt-BR"/>
-              </a:p>
-            </p:txBody>
-          </p:sp>
-          <p:sp>
-            <p:nvSpPr>
-              <p:cNvPr id="28" name="Elipse 27"/>
-              <p:cNvSpPr/>
-              <p:nvPr/>
-            </p:nvSpPr>
-            <p:spPr>
-              <a:xfrm>
-                <a:off x="5485293" y="4145430"/>
-                <a:ext cx="45719" cy="45719"/>
-              </a:xfrm>
-              <a:prstGeom prst="ellipse">
-                <a:avLst/>
-              </a:prstGeom>
-              <a:solidFill>
-                <a:schemeClr val="tx1"/>
-              </a:solidFill>
-              <a:ln>
-                <a:noFill/>
-              </a:ln>
-            </p:spPr>
-            <p:style>
-              <a:lnRef idx="2">
-                <a:schemeClr val="accent1">
-                  <a:shade val="50000"/>
-                </a:schemeClr>
-              </a:lnRef>
-              <a:fillRef idx="1">
-                <a:schemeClr val="accent1"/>
-              </a:fillRef>
-              <a:effectRef idx="0">
-                <a:schemeClr val="accent1"/>
-              </a:effectRef>
-              <a:fontRef idx="minor">
-                <a:schemeClr val="lt1"/>
-              </a:fontRef>
-            </p:style>
-            <p:txBody>
-              <a:bodyPr rtlCol="0" anchor="ctr"/>
-              <a:lstStyle/>
-              <a:p>
-                <a:pPr algn="ctr"/>
-                <a:endParaRPr lang="pt-BR"/>
-              </a:p>
-            </p:txBody>
-          </p:sp>
-        </p:grpSp>
         <p:sp>
           <p:nvSpPr>
-            <p:cNvPr id="14" name="Elipse 13"/>
+            <p:cNvPr id="14" name="Elipse 19">
+              <a:extLst>
+                <a:ext uri="{FF2B5EF4-FFF2-40B4-BE49-F238E27FC236}">
+                  <a16:creationId xmlns:a16="http://schemas.microsoft.com/office/drawing/2014/main" id="{B8DCA2E0-37C8-498F-9712-7307456B76A3}"/>
+                </a:ext>
+              </a:extLst>
+            </p:cNvPr>
             <p:cNvSpPr/>
             <p:nvPr/>
           </p:nvSpPr>
           <p:spPr>
-            <a:xfrm rot="19487469">
-              <a:off x="6196315" y="3409671"/>
+            <a:xfrm>
+              <a:off x="6786044" y="2162720"/>
+              <a:ext cx="357713" cy="252013"/>
+            </a:xfrm>
+            <a:custGeom>
+              <a:avLst/>
+              <a:gdLst>
+                <a:gd name="connsiteX0" fmla="*/ 0 w 716303"/>
+                <a:gd name="connsiteY0" fmla="*/ 360040 h 720080"/>
+                <a:gd name="connsiteX1" fmla="*/ 358152 w 716303"/>
+                <a:gd name="connsiteY1" fmla="*/ 0 h 720080"/>
+                <a:gd name="connsiteX2" fmla="*/ 716304 w 716303"/>
+                <a:gd name="connsiteY2" fmla="*/ 360040 h 720080"/>
+                <a:gd name="connsiteX3" fmla="*/ 358152 w 716303"/>
+                <a:gd name="connsiteY3" fmla="*/ 720080 h 720080"/>
+                <a:gd name="connsiteX4" fmla="*/ 0 w 716303"/>
+                <a:gd name="connsiteY4" fmla="*/ 360040 h 720080"/>
+                <a:gd name="connsiteX0" fmla="*/ 0 w 827817"/>
+                <a:gd name="connsiteY0" fmla="*/ 366194 h 771691"/>
+                <a:gd name="connsiteX1" fmla="*/ 358152 w 827817"/>
+                <a:gd name="connsiteY1" fmla="*/ 6154 h 771691"/>
+                <a:gd name="connsiteX2" fmla="*/ 827817 w 827817"/>
+                <a:gd name="connsiteY2" fmla="*/ 633823 h 771691"/>
+                <a:gd name="connsiteX3" fmla="*/ 358152 w 827817"/>
+                <a:gd name="connsiteY3" fmla="*/ 726234 h 771691"/>
+                <a:gd name="connsiteX4" fmla="*/ 0 w 827817"/>
+                <a:gd name="connsiteY4" fmla="*/ 366194 h 771691"/>
+                <a:gd name="connsiteX0" fmla="*/ 204224 w 1032041"/>
+                <a:gd name="connsiteY0" fmla="*/ 364649 h 749956"/>
+                <a:gd name="connsiteX1" fmla="*/ 562376 w 1032041"/>
+                <a:gd name="connsiteY1" fmla="*/ 4609 h 749956"/>
+                <a:gd name="connsiteX2" fmla="*/ 1032041 w 1032041"/>
+                <a:gd name="connsiteY2" fmla="*/ 632278 h 749956"/>
+                <a:gd name="connsiteX3" fmla="*/ 562376 w 1032041"/>
+                <a:gd name="connsiteY3" fmla="*/ 724689 h 749956"/>
+                <a:gd name="connsiteX4" fmla="*/ 13047 w 1032041"/>
+                <a:gd name="connsiteY4" fmla="*/ 685764 h 749956"/>
+                <a:gd name="connsiteX5" fmla="*/ 204224 w 1032041"/>
+                <a:gd name="connsiteY5" fmla="*/ 364649 h 749956"/>
+                <a:gd name="connsiteX0" fmla="*/ 183452 w 1033572"/>
+                <a:gd name="connsiteY0" fmla="*/ 280968 h 755485"/>
+                <a:gd name="connsiteX1" fmla="*/ 563907 w 1033572"/>
+                <a:gd name="connsiteY1" fmla="*/ 10138 h 755485"/>
+                <a:gd name="connsiteX2" fmla="*/ 1033572 w 1033572"/>
+                <a:gd name="connsiteY2" fmla="*/ 637807 h 755485"/>
+                <a:gd name="connsiteX3" fmla="*/ 563907 w 1033572"/>
+                <a:gd name="connsiteY3" fmla="*/ 730218 h 755485"/>
+                <a:gd name="connsiteX4" fmla="*/ 14578 w 1033572"/>
+                <a:gd name="connsiteY4" fmla="*/ 691293 h 755485"/>
+                <a:gd name="connsiteX5" fmla="*/ 183452 w 1033572"/>
+                <a:gd name="connsiteY5" fmla="*/ 280968 h 755485"/>
+                <a:gd name="connsiteX0" fmla="*/ 183861 w 1033981"/>
+                <a:gd name="connsiteY0" fmla="*/ 238011 h 712528"/>
+                <a:gd name="connsiteX1" fmla="*/ 597770 w 1033981"/>
+                <a:gd name="connsiteY1" fmla="*/ 11786 h 712528"/>
+                <a:gd name="connsiteX2" fmla="*/ 1033981 w 1033981"/>
+                <a:gd name="connsiteY2" fmla="*/ 594850 h 712528"/>
+                <a:gd name="connsiteX3" fmla="*/ 564316 w 1033981"/>
+                <a:gd name="connsiteY3" fmla="*/ 687261 h 712528"/>
+                <a:gd name="connsiteX4" fmla="*/ 14987 w 1033981"/>
+                <a:gd name="connsiteY4" fmla="*/ 648336 h 712528"/>
+                <a:gd name="connsiteX5" fmla="*/ 183861 w 1033981"/>
+                <a:gd name="connsiteY5" fmla="*/ 238011 h 712528"/>
+                <a:gd name="connsiteX0" fmla="*/ 183861 w 1033981"/>
+                <a:gd name="connsiteY0" fmla="*/ 238011 h 688138"/>
+                <a:gd name="connsiteX1" fmla="*/ 597770 w 1033981"/>
+                <a:gd name="connsiteY1" fmla="*/ 11786 h 688138"/>
+                <a:gd name="connsiteX2" fmla="*/ 1033981 w 1033981"/>
+                <a:gd name="connsiteY2" fmla="*/ 594850 h 688138"/>
+                <a:gd name="connsiteX3" fmla="*/ 519711 w 1033981"/>
+                <a:gd name="connsiteY3" fmla="*/ 620353 h 688138"/>
+                <a:gd name="connsiteX4" fmla="*/ 14987 w 1033981"/>
+                <a:gd name="connsiteY4" fmla="*/ 648336 h 688138"/>
+                <a:gd name="connsiteX5" fmla="*/ 183861 w 1033981"/>
+                <a:gd name="connsiteY5" fmla="*/ 238011 h 688138"/>
+              </a:gdLst>
+              <a:ahLst/>
+              <a:cxnLst>
+                <a:cxn ang="0">
+                  <a:pos x="connsiteX0" y="connsiteY0"/>
+                </a:cxn>
+                <a:cxn ang="0">
+                  <a:pos x="connsiteX1" y="connsiteY1"/>
+                </a:cxn>
+                <a:cxn ang="0">
+                  <a:pos x="connsiteX2" y="connsiteY2"/>
+                </a:cxn>
+                <a:cxn ang="0">
+                  <a:pos x="connsiteX3" y="connsiteY3"/>
+                </a:cxn>
+                <a:cxn ang="0">
+                  <a:pos x="connsiteX4" y="connsiteY4"/>
+                </a:cxn>
+                <a:cxn ang="0">
+                  <a:pos x="connsiteX5" y="connsiteY5"/>
+                </a:cxn>
+              </a:cxnLst>
+              <a:rect l="l" t="t" r="r" b="b"/>
+              <a:pathLst>
+                <a:path w="1033981" h="688138">
+                  <a:moveTo>
+                    <a:pt x="183861" y="238011"/>
+                  </a:moveTo>
+                  <a:cubicBezTo>
+                    <a:pt x="280991" y="131919"/>
+                    <a:pt x="456083" y="-47687"/>
+                    <a:pt x="597770" y="11786"/>
+                  </a:cubicBezTo>
+                  <a:cubicBezTo>
+                    <a:pt x="739457" y="71259"/>
+                    <a:pt x="1033981" y="396005"/>
+                    <a:pt x="1033981" y="594850"/>
+                  </a:cubicBezTo>
+                  <a:cubicBezTo>
+                    <a:pt x="1033981" y="793695"/>
+                    <a:pt x="689543" y="611439"/>
+                    <a:pt x="519711" y="620353"/>
+                  </a:cubicBezTo>
+                  <a:cubicBezTo>
+                    <a:pt x="349879" y="629267"/>
+                    <a:pt x="74679" y="708343"/>
+                    <a:pt x="14987" y="648336"/>
+                  </a:cubicBezTo>
+                  <a:cubicBezTo>
+                    <a:pt x="-44705" y="588329"/>
+                    <a:pt x="86731" y="344103"/>
+                    <a:pt x="183861" y="238011"/>
+                  </a:cubicBezTo>
+                  <a:close/>
+                </a:path>
+              </a:pathLst>
+            </a:custGeom>
+            <a:solidFill>
+              <a:srgbClr val="F68B32"/>
+            </a:solidFill>
+            <a:ln w="3175">
+              <a:noFill/>
+            </a:ln>
+          </p:spPr>
+          <p:style>
+            <a:lnRef idx="2">
+              <a:schemeClr val="accent1">
+                <a:shade val="50000"/>
+              </a:schemeClr>
+            </a:lnRef>
+            <a:fillRef idx="1">
+              <a:schemeClr val="accent1"/>
+            </a:fillRef>
+            <a:effectRef idx="0">
+              <a:schemeClr val="accent1"/>
+            </a:effectRef>
+            <a:fontRef idx="minor">
+              <a:schemeClr val="lt1"/>
+            </a:fontRef>
+          </p:style>
+          <p:txBody>
+            <a:bodyPr rtlCol="0" anchor="ctr"/>
+            <a:lstStyle/>
+            <a:p>
+              <a:pPr algn="ctr"/>
+              <a:endParaRPr lang="pt-BR"/>
+            </a:p>
+          </p:txBody>
+        </p:sp>
+        <p:sp>
+          <p:nvSpPr>
+            <p:cNvPr id="15" name="Elipse 14">
+              <a:extLst>
+                <a:ext uri="{FF2B5EF4-FFF2-40B4-BE49-F238E27FC236}">
+                  <a16:creationId xmlns:a16="http://schemas.microsoft.com/office/drawing/2014/main" id="{CEBD4BB7-7E4E-4A2F-9F9E-6641D131605D}"/>
+                </a:ext>
+              </a:extLst>
+            </p:cNvPr>
+            <p:cNvSpPr/>
+            <p:nvPr/>
+          </p:nvSpPr>
+          <p:spPr>
+            <a:xfrm>
+              <a:off x="6868833" y="2288726"/>
+              <a:ext cx="45719" cy="45719"/>
+            </a:xfrm>
+            <a:prstGeom prst="ellipse">
+              <a:avLst/>
+            </a:prstGeom>
+            <a:solidFill>
+              <a:schemeClr val="tx1"/>
+            </a:solidFill>
+            <a:ln>
+              <a:noFill/>
+            </a:ln>
+          </p:spPr>
+          <p:style>
+            <a:lnRef idx="2">
+              <a:schemeClr val="accent1">
+                <a:shade val="50000"/>
+              </a:schemeClr>
+            </a:lnRef>
+            <a:fillRef idx="1">
+              <a:schemeClr val="accent1"/>
+            </a:fillRef>
+            <a:effectRef idx="0">
+              <a:schemeClr val="accent1"/>
+            </a:effectRef>
+            <a:fontRef idx="minor">
+              <a:schemeClr val="lt1"/>
+            </a:fontRef>
+          </p:style>
+          <p:txBody>
+            <a:bodyPr rtlCol="0" anchor="ctr"/>
+            <a:lstStyle/>
+            <a:p>
+              <a:pPr algn="ctr"/>
+              <a:endParaRPr lang="pt-BR"/>
+            </a:p>
+          </p:txBody>
+        </p:sp>
+        <p:sp>
+          <p:nvSpPr>
+            <p:cNvPr id="16" name="Elipse 15">
+              <a:extLst>
+                <a:ext uri="{FF2B5EF4-FFF2-40B4-BE49-F238E27FC236}">
+                  <a16:creationId xmlns:a16="http://schemas.microsoft.com/office/drawing/2014/main" id="{CD579F17-4BB8-479B-AACA-E637FE878852}"/>
+                </a:ext>
+              </a:extLst>
+            </p:cNvPr>
+            <p:cNvSpPr/>
+            <p:nvPr/>
+          </p:nvSpPr>
+          <p:spPr>
+            <a:xfrm>
+              <a:off x="7021233" y="2300093"/>
+              <a:ext cx="45719" cy="45719"/>
+            </a:xfrm>
+            <a:prstGeom prst="ellipse">
+              <a:avLst/>
+            </a:prstGeom>
+            <a:solidFill>
+              <a:schemeClr val="tx1"/>
+            </a:solidFill>
+            <a:ln>
+              <a:noFill/>
+            </a:ln>
+          </p:spPr>
+          <p:style>
+            <a:lnRef idx="2">
+              <a:schemeClr val="accent1">
+                <a:shade val="50000"/>
+              </a:schemeClr>
+            </a:lnRef>
+            <a:fillRef idx="1">
+              <a:schemeClr val="accent1"/>
+            </a:fillRef>
+            <a:effectRef idx="0">
+              <a:schemeClr val="accent1"/>
+            </a:effectRef>
+            <a:fontRef idx="minor">
+              <a:schemeClr val="lt1"/>
+            </a:fontRef>
+          </p:style>
+          <p:txBody>
+            <a:bodyPr rtlCol="0" anchor="ctr"/>
+            <a:lstStyle/>
+            <a:p>
+              <a:pPr algn="ctr"/>
+              <a:endParaRPr lang="pt-BR"/>
+            </a:p>
+          </p:txBody>
+        </p:sp>
+        <p:sp>
+          <p:nvSpPr>
+            <p:cNvPr id="17" name="Arco 16">
+              <a:extLst>
+                <a:ext uri="{FF2B5EF4-FFF2-40B4-BE49-F238E27FC236}">
+                  <a16:creationId xmlns:a16="http://schemas.microsoft.com/office/drawing/2014/main" id="{D6929DCA-07AA-4883-A004-F4A3FDAB8975}"/>
+                </a:ext>
+              </a:extLst>
+            </p:cNvPr>
+            <p:cNvSpPr/>
+            <p:nvPr/>
+          </p:nvSpPr>
+          <p:spPr>
+            <a:xfrm rot="10800000">
+              <a:off x="7521439" y="2114196"/>
+              <a:ext cx="369968" cy="318644"/>
+            </a:xfrm>
+            <a:prstGeom prst="arc">
+              <a:avLst>
+                <a:gd name="adj1" fmla="val 16200000"/>
+                <a:gd name="adj2" fmla="val 20549042"/>
+              </a:avLst>
+            </a:prstGeom>
+          </p:spPr>
+          <p:style>
+            <a:lnRef idx="1">
+              <a:schemeClr val="dk1"/>
+            </a:lnRef>
+            <a:fillRef idx="0">
+              <a:schemeClr val="dk1"/>
+            </a:fillRef>
+            <a:effectRef idx="0">
+              <a:schemeClr val="dk1"/>
+            </a:effectRef>
+            <a:fontRef idx="minor">
+              <a:schemeClr val="tx1"/>
+            </a:fontRef>
+          </p:style>
+          <p:txBody>
+            <a:bodyPr rtlCol="0" anchor="ctr"/>
+            <a:lstStyle/>
+            <a:p>
+              <a:pPr algn="ctr"/>
+              <a:endParaRPr lang="pt-BR"/>
+            </a:p>
+          </p:txBody>
+        </p:sp>
+        <p:sp>
+          <p:nvSpPr>
+            <p:cNvPr id="18" name="Elipse 17">
+              <a:extLst>
+                <a:ext uri="{FF2B5EF4-FFF2-40B4-BE49-F238E27FC236}">
+                  <a16:creationId xmlns:a16="http://schemas.microsoft.com/office/drawing/2014/main" id="{7D9D710F-E4BF-4B24-BB86-B2148970C34A}"/>
+                </a:ext>
+              </a:extLst>
+            </p:cNvPr>
+            <p:cNvSpPr/>
+            <p:nvPr/>
+          </p:nvSpPr>
+          <p:spPr>
+            <a:xfrm rot="20219682">
+              <a:off x="7713435" y="1682135"/>
               <a:ext cx="355942" cy="90527"/>
             </a:xfrm>
             <a:prstGeom prst="ellipse">
@@ -16167,13 +19618,19 @@
         </p:sp>
         <p:sp>
           <p:nvSpPr>
-            <p:cNvPr id="15" name="Elipse 14"/>
+            <p:cNvPr id="19" name="Elipse 18">
+              <a:extLst>
+                <a:ext uri="{FF2B5EF4-FFF2-40B4-BE49-F238E27FC236}">
+                  <a16:creationId xmlns:a16="http://schemas.microsoft.com/office/drawing/2014/main" id="{00FB1617-3CCC-4599-8D57-D032F364F295}"/>
+                </a:ext>
+              </a:extLst>
+            </p:cNvPr>
             <p:cNvSpPr/>
             <p:nvPr/>
           </p:nvSpPr>
           <p:spPr>
             <a:xfrm rot="3218186">
-              <a:off x="4954513" y="3284015"/>
+              <a:off x="6490453" y="1438678"/>
               <a:ext cx="355942" cy="90527"/>
             </a:xfrm>
             <a:prstGeom prst="ellipse">
@@ -16215,20 +19672,267 @@
         </p:sp>
         <p:sp>
           <p:nvSpPr>
-            <p:cNvPr id="16" name="Elipse 15"/>
+            <p:cNvPr id="20" name="Corda 80">
+              <a:extLst>
+                <a:ext uri="{FF2B5EF4-FFF2-40B4-BE49-F238E27FC236}">
+                  <a16:creationId xmlns:a16="http://schemas.microsoft.com/office/drawing/2014/main" id="{F35E0D93-4619-41DE-B9F3-8C717BA56858}"/>
+                </a:ext>
+              </a:extLst>
+            </p:cNvPr>
+            <p:cNvSpPr/>
+            <p:nvPr/>
+          </p:nvSpPr>
+          <p:spPr>
+            <a:xfrm rot="16200000">
+              <a:off x="7101356" y="2168574"/>
+              <a:ext cx="251258" cy="716303"/>
+            </a:xfrm>
+            <a:custGeom>
+              <a:avLst/>
+              <a:gdLst>
+                <a:gd name="connsiteX0" fmla="*/ 221639 w 544329"/>
+                <a:gd name="connsiteY0" fmla="*/ 613676 h 619056"/>
+                <a:gd name="connsiteX1" fmla="*/ 31 w 544329"/>
+                <a:gd name="connsiteY1" fmla="*/ 314246 h 619056"/>
+                <a:gd name="connsiteX2" fmla="*/ 211236 w 544329"/>
+                <a:gd name="connsiteY2" fmla="*/ 7856 h 619056"/>
+                <a:gd name="connsiteX3" fmla="*/ 221639 w 544329"/>
+                <a:gd name="connsiteY3" fmla="*/ 613676 h 619056"/>
+                <a:gd name="connsiteX0" fmla="*/ 299699 w 299699"/>
+                <a:gd name="connsiteY0" fmla="*/ 862301 h 862301"/>
+                <a:gd name="connsiteX1" fmla="*/ 31 w 299699"/>
+                <a:gd name="connsiteY1" fmla="*/ 306390 h 862301"/>
+                <a:gd name="connsiteX2" fmla="*/ 211236 w 299699"/>
+                <a:gd name="connsiteY2" fmla="*/ 0 h 862301"/>
+                <a:gd name="connsiteX3" fmla="*/ 299699 w 299699"/>
+                <a:gd name="connsiteY3" fmla="*/ 862301 h 862301"/>
+                <a:gd name="connsiteX0" fmla="*/ 243943 w 243943"/>
+                <a:gd name="connsiteY0" fmla="*/ 717335 h 717335"/>
+                <a:gd name="connsiteX1" fmla="*/ 31 w 243943"/>
+                <a:gd name="connsiteY1" fmla="*/ 306390 h 717335"/>
+                <a:gd name="connsiteX2" fmla="*/ 211236 w 243943"/>
+                <a:gd name="connsiteY2" fmla="*/ 0 h 717335"/>
+                <a:gd name="connsiteX3" fmla="*/ 243943 w 243943"/>
+                <a:gd name="connsiteY3" fmla="*/ 717335 h 717335"/>
+                <a:gd name="connsiteX0" fmla="*/ 243943 w 253298"/>
+                <a:gd name="connsiteY0" fmla="*/ 717335 h 717593"/>
+                <a:gd name="connsiteX1" fmla="*/ 31 w 253298"/>
+                <a:gd name="connsiteY1" fmla="*/ 306390 h 717593"/>
+                <a:gd name="connsiteX2" fmla="*/ 211236 w 253298"/>
+                <a:gd name="connsiteY2" fmla="*/ 0 h 717593"/>
+                <a:gd name="connsiteX3" fmla="*/ 185367 w 253298"/>
+                <a:gd name="connsiteY3" fmla="*/ 362271 h 717593"/>
+                <a:gd name="connsiteX4" fmla="*/ 243943 w 253298"/>
+                <a:gd name="connsiteY4" fmla="*/ 717335 h 717593"/>
+                <a:gd name="connsiteX0" fmla="*/ 243943 w 258886"/>
+                <a:gd name="connsiteY0" fmla="*/ 717335 h 717593"/>
+                <a:gd name="connsiteX1" fmla="*/ 31 w 258886"/>
+                <a:gd name="connsiteY1" fmla="*/ 306390 h 717593"/>
+                <a:gd name="connsiteX2" fmla="*/ 211236 w 258886"/>
+                <a:gd name="connsiteY2" fmla="*/ 0 h 717593"/>
+                <a:gd name="connsiteX3" fmla="*/ 229972 w 258886"/>
+                <a:gd name="connsiteY3" fmla="*/ 362274 h 717593"/>
+                <a:gd name="connsiteX4" fmla="*/ 243943 w 258886"/>
+                <a:gd name="connsiteY4" fmla="*/ 717335 h 717593"/>
+                <a:gd name="connsiteX0" fmla="*/ 243943 w 257126"/>
+                <a:gd name="connsiteY0" fmla="*/ 717335 h 717648"/>
+                <a:gd name="connsiteX1" fmla="*/ 31 w 257126"/>
+                <a:gd name="connsiteY1" fmla="*/ 306390 h 717648"/>
+                <a:gd name="connsiteX2" fmla="*/ 211236 w 257126"/>
+                <a:gd name="connsiteY2" fmla="*/ 0 h 717648"/>
+                <a:gd name="connsiteX3" fmla="*/ 229972 w 257126"/>
+                <a:gd name="connsiteY3" fmla="*/ 362274 h 717648"/>
+                <a:gd name="connsiteX4" fmla="*/ 243943 w 257126"/>
+                <a:gd name="connsiteY4" fmla="*/ 717335 h 717648"/>
+                <a:gd name="connsiteX0" fmla="*/ 243943 w 257126"/>
+                <a:gd name="connsiteY0" fmla="*/ 717335 h 717648"/>
+                <a:gd name="connsiteX1" fmla="*/ 31 w 257126"/>
+                <a:gd name="connsiteY1" fmla="*/ 306390 h 717648"/>
+                <a:gd name="connsiteX2" fmla="*/ 211236 w 257126"/>
+                <a:gd name="connsiteY2" fmla="*/ 0 h 717648"/>
+                <a:gd name="connsiteX3" fmla="*/ 229972 w 257126"/>
+                <a:gd name="connsiteY3" fmla="*/ 362274 h 717648"/>
+                <a:gd name="connsiteX4" fmla="*/ 243943 w 257126"/>
+                <a:gd name="connsiteY4" fmla="*/ 717335 h 717648"/>
+                <a:gd name="connsiteX0" fmla="*/ 243943 w 257126"/>
+                <a:gd name="connsiteY0" fmla="*/ 717335 h 717648"/>
+                <a:gd name="connsiteX1" fmla="*/ 31 w 257126"/>
+                <a:gd name="connsiteY1" fmla="*/ 306390 h 717648"/>
+                <a:gd name="connsiteX2" fmla="*/ 211236 w 257126"/>
+                <a:gd name="connsiteY2" fmla="*/ 0 h 717648"/>
+                <a:gd name="connsiteX3" fmla="*/ 229972 w 257126"/>
+                <a:gd name="connsiteY3" fmla="*/ 362274 h 717648"/>
+                <a:gd name="connsiteX4" fmla="*/ 243943 w 257126"/>
+                <a:gd name="connsiteY4" fmla="*/ 717335 h 717648"/>
+                <a:gd name="connsiteX0" fmla="*/ 243943 w 252537"/>
+                <a:gd name="connsiteY0" fmla="*/ 717335 h 717685"/>
+                <a:gd name="connsiteX1" fmla="*/ 31 w 252537"/>
+                <a:gd name="connsiteY1" fmla="*/ 306390 h 717685"/>
+                <a:gd name="connsiteX2" fmla="*/ 211236 w 252537"/>
+                <a:gd name="connsiteY2" fmla="*/ 0 h 717685"/>
+                <a:gd name="connsiteX3" fmla="*/ 185367 w 252537"/>
+                <a:gd name="connsiteY3" fmla="*/ 384576 h 717685"/>
+                <a:gd name="connsiteX4" fmla="*/ 243943 w 252537"/>
+                <a:gd name="connsiteY4" fmla="*/ 717335 h 717685"/>
+                <a:gd name="connsiteX0" fmla="*/ 277396 w 284211"/>
+                <a:gd name="connsiteY0" fmla="*/ 773091 h 773360"/>
+                <a:gd name="connsiteX1" fmla="*/ 31 w 284211"/>
+                <a:gd name="connsiteY1" fmla="*/ 306390 h 773360"/>
+                <a:gd name="connsiteX2" fmla="*/ 211236 w 284211"/>
+                <a:gd name="connsiteY2" fmla="*/ 0 h 773360"/>
+                <a:gd name="connsiteX3" fmla="*/ 185367 w 284211"/>
+                <a:gd name="connsiteY3" fmla="*/ 384576 h 773360"/>
+                <a:gd name="connsiteX4" fmla="*/ 277396 w 284211"/>
+                <a:gd name="connsiteY4" fmla="*/ 773091 h 773360"/>
+                <a:gd name="connsiteX0" fmla="*/ 288545 w 295360"/>
+                <a:gd name="connsiteY0" fmla="*/ 773091 h 773360"/>
+                <a:gd name="connsiteX1" fmla="*/ 28 w 295360"/>
+                <a:gd name="connsiteY1" fmla="*/ 261788 h 773360"/>
+                <a:gd name="connsiteX2" fmla="*/ 222385 w 295360"/>
+                <a:gd name="connsiteY2" fmla="*/ 0 h 773360"/>
+                <a:gd name="connsiteX3" fmla="*/ 196516 w 295360"/>
+                <a:gd name="connsiteY3" fmla="*/ 384576 h 773360"/>
+                <a:gd name="connsiteX4" fmla="*/ 288545 w 295360"/>
+                <a:gd name="connsiteY4" fmla="*/ 773091 h 773360"/>
+              </a:gdLst>
+              <a:ahLst/>
+              <a:cxnLst>
+                <a:cxn ang="0">
+                  <a:pos x="connsiteX0" y="connsiteY0"/>
+                </a:cxn>
+                <a:cxn ang="0">
+                  <a:pos x="connsiteX1" y="connsiteY1"/>
+                </a:cxn>
+                <a:cxn ang="0">
+                  <a:pos x="connsiteX2" y="connsiteY2"/>
+                </a:cxn>
+                <a:cxn ang="0">
+                  <a:pos x="connsiteX3" y="connsiteY3"/>
+                </a:cxn>
+                <a:cxn ang="0">
+                  <a:pos x="connsiteX4" y="connsiteY4"/>
+                </a:cxn>
+              </a:cxnLst>
+              <a:rect l="l" t="t" r="r" b="b"/>
+              <a:pathLst>
+                <a:path w="295360" h="773360">
+                  <a:moveTo>
+                    <a:pt x="288545" y="773091"/>
+                  </a:moveTo>
+                  <a:cubicBezTo>
+                    <a:pt x="161524" y="745799"/>
+                    <a:pt x="1998" y="408786"/>
+                    <a:pt x="28" y="261788"/>
+                  </a:cubicBezTo>
+                  <a:cubicBezTo>
+                    <a:pt x="-1929" y="115786"/>
+                    <a:pt x="97251" y="32688"/>
+                    <a:pt x="222385" y="0"/>
+                  </a:cubicBezTo>
+                  <a:cubicBezTo>
+                    <a:pt x="260708" y="9313"/>
+                    <a:pt x="179914" y="186961"/>
+                    <a:pt x="196516" y="384576"/>
+                  </a:cubicBezTo>
+                  <a:cubicBezTo>
+                    <a:pt x="190816" y="548739"/>
+                    <a:pt x="326868" y="782404"/>
+                    <a:pt x="288545" y="773091"/>
+                  </a:cubicBezTo>
+                  <a:close/>
+                </a:path>
+              </a:pathLst>
+            </a:custGeom>
+            <a:solidFill>
+              <a:schemeClr val="bg1"/>
+            </a:solidFill>
+            <a:ln w="3175">
+              <a:solidFill>
+                <a:schemeClr val="tx1"/>
+              </a:solidFill>
+            </a:ln>
+          </p:spPr>
+          <p:style>
+            <a:lnRef idx="2">
+              <a:schemeClr val="accent1">
+                <a:shade val="50000"/>
+              </a:schemeClr>
+            </a:lnRef>
+            <a:fillRef idx="1">
+              <a:schemeClr val="accent1"/>
+            </a:fillRef>
+            <a:effectRef idx="0">
+              <a:schemeClr val="accent1"/>
+            </a:effectRef>
+            <a:fontRef idx="minor">
+              <a:schemeClr val="lt1"/>
+            </a:fontRef>
+          </p:style>
+          <p:txBody>
+            <a:bodyPr rtlCol="0" anchor="ctr"/>
+            <a:lstStyle/>
+            <a:p>
+              <a:pPr algn="ctr"/>
+              <a:endParaRPr lang="pt-BR"/>
+            </a:p>
+          </p:txBody>
+        </p:sp>
+        <p:sp>
+          <p:nvSpPr>
+            <p:cNvPr id="21" name="Elipse 24">
+              <a:extLst>
+                <a:ext uri="{FF2B5EF4-FFF2-40B4-BE49-F238E27FC236}">
+                  <a16:creationId xmlns:a16="http://schemas.microsoft.com/office/drawing/2014/main" id="{CC5447A6-787E-4C7A-8464-4FA93CF07514}"/>
+                </a:ext>
+              </a:extLst>
+            </p:cNvPr>
             <p:cNvSpPr/>
             <p:nvPr/>
           </p:nvSpPr>
           <p:spPr>
             <a:xfrm>
-              <a:off x="5818222" y="3840273"/>
-              <a:ext cx="145075" cy="158062"/>
+              <a:off x="6937237" y="2590475"/>
+              <a:ext cx="345478" cy="61880"/>
             </a:xfrm>
-            <a:prstGeom prst="ellipse">
+            <a:custGeom>
               <a:avLst/>
-            </a:prstGeom>
+              <a:gdLst/>
+              <a:ahLst/>
+              <a:cxnLst/>
+              <a:rect l="l" t="t" r="r" b="b"/>
+              <a:pathLst>
+                <a:path w="345478" h="123760">
+                  <a:moveTo>
+                    <a:pt x="149373" y="0"/>
+                  </a:moveTo>
+                  <a:cubicBezTo>
+                    <a:pt x="223387" y="0"/>
+                    <a:pt x="291604" y="22521"/>
+                    <a:pt x="345478" y="61406"/>
+                  </a:cubicBezTo>
+                  <a:cubicBezTo>
+                    <a:pt x="271411" y="103662"/>
+                    <a:pt x="146967" y="149386"/>
+                    <a:pt x="69721" y="106644"/>
+                  </a:cubicBezTo>
+                  <a:cubicBezTo>
+                    <a:pt x="39980" y="90187"/>
+                    <a:pt x="16264" y="65229"/>
+                    <a:pt x="0" y="34560"/>
+                  </a:cubicBezTo>
+                  <a:cubicBezTo>
+                    <a:pt x="44252" y="12037"/>
+                    <a:pt x="95264" y="0"/>
+                    <a:pt x="149373" y="0"/>
+                  </a:cubicBezTo>
+                  <a:close/>
+                </a:path>
+              </a:pathLst>
+            </a:custGeom>
             <a:solidFill>
-              <a:schemeClr val="tx1"/>
+              <a:srgbClr val="FF0000">
+                <a:alpha val="47059"/>
+              </a:srgbClr>
             </a:solidFill>
             <a:ln>
               <a:noFill/>
@@ -16259,499 +19963,708 @@
             </a:p>
           </p:txBody>
         </p:sp>
-        <p:sp>
-          <p:nvSpPr>
-            <p:cNvPr id="17" name="Elipse 16"/>
-            <p:cNvSpPr/>
-            <p:nvPr/>
-          </p:nvSpPr>
-          <p:spPr>
-            <a:xfrm rot="21249917">
-              <a:off x="5899189" y="4137833"/>
-              <a:ext cx="219842" cy="207608"/>
-            </a:xfrm>
-            <a:prstGeom prst="ellipse">
-              <a:avLst/>
-            </a:prstGeom>
-            <a:solidFill>
-              <a:srgbClr val="F68B32">
-                <a:alpha val="5882"/>
-              </a:srgbClr>
-            </a:solidFill>
-            <a:ln>
-              <a:noFill/>
-            </a:ln>
-            <a:effectLst>
-              <a:softEdge rad="12700"/>
-            </a:effectLst>
-          </p:spPr>
-          <p:style>
-            <a:lnRef idx="2">
-              <a:schemeClr val="accent1">
-                <a:shade val="50000"/>
-              </a:schemeClr>
-            </a:lnRef>
-            <a:fillRef idx="1">
-              <a:schemeClr val="accent1"/>
-            </a:fillRef>
-            <a:effectRef idx="0">
-              <a:schemeClr val="accent1"/>
-            </a:effectRef>
-            <a:fontRef idx="minor">
-              <a:schemeClr val="lt1"/>
-            </a:fontRef>
-          </p:style>
-          <p:txBody>
-            <a:bodyPr rtlCol="0" anchor="ctr"/>
-            <a:lstStyle/>
-            <a:p>
-              <a:pPr algn="ctr"/>
-              <a:endParaRPr lang="pt-BR"/>
-            </a:p>
-          </p:txBody>
-        </p:sp>
-        <p:grpSp>
-          <p:nvGrpSpPr>
-            <p:cNvPr id="18" name="Grupo 17"/>
-            <p:cNvGrpSpPr/>
-            <p:nvPr/>
-          </p:nvGrpSpPr>
-          <p:grpSpPr>
-            <a:xfrm>
-              <a:off x="5159682" y="3945306"/>
-              <a:ext cx="1052978" cy="592661"/>
-              <a:chOff x="5177522" y="3965056"/>
-              <a:chExt cx="1052978" cy="592661"/>
-            </a:xfrm>
-          </p:grpSpPr>
-          <p:sp>
-            <p:nvSpPr>
-              <p:cNvPr id="19" name="Arco 18"/>
-              <p:cNvSpPr/>
-              <p:nvPr/>
-            </p:nvSpPr>
-            <p:spPr>
-              <a:xfrm rot="7975701">
-                <a:off x="5151860" y="3990718"/>
-                <a:ext cx="369968" cy="318644"/>
-              </a:xfrm>
-              <a:prstGeom prst="arc">
-                <a:avLst>
-                  <a:gd name="adj1" fmla="val 16200000"/>
-                  <a:gd name="adj2" fmla="val 20549042"/>
-                </a:avLst>
-              </a:prstGeom>
-            </p:spPr>
-            <p:style>
-              <a:lnRef idx="1">
-                <a:schemeClr val="dk1"/>
-              </a:lnRef>
-              <a:fillRef idx="0">
-                <a:schemeClr val="dk1"/>
-              </a:fillRef>
-              <a:effectRef idx="0">
-                <a:schemeClr val="dk1"/>
-              </a:effectRef>
-              <a:fontRef idx="minor">
-                <a:schemeClr val="tx1"/>
-              </a:fontRef>
-            </p:style>
-            <p:txBody>
-              <a:bodyPr rtlCol="0" anchor="ctr"/>
-              <a:lstStyle/>
-              <a:p>
-                <a:pPr algn="ctr"/>
-                <a:endParaRPr lang="pt-BR"/>
-              </a:p>
-            </p:txBody>
-          </p:sp>
-          <p:grpSp>
-            <p:nvGrpSpPr>
-              <p:cNvPr id="20" name="Grupo 19"/>
-              <p:cNvGrpSpPr/>
-              <p:nvPr/>
-            </p:nvGrpSpPr>
-            <p:grpSpPr>
-              <a:xfrm>
-                <a:off x="5199136" y="4037433"/>
-                <a:ext cx="1031364" cy="520284"/>
-                <a:chOff x="5199136" y="4037433"/>
-                <a:chExt cx="1031364" cy="520284"/>
-              </a:xfrm>
-            </p:grpSpPr>
-            <p:sp>
-              <p:nvSpPr>
-                <p:cNvPr id="21" name="Arco 20"/>
-                <p:cNvSpPr/>
-                <p:nvPr/>
-              </p:nvSpPr>
-              <p:spPr>
-                <a:xfrm rot="10800000">
-                  <a:off x="5860532" y="4037433"/>
-                  <a:ext cx="369968" cy="318644"/>
-                </a:xfrm>
-                <a:prstGeom prst="arc">
-                  <a:avLst>
-                    <a:gd name="adj1" fmla="val 16200000"/>
-                    <a:gd name="adj2" fmla="val 20549042"/>
-                  </a:avLst>
-                </a:prstGeom>
-              </p:spPr>
-              <p:style>
-                <a:lnRef idx="1">
-                  <a:schemeClr val="dk1"/>
-                </a:lnRef>
-                <a:fillRef idx="0">
-                  <a:schemeClr val="dk1"/>
-                </a:fillRef>
-                <a:effectRef idx="0">
-                  <a:schemeClr val="dk1"/>
-                </a:effectRef>
-                <a:fontRef idx="minor">
-                  <a:schemeClr val="tx1"/>
-                </a:fontRef>
-              </p:style>
-              <p:txBody>
-                <a:bodyPr rtlCol="0" anchor="ctr"/>
-                <a:lstStyle/>
-                <a:p>
-                  <a:pPr algn="ctr"/>
-                  <a:endParaRPr lang="pt-BR"/>
-                </a:p>
-              </p:txBody>
-            </p:sp>
-            <p:grpSp>
-              <p:nvGrpSpPr>
-                <p:cNvPr id="22" name="Grupo 21"/>
-                <p:cNvGrpSpPr/>
-                <p:nvPr/>
-              </p:nvGrpSpPr>
-              <p:grpSpPr>
-                <a:xfrm>
-                  <a:off x="5383498" y="4242964"/>
-                  <a:ext cx="540711" cy="314753"/>
-                  <a:chOff x="4494690" y="3256042"/>
-                  <a:chExt cx="540711" cy="314753"/>
-                </a:xfrm>
-              </p:grpSpPr>
-              <p:sp>
-                <p:nvSpPr>
-                  <p:cNvPr id="24" name="Corda 22"/>
-                  <p:cNvSpPr/>
-                  <p:nvPr/>
-                </p:nvSpPr>
-                <p:spPr>
-                  <a:xfrm rot="17248760">
-                    <a:off x="4607669" y="3143063"/>
-                    <a:ext cx="314753" cy="540711"/>
-                  </a:xfrm>
-                  <a:custGeom>
-                    <a:avLst/>
-                    <a:gdLst>
-                      <a:gd name="connsiteX0" fmla="*/ 500059 w 720080"/>
-                      <a:gd name="connsiteY0" fmla="*/ 760720 h 791889"/>
-                      <a:gd name="connsiteX1" fmla="*/ 108395 w 720080"/>
-                      <a:gd name="connsiteY1" fmla="*/ 679118 h 791889"/>
-                      <a:gd name="connsiteX2" fmla="*/ 9235 w 720080"/>
-                      <a:gd name="connsiteY2" fmla="*/ 306841 h 791889"/>
-                      <a:gd name="connsiteX3" fmla="*/ 270624 w 720080"/>
-                      <a:gd name="connsiteY3" fmla="*/ 12404 h 791889"/>
-                      <a:gd name="connsiteX4" fmla="*/ 500059 w 720080"/>
-                      <a:gd name="connsiteY4" fmla="*/ 760720 h 791889"/>
-                      <a:gd name="connsiteX0" fmla="*/ 559767 w 559767"/>
-                      <a:gd name="connsiteY0" fmla="*/ 748316 h 772842"/>
-                      <a:gd name="connsiteX1" fmla="*/ 168103 w 559767"/>
-                      <a:gd name="connsiteY1" fmla="*/ 666714 h 772842"/>
-                      <a:gd name="connsiteX2" fmla="*/ 4912 w 559767"/>
-                      <a:gd name="connsiteY2" fmla="*/ 283128 h 772842"/>
-                      <a:gd name="connsiteX3" fmla="*/ 330332 w 559767"/>
-                      <a:gd name="connsiteY3" fmla="*/ 0 h 772842"/>
-                      <a:gd name="connsiteX4" fmla="*/ 559767 w 559767"/>
-                      <a:gd name="connsiteY4" fmla="*/ 748316 h 772842"/>
-                      <a:gd name="connsiteX0" fmla="*/ 557456 w 557456"/>
-                      <a:gd name="connsiteY0" fmla="*/ 748316 h 765462"/>
-                      <a:gd name="connsiteX1" fmla="*/ 276361 w 557456"/>
-                      <a:gd name="connsiteY1" fmla="*/ 612447 h 765462"/>
-                      <a:gd name="connsiteX2" fmla="*/ 2601 w 557456"/>
-                      <a:gd name="connsiteY2" fmla="*/ 283128 h 765462"/>
-                      <a:gd name="connsiteX3" fmla="*/ 328021 w 557456"/>
-                      <a:gd name="connsiteY3" fmla="*/ 0 h 765462"/>
-                      <a:gd name="connsiteX4" fmla="*/ 557456 w 557456"/>
-                      <a:gd name="connsiteY4" fmla="*/ 748316 h 765462"/>
-                      <a:gd name="connsiteX0" fmla="*/ 558456 w 558456"/>
-                      <a:gd name="connsiteY0" fmla="*/ 748316 h 771841"/>
-                      <a:gd name="connsiteX1" fmla="*/ 212434 w 558456"/>
-                      <a:gd name="connsiteY1" fmla="*/ 661182 h 771841"/>
-                      <a:gd name="connsiteX2" fmla="*/ 3601 w 558456"/>
-                      <a:gd name="connsiteY2" fmla="*/ 283128 h 771841"/>
-                      <a:gd name="connsiteX3" fmla="*/ 329021 w 558456"/>
-                      <a:gd name="connsiteY3" fmla="*/ 0 h 771841"/>
-                      <a:gd name="connsiteX4" fmla="*/ 558456 w 558456"/>
-                      <a:gd name="connsiteY4" fmla="*/ 748316 h 771841"/>
-                      <a:gd name="connsiteX0" fmla="*/ 558456 w 558456"/>
-                      <a:gd name="connsiteY0" fmla="*/ 748316 h 771841"/>
-                      <a:gd name="connsiteX1" fmla="*/ 212434 w 558456"/>
-                      <a:gd name="connsiteY1" fmla="*/ 661182 h 771841"/>
-                      <a:gd name="connsiteX2" fmla="*/ 3601 w 558456"/>
-                      <a:gd name="connsiteY2" fmla="*/ 283128 h 771841"/>
-                      <a:gd name="connsiteX3" fmla="*/ 329021 w 558456"/>
-                      <a:gd name="connsiteY3" fmla="*/ 0 h 771841"/>
-                      <a:gd name="connsiteX4" fmla="*/ 374523 w 558456"/>
-                      <a:gd name="connsiteY4" fmla="*/ 366939 h 771841"/>
-                      <a:gd name="connsiteX5" fmla="*/ 558456 w 558456"/>
-                      <a:gd name="connsiteY5" fmla="*/ 748316 h 771841"/>
-                    </a:gdLst>
-                    <a:ahLst/>
-                    <a:cxnLst>
-                      <a:cxn ang="0">
-                        <a:pos x="connsiteX0" y="connsiteY0"/>
-                      </a:cxn>
-                      <a:cxn ang="0">
-                        <a:pos x="connsiteX1" y="connsiteY1"/>
-                      </a:cxn>
-                      <a:cxn ang="0">
-                        <a:pos x="connsiteX2" y="connsiteY2"/>
-                      </a:cxn>
-                      <a:cxn ang="0">
-                        <a:pos x="connsiteX3" y="connsiteY3"/>
-                      </a:cxn>
-                      <a:cxn ang="0">
-                        <a:pos x="connsiteX4" y="connsiteY4"/>
-                      </a:cxn>
-                      <a:cxn ang="0">
-                        <a:pos x="connsiteX5" y="connsiteY5"/>
-                      </a:cxn>
-                    </a:cxnLst>
-                    <a:rect l="l" t="t" r="r" b="b"/>
-                    <a:pathLst>
-                      <a:path w="558456" h="771841">
-                        <a:moveTo>
-                          <a:pt x="558456" y="748316"/>
-                        </a:moveTo>
-                        <a:cubicBezTo>
-                          <a:pt x="424871" y="810330"/>
-                          <a:pt x="304910" y="738713"/>
-                          <a:pt x="212434" y="661182"/>
-                        </a:cubicBezTo>
-                        <a:cubicBezTo>
-                          <a:pt x="119958" y="583651"/>
-                          <a:pt x="-24672" y="417747"/>
-                          <a:pt x="3601" y="283128"/>
-                        </a:cubicBezTo>
-                        <a:cubicBezTo>
-                          <a:pt x="33873" y="138989"/>
-                          <a:pt x="198717" y="36739"/>
-                          <a:pt x="329021" y="0"/>
-                        </a:cubicBezTo>
-                        <a:cubicBezTo>
-                          <a:pt x="366345" y="117811"/>
-                          <a:pt x="337199" y="249128"/>
-                          <a:pt x="374523" y="366939"/>
-                        </a:cubicBezTo>
-                        <a:lnTo>
-                          <a:pt x="558456" y="748316"/>
-                        </a:lnTo>
-                        <a:close/>
-                      </a:path>
-                    </a:pathLst>
-                  </a:custGeom>
-                  <a:solidFill>
-                    <a:schemeClr val="bg1"/>
-                  </a:solidFill>
-                  <a:ln w="3175">
-                    <a:solidFill>
-                      <a:schemeClr val="tx1"/>
-                    </a:solidFill>
-                  </a:ln>
-                </p:spPr>
-                <p:style>
-                  <a:lnRef idx="2">
-                    <a:schemeClr val="accent1">
-                      <a:shade val="50000"/>
-                    </a:schemeClr>
-                  </a:lnRef>
-                  <a:fillRef idx="1">
-                    <a:schemeClr val="accent1"/>
-                  </a:fillRef>
-                  <a:effectRef idx="0">
-                    <a:schemeClr val="accent1"/>
-                  </a:effectRef>
-                  <a:fontRef idx="minor">
-                    <a:schemeClr val="lt1"/>
-                  </a:fontRef>
-                </p:style>
-                <p:txBody>
-                  <a:bodyPr rtlCol="0" anchor="ctr"/>
-                  <a:lstStyle/>
-                  <a:p>
-                    <a:pPr algn="ctr"/>
-                    <a:endParaRPr lang="pt-BR"/>
-                  </a:p>
-                </p:txBody>
-              </p:sp>
-              <p:sp>
-                <p:nvSpPr>
-                  <p:cNvPr id="25" name="Elipse 24"/>
-                  <p:cNvSpPr/>
-                  <p:nvPr/>
-                </p:nvSpPr>
-                <p:spPr>
-                  <a:xfrm>
-                    <a:off x="4575975" y="3444013"/>
-                    <a:ext cx="345478" cy="123760"/>
-                  </a:xfrm>
-                  <a:custGeom>
-                    <a:avLst/>
-                    <a:gdLst/>
-                    <a:ahLst/>
-                    <a:cxnLst/>
-                    <a:rect l="l" t="t" r="r" b="b"/>
-                    <a:pathLst>
-                      <a:path w="345478" h="123760">
-                        <a:moveTo>
-                          <a:pt x="149373" y="0"/>
-                        </a:moveTo>
-                        <a:cubicBezTo>
-                          <a:pt x="223387" y="0"/>
-                          <a:pt x="291604" y="22521"/>
-                          <a:pt x="345478" y="61406"/>
-                        </a:cubicBezTo>
-                        <a:cubicBezTo>
-                          <a:pt x="271411" y="103662"/>
-                          <a:pt x="146967" y="149386"/>
-                          <a:pt x="69721" y="106644"/>
-                        </a:cubicBezTo>
-                        <a:cubicBezTo>
-                          <a:pt x="39980" y="90187"/>
-                          <a:pt x="16264" y="65229"/>
-                          <a:pt x="0" y="34560"/>
-                        </a:cubicBezTo>
-                        <a:cubicBezTo>
-                          <a:pt x="44252" y="12037"/>
-                          <a:pt x="95264" y="0"/>
-                          <a:pt x="149373" y="0"/>
-                        </a:cubicBezTo>
-                        <a:close/>
-                      </a:path>
-                    </a:pathLst>
-                  </a:custGeom>
-                  <a:solidFill>
-                    <a:srgbClr val="FF0000">
-                      <a:alpha val="47059"/>
-                    </a:srgbClr>
-                  </a:solidFill>
-                  <a:ln>
-                    <a:noFill/>
-                  </a:ln>
-                </p:spPr>
-                <p:style>
-                  <a:lnRef idx="2">
-                    <a:schemeClr val="accent1">
-                      <a:shade val="50000"/>
-                    </a:schemeClr>
-                  </a:lnRef>
-                  <a:fillRef idx="1">
-                    <a:schemeClr val="accent1"/>
-                  </a:fillRef>
-                  <a:effectRef idx="0">
-                    <a:schemeClr val="accent1"/>
-                  </a:effectRef>
-                  <a:fontRef idx="minor">
-                    <a:schemeClr val="lt1"/>
-                  </a:fontRef>
-                </p:style>
-                <p:txBody>
-                  <a:bodyPr rtlCol="0" anchor="ctr"/>
-                  <a:lstStyle/>
-                  <a:p>
-                    <a:pPr algn="ctr"/>
-                    <a:endParaRPr lang="pt-BR"/>
-                  </a:p>
-                </p:txBody>
-              </p:sp>
-            </p:grpSp>
-            <p:sp>
-              <p:nvSpPr>
-                <p:cNvPr id="23" name="Elipse 22"/>
-                <p:cNvSpPr/>
-                <p:nvPr/>
-              </p:nvSpPr>
-              <p:spPr>
-                <a:xfrm rot="21249917">
-                  <a:off x="5199136" y="4127593"/>
-                  <a:ext cx="219842" cy="207608"/>
-                </a:xfrm>
-                <a:prstGeom prst="ellipse">
-                  <a:avLst/>
-                </a:prstGeom>
+      </p:grpSp>
+      <p:pic>
+        <p:nvPicPr>
+          <p:cNvPr id="22" name="Picture 2" descr="Resultado de imagem para três porquinhos mãe png">
+            <a:extLst>
+              <a:ext uri="{FF2B5EF4-FFF2-40B4-BE49-F238E27FC236}">
+                <a16:creationId xmlns:a16="http://schemas.microsoft.com/office/drawing/2014/main" id="{6A1CB336-2320-4A1F-B953-F4D02E11369E}"/>
+              </a:ext>
+            </a:extLst>
+          </p:cNvPr>
+          <p:cNvPicPr>
+            <a:picLocks noChangeAspect="1" noChangeArrowheads="1"/>
+          </p:cNvPicPr>
+          <p:nvPr/>
+        </p:nvPicPr>
+        <p:blipFill rotWithShape="1">
+          <a:blip r:embed="rId2">
+            <a:extLst>
+              <a:ext uri="{28A0092B-C50C-407E-A947-70E740481C1C}">
+                <a14:useLocalDpi xmlns:a14="http://schemas.microsoft.com/office/drawing/2010/main" val="0"/>
+              </a:ext>
+            </a:extLst>
+          </a:blip>
+          <a:srcRect l="42901" t="39874" r="33415" b="16510"/>
+          <a:stretch/>
+        </p:blipFill>
+        <p:spPr bwMode="auto">
+          <a:xfrm>
+            <a:off x="-756592" y="332656"/>
+            <a:ext cx="3938305" cy="5688663"/>
+          </a:xfrm>
+          <a:prstGeom prst="rect">
+            <a:avLst/>
+          </a:prstGeom>
+          <a:noFill/>
+          <a:extLst>
+            <a:ext uri="{909E8E84-426E-40DD-AFC4-6F175D3DCCD1}">
+              <a14:hiddenFill xmlns:a14="http://schemas.microsoft.com/office/drawing/2010/main">
                 <a:solidFill>
-                  <a:srgbClr val="F68B32">
-                    <a:alpha val="5882"/>
-                  </a:srgbClr>
+                  <a:srgbClr val="FFFFFF"/>
                 </a:solidFill>
-                <a:ln>
-                  <a:noFill/>
-                </a:ln>
-                <a:effectLst>
-                  <a:softEdge rad="12700"/>
-                </a:effectLst>
-              </p:spPr>
-              <p:style>
-                <a:lnRef idx="2">
-                  <a:schemeClr val="accent1">
-                    <a:shade val="50000"/>
-                  </a:schemeClr>
-                </a:lnRef>
-                <a:fillRef idx="1">
-                  <a:schemeClr val="accent1"/>
-                </a:fillRef>
-                <a:effectRef idx="0">
-                  <a:schemeClr val="accent1"/>
-                </a:effectRef>
-                <a:fontRef idx="minor">
-                  <a:schemeClr val="lt1"/>
-                </a:fontRef>
-              </p:style>
-              <p:txBody>
-                <a:bodyPr rtlCol="0" anchor="ctr"/>
-                <a:lstStyle/>
-                <a:p>
-                  <a:pPr algn="ctr"/>
-                  <a:endParaRPr lang="pt-BR"/>
-                </a:p>
-              </p:txBody>
-            </p:sp>
-          </p:grpSp>
-        </p:grpSp>
-      </p:grpSp>
+              </a14:hiddenFill>
+            </a:ext>
+          </a:extLst>
+        </p:spPr>
+      </p:pic>
       <p:sp>
         <p:nvSpPr>
-          <p:cNvPr id="64" name="Retângulo de cantos arredondados 63"/>
+          <p:cNvPr id="23" name="Elipse 22">
+            <a:extLst>
+              <a:ext uri="{FF2B5EF4-FFF2-40B4-BE49-F238E27FC236}">
+                <a16:creationId xmlns:a16="http://schemas.microsoft.com/office/drawing/2014/main" id="{35C39150-01F1-4280-AB85-DBA0CD6B2FE9}"/>
+              </a:ext>
+            </a:extLst>
+          </p:cNvPr>
           <p:cNvSpPr/>
           <p:nvPr/>
         </p:nvSpPr>
         <p:spPr>
           <a:xfrm>
-            <a:off x="5352964" y="2636912"/>
-            <a:ext cx="790158" cy="442368"/>
+            <a:off x="4885501" y="3100555"/>
+            <a:ext cx="1941444" cy="2253328"/>
           </a:xfrm>
-          <a:prstGeom prst="roundRect">
+          <a:custGeom>
             <a:avLst/>
-          </a:prstGeom>
+            <a:gdLst>
+              <a:gd name="connsiteX0" fmla="*/ 0 w 1996890"/>
+              <a:gd name="connsiteY0" fmla="*/ 1105391 h 2210781"/>
+              <a:gd name="connsiteX1" fmla="*/ 998445 w 1996890"/>
+              <a:gd name="connsiteY1" fmla="*/ 0 h 2210781"/>
+              <a:gd name="connsiteX2" fmla="*/ 1996890 w 1996890"/>
+              <a:gd name="connsiteY2" fmla="*/ 1105391 h 2210781"/>
+              <a:gd name="connsiteX3" fmla="*/ 998445 w 1996890"/>
+              <a:gd name="connsiteY3" fmla="*/ 2210782 h 2210781"/>
+              <a:gd name="connsiteX4" fmla="*/ 0 w 1996890"/>
+              <a:gd name="connsiteY4" fmla="*/ 1105391 h 2210781"/>
+              <a:gd name="connsiteX0" fmla="*/ 40644 w 2037534"/>
+              <a:gd name="connsiteY0" fmla="*/ 1151548 h 2256939"/>
+              <a:gd name="connsiteX1" fmla="*/ 276626 w 2037534"/>
+              <a:gd name="connsiteY1" fmla="*/ 301544 h 2256939"/>
+              <a:gd name="connsiteX2" fmla="*/ 1039089 w 2037534"/>
+              <a:gd name="connsiteY2" fmla="*/ 46157 h 2256939"/>
+              <a:gd name="connsiteX3" fmla="*/ 2037534 w 2037534"/>
+              <a:gd name="connsiteY3" fmla="*/ 1151548 h 2256939"/>
+              <a:gd name="connsiteX4" fmla="*/ 1039089 w 2037534"/>
+              <a:gd name="connsiteY4" fmla="*/ 2256939 h 2256939"/>
+              <a:gd name="connsiteX5" fmla="*/ 40644 w 2037534"/>
+              <a:gd name="connsiteY5" fmla="*/ 1151548 h 2256939"/>
+              <a:gd name="connsiteX0" fmla="*/ 40644 w 2067946"/>
+              <a:gd name="connsiteY0" fmla="*/ 1108033 h 2213424"/>
+              <a:gd name="connsiteX1" fmla="*/ 276626 w 2067946"/>
+              <a:gd name="connsiteY1" fmla="*/ 258029 h 2213424"/>
+              <a:gd name="connsiteX2" fmla="*/ 1039089 w 2067946"/>
+              <a:gd name="connsiteY2" fmla="*/ 2642 h 2213424"/>
+              <a:gd name="connsiteX3" fmla="*/ 1756634 w 2067946"/>
+              <a:gd name="connsiteY3" fmla="*/ 192042 h 2213424"/>
+              <a:gd name="connsiteX4" fmla="*/ 2037534 w 2067946"/>
+              <a:gd name="connsiteY4" fmla="*/ 1108033 h 2213424"/>
+              <a:gd name="connsiteX5" fmla="*/ 1039089 w 2067946"/>
+              <a:gd name="connsiteY5" fmla="*/ 2213424 h 2213424"/>
+              <a:gd name="connsiteX6" fmla="*/ 40644 w 2067946"/>
+              <a:gd name="connsiteY6" fmla="*/ 1108033 h 2213424"/>
+              <a:gd name="connsiteX0" fmla="*/ 2801 w 2030103"/>
+              <a:gd name="connsiteY0" fmla="*/ 1108033 h 2279201"/>
+              <a:gd name="connsiteX1" fmla="*/ 238783 w 2030103"/>
+              <a:gd name="connsiteY1" fmla="*/ 258029 h 2279201"/>
+              <a:gd name="connsiteX2" fmla="*/ 1001246 w 2030103"/>
+              <a:gd name="connsiteY2" fmla="*/ 2642 h 2279201"/>
+              <a:gd name="connsiteX3" fmla="*/ 1718791 w 2030103"/>
+              <a:gd name="connsiteY3" fmla="*/ 192042 h 2279201"/>
+              <a:gd name="connsiteX4" fmla="*/ 1999691 w 2030103"/>
+              <a:gd name="connsiteY4" fmla="*/ 1108033 h 2279201"/>
+              <a:gd name="connsiteX5" fmla="*/ 1001246 w 2030103"/>
+              <a:gd name="connsiteY5" fmla="*/ 2213424 h 2279201"/>
+              <a:gd name="connsiteX6" fmla="*/ 172796 w 2030103"/>
+              <a:gd name="connsiteY6" fmla="*/ 2039694 h 2279201"/>
+              <a:gd name="connsiteX7" fmla="*/ 2801 w 2030103"/>
+              <a:gd name="connsiteY7" fmla="*/ 1108033 h 2279201"/>
+              <a:gd name="connsiteX0" fmla="*/ 2801 w 2002322"/>
+              <a:gd name="connsiteY0" fmla="*/ 1108033 h 2243397"/>
+              <a:gd name="connsiteX1" fmla="*/ 238783 w 2002322"/>
+              <a:gd name="connsiteY1" fmla="*/ 258029 h 2243397"/>
+              <a:gd name="connsiteX2" fmla="*/ 1001246 w 2002322"/>
+              <a:gd name="connsiteY2" fmla="*/ 2642 h 2243397"/>
+              <a:gd name="connsiteX3" fmla="*/ 1718791 w 2002322"/>
+              <a:gd name="connsiteY3" fmla="*/ 192042 h 2243397"/>
+              <a:gd name="connsiteX4" fmla="*/ 1999691 w 2002322"/>
+              <a:gd name="connsiteY4" fmla="*/ 1108033 h 2243397"/>
+              <a:gd name="connsiteX5" fmla="*/ 1869620 w 2002322"/>
+              <a:gd name="connsiteY5" fmla="*/ 2124535 h 2243397"/>
+              <a:gd name="connsiteX6" fmla="*/ 1001246 w 2002322"/>
+              <a:gd name="connsiteY6" fmla="*/ 2213424 h 2243397"/>
+              <a:gd name="connsiteX7" fmla="*/ 172796 w 2002322"/>
+              <a:gd name="connsiteY7" fmla="*/ 2039694 h 2243397"/>
+              <a:gd name="connsiteX8" fmla="*/ 2801 w 2002322"/>
+              <a:gd name="connsiteY8" fmla="*/ 1108033 h 2243397"/>
+              <a:gd name="connsiteX0" fmla="*/ 2801 w 1947948"/>
+              <a:gd name="connsiteY0" fmla="*/ 1108033 h 2243397"/>
+              <a:gd name="connsiteX1" fmla="*/ 238783 w 1947948"/>
+              <a:gd name="connsiteY1" fmla="*/ 258029 h 2243397"/>
+              <a:gd name="connsiteX2" fmla="*/ 1001246 w 1947948"/>
+              <a:gd name="connsiteY2" fmla="*/ 2642 h 2243397"/>
+              <a:gd name="connsiteX3" fmla="*/ 1718791 w 1947948"/>
+              <a:gd name="connsiteY3" fmla="*/ 192042 h 2243397"/>
+              <a:gd name="connsiteX4" fmla="*/ 1905423 w 1947948"/>
+              <a:gd name="connsiteY4" fmla="*/ 1117460 h 2243397"/>
+              <a:gd name="connsiteX5" fmla="*/ 1869620 w 1947948"/>
+              <a:gd name="connsiteY5" fmla="*/ 2124535 h 2243397"/>
+              <a:gd name="connsiteX6" fmla="*/ 1001246 w 1947948"/>
+              <a:gd name="connsiteY6" fmla="*/ 2213424 h 2243397"/>
+              <a:gd name="connsiteX7" fmla="*/ 172796 w 1947948"/>
+              <a:gd name="connsiteY7" fmla="*/ 2039694 h 2243397"/>
+              <a:gd name="connsiteX8" fmla="*/ 2801 w 1947948"/>
+              <a:gd name="connsiteY8" fmla="*/ 1108033 h 2243397"/>
+              <a:gd name="connsiteX0" fmla="*/ 38946 w 1870972"/>
+              <a:gd name="connsiteY0" fmla="*/ 1117460 h 2243397"/>
+              <a:gd name="connsiteX1" fmla="*/ 161807 w 1870972"/>
+              <a:gd name="connsiteY1" fmla="*/ 258029 h 2243397"/>
+              <a:gd name="connsiteX2" fmla="*/ 924270 w 1870972"/>
+              <a:gd name="connsiteY2" fmla="*/ 2642 h 2243397"/>
+              <a:gd name="connsiteX3" fmla="*/ 1641815 w 1870972"/>
+              <a:gd name="connsiteY3" fmla="*/ 192042 h 2243397"/>
+              <a:gd name="connsiteX4" fmla="*/ 1828447 w 1870972"/>
+              <a:gd name="connsiteY4" fmla="*/ 1117460 h 2243397"/>
+              <a:gd name="connsiteX5" fmla="*/ 1792644 w 1870972"/>
+              <a:gd name="connsiteY5" fmla="*/ 2124535 h 2243397"/>
+              <a:gd name="connsiteX6" fmla="*/ 924270 w 1870972"/>
+              <a:gd name="connsiteY6" fmla="*/ 2213424 h 2243397"/>
+              <a:gd name="connsiteX7" fmla="*/ 95820 w 1870972"/>
+              <a:gd name="connsiteY7" fmla="*/ 2039694 h 2243397"/>
+              <a:gd name="connsiteX8" fmla="*/ 38946 w 1870972"/>
+              <a:gd name="connsiteY8" fmla="*/ 1117460 h 2243397"/>
+              <a:gd name="connsiteX0" fmla="*/ 38946 w 1870972"/>
+              <a:gd name="connsiteY0" fmla="*/ 1021751 h 2147688"/>
+              <a:gd name="connsiteX1" fmla="*/ 161807 w 1870972"/>
+              <a:gd name="connsiteY1" fmla="*/ 162320 h 2147688"/>
+              <a:gd name="connsiteX2" fmla="*/ 933697 w 1870972"/>
+              <a:gd name="connsiteY2" fmla="*/ 57762 h 2147688"/>
+              <a:gd name="connsiteX3" fmla="*/ 1641815 w 1870972"/>
+              <a:gd name="connsiteY3" fmla="*/ 96333 h 2147688"/>
+              <a:gd name="connsiteX4" fmla="*/ 1828447 w 1870972"/>
+              <a:gd name="connsiteY4" fmla="*/ 1021751 h 2147688"/>
+              <a:gd name="connsiteX5" fmla="*/ 1792644 w 1870972"/>
+              <a:gd name="connsiteY5" fmla="*/ 2028826 h 2147688"/>
+              <a:gd name="connsiteX6" fmla="*/ 924270 w 1870972"/>
+              <a:gd name="connsiteY6" fmla="*/ 2117715 h 2147688"/>
+              <a:gd name="connsiteX7" fmla="*/ 95820 w 1870972"/>
+              <a:gd name="connsiteY7" fmla="*/ 1943985 h 2147688"/>
+              <a:gd name="connsiteX8" fmla="*/ 38946 w 1870972"/>
+              <a:gd name="connsiteY8" fmla="*/ 1021751 h 2147688"/>
+              <a:gd name="connsiteX0" fmla="*/ 38946 w 1870972"/>
+              <a:gd name="connsiteY0" fmla="*/ 1021751 h 2178158"/>
+              <a:gd name="connsiteX1" fmla="*/ 161807 w 1870972"/>
+              <a:gd name="connsiteY1" fmla="*/ 162320 h 2178158"/>
+              <a:gd name="connsiteX2" fmla="*/ 933697 w 1870972"/>
+              <a:gd name="connsiteY2" fmla="*/ 57762 h 2178158"/>
+              <a:gd name="connsiteX3" fmla="*/ 1641815 w 1870972"/>
+              <a:gd name="connsiteY3" fmla="*/ 96333 h 2178158"/>
+              <a:gd name="connsiteX4" fmla="*/ 1828447 w 1870972"/>
+              <a:gd name="connsiteY4" fmla="*/ 1021751 h 2178158"/>
+              <a:gd name="connsiteX5" fmla="*/ 1792644 w 1870972"/>
+              <a:gd name="connsiteY5" fmla="*/ 2028826 h 2178158"/>
+              <a:gd name="connsiteX6" fmla="*/ 924270 w 1870972"/>
+              <a:gd name="connsiteY6" fmla="*/ 2117715 h 2178158"/>
+              <a:gd name="connsiteX7" fmla="*/ 284356 w 1870972"/>
+              <a:gd name="connsiteY7" fmla="*/ 2170228 h 2178158"/>
+              <a:gd name="connsiteX8" fmla="*/ 95820 w 1870972"/>
+              <a:gd name="connsiteY8" fmla="*/ 1943985 h 2178158"/>
+              <a:gd name="connsiteX9" fmla="*/ 38946 w 1870972"/>
+              <a:gd name="connsiteY9" fmla="*/ 1021751 h 2178158"/>
+              <a:gd name="connsiteX0" fmla="*/ 38946 w 1870972"/>
+              <a:gd name="connsiteY0" fmla="*/ 1021751 h 2254247"/>
+              <a:gd name="connsiteX1" fmla="*/ 161807 w 1870972"/>
+              <a:gd name="connsiteY1" fmla="*/ 162320 h 2254247"/>
+              <a:gd name="connsiteX2" fmla="*/ 933697 w 1870972"/>
+              <a:gd name="connsiteY2" fmla="*/ 57762 h 2254247"/>
+              <a:gd name="connsiteX3" fmla="*/ 1641815 w 1870972"/>
+              <a:gd name="connsiteY3" fmla="*/ 96333 h 2254247"/>
+              <a:gd name="connsiteX4" fmla="*/ 1828447 w 1870972"/>
+              <a:gd name="connsiteY4" fmla="*/ 1021751 h 2254247"/>
+              <a:gd name="connsiteX5" fmla="*/ 1792644 w 1870972"/>
+              <a:gd name="connsiteY5" fmla="*/ 2028826 h 2254247"/>
+              <a:gd name="connsiteX6" fmla="*/ 1046818 w 1870972"/>
+              <a:gd name="connsiteY6" fmla="*/ 2249690 h 2254247"/>
+              <a:gd name="connsiteX7" fmla="*/ 284356 w 1870972"/>
+              <a:gd name="connsiteY7" fmla="*/ 2170228 h 2254247"/>
+              <a:gd name="connsiteX8" fmla="*/ 95820 w 1870972"/>
+              <a:gd name="connsiteY8" fmla="*/ 1943985 h 2254247"/>
+              <a:gd name="connsiteX9" fmla="*/ 38946 w 1870972"/>
+              <a:gd name="connsiteY9" fmla="*/ 1021751 h 2254247"/>
+              <a:gd name="connsiteX0" fmla="*/ 38946 w 1929021"/>
+              <a:gd name="connsiteY0" fmla="*/ 1021751 h 2253328"/>
+              <a:gd name="connsiteX1" fmla="*/ 161807 w 1929021"/>
+              <a:gd name="connsiteY1" fmla="*/ 162320 h 2253328"/>
+              <a:gd name="connsiteX2" fmla="*/ 933697 w 1929021"/>
+              <a:gd name="connsiteY2" fmla="*/ 57762 h 2253328"/>
+              <a:gd name="connsiteX3" fmla="*/ 1641815 w 1929021"/>
+              <a:gd name="connsiteY3" fmla="*/ 96333 h 2253328"/>
+              <a:gd name="connsiteX4" fmla="*/ 1828447 w 1929021"/>
+              <a:gd name="connsiteY4" fmla="*/ 1021751 h 2253328"/>
+              <a:gd name="connsiteX5" fmla="*/ 1868058 w 1929021"/>
+              <a:gd name="connsiteY5" fmla="*/ 2047680 h 2253328"/>
+              <a:gd name="connsiteX6" fmla="*/ 1046818 w 1929021"/>
+              <a:gd name="connsiteY6" fmla="*/ 2249690 h 2253328"/>
+              <a:gd name="connsiteX7" fmla="*/ 284356 w 1929021"/>
+              <a:gd name="connsiteY7" fmla="*/ 2170228 h 2253328"/>
+              <a:gd name="connsiteX8" fmla="*/ 95820 w 1929021"/>
+              <a:gd name="connsiteY8" fmla="*/ 1943985 h 2253328"/>
+              <a:gd name="connsiteX9" fmla="*/ 38946 w 1929021"/>
+              <a:gd name="connsiteY9" fmla="*/ 1021751 h 2253328"/>
+              <a:gd name="connsiteX0" fmla="*/ 51369 w 1941444"/>
+              <a:gd name="connsiteY0" fmla="*/ 1021751 h 2253328"/>
+              <a:gd name="connsiteX1" fmla="*/ 174230 w 1941444"/>
+              <a:gd name="connsiteY1" fmla="*/ 162320 h 2253328"/>
+              <a:gd name="connsiteX2" fmla="*/ 946120 w 1941444"/>
+              <a:gd name="connsiteY2" fmla="*/ 57762 h 2253328"/>
+              <a:gd name="connsiteX3" fmla="*/ 1654238 w 1941444"/>
+              <a:gd name="connsiteY3" fmla="*/ 96333 h 2253328"/>
+              <a:gd name="connsiteX4" fmla="*/ 1840870 w 1941444"/>
+              <a:gd name="connsiteY4" fmla="*/ 1021751 h 2253328"/>
+              <a:gd name="connsiteX5" fmla="*/ 1880481 w 1941444"/>
+              <a:gd name="connsiteY5" fmla="*/ 2047680 h 2253328"/>
+              <a:gd name="connsiteX6" fmla="*/ 1059241 w 1941444"/>
+              <a:gd name="connsiteY6" fmla="*/ 2249690 h 2253328"/>
+              <a:gd name="connsiteX7" fmla="*/ 296779 w 1941444"/>
+              <a:gd name="connsiteY7" fmla="*/ 2170228 h 2253328"/>
+              <a:gd name="connsiteX8" fmla="*/ 89389 w 1941444"/>
+              <a:gd name="connsiteY8" fmla="*/ 2009973 h 2253328"/>
+              <a:gd name="connsiteX9" fmla="*/ 51369 w 1941444"/>
+              <a:gd name="connsiteY9" fmla="*/ 1021751 h 2253328"/>
+            </a:gdLst>
+            <a:ahLst/>
+            <a:cxnLst>
+              <a:cxn ang="0">
+                <a:pos x="connsiteX0" y="connsiteY0"/>
+              </a:cxn>
+              <a:cxn ang="0">
+                <a:pos x="connsiteX1" y="connsiteY1"/>
+              </a:cxn>
+              <a:cxn ang="0">
+                <a:pos x="connsiteX2" y="connsiteY2"/>
+              </a:cxn>
+              <a:cxn ang="0">
+                <a:pos x="connsiteX3" y="connsiteY3"/>
+              </a:cxn>
+              <a:cxn ang="0">
+                <a:pos x="connsiteX4" y="connsiteY4"/>
+              </a:cxn>
+              <a:cxn ang="0">
+                <a:pos x="connsiteX5" y="connsiteY5"/>
+              </a:cxn>
+              <a:cxn ang="0">
+                <a:pos x="connsiteX6" y="connsiteY6"/>
+              </a:cxn>
+              <a:cxn ang="0">
+                <a:pos x="connsiteX7" y="connsiteY7"/>
+              </a:cxn>
+              <a:cxn ang="0">
+                <a:pos x="connsiteX8" y="connsiteY8"/>
+              </a:cxn>
+              <a:cxn ang="0">
+                <a:pos x="connsiteX9" y="connsiteY9"/>
+              </a:cxn>
+            </a:cxnLst>
+            <a:rect l="l" t="t" r="r" b="b"/>
+            <a:pathLst>
+              <a:path w="1941444" h="2253328">
+                <a:moveTo>
+                  <a:pt x="51369" y="1021751"/>
+                </a:moveTo>
+                <a:cubicBezTo>
+                  <a:pt x="65509" y="713809"/>
+                  <a:pt x="7823" y="346552"/>
+                  <a:pt x="174230" y="162320"/>
+                </a:cubicBezTo>
+                <a:cubicBezTo>
+                  <a:pt x="340638" y="-21912"/>
+                  <a:pt x="699452" y="68760"/>
+                  <a:pt x="946120" y="57762"/>
+                </a:cubicBezTo>
+                <a:cubicBezTo>
+                  <a:pt x="1192788" y="46764"/>
+                  <a:pt x="1487831" y="-87899"/>
+                  <a:pt x="1654238" y="96333"/>
+                </a:cubicBezTo>
+                <a:cubicBezTo>
+                  <a:pt x="1820646" y="280565"/>
+                  <a:pt x="1864437" y="770370"/>
+                  <a:pt x="1840870" y="1021751"/>
+                </a:cubicBezTo>
+                <a:cubicBezTo>
+                  <a:pt x="1817303" y="1273132"/>
+                  <a:pt x="2046889" y="1863448"/>
+                  <a:pt x="1880481" y="2047680"/>
+                </a:cubicBezTo>
+                <a:cubicBezTo>
+                  <a:pt x="1714074" y="2231912"/>
+                  <a:pt x="1323191" y="2229265"/>
+                  <a:pt x="1059241" y="2249690"/>
+                </a:cubicBezTo>
+                <a:cubicBezTo>
+                  <a:pt x="795291" y="2270115"/>
+                  <a:pt x="434854" y="2199183"/>
+                  <a:pt x="296779" y="2170228"/>
+                </a:cubicBezTo>
+                <a:cubicBezTo>
+                  <a:pt x="158704" y="2141273"/>
+                  <a:pt x="133433" y="2184103"/>
+                  <a:pt x="89389" y="2009973"/>
+                </a:cubicBezTo>
+                <a:cubicBezTo>
+                  <a:pt x="-77018" y="1825741"/>
+                  <a:pt x="37229" y="1329693"/>
+                  <a:pt x="51369" y="1021751"/>
+                </a:cubicBezTo>
+                <a:close/>
+              </a:path>
+            </a:pathLst>
+          </a:custGeom>
           <a:solidFill>
-            <a:schemeClr val="tx2">
-              <a:lumMod val="60000"/>
-              <a:lumOff val="40000"/>
-            </a:schemeClr>
+            <a:srgbClr val="00B0F0"/>
           </a:solidFill>
           <a:ln w="3175"/>
-          <a:effectLst>
-            <a:outerShdw blurRad="50800" dist="38100" dir="8100000" sx="96000" sy="96000" algn="tr" rotWithShape="0">
-              <a:prstClr val="black">
-                <a:alpha val="40000"/>
-              </a:prstClr>
-            </a:outerShdw>
-          </a:effectLst>
+        </p:spPr>
+        <p:style>
+          <a:lnRef idx="2">
+            <a:schemeClr val="accent1">
+              <a:shade val="50000"/>
+            </a:schemeClr>
+          </a:lnRef>
+          <a:fillRef idx="1">
+            <a:schemeClr val="accent1"/>
+          </a:fillRef>
+          <a:effectRef idx="0">
+            <a:schemeClr val="accent1"/>
+          </a:effectRef>
+          <a:fontRef idx="minor">
+            <a:schemeClr val="lt1"/>
+          </a:fontRef>
+        </p:style>
+        <p:txBody>
+          <a:bodyPr rtlCol="0" anchor="ctr"/>
+          <a:lstStyle/>
+          <a:p>
+            <a:pPr algn="ctr"/>
+            <a:endParaRPr lang="pt-BR"/>
+          </a:p>
+        </p:txBody>
+      </p:sp>
+      <p:sp>
+        <p:nvSpPr>
+          <p:cNvPr id="24" name="Elipse 22">
+            <a:extLst>
+              <a:ext uri="{FF2B5EF4-FFF2-40B4-BE49-F238E27FC236}">
+                <a16:creationId xmlns:a16="http://schemas.microsoft.com/office/drawing/2014/main" id="{8D6A1B96-4BD1-43F2-9559-F1E5E13ABF5C}"/>
+              </a:ext>
+            </a:extLst>
+          </p:cNvPr>
+          <p:cNvSpPr/>
+          <p:nvPr/>
+        </p:nvSpPr>
+        <p:spPr>
+          <a:xfrm>
+            <a:off x="7485629" y="170285"/>
+            <a:ext cx="1941444" cy="2253328"/>
+          </a:xfrm>
+          <a:custGeom>
+            <a:avLst/>
+            <a:gdLst>
+              <a:gd name="connsiteX0" fmla="*/ 0 w 1996890"/>
+              <a:gd name="connsiteY0" fmla="*/ 1105391 h 2210781"/>
+              <a:gd name="connsiteX1" fmla="*/ 998445 w 1996890"/>
+              <a:gd name="connsiteY1" fmla="*/ 0 h 2210781"/>
+              <a:gd name="connsiteX2" fmla="*/ 1996890 w 1996890"/>
+              <a:gd name="connsiteY2" fmla="*/ 1105391 h 2210781"/>
+              <a:gd name="connsiteX3" fmla="*/ 998445 w 1996890"/>
+              <a:gd name="connsiteY3" fmla="*/ 2210782 h 2210781"/>
+              <a:gd name="connsiteX4" fmla="*/ 0 w 1996890"/>
+              <a:gd name="connsiteY4" fmla="*/ 1105391 h 2210781"/>
+              <a:gd name="connsiteX0" fmla="*/ 40644 w 2037534"/>
+              <a:gd name="connsiteY0" fmla="*/ 1151548 h 2256939"/>
+              <a:gd name="connsiteX1" fmla="*/ 276626 w 2037534"/>
+              <a:gd name="connsiteY1" fmla="*/ 301544 h 2256939"/>
+              <a:gd name="connsiteX2" fmla="*/ 1039089 w 2037534"/>
+              <a:gd name="connsiteY2" fmla="*/ 46157 h 2256939"/>
+              <a:gd name="connsiteX3" fmla="*/ 2037534 w 2037534"/>
+              <a:gd name="connsiteY3" fmla="*/ 1151548 h 2256939"/>
+              <a:gd name="connsiteX4" fmla="*/ 1039089 w 2037534"/>
+              <a:gd name="connsiteY4" fmla="*/ 2256939 h 2256939"/>
+              <a:gd name="connsiteX5" fmla="*/ 40644 w 2037534"/>
+              <a:gd name="connsiteY5" fmla="*/ 1151548 h 2256939"/>
+              <a:gd name="connsiteX0" fmla="*/ 40644 w 2067946"/>
+              <a:gd name="connsiteY0" fmla="*/ 1108033 h 2213424"/>
+              <a:gd name="connsiteX1" fmla="*/ 276626 w 2067946"/>
+              <a:gd name="connsiteY1" fmla="*/ 258029 h 2213424"/>
+              <a:gd name="connsiteX2" fmla="*/ 1039089 w 2067946"/>
+              <a:gd name="connsiteY2" fmla="*/ 2642 h 2213424"/>
+              <a:gd name="connsiteX3" fmla="*/ 1756634 w 2067946"/>
+              <a:gd name="connsiteY3" fmla="*/ 192042 h 2213424"/>
+              <a:gd name="connsiteX4" fmla="*/ 2037534 w 2067946"/>
+              <a:gd name="connsiteY4" fmla="*/ 1108033 h 2213424"/>
+              <a:gd name="connsiteX5" fmla="*/ 1039089 w 2067946"/>
+              <a:gd name="connsiteY5" fmla="*/ 2213424 h 2213424"/>
+              <a:gd name="connsiteX6" fmla="*/ 40644 w 2067946"/>
+              <a:gd name="connsiteY6" fmla="*/ 1108033 h 2213424"/>
+              <a:gd name="connsiteX0" fmla="*/ 2801 w 2030103"/>
+              <a:gd name="connsiteY0" fmla="*/ 1108033 h 2279201"/>
+              <a:gd name="connsiteX1" fmla="*/ 238783 w 2030103"/>
+              <a:gd name="connsiteY1" fmla="*/ 258029 h 2279201"/>
+              <a:gd name="connsiteX2" fmla="*/ 1001246 w 2030103"/>
+              <a:gd name="connsiteY2" fmla="*/ 2642 h 2279201"/>
+              <a:gd name="connsiteX3" fmla="*/ 1718791 w 2030103"/>
+              <a:gd name="connsiteY3" fmla="*/ 192042 h 2279201"/>
+              <a:gd name="connsiteX4" fmla="*/ 1999691 w 2030103"/>
+              <a:gd name="connsiteY4" fmla="*/ 1108033 h 2279201"/>
+              <a:gd name="connsiteX5" fmla="*/ 1001246 w 2030103"/>
+              <a:gd name="connsiteY5" fmla="*/ 2213424 h 2279201"/>
+              <a:gd name="connsiteX6" fmla="*/ 172796 w 2030103"/>
+              <a:gd name="connsiteY6" fmla="*/ 2039694 h 2279201"/>
+              <a:gd name="connsiteX7" fmla="*/ 2801 w 2030103"/>
+              <a:gd name="connsiteY7" fmla="*/ 1108033 h 2279201"/>
+              <a:gd name="connsiteX0" fmla="*/ 2801 w 2002322"/>
+              <a:gd name="connsiteY0" fmla="*/ 1108033 h 2243397"/>
+              <a:gd name="connsiteX1" fmla="*/ 238783 w 2002322"/>
+              <a:gd name="connsiteY1" fmla="*/ 258029 h 2243397"/>
+              <a:gd name="connsiteX2" fmla="*/ 1001246 w 2002322"/>
+              <a:gd name="connsiteY2" fmla="*/ 2642 h 2243397"/>
+              <a:gd name="connsiteX3" fmla="*/ 1718791 w 2002322"/>
+              <a:gd name="connsiteY3" fmla="*/ 192042 h 2243397"/>
+              <a:gd name="connsiteX4" fmla="*/ 1999691 w 2002322"/>
+              <a:gd name="connsiteY4" fmla="*/ 1108033 h 2243397"/>
+              <a:gd name="connsiteX5" fmla="*/ 1869620 w 2002322"/>
+              <a:gd name="connsiteY5" fmla="*/ 2124535 h 2243397"/>
+              <a:gd name="connsiteX6" fmla="*/ 1001246 w 2002322"/>
+              <a:gd name="connsiteY6" fmla="*/ 2213424 h 2243397"/>
+              <a:gd name="connsiteX7" fmla="*/ 172796 w 2002322"/>
+              <a:gd name="connsiteY7" fmla="*/ 2039694 h 2243397"/>
+              <a:gd name="connsiteX8" fmla="*/ 2801 w 2002322"/>
+              <a:gd name="connsiteY8" fmla="*/ 1108033 h 2243397"/>
+              <a:gd name="connsiteX0" fmla="*/ 2801 w 1947948"/>
+              <a:gd name="connsiteY0" fmla="*/ 1108033 h 2243397"/>
+              <a:gd name="connsiteX1" fmla="*/ 238783 w 1947948"/>
+              <a:gd name="connsiteY1" fmla="*/ 258029 h 2243397"/>
+              <a:gd name="connsiteX2" fmla="*/ 1001246 w 1947948"/>
+              <a:gd name="connsiteY2" fmla="*/ 2642 h 2243397"/>
+              <a:gd name="connsiteX3" fmla="*/ 1718791 w 1947948"/>
+              <a:gd name="connsiteY3" fmla="*/ 192042 h 2243397"/>
+              <a:gd name="connsiteX4" fmla="*/ 1905423 w 1947948"/>
+              <a:gd name="connsiteY4" fmla="*/ 1117460 h 2243397"/>
+              <a:gd name="connsiteX5" fmla="*/ 1869620 w 1947948"/>
+              <a:gd name="connsiteY5" fmla="*/ 2124535 h 2243397"/>
+              <a:gd name="connsiteX6" fmla="*/ 1001246 w 1947948"/>
+              <a:gd name="connsiteY6" fmla="*/ 2213424 h 2243397"/>
+              <a:gd name="connsiteX7" fmla="*/ 172796 w 1947948"/>
+              <a:gd name="connsiteY7" fmla="*/ 2039694 h 2243397"/>
+              <a:gd name="connsiteX8" fmla="*/ 2801 w 1947948"/>
+              <a:gd name="connsiteY8" fmla="*/ 1108033 h 2243397"/>
+              <a:gd name="connsiteX0" fmla="*/ 38946 w 1870972"/>
+              <a:gd name="connsiteY0" fmla="*/ 1117460 h 2243397"/>
+              <a:gd name="connsiteX1" fmla="*/ 161807 w 1870972"/>
+              <a:gd name="connsiteY1" fmla="*/ 258029 h 2243397"/>
+              <a:gd name="connsiteX2" fmla="*/ 924270 w 1870972"/>
+              <a:gd name="connsiteY2" fmla="*/ 2642 h 2243397"/>
+              <a:gd name="connsiteX3" fmla="*/ 1641815 w 1870972"/>
+              <a:gd name="connsiteY3" fmla="*/ 192042 h 2243397"/>
+              <a:gd name="connsiteX4" fmla="*/ 1828447 w 1870972"/>
+              <a:gd name="connsiteY4" fmla="*/ 1117460 h 2243397"/>
+              <a:gd name="connsiteX5" fmla="*/ 1792644 w 1870972"/>
+              <a:gd name="connsiteY5" fmla="*/ 2124535 h 2243397"/>
+              <a:gd name="connsiteX6" fmla="*/ 924270 w 1870972"/>
+              <a:gd name="connsiteY6" fmla="*/ 2213424 h 2243397"/>
+              <a:gd name="connsiteX7" fmla="*/ 95820 w 1870972"/>
+              <a:gd name="connsiteY7" fmla="*/ 2039694 h 2243397"/>
+              <a:gd name="connsiteX8" fmla="*/ 38946 w 1870972"/>
+              <a:gd name="connsiteY8" fmla="*/ 1117460 h 2243397"/>
+              <a:gd name="connsiteX0" fmla="*/ 38946 w 1870972"/>
+              <a:gd name="connsiteY0" fmla="*/ 1021751 h 2147688"/>
+              <a:gd name="connsiteX1" fmla="*/ 161807 w 1870972"/>
+              <a:gd name="connsiteY1" fmla="*/ 162320 h 2147688"/>
+              <a:gd name="connsiteX2" fmla="*/ 933697 w 1870972"/>
+              <a:gd name="connsiteY2" fmla="*/ 57762 h 2147688"/>
+              <a:gd name="connsiteX3" fmla="*/ 1641815 w 1870972"/>
+              <a:gd name="connsiteY3" fmla="*/ 96333 h 2147688"/>
+              <a:gd name="connsiteX4" fmla="*/ 1828447 w 1870972"/>
+              <a:gd name="connsiteY4" fmla="*/ 1021751 h 2147688"/>
+              <a:gd name="connsiteX5" fmla="*/ 1792644 w 1870972"/>
+              <a:gd name="connsiteY5" fmla="*/ 2028826 h 2147688"/>
+              <a:gd name="connsiteX6" fmla="*/ 924270 w 1870972"/>
+              <a:gd name="connsiteY6" fmla="*/ 2117715 h 2147688"/>
+              <a:gd name="connsiteX7" fmla="*/ 95820 w 1870972"/>
+              <a:gd name="connsiteY7" fmla="*/ 1943985 h 2147688"/>
+              <a:gd name="connsiteX8" fmla="*/ 38946 w 1870972"/>
+              <a:gd name="connsiteY8" fmla="*/ 1021751 h 2147688"/>
+              <a:gd name="connsiteX0" fmla="*/ 38946 w 1870972"/>
+              <a:gd name="connsiteY0" fmla="*/ 1021751 h 2178158"/>
+              <a:gd name="connsiteX1" fmla="*/ 161807 w 1870972"/>
+              <a:gd name="connsiteY1" fmla="*/ 162320 h 2178158"/>
+              <a:gd name="connsiteX2" fmla="*/ 933697 w 1870972"/>
+              <a:gd name="connsiteY2" fmla="*/ 57762 h 2178158"/>
+              <a:gd name="connsiteX3" fmla="*/ 1641815 w 1870972"/>
+              <a:gd name="connsiteY3" fmla="*/ 96333 h 2178158"/>
+              <a:gd name="connsiteX4" fmla="*/ 1828447 w 1870972"/>
+              <a:gd name="connsiteY4" fmla="*/ 1021751 h 2178158"/>
+              <a:gd name="connsiteX5" fmla="*/ 1792644 w 1870972"/>
+              <a:gd name="connsiteY5" fmla="*/ 2028826 h 2178158"/>
+              <a:gd name="connsiteX6" fmla="*/ 924270 w 1870972"/>
+              <a:gd name="connsiteY6" fmla="*/ 2117715 h 2178158"/>
+              <a:gd name="connsiteX7" fmla="*/ 284356 w 1870972"/>
+              <a:gd name="connsiteY7" fmla="*/ 2170228 h 2178158"/>
+              <a:gd name="connsiteX8" fmla="*/ 95820 w 1870972"/>
+              <a:gd name="connsiteY8" fmla="*/ 1943985 h 2178158"/>
+              <a:gd name="connsiteX9" fmla="*/ 38946 w 1870972"/>
+              <a:gd name="connsiteY9" fmla="*/ 1021751 h 2178158"/>
+              <a:gd name="connsiteX0" fmla="*/ 38946 w 1870972"/>
+              <a:gd name="connsiteY0" fmla="*/ 1021751 h 2254247"/>
+              <a:gd name="connsiteX1" fmla="*/ 161807 w 1870972"/>
+              <a:gd name="connsiteY1" fmla="*/ 162320 h 2254247"/>
+              <a:gd name="connsiteX2" fmla="*/ 933697 w 1870972"/>
+              <a:gd name="connsiteY2" fmla="*/ 57762 h 2254247"/>
+              <a:gd name="connsiteX3" fmla="*/ 1641815 w 1870972"/>
+              <a:gd name="connsiteY3" fmla="*/ 96333 h 2254247"/>
+              <a:gd name="connsiteX4" fmla="*/ 1828447 w 1870972"/>
+              <a:gd name="connsiteY4" fmla="*/ 1021751 h 2254247"/>
+              <a:gd name="connsiteX5" fmla="*/ 1792644 w 1870972"/>
+              <a:gd name="connsiteY5" fmla="*/ 2028826 h 2254247"/>
+              <a:gd name="connsiteX6" fmla="*/ 1046818 w 1870972"/>
+              <a:gd name="connsiteY6" fmla="*/ 2249690 h 2254247"/>
+              <a:gd name="connsiteX7" fmla="*/ 284356 w 1870972"/>
+              <a:gd name="connsiteY7" fmla="*/ 2170228 h 2254247"/>
+              <a:gd name="connsiteX8" fmla="*/ 95820 w 1870972"/>
+              <a:gd name="connsiteY8" fmla="*/ 1943985 h 2254247"/>
+              <a:gd name="connsiteX9" fmla="*/ 38946 w 1870972"/>
+              <a:gd name="connsiteY9" fmla="*/ 1021751 h 2254247"/>
+              <a:gd name="connsiteX0" fmla="*/ 38946 w 1929021"/>
+              <a:gd name="connsiteY0" fmla="*/ 1021751 h 2253328"/>
+              <a:gd name="connsiteX1" fmla="*/ 161807 w 1929021"/>
+              <a:gd name="connsiteY1" fmla="*/ 162320 h 2253328"/>
+              <a:gd name="connsiteX2" fmla="*/ 933697 w 1929021"/>
+              <a:gd name="connsiteY2" fmla="*/ 57762 h 2253328"/>
+              <a:gd name="connsiteX3" fmla="*/ 1641815 w 1929021"/>
+              <a:gd name="connsiteY3" fmla="*/ 96333 h 2253328"/>
+              <a:gd name="connsiteX4" fmla="*/ 1828447 w 1929021"/>
+              <a:gd name="connsiteY4" fmla="*/ 1021751 h 2253328"/>
+              <a:gd name="connsiteX5" fmla="*/ 1868058 w 1929021"/>
+              <a:gd name="connsiteY5" fmla="*/ 2047680 h 2253328"/>
+              <a:gd name="connsiteX6" fmla="*/ 1046818 w 1929021"/>
+              <a:gd name="connsiteY6" fmla="*/ 2249690 h 2253328"/>
+              <a:gd name="connsiteX7" fmla="*/ 284356 w 1929021"/>
+              <a:gd name="connsiteY7" fmla="*/ 2170228 h 2253328"/>
+              <a:gd name="connsiteX8" fmla="*/ 95820 w 1929021"/>
+              <a:gd name="connsiteY8" fmla="*/ 1943985 h 2253328"/>
+              <a:gd name="connsiteX9" fmla="*/ 38946 w 1929021"/>
+              <a:gd name="connsiteY9" fmla="*/ 1021751 h 2253328"/>
+              <a:gd name="connsiteX0" fmla="*/ 51369 w 1941444"/>
+              <a:gd name="connsiteY0" fmla="*/ 1021751 h 2253328"/>
+              <a:gd name="connsiteX1" fmla="*/ 174230 w 1941444"/>
+              <a:gd name="connsiteY1" fmla="*/ 162320 h 2253328"/>
+              <a:gd name="connsiteX2" fmla="*/ 946120 w 1941444"/>
+              <a:gd name="connsiteY2" fmla="*/ 57762 h 2253328"/>
+              <a:gd name="connsiteX3" fmla="*/ 1654238 w 1941444"/>
+              <a:gd name="connsiteY3" fmla="*/ 96333 h 2253328"/>
+              <a:gd name="connsiteX4" fmla="*/ 1840870 w 1941444"/>
+              <a:gd name="connsiteY4" fmla="*/ 1021751 h 2253328"/>
+              <a:gd name="connsiteX5" fmla="*/ 1880481 w 1941444"/>
+              <a:gd name="connsiteY5" fmla="*/ 2047680 h 2253328"/>
+              <a:gd name="connsiteX6" fmla="*/ 1059241 w 1941444"/>
+              <a:gd name="connsiteY6" fmla="*/ 2249690 h 2253328"/>
+              <a:gd name="connsiteX7" fmla="*/ 296779 w 1941444"/>
+              <a:gd name="connsiteY7" fmla="*/ 2170228 h 2253328"/>
+              <a:gd name="connsiteX8" fmla="*/ 89389 w 1941444"/>
+              <a:gd name="connsiteY8" fmla="*/ 2009973 h 2253328"/>
+              <a:gd name="connsiteX9" fmla="*/ 51369 w 1941444"/>
+              <a:gd name="connsiteY9" fmla="*/ 1021751 h 2253328"/>
+            </a:gdLst>
+            <a:ahLst/>
+            <a:cxnLst>
+              <a:cxn ang="0">
+                <a:pos x="connsiteX0" y="connsiteY0"/>
+              </a:cxn>
+              <a:cxn ang="0">
+                <a:pos x="connsiteX1" y="connsiteY1"/>
+              </a:cxn>
+              <a:cxn ang="0">
+                <a:pos x="connsiteX2" y="connsiteY2"/>
+              </a:cxn>
+              <a:cxn ang="0">
+                <a:pos x="connsiteX3" y="connsiteY3"/>
+              </a:cxn>
+              <a:cxn ang="0">
+                <a:pos x="connsiteX4" y="connsiteY4"/>
+              </a:cxn>
+              <a:cxn ang="0">
+                <a:pos x="connsiteX5" y="connsiteY5"/>
+              </a:cxn>
+              <a:cxn ang="0">
+                <a:pos x="connsiteX6" y="connsiteY6"/>
+              </a:cxn>
+              <a:cxn ang="0">
+                <a:pos x="connsiteX7" y="connsiteY7"/>
+              </a:cxn>
+              <a:cxn ang="0">
+                <a:pos x="connsiteX8" y="connsiteY8"/>
+              </a:cxn>
+              <a:cxn ang="0">
+                <a:pos x="connsiteX9" y="connsiteY9"/>
+              </a:cxn>
+            </a:cxnLst>
+            <a:rect l="l" t="t" r="r" b="b"/>
+            <a:pathLst>
+              <a:path w="1941444" h="2253328">
+                <a:moveTo>
+                  <a:pt x="51369" y="1021751"/>
+                </a:moveTo>
+                <a:cubicBezTo>
+                  <a:pt x="65509" y="713809"/>
+                  <a:pt x="7823" y="346552"/>
+                  <a:pt x="174230" y="162320"/>
+                </a:cubicBezTo>
+                <a:cubicBezTo>
+                  <a:pt x="340638" y="-21912"/>
+                  <a:pt x="699452" y="68760"/>
+                  <a:pt x="946120" y="57762"/>
+                </a:cubicBezTo>
+                <a:cubicBezTo>
+                  <a:pt x="1192788" y="46764"/>
+                  <a:pt x="1487831" y="-87899"/>
+                  <a:pt x="1654238" y="96333"/>
+                </a:cubicBezTo>
+                <a:cubicBezTo>
+                  <a:pt x="1820646" y="280565"/>
+                  <a:pt x="1864437" y="770370"/>
+                  <a:pt x="1840870" y="1021751"/>
+                </a:cubicBezTo>
+                <a:cubicBezTo>
+                  <a:pt x="1817303" y="1273132"/>
+                  <a:pt x="2046889" y="1863448"/>
+                  <a:pt x="1880481" y="2047680"/>
+                </a:cubicBezTo>
+                <a:cubicBezTo>
+                  <a:pt x="1714074" y="2231912"/>
+                  <a:pt x="1323191" y="2229265"/>
+                  <a:pt x="1059241" y="2249690"/>
+                </a:cubicBezTo>
+                <a:cubicBezTo>
+                  <a:pt x="795291" y="2270115"/>
+                  <a:pt x="434854" y="2199183"/>
+                  <a:pt x="296779" y="2170228"/>
+                </a:cubicBezTo>
+                <a:cubicBezTo>
+                  <a:pt x="158704" y="2141273"/>
+                  <a:pt x="133433" y="2184103"/>
+                  <a:pt x="89389" y="2009973"/>
+                </a:cubicBezTo>
+                <a:cubicBezTo>
+                  <a:pt x="-77018" y="1825741"/>
+                  <a:pt x="37229" y="1329693"/>
+                  <a:pt x="51369" y="1021751"/>
+                </a:cubicBezTo>
+                <a:close/>
+              </a:path>
+            </a:pathLst>
+          </a:custGeom>
         </p:spPr>
         <p:style>
           <a:lnRef idx="2">
@@ -16781,7 +20694,7 @@
     </p:spTree>
     <p:extLst>
       <p:ext uri="{BB962C8B-B14F-4D97-AF65-F5344CB8AC3E}">
-        <p14:creationId xmlns:p14="http://schemas.microsoft.com/office/powerpoint/2010/main" val="4259441485"/>
+        <p14:creationId xmlns:p14="http://schemas.microsoft.com/office/powerpoint/2010/main" val="1336890781"/>
       </p:ext>
     </p:extLst>
   </p:cSld>

--- a/Historias/tres porquinhos.pptx
+++ b/Historias/tres porquinhos.pptx
@@ -110,7 +110,7 @@
   </p:defaultTextStyle>
   <p:extLst>
     <p:ext uri="{EFAFB233-063F-42B5-8137-9DF3F51BA10A}">
-      <p15:sldGuideLst xmlns:p15="http://schemas.microsoft.com/office/powerpoint/2012/main">
+      <p15:sldGuideLst xmlns:p15="http://schemas.microsoft.com/office/powerpoint/2012/main" xmlns="">
         <p15:guide id="1" orient="horz" pos="2160">
           <p15:clr>
             <a:srgbClr val="A4A3A4"/>
@@ -306,7 +306,7 @@
           <a:p>
             <a:fld id="{D336D9EC-3F67-47E3-B629-D15E06818C71}" type="datetimeFigureOut">
               <a:rPr lang="pt-BR" smtClean="0"/>
-              <a:t>11/11/2019</a:t>
+              <a:t>12/11/2019</a:t>
             </a:fld>
             <a:endParaRPr lang="pt-BR"/>
           </a:p>
@@ -474,7 +474,7 @@
           <a:p>
             <a:fld id="{D336D9EC-3F67-47E3-B629-D15E06818C71}" type="datetimeFigureOut">
               <a:rPr lang="pt-BR" smtClean="0"/>
-              <a:t>11/11/2019</a:t>
+              <a:t>12/11/2019</a:t>
             </a:fld>
             <a:endParaRPr lang="pt-BR"/>
           </a:p>
@@ -652,7 +652,7 @@
           <a:p>
             <a:fld id="{D336D9EC-3F67-47E3-B629-D15E06818C71}" type="datetimeFigureOut">
               <a:rPr lang="pt-BR" smtClean="0"/>
-              <a:t>11/11/2019</a:t>
+              <a:t>12/11/2019</a:t>
             </a:fld>
             <a:endParaRPr lang="pt-BR"/>
           </a:p>
@@ -820,7 +820,7 @@
           <a:p>
             <a:fld id="{D336D9EC-3F67-47E3-B629-D15E06818C71}" type="datetimeFigureOut">
               <a:rPr lang="pt-BR" smtClean="0"/>
-              <a:t>11/11/2019</a:t>
+              <a:t>12/11/2019</a:t>
             </a:fld>
             <a:endParaRPr lang="pt-BR"/>
           </a:p>
@@ -1065,7 +1065,7 @@
           <a:p>
             <a:fld id="{D336D9EC-3F67-47E3-B629-D15E06818C71}" type="datetimeFigureOut">
               <a:rPr lang="pt-BR" smtClean="0"/>
-              <a:t>11/11/2019</a:t>
+              <a:t>12/11/2019</a:t>
             </a:fld>
             <a:endParaRPr lang="pt-BR"/>
           </a:p>
@@ -1350,7 +1350,7 @@
           <a:p>
             <a:fld id="{D336D9EC-3F67-47E3-B629-D15E06818C71}" type="datetimeFigureOut">
               <a:rPr lang="pt-BR" smtClean="0"/>
-              <a:t>11/11/2019</a:t>
+              <a:t>12/11/2019</a:t>
             </a:fld>
             <a:endParaRPr lang="pt-BR"/>
           </a:p>
@@ -1769,7 +1769,7 @@
           <a:p>
             <a:fld id="{D336D9EC-3F67-47E3-B629-D15E06818C71}" type="datetimeFigureOut">
               <a:rPr lang="pt-BR" smtClean="0"/>
-              <a:t>11/11/2019</a:t>
+              <a:t>12/11/2019</a:t>
             </a:fld>
             <a:endParaRPr lang="pt-BR"/>
           </a:p>
@@ -1886,7 +1886,7 @@
           <a:p>
             <a:fld id="{D336D9EC-3F67-47E3-B629-D15E06818C71}" type="datetimeFigureOut">
               <a:rPr lang="pt-BR" smtClean="0"/>
-              <a:t>11/11/2019</a:t>
+              <a:t>12/11/2019</a:t>
             </a:fld>
             <a:endParaRPr lang="pt-BR"/>
           </a:p>
@@ -1981,7 +1981,7 @@
           <a:p>
             <a:fld id="{D336D9EC-3F67-47E3-B629-D15E06818C71}" type="datetimeFigureOut">
               <a:rPr lang="pt-BR" smtClean="0"/>
-              <a:t>11/11/2019</a:t>
+              <a:t>12/11/2019</a:t>
             </a:fld>
             <a:endParaRPr lang="pt-BR"/>
           </a:p>
@@ -2256,7 +2256,7 @@
           <a:p>
             <a:fld id="{D336D9EC-3F67-47E3-B629-D15E06818C71}" type="datetimeFigureOut">
               <a:rPr lang="pt-BR" smtClean="0"/>
-              <a:t>11/11/2019</a:t>
+              <a:t>12/11/2019</a:t>
             </a:fld>
             <a:endParaRPr lang="pt-BR"/>
           </a:p>
@@ -2508,7 +2508,7 @@
           <a:p>
             <a:fld id="{D336D9EC-3F67-47E3-B629-D15E06818C71}" type="datetimeFigureOut">
               <a:rPr lang="pt-BR" smtClean="0"/>
-              <a:t>11/11/2019</a:t>
+              <a:t>12/11/2019</a:t>
             </a:fld>
             <a:endParaRPr lang="pt-BR"/>
           </a:p>
@@ -2719,7 +2719,7 @@
           <a:p>
             <a:fld id="{D336D9EC-3F67-47E3-B629-D15E06818C71}" type="datetimeFigureOut">
               <a:rPr lang="pt-BR" smtClean="0"/>
-              <a:t>11/11/2019</a:t>
+              <a:t>12/11/2019</a:t>
             </a:fld>
             <a:endParaRPr lang="pt-BR"/>
           </a:p>
@@ -11777,7 +11777,9 @@
             </a:solidFill>
             <a:ln w="3175">
               <a:solidFill>
-                <a:schemeClr val="tx1"/>
+                <a:schemeClr val="accent3">
+                  <a:lumMod val="75000"/>
+                </a:schemeClr>
               </a:solidFill>
             </a:ln>
           </p:spPr>
@@ -14129,7 +14131,9 @@
               </a:pathLst>
             </a:custGeom>
             <a:solidFill>
-              <a:srgbClr val="4F6228"/>
+              <a:schemeClr val="accent3">
+                <a:lumMod val="75000"/>
+              </a:schemeClr>
             </a:solidFill>
             <a:ln>
               <a:noFill/>
@@ -14238,7 +14242,7 @@
           <p:cNvPr id="62" name="Agrupar 61">
             <a:extLst>
               <a:ext uri="{FF2B5EF4-FFF2-40B4-BE49-F238E27FC236}">
-                <a16:creationId xmlns:a16="http://schemas.microsoft.com/office/drawing/2014/main" id="{5D984498-FC7D-4899-BC7E-51CBF2E93738}"/>
+                <a16:creationId xmlns:a16="http://schemas.microsoft.com/office/drawing/2014/main" xmlns="" id="{5D984498-FC7D-4899-BC7E-51CBF2E93738}"/>
               </a:ext>
             </a:extLst>
           </p:cNvPr>
@@ -14247,8 +14251,8 @@
         </p:nvGrpSpPr>
         <p:grpSpPr>
           <a:xfrm>
-            <a:off x="4071871" y="421054"/>
-            <a:ext cx="3262791" cy="4210747"/>
+            <a:off x="4322415" y="1111662"/>
+            <a:ext cx="2826315" cy="3682513"/>
             <a:chOff x="4071871" y="421054"/>
             <a:chExt cx="3262791" cy="4210747"/>
           </a:xfrm>
@@ -14258,7 +14262,7 @@
             <p:cNvPr id="51" name="Agrupar 50">
               <a:extLst>
                 <a:ext uri="{FF2B5EF4-FFF2-40B4-BE49-F238E27FC236}">
-                  <a16:creationId xmlns:a16="http://schemas.microsoft.com/office/drawing/2014/main" id="{824E9E39-0B47-4280-86A6-1ED98930824C}"/>
+                  <a16:creationId xmlns:a16="http://schemas.microsoft.com/office/drawing/2014/main" xmlns="" id="{824E9E39-0B47-4280-86A6-1ED98930824C}"/>
                 </a:ext>
               </a:extLst>
             </p:cNvPr>
@@ -14278,7 +14282,7 @@
               <p:cNvPr id="53" name="Elipse 116">
                 <a:extLst>
                   <a:ext uri="{FF2B5EF4-FFF2-40B4-BE49-F238E27FC236}">
-                    <a16:creationId xmlns:a16="http://schemas.microsoft.com/office/drawing/2014/main" id="{7BDF9AD9-EAE3-46C8-8943-D0E9040DDC23}"/>
+                    <a16:creationId xmlns:a16="http://schemas.microsoft.com/office/drawing/2014/main" xmlns="" id="{7BDF9AD9-EAE3-46C8-8943-D0E9040DDC23}"/>
                   </a:ext>
                 </a:extLst>
               </p:cNvPr>
@@ -14402,7 +14406,7 @@
               <p:cNvPr id="54" name="Elipse 117">
                 <a:extLst>
                   <a:ext uri="{FF2B5EF4-FFF2-40B4-BE49-F238E27FC236}">
-                    <a16:creationId xmlns:a16="http://schemas.microsoft.com/office/drawing/2014/main" id="{32C5DEB8-FBDC-4AEA-92F8-BF891ADE9FFD}"/>
+                    <a16:creationId xmlns:a16="http://schemas.microsoft.com/office/drawing/2014/main" xmlns="" id="{32C5DEB8-FBDC-4AEA-92F8-BF891ADE9FFD}"/>
                   </a:ext>
                 </a:extLst>
               </p:cNvPr>
@@ -14543,7 +14547,7 @@
               <p:cNvPr id="55" name="Elipse 117">
                 <a:extLst>
                   <a:ext uri="{FF2B5EF4-FFF2-40B4-BE49-F238E27FC236}">
-                    <a16:creationId xmlns:a16="http://schemas.microsoft.com/office/drawing/2014/main" id="{3D89E07B-FDD2-4AA1-8254-4495A4E5F84E}"/>
+                    <a16:creationId xmlns:a16="http://schemas.microsoft.com/office/drawing/2014/main" xmlns="" id="{3D89E07B-FDD2-4AA1-8254-4495A4E5F84E}"/>
                   </a:ext>
                 </a:extLst>
               </p:cNvPr>
@@ -14684,7 +14688,7 @@
               <p:cNvPr id="56" name="Elipse 133">
                 <a:extLst>
                   <a:ext uri="{FF2B5EF4-FFF2-40B4-BE49-F238E27FC236}">
-                    <a16:creationId xmlns:a16="http://schemas.microsoft.com/office/drawing/2014/main" id="{EEB69653-16DA-40E1-9C01-28ED6759440A}"/>
+                    <a16:creationId xmlns:a16="http://schemas.microsoft.com/office/drawing/2014/main" xmlns="" id="{EEB69653-16DA-40E1-9C01-28ED6759440A}"/>
                   </a:ext>
                 </a:extLst>
               </p:cNvPr>
@@ -14801,7 +14805,7 @@
             <p:cNvPr id="59" name="Forma Livre: Forma 58">
               <a:extLst>
                 <a:ext uri="{FF2B5EF4-FFF2-40B4-BE49-F238E27FC236}">
-                  <a16:creationId xmlns:a16="http://schemas.microsoft.com/office/drawing/2014/main" id="{0946D8FC-2700-4A9E-8AA7-BF319667256B}"/>
+                  <a16:creationId xmlns:a16="http://schemas.microsoft.com/office/drawing/2014/main" xmlns="" id="{0946D8FC-2700-4A9E-8AA7-BF319667256B}"/>
                 </a:ext>
               </a:extLst>
             </p:cNvPr>
@@ -14994,7 +14998,7 @@
             <p:cNvPr id="39" name="Agrupar 38">
               <a:extLst>
                 <a:ext uri="{FF2B5EF4-FFF2-40B4-BE49-F238E27FC236}">
-                  <a16:creationId xmlns:a16="http://schemas.microsoft.com/office/drawing/2014/main" id="{E68C5C5E-A38A-47FD-86CC-61055B611B61}"/>
+                  <a16:creationId xmlns:a16="http://schemas.microsoft.com/office/drawing/2014/main" xmlns="" id="{E68C5C5E-A38A-47FD-86CC-61055B611B61}"/>
                 </a:ext>
               </a:extLst>
             </p:cNvPr>
@@ -15014,7 +15018,7 @@
               <p:cNvPr id="40" name="Elipse 43">
                 <a:extLst>
                   <a:ext uri="{FF2B5EF4-FFF2-40B4-BE49-F238E27FC236}">
-                    <a16:creationId xmlns:a16="http://schemas.microsoft.com/office/drawing/2014/main" id="{457E14C2-BF01-40B9-ABD6-2579EB19006F}"/>
+                    <a16:creationId xmlns:a16="http://schemas.microsoft.com/office/drawing/2014/main" xmlns="" id="{457E14C2-BF01-40B9-ABD6-2579EB19006F}"/>
                   </a:ext>
                 </a:extLst>
               </p:cNvPr>
@@ -15120,7 +15124,7 @@
               <p:cNvPr id="41" name="Elipse 46">
                 <a:extLst>
                   <a:ext uri="{FF2B5EF4-FFF2-40B4-BE49-F238E27FC236}">
-                    <a16:creationId xmlns:a16="http://schemas.microsoft.com/office/drawing/2014/main" id="{3C9E2C56-1EDD-4EFB-809F-90DC34FAD1D4}"/>
+                    <a16:creationId xmlns:a16="http://schemas.microsoft.com/office/drawing/2014/main" xmlns="" id="{3C9E2C56-1EDD-4EFB-809F-90DC34FAD1D4}"/>
                   </a:ext>
                 </a:extLst>
               </p:cNvPr>
@@ -15212,7 +15216,7 @@
             <p:cNvPr id="2" name="Agrupar 1">
               <a:extLst>
                 <a:ext uri="{FF2B5EF4-FFF2-40B4-BE49-F238E27FC236}">
-                  <a16:creationId xmlns:a16="http://schemas.microsoft.com/office/drawing/2014/main" id="{99B4D8CC-BFC8-4103-B2F0-B5F2388DEF27}"/>
+                  <a16:creationId xmlns:a16="http://schemas.microsoft.com/office/drawing/2014/main" xmlns="" id="{99B4D8CC-BFC8-4103-B2F0-B5F2388DEF27}"/>
                 </a:ext>
               </a:extLst>
             </p:cNvPr>
@@ -15232,7 +15236,7 @@
               <p:cNvPr id="35" name="Elipse 43">
                 <a:extLst>
                   <a:ext uri="{FF2B5EF4-FFF2-40B4-BE49-F238E27FC236}">
-                    <a16:creationId xmlns:a16="http://schemas.microsoft.com/office/drawing/2014/main" id="{E5C3F526-7D57-485C-85FA-7587DE098649}"/>
+                    <a16:creationId xmlns:a16="http://schemas.microsoft.com/office/drawing/2014/main" xmlns="" id="{E5C3F526-7D57-485C-85FA-7587DE098649}"/>
                   </a:ext>
                 </a:extLst>
               </p:cNvPr>
@@ -15338,7 +15342,7 @@
               <p:cNvPr id="37" name="Elipse 46">
                 <a:extLst>
                   <a:ext uri="{FF2B5EF4-FFF2-40B4-BE49-F238E27FC236}">
-                    <a16:creationId xmlns:a16="http://schemas.microsoft.com/office/drawing/2014/main" id="{DA7C420B-9997-45E9-B404-6ADAF98B426F}"/>
+                    <a16:creationId xmlns:a16="http://schemas.microsoft.com/office/drawing/2014/main" xmlns="" id="{DA7C420B-9997-45E9-B404-6ADAF98B426F}"/>
                   </a:ext>
                 </a:extLst>
               </p:cNvPr>
@@ -17920,7 +17924,7 @@
             <p:cNvPr id="32" name="Retângulo 31">
               <a:extLst>
                 <a:ext uri="{FF2B5EF4-FFF2-40B4-BE49-F238E27FC236}">
-                  <a16:creationId xmlns:a16="http://schemas.microsoft.com/office/drawing/2014/main" id="{03140D65-DBC3-4637-8157-EFA39B98D863}"/>
+                  <a16:creationId xmlns:a16="http://schemas.microsoft.com/office/drawing/2014/main" xmlns="" id="{03140D65-DBC3-4637-8157-EFA39B98D863}"/>
                 </a:ext>
               </a:extLst>
             </p:cNvPr>
@@ -17972,7 +17976,7 @@
             <p:cNvPr id="61" name="Forma Livre: Forma 60">
               <a:extLst>
                 <a:ext uri="{FF2B5EF4-FFF2-40B4-BE49-F238E27FC236}">
-                  <a16:creationId xmlns:a16="http://schemas.microsoft.com/office/drawing/2014/main" id="{EB78032F-3609-4DBD-9C69-3B24C3A3934B}"/>
+                  <a16:creationId xmlns:a16="http://schemas.microsoft.com/office/drawing/2014/main" xmlns="" id="{EB78032F-3609-4DBD-9C69-3B24C3A3934B}"/>
                 </a:ext>
               </a:extLst>
             </p:cNvPr>
@@ -18233,7 +18237,7 @@
             <p:cNvPr id="30" name="Fluxograma: Atraso 29">
               <a:extLst>
                 <a:ext uri="{FF2B5EF4-FFF2-40B4-BE49-F238E27FC236}">
-                  <a16:creationId xmlns:a16="http://schemas.microsoft.com/office/drawing/2014/main" id="{854F30C1-4A0A-41E5-BF36-79F849A87774}"/>
+                  <a16:creationId xmlns:a16="http://schemas.microsoft.com/office/drawing/2014/main" xmlns="" id="{854F30C1-4A0A-41E5-BF36-79F849A87774}"/>
                 </a:ext>
               </a:extLst>
             </p:cNvPr>
@@ -18315,10 +18319,595 @@
       </p:grpSpPr>
       <p:grpSp>
         <p:nvGrpSpPr>
+          <p:cNvPr id="68" name="Grupo 67"/>
+          <p:cNvGrpSpPr/>
+          <p:nvPr/>
+        </p:nvGrpSpPr>
+        <p:grpSpPr>
+          <a:xfrm flipH="1">
+            <a:off x="5171942" y="5243442"/>
+            <a:ext cx="496449" cy="842690"/>
+            <a:chOff x="7750663" y="5445224"/>
+            <a:chExt cx="496449" cy="842690"/>
+          </a:xfrm>
+        </p:grpSpPr>
+        <p:sp>
+          <p:nvSpPr>
+            <p:cNvPr id="69" name="Elipse 43">
+              <a:extLst>
+                <a:ext uri="{FF2B5EF4-FFF2-40B4-BE49-F238E27FC236}">
+                  <a16:creationId xmlns:a16="http://schemas.microsoft.com/office/drawing/2014/main" xmlns="" id="{E5C3F526-7D57-485C-85FA-7587DE098649}"/>
+                </a:ext>
+              </a:extLst>
+            </p:cNvPr>
+            <p:cNvSpPr/>
+            <p:nvPr/>
+          </p:nvSpPr>
+          <p:spPr>
+            <a:xfrm>
+              <a:off x="7750663" y="5445224"/>
+              <a:ext cx="486138" cy="839713"/>
+            </a:xfrm>
+            <a:custGeom>
+              <a:avLst/>
+              <a:gdLst/>
+              <a:ahLst/>
+              <a:cxnLst/>
+              <a:rect l="l" t="t" r="r" b="b"/>
+              <a:pathLst>
+                <a:path w="561214" h="960165">
+                  <a:moveTo>
+                    <a:pt x="57584" y="0"/>
+                  </a:moveTo>
+                  <a:lnTo>
+                    <a:pt x="287916" y="0"/>
+                  </a:lnTo>
+                  <a:cubicBezTo>
+                    <a:pt x="319719" y="0"/>
+                    <a:pt x="345500" y="25781"/>
+                    <a:pt x="345500" y="57584"/>
+                  </a:cubicBezTo>
+                  <a:lnTo>
+                    <a:pt x="345500" y="633275"/>
+                  </a:lnTo>
+                  <a:cubicBezTo>
+                    <a:pt x="469208" y="646874"/>
+                    <a:pt x="561214" y="713446"/>
+                    <a:pt x="561214" y="792995"/>
+                  </a:cubicBezTo>
+                  <a:cubicBezTo>
+                    <a:pt x="561214" y="885320"/>
+                    <a:pt x="437281" y="960165"/>
+                    <a:pt x="284401" y="960165"/>
+                  </a:cubicBezTo>
+                  <a:cubicBezTo>
+                    <a:pt x="131521" y="960165"/>
+                    <a:pt x="7588" y="885320"/>
+                    <a:pt x="7588" y="792995"/>
+                  </a:cubicBezTo>
+                  <a:lnTo>
+                    <a:pt x="11623" y="768822"/>
+                  </a:lnTo>
+                  <a:cubicBezTo>
+                    <a:pt x="3994" y="759983"/>
+                    <a:pt x="0" y="748398"/>
+                    <a:pt x="0" y="735880"/>
+                  </a:cubicBezTo>
+                  <a:lnTo>
+                    <a:pt x="0" y="57584"/>
+                  </a:lnTo>
+                  <a:cubicBezTo>
+                    <a:pt x="0" y="25781"/>
+                    <a:pt x="25781" y="0"/>
+                    <a:pt x="57584" y="0"/>
+                  </a:cubicBezTo>
+                  <a:close/>
+                </a:path>
+              </a:pathLst>
+            </a:custGeom>
+            <a:solidFill>
+              <a:srgbClr val="FCC7A6"/>
+            </a:solidFill>
+            <a:ln w="3175">
+              <a:noFill/>
+            </a:ln>
+          </p:spPr>
+          <p:style>
+            <a:lnRef idx="2">
+              <a:schemeClr val="accent1">
+                <a:shade val="50000"/>
+              </a:schemeClr>
+            </a:lnRef>
+            <a:fillRef idx="1">
+              <a:schemeClr val="accent1"/>
+            </a:fillRef>
+            <a:effectRef idx="0">
+              <a:schemeClr val="accent1"/>
+            </a:effectRef>
+            <a:fontRef idx="minor">
+              <a:schemeClr val="lt1"/>
+            </a:fontRef>
+          </p:style>
+          <p:txBody>
+            <a:bodyPr rtlCol="0" anchor="ctr"/>
+            <a:lstStyle/>
+            <a:p>
+              <a:pPr algn="ctr"/>
+              <a:endParaRPr lang="pt-BR" dirty="0"/>
+            </a:p>
+          </p:txBody>
+        </p:sp>
+        <p:sp>
+          <p:nvSpPr>
+            <p:cNvPr id="70" name="Elipse 46">
+              <a:extLst>
+                <a:ext uri="{FF2B5EF4-FFF2-40B4-BE49-F238E27FC236}">
+                  <a16:creationId xmlns:a16="http://schemas.microsoft.com/office/drawing/2014/main" xmlns="" id="{DA7C420B-9997-45E9-B404-6ADAF98B426F}"/>
+                </a:ext>
+              </a:extLst>
+            </p:cNvPr>
+            <p:cNvSpPr/>
+            <p:nvPr/>
+          </p:nvSpPr>
+          <p:spPr>
+            <a:xfrm>
+              <a:off x="7770128" y="6002747"/>
+              <a:ext cx="476984" cy="285167"/>
+            </a:xfrm>
+            <a:custGeom>
+              <a:avLst/>
+              <a:gdLst/>
+              <a:ahLst/>
+              <a:cxnLst/>
+              <a:rect l="l" t="t" r="r" b="b"/>
+              <a:pathLst>
+                <a:path w="550646" h="326072">
+                  <a:moveTo>
+                    <a:pt x="341646" y="0"/>
+                  </a:moveTo>
+                  <a:cubicBezTo>
+                    <a:pt x="461980" y="15225"/>
+                    <a:pt x="550646" y="80810"/>
+                    <a:pt x="550646" y="158902"/>
+                  </a:cubicBezTo>
+                  <a:cubicBezTo>
+                    <a:pt x="550646" y="251227"/>
+                    <a:pt x="426713" y="326072"/>
+                    <a:pt x="273833" y="326072"/>
+                  </a:cubicBezTo>
+                  <a:cubicBezTo>
+                    <a:pt x="131078" y="326072"/>
+                    <a:pt x="13562" y="260812"/>
+                    <a:pt x="0" y="176753"/>
+                  </a:cubicBezTo>
+                  <a:cubicBezTo>
+                    <a:pt x="50962" y="181241"/>
+                    <a:pt x="109139" y="170116"/>
+                    <a:pt x="166850" y="145479"/>
+                  </a:cubicBezTo>
+                  <a:cubicBezTo>
+                    <a:pt x="248486" y="110629"/>
+                    <a:pt x="311241" y="56406"/>
+                    <a:pt x="341646" y="0"/>
+                  </a:cubicBezTo>
+                  <a:close/>
+                </a:path>
+              </a:pathLst>
+            </a:custGeom>
+            <a:solidFill>
+              <a:srgbClr val="8B3535"/>
+            </a:solidFill>
+            <a:ln>
+              <a:solidFill>
+                <a:srgbClr val="8B3535"/>
+              </a:solidFill>
+            </a:ln>
+          </p:spPr>
+          <p:style>
+            <a:lnRef idx="2">
+              <a:schemeClr val="accent1">
+                <a:shade val="50000"/>
+              </a:schemeClr>
+            </a:lnRef>
+            <a:fillRef idx="1">
+              <a:schemeClr val="accent1"/>
+            </a:fillRef>
+            <a:effectRef idx="0">
+              <a:schemeClr val="accent1"/>
+            </a:effectRef>
+            <a:fontRef idx="minor">
+              <a:schemeClr val="lt1"/>
+            </a:fontRef>
+          </p:style>
+          <p:txBody>
+            <a:bodyPr rtlCol="0" anchor="ctr"/>
+            <a:lstStyle/>
+            <a:p>
+              <a:pPr algn="ctr"/>
+              <a:endParaRPr lang="pt-BR" dirty="0"/>
+            </a:p>
+          </p:txBody>
+        </p:sp>
+      </p:grpSp>
+      <p:grpSp>
+        <p:nvGrpSpPr>
+          <p:cNvPr id="67" name="Grupo 66"/>
+          <p:cNvGrpSpPr/>
+          <p:nvPr/>
+        </p:nvGrpSpPr>
+        <p:grpSpPr>
+          <a:xfrm flipH="1">
+            <a:off x="5966149" y="5227274"/>
+            <a:ext cx="496449" cy="842690"/>
+            <a:chOff x="7750663" y="5445224"/>
+            <a:chExt cx="496449" cy="842690"/>
+          </a:xfrm>
+        </p:grpSpPr>
+        <p:sp>
+          <p:nvSpPr>
+            <p:cNvPr id="65" name="Elipse 43">
+              <a:extLst>
+                <a:ext uri="{FF2B5EF4-FFF2-40B4-BE49-F238E27FC236}">
+                  <a16:creationId xmlns:a16="http://schemas.microsoft.com/office/drawing/2014/main" xmlns="" id="{E5C3F526-7D57-485C-85FA-7587DE098649}"/>
+                </a:ext>
+              </a:extLst>
+            </p:cNvPr>
+            <p:cNvSpPr/>
+            <p:nvPr/>
+          </p:nvSpPr>
+          <p:spPr>
+            <a:xfrm>
+              <a:off x="7750663" y="5445224"/>
+              <a:ext cx="486138" cy="839713"/>
+            </a:xfrm>
+            <a:custGeom>
+              <a:avLst/>
+              <a:gdLst/>
+              <a:ahLst/>
+              <a:cxnLst/>
+              <a:rect l="l" t="t" r="r" b="b"/>
+              <a:pathLst>
+                <a:path w="561214" h="960165">
+                  <a:moveTo>
+                    <a:pt x="57584" y="0"/>
+                  </a:moveTo>
+                  <a:lnTo>
+                    <a:pt x="287916" y="0"/>
+                  </a:lnTo>
+                  <a:cubicBezTo>
+                    <a:pt x="319719" y="0"/>
+                    <a:pt x="345500" y="25781"/>
+                    <a:pt x="345500" y="57584"/>
+                  </a:cubicBezTo>
+                  <a:lnTo>
+                    <a:pt x="345500" y="633275"/>
+                  </a:lnTo>
+                  <a:cubicBezTo>
+                    <a:pt x="469208" y="646874"/>
+                    <a:pt x="561214" y="713446"/>
+                    <a:pt x="561214" y="792995"/>
+                  </a:cubicBezTo>
+                  <a:cubicBezTo>
+                    <a:pt x="561214" y="885320"/>
+                    <a:pt x="437281" y="960165"/>
+                    <a:pt x="284401" y="960165"/>
+                  </a:cubicBezTo>
+                  <a:cubicBezTo>
+                    <a:pt x="131521" y="960165"/>
+                    <a:pt x="7588" y="885320"/>
+                    <a:pt x="7588" y="792995"/>
+                  </a:cubicBezTo>
+                  <a:lnTo>
+                    <a:pt x="11623" y="768822"/>
+                  </a:lnTo>
+                  <a:cubicBezTo>
+                    <a:pt x="3994" y="759983"/>
+                    <a:pt x="0" y="748398"/>
+                    <a:pt x="0" y="735880"/>
+                  </a:cubicBezTo>
+                  <a:lnTo>
+                    <a:pt x="0" y="57584"/>
+                  </a:lnTo>
+                  <a:cubicBezTo>
+                    <a:pt x="0" y="25781"/>
+                    <a:pt x="25781" y="0"/>
+                    <a:pt x="57584" y="0"/>
+                  </a:cubicBezTo>
+                  <a:close/>
+                </a:path>
+              </a:pathLst>
+            </a:custGeom>
+            <a:solidFill>
+              <a:srgbClr val="FCC7A6"/>
+            </a:solidFill>
+            <a:ln w="3175">
+              <a:noFill/>
+            </a:ln>
+          </p:spPr>
+          <p:style>
+            <a:lnRef idx="2">
+              <a:schemeClr val="accent1">
+                <a:shade val="50000"/>
+              </a:schemeClr>
+            </a:lnRef>
+            <a:fillRef idx="1">
+              <a:schemeClr val="accent1"/>
+            </a:fillRef>
+            <a:effectRef idx="0">
+              <a:schemeClr val="accent1"/>
+            </a:effectRef>
+            <a:fontRef idx="minor">
+              <a:schemeClr val="lt1"/>
+            </a:fontRef>
+          </p:style>
+          <p:txBody>
+            <a:bodyPr rtlCol="0" anchor="ctr"/>
+            <a:lstStyle/>
+            <a:p>
+              <a:pPr algn="ctr"/>
+              <a:endParaRPr lang="pt-BR" dirty="0"/>
+            </a:p>
+          </p:txBody>
+        </p:sp>
+        <p:sp>
+          <p:nvSpPr>
+            <p:cNvPr id="66" name="Elipse 46">
+              <a:extLst>
+                <a:ext uri="{FF2B5EF4-FFF2-40B4-BE49-F238E27FC236}">
+                  <a16:creationId xmlns:a16="http://schemas.microsoft.com/office/drawing/2014/main" xmlns="" id="{DA7C420B-9997-45E9-B404-6ADAF98B426F}"/>
+                </a:ext>
+              </a:extLst>
+            </p:cNvPr>
+            <p:cNvSpPr/>
+            <p:nvPr/>
+          </p:nvSpPr>
+          <p:spPr>
+            <a:xfrm>
+              <a:off x="7770128" y="6002747"/>
+              <a:ext cx="476984" cy="285167"/>
+            </a:xfrm>
+            <a:custGeom>
+              <a:avLst/>
+              <a:gdLst/>
+              <a:ahLst/>
+              <a:cxnLst/>
+              <a:rect l="l" t="t" r="r" b="b"/>
+              <a:pathLst>
+                <a:path w="550646" h="326072">
+                  <a:moveTo>
+                    <a:pt x="341646" y="0"/>
+                  </a:moveTo>
+                  <a:cubicBezTo>
+                    <a:pt x="461980" y="15225"/>
+                    <a:pt x="550646" y="80810"/>
+                    <a:pt x="550646" y="158902"/>
+                  </a:cubicBezTo>
+                  <a:cubicBezTo>
+                    <a:pt x="550646" y="251227"/>
+                    <a:pt x="426713" y="326072"/>
+                    <a:pt x="273833" y="326072"/>
+                  </a:cubicBezTo>
+                  <a:cubicBezTo>
+                    <a:pt x="131078" y="326072"/>
+                    <a:pt x="13562" y="260812"/>
+                    <a:pt x="0" y="176753"/>
+                  </a:cubicBezTo>
+                  <a:cubicBezTo>
+                    <a:pt x="50962" y="181241"/>
+                    <a:pt x="109139" y="170116"/>
+                    <a:pt x="166850" y="145479"/>
+                  </a:cubicBezTo>
+                  <a:cubicBezTo>
+                    <a:pt x="248486" y="110629"/>
+                    <a:pt x="311241" y="56406"/>
+                    <a:pt x="341646" y="0"/>
+                  </a:cubicBezTo>
+                  <a:close/>
+                </a:path>
+              </a:pathLst>
+            </a:custGeom>
+            <a:solidFill>
+              <a:srgbClr val="8B3535"/>
+            </a:solidFill>
+            <a:ln>
+              <a:solidFill>
+                <a:srgbClr val="8B3535"/>
+              </a:solidFill>
+            </a:ln>
+          </p:spPr>
+          <p:style>
+            <a:lnRef idx="2">
+              <a:schemeClr val="accent1">
+                <a:shade val="50000"/>
+              </a:schemeClr>
+            </a:lnRef>
+            <a:fillRef idx="1">
+              <a:schemeClr val="accent1"/>
+            </a:fillRef>
+            <a:effectRef idx="0">
+              <a:schemeClr val="accent1"/>
+            </a:effectRef>
+            <a:fontRef idx="minor">
+              <a:schemeClr val="lt1"/>
+            </a:fontRef>
+          </p:style>
+          <p:txBody>
+            <a:bodyPr rtlCol="0" anchor="ctr"/>
+            <a:lstStyle/>
+            <a:p>
+              <a:pPr algn="ctr"/>
+              <a:endParaRPr lang="pt-BR" dirty="0"/>
+            </a:p>
+          </p:txBody>
+        </p:sp>
+      </p:grpSp>
+      <p:sp>
+        <p:nvSpPr>
+          <p:cNvPr id="55" name="Elipse 54"/>
+          <p:cNvSpPr/>
+          <p:nvPr/>
+        </p:nvSpPr>
+        <p:spPr>
+          <a:xfrm rot="2432806">
+            <a:off x="3824013" y="3006300"/>
+            <a:ext cx="1211375" cy="565303"/>
+          </a:xfrm>
+          <a:custGeom>
+            <a:avLst/>
+            <a:gdLst/>
+            <a:ahLst/>
+            <a:cxnLst/>
+            <a:rect l="l" t="t" r="r" b="b"/>
+            <a:pathLst>
+              <a:path w="1211375" h="565303">
+                <a:moveTo>
+                  <a:pt x="32253" y="5502"/>
+                </a:moveTo>
+                <a:cubicBezTo>
+                  <a:pt x="84893" y="-22560"/>
+                  <a:pt x="183420" y="59462"/>
+                  <a:pt x="252318" y="188703"/>
+                </a:cubicBezTo>
+                <a:lnTo>
+                  <a:pt x="273764" y="238356"/>
+                </a:lnTo>
+                <a:cubicBezTo>
+                  <a:pt x="321816" y="247231"/>
+                  <a:pt x="371801" y="265147"/>
+                  <a:pt x="433166" y="265721"/>
+                </a:cubicBezTo>
+                <a:cubicBezTo>
+                  <a:pt x="528395" y="266612"/>
+                  <a:pt x="568562" y="225348"/>
+                  <a:pt x="766346" y="238815"/>
+                </a:cubicBezTo>
+                <a:cubicBezTo>
+                  <a:pt x="839060" y="243767"/>
+                  <a:pt x="963744" y="252698"/>
+                  <a:pt x="1096004" y="264599"/>
+                </a:cubicBezTo>
+                <a:lnTo>
+                  <a:pt x="1021538" y="328304"/>
+                </a:lnTo>
+                <a:lnTo>
+                  <a:pt x="1211375" y="550209"/>
+                </a:lnTo>
+                <a:cubicBezTo>
+                  <a:pt x="1077167" y="571473"/>
+                  <a:pt x="903151" y="566880"/>
+                  <a:pt x="766347" y="557035"/>
+                </a:cubicBezTo>
+                <a:cubicBezTo>
+                  <a:pt x="617472" y="546320"/>
+                  <a:pt x="490946" y="507954"/>
+                  <a:pt x="352931" y="481436"/>
+                </a:cubicBezTo>
+                <a:lnTo>
+                  <a:pt x="288816" y="467177"/>
+                </a:lnTo>
+                <a:cubicBezTo>
+                  <a:pt x="287209" y="470232"/>
+                  <a:pt x="284576" y="472023"/>
+                  <a:pt x="281754" y="473527"/>
+                </a:cubicBezTo>
+                <a:cubicBezTo>
+                  <a:pt x="229114" y="501589"/>
+                  <a:pt x="130587" y="419567"/>
+                  <a:pt x="61689" y="290326"/>
+                </a:cubicBezTo>
+                <a:cubicBezTo>
+                  <a:pt x="-7209" y="161084"/>
+                  <a:pt x="-20388" y="33564"/>
+                  <a:pt x="32253" y="5502"/>
+                </a:cubicBezTo>
+                <a:close/>
+              </a:path>
+            </a:pathLst>
+          </a:custGeom>
+          <a:solidFill>
+            <a:srgbClr val="FCC7A6"/>
+          </a:solidFill>
+          <a:ln>
+            <a:noFill/>
+          </a:ln>
+        </p:spPr>
+        <p:style>
+          <a:lnRef idx="2">
+            <a:schemeClr val="accent1">
+              <a:shade val="50000"/>
+            </a:schemeClr>
+          </a:lnRef>
+          <a:fillRef idx="1">
+            <a:schemeClr val="accent1"/>
+          </a:fillRef>
+          <a:effectRef idx="0">
+            <a:schemeClr val="accent1"/>
+          </a:effectRef>
+          <a:fontRef idx="minor">
+            <a:schemeClr val="lt1"/>
+          </a:fontRef>
+        </p:style>
+        <p:txBody>
+          <a:bodyPr rtlCol="0" anchor="ctr"/>
+          <a:lstStyle/>
+          <a:p>
+            <a:pPr algn="ctr"/>
+            <a:endParaRPr lang="pt-BR"/>
+          </a:p>
+        </p:txBody>
+      </p:sp>
+      <p:sp>
+        <p:nvSpPr>
+          <p:cNvPr id="2" name="Retângulo 1"/>
+          <p:cNvSpPr/>
+          <p:nvPr/>
+        </p:nvSpPr>
+        <p:spPr>
+          <a:xfrm>
+            <a:off x="5543790" y="3021202"/>
+            <a:ext cx="660144" cy="407798"/>
+          </a:xfrm>
+          <a:prstGeom prst="rect">
+            <a:avLst/>
+          </a:prstGeom>
+          <a:solidFill>
+            <a:srgbClr val="FBBD97"/>
+          </a:solidFill>
+          <a:ln>
+            <a:noFill/>
+          </a:ln>
+        </p:spPr>
+        <p:style>
+          <a:lnRef idx="2">
+            <a:schemeClr val="accent1">
+              <a:shade val="50000"/>
+            </a:schemeClr>
+          </a:lnRef>
+          <a:fillRef idx="1">
+            <a:schemeClr val="accent1"/>
+          </a:fillRef>
+          <a:effectRef idx="0">
+            <a:schemeClr val="accent1"/>
+          </a:effectRef>
+          <a:fontRef idx="minor">
+            <a:schemeClr val="lt1"/>
+          </a:fontRef>
+        </p:style>
+        <p:txBody>
+          <a:bodyPr rtlCol="0" anchor="ctr"/>
+          <a:lstStyle/>
+          <a:p>
+            <a:pPr algn="ctr"/>
+            <a:endParaRPr lang="pt-BR"/>
+          </a:p>
+        </p:txBody>
+      </p:sp>
+      <p:grpSp>
+        <p:nvGrpSpPr>
           <p:cNvPr id="4" name="Grupo 82">
             <a:extLst>
               <a:ext uri="{FF2B5EF4-FFF2-40B4-BE49-F238E27FC236}">
-                <a16:creationId xmlns:a16="http://schemas.microsoft.com/office/drawing/2014/main" id="{0BDD41EA-A715-4844-96E3-BA65CBD327C7}"/>
+                <a16:creationId xmlns:a16="http://schemas.microsoft.com/office/drawing/2014/main" xmlns="" id="{0BDD41EA-A715-4844-96E3-BA65CBD327C7}"/>
               </a:ext>
             </a:extLst>
           </p:cNvPr>
@@ -18338,7 +18927,7 @@
             <p:cNvPr id="5" name="Fluxograma: Mesclar 6">
               <a:extLst>
                 <a:ext uri="{FF2B5EF4-FFF2-40B4-BE49-F238E27FC236}">
-                  <a16:creationId xmlns:a16="http://schemas.microsoft.com/office/drawing/2014/main" id="{A206EF05-244C-48C2-B985-C816ABB62ADF}"/>
+                  <a16:creationId xmlns:a16="http://schemas.microsoft.com/office/drawing/2014/main" xmlns="" id="{A206EF05-244C-48C2-B985-C816ABB62ADF}"/>
                 </a:ext>
               </a:extLst>
             </p:cNvPr>
@@ -18517,7 +19106,7 @@
             <p:cNvPr id="6" name="Elipse 4">
               <a:extLst>
                 <a:ext uri="{FF2B5EF4-FFF2-40B4-BE49-F238E27FC236}">
-                  <a16:creationId xmlns:a16="http://schemas.microsoft.com/office/drawing/2014/main" id="{2887A61B-7CC2-49D1-9578-CCD6B8C4EEC9}"/>
+                  <a16:creationId xmlns:a16="http://schemas.microsoft.com/office/drawing/2014/main" xmlns="" id="{2887A61B-7CC2-49D1-9578-CCD6B8C4EEC9}"/>
                 </a:ext>
               </a:extLst>
             </p:cNvPr>
@@ -18670,7 +19259,7 @@
             <p:cNvPr id="7" name="Fluxograma: Mesclar 6">
               <a:extLst>
                 <a:ext uri="{FF2B5EF4-FFF2-40B4-BE49-F238E27FC236}">
-                  <a16:creationId xmlns:a16="http://schemas.microsoft.com/office/drawing/2014/main" id="{37ECF033-55C1-4059-9D91-4866B0EBECF0}"/>
+                  <a16:creationId xmlns:a16="http://schemas.microsoft.com/office/drawing/2014/main" xmlns="" id="{37ECF033-55C1-4059-9D91-4866B0EBECF0}"/>
                 </a:ext>
               </a:extLst>
             </p:cNvPr>
@@ -18849,7 +19438,7 @@
             <p:cNvPr id="8" name="Elipse 12">
               <a:extLst>
                 <a:ext uri="{FF2B5EF4-FFF2-40B4-BE49-F238E27FC236}">
-                  <a16:creationId xmlns:a16="http://schemas.microsoft.com/office/drawing/2014/main" id="{C956D3EC-EA9D-415F-BB8F-765E449F82FE}"/>
+                  <a16:creationId xmlns:a16="http://schemas.microsoft.com/office/drawing/2014/main" xmlns="" id="{C956D3EC-EA9D-415F-BB8F-765E449F82FE}"/>
                 </a:ext>
               </a:extLst>
             </p:cNvPr>
@@ -18945,7 +19534,7 @@
             <p:cNvPr id="9" name="Elipse 12">
               <a:extLst>
                 <a:ext uri="{FF2B5EF4-FFF2-40B4-BE49-F238E27FC236}">
-                  <a16:creationId xmlns:a16="http://schemas.microsoft.com/office/drawing/2014/main" id="{23F9F329-50E5-4A73-B3C5-A1C5A31961A6}"/>
+                  <a16:creationId xmlns:a16="http://schemas.microsoft.com/office/drawing/2014/main" xmlns="" id="{23F9F329-50E5-4A73-B3C5-A1C5A31961A6}"/>
                 </a:ext>
               </a:extLst>
             </p:cNvPr>
@@ -19041,7 +19630,7 @@
             <p:cNvPr id="10" name="Elipse 9">
               <a:extLst>
                 <a:ext uri="{FF2B5EF4-FFF2-40B4-BE49-F238E27FC236}">
-                  <a16:creationId xmlns:a16="http://schemas.microsoft.com/office/drawing/2014/main" id="{6A285E23-5F7B-4CD5-9E96-73B144B0DF59}"/>
+                  <a16:creationId xmlns:a16="http://schemas.microsoft.com/office/drawing/2014/main" xmlns="" id="{6A285E23-5F7B-4CD5-9E96-73B144B0DF59}"/>
                 </a:ext>
               </a:extLst>
             </p:cNvPr>
@@ -19093,7 +19682,7 @@
             <p:cNvPr id="11" name="Elipse 10">
               <a:extLst>
                 <a:ext uri="{FF2B5EF4-FFF2-40B4-BE49-F238E27FC236}">
-                  <a16:creationId xmlns:a16="http://schemas.microsoft.com/office/drawing/2014/main" id="{AB377D01-7C10-44FB-99F0-EA74C56C3148}"/>
+                  <a16:creationId xmlns:a16="http://schemas.microsoft.com/office/drawing/2014/main" xmlns="" id="{AB377D01-7C10-44FB-99F0-EA74C56C3148}"/>
                 </a:ext>
               </a:extLst>
             </p:cNvPr>
@@ -19145,7 +19734,7 @@
             <p:cNvPr id="12" name="Arco 11">
               <a:extLst>
                 <a:ext uri="{FF2B5EF4-FFF2-40B4-BE49-F238E27FC236}">
-                  <a16:creationId xmlns:a16="http://schemas.microsoft.com/office/drawing/2014/main" id="{86DCCEA9-D8D8-4A2F-A605-FD2FF081616E}"/>
+                  <a16:creationId xmlns:a16="http://schemas.microsoft.com/office/drawing/2014/main" xmlns="" id="{86DCCEA9-D8D8-4A2F-A605-FD2FF081616E}"/>
                 </a:ext>
               </a:extLst>
             </p:cNvPr>
@@ -19192,7 +19781,7 @@
             <p:cNvPr id="13" name="Arco 12">
               <a:extLst>
                 <a:ext uri="{FF2B5EF4-FFF2-40B4-BE49-F238E27FC236}">
-                  <a16:creationId xmlns:a16="http://schemas.microsoft.com/office/drawing/2014/main" id="{7A143C64-2C75-4CB3-8CBA-6319BDD66FB4}"/>
+                  <a16:creationId xmlns:a16="http://schemas.microsoft.com/office/drawing/2014/main" xmlns="" id="{7A143C64-2C75-4CB3-8CBA-6319BDD66FB4}"/>
                 </a:ext>
               </a:extLst>
             </p:cNvPr>
@@ -19239,7 +19828,7 @@
             <p:cNvPr id="14" name="Elipse 19">
               <a:extLst>
                 <a:ext uri="{FF2B5EF4-FFF2-40B4-BE49-F238E27FC236}">
-                  <a16:creationId xmlns:a16="http://schemas.microsoft.com/office/drawing/2014/main" id="{B8DCA2E0-37C8-498F-9712-7307456B76A3}"/>
+                  <a16:creationId xmlns:a16="http://schemas.microsoft.com/office/drawing/2014/main" xmlns="" id="{B8DCA2E0-37C8-498F-9712-7307456B76A3}"/>
                 </a:ext>
               </a:extLst>
             </p:cNvPr>
@@ -19416,7 +20005,7 @@
             <p:cNvPr id="15" name="Elipse 14">
               <a:extLst>
                 <a:ext uri="{FF2B5EF4-FFF2-40B4-BE49-F238E27FC236}">
-                  <a16:creationId xmlns:a16="http://schemas.microsoft.com/office/drawing/2014/main" id="{CEBD4BB7-7E4E-4A2F-9F9E-6641D131605D}"/>
+                  <a16:creationId xmlns:a16="http://schemas.microsoft.com/office/drawing/2014/main" xmlns="" id="{CEBD4BB7-7E4E-4A2F-9F9E-6641D131605D}"/>
                 </a:ext>
               </a:extLst>
             </p:cNvPr>
@@ -19468,7 +20057,7 @@
             <p:cNvPr id="16" name="Elipse 15">
               <a:extLst>
                 <a:ext uri="{FF2B5EF4-FFF2-40B4-BE49-F238E27FC236}">
-                  <a16:creationId xmlns:a16="http://schemas.microsoft.com/office/drawing/2014/main" id="{CD579F17-4BB8-479B-AACA-E637FE878852}"/>
+                  <a16:creationId xmlns:a16="http://schemas.microsoft.com/office/drawing/2014/main" xmlns="" id="{CD579F17-4BB8-479B-AACA-E637FE878852}"/>
                 </a:ext>
               </a:extLst>
             </p:cNvPr>
@@ -19520,7 +20109,7 @@
             <p:cNvPr id="17" name="Arco 16">
               <a:extLst>
                 <a:ext uri="{FF2B5EF4-FFF2-40B4-BE49-F238E27FC236}">
-                  <a16:creationId xmlns:a16="http://schemas.microsoft.com/office/drawing/2014/main" id="{D6929DCA-07AA-4883-A004-F4A3FDAB8975}"/>
+                  <a16:creationId xmlns:a16="http://schemas.microsoft.com/office/drawing/2014/main" xmlns="" id="{D6929DCA-07AA-4883-A004-F4A3FDAB8975}"/>
                 </a:ext>
               </a:extLst>
             </p:cNvPr>
@@ -19567,7 +20156,7 @@
             <p:cNvPr id="18" name="Elipse 17">
               <a:extLst>
                 <a:ext uri="{FF2B5EF4-FFF2-40B4-BE49-F238E27FC236}">
-                  <a16:creationId xmlns:a16="http://schemas.microsoft.com/office/drawing/2014/main" id="{7D9D710F-E4BF-4B24-BB86-B2148970C34A}"/>
+                  <a16:creationId xmlns:a16="http://schemas.microsoft.com/office/drawing/2014/main" xmlns="" id="{7D9D710F-E4BF-4B24-BB86-B2148970C34A}"/>
                 </a:ext>
               </a:extLst>
             </p:cNvPr>
@@ -19621,7 +20210,7 @@
             <p:cNvPr id="19" name="Elipse 18">
               <a:extLst>
                 <a:ext uri="{FF2B5EF4-FFF2-40B4-BE49-F238E27FC236}">
-                  <a16:creationId xmlns:a16="http://schemas.microsoft.com/office/drawing/2014/main" id="{00FB1617-3CCC-4599-8D57-D032F364F295}"/>
+                  <a16:creationId xmlns:a16="http://schemas.microsoft.com/office/drawing/2014/main" xmlns="" id="{00FB1617-3CCC-4599-8D57-D032F364F295}"/>
                 </a:ext>
               </a:extLst>
             </p:cNvPr>
@@ -19675,7 +20264,7 @@
             <p:cNvPr id="20" name="Corda 80">
               <a:extLst>
                 <a:ext uri="{FF2B5EF4-FFF2-40B4-BE49-F238E27FC236}">
-                  <a16:creationId xmlns:a16="http://schemas.microsoft.com/office/drawing/2014/main" id="{F35E0D93-4619-41DE-B9F3-8C717BA56858}"/>
+                  <a16:creationId xmlns:a16="http://schemas.microsoft.com/office/drawing/2014/main" xmlns="" id="{F35E0D93-4619-41DE-B9F3-8C717BA56858}"/>
                 </a:ext>
               </a:extLst>
             </p:cNvPr>
@@ -19882,7 +20471,7 @@
             <p:cNvPr id="21" name="Elipse 24">
               <a:extLst>
                 <a:ext uri="{FF2B5EF4-FFF2-40B4-BE49-F238E27FC236}">
-                  <a16:creationId xmlns:a16="http://schemas.microsoft.com/office/drawing/2014/main" id="{CC5447A6-787E-4C7A-8464-4FA93CF07514}"/>
+                  <a16:creationId xmlns:a16="http://schemas.microsoft.com/office/drawing/2014/main" xmlns="" id="{CC5447A6-787E-4C7A-8464-4FA93CF07514}"/>
                 </a:ext>
               </a:extLst>
             </p:cNvPr>
@@ -19969,7 +20558,7 @@
           <p:cNvPr id="22" name="Picture 2" descr="Resultado de imagem para três porquinhos mãe png">
             <a:extLst>
               <a:ext uri="{FF2B5EF4-FFF2-40B4-BE49-F238E27FC236}">
-                <a16:creationId xmlns:a16="http://schemas.microsoft.com/office/drawing/2014/main" id="{6A1CB336-2320-4A1F-B953-F4D02E11369E}"/>
+                <a16:creationId xmlns:a16="http://schemas.microsoft.com/office/drawing/2014/main" xmlns="" id="{6A1CB336-2320-4A1F-B953-F4D02E11369E}"/>
               </a:ext>
             </a:extLst>
           </p:cNvPr>
@@ -20014,7 +20603,7 @@
           <p:cNvPr id="23" name="Elipse 22">
             <a:extLst>
               <a:ext uri="{FF2B5EF4-FFF2-40B4-BE49-F238E27FC236}">
-                <a16:creationId xmlns:a16="http://schemas.microsoft.com/office/drawing/2014/main" id="{35C39150-01F1-4280-AB85-DBA0CD6B2FE9}"/>
+                <a16:creationId xmlns:a16="http://schemas.microsoft.com/office/drawing/2014/main" xmlns="" id="{35C39150-01F1-4280-AB85-DBA0CD6B2FE9}"/>
               </a:ext>
             </a:extLst>
           </p:cNvPr>
@@ -20023,300 +20612,114 @@
         </p:nvSpPr>
         <p:spPr>
           <a:xfrm>
-            <a:off x="4885501" y="3100555"/>
-            <a:ext cx="1941444" cy="2253328"/>
+            <a:off x="4914687" y="3176987"/>
+            <a:ext cx="2019074" cy="2411893"/>
           </a:xfrm>
           <a:custGeom>
             <a:avLst/>
-            <a:gdLst>
-              <a:gd name="connsiteX0" fmla="*/ 0 w 1996890"/>
-              <a:gd name="connsiteY0" fmla="*/ 1105391 h 2210781"/>
-              <a:gd name="connsiteX1" fmla="*/ 998445 w 1996890"/>
-              <a:gd name="connsiteY1" fmla="*/ 0 h 2210781"/>
-              <a:gd name="connsiteX2" fmla="*/ 1996890 w 1996890"/>
-              <a:gd name="connsiteY2" fmla="*/ 1105391 h 2210781"/>
-              <a:gd name="connsiteX3" fmla="*/ 998445 w 1996890"/>
-              <a:gd name="connsiteY3" fmla="*/ 2210782 h 2210781"/>
-              <a:gd name="connsiteX4" fmla="*/ 0 w 1996890"/>
-              <a:gd name="connsiteY4" fmla="*/ 1105391 h 2210781"/>
-              <a:gd name="connsiteX0" fmla="*/ 40644 w 2037534"/>
-              <a:gd name="connsiteY0" fmla="*/ 1151548 h 2256939"/>
-              <a:gd name="connsiteX1" fmla="*/ 276626 w 2037534"/>
-              <a:gd name="connsiteY1" fmla="*/ 301544 h 2256939"/>
-              <a:gd name="connsiteX2" fmla="*/ 1039089 w 2037534"/>
-              <a:gd name="connsiteY2" fmla="*/ 46157 h 2256939"/>
-              <a:gd name="connsiteX3" fmla="*/ 2037534 w 2037534"/>
-              <a:gd name="connsiteY3" fmla="*/ 1151548 h 2256939"/>
-              <a:gd name="connsiteX4" fmla="*/ 1039089 w 2037534"/>
-              <a:gd name="connsiteY4" fmla="*/ 2256939 h 2256939"/>
-              <a:gd name="connsiteX5" fmla="*/ 40644 w 2037534"/>
-              <a:gd name="connsiteY5" fmla="*/ 1151548 h 2256939"/>
-              <a:gd name="connsiteX0" fmla="*/ 40644 w 2067946"/>
-              <a:gd name="connsiteY0" fmla="*/ 1108033 h 2213424"/>
-              <a:gd name="connsiteX1" fmla="*/ 276626 w 2067946"/>
-              <a:gd name="connsiteY1" fmla="*/ 258029 h 2213424"/>
-              <a:gd name="connsiteX2" fmla="*/ 1039089 w 2067946"/>
-              <a:gd name="connsiteY2" fmla="*/ 2642 h 2213424"/>
-              <a:gd name="connsiteX3" fmla="*/ 1756634 w 2067946"/>
-              <a:gd name="connsiteY3" fmla="*/ 192042 h 2213424"/>
-              <a:gd name="connsiteX4" fmla="*/ 2037534 w 2067946"/>
-              <a:gd name="connsiteY4" fmla="*/ 1108033 h 2213424"/>
-              <a:gd name="connsiteX5" fmla="*/ 1039089 w 2067946"/>
-              <a:gd name="connsiteY5" fmla="*/ 2213424 h 2213424"/>
-              <a:gd name="connsiteX6" fmla="*/ 40644 w 2067946"/>
-              <a:gd name="connsiteY6" fmla="*/ 1108033 h 2213424"/>
-              <a:gd name="connsiteX0" fmla="*/ 2801 w 2030103"/>
-              <a:gd name="connsiteY0" fmla="*/ 1108033 h 2279201"/>
-              <a:gd name="connsiteX1" fmla="*/ 238783 w 2030103"/>
-              <a:gd name="connsiteY1" fmla="*/ 258029 h 2279201"/>
-              <a:gd name="connsiteX2" fmla="*/ 1001246 w 2030103"/>
-              <a:gd name="connsiteY2" fmla="*/ 2642 h 2279201"/>
-              <a:gd name="connsiteX3" fmla="*/ 1718791 w 2030103"/>
-              <a:gd name="connsiteY3" fmla="*/ 192042 h 2279201"/>
-              <a:gd name="connsiteX4" fmla="*/ 1999691 w 2030103"/>
-              <a:gd name="connsiteY4" fmla="*/ 1108033 h 2279201"/>
-              <a:gd name="connsiteX5" fmla="*/ 1001246 w 2030103"/>
-              <a:gd name="connsiteY5" fmla="*/ 2213424 h 2279201"/>
-              <a:gd name="connsiteX6" fmla="*/ 172796 w 2030103"/>
-              <a:gd name="connsiteY6" fmla="*/ 2039694 h 2279201"/>
-              <a:gd name="connsiteX7" fmla="*/ 2801 w 2030103"/>
-              <a:gd name="connsiteY7" fmla="*/ 1108033 h 2279201"/>
-              <a:gd name="connsiteX0" fmla="*/ 2801 w 2002322"/>
-              <a:gd name="connsiteY0" fmla="*/ 1108033 h 2243397"/>
-              <a:gd name="connsiteX1" fmla="*/ 238783 w 2002322"/>
-              <a:gd name="connsiteY1" fmla="*/ 258029 h 2243397"/>
-              <a:gd name="connsiteX2" fmla="*/ 1001246 w 2002322"/>
-              <a:gd name="connsiteY2" fmla="*/ 2642 h 2243397"/>
-              <a:gd name="connsiteX3" fmla="*/ 1718791 w 2002322"/>
-              <a:gd name="connsiteY3" fmla="*/ 192042 h 2243397"/>
-              <a:gd name="connsiteX4" fmla="*/ 1999691 w 2002322"/>
-              <a:gd name="connsiteY4" fmla="*/ 1108033 h 2243397"/>
-              <a:gd name="connsiteX5" fmla="*/ 1869620 w 2002322"/>
-              <a:gd name="connsiteY5" fmla="*/ 2124535 h 2243397"/>
-              <a:gd name="connsiteX6" fmla="*/ 1001246 w 2002322"/>
-              <a:gd name="connsiteY6" fmla="*/ 2213424 h 2243397"/>
-              <a:gd name="connsiteX7" fmla="*/ 172796 w 2002322"/>
-              <a:gd name="connsiteY7" fmla="*/ 2039694 h 2243397"/>
-              <a:gd name="connsiteX8" fmla="*/ 2801 w 2002322"/>
-              <a:gd name="connsiteY8" fmla="*/ 1108033 h 2243397"/>
-              <a:gd name="connsiteX0" fmla="*/ 2801 w 1947948"/>
-              <a:gd name="connsiteY0" fmla="*/ 1108033 h 2243397"/>
-              <a:gd name="connsiteX1" fmla="*/ 238783 w 1947948"/>
-              <a:gd name="connsiteY1" fmla="*/ 258029 h 2243397"/>
-              <a:gd name="connsiteX2" fmla="*/ 1001246 w 1947948"/>
-              <a:gd name="connsiteY2" fmla="*/ 2642 h 2243397"/>
-              <a:gd name="connsiteX3" fmla="*/ 1718791 w 1947948"/>
-              <a:gd name="connsiteY3" fmla="*/ 192042 h 2243397"/>
-              <a:gd name="connsiteX4" fmla="*/ 1905423 w 1947948"/>
-              <a:gd name="connsiteY4" fmla="*/ 1117460 h 2243397"/>
-              <a:gd name="connsiteX5" fmla="*/ 1869620 w 1947948"/>
-              <a:gd name="connsiteY5" fmla="*/ 2124535 h 2243397"/>
-              <a:gd name="connsiteX6" fmla="*/ 1001246 w 1947948"/>
-              <a:gd name="connsiteY6" fmla="*/ 2213424 h 2243397"/>
-              <a:gd name="connsiteX7" fmla="*/ 172796 w 1947948"/>
-              <a:gd name="connsiteY7" fmla="*/ 2039694 h 2243397"/>
-              <a:gd name="connsiteX8" fmla="*/ 2801 w 1947948"/>
-              <a:gd name="connsiteY8" fmla="*/ 1108033 h 2243397"/>
-              <a:gd name="connsiteX0" fmla="*/ 38946 w 1870972"/>
-              <a:gd name="connsiteY0" fmla="*/ 1117460 h 2243397"/>
-              <a:gd name="connsiteX1" fmla="*/ 161807 w 1870972"/>
-              <a:gd name="connsiteY1" fmla="*/ 258029 h 2243397"/>
-              <a:gd name="connsiteX2" fmla="*/ 924270 w 1870972"/>
-              <a:gd name="connsiteY2" fmla="*/ 2642 h 2243397"/>
-              <a:gd name="connsiteX3" fmla="*/ 1641815 w 1870972"/>
-              <a:gd name="connsiteY3" fmla="*/ 192042 h 2243397"/>
-              <a:gd name="connsiteX4" fmla="*/ 1828447 w 1870972"/>
-              <a:gd name="connsiteY4" fmla="*/ 1117460 h 2243397"/>
-              <a:gd name="connsiteX5" fmla="*/ 1792644 w 1870972"/>
-              <a:gd name="connsiteY5" fmla="*/ 2124535 h 2243397"/>
-              <a:gd name="connsiteX6" fmla="*/ 924270 w 1870972"/>
-              <a:gd name="connsiteY6" fmla="*/ 2213424 h 2243397"/>
-              <a:gd name="connsiteX7" fmla="*/ 95820 w 1870972"/>
-              <a:gd name="connsiteY7" fmla="*/ 2039694 h 2243397"/>
-              <a:gd name="connsiteX8" fmla="*/ 38946 w 1870972"/>
-              <a:gd name="connsiteY8" fmla="*/ 1117460 h 2243397"/>
-              <a:gd name="connsiteX0" fmla="*/ 38946 w 1870972"/>
-              <a:gd name="connsiteY0" fmla="*/ 1021751 h 2147688"/>
-              <a:gd name="connsiteX1" fmla="*/ 161807 w 1870972"/>
-              <a:gd name="connsiteY1" fmla="*/ 162320 h 2147688"/>
-              <a:gd name="connsiteX2" fmla="*/ 933697 w 1870972"/>
-              <a:gd name="connsiteY2" fmla="*/ 57762 h 2147688"/>
-              <a:gd name="connsiteX3" fmla="*/ 1641815 w 1870972"/>
-              <a:gd name="connsiteY3" fmla="*/ 96333 h 2147688"/>
-              <a:gd name="connsiteX4" fmla="*/ 1828447 w 1870972"/>
-              <a:gd name="connsiteY4" fmla="*/ 1021751 h 2147688"/>
-              <a:gd name="connsiteX5" fmla="*/ 1792644 w 1870972"/>
-              <a:gd name="connsiteY5" fmla="*/ 2028826 h 2147688"/>
-              <a:gd name="connsiteX6" fmla="*/ 924270 w 1870972"/>
-              <a:gd name="connsiteY6" fmla="*/ 2117715 h 2147688"/>
-              <a:gd name="connsiteX7" fmla="*/ 95820 w 1870972"/>
-              <a:gd name="connsiteY7" fmla="*/ 1943985 h 2147688"/>
-              <a:gd name="connsiteX8" fmla="*/ 38946 w 1870972"/>
-              <a:gd name="connsiteY8" fmla="*/ 1021751 h 2147688"/>
-              <a:gd name="connsiteX0" fmla="*/ 38946 w 1870972"/>
-              <a:gd name="connsiteY0" fmla="*/ 1021751 h 2178158"/>
-              <a:gd name="connsiteX1" fmla="*/ 161807 w 1870972"/>
-              <a:gd name="connsiteY1" fmla="*/ 162320 h 2178158"/>
-              <a:gd name="connsiteX2" fmla="*/ 933697 w 1870972"/>
-              <a:gd name="connsiteY2" fmla="*/ 57762 h 2178158"/>
-              <a:gd name="connsiteX3" fmla="*/ 1641815 w 1870972"/>
-              <a:gd name="connsiteY3" fmla="*/ 96333 h 2178158"/>
-              <a:gd name="connsiteX4" fmla="*/ 1828447 w 1870972"/>
-              <a:gd name="connsiteY4" fmla="*/ 1021751 h 2178158"/>
-              <a:gd name="connsiteX5" fmla="*/ 1792644 w 1870972"/>
-              <a:gd name="connsiteY5" fmla="*/ 2028826 h 2178158"/>
-              <a:gd name="connsiteX6" fmla="*/ 924270 w 1870972"/>
-              <a:gd name="connsiteY6" fmla="*/ 2117715 h 2178158"/>
-              <a:gd name="connsiteX7" fmla="*/ 284356 w 1870972"/>
-              <a:gd name="connsiteY7" fmla="*/ 2170228 h 2178158"/>
-              <a:gd name="connsiteX8" fmla="*/ 95820 w 1870972"/>
-              <a:gd name="connsiteY8" fmla="*/ 1943985 h 2178158"/>
-              <a:gd name="connsiteX9" fmla="*/ 38946 w 1870972"/>
-              <a:gd name="connsiteY9" fmla="*/ 1021751 h 2178158"/>
-              <a:gd name="connsiteX0" fmla="*/ 38946 w 1870972"/>
-              <a:gd name="connsiteY0" fmla="*/ 1021751 h 2254247"/>
-              <a:gd name="connsiteX1" fmla="*/ 161807 w 1870972"/>
-              <a:gd name="connsiteY1" fmla="*/ 162320 h 2254247"/>
-              <a:gd name="connsiteX2" fmla="*/ 933697 w 1870972"/>
-              <a:gd name="connsiteY2" fmla="*/ 57762 h 2254247"/>
-              <a:gd name="connsiteX3" fmla="*/ 1641815 w 1870972"/>
-              <a:gd name="connsiteY3" fmla="*/ 96333 h 2254247"/>
-              <a:gd name="connsiteX4" fmla="*/ 1828447 w 1870972"/>
-              <a:gd name="connsiteY4" fmla="*/ 1021751 h 2254247"/>
-              <a:gd name="connsiteX5" fmla="*/ 1792644 w 1870972"/>
-              <a:gd name="connsiteY5" fmla="*/ 2028826 h 2254247"/>
-              <a:gd name="connsiteX6" fmla="*/ 1046818 w 1870972"/>
-              <a:gd name="connsiteY6" fmla="*/ 2249690 h 2254247"/>
-              <a:gd name="connsiteX7" fmla="*/ 284356 w 1870972"/>
-              <a:gd name="connsiteY7" fmla="*/ 2170228 h 2254247"/>
-              <a:gd name="connsiteX8" fmla="*/ 95820 w 1870972"/>
-              <a:gd name="connsiteY8" fmla="*/ 1943985 h 2254247"/>
-              <a:gd name="connsiteX9" fmla="*/ 38946 w 1870972"/>
-              <a:gd name="connsiteY9" fmla="*/ 1021751 h 2254247"/>
-              <a:gd name="connsiteX0" fmla="*/ 38946 w 1929021"/>
-              <a:gd name="connsiteY0" fmla="*/ 1021751 h 2253328"/>
-              <a:gd name="connsiteX1" fmla="*/ 161807 w 1929021"/>
-              <a:gd name="connsiteY1" fmla="*/ 162320 h 2253328"/>
-              <a:gd name="connsiteX2" fmla="*/ 933697 w 1929021"/>
-              <a:gd name="connsiteY2" fmla="*/ 57762 h 2253328"/>
-              <a:gd name="connsiteX3" fmla="*/ 1641815 w 1929021"/>
-              <a:gd name="connsiteY3" fmla="*/ 96333 h 2253328"/>
-              <a:gd name="connsiteX4" fmla="*/ 1828447 w 1929021"/>
-              <a:gd name="connsiteY4" fmla="*/ 1021751 h 2253328"/>
-              <a:gd name="connsiteX5" fmla="*/ 1868058 w 1929021"/>
-              <a:gd name="connsiteY5" fmla="*/ 2047680 h 2253328"/>
-              <a:gd name="connsiteX6" fmla="*/ 1046818 w 1929021"/>
-              <a:gd name="connsiteY6" fmla="*/ 2249690 h 2253328"/>
-              <a:gd name="connsiteX7" fmla="*/ 284356 w 1929021"/>
-              <a:gd name="connsiteY7" fmla="*/ 2170228 h 2253328"/>
-              <a:gd name="connsiteX8" fmla="*/ 95820 w 1929021"/>
-              <a:gd name="connsiteY8" fmla="*/ 1943985 h 2253328"/>
-              <a:gd name="connsiteX9" fmla="*/ 38946 w 1929021"/>
-              <a:gd name="connsiteY9" fmla="*/ 1021751 h 2253328"/>
-              <a:gd name="connsiteX0" fmla="*/ 51369 w 1941444"/>
-              <a:gd name="connsiteY0" fmla="*/ 1021751 h 2253328"/>
-              <a:gd name="connsiteX1" fmla="*/ 174230 w 1941444"/>
-              <a:gd name="connsiteY1" fmla="*/ 162320 h 2253328"/>
-              <a:gd name="connsiteX2" fmla="*/ 946120 w 1941444"/>
-              <a:gd name="connsiteY2" fmla="*/ 57762 h 2253328"/>
-              <a:gd name="connsiteX3" fmla="*/ 1654238 w 1941444"/>
-              <a:gd name="connsiteY3" fmla="*/ 96333 h 2253328"/>
-              <a:gd name="connsiteX4" fmla="*/ 1840870 w 1941444"/>
-              <a:gd name="connsiteY4" fmla="*/ 1021751 h 2253328"/>
-              <a:gd name="connsiteX5" fmla="*/ 1880481 w 1941444"/>
-              <a:gd name="connsiteY5" fmla="*/ 2047680 h 2253328"/>
-              <a:gd name="connsiteX6" fmla="*/ 1059241 w 1941444"/>
-              <a:gd name="connsiteY6" fmla="*/ 2249690 h 2253328"/>
-              <a:gd name="connsiteX7" fmla="*/ 296779 w 1941444"/>
-              <a:gd name="connsiteY7" fmla="*/ 2170228 h 2253328"/>
-              <a:gd name="connsiteX8" fmla="*/ 89389 w 1941444"/>
-              <a:gd name="connsiteY8" fmla="*/ 2009973 h 2253328"/>
-              <a:gd name="connsiteX9" fmla="*/ 51369 w 1941444"/>
-              <a:gd name="connsiteY9" fmla="*/ 1021751 h 2253328"/>
-            </a:gdLst>
+            <a:gdLst/>
             <a:ahLst/>
-            <a:cxnLst>
-              <a:cxn ang="0">
-                <a:pos x="connsiteX0" y="connsiteY0"/>
-              </a:cxn>
-              <a:cxn ang="0">
-                <a:pos x="connsiteX1" y="connsiteY1"/>
-              </a:cxn>
-              <a:cxn ang="0">
-                <a:pos x="connsiteX2" y="connsiteY2"/>
-              </a:cxn>
-              <a:cxn ang="0">
-                <a:pos x="connsiteX3" y="connsiteY3"/>
-              </a:cxn>
-              <a:cxn ang="0">
-                <a:pos x="connsiteX4" y="connsiteY4"/>
-              </a:cxn>
-              <a:cxn ang="0">
-                <a:pos x="connsiteX5" y="connsiteY5"/>
-              </a:cxn>
-              <a:cxn ang="0">
-                <a:pos x="connsiteX6" y="connsiteY6"/>
-              </a:cxn>
-              <a:cxn ang="0">
-                <a:pos x="connsiteX7" y="connsiteY7"/>
-              </a:cxn>
-              <a:cxn ang="0">
-                <a:pos x="connsiteX8" y="connsiteY8"/>
-              </a:cxn>
-              <a:cxn ang="0">
-                <a:pos x="connsiteX9" y="connsiteY9"/>
-              </a:cxn>
-            </a:cxnLst>
+            <a:cxnLst/>
             <a:rect l="l" t="t" r="r" b="b"/>
             <a:pathLst>
-              <a:path w="1941444" h="2253328">
+              <a:path w="1972536" h="2411893">
                 <a:moveTo>
-                  <a:pt x="51369" y="1021751"/>
+                  <a:pt x="1453631" y="268"/>
                 </a:moveTo>
                 <a:cubicBezTo>
-                  <a:pt x="65509" y="713809"/>
-                  <a:pt x="7823" y="346552"/>
-                  <a:pt x="174230" y="162320"/>
+                  <a:pt x="1542878" y="3004"/>
+                  <a:pt x="1623370" y="27246"/>
+                  <a:pt x="1685772" y="96333"/>
                 </a:cubicBezTo>
                 <a:cubicBezTo>
-                  <a:pt x="340638" y="-21912"/>
-                  <a:pt x="699452" y="68760"/>
-                  <a:pt x="946120" y="57762"/>
+                  <a:pt x="1852180" y="280565"/>
+                  <a:pt x="1895971" y="770370"/>
+                  <a:pt x="1872404" y="1021751"/>
                 </a:cubicBezTo>
                 <a:cubicBezTo>
-                  <a:pt x="1192788" y="46764"/>
-                  <a:pt x="1487831" y="-87899"/>
-                  <a:pt x="1654238" y="96333"/>
+                  <a:pt x="1849304" y="1268150"/>
+                  <a:pt x="2069422" y="1840182"/>
+                  <a:pt x="1920374" y="2035443"/>
                 </a:cubicBezTo>
                 <a:cubicBezTo>
-                  <a:pt x="1820646" y="280565"/>
-                  <a:pt x="1864437" y="770370"/>
-                  <a:pt x="1840870" y="1021751"/>
+                  <a:pt x="1920614" y="2035331"/>
+                  <a:pt x="1920778" y="2035150"/>
+                  <a:pt x="1920941" y="2034969"/>
                 </a:cubicBezTo>
                 <a:cubicBezTo>
-                  <a:pt x="1817303" y="1273132"/>
-                  <a:pt x="2046889" y="1863448"/>
-                  <a:pt x="1880481" y="2047680"/>
+                  <a:pt x="1921739" y="2034086"/>
+                  <a:pt x="1922528" y="2033193"/>
+                  <a:pt x="1922970" y="2031998"/>
+                </a:cubicBezTo>
+                <a:lnTo>
+                  <a:pt x="1924041" y="2031998"/>
+                </a:lnTo>
+                <a:lnTo>
+                  <a:pt x="1920134" y="2035793"/>
+                </a:lnTo>
+                <a:cubicBezTo>
+                  <a:pt x="1918276" y="2040436"/>
+                  <a:pt x="1915219" y="2044133"/>
+                  <a:pt x="1912015" y="2047680"/>
+                </a:cubicBezTo>
+                <a:lnTo>
+                  <a:pt x="1882842" y="2072013"/>
+                </a:lnTo>
+                <a:cubicBezTo>
+                  <a:pt x="1672087" y="2279700"/>
+                  <a:pt x="1343261" y="2411893"/>
+                  <a:pt x="974170" y="2411893"/>
                 </a:cubicBezTo>
                 <a:cubicBezTo>
-                  <a:pt x="1714074" y="2231912"/>
-                  <a:pt x="1323191" y="2229265"/>
-                  <a:pt x="1059241" y="2249690"/>
+                  <a:pt x="643280" y="2411893"/>
+                  <a:pt x="344752" y="2305648"/>
+                  <a:pt x="134000" y="2134518"/>
+                </a:cubicBezTo>
+                <a:lnTo>
+                  <a:pt x="142039" y="2134518"/>
+                </a:lnTo>
+                <a:cubicBezTo>
+                  <a:pt x="113914" y="2108236"/>
+                  <a:pt x="92336" y="2069103"/>
+                  <a:pt x="77380" y="2009973"/>
                 </a:cubicBezTo>
                 <a:cubicBezTo>
-                  <a:pt x="795291" y="2270115"/>
-                  <a:pt x="434854" y="2199183"/>
-                  <a:pt x="296779" y="2170228"/>
+                  <a:pt x="-89027" y="1825741"/>
+                  <a:pt x="61506" y="1329693"/>
+                  <a:pt x="82903" y="1021751"/>
                 </a:cubicBezTo>
                 <a:cubicBezTo>
-                  <a:pt x="158704" y="2141273"/>
-                  <a:pt x="133433" y="2184103"/>
-                  <a:pt x="89389" y="2009973"/>
+                  <a:pt x="104300" y="713809"/>
+                  <a:pt x="39357" y="346552"/>
+                  <a:pt x="205764" y="162320"/>
                 </a:cubicBezTo>
                 <a:cubicBezTo>
-                  <a:pt x="-77018" y="1825741"/>
-                  <a:pt x="37229" y="1329693"/>
-                  <a:pt x="51369" y="1021751"/>
+                  <a:pt x="297537" y="60717"/>
+                  <a:pt x="447830" y="42725"/>
+                  <a:pt x="605546" y="45907"/>
+                </a:cubicBezTo>
+                <a:lnTo>
+                  <a:pt x="600834" y="63473"/>
+                </a:lnTo>
+                <a:cubicBezTo>
+                  <a:pt x="600834" y="133065"/>
+                  <a:pt x="750950" y="189480"/>
+                  <a:pt x="936127" y="189480"/>
+                </a:cubicBezTo>
+                <a:cubicBezTo>
+                  <a:pt x="1121304" y="189480"/>
+                  <a:pt x="1271420" y="133065"/>
+                  <a:pt x="1271420" y="63473"/>
+                </a:cubicBezTo>
+                <a:cubicBezTo>
+                  <a:pt x="1271420" y="47911"/>
+                  <a:pt x="1263914" y="33008"/>
+                  <a:pt x="1249566" y="19867"/>
+                </a:cubicBezTo>
+                <a:cubicBezTo>
+                  <a:pt x="1319754" y="7587"/>
+                  <a:pt x="1388989" y="-1714"/>
+                  <a:pt x="1453631" y="268"/>
                 </a:cubicBezTo>
                 <a:close/>
               </a:path>
@@ -20354,10 +20757,341 @@
       </p:sp>
       <p:sp>
         <p:nvSpPr>
-          <p:cNvPr id="24" name="Elipse 22">
+          <p:cNvPr id="34" name="Fluxograma: Atraso 33"/>
+          <p:cNvSpPr/>
+          <p:nvPr/>
+        </p:nvSpPr>
+        <p:spPr>
+          <a:xfrm rot="16200000">
+            <a:off x="4710765" y="3381324"/>
+            <a:ext cx="2426865" cy="2019131"/>
+          </a:xfrm>
+          <a:custGeom>
+            <a:avLst/>
+            <a:gdLst/>
+            <a:ahLst/>
+            <a:cxnLst/>
+            <a:rect l="l" t="t" r="r" b="b"/>
+            <a:pathLst>
+              <a:path w="2426865" h="2019131">
+                <a:moveTo>
+                  <a:pt x="2426865" y="1455996"/>
+                </a:moveTo>
+                <a:lnTo>
+                  <a:pt x="2426865" y="1508072"/>
+                </a:lnTo>
+                <a:lnTo>
+                  <a:pt x="1437324" y="1545395"/>
+                </a:lnTo>
+                <a:cubicBezTo>
+                  <a:pt x="1424127" y="1732213"/>
+                  <a:pt x="1403622" y="1869871"/>
+                  <a:pt x="1379684" y="1924755"/>
+                </a:cubicBezTo>
+                <a:lnTo>
+                  <a:pt x="1370359" y="1924755"/>
+                </a:lnTo>
+                <a:lnTo>
+                  <a:pt x="1370359" y="1916898"/>
+                </a:lnTo>
+                <a:cubicBezTo>
+                  <a:pt x="1082775" y="1934529"/>
+                  <a:pt x="579011" y="2102928"/>
+                  <a:pt x="394837" y="1965727"/>
+                </a:cubicBezTo>
+                <a:cubicBezTo>
+                  <a:pt x="394954" y="1965973"/>
+                  <a:pt x="395144" y="1966141"/>
+                  <a:pt x="395334" y="1966308"/>
+                </a:cubicBezTo>
+                <a:cubicBezTo>
+                  <a:pt x="396260" y="1967125"/>
+                  <a:pt x="397196" y="1967932"/>
+                  <a:pt x="398450" y="1968385"/>
+                </a:cubicBezTo>
+                <a:lnTo>
+                  <a:pt x="398450" y="1969481"/>
+                </a:lnTo>
+                <a:lnTo>
+                  <a:pt x="394469" y="1965482"/>
+                </a:lnTo>
+                <a:cubicBezTo>
+                  <a:pt x="389600" y="1963580"/>
+                  <a:pt x="385722" y="1960451"/>
+                  <a:pt x="382002" y="1957171"/>
+                </a:cubicBezTo>
+                <a:lnTo>
+                  <a:pt x="356480" y="1927310"/>
+                </a:lnTo>
+                <a:cubicBezTo>
+                  <a:pt x="138650" y="1711583"/>
+                  <a:pt x="0" y="1374999"/>
+                  <a:pt x="0" y="997200"/>
+                </a:cubicBezTo>
+                <a:cubicBezTo>
+                  <a:pt x="0" y="658503"/>
+                  <a:pt x="111434" y="352932"/>
+                  <a:pt x="290923" y="137208"/>
+                </a:cubicBezTo>
+                <a:lnTo>
+                  <a:pt x="290923" y="145436"/>
+                </a:lnTo>
+                <a:cubicBezTo>
+                  <a:pt x="318488" y="116648"/>
+                  <a:pt x="359533" y="94561"/>
+                  <a:pt x="421551" y="79252"/>
+                </a:cubicBezTo>
+                <a:cubicBezTo>
+                  <a:pt x="598087" y="-76368"/>
+                  <a:pt x="1047605" y="38801"/>
+                  <a:pt x="1370361" y="75741"/>
+                </a:cubicBezTo>
+                <a:lnTo>
+                  <a:pt x="1370361" y="77326"/>
+                </a:lnTo>
+                <a:cubicBezTo>
+                  <a:pt x="1397752" y="113918"/>
+                  <a:pt x="1421508" y="257464"/>
+                  <a:pt x="1436405" y="462226"/>
+                </a:cubicBezTo>
+                <a:lnTo>
+                  <a:pt x="2359287" y="492001"/>
+                </a:lnTo>
+                <a:lnTo>
+                  <a:pt x="2359287" y="544077"/>
+                </a:lnTo>
+                <a:lnTo>
+                  <a:pt x="1444038" y="580988"/>
+                </a:lnTo>
+                <a:cubicBezTo>
+                  <a:pt x="1451352" y="709527"/>
+                  <a:pt x="1455242" y="855215"/>
+                  <a:pt x="1455242" y="1009567"/>
+                </a:cubicBezTo>
+                <a:cubicBezTo>
+                  <a:pt x="1455242" y="1159220"/>
+                  <a:pt x="1451585" y="1300729"/>
+                  <a:pt x="1444757" y="1426362"/>
+                </a:cubicBezTo>
+                <a:close/>
+              </a:path>
+            </a:pathLst>
+          </a:custGeom>
+          <a:solidFill>
+            <a:srgbClr val="7F4541"/>
+          </a:solidFill>
+          <a:ln>
+            <a:noFill/>
+          </a:ln>
+        </p:spPr>
+        <p:style>
+          <a:lnRef idx="2">
+            <a:schemeClr val="accent1">
+              <a:shade val="50000"/>
+            </a:schemeClr>
+          </a:lnRef>
+          <a:fillRef idx="1">
+            <a:schemeClr val="accent1"/>
+          </a:fillRef>
+          <a:effectRef idx="0">
+            <a:schemeClr val="accent1"/>
+          </a:effectRef>
+          <a:fontRef idx="minor">
+            <a:schemeClr val="lt1"/>
+          </a:fontRef>
+        </p:style>
+        <p:txBody>
+          <a:bodyPr rtlCol="0" anchor="ctr"/>
+          <a:lstStyle/>
+          <a:p>
+            <a:pPr algn="ctr"/>
+            <a:endParaRPr lang="pt-BR"/>
+          </a:p>
+        </p:txBody>
+      </p:sp>
+      <p:sp>
+        <p:nvSpPr>
+          <p:cNvPr id="43" name="Fluxograma: Atraso 33"/>
+          <p:cNvSpPr/>
+          <p:nvPr/>
+        </p:nvSpPr>
+        <p:spPr>
+          <a:xfrm rot="16200000">
+            <a:off x="4848486" y="4735317"/>
+            <a:ext cx="513892" cy="349527"/>
+          </a:xfrm>
+          <a:custGeom>
+            <a:avLst/>
+            <a:gdLst/>
+            <a:ahLst/>
+            <a:cxnLst/>
+            <a:rect l="l" t="t" r="r" b="b"/>
+            <a:pathLst>
+              <a:path w="513892" h="349527">
+                <a:moveTo>
+                  <a:pt x="513892" y="297082"/>
+                </a:moveTo>
+                <a:lnTo>
+                  <a:pt x="492132" y="349527"/>
+                </a:lnTo>
+                <a:lnTo>
+                  <a:pt x="159581" y="211546"/>
+                </a:lnTo>
+                <a:cubicBezTo>
+                  <a:pt x="86812" y="181353"/>
+                  <a:pt x="32210" y="122796"/>
+                  <a:pt x="0" y="47682"/>
+                </a:cubicBezTo>
+                <a:cubicBezTo>
+                  <a:pt x="2024" y="46871"/>
+                  <a:pt x="4142" y="46334"/>
+                  <a:pt x="6285" y="45805"/>
+                </a:cubicBezTo>
+                <a:lnTo>
+                  <a:pt x="83589" y="0"/>
+                </a:lnTo>
+                <a:cubicBezTo>
+                  <a:pt x="116603" y="87389"/>
+                  <a:pt x="181374" y="159115"/>
+                  <a:pt x="270145" y="195947"/>
+                </a:cubicBezTo>
+                <a:close/>
+              </a:path>
+            </a:pathLst>
+          </a:custGeom>
+          <a:solidFill>
+            <a:srgbClr val="A55B55"/>
+          </a:solidFill>
+          <a:ln>
+            <a:noFill/>
+          </a:ln>
+          <a:effectLst>
+            <a:outerShdw blurRad="190500" dist="38100" dir="10800000" algn="r" rotWithShape="0">
+              <a:prstClr val="black">
+                <a:alpha val="40000"/>
+              </a:prstClr>
+            </a:outerShdw>
+          </a:effectLst>
+        </p:spPr>
+        <p:style>
+          <a:lnRef idx="2">
+            <a:schemeClr val="accent1">
+              <a:shade val="50000"/>
+            </a:schemeClr>
+          </a:lnRef>
+          <a:fillRef idx="1">
+            <a:schemeClr val="accent1"/>
+          </a:fillRef>
+          <a:effectRef idx="0">
+            <a:schemeClr val="accent1"/>
+          </a:effectRef>
+          <a:fontRef idx="minor">
+            <a:schemeClr val="lt1"/>
+          </a:fontRef>
+        </p:style>
+        <p:txBody>
+          <a:bodyPr rtlCol="0" anchor="ctr"/>
+          <a:lstStyle/>
+          <a:p>
+            <a:pPr algn="ctr"/>
+            <a:endParaRPr lang="pt-BR"/>
+          </a:p>
+        </p:txBody>
+      </p:sp>
+      <p:sp>
+        <p:nvSpPr>
+          <p:cNvPr id="44" name="Elipse 43"/>
+          <p:cNvSpPr/>
+          <p:nvPr/>
+        </p:nvSpPr>
+        <p:spPr>
+          <a:xfrm>
+            <a:off x="4958202" y="4378178"/>
+            <a:ext cx="1906830" cy="395266"/>
+          </a:xfrm>
+          <a:custGeom>
+            <a:avLst/>
+            <a:gdLst/>
+            <a:ahLst/>
+            <a:cxnLst/>
+            <a:rect l="l" t="t" r="r" b="b"/>
+            <a:pathLst>
+              <a:path w="1906830" h="395266">
+                <a:moveTo>
+                  <a:pt x="12620" y="0"/>
+                </a:moveTo>
+                <a:cubicBezTo>
+                  <a:pt x="69525" y="172044"/>
+                  <a:pt x="474737" y="305045"/>
+                  <a:pt x="965994" y="305045"/>
+                </a:cubicBezTo>
+                <a:cubicBezTo>
+                  <a:pt x="1415973" y="305045"/>
+                  <a:pt x="1793759" y="193456"/>
+                  <a:pt x="1897566" y="42198"/>
+                </a:cubicBezTo>
+                <a:lnTo>
+                  <a:pt x="1906830" y="98418"/>
+                </a:lnTo>
+                <a:cubicBezTo>
+                  <a:pt x="1839872" y="266521"/>
+                  <a:pt x="1439830" y="395266"/>
+                  <a:pt x="956497" y="395266"/>
+                </a:cubicBezTo>
+                <a:cubicBezTo>
+                  <a:pt x="458853" y="395266"/>
+                  <a:pt x="49506" y="258784"/>
+                  <a:pt x="0" y="83834"/>
+                </a:cubicBezTo>
+                <a:close/>
+              </a:path>
+            </a:pathLst>
+          </a:custGeom>
+          <a:solidFill>
+            <a:srgbClr val="A55B55"/>
+          </a:solidFill>
+          <a:ln>
+            <a:noFill/>
+          </a:ln>
+          <a:effectLst>
+            <a:outerShdw blurRad="190500" dist="38100" dir="16200000" rotWithShape="0">
+              <a:prstClr val="black">
+                <a:alpha val="40000"/>
+              </a:prstClr>
+            </a:outerShdw>
+          </a:effectLst>
+        </p:spPr>
+        <p:style>
+          <a:lnRef idx="2">
+            <a:schemeClr val="accent1">
+              <a:shade val="50000"/>
+            </a:schemeClr>
+          </a:lnRef>
+          <a:fillRef idx="1">
+            <a:schemeClr val="accent1"/>
+          </a:fillRef>
+          <a:effectRef idx="0">
+            <a:schemeClr val="accent1"/>
+          </a:effectRef>
+          <a:fontRef idx="minor">
+            <a:schemeClr val="lt1"/>
+          </a:fontRef>
+        </p:style>
+        <p:txBody>
+          <a:bodyPr rtlCol="0" anchor="ctr"/>
+          <a:lstStyle/>
+          <a:p>
+            <a:pPr algn="ctr"/>
+            <a:endParaRPr lang="pt-BR"/>
+          </a:p>
+        </p:txBody>
+      </p:sp>
+      <p:sp>
+        <p:nvSpPr>
+          <p:cNvPr id="50" name="Fluxograma: Atraso 49">
             <a:extLst>
               <a:ext uri="{FF2B5EF4-FFF2-40B4-BE49-F238E27FC236}">
-                <a16:creationId xmlns:a16="http://schemas.microsoft.com/office/drawing/2014/main" id="{8D6A1B96-4BD1-43F2-9559-F1E5E13ABF5C}"/>
+                <a16:creationId xmlns:a16="http://schemas.microsoft.com/office/drawing/2014/main" xmlns="" id="{854F30C1-4A0A-41E5-BF36-79F849A87774}"/>
               </a:ext>
             </a:extLst>
           </p:cNvPr>
@@ -20365,217 +21099,234 @@
           <p:nvPr/>
         </p:nvSpPr>
         <p:spPr>
-          <a:xfrm>
-            <a:off x="7485629" y="170285"/>
-            <a:ext cx="1941444" cy="2253328"/>
+          <a:xfrm rot="21030708">
+            <a:off x="4625748" y="3344570"/>
+            <a:ext cx="725310" cy="498804"/>
+          </a:xfrm>
+          <a:prstGeom prst="flowChartDelay">
+            <a:avLst/>
+          </a:prstGeom>
+          <a:solidFill>
+            <a:srgbClr val="00B0F0"/>
+          </a:solidFill>
+          <a:ln>
+            <a:solidFill>
+              <a:srgbClr val="B3EBFF"/>
+            </a:solidFill>
+          </a:ln>
+        </p:spPr>
+        <p:style>
+          <a:lnRef idx="2">
+            <a:schemeClr val="accent1">
+              <a:shade val="50000"/>
+            </a:schemeClr>
+          </a:lnRef>
+          <a:fillRef idx="1">
+            <a:schemeClr val="accent1"/>
+          </a:fillRef>
+          <a:effectRef idx="0">
+            <a:schemeClr val="accent1"/>
+          </a:effectRef>
+          <a:fontRef idx="minor">
+            <a:schemeClr val="lt1"/>
+          </a:fontRef>
+        </p:style>
+        <p:txBody>
+          <a:bodyPr rtlCol="0" anchor="ctr"/>
+          <a:lstStyle/>
+          <a:p>
+            <a:pPr algn="ctr"/>
+            <a:endParaRPr lang="pt-BR"/>
+          </a:p>
+        </p:txBody>
+      </p:sp>
+      <p:sp>
+        <p:nvSpPr>
+          <p:cNvPr id="51" name="Fluxograma: Atraso 50">
+            <a:extLst>
+              <a:ext uri="{FF2B5EF4-FFF2-40B4-BE49-F238E27FC236}">
+                <a16:creationId xmlns:a16="http://schemas.microsoft.com/office/drawing/2014/main" xmlns="" id="{854F30C1-4A0A-41E5-BF36-79F849A87774}"/>
+              </a:ext>
+            </a:extLst>
+          </p:cNvPr>
+          <p:cNvSpPr/>
+          <p:nvPr/>
+        </p:nvSpPr>
+        <p:spPr>
+          <a:xfrm rot="14768769">
+            <a:off x="6481369" y="3344570"/>
+            <a:ext cx="737995" cy="498804"/>
           </a:xfrm>
           <a:custGeom>
             <a:avLst/>
             <a:gdLst>
-              <a:gd name="connsiteX0" fmla="*/ 0 w 1996890"/>
-              <a:gd name="connsiteY0" fmla="*/ 1105391 h 2210781"/>
-              <a:gd name="connsiteX1" fmla="*/ 998445 w 1996890"/>
-              <a:gd name="connsiteY1" fmla="*/ 0 h 2210781"/>
-              <a:gd name="connsiteX2" fmla="*/ 1996890 w 1996890"/>
-              <a:gd name="connsiteY2" fmla="*/ 1105391 h 2210781"/>
-              <a:gd name="connsiteX3" fmla="*/ 998445 w 1996890"/>
-              <a:gd name="connsiteY3" fmla="*/ 2210782 h 2210781"/>
-              <a:gd name="connsiteX4" fmla="*/ 0 w 1996890"/>
-              <a:gd name="connsiteY4" fmla="*/ 1105391 h 2210781"/>
-              <a:gd name="connsiteX0" fmla="*/ 40644 w 2037534"/>
-              <a:gd name="connsiteY0" fmla="*/ 1151548 h 2256939"/>
-              <a:gd name="connsiteX1" fmla="*/ 276626 w 2037534"/>
-              <a:gd name="connsiteY1" fmla="*/ 301544 h 2256939"/>
-              <a:gd name="connsiteX2" fmla="*/ 1039089 w 2037534"/>
-              <a:gd name="connsiteY2" fmla="*/ 46157 h 2256939"/>
-              <a:gd name="connsiteX3" fmla="*/ 2037534 w 2037534"/>
-              <a:gd name="connsiteY3" fmla="*/ 1151548 h 2256939"/>
-              <a:gd name="connsiteX4" fmla="*/ 1039089 w 2037534"/>
-              <a:gd name="connsiteY4" fmla="*/ 2256939 h 2256939"/>
-              <a:gd name="connsiteX5" fmla="*/ 40644 w 2037534"/>
-              <a:gd name="connsiteY5" fmla="*/ 1151548 h 2256939"/>
-              <a:gd name="connsiteX0" fmla="*/ 40644 w 2067946"/>
-              <a:gd name="connsiteY0" fmla="*/ 1108033 h 2213424"/>
-              <a:gd name="connsiteX1" fmla="*/ 276626 w 2067946"/>
-              <a:gd name="connsiteY1" fmla="*/ 258029 h 2213424"/>
-              <a:gd name="connsiteX2" fmla="*/ 1039089 w 2067946"/>
-              <a:gd name="connsiteY2" fmla="*/ 2642 h 2213424"/>
-              <a:gd name="connsiteX3" fmla="*/ 1756634 w 2067946"/>
-              <a:gd name="connsiteY3" fmla="*/ 192042 h 2213424"/>
-              <a:gd name="connsiteX4" fmla="*/ 2037534 w 2067946"/>
-              <a:gd name="connsiteY4" fmla="*/ 1108033 h 2213424"/>
-              <a:gd name="connsiteX5" fmla="*/ 1039089 w 2067946"/>
-              <a:gd name="connsiteY5" fmla="*/ 2213424 h 2213424"/>
-              <a:gd name="connsiteX6" fmla="*/ 40644 w 2067946"/>
-              <a:gd name="connsiteY6" fmla="*/ 1108033 h 2213424"/>
-              <a:gd name="connsiteX0" fmla="*/ 2801 w 2030103"/>
-              <a:gd name="connsiteY0" fmla="*/ 1108033 h 2279201"/>
-              <a:gd name="connsiteX1" fmla="*/ 238783 w 2030103"/>
-              <a:gd name="connsiteY1" fmla="*/ 258029 h 2279201"/>
-              <a:gd name="connsiteX2" fmla="*/ 1001246 w 2030103"/>
-              <a:gd name="connsiteY2" fmla="*/ 2642 h 2279201"/>
-              <a:gd name="connsiteX3" fmla="*/ 1718791 w 2030103"/>
-              <a:gd name="connsiteY3" fmla="*/ 192042 h 2279201"/>
-              <a:gd name="connsiteX4" fmla="*/ 1999691 w 2030103"/>
-              <a:gd name="connsiteY4" fmla="*/ 1108033 h 2279201"/>
-              <a:gd name="connsiteX5" fmla="*/ 1001246 w 2030103"/>
-              <a:gd name="connsiteY5" fmla="*/ 2213424 h 2279201"/>
-              <a:gd name="connsiteX6" fmla="*/ 172796 w 2030103"/>
-              <a:gd name="connsiteY6" fmla="*/ 2039694 h 2279201"/>
-              <a:gd name="connsiteX7" fmla="*/ 2801 w 2030103"/>
-              <a:gd name="connsiteY7" fmla="*/ 1108033 h 2279201"/>
-              <a:gd name="connsiteX0" fmla="*/ 2801 w 2002322"/>
-              <a:gd name="connsiteY0" fmla="*/ 1108033 h 2243397"/>
-              <a:gd name="connsiteX1" fmla="*/ 238783 w 2002322"/>
-              <a:gd name="connsiteY1" fmla="*/ 258029 h 2243397"/>
-              <a:gd name="connsiteX2" fmla="*/ 1001246 w 2002322"/>
-              <a:gd name="connsiteY2" fmla="*/ 2642 h 2243397"/>
-              <a:gd name="connsiteX3" fmla="*/ 1718791 w 2002322"/>
-              <a:gd name="connsiteY3" fmla="*/ 192042 h 2243397"/>
-              <a:gd name="connsiteX4" fmla="*/ 1999691 w 2002322"/>
-              <a:gd name="connsiteY4" fmla="*/ 1108033 h 2243397"/>
-              <a:gd name="connsiteX5" fmla="*/ 1869620 w 2002322"/>
-              <a:gd name="connsiteY5" fmla="*/ 2124535 h 2243397"/>
-              <a:gd name="connsiteX6" fmla="*/ 1001246 w 2002322"/>
-              <a:gd name="connsiteY6" fmla="*/ 2213424 h 2243397"/>
-              <a:gd name="connsiteX7" fmla="*/ 172796 w 2002322"/>
-              <a:gd name="connsiteY7" fmla="*/ 2039694 h 2243397"/>
-              <a:gd name="connsiteX8" fmla="*/ 2801 w 2002322"/>
-              <a:gd name="connsiteY8" fmla="*/ 1108033 h 2243397"/>
-              <a:gd name="connsiteX0" fmla="*/ 2801 w 1947948"/>
-              <a:gd name="connsiteY0" fmla="*/ 1108033 h 2243397"/>
-              <a:gd name="connsiteX1" fmla="*/ 238783 w 1947948"/>
-              <a:gd name="connsiteY1" fmla="*/ 258029 h 2243397"/>
-              <a:gd name="connsiteX2" fmla="*/ 1001246 w 1947948"/>
-              <a:gd name="connsiteY2" fmla="*/ 2642 h 2243397"/>
-              <a:gd name="connsiteX3" fmla="*/ 1718791 w 1947948"/>
-              <a:gd name="connsiteY3" fmla="*/ 192042 h 2243397"/>
-              <a:gd name="connsiteX4" fmla="*/ 1905423 w 1947948"/>
-              <a:gd name="connsiteY4" fmla="*/ 1117460 h 2243397"/>
-              <a:gd name="connsiteX5" fmla="*/ 1869620 w 1947948"/>
-              <a:gd name="connsiteY5" fmla="*/ 2124535 h 2243397"/>
-              <a:gd name="connsiteX6" fmla="*/ 1001246 w 1947948"/>
-              <a:gd name="connsiteY6" fmla="*/ 2213424 h 2243397"/>
-              <a:gd name="connsiteX7" fmla="*/ 172796 w 1947948"/>
-              <a:gd name="connsiteY7" fmla="*/ 2039694 h 2243397"/>
-              <a:gd name="connsiteX8" fmla="*/ 2801 w 1947948"/>
-              <a:gd name="connsiteY8" fmla="*/ 1108033 h 2243397"/>
-              <a:gd name="connsiteX0" fmla="*/ 38946 w 1870972"/>
-              <a:gd name="connsiteY0" fmla="*/ 1117460 h 2243397"/>
-              <a:gd name="connsiteX1" fmla="*/ 161807 w 1870972"/>
-              <a:gd name="connsiteY1" fmla="*/ 258029 h 2243397"/>
-              <a:gd name="connsiteX2" fmla="*/ 924270 w 1870972"/>
-              <a:gd name="connsiteY2" fmla="*/ 2642 h 2243397"/>
-              <a:gd name="connsiteX3" fmla="*/ 1641815 w 1870972"/>
-              <a:gd name="connsiteY3" fmla="*/ 192042 h 2243397"/>
-              <a:gd name="connsiteX4" fmla="*/ 1828447 w 1870972"/>
-              <a:gd name="connsiteY4" fmla="*/ 1117460 h 2243397"/>
-              <a:gd name="connsiteX5" fmla="*/ 1792644 w 1870972"/>
-              <a:gd name="connsiteY5" fmla="*/ 2124535 h 2243397"/>
-              <a:gd name="connsiteX6" fmla="*/ 924270 w 1870972"/>
-              <a:gd name="connsiteY6" fmla="*/ 2213424 h 2243397"/>
-              <a:gd name="connsiteX7" fmla="*/ 95820 w 1870972"/>
-              <a:gd name="connsiteY7" fmla="*/ 2039694 h 2243397"/>
-              <a:gd name="connsiteX8" fmla="*/ 38946 w 1870972"/>
-              <a:gd name="connsiteY8" fmla="*/ 1117460 h 2243397"/>
-              <a:gd name="connsiteX0" fmla="*/ 38946 w 1870972"/>
-              <a:gd name="connsiteY0" fmla="*/ 1021751 h 2147688"/>
-              <a:gd name="connsiteX1" fmla="*/ 161807 w 1870972"/>
-              <a:gd name="connsiteY1" fmla="*/ 162320 h 2147688"/>
-              <a:gd name="connsiteX2" fmla="*/ 933697 w 1870972"/>
-              <a:gd name="connsiteY2" fmla="*/ 57762 h 2147688"/>
-              <a:gd name="connsiteX3" fmla="*/ 1641815 w 1870972"/>
-              <a:gd name="connsiteY3" fmla="*/ 96333 h 2147688"/>
-              <a:gd name="connsiteX4" fmla="*/ 1828447 w 1870972"/>
-              <a:gd name="connsiteY4" fmla="*/ 1021751 h 2147688"/>
-              <a:gd name="connsiteX5" fmla="*/ 1792644 w 1870972"/>
-              <a:gd name="connsiteY5" fmla="*/ 2028826 h 2147688"/>
-              <a:gd name="connsiteX6" fmla="*/ 924270 w 1870972"/>
-              <a:gd name="connsiteY6" fmla="*/ 2117715 h 2147688"/>
-              <a:gd name="connsiteX7" fmla="*/ 95820 w 1870972"/>
-              <a:gd name="connsiteY7" fmla="*/ 1943985 h 2147688"/>
-              <a:gd name="connsiteX8" fmla="*/ 38946 w 1870972"/>
-              <a:gd name="connsiteY8" fmla="*/ 1021751 h 2147688"/>
-              <a:gd name="connsiteX0" fmla="*/ 38946 w 1870972"/>
-              <a:gd name="connsiteY0" fmla="*/ 1021751 h 2178158"/>
-              <a:gd name="connsiteX1" fmla="*/ 161807 w 1870972"/>
-              <a:gd name="connsiteY1" fmla="*/ 162320 h 2178158"/>
-              <a:gd name="connsiteX2" fmla="*/ 933697 w 1870972"/>
-              <a:gd name="connsiteY2" fmla="*/ 57762 h 2178158"/>
-              <a:gd name="connsiteX3" fmla="*/ 1641815 w 1870972"/>
-              <a:gd name="connsiteY3" fmla="*/ 96333 h 2178158"/>
-              <a:gd name="connsiteX4" fmla="*/ 1828447 w 1870972"/>
-              <a:gd name="connsiteY4" fmla="*/ 1021751 h 2178158"/>
-              <a:gd name="connsiteX5" fmla="*/ 1792644 w 1870972"/>
-              <a:gd name="connsiteY5" fmla="*/ 2028826 h 2178158"/>
-              <a:gd name="connsiteX6" fmla="*/ 924270 w 1870972"/>
-              <a:gd name="connsiteY6" fmla="*/ 2117715 h 2178158"/>
-              <a:gd name="connsiteX7" fmla="*/ 284356 w 1870972"/>
-              <a:gd name="connsiteY7" fmla="*/ 2170228 h 2178158"/>
-              <a:gd name="connsiteX8" fmla="*/ 95820 w 1870972"/>
-              <a:gd name="connsiteY8" fmla="*/ 1943985 h 2178158"/>
-              <a:gd name="connsiteX9" fmla="*/ 38946 w 1870972"/>
-              <a:gd name="connsiteY9" fmla="*/ 1021751 h 2178158"/>
-              <a:gd name="connsiteX0" fmla="*/ 38946 w 1870972"/>
-              <a:gd name="connsiteY0" fmla="*/ 1021751 h 2254247"/>
-              <a:gd name="connsiteX1" fmla="*/ 161807 w 1870972"/>
-              <a:gd name="connsiteY1" fmla="*/ 162320 h 2254247"/>
-              <a:gd name="connsiteX2" fmla="*/ 933697 w 1870972"/>
-              <a:gd name="connsiteY2" fmla="*/ 57762 h 2254247"/>
-              <a:gd name="connsiteX3" fmla="*/ 1641815 w 1870972"/>
-              <a:gd name="connsiteY3" fmla="*/ 96333 h 2254247"/>
-              <a:gd name="connsiteX4" fmla="*/ 1828447 w 1870972"/>
-              <a:gd name="connsiteY4" fmla="*/ 1021751 h 2254247"/>
-              <a:gd name="connsiteX5" fmla="*/ 1792644 w 1870972"/>
-              <a:gd name="connsiteY5" fmla="*/ 2028826 h 2254247"/>
-              <a:gd name="connsiteX6" fmla="*/ 1046818 w 1870972"/>
-              <a:gd name="connsiteY6" fmla="*/ 2249690 h 2254247"/>
-              <a:gd name="connsiteX7" fmla="*/ 284356 w 1870972"/>
-              <a:gd name="connsiteY7" fmla="*/ 2170228 h 2254247"/>
-              <a:gd name="connsiteX8" fmla="*/ 95820 w 1870972"/>
-              <a:gd name="connsiteY8" fmla="*/ 1943985 h 2254247"/>
-              <a:gd name="connsiteX9" fmla="*/ 38946 w 1870972"/>
-              <a:gd name="connsiteY9" fmla="*/ 1021751 h 2254247"/>
-              <a:gd name="connsiteX0" fmla="*/ 38946 w 1929021"/>
-              <a:gd name="connsiteY0" fmla="*/ 1021751 h 2253328"/>
-              <a:gd name="connsiteX1" fmla="*/ 161807 w 1929021"/>
-              <a:gd name="connsiteY1" fmla="*/ 162320 h 2253328"/>
-              <a:gd name="connsiteX2" fmla="*/ 933697 w 1929021"/>
-              <a:gd name="connsiteY2" fmla="*/ 57762 h 2253328"/>
-              <a:gd name="connsiteX3" fmla="*/ 1641815 w 1929021"/>
-              <a:gd name="connsiteY3" fmla="*/ 96333 h 2253328"/>
-              <a:gd name="connsiteX4" fmla="*/ 1828447 w 1929021"/>
-              <a:gd name="connsiteY4" fmla="*/ 1021751 h 2253328"/>
-              <a:gd name="connsiteX5" fmla="*/ 1868058 w 1929021"/>
-              <a:gd name="connsiteY5" fmla="*/ 2047680 h 2253328"/>
-              <a:gd name="connsiteX6" fmla="*/ 1046818 w 1929021"/>
-              <a:gd name="connsiteY6" fmla="*/ 2249690 h 2253328"/>
-              <a:gd name="connsiteX7" fmla="*/ 284356 w 1929021"/>
-              <a:gd name="connsiteY7" fmla="*/ 2170228 h 2253328"/>
-              <a:gd name="connsiteX8" fmla="*/ 95820 w 1929021"/>
-              <a:gd name="connsiteY8" fmla="*/ 1943985 h 2253328"/>
-              <a:gd name="connsiteX9" fmla="*/ 38946 w 1929021"/>
-              <a:gd name="connsiteY9" fmla="*/ 1021751 h 2253328"/>
-              <a:gd name="connsiteX0" fmla="*/ 51369 w 1941444"/>
-              <a:gd name="connsiteY0" fmla="*/ 1021751 h 2253328"/>
-              <a:gd name="connsiteX1" fmla="*/ 174230 w 1941444"/>
-              <a:gd name="connsiteY1" fmla="*/ 162320 h 2253328"/>
-              <a:gd name="connsiteX2" fmla="*/ 946120 w 1941444"/>
-              <a:gd name="connsiteY2" fmla="*/ 57762 h 2253328"/>
-              <a:gd name="connsiteX3" fmla="*/ 1654238 w 1941444"/>
-              <a:gd name="connsiteY3" fmla="*/ 96333 h 2253328"/>
-              <a:gd name="connsiteX4" fmla="*/ 1840870 w 1941444"/>
-              <a:gd name="connsiteY4" fmla="*/ 1021751 h 2253328"/>
-              <a:gd name="connsiteX5" fmla="*/ 1880481 w 1941444"/>
-              <a:gd name="connsiteY5" fmla="*/ 2047680 h 2253328"/>
-              <a:gd name="connsiteX6" fmla="*/ 1059241 w 1941444"/>
-              <a:gd name="connsiteY6" fmla="*/ 2249690 h 2253328"/>
-              <a:gd name="connsiteX7" fmla="*/ 296779 w 1941444"/>
-              <a:gd name="connsiteY7" fmla="*/ 2170228 h 2253328"/>
-              <a:gd name="connsiteX8" fmla="*/ 89389 w 1941444"/>
-              <a:gd name="connsiteY8" fmla="*/ 2009973 h 2253328"/>
-              <a:gd name="connsiteX9" fmla="*/ 51369 w 1941444"/>
-              <a:gd name="connsiteY9" fmla="*/ 1021751 h 2253328"/>
+              <a:gd name="connsiteX0" fmla="*/ 0 w 671961"/>
+              <a:gd name="connsiteY0" fmla="*/ 0 h 498804"/>
+              <a:gd name="connsiteX1" fmla="*/ 335981 w 671961"/>
+              <a:gd name="connsiteY1" fmla="*/ 0 h 498804"/>
+              <a:gd name="connsiteX2" fmla="*/ 671962 w 671961"/>
+              <a:gd name="connsiteY2" fmla="*/ 249402 h 498804"/>
+              <a:gd name="connsiteX3" fmla="*/ 335981 w 671961"/>
+              <a:gd name="connsiteY3" fmla="*/ 498804 h 498804"/>
+              <a:gd name="connsiteX4" fmla="*/ 0 w 671961"/>
+              <a:gd name="connsiteY4" fmla="*/ 498804 h 498804"/>
+              <a:gd name="connsiteX5" fmla="*/ 0 w 671961"/>
+              <a:gd name="connsiteY5" fmla="*/ 0 h 498804"/>
+              <a:gd name="connsiteX0" fmla="*/ 66033 w 737995"/>
+              <a:gd name="connsiteY0" fmla="*/ 0 h 498804"/>
+              <a:gd name="connsiteX1" fmla="*/ 402014 w 737995"/>
+              <a:gd name="connsiteY1" fmla="*/ 0 h 498804"/>
+              <a:gd name="connsiteX2" fmla="*/ 737995 w 737995"/>
+              <a:gd name="connsiteY2" fmla="*/ 249402 h 498804"/>
+              <a:gd name="connsiteX3" fmla="*/ 402014 w 737995"/>
+              <a:gd name="connsiteY3" fmla="*/ 498804 h 498804"/>
+              <a:gd name="connsiteX4" fmla="*/ 0 w 737995"/>
+              <a:gd name="connsiteY4" fmla="*/ 425616 h 498804"/>
+              <a:gd name="connsiteX5" fmla="*/ 66033 w 737995"/>
+              <a:gd name="connsiteY5" fmla="*/ 0 h 498804"/>
+            </a:gdLst>
+            <a:ahLst/>
+            <a:cxnLst>
+              <a:cxn ang="0">
+                <a:pos x="connsiteX0" y="connsiteY0"/>
+              </a:cxn>
+              <a:cxn ang="0">
+                <a:pos x="connsiteX1" y="connsiteY1"/>
+              </a:cxn>
+              <a:cxn ang="0">
+                <a:pos x="connsiteX2" y="connsiteY2"/>
+              </a:cxn>
+              <a:cxn ang="0">
+                <a:pos x="connsiteX3" y="connsiteY3"/>
+              </a:cxn>
+              <a:cxn ang="0">
+                <a:pos x="connsiteX4" y="connsiteY4"/>
+              </a:cxn>
+              <a:cxn ang="0">
+                <a:pos x="connsiteX5" y="connsiteY5"/>
+              </a:cxn>
+            </a:cxnLst>
+            <a:rect l="l" t="t" r="r" b="b"/>
+            <a:pathLst>
+              <a:path w="737995" h="498804">
+                <a:moveTo>
+                  <a:pt x="66033" y="0"/>
+                </a:moveTo>
+                <a:lnTo>
+                  <a:pt x="402014" y="0"/>
+                </a:lnTo>
+                <a:cubicBezTo>
+                  <a:pt x="587571" y="0"/>
+                  <a:pt x="737995" y="111661"/>
+                  <a:pt x="737995" y="249402"/>
+                </a:cubicBezTo>
+                <a:cubicBezTo>
+                  <a:pt x="737995" y="387143"/>
+                  <a:pt x="587571" y="498804"/>
+                  <a:pt x="402014" y="498804"/>
+                </a:cubicBezTo>
+                <a:lnTo>
+                  <a:pt x="0" y="425616"/>
+                </a:lnTo>
+                <a:lnTo>
+                  <a:pt x="66033" y="0"/>
+                </a:lnTo>
+                <a:close/>
+              </a:path>
+            </a:pathLst>
+          </a:custGeom>
+          <a:solidFill>
+            <a:srgbClr val="00B0F0"/>
+          </a:solidFill>
+          <a:ln>
+            <a:solidFill>
+              <a:srgbClr val="B3EBFF"/>
+            </a:solidFill>
+          </a:ln>
+        </p:spPr>
+        <p:style>
+          <a:lnRef idx="2">
+            <a:schemeClr val="accent1">
+              <a:shade val="50000"/>
+            </a:schemeClr>
+          </a:lnRef>
+          <a:fillRef idx="1">
+            <a:schemeClr val="accent1"/>
+          </a:fillRef>
+          <a:effectRef idx="0">
+            <a:schemeClr val="accent1"/>
+          </a:effectRef>
+          <a:fontRef idx="minor">
+            <a:schemeClr val="lt1"/>
+          </a:fontRef>
+        </p:style>
+        <p:txBody>
+          <a:bodyPr rtlCol="0" anchor="ctr"/>
+          <a:lstStyle/>
+          <a:p>
+            <a:pPr algn="ctr"/>
+            <a:endParaRPr lang="pt-BR"/>
+          </a:p>
+        </p:txBody>
+      </p:sp>
+      <p:sp>
+        <p:nvSpPr>
+          <p:cNvPr id="64" name="Retângulo de cantos arredondados 110"/>
+          <p:cNvSpPr/>
+          <p:nvPr/>
+        </p:nvSpPr>
+        <p:spPr>
+          <a:xfrm rot="16200000" flipH="1">
+            <a:off x="6750952" y="4330194"/>
+            <a:ext cx="1373819" cy="420342"/>
+          </a:xfrm>
+          <a:custGeom>
+            <a:avLst/>
+            <a:gdLst>
+              <a:gd name="connsiteX0" fmla="*/ 1311631 w 1359450"/>
+              <a:gd name="connsiteY0" fmla="*/ 12539 h 420342"/>
+              <a:gd name="connsiteX1" fmla="*/ 1308759 w 1359450"/>
+              <a:gd name="connsiteY1" fmla="*/ 281860 h 420342"/>
+              <a:gd name="connsiteX2" fmla="*/ 1089168 w 1359450"/>
+              <a:gd name="connsiteY2" fmla="*/ 415608 h 420342"/>
+              <a:gd name="connsiteX3" fmla="*/ 697577 w 1359450"/>
+              <a:gd name="connsiteY3" fmla="*/ 389724 h 420342"/>
+              <a:gd name="connsiteX4" fmla="*/ 199671 w 1359450"/>
+              <a:gd name="connsiteY4" fmla="*/ 407828 h 420342"/>
+              <a:gd name="connsiteX5" fmla="*/ 57260 w 1359450"/>
+              <a:gd name="connsiteY5" fmla="*/ 261319 h 420342"/>
+              <a:gd name="connsiteX6" fmla="*/ 0 w 1359450"/>
+              <a:gd name="connsiteY6" fmla="*/ 68739 h 420342"/>
+              <a:gd name="connsiteX7" fmla="*/ 182294 w 1359450"/>
+              <a:gd name="connsiteY7" fmla="*/ 44945 h 420342"/>
+              <a:gd name="connsiteX8" fmla="*/ 1064267 w 1359450"/>
+              <a:gd name="connsiteY8" fmla="*/ 160175 h 420342"/>
+              <a:gd name="connsiteX9" fmla="*/ 1073868 w 1359450"/>
+              <a:gd name="connsiteY9" fmla="*/ 139073 h 420342"/>
+              <a:gd name="connsiteX10" fmla="*/ 1311631 w 1359450"/>
+              <a:gd name="connsiteY10" fmla="*/ 12539 h 420342"/>
+              <a:gd name="connsiteX0" fmla="*/ 1326000 w 1373819"/>
+              <a:gd name="connsiteY0" fmla="*/ 12539 h 420342"/>
+              <a:gd name="connsiteX1" fmla="*/ 1323128 w 1373819"/>
+              <a:gd name="connsiteY1" fmla="*/ 281860 h 420342"/>
+              <a:gd name="connsiteX2" fmla="*/ 1103537 w 1373819"/>
+              <a:gd name="connsiteY2" fmla="*/ 415608 h 420342"/>
+              <a:gd name="connsiteX3" fmla="*/ 711946 w 1373819"/>
+              <a:gd name="connsiteY3" fmla="*/ 389724 h 420342"/>
+              <a:gd name="connsiteX4" fmla="*/ 214040 w 1373819"/>
+              <a:gd name="connsiteY4" fmla="*/ 407828 h 420342"/>
+              <a:gd name="connsiteX5" fmla="*/ 3272 w 1373819"/>
+              <a:gd name="connsiteY5" fmla="*/ 253113 h 420342"/>
+              <a:gd name="connsiteX6" fmla="*/ 14369 w 1373819"/>
+              <a:gd name="connsiteY6" fmla="*/ 68739 h 420342"/>
+              <a:gd name="connsiteX7" fmla="*/ 196663 w 1373819"/>
+              <a:gd name="connsiteY7" fmla="*/ 44945 h 420342"/>
+              <a:gd name="connsiteX8" fmla="*/ 1078636 w 1373819"/>
+              <a:gd name="connsiteY8" fmla="*/ 160175 h 420342"/>
+              <a:gd name="connsiteX9" fmla="*/ 1088237 w 1373819"/>
+              <a:gd name="connsiteY9" fmla="*/ 139073 h 420342"/>
+              <a:gd name="connsiteX10" fmla="*/ 1326000 w 1373819"/>
+              <a:gd name="connsiteY10" fmla="*/ 12539 h 420342"/>
             </a:gdLst>
             <a:ahLst/>
             <a:cxnLst>
@@ -20609,62 +21360,74 @@
               <a:cxn ang="0">
                 <a:pos x="connsiteX9" y="connsiteY9"/>
               </a:cxn>
+              <a:cxn ang="0">
+                <a:pos x="connsiteX10" y="connsiteY10"/>
+              </a:cxn>
             </a:cxnLst>
             <a:rect l="l" t="t" r="r" b="b"/>
             <a:pathLst>
-              <a:path w="1941444" h="2253328">
+              <a:path w="1373819" h="420342">
                 <a:moveTo>
-                  <a:pt x="51369" y="1021751"/>
+                  <a:pt x="1326000" y="12539"/>
                 </a:moveTo>
                 <a:cubicBezTo>
-                  <a:pt x="65509" y="713809"/>
-                  <a:pt x="7823" y="346552"/>
-                  <a:pt x="174230" y="162320"/>
+                  <a:pt x="1390864" y="51969"/>
+                  <a:pt x="1389578" y="172547"/>
+                  <a:pt x="1323128" y="281860"/>
                 </a:cubicBezTo>
                 <a:cubicBezTo>
-                  <a:pt x="340638" y="-21912"/>
-                  <a:pt x="699452" y="68760"/>
-                  <a:pt x="946120" y="57762"/>
+                  <a:pt x="1262475" y="381637"/>
+                  <a:pt x="1168496" y="437540"/>
+                  <a:pt x="1103537" y="415608"/>
                 </a:cubicBezTo>
                 <a:cubicBezTo>
-                  <a:pt x="1192788" y="46764"/>
-                  <a:pt x="1487831" y="-87899"/>
-                  <a:pt x="1654238" y="96333"/>
+                  <a:pt x="973367" y="402870"/>
+                  <a:pt x="843335" y="388593"/>
+                  <a:pt x="711946" y="389724"/>
+                </a:cubicBezTo>
+                <a:lnTo>
+                  <a:pt x="214040" y="407828"/>
+                </a:lnTo>
+                <a:cubicBezTo>
+                  <a:pt x="175365" y="407828"/>
+                  <a:pt x="3272" y="289149"/>
+                  <a:pt x="3272" y="253113"/>
                 </a:cubicBezTo>
                 <a:cubicBezTo>
-                  <a:pt x="1820646" y="280565"/>
-                  <a:pt x="1864437" y="770370"/>
-                  <a:pt x="1840870" y="1021751"/>
+                  <a:pt x="-11440" y="210247"/>
+                  <a:pt x="29081" y="111605"/>
+                  <a:pt x="14369" y="68739"/>
                 </a:cubicBezTo>
                 <a:cubicBezTo>
-                  <a:pt x="1817303" y="1273132"/>
-                  <a:pt x="2046889" y="1863448"/>
-                  <a:pt x="1880481" y="2047680"/>
+                  <a:pt x="14369" y="32704"/>
+                  <a:pt x="19285" y="29706"/>
+                  <a:pt x="196663" y="44945"/>
                 </a:cubicBezTo>
                 <a:cubicBezTo>
-                  <a:pt x="1714074" y="2231912"/>
-                  <a:pt x="1323191" y="2229265"/>
-                  <a:pt x="1059241" y="2249690"/>
+                  <a:pt x="374041" y="60184"/>
+                  <a:pt x="777323" y="129138"/>
+                  <a:pt x="1078636" y="160175"/>
                 </a:cubicBezTo>
                 <a:cubicBezTo>
-                  <a:pt x="795291" y="2270115"/>
-                  <a:pt x="434854" y="2199183"/>
-                  <a:pt x="296779" y="2170228"/>
+                  <a:pt x="1080366" y="152463"/>
+                  <a:pt x="1084180" y="145747"/>
+                  <a:pt x="1088237" y="139073"/>
                 </a:cubicBezTo>
                 <a:cubicBezTo>
-                  <a:pt x="158704" y="2141273"/>
-                  <a:pt x="133433" y="2184103"/>
-                  <a:pt x="89389" y="2009973"/>
-                </a:cubicBezTo>
-                <a:cubicBezTo>
-                  <a:pt x="-77018" y="1825741"/>
-                  <a:pt x="37229" y="1329693"/>
-                  <a:pt x="51369" y="1021751"/>
+                  <a:pt x="1154686" y="29760"/>
+                  <a:pt x="1261136" y="-26891"/>
+                  <a:pt x="1326000" y="12539"/>
                 </a:cubicBezTo>
                 <a:close/>
               </a:path>
             </a:pathLst>
           </a:custGeom>
+          <a:solidFill>
+            <a:srgbClr val="FCC7A6"/>
+          </a:solidFill>
+          <a:ln>
+            <a:noFill/>
+          </a:ln>
         </p:spPr>
         <p:style>
           <a:lnRef idx="2">
@@ -20687,7 +21450,7 @@
           <a:lstStyle/>
           <a:p>
             <a:pPr algn="ctr"/>
-            <a:endParaRPr lang="pt-BR"/>
+            <a:endParaRPr lang="pt-BR" dirty="0"/>
           </a:p>
         </p:txBody>
       </p:sp>

--- a/Historias/tres porquinhos.pptx
+++ b/Historias/tres porquinhos.pptx
@@ -4,6 +4,9 @@
   <p:sldMasterIdLst>
     <p:sldMasterId id="2147483648" r:id="rId1"/>
   </p:sldMasterIdLst>
+  <p:notesMasterIdLst>
+    <p:notesMasterId r:id="rId7"/>
+  </p:notesMasterIdLst>
   <p:sldIdLst>
     <p:sldId id="256" r:id="rId2"/>
     <p:sldId id="257" r:id="rId3"/>
@@ -125,6 +128,440 @@
     </p:ext>
   </p:extLst>
 </p:presentation>
+</file>
+
+<file path=ppt/notesMasters/notesMaster1.xml><?xml version="1.0" encoding="utf-8"?>
+<p:notesMaster xmlns:a="http://schemas.openxmlformats.org/drawingml/2006/main" xmlns:r="http://schemas.openxmlformats.org/officeDocument/2006/relationships" xmlns:p="http://schemas.openxmlformats.org/presentationml/2006/main">
+  <p:cSld>
+    <p:bg>
+      <p:bgRef idx="1001">
+        <a:schemeClr val="bg1"/>
+      </p:bgRef>
+    </p:bg>
+    <p:spTree>
+      <p:nvGrpSpPr>
+        <p:cNvPr id="1" name=""/>
+        <p:cNvGrpSpPr/>
+        <p:nvPr/>
+      </p:nvGrpSpPr>
+      <p:grpSpPr>
+        <a:xfrm>
+          <a:off x="0" y="0"/>
+          <a:ext cx="0" cy="0"/>
+          <a:chOff x="0" y="0"/>
+          <a:chExt cx="0" cy="0"/>
+        </a:xfrm>
+      </p:grpSpPr>
+      <p:sp>
+        <p:nvSpPr>
+          <p:cNvPr id="2" name="Espaço Reservado para Cabeçalho 1"/>
+          <p:cNvSpPr>
+            <a:spLocks noGrp="1"/>
+          </p:cNvSpPr>
+          <p:nvPr>
+            <p:ph type="hdr" sz="quarter"/>
+          </p:nvPr>
+        </p:nvSpPr>
+        <p:spPr>
+          <a:xfrm>
+            <a:off x="0" y="0"/>
+            <a:ext cx="2971800" cy="457200"/>
+          </a:xfrm>
+          <a:prstGeom prst="rect">
+            <a:avLst/>
+          </a:prstGeom>
+        </p:spPr>
+        <p:txBody>
+          <a:bodyPr vert="horz" lIns="91440" tIns="45720" rIns="91440" bIns="45720" rtlCol="0"/>
+          <a:lstStyle>
+            <a:lvl1pPr algn="l">
+              <a:defRPr sz="1200"/>
+            </a:lvl1pPr>
+          </a:lstStyle>
+          <a:p>
+            <a:endParaRPr lang="pt-BR"/>
+          </a:p>
+        </p:txBody>
+      </p:sp>
+      <p:sp>
+        <p:nvSpPr>
+          <p:cNvPr id="3" name="Espaço Reservado para Data 2"/>
+          <p:cNvSpPr>
+            <a:spLocks noGrp="1"/>
+          </p:cNvSpPr>
+          <p:nvPr>
+            <p:ph type="dt" idx="1"/>
+          </p:nvPr>
+        </p:nvSpPr>
+        <p:spPr>
+          <a:xfrm>
+            <a:off x="3884613" y="0"/>
+            <a:ext cx="2971800" cy="457200"/>
+          </a:xfrm>
+          <a:prstGeom prst="rect">
+            <a:avLst/>
+          </a:prstGeom>
+        </p:spPr>
+        <p:txBody>
+          <a:bodyPr vert="horz" lIns="91440" tIns="45720" rIns="91440" bIns="45720" rtlCol="0"/>
+          <a:lstStyle>
+            <a:lvl1pPr algn="r">
+              <a:defRPr sz="1200"/>
+            </a:lvl1pPr>
+          </a:lstStyle>
+          <a:p>
+            <a:fld id="{02A28EF2-BF32-4BA7-8662-EFB7F99EB335}" type="datetimeFigureOut">
+              <a:rPr lang="pt-BR" smtClean="0"/>
+              <a:t>12/11/2019</a:t>
+            </a:fld>
+            <a:endParaRPr lang="pt-BR"/>
+          </a:p>
+        </p:txBody>
+      </p:sp>
+      <p:sp>
+        <p:nvSpPr>
+          <p:cNvPr id="4" name="Espaço Reservado para Imagem de Slide 3"/>
+          <p:cNvSpPr>
+            <a:spLocks noGrp="1" noRot="1" noChangeAspect="1"/>
+          </p:cNvSpPr>
+          <p:nvPr>
+            <p:ph type="sldImg" idx="2"/>
+          </p:nvPr>
+        </p:nvSpPr>
+        <p:spPr>
+          <a:xfrm>
+            <a:off x="1143000" y="685800"/>
+            <a:ext cx="4572000" cy="3429000"/>
+          </a:xfrm>
+          <a:prstGeom prst="rect">
+            <a:avLst/>
+          </a:prstGeom>
+          <a:noFill/>
+          <a:ln w="12700">
+            <a:solidFill>
+              <a:prstClr val="black"/>
+            </a:solidFill>
+          </a:ln>
+        </p:spPr>
+        <p:txBody>
+          <a:bodyPr vert="horz" lIns="91440" tIns="45720" rIns="91440" bIns="45720" rtlCol="0" anchor="ctr"/>
+          <a:lstStyle/>
+          <a:p>
+            <a:endParaRPr lang="pt-BR"/>
+          </a:p>
+        </p:txBody>
+      </p:sp>
+      <p:sp>
+        <p:nvSpPr>
+          <p:cNvPr id="5" name="Espaço Reservado para Anotações 4"/>
+          <p:cNvSpPr>
+            <a:spLocks noGrp="1"/>
+          </p:cNvSpPr>
+          <p:nvPr>
+            <p:ph type="body" sz="quarter" idx="3"/>
+          </p:nvPr>
+        </p:nvSpPr>
+        <p:spPr>
+          <a:xfrm>
+            <a:off x="685800" y="4343400"/>
+            <a:ext cx="5486400" cy="4114800"/>
+          </a:xfrm>
+          <a:prstGeom prst="rect">
+            <a:avLst/>
+          </a:prstGeom>
+        </p:spPr>
+        <p:txBody>
+          <a:bodyPr vert="horz" lIns="91440" tIns="45720" rIns="91440" bIns="45720" rtlCol="0"/>
+          <a:lstStyle/>
+          <a:p>
+            <a:pPr lvl="0"/>
+            <a:r>
+              <a:rPr lang="pt-BR" smtClean="0"/>
+              <a:t>Clique para editar o texto mestre</a:t>
+            </a:r>
+          </a:p>
+          <a:p>
+            <a:pPr lvl="1"/>
+            <a:r>
+              <a:rPr lang="pt-BR" smtClean="0"/>
+              <a:t>Segundo nível</a:t>
+            </a:r>
+          </a:p>
+          <a:p>
+            <a:pPr lvl="2"/>
+            <a:r>
+              <a:rPr lang="pt-BR" smtClean="0"/>
+              <a:t>Terceiro nível</a:t>
+            </a:r>
+          </a:p>
+          <a:p>
+            <a:pPr lvl="3"/>
+            <a:r>
+              <a:rPr lang="pt-BR" smtClean="0"/>
+              <a:t>Quarto nível</a:t>
+            </a:r>
+          </a:p>
+          <a:p>
+            <a:pPr lvl="4"/>
+            <a:r>
+              <a:rPr lang="pt-BR" smtClean="0"/>
+              <a:t>Quinto nível</a:t>
+            </a:r>
+            <a:endParaRPr lang="pt-BR"/>
+          </a:p>
+        </p:txBody>
+      </p:sp>
+      <p:sp>
+        <p:nvSpPr>
+          <p:cNvPr id="6" name="Espaço Reservado para Rodapé 5"/>
+          <p:cNvSpPr>
+            <a:spLocks noGrp="1"/>
+          </p:cNvSpPr>
+          <p:nvPr>
+            <p:ph type="ftr" sz="quarter" idx="4"/>
+          </p:nvPr>
+        </p:nvSpPr>
+        <p:spPr>
+          <a:xfrm>
+            <a:off x="0" y="8685213"/>
+            <a:ext cx="2971800" cy="457200"/>
+          </a:xfrm>
+          <a:prstGeom prst="rect">
+            <a:avLst/>
+          </a:prstGeom>
+        </p:spPr>
+        <p:txBody>
+          <a:bodyPr vert="horz" lIns="91440" tIns="45720" rIns="91440" bIns="45720" rtlCol="0" anchor="b"/>
+          <a:lstStyle>
+            <a:lvl1pPr algn="l">
+              <a:defRPr sz="1200"/>
+            </a:lvl1pPr>
+          </a:lstStyle>
+          <a:p>
+            <a:endParaRPr lang="pt-BR"/>
+          </a:p>
+        </p:txBody>
+      </p:sp>
+      <p:sp>
+        <p:nvSpPr>
+          <p:cNvPr id="7" name="Espaço Reservado para Número de Slide 6"/>
+          <p:cNvSpPr>
+            <a:spLocks noGrp="1"/>
+          </p:cNvSpPr>
+          <p:nvPr>
+            <p:ph type="sldNum" sz="quarter" idx="5"/>
+          </p:nvPr>
+        </p:nvSpPr>
+        <p:spPr>
+          <a:xfrm>
+            <a:off x="3884613" y="8685213"/>
+            <a:ext cx="2971800" cy="457200"/>
+          </a:xfrm>
+          <a:prstGeom prst="rect">
+            <a:avLst/>
+          </a:prstGeom>
+        </p:spPr>
+        <p:txBody>
+          <a:bodyPr vert="horz" lIns="91440" tIns="45720" rIns="91440" bIns="45720" rtlCol="0" anchor="b"/>
+          <a:lstStyle>
+            <a:lvl1pPr algn="r">
+              <a:defRPr sz="1200"/>
+            </a:lvl1pPr>
+          </a:lstStyle>
+          <a:p>
+            <a:fld id="{E48E9D03-FDC8-4440-AE6D-EC6432E90488}" type="slidenum">
+              <a:rPr lang="pt-BR" smtClean="0"/>
+              <a:t>‹nº›</a:t>
+            </a:fld>
+            <a:endParaRPr lang="pt-BR"/>
+          </a:p>
+        </p:txBody>
+      </p:sp>
+    </p:spTree>
+    <p:extLst>
+      <p:ext uri="{BB962C8B-B14F-4D97-AF65-F5344CB8AC3E}">
+        <p14:creationId xmlns:p14="http://schemas.microsoft.com/office/powerpoint/2010/main" val="3498999384"/>
+      </p:ext>
+    </p:extLst>
+  </p:cSld>
+  <p:clrMap bg1="lt1" tx1="dk1" bg2="lt2" tx2="dk2" accent1="accent1" accent2="accent2" accent3="accent3" accent4="accent4" accent5="accent5" accent6="accent6" hlink="hlink" folHlink="folHlink"/>
+  <p:notesStyle>
+    <a:lvl1pPr marL="0" algn="l" defTabSz="914400" rtl="0" eaLnBrk="1" latinLnBrk="0" hangingPunct="1">
+      <a:defRPr sz="1200" kern="1200">
+        <a:solidFill>
+          <a:schemeClr val="tx1"/>
+        </a:solidFill>
+        <a:latin typeface="+mn-lt"/>
+        <a:ea typeface="+mn-ea"/>
+        <a:cs typeface="+mn-cs"/>
+      </a:defRPr>
+    </a:lvl1pPr>
+    <a:lvl2pPr marL="457200" algn="l" defTabSz="914400" rtl="0" eaLnBrk="1" latinLnBrk="0" hangingPunct="1">
+      <a:defRPr sz="1200" kern="1200">
+        <a:solidFill>
+          <a:schemeClr val="tx1"/>
+        </a:solidFill>
+        <a:latin typeface="+mn-lt"/>
+        <a:ea typeface="+mn-ea"/>
+        <a:cs typeface="+mn-cs"/>
+      </a:defRPr>
+    </a:lvl2pPr>
+    <a:lvl3pPr marL="914400" algn="l" defTabSz="914400" rtl="0" eaLnBrk="1" latinLnBrk="0" hangingPunct="1">
+      <a:defRPr sz="1200" kern="1200">
+        <a:solidFill>
+          <a:schemeClr val="tx1"/>
+        </a:solidFill>
+        <a:latin typeface="+mn-lt"/>
+        <a:ea typeface="+mn-ea"/>
+        <a:cs typeface="+mn-cs"/>
+      </a:defRPr>
+    </a:lvl3pPr>
+    <a:lvl4pPr marL="1371600" algn="l" defTabSz="914400" rtl="0" eaLnBrk="1" latinLnBrk="0" hangingPunct="1">
+      <a:defRPr sz="1200" kern="1200">
+        <a:solidFill>
+          <a:schemeClr val="tx1"/>
+        </a:solidFill>
+        <a:latin typeface="+mn-lt"/>
+        <a:ea typeface="+mn-ea"/>
+        <a:cs typeface="+mn-cs"/>
+      </a:defRPr>
+    </a:lvl4pPr>
+    <a:lvl5pPr marL="1828800" algn="l" defTabSz="914400" rtl="0" eaLnBrk="1" latinLnBrk="0" hangingPunct="1">
+      <a:defRPr sz="1200" kern="1200">
+        <a:solidFill>
+          <a:schemeClr val="tx1"/>
+        </a:solidFill>
+        <a:latin typeface="+mn-lt"/>
+        <a:ea typeface="+mn-ea"/>
+        <a:cs typeface="+mn-cs"/>
+      </a:defRPr>
+    </a:lvl5pPr>
+    <a:lvl6pPr marL="2286000" algn="l" defTabSz="914400" rtl="0" eaLnBrk="1" latinLnBrk="0" hangingPunct="1">
+      <a:defRPr sz="1200" kern="1200">
+        <a:solidFill>
+          <a:schemeClr val="tx1"/>
+        </a:solidFill>
+        <a:latin typeface="+mn-lt"/>
+        <a:ea typeface="+mn-ea"/>
+        <a:cs typeface="+mn-cs"/>
+      </a:defRPr>
+    </a:lvl6pPr>
+    <a:lvl7pPr marL="2743200" algn="l" defTabSz="914400" rtl="0" eaLnBrk="1" latinLnBrk="0" hangingPunct="1">
+      <a:defRPr sz="1200" kern="1200">
+        <a:solidFill>
+          <a:schemeClr val="tx1"/>
+        </a:solidFill>
+        <a:latin typeface="+mn-lt"/>
+        <a:ea typeface="+mn-ea"/>
+        <a:cs typeface="+mn-cs"/>
+      </a:defRPr>
+    </a:lvl7pPr>
+    <a:lvl8pPr marL="3200400" algn="l" defTabSz="914400" rtl="0" eaLnBrk="1" latinLnBrk="0" hangingPunct="1">
+      <a:defRPr sz="1200" kern="1200">
+        <a:solidFill>
+          <a:schemeClr val="tx1"/>
+        </a:solidFill>
+        <a:latin typeface="+mn-lt"/>
+        <a:ea typeface="+mn-ea"/>
+        <a:cs typeface="+mn-cs"/>
+      </a:defRPr>
+    </a:lvl8pPr>
+    <a:lvl9pPr marL="3657600" algn="l" defTabSz="914400" rtl="0" eaLnBrk="1" latinLnBrk="0" hangingPunct="1">
+      <a:defRPr sz="1200" kern="1200">
+        <a:solidFill>
+          <a:schemeClr val="tx1"/>
+        </a:solidFill>
+        <a:latin typeface="+mn-lt"/>
+        <a:ea typeface="+mn-ea"/>
+        <a:cs typeface="+mn-cs"/>
+      </a:defRPr>
+    </a:lvl9pPr>
+  </p:notesStyle>
+</p:notesMaster>
+</file>
+
+<file path=ppt/notesSlides/notesSlide1.xml><?xml version="1.0" encoding="utf-8"?>
+<p:notes xmlns:a="http://schemas.openxmlformats.org/drawingml/2006/main" xmlns:r="http://schemas.openxmlformats.org/officeDocument/2006/relationships" xmlns:p="http://schemas.openxmlformats.org/presentationml/2006/main">
+  <p:cSld>
+    <p:spTree>
+      <p:nvGrpSpPr>
+        <p:cNvPr id="1" name=""/>
+        <p:cNvGrpSpPr/>
+        <p:nvPr/>
+      </p:nvGrpSpPr>
+      <p:grpSpPr>
+        <a:xfrm>
+          <a:off x="0" y="0"/>
+          <a:ext cx="0" cy="0"/>
+          <a:chOff x="0" y="0"/>
+          <a:chExt cx="0" cy="0"/>
+        </a:xfrm>
+      </p:grpSpPr>
+      <p:sp>
+        <p:nvSpPr>
+          <p:cNvPr id="2" name="Espaço Reservado para Imagem de Slide 1"/>
+          <p:cNvSpPr>
+            <a:spLocks noGrp="1" noRot="1" noChangeAspect="1"/>
+          </p:cNvSpPr>
+          <p:nvPr>
+            <p:ph type="sldImg"/>
+          </p:nvPr>
+        </p:nvSpPr>
+        <p:spPr/>
+      </p:sp>
+      <p:sp>
+        <p:nvSpPr>
+          <p:cNvPr id="3" name="Espaço Reservado para Anotações 2"/>
+          <p:cNvSpPr>
+            <a:spLocks noGrp="1"/>
+          </p:cNvSpPr>
+          <p:nvPr>
+            <p:ph type="body" idx="1"/>
+          </p:nvPr>
+        </p:nvSpPr>
+        <p:spPr/>
+        <p:txBody>
+          <a:bodyPr/>
+          <a:lstStyle/>
+          <a:p>
+            <a:endParaRPr lang="pt-BR" dirty="0"/>
+          </a:p>
+        </p:txBody>
+      </p:sp>
+      <p:sp>
+        <p:nvSpPr>
+          <p:cNvPr id="4" name="Espaço Reservado para Número de Slide 3"/>
+          <p:cNvSpPr>
+            <a:spLocks noGrp="1"/>
+          </p:cNvSpPr>
+          <p:nvPr>
+            <p:ph type="sldNum" sz="quarter" idx="10"/>
+          </p:nvPr>
+        </p:nvSpPr>
+        <p:spPr/>
+        <p:txBody>
+          <a:bodyPr/>
+          <a:lstStyle/>
+          <a:p>
+            <a:fld id="{E48E9D03-FDC8-4440-AE6D-EC6432E90488}" type="slidenum">
+              <a:rPr lang="pt-BR" smtClean="0"/>
+              <a:t>1</a:t>
+            </a:fld>
+            <a:endParaRPr lang="pt-BR"/>
+          </a:p>
+        </p:txBody>
+      </p:sp>
+    </p:spTree>
+    <p:extLst>
+      <p:ext uri="{BB962C8B-B14F-4D97-AF65-F5344CB8AC3E}">
+        <p14:creationId xmlns:p14="http://schemas.microsoft.com/office/powerpoint/2010/main" val="3751816385"/>
+      </p:ext>
+    </p:extLst>
+  </p:cSld>
+  <p:clrMapOvr>
+    <a:masterClrMapping/>
+  </p:clrMapOvr>
+</p:notes>
 </file>
 
 <file path=ppt/slideLayouts/slideLayout1.xml><?xml version="1.0" encoding="utf-8"?>
@@ -3103,7 +3540,7 @@
           <p:nvPr/>
         </p:nvPicPr>
         <p:blipFill>
-          <a:blip r:embed="rId2">
+          <a:blip r:embed="rId3">
             <a:extLst>
               <a:ext uri="{28A0092B-C50C-407E-A947-70E740481C1C}">
                 <a14:useLocalDpi xmlns:a14="http://schemas.microsoft.com/office/drawing/2010/main" val="0"/>
@@ -3117,7 +3554,7 @@
         </p:blipFill>
         <p:spPr bwMode="auto">
           <a:xfrm>
-            <a:off x="-2628800" y="-315416"/>
+            <a:off x="-2700808" y="811"/>
             <a:ext cx="7242542" cy="5680869"/>
           </a:xfrm>
           <a:prstGeom prst="rect">
@@ -3135,6 +3572,1835 @@
           </a:extLst>
         </p:spPr>
       </p:pic>
+      <p:sp>
+        <p:nvSpPr>
+          <p:cNvPr id="34" name="Triângulo isósceles 1023"/>
+          <p:cNvSpPr/>
+          <p:nvPr/>
+        </p:nvSpPr>
+        <p:spPr>
+          <a:xfrm flipH="1">
+            <a:off x="5041868" y="2561562"/>
+            <a:ext cx="3210897" cy="3837877"/>
+          </a:xfrm>
+          <a:custGeom>
+            <a:avLst/>
+            <a:gdLst/>
+            <a:ahLst/>
+            <a:cxnLst/>
+            <a:rect l="l" t="t" r="r" b="b"/>
+            <a:pathLst>
+              <a:path w="3210897" h="3837877">
+                <a:moveTo>
+                  <a:pt x="1962431" y="3"/>
+                </a:moveTo>
+                <a:cubicBezTo>
+                  <a:pt x="1846991" y="480"/>
+                  <a:pt x="1649720" y="44672"/>
+                  <a:pt x="1537388" y="41420"/>
+                </a:cubicBezTo>
+                <a:cubicBezTo>
+                  <a:pt x="1409008" y="37703"/>
+                  <a:pt x="1324226" y="-5680"/>
+                  <a:pt x="1236134" y="25044"/>
+                </a:cubicBezTo>
+                <a:cubicBezTo>
+                  <a:pt x="1148043" y="55768"/>
+                  <a:pt x="1071978" y="82660"/>
+                  <a:pt x="1008841" y="225767"/>
+                </a:cubicBezTo>
+                <a:cubicBezTo>
+                  <a:pt x="945704" y="368874"/>
+                  <a:pt x="972371" y="500960"/>
+                  <a:pt x="857311" y="1017503"/>
+                </a:cubicBezTo>
+                <a:lnTo>
+                  <a:pt x="846215" y="1121467"/>
+                </a:lnTo>
+                <a:lnTo>
+                  <a:pt x="831458" y="1117969"/>
+                </a:lnTo>
+                <a:cubicBezTo>
+                  <a:pt x="654983" y="1308224"/>
+                  <a:pt x="299747" y="1855367"/>
+                  <a:pt x="195839" y="2288847"/>
+                </a:cubicBezTo>
+                <a:cubicBezTo>
+                  <a:pt x="100852" y="2685113"/>
+                  <a:pt x="-147041" y="3372920"/>
+                  <a:pt x="120472" y="3650235"/>
+                </a:cubicBezTo>
+                <a:cubicBezTo>
+                  <a:pt x="131215" y="3735216"/>
+                  <a:pt x="310309" y="3802430"/>
+                  <a:pt x="529420" y="3802430"/>
+                </a:cubicBezTo>
+                <a:cubicBezTo>
+                  <a:pt x="683619" y="3802430"/>
+                  <a:pt x="818000" y="3769142"/>
+                  <a:pt x="887690" y="3718851"/>
+                </a:cubicBezTo>
+                <a:lnTo>
+                  <a:pt x="960006" y="3718851"/>
+                </a:lnTo>
+                <a:cubicBezTo>
+                  <a:pt x="1016557" y="3787962"/>
+                  <a:pt x="1206943" y="3837877"/>
+                  <a:pt x="1432891" y="3837877"/>
+                </a:cubicBezTo>
+                <a:cubicBezTo>
+                  <a:pt x="1651278" y="3837877"/>
+                  <a:pt x="1836444" y="3791246"/>
+                  <a:pt x="1899538" y="3725440"/>
+                </a:cubicBezTo>
+                <a:cubicBezTo>
+                  <a:pt x="1974215" y="3791578"/>
+                  <a:pt x="2191584" y="3837876"/>
+                  <a:pt x="2447789" y="3837876"/>
+                </a:cubicBezTo>
+                <a:cubicBezTo>
+                  <a:pt x="2722056" y="3837876"/>
+                  <a:pt x="2951819" y="3784820"/>
+                  <a:pt x="3011165" y="3712917"/>
+                </a:cubicBezTo>
+                <a:cubicBezTo>
+                  <a:pt x="3401121" y="3492714"/>
+                  <a:pt x="3117828" y="2719007"/>
+                  <a:pt x="3014716" y="2288847"/>
+                </a:cubicBezTo>
+                <a:cubicBezTo>
+                  <a:pt x="2916660" y="1879779"/>
+                  <a:pt x="2594786" y="1369490"/>
+                  <a:pt x="2410455" y="1153494"/>
+                </a:cubicBezTo>
+                <a:cubicBezTo>
+                  <a:pt x="2403890" y="1115512"/>
+                  <a:pt x="2395110" y="1077701"/>
+                  <a:pt x="2385232" y="1039805"/>
+                </a:cubicBezTo>
+                <a:cubicBezTo>
+                  <a:pt x="2274984" y="495384"/>
+                  <a:pt x="2267678" y="280652"/>
+                  <a:pt x="2145311" y="136557"/>
+                </a:cubicBezTo>
+                <a:cubicBezTo>
+                  <a:pt x="2101115" y="-6550"/>
+                  <a:pt x="2107728" y="18597"/>
+                  <a:pt x="2006408" y="2741"/>
+                </a:cubicBezTo>
+                <a:cubicBezTo>
+                  <a:pt x="1993743" y="759"/>
+                  <a:pt x="1978922" y="-65"/>
+                  <a:pt x="1962431" y="3"/>
+                </a:cubicBezTo>
+                <a:close/>
+              </a:path>
+            </a:pathLst>
+          </a:custGeom>
+          <a:effectLst>
+            <a:outerShdw blurRad="50800" dist="38100" dir="5400000" algn="t" rotWithShape="0">
+              <a:prstClr val="black">
+                <a:alpha val="40000"/>
+              </a:prstClr>
+            </a:outerShdw>
+          </a:effectLst>
+        </p:spPr>
+        <p:style>
+          <a:lnRef idx="2">
+            <a:schemeClr val="accent1">
+              <a:shade val="50000"/>
+            </a:schemeClr>
+          </a:lnRef>
+          <a:fillRef idx="1">
+            <a:schemeClr val="accent1"/>
+          </a:fillRef>
+          <a:effectRef idx="0">
+            <a:schemeClr val="accent1"/>
+          </a:effectRef>
+          <a:fontRef idx="minor">
+            <a:schemeClr val="lt1"/>
+          </a:fontRef>
+        </p:style>
+        <p:txBody>
+          <a:bodyPr rtlCol="0" anchor="ctr"/>
+          <a:lstStyle/>
+          <a:p>
+            <a:pPr algn="ctr"/>
+            <a:endParaRPr lang="pt-BR"/>
+          </a:p>
+        </p:txBody>
+      </p:sp>
+      <p:sp>
+        <p:nvSpPr>
+          <p:cNvPr id="1036" name="Elipse 1035"/>
+          <p:cNvSpPr/>
+          <p:nvPr/>
+        </p:nvSpPr>
+        <p:spPr>
+          <a:xfrm rot="19378302">
+            <a:off x="6269761" y="2255098"/>
+            <a:ext cx="635667" cy="1685119"/>
+          </a:xfrm>
+          <a:custGeom>
+            <a:avLst/>
+            <a:gdLst/>
+            <a:ahLst/>
+            <a:cxnLst/>
+            <a:rect l="l" t="t" r="r" b="b"/>
+            <a:pathLst>
+              <a:path w="635667" h="1540952">
+                <a:moveTo>
+                  <a:pt x="468496" y="17012"/>
+                </a:moveTo>
+                <a:cubicBezTo>
+                  <a:pt x="548669" y="58865"/>
+                  <a:pt x="537027" y="258372"/>
+                  <a:pt x="598629" y="400854"/>
+                </a:cubicBezTo>
+                <a:cubicBezTo>
+                  <a:pt x="660232" y="543336"/>
+                  <a:pt x="636644" y="600503"/>
+                  <a:pt x="588535" y="795386"/>
+                </a:cubicBezTo>
+                <a:cubicBezTo>
+                  <a:pt x="540426" y="990269"/>
+                  <a:pt x="429907" y="1540952"/>
+                  <a:pt x="234229" y="1540952"/>
+                </a:cubicBezTo>
+                <a:cubicBezTo>
+                  <a:pt x="140626" y="1540952"/>
+                  <a:pt x="59949" y="1423408"/>
+                  <a:pt x="0" y="1275033"/>
+                </a:cubicBezTo>
+                <a:cubicBezTo>
+                  <a:pt x="105437" y="1169321"/>
+                  <a:pt x="191250" y="1005829"/>
+                  <a:pt x="232092" y="813127"/>
+                </a:cubicBezTo>
+                <a:cubicBezTo>
+                  <a:pt x="290275" y="538597"/>
+                  <a:pt x="240982" y="281230"/>
+                  <a:pt x="119813" y="145898"/>
+                </a:cubicBezTo>
+                <a:cubicBezTo>
+                  <a:pt x="178189" y="6645"/>
+                  <a:pt x="389093" y="-24439"/>
+                  <a:pt x="468496" y="17012"/>
+                </a:cubicBezTo>
+                <a:close/>
+              </a:path>
+            </a:pathLst>
+          </a:custGeom>
+          <a:solidFill>
+            <a:schemeClr val="bg1"/>
+          </a:solidFill>
+          <a:ln w="3175">
+            <a:solidFill>
+              <a:schemeClr val="tx1">
+                <a:lumMod val="50000"/>
+                <a:lumOff val="50000"/>
+              </a:schemeClr>
+            </a:solidFill>
+          </a:ln>
+        </p:spPr>
+        <p:style>
+          <a:lnRef idx="2">
+            <a:schemeClr val="accent1">
+              <a:shade val="50000"/>
+            </a:schemeClr>
+          </a:lnRef>
+          <a:fillRef idx="1">
+            <a:schemeClr val="accent1"/>
+          </a:fillRef>
+          <a:effectRef idx="0">
+            <a:schemeClr val="accent1"/>
+          </a:effectRef>
+          <a:fontRef idx="minor">
+            <a:schemeClr val="lt1"/>
+          </a:fontRef>
+        </p:style>
+        <p:txBody>
+          <a:bodyPr rtlCol="0" anchor="ctr"/>
+          <a:lstStyle/>
+          <a:p>
+            <a:pPr algn="ctr"/>
+            <a:endParaRPr lang="pt-BR"/>
+          </a:p>
+        </p:txBody>
+      </p:sp>
+      <p:sp>
+        <p:nvSpPr>
+          <p:cNvPr id="1028" name="Retângulo de cantos arredondados 1027"/>
+          <p:cNvSpPr/>
+          <p:nvPr/>
+        </p:nvSpPr>
+        <p:spPr>
+          <a:xfrm>
+            <a:off x="5370121" y="3717032"/>
+            <a:ext cx="2958594" cy="2485608"/>
+          </a:xfrm>
+          <a:custGeom>
+            <a:avLst/>
+            <a:gdLst/>
+            <a:ahLst/>
+            <a:cxnLst/>
+            <a:rect l="l" t="t" r="r" b="b"/>
+            <a:pathLst>
+              <a:path w="2958594" h="2485608">
+                <a:moveTo>
+                  <a:pt x="892789" y="0"/>
+                </a:moveTo>
+                <a:lnTo>
+                  <a:pt x="2070607" y="0"/>
+                </a:lnTo>
+                <a:lnTo>
+                  <a:pt x="2177853" y="91178"/>
+                </a:lnTo>
+                <a:lnTo>
+                  <a:pt x="2177853" y="113449"/>
+                </a:lnTo>
+                <a:lnTo>
+                  <a:pt x="2192140" y="110296"/>
+                </a:lnTo>
+                <a:cubicBezTo>
+                  <a:pt x="2354728" y="273527"/>
+                  <a:pt x="2682010" y="742956"/>
+                  <a:pt x="2777741" y="1114866"/>
+                </a:cubicBezTo>
+                <a:cubicBezTo>
+                  <a:pt x="2841346" y="1361961"/>
+                  <a:pt x="2979361" y="1741182"/>
+                  <a:pt x="2953047" y="2021534"/>
+                </a:cubicBezTo>
+                <a:cubicBezTo>
+                  <a:pt x="2956811" y="2039060"/>
+                  <a:pt x="2958594" y="2057224"/>
+                  <a:pt x="2958594" y="2075798"/>
+                </a:cubicBezTo>
+                <a:cubicBezTo>
+                  <a:pt x="2958594" y="2127702"/>
+                  <a:pt x="2944674" y="2176399"/>
+                  <a:pt x="2919191" y="2217806"/>
+                </a:cubicBezTo>
+                <a:cubicBezTo>
+                  <a:pt x="2921264" y="2221182"/>
+                  <a:pt x="2921464" y="2224783"/>
+                  <a:pt x="2921464" y="2228405"/>
+                </a:cubicBezTo>
+                <a:cubicBezTo>
+                  <a:pt x="2921464" y="2341571"/>
+                  <a:pt x="2726242" y="2433310"/>
+                  <a:pt x="2485424" y="2433310"/>
+                </a:cubicBezTo>
+                <a:cubicBezTo>
+                  <a:pt x="2357326" y="2433310"/>
+                  <a:pt x="2242129" y="2407353"/>
+                  <a:pt x="2162803" y="2365154"/>
+                </a:cubicBezTo>
+                <a:cubicBezTo>
+                  <a:pt x="2122468" y="2437118"/>
+                  <a:pt x="2026993" y="2485608"/>
+                  <a:pt x="1916276" y="2485608"/>
+                </a:cubicBezTo>
+                <a:cubicBezTo>
+                  <a:pt x="1804446" y="2485608"/>
+                  <a:pt x="1708164" y="2436137"/>
+                  <a:pt x="1665350" y="2364765"/>
+                </a:cubicBezTo>
+                <a:cubicBezTo>
+                  <a:pt x="1609814" y="2436488"/>
+                  <a:pt x="1483658" y="2485608"/>
+                  <a:pt x="1337212" y="2485608"/>
+                </a:cubicBezTo>
+                <a:cubicBezTo>
+                  <a:pt x="1181309" y="2485608"/>
+                  <a:pt x="1048400" y="2429938"/>
+                  <a:pt x="998232" y="2351204"/>
+                </a:cubicBezTo>
+                <a:cubicBezTo>
+                  <a:pt x="933035" y="2425943"/>
+                  <a:pt x="777111" y="2477378"/>
+                  <a:pt x="595428" y="2477378"/>
+                </a:cubicBezTo>
+                <a:cubicBezTo>
+                  <a:pt x="398415" y="2477378"/>
+                  <a:pt x="231691" y="2416896"/>
+                  <a:pt x="177509" y="2332532"/>
+                </a:cubicBezTo>
+                <a:cubicBezTo>
+                  <a:pt x="-172043" y="2139413"/>
+                  <a:pt x="86284" y="1481609"/>
+                  <a:pt x="180685" y="1114866"/>
+                </a:cubicBezTo>
+                <a:cubicBezTo>
+                  <a:pt x="273792" y="753147"/>
+                  <a:pt x="585936" y="299180"/>
+                  <a:pt x="752762" y="124564"/>
+                </a:cubicBezTo>
+                <a:lnTo>
+                  <a:pt x="752762" y="120233"/>
+                </a:lnTo>
+                <a:close/>
+              </a:path>
+            </a:pathLst>
+          </a:custGeom>
+          <a:solidFill>
+            <a:schemeClr val="bg1"/>
+          </a:solidFill>
+          <a:ln w="3175">
+            <a:solidFill>
+              <a:schemeClr val="tx1">
+                <a:lumMod val="50000"/>
+                <a:lumOff val="50000"/>
+              </a:schemeClr>
+            </a:solidFill>
+          </a:ln>
+          <a:effectLst>
+            <a:outerShdw blurRad="203200" algn="tr" rotWithShape="0">
+              <a:prstClr val="black">
+                <a:alpha val="10000"/>
+              </a:prstClr>
+            </a:outerShdw>
+          </a:effectLst>
+        </p:spPr>
+        <p:style>
+          <a:lnRef idx="2">
+            <a:schemeClr val="accent1">
+              <a:shade val="50000"/>
+            </a:schemeClr>
+          </a:lnRef>
+          <a:fillRef idx="1">
+            <a:schemeClr val="accent1"/>
+          </a:fillRef>
+          <a:effectRef idx="0">
+            <a:schemeClr val="accent1"/>
+          </a:effectRef>
+          <a:fontRef idx="minor">
+            <a:schemeClr val="lt1"/>
+          </a:fontRef>
+        </p:style>
+        <p:txBody>
+          <a:bodyPr rtlCol="0" anchor="ctr"/>
+          <a:lstStyle/>
+          <a:p>
+            <a:pPr algn="ctr"/>
+            <a:endParaRPr lang="pt-BR"/>
+          </a:p>
+        </p:txBody>
+      </p:sp>
+      <p:sp>
+        <p:nvSpPr>
+          <p:cNvPr id="1034" name="Retângulo 1033"/>
+          <p:cNvSpPr/>
+          <p:nvPr/>
+        </p:nvSpPr>
+        <p:spPr>
+          <a:xfrm>
+            <a:off x="5799298" y="3717032"/>
+            <a:ext cx="1692666" cy="45719"/>
+          </a:xfrm>
+          <a:custGeom>
+            <a:avLst/>
+            <a:gdLst/>
+            <a:ahLst/>
+            <a:cxnLst/>
+            <a:rect l="l" t="t" r="r" b="b"/>
+            <a:pathLst>
+              <a:path w="1692666" h="45719">
+                <a:moveTo>
+                  <a:pt x="36404" y="0"/>
+                </a:moveTo>
+                <a:lnTo>
+                  <a:pt x="1655410" y="0"/>
+                </a:lnTo>
+                <a:lnTo>
+                  <a:pt x="1692666" y="45719"/>
+                </a:lnTo>
+                <a:lnTo>
+                  <a:pt x="0" y="45719"/>
+                </a:lnTo>
+                <a:close/>
+              </a:path>
+            </a:pathLst>
+          </a:custGeom>
+          <a:solidFill>
+            <a:schemeClr val="bg1"/>
+          </a:solidFill>
+          <a:ln w="6350">
+            <a:solidFill>
+              <a:schemeClr val="tx1">
+                <a:lumMod val="50000"/>
+                <a:lumOff val="50000"/>
+              </a:schemeClr>
+            </a:solidFill>
+          </a:ln>
+        </p:spPr>
+        <p:style>
+          <a:lnRef idx="2">
+            <a:schemeClr val="accent1">
+              <a:shade val="50000"/>
+            </a:schemeClr>
+          </a:lnRef>
+          <a:fillRef idx="1">
+            <a:schemeClr val="accent1"/>
+          </a:fillRef>
+          <a:effectRef idx="0">
+            <a:schemeClr val="accent1"/>
+          </a:effectRef>
+          <a:fontRef idx="minor">
+            <a:schemeClr val="lt1"/>
+          </a:fontRef>
+        </p:style>
+        <p:txBody>
+          <a:bodyPr rtlCol="0" anchor="ctr"/>
+          <a:lstStyle/>
+          <a:p>
+            <a:pPr algn="ctr"/>
+            <a:endParaRPr lang="pt-BR"/>
+          </a:p>
+        </p:txBody>
+      </p:sp>
+      <p:sp>
+        <p:nvSpPr>
+          <p:cNvPr id="31" name="Retângulo de cantos arredondados 30"/>
+          <p:cNvSpPr/>
+          <p:nvPr/>
+        </p:nvSpPr>
+        <p:spPr>
+          <a:xfrm rot="19045118">
+            <a:off x="5846634" y="2666800"/>
+            <a:ext cx="807320" cy="1273449"/>
+          </a:xfrm>
+          <a:custGeom>
+            <a:avLst/>
+            <a:gdLst/>
+            <a:ahLst/>
+            <a:cxnLst/>
+            <a:rect l="l" t="t" r="r" b="b"/>
+            <a:pathLst>
+              <a:path w="764118" h="1147657">
+                <a:moveTo>
+                  <a:pt x="662309" y="18562"/>
+                </a:moveTo>
+                <a:cubicBezTo>
+                  <a:pt x="667696" y="24197"/>
+                  <a:pt x="672068" y="30980"/>
+                  <a:pt x="675008" y="38726"/>
+                </a:cubicBezTo>
+                <a:lnTo>
+                  <a:pt x="760195" y="263125"/>
+                </a:lnTo>
+                <a:cubicBezTo>
+                  <a:pt x="771958" y="294109"/>
+                  <a:pt x="756376" y="328761"/>
+                  <a:pt x="725391" y="340524"/>
+                </a:cubicBezTo>
+                <a:lnTo>
+                  <a:pt x="360040" y="479220"/>
+                </a:lnTo>
+                <a:lnTo>
+                  <a:pt x="360040" y="1087649"/>
+                </a:lnTo>
+                <a:cubicBezTo>
+                  <a:pt x="360040" y="1120791"/>
+                  <a:pt x="333174" y="1147657"/>
+                  <a:pt x="300032" y="1147657"/>
+                </a:cubicBezTo>
+                <a:lnTo>
+                  <a:pt x="60008" y="1147657"/>
+                </a:lnTo>
+                <a:cubicBezTo>
+                  <a:pt x="26866" y="1147657"/>
+                  <a:pt x="0" y="1120791"/>
+                  <a:pt x="0" y="1087649"/>
+                </a:cubicBezTo>
+                <a:lnTo>
+                  <a:pt x="0" y="271497"/>
+                </a:lnTo>
+                <a:cubicBezTo>
+                  <a:pt x="0" y="245098"/>
+                  <a:pt x="17046" y="222681"/>
+                  <a:pt x="40963" y="215334"/>
+                </a:cubicBezTo>
+                <a:cubicBezTo>
+                  <a:pt x="41068" y="215199"/>
+                  <a:pt x="41206" y="215146"/>
+                  <a:pt x="41344" y="215094"/>
+                </a:cubicBezTo>
+                <a:lnTo>
+                  <a:pt x="597609" y="3922"/>
+                </a:lnTo>
+                <a:cubicBezTo>
+                  <a:pt x="620847" y="-4900"/>
+                  <a:pt x="646149" y="1660"/>
+                  <a:pt x="662309" y="18562"/>
+                </a:cubicBezTo>
+                <a:close/>
+              </a:path>
+            </a:pathLst>
+          </a:custGeom>
+        </p:spPr>
+        <p:style>
+          <a:lnRef idx="2">
+            <a:schemeClr val="accent1">
+              <a:shade val="50000"/>
+            </a:schemeClr>
+          </a:lnRef>
+          <a:fillRef idx="1">
+            <a:schemeClr val="accent1"/>
+          </a:fillRef>
+          <a:effectRef idx="0">
+            <a:schemeClr val="accent1"/>
+          </a:effectRef>
+          <a:fontRef idx="minor">
+            <a:schemeClr val="lt1"/>
+          </a:fontRef>
+        </p:style>
+        <p:txBody>
+          <a:bodyPr rtlCol="0" anchor="ctr"/>
+          <a:lstStyle/>
+          <a:p>
+            <a:pPr algn="ctr"/>
+            <a:endParaRPr lang="pt-BR"/>
+          </a:p>
+        </p:txBody>
+      </p:sp>
+      <p:grpSp>
+        <p:nvGrpSpPr>
+          <p:cNvPr id="1037" name="Grupo 1036"/>
+          <p:cNvGrpSpPr/>
+          <p:nvPr/>
+        </p:nvGrpSpPr>
+        <p:grpSpPr>
+          <a:xfrm>
+            <a:off x="5854742" y="838251"/>
+            <a:ext cx="2085174" cy="1822698"/>
+            <a:chOff x="5705759" y="765867"/>
+            <a:chExt cx="2085174" cy="1822698"/>
+          </a:xfrm>
+        </p:grpSpPr>
+        <p:sp>
+          <p:nvSpPr>
+            <p:cNvPr id="4" name="Fluxograma: Mesclar 6"/>
+            <p:cNvSpPr/>
+            <p:nvPr/>
+          </p:nvSpPr>
+          <p:spPr>
+            <a:xfrm rot="8853205">
+              <a:off x="5705759" y="765867"/>
+              <a:ext cx="552294" cy="880025"/>
+            </a:xfrm>
+            <a:custGeom>
+              <a:avLst/>
+              <a:gdLst>
+                <a:gd name="connsiteX0" fmla="*/ 0 w 10000"/>
+                <a:gd name="connsiteY0" fmla="*/ 0 h 10000"/>
+                <a:gd name="connsiteX1" fmla="*/ 10000 w 10000"/>
+                <a:gd name="connsiteY1" fmla="*/ 0 h 10000"/>
+                <a:gd name="connsiteX2" fmla="*/ 5000 w 10000"/>
+                <a:gd name="connsiteY2" fmla="*/ 10000 h 10000"/>
+                <a:gd name="connsiteX3" fmla="*/ 0 w 10000"/>
+                <a:gd name="connsiteY3" fmla="*/ 0 h 10000"/>
+                <a:gd name="connsiteX0" fmla="*/ 0 w 10333"/>
+                <a:gd name="connsiteY0" fmla="*/ 0 h 10000"/>
+                <a:gd name="connsiteX1" fmla="*/ 10000 w 10333"/>
+                <a:gd name="connsiteY1" fmla="*/ 0 h 10000"/>
+                <a:gd name="connsiteX2" fmla="*/ 10226 w 10333"/>
+                <a:gd name="connsiteY2" fmla="*/ 4230 h 10000"/>
+                <a:gd name="connsiteX3" fmla="*/ 5000 w 10333"/>
+                <a:gd name="connsiteY3" fmla="*/ 10000 h 10000"/>
+                <a:gd name="connsiteX4" fmla="*/ 0 w 10333"/>
+                <a:gd name="connsiteY4" fmla="*/ 0 h 10000"/>
+                <a:gd name="connsiteX0" fmla="*/ 0 w 11339"/>
+                <a:gd name="connsiteY0" fmla="*/ 0 h 10000"/>
+                <a:gd name="connsiteX1" fmla="*/ 10000 w 11339"/>
+                <a:gd name="connsiteY1" fmla="*/ 0 h 10000"/>
+                <a:gd name="connsiteX2" fmla="*/ 11311 w 11339"/>
+                <a:gd name="connsiteY2" fmla="*/ 1212 h 10000"/>
+                <a:gd name="connsiteX3" fmla="*/ 10226 w 11339"/>
+                <a:gd name="connsiteY3" fmla="*/ 4230 h 10000"/>
+                <a:gd name="connsiteX4" fmla="*/ 5000 w 11339"/>
+                <a:gd name="connsiteY4" fmla="*/ 10000 h 10000"/>
+                <a:gd name="connsiteX5" fmla="*/ 0 w 11339"/>
+                <a:gd name="connsiteY5" fmla="*/ 0 h 10000"/>
+                <a:gd name="connsiteX0" fmla="*/ 799 w 12138"/>
+                <a:gd name="connsiteY0" fmla="*/ 0 h 10000"/>
+                <a:gd name="connsiteX1" fmla="*/ 10799 w 12138"/>
+                <a:gd name="connsiteY1" fmla="*/ 0 h 10000"/>
+                <a:gd name="connsiteX2" fmla="*/ 12110 w 12138"/>
+                <a:gd name="connsiteY2" fmla="*/ 1212 h 10000"/>
+                <a:gd name="connsiteX3" fmla="*/ 11025 w 12138"/>
+                <a:gd name="connsiteY3" fmla="*/ 4230 h 10000"/>
+                <a:gd name="connsiteX4" fmla="*/ 5799 w 12138"/>
+                <a:gd name="connsiteY4" fmla="*/ 10000 h 10000"/>
+                <a:gd name="connsiteX5" fmla="*/ 0 w 12138"/>
+                <a:gd name="connsiteY5" fmla="*/ 3484 h 10000"/>
+                <a:gd name="connsiteX6" fmla="*/ 799 w 12138"/>
+                <a:gd name="connsiteY6" fmla="*/ 0 h 10000"/>
+                <a:gd name="connsiteX0" fmla="*/ 1151 w 12490"/>
+                <a:gd name="connsiteY0" fmla="*/ 0 h 10000"/>
+                <a:gd name="connsiteX1" fmla="*/ 11151 w 12490"/>
+                <a:gd name="connsiteY1" fmla="*/ 0 h 10000"/>
+                <a:gd name="connsiteX2" fmla="*/ 12462 w 12490"/>
+                <a:gd name="connsiteY2" fmla="*/ 1212 h 10000"/>
+                <a:gd name="connsiteX3" fmla="*/ 11377 w 12490"/>
+                <a:gd name="connsiteY3" fmla="*/ 4230 h 10000"/>
+                <a:gd name="connsiteX4" fmla="*/ 6151 w 12490"/>
+                <a:gd name="connsiteY4" fmla="*/ 10000 h 10000"/>
+                <a:gd name="connsiteX5" fmla="*/ 352 w 12490"/>
+                <a:gd name="connsiteY5" fmla="*/ 3484 h 10000"/>
+                <a:gd name="connsiteX6" fmla="*/ 29 w 12490"/>
+                <a:gd name="connsiteY6" fmla="*/ 1317 h 10000"/>
+                <a:gd name="connsiteX7" fmla="*/ 1151 w 12490"/>
+                <a:gd name="connsiteY7" fmla="*/ 0 h 10000"/>
+              </a:gdLst>
+              <a:ahLst/>
+              <a:cxnLst>
+                <a:cxn ang="0">
+                  <a:pos x="connsiteX0" y="connsiteY0"/>
+                </a:cxn>
+                <a:cxn ang="0">
+                  <a:pos x="connsiteX1" y="connsiteY1"/>
+                </a:cxn>
+                <a:cxn ang="0">
+                  <a:pos x="connsiteX2" y="connsiteY2"/>
+                </a:cxn>
+                <a:cxn ang="0">
+                  <a:pos x="connsiteX3" y="connsiteY3"/>
+                </a:cxn>
+                <a:cxn ang="0">
+                  <a:pos x="connsiteX4" y="connsiteY4"/>
+                </a:cxn>
+                <a:cxn ang="0">
+                  <a:pos x="connsiteX5" y="connsiteY5"/>
+                </a:cxn>
+                <a:cxn ang="0">
+                  <a:pos x="connsiteX6" y="connsiteY6"/>
+                </a:cxn>
+                <a:cxn ang="0">
+                  <a:pos x="connsiteX7" y="connsiteY7"/>
+                </a:cxn>
+              </a:cxnLst>
+              <a:rect l="l" t="t" r="r" b="b"/>
+              <a:pathLst>
+                <a:path w="12490" h="10000">
+                  <a:moveTo>
+                    <a:pt x="1151" y="0"/>
+                  </a:moveTo>
+                  <a:lnTo>
+                    <a:pt x="11151" y="0"/>
+                  </a:lnTo>
+                  <a:cubicBezTo>
+                    <a:pt x="12885" y="239"/>
+                    <a:pt x="12424" y="507"/>
+                    <a:pt x="12462" y="1212"/>
+                  </a:cubicBezTo>
+                  <a:cubicBezTo>
+                    <a:pt x="12500" y="1917"/>
+                    <a:pt x="12278" y="2802"/>
+                    <a:pt x="11377" y="4230"/>
+                  </a:cubicBezTo>
+                  <a:lnTo>
+                    <a:pt x="6151" y="10000"/>
+                  </a:lnTo>
+                  <a:cubicBezTo>
+                    <a:pt x="5043" y="7832"/>
+                    <a:pt x="1460" y="5652"/>
+                    <a:pt x="352" y="3484"/>
+                  </a:cubicBezTo>
+                  <a:cubicBezTo>
+                    <a:pt x="526" y="2745"/>
+                    <a:pt x="-145" y="2056"/>
+                    <a:pt x="29" y="1317"/>
+                  </a:cubicBezTo>
+                  <a:lnTo>
+                    <a:pt x="1151" y="0"/>
+                  </a:lnTo>
+                  <a:close/>
+                </a:path>
+              </a:pathLst>
+            </a:custGeom>
+            <a:solidFill>
+              <a:srgbClr val="FCC7A6"/>
+            </a:solidFill>
+            <a:ln>
+              <a:noFill/>
+            </a:ln>
+          </p:spPr>
+          <p:style>
+            <a:lnRef idx="2">
+              <a:schemeClr val="accent1">
+                <a:shade val="50000"/>
+              </a:schemeClr>
+            </a:lnRef>
+            <a:fillRef idx="1">
+              <a:schemeClr val="accent1"/>
+            </a:fillRef>
+            <a:effectRef idx="0">
+              <a:schemeClr val="accent1"/>
+            </a:effectRef>
+            <a:fontRef idx="minor">
+              <a:schemeClr val="lt1"/>
+            </a:fontRef>
+          </p:style>
+          <p:txBody>
+            <a:bodyPr rtlCol="0" anchor="ctr"/>
+            <a:lstStyle/>
+            <a:p>
+              <a:pPr algn="ctr"/>
+              <a:endParaRPr lang="pt-BR" dirty="0"/>
+            </a:p>
+          </p:txBody>
+        </p:sp>
+        <p:sp>
+          <p:nvSpPr>
+            <p:cNvPr id="5" name="Elipse 4"/>
+            <p:cNvSpPr/>
+            <p:nvPr/>
+          </p:nvSpPr>
+          <p:spPr>
+            <a:xfrm>
+              <a:off x="5796136" y="1220382"/>
+              <a:ext cx="1547054" cy="1368183"/>
+            </a:xfrm>
+            <a:custGeom>
+              <a:avLst/>
+              <a:gdLst>
+                <a:gd name="connsiteX0" fmla="*/ 0 w 1440160"/>
+                <a:gd name="connsiteY0" fmla="*/ 684076 h 1368152"/>
+                <a:gd name="connsiteX1" fmla="*/ 720080 w 1440160"/>
+                <a:gd name="connsiteY1" fmla="*/ 0 h 1368152"/>
+                <a:gd name="connsiteX2" fmla="*/ 1440160 w 1440160"/>
+                <a:gd name="connsiteY2" fmla="*/ 684076 h 1368152"/>
+                <a:gd name="connsiteX3" fmla="*/ 720080 w 1440160"/>
+                <a:gd name="connsiteY3" fmla="*/ 1368152 h 1368152"/>
+                <a:gd name="connsiteX4" fmla="*/ 0 w 1440160"/>
+                <a:gd name="connsiteY4" fmla="*/ 684076 h 1368152"/>
+                <a:gd name="connsiteX0" fmla="*/ 12843 w 1453003"/>
+                <a:gd name="connsiteY0" fmla="*/ 684076 h 1390469"/>
+                <a:gd name="connsiteX1" fmla="*/ 732923 w 1453003"/>
+                <a:gd name="connsiteY1" fmla="*/ 0 h 1390469"/>
+                <a:gd name="connsiteX2" fmla="*/ 1453003 w 1453003"/>
+                <a:gd name="connsiteY2" fmla="*/ 684076 h 1390469"/>
+                <a:gd name="connsiteX3" fmla="*/ 732923 w 1453003"/>
+                <a:gd name="connsiteY3" fmla="*/ 1368152 h 1390469"/>
+                <a:gd name="connsiteX4" fmla="*/ 305026 w 1453003"/>
+                <a:gd name="connsiteY4" fmla="*/ 1174905 h 1390469"/>
+                <a:gd name="connsiteX5" fmla="*/ 12843 w 1453003"/>
+                <a:gd name="connsiteY5" fmla="*/ 684076 h 1390469"/>
+                <a:gd name="connsiteX0" fmla="*/ 12843 w 1465518"/>
+                <a:gd name="connsiteY0" fmla="*/ 684076 h 1368183"/>
+                <a:gd name="connsiteX1" fmla="*/ 732923 w 1465518"/>
+                <a:gd name="connsiteY1" fmla="*/ 0 h 1368183"/>
+                <a:gd name="connsiteX2" fmla="*/ 1453003 w 1465518"/>
+                <a:gd name="connsiteY2" fmla="*/ 684076 h 1368183"/>
+                <a:gd name="connsiteX3" fmla="*/ 1174822 w 1465518"/>
+                <a:gd name="connsiteY3" fmla="*/ 1163754 h 1368183"/>
+                <a:gd name="connsiteX4" fmla="*/ 732923 w 1465518"/>
+                <a:gd name="connsiteY4" fmla="*/ 1368152 h 1368183"/>
+                <a:gd name="connsiteX5" fmla="*/ 305026 w 1465518"/>
+                <a:gd name="connsiteY5" fmla="*/ 1174905 h 1368183"/>
+                <a:gd name="connsiteX6" fmla="*/ 12843 w 1465518"/>
+                <a:gd name="connsiteY6" fmla="*/ 684076 h 1368183"/>
+              </a:gdLst>
+              <a:ahLst/>
+              <a:cxnLst>
+                <a:cxn ang="0">
+                  <a:pos x="connsiteX0" y="connsiteY0"/>
+                </a:cxn>
+                <a:cxn ang="0">
+                  <a:pos x="connsiteX1" y="connsiteY1"/>
+                </a:cxn>
+                <a:cxn ang="0">
+                  <a:pos x="connsiteX2" y="connsiteY2"/>
+                </a:cxn>
+                <a:cxn ang="0">
+                  <a:pos x="connsiteX3" y="connsiteY3"/>
+                </a:cxn>
+                <a:cxn ang="0">
+                  <a:pos x="connsiteX4" y="connsiteY4"/>
+                </a:cxn>
+                <a:cxn ang="0">
+                  <a:pos x="connsiteX5" y="connsiteY5"/>
+                </a:cxn>
+                <a:cxn ang="0">
+                  <a:pos x="connsiteX6" y="connsiteY6"/>
+                </a:cxn>
+              </a:cxnLst>
+              <a:rect l="l" t="t" r="r" b="b"/>
+              <a:pathLst>
+                <a:path w="1465518" h="1368183">
+                  <a:moveTo>
+                    <a:pt x="12843" y="684076"/>
+                  </a:moveTo>
+                  <a:cubicBezTo>
+                    <a:pt x="84159" y="488259"/>
+                    <a:pt x="335234" y="0"/>
+                    <a:pt x="732923" y="0"/>
+                  </a:cubicBezTo>
+                  <a:cubicBezTo>
+                    <a:pt x="1130612" y="0"/>
+                    <a:pt x="1384929" y="493834"/>
+                    <a:pt x="1453003" y="684076"/>
+                  </a:cubicBezTo>
+                  <a:cubicBezTo>
+                    <a:pt x="1521077" y="874318"/>
+                    <a:pt x="1294835" y="1049741"/>
+                    <a:pt x="1174822" y="1163754"/>
+                  </a:cubicBezTo>
+                  <a:cubicBezTo>
+                    <a:pt x="1054809" y="1277767"/>
+                    <a:pt x="877889" y="1366294"/>
+                    <a:pt x="732923" y="1368152"/>
+                  </a:cubicBezTo>
+                  <a:cubicBezTo>
+                    <a:pt x="587957" y="1370010"/>
+                    <a:pt x="425039" y="1288918"/>
+                    <a:pt x="305026" y="1174905"/>
+                  </a:cubicBezTo>
+                  <a:cubicBezTo>
+                    <a:pt x="185013" y="1060892"/>
+                    <a:pt x="-58473" y="879893"/>
+                    <a:pt x="12843" y="684076"/>
+                  </a:cubicBezTo>
+                  <a:close/>
+                </a:path>
+              </a:pathLst>
+            </a:custGeom>
+            <a:solidFill>
+              <a:srgbClr val="FCC7A6"/>
+            </a:solidFill>
+            <a:ln>
+              <a:noFill/>
+            </a:ln>
+          </p:spPr>
+          <p:style>
+            <a:lnRef idx="2">
+              <a:schemeClr val="accent1">
+                <a:shade val="50000"/>
+              </a:schemeClr>
+            </a:lnRef>
+            <a:fillRef idx="1">
+              <a:schemeClr val="accent1"/>
+            </a:fillRef>
+            <a:effectRef idx="0">
+              <a:schemeClr val="accent1"/>
+            </a:effectRef>
+            <a:fontRef idx="minor">
+              <a:schemeClr val="lt1"/>
+            </a:fontRef>
+          </p:style>
+          <p:txBody>
+            <a:bodyPr rtlCol="0" anchor="ctr"/>
+            <a:lstStyle/>
+            <a:p>
+              <a:pPr algn="ctr"/>
+              <a:endParaRPr lang="pt-BR"/>
+            </a:p>
+          </p:txBody>
+        </p:sp>
+        <p:sp>
+          <p:nvSpPr>
+            <p:cNvPr id="6" name="Fluxograma: Mesclar 6"/>
+            <p:cNvSpPr/>
+            <p:nvPr/>
+          </p:nvSpPr>
+          <p:spPr>
+            <a:xfrm rot="14804630">
+              <a:off x="7077308" y="999209"/>
+              <a:ext cx="547226" cy="880025"/>
+            </a:xfrm>
+            <a:custGeom>
+              <a:avLst/>
+              <a:gdLst>
+                <a:gd name="connsiteX0" fmla="*/ 0 w 10000"/>
+                <a:gd name="connsiteY0" fmla="*/ 0 h 10000"/>
+                <a:gd name="connsiteX1" fmla="*/ 10000 w 10000"/>
+                <a:gd name="connsiteY1" fmla="*/ 0 h 10000"/>
+                <a:gd name="connsiteX2" fmla="*/ 5000 w 10000"/>
+                <a:gd name="connsiteY2" fmla="*/ 10000 h 10000"/>
+                <a:gd name="connsiteX3" fmla="*/ 0 w 10000"/>
+                <a:gd name="connsiteY3" fmla="*/ 0 h 10000"/>
+                <a:gd name="connsiteX0" fmla="*/ 0 w 10333"/>
+                <a:gd name="connsiteY0" fmla="*/ 0 h 10000"/>
+                <a:gd name="connsiteX1" fmla="*/ 10000 w 10333"/>
+                <a:gd name="connsiteY1" fmla="*/ 0 h 10000"/>
+                <a:gd name="connsiteX2" fmla="*/ 10226 w 10333"/>
+                <a:gd name="connsiteY2" fmla="*/ 4230 h 10000"/>
+                <a:gd name="connsiteX3" fmla="*/ 5000 w 10333"/>
+                <a:gd name="connsiteY3" fmla="*/ 10000 h 10000"/>
+                <a:gd name="connsiteX4" fmla="*/ 0 w 10333"/>
+                <a:gd name="connsiteY4" fmla="*/ 0 h 10000"/>
+                <a:gd name="connsiteX0" fmla="*/ 0 w 11339"/>
+                <a:gd name="connsiteY0" fmla="*/ 0 h 10000"/>
+                <a:gd name="connsiteX1" fmla="*/ 10000 w 11339"/>
+                <a:gd name="connsiteY1" fmla="*/ 0 h 10000"/>
+                <a:gd name="connsiteX2" fmla="*/ 11311 w 11339"/>
+                <a:gd name="connsiteY2" fmla="*/ 1212 h 10000"/>
+                <a:gd name="connsiteX3" fmla="*/ 10226 w 11339"/>
+                <a:gd name="connsiteY3" fmla="*/ 4230 h 10000"/>
+                <a:gd name="connsiteX4" fmla="*/ 5000 w 11339"/>
+                <a:gd name="connsiteY4" fmla="*/ 10000 h 10000"/>
+                <a:gd name="connsiteX5" fmla="*/ 0 w 11339"/>
+                <a:gd name="connsiteY5" fmla="*/ 0 h 10000"/>
+                <a:gd name="connsiteX0" fmla="*/ 799 w 12138"/>
+                <a:gd name="connsiteY0" fmla="*/ 0 h 10000"/>
+                <a:gd name="connsiteX1" fmla="*/ 10799 w 12138"/>
+                <a:gd name="connsiteY1" fmla="*/ 0 h 10000"/>
+                <a:gd name="connsiteX2" fmla="*/ 12110 w 12138"/>
+                <a:gd name="connsiteY2" fmla="*/ 1212 h 10000"/>
+                <a:gd name="connsiteX3" fmla="*/ 11025 w 12138"/>
+                <a:gd name="connsiteY3" fmla="*/ 4230 h 10000"/>
+                <a:gd name="connsiteX4" fmla="*/ 5799 w 12138"/>
+                <a:gd name="connsiteY4" fmla="*/ 10000 h 10000"/>
+                <a:gd name="connsiteX5" fmla="*/ 0 w 12138"/>
+                <a:gd name="connsiteY5" fmla="*/ 3484 h 10000"/>
+                <a:gd name="connsiteX6" fmla="*/ 799 w 12138"/>
+                <a:gd name="connsiteY6" fmla="*/ 0 h 10000"/>
+                <a:gd name="connsiteX0" fmla="*/ 1151 w 12490"/>
+                <a:gd name="connsiteY0" fmla="*/ 0 h 10000"/>
+                <a:gd name="connsiteX1" fmla="*/ 11151 w 12490"/>
+                <a:gd name="connsiteY1" fmla="*/ 0 h 10000"/>
+                <a:gd name="connsiteX2" fmla="*/ 12462 w 12490"/>
+                <a:gd name="connsiteY2" fmla="*/ 1212 h 10000"/>
+                <a:gd name="connsiteX3" fmla="*/ 11377 w 12490"/>
+                <a:gd name="connsiteY3" fmla="*/ 4230 h 10000"/>
+                <a:gd name="connsiteX4" fmla="*/ 6151 w 12490"/>
+                <a:gd name="connsiteY4" fmla="*/ 10000 h 10000"/>
+                <a:gd name="connsiteX5" fmla="*/ 352 w 12490"/>
+                <a:gd name="connsiteY5" fmla="*/ 3484 h 10000"/>
+                <a:gd name="connsiteX6" fmla="*/ 29 w 12490"/>
+                <a:gd name="connsiteY6" fmla="*/ 1317 h 10000"/>
+                <a:gd name="connsiteX7" fmla="*/ 1151 w 12490"/>
+                <a:gd name="connsiteY7" fmla="*/ 0 h 10000"/>
+              </a:gdLst>
+              <a:ahLst/>
+              <a:cxnLst>
+                <a:cxn ang="0">
+                  <a:pos x="connsiteX0" y="connsiteY0"/>
+                </a:cxn>
+                <a:cxn ang="0">
+                  <a:pos x="connsiteX1" y="connsiteY1"/>
+                </a:cxn>
+                <a:cxn ang="0">
+                  <a:pos x="connsiteX2" y="connsiteY2"/>
+                </a:cxn>
+                <a:cxn ang="0">
+                  <a:pos x="connsiteX3" y="connsiteY3"/>
+                </a:cxn>
+                <a:cxn ang="0">
+                  <a:pos x="connsiteX4" y="connsiteY4"/>
+                </a:cxn>
+                <a:cxn ang="0">
+                  <a:pos x="connsiteX5" y="connsiteY5"/>
+                </a:cxn>
+                <a:cxn ang="0">
+                  <a:pos x="connsiteX6" y="connsiteY6"/>
+                </a:cxn>
+                <a:cxn ang="0">
+                  <a:pos x="connsiteX7" y="connsiteY7"/>
+                </a:cxn>
+              </a:cxnLst>
+              <a:rect l="l" t="t" r="r" b="b"/>
+              <a:pathLst>
+                <a:path w="12490" h="10000">
+                  <a:moveTo>
+                    <a:pt x="1151" y="0"/>
+                  </a:moveTo>
+                  <a:lnTo>
+                    <a:pt x="11151" y="0"/>
+                  </a:lnTo>
+                  <a:cubicBezTo>
+                    <a:pt x="12885" y="239"/>
+                    <a:pt x="12424" y="507"/>
+                    <a:pt x="12462" y="1212"/>
+                  </a:cubicBezTo>
+                  <a:cubicBezTo>
+                    <a:pt x="12500" y="1917"/>
+                    <a:pt x="12278" y="2802"/>
+                    <a:pt x="11377" y="4230"/>
+                  </a:cubicBezTo>
+                  <a:lnTo>
+                    <a:pt x="6151" y="10000"/>
+                  </a:lnTo>
+                  <a:cubicBezTo>
+                    <a:pt x="5043" y="7832"/>
+                    <a:pt x="1460" y="5652"/>
+                    <a:pt x="352" y="3484"/>
+                  </a:cubicBezTo>
+                  <a:cubicBezTo>
+                    <a:pt x="526" y="2745"/>
+                    <a:pt x="-145" y="2056"/>
+                    <a:pt x="29" y="1317"/>
+                  </a:cubicBezTo>
+                  <a:lnTo>
+                    <a:pt x="1151" y="0"/>
+                  </a:lnTo>
+                  <a:close/>
+                </a:path>
+              </a:pathLst>
+            </a:custGeom>
+            <a:solidFill>
+              <a:srgbClr val="FCC7A6"/>
+            </a:solidFill>
+            <a:ln>
+              <a:noFill/>
+            </a:ln>
+          </p:spPr>
+          <p:style>
+            <a:lnRef idx="2">
+              <a:schemeClr val="accent1">
+                <a:shade val="50000"/>
+              </a:schemeClr>
+            </a:lnRef>
+            <a:fillRef idx="1">
+              <a:schemeClr val="accent1"/>
+            </a:fillRef>
+            <a:effectRef idx="0">
+              <a:schemeClr val="accent1"/>
+            </a:effectRef>
+            <a:fontRef idx="minor">
+              <a:schemeClr val="lt1"/>
+            </a:fontRef>
+          </p:style>
+          <p:txBody>
+            <a:bodyPr rtlCol="0" anchor="ctr"/>
+            <a:lstStyle/>
+            <a:p>
+              <a:pPr algn="ctr"/>
+              <a:endParaRPr lang="pt-BR" dirty="0"/>
+            </a:p>
+          </p:txBody>
+        </p:sp>
+        <p:sp>
+          <p:nvSpPr>
+            <p:cNvPr id="7" name="Elipse 12"/>
+            <p:cNvSpPr/>
+            <p:nvPr/>
+          </p:nvSpPr>
+          <p:spPr>
+            <a:xfrm>
+              <a:off x="6178751" y="1524524"/>
+              <a:ext cx="290150" cy="365447"/>
+            </a:xfrm>
+            <a:custGeom>
+              <a:avLst/>
+              <a:gdLst/>
+              <a:ahLst/>
+              <a:cxnLst/>
+              <a:rect l="l" t="t" r="r" b="b"/>
+              <a:pathLst>
+                <a:path w="290150" h="319400">
+                  <a:moveTo>
+                    <a:pt x="145075" y="0"/>
+                  </a:moveTo>
+                  <a:cubicBezTo>
+                    <a:pt x="225198" y="0"/>
+                    <a:pt x="290150" y="88661"/>
+                    <a:pt x="290150" y="198030"/>
+                  </a:cubicBezTo>
+                  <a:cubicBezTo>
+                    <a:pt x="290150" y="244327"/>
+                    <a:pt x="278511" y="286913"/>
+                    <a:pt x="256875" y="319400"/>
+                  </a:cubicBezTo>
+                  <a:cubicBezTo>
+                    <a:pt x="225372" y="307806"/>
+                    <a:pt x="183584" y="301220"/>
+                    <a:pt x="137801" y="301220"/>
+                  </a:cubicBezTo>
+                  <a:cubicBezTo>
+                    <a:pt x="97917" y="301220"/>
+                    <a:pt x="61063" y="306218"/>
+                    <a:pt x="31622" y="316051"/>
+                  </a:cubicBezTo>
+                  <a:cubicBezTo>
+                    <a:pt x="10901" y="284166"/>
+                    <a:pt x="0" y="242836"/>
+                    <a:pt x="0" y="198030"/>
+                  </a:cubicBezTo>
+                  <a:cubicBezTo>
+                    <a:pt x="0" y="88661"/>
+                    <a:pt x="64952" y="0"/>
+                    <a:pt x="145075" y="0"/>
+                  </a:cubicBezTo>
+                  <a:close/>
+                </a:path>
+              </a:pathLst>
+            </a:custGeom>
+            <a:solidFill>
+              <a:schemeClr val="bg1"/>
+            </a:solidFill>
+            <a:ln w="9525">
+              <a:solidFill>
+                <a:schemeClr val="tx1"/>
+              </a:solidFill>
+            </a:ln>
+          </p:spPr>
+          <p:style>
+            <a:lnRef idx="2">
+              <a:schemeClr val="accent1">
+                <a:shade val="50000"/>
+              </a:schemeClr>
+            </a:lnRef>
+            <a:fillRef idx="1">
+              <a:schemeClr val="accent1"/>
+            </a:fillRef>
+            <a:effectRef idx="0">
+              <a:schemeClr val="accent1"/>
+            </a:effectRef>
+            <a:fontRef idx="minor">
+              <a:schemeClr val="lt1"/>
+            </a:fontRef>
+          </p:style>
+          <p:txBody>
+            <a:bodyPr rtlCol="0" anchor="ctr"/>
+            <a:lstStyle/>
+            <a:p>
+              <a:pPr algn="ctr"/>
+              <a:endParaRPr lang="pt-BR"/>
+            </a:p>
+          </p:txBody>
+        </p:sp>
+        <p:sp>
+          <p:nvSpPr>
+            <p:cNvPr id="8" name="Elipse 12"/>
+            <p:cNvSpPr/>
+            <p:nvPr/>
+          </p:nvSpPr>
+          <p:spPr>
+            <a:xfrm>
+              <a:off x="6715623" y="1524524"/>
+              <a:ext cx="290150" cy="365447"/>
+            </a:xfrm>
+            <a:custGeom>
+              <a:avLst/>
+              <a:gdLst/>
+              <a:ahLst/>
+              <a:cxnLst/>
+              <a:rect l="l" t="t" r="r" b="b"/>
+              <a:pathLst>
+                <a:path w="290150" h="319400">
+                  <a:moveTo>
+                    <a:pt x="145075" y="0"/>
+                  </a:moveTo>
+                  <a:cubicBezTo>
+                    <a:pt x="225198" y="0"/>
+                    <a:pt x="290150" y="88661"/>
+                    <a:pt x="290150" y="198030"/>
+                  </a:cubicBezTo>
+                  <a:cubicBezTo>
+                    <a:pt x="290150" y="244327"/>
+                    <a:pt x="278511" y="286913"/>
+                    <a:pt x="256875" y="319400"/>
+                  </a:cubicBezTo>
+                  <a:cubicBezTo>
+                    <a:pt x="225372" y="307806"/>
+                    <a:pt x="183584" y="301220"/>
+                    <a:pt x="137801" y="301220"/>
+                  </a:cubicBezTo>
+                  <a:cubicBezTo>
+                    <a:pt x="97917" y="301220"/>
+                    <a:pt x="61063" y="306218"/>
+                    <a:pt x="31622" y="316051"/>
+                  </a:cubicBezTo>
+                  <a:cubicBezTo>
+                    <a:pt x="10901" y="284166"/>
+                    <a:pt x="0" y="242836"/>
+                    <a:pt x="0" y="198030"/>
+                  </a:cubicBezTo>
+                  <a:cubicBezTo>
+                    <a:pt x="0" y="88661"/>
+                    <a:pt x="64952" y="0"/>
+                    <a:pt x="145075" y="0"/>
+                  </a:cubicBezTo>
+                  <a:close/>
+                </a:path>
+              </a:pathLst>
+            </a:custGeom>
+            <a:solidFill>
+              <a:schemeClr val="bg1"/>
+            </a:solidFill>
+            <a:ln w="9525">
+              <a:solidFill>
+                <a:schemeClr val="tx1"/>
+              </a:solidFill>
+            </a:ln>
+          </p:spPr>
+          <p:style>
+            <a:lnRef idx="2">
+              <a:schemeClr val="accent1">
+                <a:shade val="50000"/>
+              </a:schemeClr>
+            </a:lnRef>
+            <a:fillRef idx="1">
+              <a:schemeClr val="accent1"/>
+            </a:fillRef>
+            <a:effectRef idx="0">
+              <a:schemeClr val="accent1"/>
+            </a:effectRef>
+            <a:fontRef idx="minor">
+              <a:schemeClr val="lt1"/>
+            </a:fontRef>
+          </p:style>
+          <p:txBody>
+            <a:bodyPr rtlCol="0" anchor="ctr"/>
+            <a:lstStyle/>
+            <a:p>
+              <a:pPr algn="ctr"/>
+              <a:endParaRPr lang="pt-BR"/>
+            </a:p>
+          </p:txBody>
+        </p:sp>
+        <p:sp>
+          <p:nvSpPr>
+            <p:cNvPr id="9" name="Elipse 8"/>
+            <p:cNvSpPr/>
+            <p:nvPr/>
+          </p:nvSpPr>
+          <p:spPr>
+            <a:xfrm>
+              <a:off x="6331445" y="1690706"/>
+              <a:ext cx="145075" cy="158062"/>
+            </a:xfrm>
+            <a:prstGeom prst="ellipse">
+              <a:avLst/>
+            </a:prstGeom>
+            <a:solidFill>
+              <a:schemeClr val="tx1"/>
+            </a:solidFill>
+            <a:ln>
+              <a:noFill/>
+            </a:ln>
+          </p:spPr>
+          <p:style>
+            <a:lnRef idx="2">
+              <a:schemeClr val="accent1">
+                <a:shade val="50000"/>
+              </a:schemeClr>
+            </a:lnRef>
+            <a:fillRef idx="1">
+              <a:schemeClr val="accent1"/>
+            </a:fillRef>
+            <a:effectRef idx="0">
+              <a:schemeClr val="accent1"/>
+            </a:effectRef>
+            <a:fontRef idx="minor">
+              <a:schemeClr val="lt1"/>
+            </a:fontRef>
+          </p:style>
+          <p:txBody>
+            <a:bodyPr rtlCol="0" anchor="ctr"/>
+            <a:lstStyle/>
+            <a:p>
+              <a:pPr algn="ctr"/>
+              <a:endParaRPr lang="pt-BR"/>
+            </a:p>
+          </p:txBody>
+        </p:sp>
+        <p:sp>
+          <p:nvSpPr>
+            <p:cNvPr id="10" name="Elipse 9"/>
+            <p:cNvSpPr/>
+            <p:nvPr/>
+          </p:nvSpPr>
+          <p:spPr>
+            <a:xfrm>
+              <a:off x="6869538" y="1695635"/>
+              <a:ext cx="145075" cy="158062"/>
+            </a:xfrm>
+            <a:prstGeom prst="ellipse">
+              <a:avLst/>
+            </a:prstGeom>
+            <a:solidFill>
+              <a:schemeClr val="tx1"/>
+            </a:solidFill>
+            <a:ln>
+              <a:noFill/>
+            </a:ln>
+          </p:spPr>
+          <p:style>
+            <a:lnRef idx="2">
+              <a:schemeClr val="accent1">
+                <a:shade val="50000"/>
+              </a:schemeClr>
+            </a:lnRef>
+            <a:fillRef idx="1">
+              <a:schemeClr val="accent1"/>
+            </a:fillRef>
+            <a:effectRef idx="0">
+              <a:schemeClr val="accent1"/>
+            </a:effectRef>
+            <a:fontRef idx="minor">
+              <a:schemeClr val="lt1"/>
+            </a:fontRef>
+          </p:style>
+          <p:txBody>
+            <a:bodyPr rtlCol="0" anchor="ctr"/>
+            <a:lstStyle/>
+            <a:p>
+              <a:pPr algn="ctr"/>
+              <a:endParaRPr lang="pt-BR"/>
+            </a:p>
+          </p:txBody>
+        </p:sp>
+        <p:sp>
+          <p:nvSpPr>
+            <p:cNvPr id="11" name="Arco 10"/>
+            <p:cNvSpPr/>
+            <p:nvPr/>
+          </p:nvSpPr>
+          <p:spPr>
+            <a:xfrm rot="18528476">
+              <a:off x="6129777" y="1444918"/>
+              <a:ext cx="369968" cy="318644"/>
+            </a:xfrm>
+            <a:prstGeom prst="arc">
+              <a:avLst>
+                <a:gd name="adj1" fmla="val 16200000"/>
+                <a:gd name="adj2" fmla="val 20549042"/>
+              </a:avLst>
+            </a:prstGeom>
+          </p:spPr>
+          <p:style>
+            <a:lnRef idx="1">
+              <a:schemeClr val="dk1"/>
+            </a:lnRef>
+            <a:fillRef idx="0">
+              <a:schemeClr val="dk1"/>
+            </a:fillRef>
+            <a:effectRef idx="0">
+              <a:schemeClr val="dk1"/>
+            </a:effectRef>
+            <a:fontRef idx="minor">
+              <a:schemeClr val="tx1"/>
+            </a:fontRef>
+          </p:style>
+          <p:txBody>
+            <a:bodyPr rtlCol="0" anchor="ctr"/>
+            <a:lstStyle/>
+            <a:p>
+              <a:pPr algn="ctr"/>
+              <a:endParaRPr lang="pt-BR"/>
+            </a:p>
+          </p:txBody>
+        </p:sp>
+        <p:sp>
+          <p:nvSpPr>
+            <p:cNvPr id="12" name="Arco 11"/>
+            <p:cNvSpPr/>
+            <p:nvPr/>
+          </p:nvSpPr>
+          <p:spPr>
+            <a:xfrm rot="20637606">
+              <a:off x="6684554" y="1444919"/>
+              <a:ext cx="369968" cy="318644"/>
+            </a:xfrm>
+            <a:prstGeom prst="arc">
+              <a:avLst>
+                <a:gd name="adj1" fmla="val 16200000"/>
+                <a:gd name="adj2" fmla="val 20549042"/>
+              </a:avLst>
+            </a:prstGeom>
+          </p:spPr>
+          <p:style>
+            <a:lnRef idx="1">
+              <a:schemeClr val="dk1"/>
+            </a:lnRef>
+            <a:fillRef idx="0">
+              <a:schemeClr val="dk1"/>
+            </a:fillRef>
+            <a:effectRef idx="0">
+              <a:schemeClr val="dk1"/>
+            </a:effectRef>
+            <a:fontRef idx="minor">
+              <a:schemeClr val="tx1"/>
+            </a:fontRef>
+          </p:style>
+          <p:txBody>
+            <a:bodyPr rtlCol="0" anchor="ctr"/>
+            <a:lstStyle/>
+            <a:p>
+              <a:pPr algn="ctr"/>
+              <a:endParaRPr lang="pt-BR"/>
+            </a:p>
+          </p:txBody>
+        </p:sp>
+        <p:sp>
+          <p:nvSpPr>
+            <p:cNvPr id="17" name="Elipse 16"/>
+            <p:cNvSpPr/>
+            <p:nvPr/>
+          </p:nvSpPr>
+          <p:spPr>
+            <a:xfrm rot="20219682">
+              <a:off x="7134072" y="1380010"/>
+              <a:ext cx="355942" cy="90527"/>
+            </a:xfrm>
+            <a:prstGeom prst="ellipse">
+              <a:avLst/>
+            </a:prstGeom>
+            <a:solidFill>
+              <a:srgbClr val="FF0000">
+                <a:alpha val="5882"/>
+              </a:srgbClr>
+            </a:solidFill>
+            <a:ln>
+              <a:noFill/>
+            </a:ln>
+          </p:spPr>
+          <p:style>
+            <a:lnRef idx="2">
+              <a:schemeClr val="accent1">
+                <a:shade val="50000"/>
+              </a:schemeClr>
+            </a:lnRef>
+            <a:fillRef idx="1">
+              <a:schemeClr val="accent1"/>
+            </a:fillRef>
+            <a:effectRef idx="0">
+              <a:schemeClr val="accent1"/>
+            </a:effectRef>
+            <a:fontRef idx="minor">
+              <a:schemeClr val="lt1"/>
+            </a:fontRef>
+          </p:style>
+          <p:txBody>
+            <a:bodyPr rtlCol="0" anchor="ctr"/>
+            <a:lstStyle/>
+            <a:p>
+              <a:pPr algn="ctr"/>
+              <a:endParaRPr lang="pt-BR"/>
+            </a:p>
+          </p:txBody>
+        </p:sp>
+        <p:sp>
+          <p:nvSpPr>
+            <p:cNvPr id="18" name="Elipse 17"/>
+            <p:cNvSpPr/>
+            <p:nvPr/>
+          </p:nvSpPr>
+          <p:spPr>
+            <a:xfrm rot="3218186">
+              <a:off x="5840985" y="1160615"/>
+              <a:ext cx="355942" cy="90527"/>
+            </a:xfrm>
+            <a:prstGeom prst="ellipse">
+              <a:avLst/>
+            </a:prstGeom>
+            <a:solidFill>
+              <a:srgbClr val="FF0000">
+                <a:alpha val="5882"/>
+              </a:srgbClr>
+            </a:solidFill>
+            <a:ln>
+              <a:noFill/>
+            </a:ln>
+          </p:spPr>
+          <p:style>
+            <a:lnRef idx="2">
+              <a:schemeClr val="accent1">
+                <a:shade val="50000"/>
+              </a:schemeClr>
+            </a:lnRef>
+            <a:fillRef idx="1">
+              <a:schemeClr val="accent1"/>
+            </a:fillRef>
+            <a:effectRef idx="0">
+              <a:schemeClr val="accent1"/>
+            </a:effectRef>
+            <a:fontRef idx="minor">
+              <a:schemeClr val="lt1"/>
+            </a:fontRef>
+          </p:style>
+          <p:txBody>
+            <a:bodyPr rtlCol="0" anchor="ctr"/>
+            <a:lstStyle/>
+            <a:p>
+              <a:pPr algn="ctr"/>
+              <a:endParaRPr lang="pt-BR"/>
+            </a:p>
+          </p:txBody>
+        </p:sp>
+        <p:grpSp>
+          <p:nvGrpSpPr>
+            <p:cNvPr id="2" name="Grupo 1"/>
+            <p:cNvGrpSpPr/>
+            <p:nvPr/>
+          </p:nvGrpSpPr>
+          <p:grpSpPr>
+            <a:xfrm>
+              <a:off x="6568510" y="1864339"/>
+              <a:ext cx="357713" cy="252013"/>
+              <a:chOff x="6206681" y="1860595"/>
+              <a:chExt cx="357713" cy="252013"/>
+            </a:xfrm>
+          </p:grpSpPr>
+          <p:sp>
+            <p:nvSpPr>
+              <p:cNvPr id="13" name="Elipse 19"/>
+              <p:cNvSpPr/>
+              <p:nvPr/>
+            </p:nvSpPr>
+            <p:spPr>
+              <a:xfrm>
+                <a:off x="6206681" y="1860595"/>
+                <a:ext cx="357713" cy="252013"/>
+              </a:xfrm>
+              <a:custGeom>
+                <a:avLst/>
+                <a:gdLst>
+                  <a:gd name="connsiteX0" fmla="*/ 0 w 716303"/>
+                  <a:gd name="connsiteY0" fmla="*/ 360040 h 720080"/>
+                  <a:gd name="connsiteX1" fmla="*/ 358152 w 716303"/>
+                  <a:gd name="connsiteY1" fmla="*/ 0 h 720080"/>
+                  <a:gd name="connsiteX2" fmla="*/ 716304 w 716303"/>
+                  <a:gd name="connsiteY2" fmla="*/ 360040 h 720080"/>
+                  <a:gd name="connsiteX3" fmla="*/ 358152 w 716303"/>
+                  <a:gd name="connsiteY3" fmla="*/ 720080 h 720080"/>
+                  <a:gd name="connsiteX4" fmla="*/ 0 w 716303"/>
+                  <a:gd name="connsiteY4" fmla="*/ 360040 h 720080"/>
+                  <a:gd name="connsiteX0" fmla="*/ 0 w 827817"/>
+                  <a:gd name="connsiteY0" fmla="*/ 366194 h 771691"/>
+                  <a:gd name="connsiteX1" fmla="*/ 358152 w 827817"/>
+                  <a:gd name="connsiteY1" fmla="*/ 6154 h 771691"/>
+                  <a:gd name="connsiteX2" fmla="*/ 827817 w 827817"/>
+                  <a:gd name="connsiteY2" fmla="*/ 633823 h 771691"/>
+                  <a:gd name="connsiteX3" fmla="*/ 358152 w 827817"/>
+                  <a:gd name="connsiteY3" fmla="*/ 726234 h 771691"/>
+                  <a:gd name="connsiteX4" fmla="*/ 0 w 827817"/>
+                  <a:gd name="connsiteY4" fmla="*/ 366194 h 771691"/>
+                  <a:gd name="connsiteX0" fmla="*/ 204224 w 1032041"/>
+                  <a:gd name="connsiteY0" fmla="*/ 364649 h 749956"/>
+                  <a:gd name="connsiteX1" fmla="*/ 562376 w 1032041"/>
+                  <a:gd name="connsiteY1" fmla="*/ 4609 h 749956"/>
+                  <a:gd name="connsiteX2" fmla="*/ 1032041 w 1032041"/>
+                  <a:gd name="connsiteY2" fmla="*/ 632278 h 749956"/>
+                  <a:gd name="connsiteX3" fmla="*/ 562376 w 1032041"/>
+                  <a:gd name="connsiteY3" fmla="*/ 724689 h 749956"/>
+                  <a:gd name="connsiteX4" fmla="*/ 13047 w 1032041"/>
+                  <a:gd name="connsiteY4" fmla="*/ 685764 h 749956"/>
+                  <a:gd name="connsiteX5" fmla="*/ 204224 w 1032041"/>
+                  <a:gd name="connsiteY5" fmla="*/ 364649 h 749956"/>
+                  <a:gd name="connsiteX0" fmla="*/ 183452 w 1033572"/>
+                  <a:gd name="connsiteY0" fmla="*/ 280968 h 755485"/>
+                  <a:gd name="connsiteX1" fmla="*/ 563907 w 1033572"/>
+                  <a:gd name="connsiteY1" fmla="*/ 10138 h 755485"/>
+                  <a:gd name="connsiteX2" fmla="*/ 1033572 w 1033572"/>
+                  <a:gd name="connsiteY2" fmla="*/ 637807 h 755485"/>
+                  <a:gd name="connsiteX3" fmla="*/ 563907 w 1033572"/>
+                  <a:gd name="connsiteY3" fmla="*/ 730218 h 755485"/>
+                  <a:gd name="connsiteX4" fmla="*/ 14578 w 1033572"/>
+                  <a:gd name="connsiteY4" fmla="*/ 691293 h 755485"/>
+                  <a:gd name="connsiteX5" fmla="*/ 183452 w 1033572"/>
+                  <a:gd name="connsiteY5" fmla="*/ 280968 h 755485"/>
+                  <a:gd name="connsiteX0" fmla="*/ 183861 w 1033981"/>
+                  <a:gd name="connsiteY0" fmla="*/ 238011 h 712528"/>
+                  <a:gd name="connsiteX1" fmla="*/ 597770 w 1033981"/>
+                  <a:gd name="connsiteY1" fmla="*/ 11786 h 712528"/>
+                  <a:gd name="connsiteX2" fmla="*/ 1033981 w 1033981"/>
+                  <a:gd name="connsiteY2" fmla="*/ 594850 h 712528"/>
+                  <a:gd name="connsiteX3" fmla="*/ 564316 w 1033981"/>
+                  <a:gd name="connsiteY3" fmla="*/ 687261 h 712528"/>
+                  <a:gd name="connsiteX4" fmla="*/ 14987 w 1033981"/>
+                  <a:gd name="connsiteY4" fmla="*/ 648336 h 712528"/>
+                  <a:gd name="connsiteX5" fmla="*/ 183861 w 1033981"/>
+                  <a:gd name="connsiteY5" fmla="*/ 238011 h 712528"/>
+                  <a:gd name="connsiteX0" fmla="*/ 183861 w 1033981"/>
+                  <a:gd name="connsiteY0" fmla="*/ 238011 h 688138"/>
+                  <a:gd name="connsiteX1" fmla="*/ 597770 w 1033981"/>
+                  <a:gd name="connsiteY1" fmla="*/ 11786 h 688138"/>
+                  <a:gd name="connsiteX2" fmla="*/ 1033981 w 1033981"/>
+                  <a:gd name="connsiteY2" fmla="*/ 594850 h 688138"/>
+                  <a:gd name="connsiteX3" fmla="*/ 519711 w 1033981"/>
+                  <a:gd name="connsiteY3" fmla="*/ 620353 h 688138"/>
+                  <a:gd name="connsiteX4" fmla="*/ 14987 w 1033981"/>
+                  <a:gd name="connsiteY4" fmla="*/ 648336 h 688138"/>
+                  <a:gd name="connsiteX5" fmla="*/ 183861 w 1033981"/>
+                  <a:gd name="connsiteY5" fmla="*/ 238011 h 688138"/>
+                </a:gdLst>
+                <a:ahLst/>
+                <a:cxnLst>
+                  <a:cxn ang="0">
+                    <a:pos x="connsiteX0" y="connsiteY0"/>
+                  </a:cxn>
+                  <a:cxn ang="0">
+                    <a:pos x="connsiteX1" y="connsiteY1"/>
+                  </a:cxn>
+                  <a:cxn ang="0">
+                    <a:pos x="connsiteX2" y="connsiteY2"/>
+                  </a:cxn>
+                  <a:cxn ang="0">
+                    <a:pos x="connsiteX3" y="connsiteY3"/>
+                  </a:cxn>
+                  <a:cxn ang="0">
+                    <a:pos x="connsiteX4" y="connsiteY4"/>
+                  </a:cxn>
+                  <a:cxn ang="0">
+                    <a:pos x="connsiteX5" y="connsiteY5"/>
+                  </a:cxn>
+                </a:cxnLst>
+                <a:rect l="l" t="t" r="r" b="b"/>
+                <a:pathLst>
+                  <a:path w="1033981" h="688138">
+                    <a:moveTo>
+                      <a:pt x="183861" y="238011"/>
+                    </a:moveTo>
+                    <a:cubicBezTo>
+                      <a:pt x="280991" y="131919"/>
+                      <a:pt x="456083" y="-47687"/>
+                      <a:pt x="597770" y="11786"/>
+                    </a:cubicBezTo>
+                    <a:cubicBezTo>
+                      <a:pt x="739457" y="71259"/>
+                      <a:pt x="1033981" y="396005"/>
+                      <a:pt x="1033981" y="594850"/>
+                    </a:cubicBezTo>
+                    <a:cubicBezTo>
+                      <a:pt x="1033981" y="793695"/>
+                      <a:pt x="689543" y="611439"/>
+                      <a:pt x="519711" y="620353"/>
+                    </a:cubicBezTo>
+                    <a:cubicBezTo>
+                      <a:pt x="349879" y="629267"/>
+                      <a:pt x="74679" y="708343"/>
+                      <a:pt x="14987" y="648336"/>
+                    </a:cubicBezTo>
+                    <a:cubicBezTo>
+                      <a:pt x="-44705" y="588329"/>
+                      <a:pt x="86731" y="344103"/>
+                      <a:pt x="183861" y="238011"/>
+                    </a:cubicBezTo>
+                    <a:close/>
+                  </a:path>
+                </a:pathLst>
+              </a:custGeom>
+              <a:solidFill>
+                <a:srgbClr val="F68B32"/>
+              </a:solidFill>
+              <a:ln w="3175">
+                <a:noFill/>
+              </a:ln>
+            </p:spPr>
+            <p:style>
+              <a:lnRef idx="2">
+                <a:schemeClr val="accent1">
+                  <a:shade val="50000"/>
+                </a:schemeClr>
+              </a:lnRef>
+              <a:fillRef idx="1">
+                <a:schemeClr val="accent1"/>
+              </a:fillRef>
+              <a:effectRef idx="0">
+                <a:schemeClr val="accent1"/>
+              </a:effectRef>
+              <a:fontRef idx="minor">
+                <a:schemeClr val="lt1"/>
+              </a:fontRef>
+            </p:style>
+            <p:txBody>
+              <a:bodyPr rtlCol="0" anchor="ctr"/>
+              <a:lstStyle/>
+              <a:p>
+                <a:pPr algn="ctr"/>
+                <a:endParaRPr lang="pt-BR"/>
+              </a:p>
+            </p:txBody>
+          </p:sp>
+          <p:sp>
+            <p:nvSpPr>
+              <p:cNvPr id="14" name="Elipse 13"/>
+              <p:cNvSpPr/>
+              <p:nvPr/>
+            </p:nvSpPr>
+            <p:spPr>
+              <a:xfrm>
+                <a:off x="6289470" y="1986601"/>
+                <a:ext cx="45719" cy="45719"/>
+              </a:xfrm>
+              <a:prstGeom prst="ellipse">
+                <a:avLst/>
+              </a:prstGeom>
+              <a:solidFill>
+                <a:schemeClr val="tx1"/>
+              </a:solidFill>
+              <a:ln>
+                <a:noFill/>
+              </a:ln>
+            </p:spPr>
+            <p:style>
+              <a:lnRef idx="2">
+                <a:schemeClr val="accent1">
+                  <a:shade val="50000"/>
+                </a:schemeClr>
+              </a:lnRef>
+              <a:fillRef idx="1">
+                <a:schemeClr val="accent1"/>
+              </a:fillRef>
+              <a:effectRef idx="0">
+                <a:schemeClr val="accent1"/>
+              </a:effectRef>
+              <a:fontRef idx="minor">
+                <a:schemeClr val="lt1"/>
+              </a:fontRef>
+            </p:style>
+            <p:txBody>
+              <a:bodyPr rtlCol="0" anchor="ctr"/>
+              <a:lstStyle/>
+              <a:p>
+                <a:pPr algn="ctr"/>
+                <a:endParaRPr lang="pt-BR"/>
+              </a:p>
+            </p:txBody>
+          </p:sp>
+          <p:sp>
+            <p:nvSpPr>
+              <p:cNvPr id="15" name="Elipse 14"/>
+              <p:cNvSpPr/>
+              <p:nvPr/>
+            </p:nvSpPr>
+            <p:spPr>
+              <a:xfrm>
+                <a:off x="6441870" y="1997968"/>
+                <a:ext cx="45719" cy="45719"/>
+              </a:xfrm>
+              <a:prstGeom prst="ellipse">
+                <a:avLst/>
+              </a:prstGeom>
+              <a:solidFill>
+                <a:schemeClr val="tx1"/>
+              </a:solidFill>
+              <a:ln>
+                <a:noFill/>
+              </a:ln>
+            </p:spPr>
+            <p:style>
+              <a:lnRef idx="2">
+                <a:schemeClr val="accent1">
+                  <a:shade val="50000"/>
+                </a:schemeClr>
+              </a:lnRef>
+              <a:fillRef idx="1">
+                <a:schemeClr val="accent1"/>
+              </a:fillRef>
+              <a:effectRef idx="0">
+                <a:schemeClr val="accent1"/>
+              </a:effectRef>
+              <a:fontRef idx="minor">
+                <a:schemeClr val="lt1"/>
+              </a:fontRef>
+            </p:style>
+            <p:txBody>
+              <a:bodyPr rtlCol="0" anchor="ctr"/>
+              <a:lstStyle/>
+              <a:p>
+                <a:pPr algn="ctr"/>
+                <a:endParaRPr lang="pt-BR"/>
+              </a:p>
+            </p:txBody>
+          </p:sp>
+        </p:grpSp>
+      </p:grpSp>
     </p:spTree>
     <p:extLst>
       <p:ext uri="{BB962C8B-B14F-4D97-AF65-F5344CB8AC3E}">
@@ -21750,4 +24016,289 @@
   <a:objectDefaults/>
   <a:extraClrSchemeLst/>
 </a:theme>
+</file>
+
+<file path=ppt/theme/theme2.xml><?xml version="1.0" encoding="utf-8"?>
+<a:theme xmlns:a="http://schemas.openxmlformats.org/drawingml/2006/main" name="Tema do Office">
+  <a:themeElements>
+    <a:clrScheme name="Escritório">
+      <a:dk1>
+        <a:sysClr val="windowText" lastClr="000000"/>
+      </a:dk1>
+      <a:lt1>
+        <a:sysClr val="window" lastClr="FFFFFF"/>
+      </a:lt1>
+      <a:dk2>
+        <a:srgbClr val="1F497D"/>
+      </a:dk2>
+      <a:lt2>
+        <a:srgbClr val="EEECE1"/>
+      </a:lt2>
+      <a:accent1>
+        <a:srgbClr val="4F81BD"/>
+      </a:accent1>
+      <a:accent2>
+        <a:srgbClr val="C0504D"/>
+      </a:accent2>
+      <a:accent3>
+        <a:srgbClr val="9BBB59"/>
+      </a:accent3>
+      <a:accent4>
+        <a:srgbClr val="8064A2"/>
+      </a:accent4>
+      <a:accent5>
+        <a:srgbClr val="4BACC6"/>
+      </a:accent5>
+      <a:accent6>
+        <a:srgbClr val="F79646"/>
+      </a:accent6>
+      <a:hlink>
+        <a:srgbClr val="0000FF"/>
+      </a:hlink>
+      <a:folHlink>
+        <a:srgbClr val="800080"/>
+      </a:folHlink>
+    </a:clrScheme>
+    <a:fontScheme name="Escritório">
+      <a:majorFont>
+        <a:latin typeface="Calibri"/>
+        <a:ea typeface=""/>
+        <a:cs typeface=""/>
+        <a:font script="Jpan" typeface="ＭＳ Ｐゴシック"/>
+        <a:font script="Hang" typeface="맑은 고딕"/>
+        <a:font script="Hans" typeface="宋体"/>
+        <a:font script="Hant" typeface="新細明體"/>
+        <a:font script="Arab" typeface="Times New Roman"/>
+        <a:font script="Hebr" typeface="Times New Roman"/>
+        <a:font script="Thai" typeface="Angsana New"/>
+        <a:font script="Ethi" typeface="Nyala"/>
+        <a:font script="Beng" typeface="Vrinda"/>
+        <a:font script="Gujr" typeface="Shruti"/>
+        <a:font script="Khmr" typeface="MoolBoran"/>
+        <a:font script="Knda" typeface="Tunga"/>
+        <a:font script="Guru" typeface="Raavi"/>
+        <a:font script="Cans" typeface="Euphemia"/>
+        <a:font script="Cher" typeface="Plantagenet Cherokee"/>
+        <a:font script="Yiii" typeface="Microsoft Yi Baiti"/>
+        <a:font script="Tibt" typeface="Microsoft Himalaya"/>
+        <a:font script="Thaa" typeface="MV Boli"/>
+        <a:font script="Deva" typeface="Mangal"/>
+        <a:font script="Telu" typeface="Gautami"/>
+        <a:font script="Taml" typeface="Latha"/>
+        <a:font script="Syrc" typeface="Estrangelo Edessa"/>
+        <a:font script="Orya" typeface="Kalinga"/>
+        <a:font script="Mlym" typeface="Kartika"/>
+        <a:font script="Laoo" typeface="DokChampa"/>
+        <a:font script="Sinh" typeface="Iskoola Pota"/>
+        <a:font script="Mong" typeface="Mongolian Baiti"/>
+        <a:font script="Viet" typeface="Times New Roman"/>
+        <a:font script="Uigh" typeface="Microsoft Uighur"/>
+        <a:font script="Geor" typeface="Sylfaen"/>
+      </a:majorFont>
+      <a:minorFont>
+        <a:latin typeface="Calibri"/>
+        <a:ea typeface=""/>
+        <a:cs typeface=""/>
+        <a:font script="Jpan" typeface="ＭＳ Ｐゴシック"/>
+        <a:font script="Hang" typeface="맑은 고딕"/>
+        <a:font script="Hans" typeface="宋体"/>
+        <a:font script="Hant" typeface="新細明體"/>
+        <a:font script="Arab" typeface="Arial"/>
+        <a:font script="Hebr" typeface="Arial"/>
+        <a:font script="Thai" typeface="Cordia New"/>
+        <a:font script="Ethi" typeface="Nyala"/>
+        <a:font script="Beng" typeface="Vrinda"/>
+        <a:font script="Gujr" typeface="Shruti"/>
+        <a:font script="Khmr" typeface="DaunPenh"/>
+        <a:font script="Knda" typeface="Tunga"/>
+        <a:font script="Guru" typeface="Raavi"/>
+        <a:font script="Cans" typeface="Euphemia"/>
+        <a:font script="Cher" typeface="Plantagenet Cherokee"/>
+        <a:font script="Yiii" typeface="Microsoft Yi Baiti"/>
+        <a:font script="Tibt" typeface="Microsoft Himalaya"/>
+        <a:font script="Thaa" typeface="MV Boli"/>
+        <a:font script="Deva" typeface="Mangal"/>
+        <a:font script="Telu" typeface="Gautami"/>
+        <a:font script="Taml" typeface="Latha"/>
+        <a:font script="Syrc" typeface="Estrangelo Edessa"/>
+        <a:font script="Orya" typeface="Kalinga"/>
+        <a:font script="Mlym" typeface="Kartika"/>
+        <a:font script="Laoo" typeface="DokChampa"/>
+        <a:font script="Sinh" typeface="Iskoola Pota"/>
+        <a:font script="Mong" typeface="Mongolian Baiti"/>
+        <a:font script="Viet" typeface="Arial"/>
+        <a:font script="Uigh" typeface="Microsoft Uighur"/>
+        <a:font script="Geor" typeface="Sylfaen"/>
+      </a:minorFont>
+    </a:fontScheme>
+    <a:fmtScheme name="Escritório">
+      <a:fillStyleLst>
+        <a:solidFill>
+          <a:schemeClr val="phClr"/>
+        </a:solidFill>
+        <a:gradFill rotWithShape="1">
+          <a:gsLst>
+            <a:gs pos="0">
+              <a:schemeClr val="phClr">
+                <a:tint val="50000"/>
+                <a:satMod val="300000"/>
+              </a:schemeClr>
+            </a:gs>
+            <a:gs pos="35000">
+              <a:schemeClr val="phClr">
+                <a:tint val="37000"/>
+                <a:satMod val="300000"/>
+              </a:schemeClr>
+            </a:gs>
+            <a:gs pos="100000">
+              <a:schemeClr val="phClr">
+                <a:tint val="15000"/>
+                <a:satMod val="350000"/>
+              </a:schemeClr>
+            </a:gs>
+          </a:gsLst>
+          <a:lin ang="16200000" scaled="1"/>
+        </a:gradFill>
+        <a:gradFill rotWithShape="1">
+          <a:gsLst>
+            <a:gs pos="0">
+              <a:schemeClr val="phClr">
+                <a:shade val="51000"/>
+                <a:satMod val="130000"/>
+              </a:schemeClr>
+            </a:gs>
+            <a:gs pos="80000">
+              <a:schemeClr val="phClr">
+                <a:shade val="93000"/>
+                <a:satMod val="130000"/>
+              </a:schemeClr>
+            </a:gs>
+            <a:gs pos="100000">
+              <a:schemeClr val="phClr">
+                <a:shade val="94000"/>
+                <a:satMod val="135000"/>
+              </a:schemeClr>
+            </a:gs>
+          </a:gsLst>
+          <a:lin ang="16200000" scaled="0"/>
+        </a:gradFill>
+      </a:fillStyleLst>
+      <a:lnStyleLst>
+        <a:ln w="9525" cap="flat" cmpd="sng" algn="ctr">
+          <a:solidFill>
+            <a:schemeClr val="phClr">
+              <a:shade val="95000"/>
+              <a:satMod val="105000"/>
+            </a:schemeClr>
+          </a:solidFill>
+          <a:prstDash val="solid"/>
+        </a:ln>
+        <a:ln w="25400" cap="flat" cmpd="sng" algn="ctr">
+          <a:solidFill>
+            <a:schemeClr val="phClr"/>
+          </a:solidFill>
+          <a:prstDash val="solid"/>
+        </a:ln>
+        <a:ln w="38100" cap="flat" cmpd="sng" algn="ctr">
+          <a:solidFill>
+            <a:schemeClr val="phClr"/>
+          </a:solidFill>
+          <a:prstDash val="solid"/>
+        </a:ln>
+      </a:lnStyleLst>
+      <a:effectStyleLst>
+        <a:effectStyle>
+          <a:effectLst>
+            <a:outerShdw blurRad="40000" dist="20000" dir="5400000" rotWithShape="0">
+              <a:srgbClr val="000000">
+                <a:alpha val="38000"/>
+              </a:srgbClr>
+            </a:outerShdw>
+          </a:effectLst>
+        </a:effectStyle>
+        <a:effectStyle>
+          <a:effectLst>
+            <a:outerShdw blurRad="40000" dist="23000" dir="5400000" rotWithShape="0">
+              <a:srgbClr val="000000">
+                <a:alpha val="35000"/>
+              </a:srgbClr>
+            </a:outerShdw>
+          </a:effectLst>
+        </a:effectStyle>
+        <a:effectStyle>
+          <a:effectLst>
+            <a:outerShdw blurRad="40000" dist="23000" dir="5400000" rotWithShape="0">
+              <a:srgbClr val="000000">
+                <a:alpha val="35000"/>
+              </a:srgbClr>
+            </a:outerShdw>
+          </a:effectLst>
+          <a:scene3d>
+            <a:camera prst="orthographicFront">
+              <a:rot lat="0" lon="0" rev="0"/>
+            </a:camera>
+            <a:lightRig rig="threePt" dir="t">
+              <a:rot lat="0" lon="0" rev="1200000"/>
+            </a:lightRig>
+          </a:scene3d>
+          <a:sp3d>
+            <a:bevelT w="63500" h="25400"/>
+          </a:sp3d>
+        </a:effectStyle>
+      </a:effectStyleLst>
+      <a:bgFillStyleLst>
+        <a:solidFill>
+          <a:schemeClr val="phClr"/>
+        </a:solidFill>
+        <a:gradFill rotWithShape="1">
+          <a:gsLst>
+            <a:gs pos="0">
+              <a:schemeClr val="phClr">
+                <a:tint val="40000"/>
+                <a:satMod val="350000"/>
+              </a:schemeClr>
+            </a:gs>
+            <a:gs pos="40000">
+              <a:schemeClr val="phClr">
+                <a:tint val="45000"/>
+                <a:shade val="99000"/>
+                <a:satMod val="350000"/>
+              </a:schemeClr>
+            </a:gs>
+            <a:gs pos="100000">
+              <a:schemeClr val="phClr">
+                <a:shade val="20000"/>
+                <a:satMod val="255000"/>
+              </a:schemeClr>
+            </a:gs>
+          </a:gsLst>
+          <a:path path="circle">
+            <a:fillToRect l="50000" t="-80000" r="50000" b="180000"/>
+          </a:path>
+        </a:gradFill>
+        <a:gradFill rotWithShape="1">
+          <a:gsLst>
+            <a:gs pos="0">
+              <a:schemeClr val="phClr">
+                <a:tint val="80000"/>
+                <a:satMod val="300000"/>
+              </a:schemeClr>
+            </a:gs>
+            <a:gs pos="100000">
+              <a:schemeClr val="phClr">
+                <a:shade val="30000"/>
+                <a:satMod val="200000"/>
+              </a:schemeClr>
+            </a:gs>
+          </a:gsLst>
+          <a:path path="circle">
+            <a:fillToRect l="50000" t="50000" r="50000" b="50000"/>
+          </a:path>
+        </a:gradFill>
+      </a:bgFillStyleLst>
+    </a:fmtScheme>
+  </a:themeElements>
+  <a:objectDefaults/>
+  <a:extraClrSchemeLst/>
+</a:theme>
 </file>